--- a/docs/PresentacionFinal.pptx
+++ b/docs/PresentacionFinal.pptx
@@ -15,6 +15,9 @@
     <p:sldId id="263" r:id="rId9"/>
     <p:sldId id="264" r:id="rId10"/>
     <p:sldId id="265" r:id="rId11"/>
+    <p:sldId id="266" r:id="rId12"/>
+    <p:sldId id="267" r:id="rId13"/>
+    <p:sldId id="268" r:id="rId14"/>
   </p:sldIdLst>
   <p:sldSz cx="12192000" cy="6858000"/>
   <p:notesSz cx="6858000" cy="9144000"/>
@@ -261,7 +264,7 @@
           <a:p>
             <a:fld id="{B951A33D-190D-42DB-9BC7-255E6333FEAF}" type="datetimeFigureOut">
               <a:rPr lang="es-ES" smtClean="0"/>
-              <a:t>10/12/2016</a:t>
+              <a:t>11/12/2016</a:t>
             </a:fld>
             <a:endParaRPr lang="es-ES"/>
           </a:p>
@@ -429,7 +432,7 @@
           <a:p>
             <a:fld id="{B951A33D-190D-42DB-9BC7-255E6333FEAF}" type="datetimeFigureOut">
               <a:rPr lang="es-ES" smtClean="0"/>
-              <a:t>10/12/2016</a:t>
+              <a:t>11/12/2016</a:t>
             </a:fld>
             <a:endParaRPr lang="es-ES"/>
           </a:p>
@@ -607,7 +610,7 @@
           <a:p>
             <a:fld id="{B951A33D-190D-42DB-9BC7-255E6333FEAF}" type="datetimeFigureOut">
               <a:rPr lang="es-ES" smtClean="0"/>
-              <a:t>10/12/2016</a:t>
+              <a:t>11/12/2016</a:t>
             </a:fld>
             <a:endParaRPr lang="es-ES"/>
           </a:p>
@@ -775,7 +778,7 @@
           <a:p>
             <a:fld id="{B951A33D-190D-42DB-9BC7-255E6333FEAF}" type="datetimeFigureOut">
               <a:rPr lang="es-ES" smtClean="0"/>
-              <a:t>10/12/2016</a:t>
+              <a:t>11/12/2016</a:t>
             </a:fld>
             <a:endParaRPr lang="es-ES"/>
           </a:p>
@@ -1020,7 +1023,7 @@
           <a:p>
             <a:fld id="{B951A33D-190D-42DB-9BC7-255E6333FEAF}" type="datetimeFigureOut">
               <a:rPr lang="es-ES" smtClean="0"/>
-              <a:t>10/12/2016</a:t>
+              <a:t>11/12/2016</a:t>
             </a:fld>
             <a:endParaRPr lang="es-ES"/>
           </a:p>
@@ -1249,7 +1252,7 @@
           <a:p>
             <a:fld id="{B951A33D-190D-42DB-9BC7-255E6333FEAF}" type="datetimeFigureOut">
               <a:rPr lang="es-ES" smtClean="0"/>
-              <a:t>10/12/2016</a:t>
+              <a:t>11/12/2016</a:t>
             </a:fld>
             <a:endParaRPr lang="es-ES"/>
           </a:p>
@@ -1613,7 +1616,7 @@
           <a:p>
             <a:fld id="{B951A33D-190D-42DB-9BC7-255E6333FEAF}" type="datetimeFigureOut">
               <a:rPr lang="es-ES" smtClean="0"/>
-              <a:t>10/12/2016</a:t>
+              <a:t>11/12/2016</a:t>
             </a:fld>
             <a:endParaRPr lang="es-ES"/>
           </a:p>
@@ -1730,7 +1733,7 @@
           <a:p>
             <a:fld id="{B951A33D-190D-42DB-9BC7-255E6333FEAF}" type="datetimeFigureOut">
               <a:rPr lang="es-ES" smtClean="0"/>
-              <a:t>10/12/2016</a:t>
+              <a:t>11/12/2016</a:t>
             </a:fld>
             <a:endParaRPr lang="es-ES"/>
           </a:p>
@@ -1825,7 +1828,7 @@
           <a:p>
             <a:fld id="{B951A33D-190D-42DB-9BC7-255E6333FEAF}" type="datetimeFigureOut">
               <a:rPr lang="es-ES" smtClean="0"/>
-              <a:t>10/12/2016</a:t>
+              <a:t>11/12/2016</a:t>
             </a:fld>
             <a:endParaRPr lang="es-ES"/>
           </a:p>
@@ -2100,7 +2103,7 @@
           <a:p>
             <a:fld id="{B951A33D-190D-42DB-9BC7-255E6333FEAF}" type="datetimeFigureOut">
               <a:rPr lang="es-ES" smtClean="0"/>
-              <a:t>10/12/2016</a:t>
+              <a:t>11/12/2016</a:t>
             </a:fld>
             <a:endParaRPr lang="es-ES"/>
           </a:p>
@@ -2352,7 +2355,7 @@
           <a:p>
             <a:fld id="{B951A33D-190D-42DB-9BC7-255E6333FEAF}" type="datetimeFigureOut">
               <a:rPr lang="es-ES" smtClean="0"/>
-              <a:t>10/12/2016</a:t>
+              <a:t>11/12/2016</a:t>
             </a:fld>
             <a:endParaRPr lang="es-ES"/>
           </a:p>
@@ -2563,7 +2566,7 @@
           <a:p>
             <a:fld id="{B951A33D-190D-42DB-9BC7-255E6333FEAF}" type="datetimeFigureOut">
               <a:rPr lang="es-ES" smtClean="0"/>
-              <a:t>10/12/2016</a:t>
+              <a:t>11/12/2016</a:t>
             </a:fld>
             <a:endParaRPr lang="es-ES"/>
           </a:p>
@@ -3670,7 +3673,7 @@
         </p:spPr>
         <p:txBody>
           <a:bodyPr>
-            <a:normAutofit/>
+            <a:normAutofit fontScale="92500" lnSpcReduction="10000"/>
           </a:bodyPr>
           <a:lstStyle/>
           <a:p>
@@ -3683,7 +3686,21 @@
             <a:pPr lvl="1"/>
             <a:r>
               <a:rPr lang="es-ES" sz="2800" dirty="0"/>
-              <a:t>Lo que hayáis usado</a:t>
+              <a:t>J48</a:t>
+            </a:r>
+          </a:p>
+          <a:p>
+            <a:pPr lvl="1"/>
+            <a:r>
+              <a:rPr lang="es-ES" sz="2800" dirty="0"/>
+              <a:t>LMT</a:t>
+            </a:r>
+          </a:p>
+          <a:p>
+            <a:pPr lvl="1"/>
+            <a:r>
+              <a:rPr lang="es-ES" sz="2800" dirty="0"/>
+              <a:t>Redes de neuronas</a:t>
             </a:r>
           </a:p>
           <a:p>
@@ -3763,7 +3780,7 @@
 </p:sld>
 </file>
 
-<file path=ppt/slides/slide2.xml><?xml version="1.0" encoding="utf-8"?>
+<file path=ppt/slides/slide11.xml><?xml version="1.0" encoding="utf-8"?>
 <p:sld xmlns:a="http://schemas.openxmlformats.org/drawingml/2006/main" xmlns:r="http://schemas.openxmlformats.org/officeDocument/2006/relationships" xmlns:p="http://schemas.openxmlformats.org/presentationml/2006/main">
   <p:cSld>
     <p:spTree>
@@ -4058,7 +4075,7 @@
           <a:p>
             <a:r>
               <a:rPr lang="es-ES" dirty="0"/>
-              <a:t>OBJETIVO</a:t>
+              <a:t>WEKA</a:t>
             </a:r>
           </a:p>
         </p:txBody>
@@ -4086,63 +4103,67 @@
           <a:lstStyle/>
           <a:p>
             <a:r>
-              <a:rPr lang="es-ES" sz="2000" dirty="0"/>
-              <a:t>Nuestro objetivo será estudiar la posibilidad de predecir si la bolsa subirá o bajará al día siguiente</a:t>
+              <a:rPr lang="es-ES" sz="2800" dirty="0"/>
+              <a:t>Hemos utilizado tres algoritmos clasificadores:</a:t>
             </a:r>
           </a:p>
           <a:p>
             <a:pPr lvl="1"/>
             <a:r>
-              <a:rPr lang="es-ES" sz="1600" dirty="0"/>
-              <a:t>Ibex 35</a:t>
+              <a:rPr lang="es-ES" dirty="0"/>
+              <a:t>J48</a:t>
             </a:r>
           </a:p>
           <a:p>
             <a:pPr lvl="1"/>
             <a:r>
-              <a:rPr lang="es-ES" sz="1600" dirty="0"/>
-              <a:t>Objetivo complicado, pero con grandes recompensas</a:t>
-            </a:r>
-          </a:p>
-          <a:p>
-            <a:r>
-              <a:rPr lang="es-ES" sz="2000" dirty="0"/>
-              <a:t>En Python, con la plataforma Anaconda</a:t>
+              <a:rPr lang="es-ES" dirty="0"/>
+              <a:t>LMT</a:t>
             </a:r>
           </a:p>
           <a:p>
             <a:pPr lvl="1"/>
             <a:r>
-              <a:rPr lang="es-ES" sz="1600" dirty="0"/>
-              <a:t>Distribución de Python</a:t>
+              <a:rPr lang="es-ES" dirty="0" err="1"/>
+              <a:t>Perceptrón</a:t>
+            </a:r>
+            <a:r>
+              <a:rPr lang="es-ES" dirty="0"/>
+              <a:t> multicapa</a:t>
+            </a:r>
+          </a:p>
+          <a:p>
+            <a:r>
+              <a:rPr lang="es-ES" dirty="0"/>
+              <a:t>Como entrada tenemos los archivos .</a:t>
+            </a:r>
+            <a:r>
+              <a:rPr lang="es-ES" dirty="0" err="1"/>
+              <a:t>arff</a:t>
+            </a:r>
+            <a:r>
+              <a:rPr lang="es-ES" dirty="0"/>
+              <a:t> de los datos recogidos</a:t>
             </a:r>
           </a:p>
           <a:p>
             <a:pPr lvl="1"/>
             <a:r>
-              <a:rPr lang="es-ES" sz="1600" dirty="0"/>
-              <a:t>Librerías de análisis y obtención de datos</a:t>
-            </a:r>
-          </a:p>
-          <a:p>
-            <a:r>
-              <a:rPr lang="es-ES" sz="2000" dirty="0"/>
-              <a:t>Los datos serán posteriormente </a:t>
-            </a:r>
-            <a:r>
-              <a:rPr lang="es-ES" sz="2000" dirty="0" err="1"/>
-              <a:t>preprocesados</a:t>
-            </a:r>
-            <a:r>
-              <a:rPr lang="es-ES" sz="2000" dirty="0"/>
-              <a:t> y estudiados por nosotros.</a:t>
+              <a:rPr lang="es-ES" dirty="0"/>
+              <a:t>Previsión a un día</a:t>
             </a:r>
           </a:p>
           <a:p>
             <a:pPr lvl="1"/>
             <a:r>
-              <a:rPr lang="es-ES" sz="1600" dirty="0"/>
-              <a:t>Redes de neuronas artificiales</a:t>
+              <a:rPr lang="es-ES" dirty="0"/>
+              <a:t>Previsión a cinco días</a:t>
+            </a:r>
+          </a:p>
+          <a:p>
+            <a:r>
+              <a:rPr lang="es-ES" dirty="0"/>
+              <a:t>Sin filtros aplicados</a:t>
             </a:r>
           </a:p>
         </p:txBody>
@@ -4150,7 +4171,7 @@
     </p:spTree>
     <p:extLst>
       <p:ext uri="{BB962C8B-B14F-4D97-AF65-F5344CB8AC3E}">
-        <p14:creationId xmlns:p14="http://schemas.microsoft.com/office/powerpoint/2010/main" val="162548143"/>
+        <p14:creationId xmlns:p14="http://schemas.microsoft.com/office/powerpoint/2010/main" val="3295904946"/>
       </p:ext>
     </p:extLst>
   </p:cSld>
@@ -4160,7 +4181,7 @@
 </p:sld>
 </file>
 
-<file path=ppt/slides/slide3.xml><?xml version="1.0" encoding="utf-8"?>
+<file path=ppt/slides/slide12.xml><?xml version="1.0" encoding="utf-8"?>
 <p:sld xmlns:a="http://schemas.openxmlformats.org/drawingml/2006/main" xmlns:r="http://schemas.openxmlformats.org/officeDocument/2006/relationships" xmlns:p="http://schemas.openxmlformats.org/presentationml/2006/main">
   <p:cSld>
     <p:spTree>
@@ -4177,178 +4198,223 @@
           <a:chExt cx="0" cy="0"/>
         </a:xfrm>
       </p:grpSpPr>
+      <p:sp>
+        <p:nvSpPr>
+          <p:cNvPr id="12" name="Rectangle 11"/>
+          <p:cNvSpPr>
+            <a:spLocks noGrp="1" noRot="1" noChangeAspect="1" noMove="1" noResize="1" noEditPoints="1" noAdjustHandles="1" noChangeArrowheads="1" noChangeShapeType="1" noTextEdit="1"/>
+          </p:cNvSpPr>
+          <p:nvPr>
+            <p:extLst>
+              <p:ext uri="{386F3935-93C4-4BCD-93E2-E3B085C9AB24}">
+                <p16:designElem xmlns:p16="http://schemas.microsoft.com/office/powerpoint/2015/main" val="1"/>
+              </p:ext>
+            </p:extLst>
+          </p:nvPr>
+        </p:nvSpPr>
+        <p:spPr bwMode="white">
+          <a:xfrm>
+            <a:off x="0" y="0"/>
+            <a:ext cx="12192000" cy="6858000"/>
+          </a:xfrm>
+          <a:prstGeom prst="rect">
+            <a:avLst/>
+          </a:prstGeom>
+          <a:solidFill>
+            <a:schemeClr val="bg1"/>
+          </a:solidFill>
+          <a:ln>
+            <a:noFill/>
+          </a:ln>
+          <a:effectLst/>
+        </p:spPr>
+      </p:sp>
+      <p:sp>
+        <p:nvSpPr>
+          <p:cNvPr id="13" name="Rectangle 12"/>
+          <p:cNvSpPr>
+            <a:spLocks noGrp="1" noRot="1" noChangeAspect="1" noMove="1" noResize="1" noEditPoints="1" noAdjustHandles="1" noChangeArrowheads="1" noChangeShapeType="1" noTextEdit="1"/>
+          </p:cNvSpPr>
+          <p:nvPr>
+            <p:extLst>
+              <p:ext uri="{386F3935-93C4-4BCD-93E2-E3B085C9AB24}">
+                <p16:designElem xmlns:p16="http://schemas.microsoft.com/office/powerpoint/2015/main" val="1"/>
+              </p:ext>
+            </p:extLst>
+          </p:nvPr>
+        </p:nvSpPr>
+        <p:spPr bwMode="ltGray">
+          <a:xfrm>
+            <a:off x="378068" y="4633546"/>
+            <a:ext cx="11438793" cy="1844256"/>
+          </a:xfrm>
+          <a:prstGeom prst="rect">
+            <a:avLst/>
+          </a:prstGeom>
+          <a:solidFill>
+            <a:schemeClr val="tx1">
+              <a:lumMod val="75000"/>
+              <a:lumOff val="25000"/>
+            </a:schemeClr>
+          </a:solidFill>
+          <a:ln w="127000" cap="sq" cmpd="thinThick">
+            <a:solidFill>
+              <a:schemeClr val="tx1">
+                <a:lumMod val="75000"/>
+                <a:lumOff val="25000"/>
+              </a:schemeClr>
+            </a:solidFill>
+          </a:ln>
+        </p:spPr>
+        <p:style>
+          <a:lnRef idx="2">
+            <a:schemeClr val="accent1">
+              <a:shade val="50000"/>
+            </a:schemeClr>
+          </a:lnRef>
+          <a:fillRef idx="1">
+            <a:schemeClr val="accent1"/>
+          </a:fillRef>
+          <a:effectRef idx="0">
+            <a:schemeClr val="accent1"/>
+          </a:effectRef>
+          <a:fontRef idx="minor">
+            <a:schemeClr val="lt1"/>
+          </a:fontRef>
+        </p:style>
+        <p:txBody>
+          <a:bodyPr rtlCol="0" anchor="ctr"/>
+          <a:lstStyle/>
+          <a:p>
+            <a:pPr algn="ctr"/>
+            <a:endParaRPr lang="en-US"/>
+          </a:p>
+        </p:txBody>
+      </p:sp>
+      <p:cxnSp>
+        <p:nvCxnSpPr>
+          <p:cNvPr id="14" name="Straight Connector 13"/>
+          <p:cNvCxnSpPr>
+            <a:cxnSpLocks noGrp="1" noRot="1" noChangeAspect="1" noMove="1" noResize="1" noEditPoints="1" noAdjustHandles="1" noChangeArrowheads="1" noChangeShapeType="1"/>
+          </p:cNvCxnSpPr>
+          <p:nvPr>
+            <p:extLst>
+              <p:ext uri="{386F3935-93C4-4BCD-93E2-E3B085C9AB24}">
+                <p16:designElem xmlns:p16="http://schemas.microsoft.com/office/powerpoint/2015/main" val="1"/>
+              </p:ext>
+            </p:extLst>
+          </p:nvPr>
+        </p:nvCxnSpPr>
+        <p:spPr>
+          <a:xfrm>
+            <a:off x="2209800" y="5738691"/>
+            <a:ext cx="7772400" cy="0"/>
+          </a:xfrm>
+          <a:prstGeom prst="line">
+            <a:avLst/>
+          </a:prstGeom>
+          <a:ln w="22225">
+            <a:solidFill>
+              <a:schemeClr val="bg1">
+                <a:lumMod val="85000"/>
+              </a:schemeClr>
+            </a:solidFill>
+          </a:ln>
+        </p:spPr>
+        <p:style>
+          <a:lnRef idx="1">
+            <a:schemeClr val="accent1"/>
+          </a:lnRef>
+          <a:fillRef idx="0">
+            <a:schemeClr val="accent1"/>
+          </a:fillRef>
+          <a:effectRef idx="0">
+            <a:schemeClr val="accent1"/>
+          </a:effectRef>
+          <a:fontRef idx="minor">
+            <a:schemeClr val="tx1"/>
+          </a:fontRef>
+        </p:style>
+      </p:cxnSp>
+      <p:cxnSp>
+        <p:nvCxnSpPr>
+          <p:cNvPr id="15" name="Straight Connector 14"/>
+          <p:cNvCxnSpPr>
+            <a:cxnSpLocks noGrp="1" noRot="1" noChangeAspect="1" noMove="1" noResize="1" noEditPoints="1" noAdjustHandles="1" noChangeArrowheads="1" noChangeShapeType="1"/>
+          </p:cNvCxnSpPr>
+          <p:nvPr>
+            <p:extLst>
+              <p:ext uri="{386F3935-93C4-4BCD-93E2-E3B085C9AB24}">
+                <p16:designElem xmlns:p16="http://schemas.microsoft.com/office/powerpoint/2015/main" val="1"/>
+              </p:ext>
+            </p:extLst>
+          </p:nvPr>
+        </p:nvCxnSpPr>
+        <p:spPr>
+          <a:xfrm>
+            <a:off x="4065689" y="477749"/>
+            <a:ext cx="0" cy="3657600"/>
+          </a:xfrm>
+          <a:prstGeom prst="line">
+            <a:avLst/>
+          </a:prstGeom>
+          <a:ln w="101600" cmpd="dbl">
+            <a:solidFill>
+              <a:schemeClr val="tx1">
+                <a:lumMod val="65000"/>
+                <a:lumOff val="35000"/>
+              </a:schemeClr>
+            </a:solidFill>
+          </a:ln>
+        </p:spPr>
+        <p:style>
+          <a:lnRef idx="1">
+            <a:schemeClr val="accent1"/>
+          </a:lnRef>
+          <a:fillRef idx="0">
+            <a:schemeClr val="accent1"/>
+          </a:fillRef>
+          <a:effectRef idx="0">
+            <a:schemeClr val="accent1"/>
+          </a:effectRef>
+          <a:fontRef idx="minor">
+            <a:schemeClr val="tx1"/>
+          </a:fontRef>
+        </p:style>
+      </p:cxnSp>
       <p:pic>
         <p:nvPicPr>
-          <p:cNvPr id="6" name="Marcador de contenido 3"/>
+          <p:cNvPr id="10" name="Imagen 9"/>
           <p:cNvPicPr>
             <a:picLocks noChangeAspect="1"/>
           </p:cNvPicPr>
           <p:nvPr/>
         </p:nvPicPr>
-        <p:blipFill rotWithShape="1">
+        <p:blipFill>
           <a:blip r:embed="rId2">
-            <a:alphaModFix amt="35000"/>
+            <a:extLst>
+              <a:ext uri="{28A0092B-C50C-407E-A947-70E740481C1C}">
+                <a14:useLocalDpi xmlns:a14="http://schemas.microsoft.com/office/drawing/2010/main" val="0"/>
+              </a:ext>
+            </a:extLst>
           </a:blip>
-          <a:srcRect t="4855" b="7935"/>
-          <a:stretch/>
+          <a:stretch>
+            <a:fillRect/>
+          </a:stretch>
         </p:blipFill>
         <p:spPr>
           <a:xfrm>
-            <a:off x="20" y="10"/>
-            <a:ext cx="12191980" cy="6857990"/>
+            <a:off x="8448038" y="1182929"/>
+            <a:ext cx="3425609" cy="1800216"/>
           </a:xfrm>
           <a:prstGeom prst="rect">
             <a:avLst/>
           </a:prstGeom>
         </p:spPr>
       </p:pic>
-      <p:sp>
-        <p:nvSpPr>
-          <p:cNvPr id="5" name="CuadroTexto 4"/>
-          <p:cNvSpPr txBox="1"/>
-          <p:nvPr/>
-        </p:nvSpPr>
-        <p:spPr>
-          <a:xfrm>
-            <a:off x="838200" y="1687153"/>
-            <a:ext cx="10515600" cy="3416320"/>
-          </a:xfrm>
-          <a:prstGeom prst="rect">
-            <a:avLst/>
-          </a:prstGeom>
-          <a:noFill/>
-        </p:spPr>
-        <p:txBody>
-          <a:bodyPr wrap="square" rtlCol="0">
-            <a:spAutoFit/>
-          </a:bodyPr>
-          <a:lstStyle/>
-          <a:p>
-            <a:r>
-              <a:rPr lang="es-ES" sz="2400" dirty="0"/>
-              <a:t>Vamos a obtener los datos históricos de diferentes plazas del mundo:</a:t>
-            </a:r>
-          </a:p>
-          <a:p>
-            <a:pPr marL="342900" indent="-342900">
-              <a:buFont typeface="Arial" panose="020B0604020202020204" pitchFamily="34" charset="0"/>
-              <a:buChar char="•"/>
-            </a:pPr>
-            <a:r>
-              <a:rPr lang="es-ES" sz="2400" dirty="0"/>
-              <a:t>IBEX35 (España)</a:t>
-            </a:r>
-          </a:p>
-          <a:p>
-            <a:pPr marL="342900" indent="-342900">
-              <a:buFont typeface="Arial" panose="020B0604020202020204" pitchFamily="34" charset="0"/>
-              <a:buChar char="•"/>
-            </a:pPr>
-            <a:r>
-              <a:rPr lang="es-ES" sz="2400" dirty="0"/>
-              <a:t>Dow Jones (Estados Unidos de América)</a:t>
-            </a:r>
-          </a:p>
-          <a:p>
-            <a:pPr marL="342900" indent="-342900">
-              <a:buFont typeface="Arial" panose="020B0604020202020204" pitchFamily="34" charset="0"/>
-              <a:buChar char="•"/>
-            </a:pPr>
-            <a:r>
-              <a:rPr lang="es-ES" sz="2400" dirty="0"/>
-              <a:t>Euro Stoxx50 (Común de Europa)</a:t>
-            </a:r>
-          </a:p>
-          <a:p>
-            <a:pPr marL="342900" indent="-342900">
-              <a:buFont typeface="Arial" panose="020B0604020202020204" pitchFamily="34" charset="0"/>
-              <a:buChar char="•"/>
-            </a:pPr>
-            <a:r>
-              <a:rPr lang="es-ES" sz="2400" dirty="0"/>
-              <a:t>Nikkei225 (Japón)</a:t>
-            </a:r>
-          </a:p>
-          <a:p>
-            <a:pPr marL="342900" indent="-342900">
-              <a:buFont typeface="Arial" panose="020B0604020202020204" pitchFamily="34" charset="0"/>
-              <a:buChar char="•"/>
-            </a:pPr>
-            <a:r>
-              <a:rPr lang="es-ES" sz="2400" dirty="0" err="1"/>
-              <a:t>Dax</a:t>
-            </a:r>
-            <a:r>
-              <a:rPr lang="es-ES" sz="2400" dirty="0"/>
-              <a:t> (Alemania)</a:t>
-            </a:r>
-          </a:p>
-          <a:p>
-            <a:pPr marL="342900" indent="-342900">
-              <a:buFont typeface="Arial" panose="020B0604020202020204" pitchFamily="34" charset="0"/>
-              <a:buChar char="•"/>
-            </a:pPr>
-            <a:r>
-              <a:rPr lang="es-ES" sz="2400" dirty="0" err="1"/>
-              <a:t>Cac</a:t>
-            </a:r>
-            <a:r>
-              <a:rPr lang="es-ES" sz="2400" dirty="0"/>
-              <a:t> 40 (Francia)</a:t>
-            </a:r>
-          </a:p>
-          <a:p>
-            <a:endParaRPr lang="es-ES" sz="2400" dirty="0"/>
-          </a:p>
-          <a:p>
-            <a:r>
-              <a:rPr lang="es-ES" sz="2400" dirty="0"/>
-              <a:t>Los datos los obtenemos gracias a la API de Python de </a:t>
-            </a:r>
-            <a:r>
-              <a:rPr lang="es-ES" sz="2400" dirty="0" err="1"/>
-              <a:t>Quandl</a:t>
-            </a:r>
-            <a:endParaRPr lang="es-ES" sz="2400" dirty="0"/>
-          </a:p>
-        </p:txBody>
-      </p:sp>
-      <p:sp>
-        <p:nvSpPr>
-          <p:cNvPr id="2" name="Título 1"/>
-          <p:cNvSpPr>
-            <a:spLocks noGrp="1"/>
-          </p:cNvSpPr>
-          <p:nvPr>
-            <p:ph type="title"/>
-          </p:nvPr>
-        </p:nvSpPr>
-        <p:spPr>
-          <a:xfrm>
-            <a:off x="838200" y="365125"/>
-            <a:ext cx="10515600" cy="1325563"/>
-          </a:xfrm>
-        </p:spPr>
-        <p:txBody>
-          <a:bodyPr>
-            <a:normAutofit/>
-          </a:bodyPr>
-          <a:lstStyle/>
-          <a:p>
-            <a:r>
-              <a:rPr lang="es-ES" dirty="0">
-                <a:solidFill>
-                  <a:srgbClr val="FFFFFF"/>
-                </a:solidFill>
-              </a:rPr>
-              <a:t>OBTENCION DE DATOS</a:t>
-            </a:r>
-          </a:p>
-        </p:txBody>
-      </p:sp>
       <p:pic>
         <p:nvPicPr>
-          <p:cNvPr id="11" name="Imagen 10"/>
+          <p:cNvPr id="8" name="Imagen 7"/>
           <p:cNvPicPr>
             <a:picLocks noChangeAspect="1"/>
           </p:cNvPicPr>
@@ -4368,28 +4434,257 @@
         </p:blipFill>
         <p:spPr>
           <a:xfrm>
-            <a:off x="5291547" y="4950011"/>
-            <a:ext cx="5555817" cy="1907989"/>
+            <a:off x="364014" y="1276622"/>
+            <a:ext cx="3433324" cy="1700488"/>
           </a:xfrm>
           <a:prstGeom prst="rect">
             <a:avLst/>
           </a:prstGeom>
         </p:spPr>
       </p:pic>
+      <p:cxnSp>
+        <p:nvCxnSpPr>
+          <p:cNvPr id="16" name="Straight Connector 15"/>
+          <p:cNvCxnSpPr>
+            <a:cxnSpLocks noGrp="1" noRot="1" noChangeAspect="1" noMove="1" noResize="1" noEditPoints="1" noAdjustHandles="1" noChangeArrowheads="1" noChangeShapeType="1"/>
+          </p:cNvCxnSpPr>
+          <p:nvPr>
+            <p:extLst>
+              <p:ext uri="{386F3935-93C4-4BCD-93E2-E3B085C9AB24}">
+                <p16:designElem xmlns:p16="http://schemas.microsoft.com/office/powerpoint/2015/main" val="1"/>
+              </p:ext>
+            </p:extLst>
+          </p:nvPr>
+        </p:nvCxnSpPr>
+        <p:spPr>
+          <a:xfrm>
+            <a:off x="8129685" y="477749"/>
+            <a:ext cx="0" cy="3657600"/>
+          </a:xfrm>
+          <a:prstGeom prst="line">
+            <a:avLst/>
+          </a:prstGeom>
+          <a:ln w="101600" cmpd="dbl">
+            <a:solidFill>
+              <a:schemeClr val="tx1">
+                <a:lumMod val="65000"/>
+                <a:lumOff val="35000"/>
+              </a:schemeClr>
+            </a:solidFill>
+          </a:ln>
+        </p:spPr>
+        <p:style>
+          <a:lnRef idx="1">
+            <a:schemeClr val="accent1"/>
+          </a:lnRef>
+          <a:fillRef idx="0">
+            <a:schemeClr val="accent1"/>
+          </a:fillRef>
+          <a:effectRef idx="0">
+            <a:schemeClr val="accent1"/>
+          </a:effectRef>
+          <a:fontRef idx="minor">
+            <a:schemeClr val="tx1"/>
+          </a:fontRef>
+        </p:style>
+      </p:cxnSp>
+      <p:pic>
+        <p:nvPicPr>
+          <p:cNvPr id="9" name="Imagen 8"/>
+          <p:cNvPicPr>
+            <a:picLocks noChangeAspect="1"/>
+          </p:cNvPicPr>
+          <p:nvPr/>
+        </p:nvPicPr>
+        <p:blipFill>
+          <a:blip r:embed="rId4">
+            <a:extLst>
+              <a:ext uri="{28A0092B-C50C-407E-A947-70E740481C1C}">
+                <a14:useLocalDpi xmlns:a14="http://schemas.microsoft.com/office/drawing/2010/main" val="0"/>
+              </a:ext>
+            </a:extLst>
+          </a:blip>
+          <a:stretch>
+            <a:fillRect/>
+          </a:stretch>
+        </p:blipFill>
+        <p:spPr>
+          <a:xfrm>
+            <a:off x="4463133" y="1174640"/>
+            <a:ext cx="3423916" cy="1808505"/>
+          </a:xfrm>
+          <a:prstGeom prst="rect">
+            <a:avLst/>
+          </a:prstGeom>
+        </p:spPr>
+      </p:pic>
+      <p:sp>
+        <p:nvSpPr>
+          <p:cNvPr id="2" name="Título 1"/>
+          <p:cNvSpPr>
+            <a:spLocks noGrp="1"/>
+          </p:cNvSpPr>
+          <p:nvPr>
+            <p:ph type="title"/>
+          </p:nvPr>
+        </p:nvSpPr>
+        <p:spPr>
+          <a:xfrm>
+            <a:off x="443648" y="4808244"/>
+            <a:ext cx="11139854" cy="930447"/>
+          </a:xfrm>
+        </p:spPr>
+        <p:txBody>
+          <a:bodyPr vert="horz" lIns="91440" tIns="45720" rIns="91440" bIns="45720" rtlCol="0" anchor="b">
+            <a:normAutofit/>
+          </a:bodyPr>
+          <a:lstStyle/>
+          <a:p>
+            <a:pPr algn="ctr"/>
+            <a:r>
+              <a:rPr lang="en-US" sz="5400" dirty="0">
+                <a:solidFill>
+                  <a:schemeClr val="bg1"/>
+                </a:solidFill>
+              </a:rPr>
+              <a:t>WEKA: </a:t>
+            </a:r>
+            <a:r>
+              <a:rPr lang="en-US" sz="5400" dirty="0" err="1">
+                <a:solidFill>
+                  <a:schemeClr val="bg1"/>
+                </a:solidFill>
+              </a:rPr>
+              <a:t>Previsión</a:t>
+            </a:r>
+            <a:r>
+              <a:rPr lang="en-US" sz="5400" dirty="0">
+                <a:solidFill>
+                  <a:schemeClr val="bg1"/>
+                </a:solidFill>
+              </a:rPr>
+              <a:t> a un </a:t>
+            </a:r>
+            <a:r>
+              <a:rPr lang="en-US" sz="5400" dirty="0" err="1">
+                <a:solidFill>
+                  <a:schemeClr val="bg1"/>
+                </a:solidFill>
+              </a:rPr>
+              <a:t>día</a:t>
+            </a:r>
+            <a:endParaRPr lang="en-US" sz="5400" dirty="0">
+              <a:solidFill>
+                <a:schemeClr val="bg1"/>
+              </a:solidFill>
+            </a:endParaRPr>
+          </a:p>
+        </p:txBody>
+      </p:sp>
+      <p:sp>
+        <p:nvSpPr>
+          <p:cNvPr id="18" name="CuadroTexto 17"/>
+          <p:cNvSpPr txBox="1"/>
+          <p:nvPr/>
+        </p:nvSpPr>
+        <p:spPr>
+          <a:xfrm>
+            <a:off x="320040" y="3498209"/>
+            <a:ext cx="3329171" cy="369332"/>
+          </a:xfrm>
+          <a:prstGeom prst="rect">
+            <a:avLst/>
+          </a:prstGeom>
+          <a:noFill/>
+        </p:spPr>
+        <p:txBody>
+          <a:bodyPr wrap="square" rtlCol="0">
+            <a:spAutoFit/>
+          </a:bodyPr>
+          <a:lstStyle/>
+          <a:p>
+            <a:pPr algn="ctr"/>
+            <a:r>
+              <a:rPr lang="es-ES" dirty="0"/>
+              <a:t>J48</a:t>
+            </a:r>
+          </a:p>
+        </p:txBody>
+      </p:sp>
+      <p:sp>
+        <p:nvSpPr>
+          <p:cNvPr id="19" name="CuadroTexto 18"/>
+          <p:cNvSpPr txBox="1"/>
+          <p:nvPr/>
+        </p:nvSpPr>
+        <p:spPr>
+          <a:xfrm>
+            <a:off x="4557878" y="3498209"/>
+            <a:ext cx="3329171" cy="369332"/>
+          </a:xfrm>
+          <a:prstGeom prst="rect">
+            <a:avLst/>
+          </a:prstGeom>
+          <a:noFill/>
+        </p:spPr>
+        <p:txBody>
+          <a:bodyPr wrap="square" rtlCol="0">
+            <a:spAutoFit/>
+          </a:bodyPr>
+          <a:lstStyle/>
+          <a:p>
+            <a:pPr algn="ctr"/>
+            <a:r>
+              <a:rPr lang="es-ES" dirty="0"/>
+              <a:t>LMT</a:t>
+            </a:r>
+          </a:p>
+        </p:txBody>
+      </p:sp>
+      <p:sp>
+        <p:nvSpPr>
+          <p:cNvPr id="20" name="CuadroTexto 19"/>
+          <p:cNvSpPr txBox="1"/>
+          <p:nvPr/>
+        </p:nvSpPr>
+        <p:spPr>
+          <a:xfrm>
+            <a:off x="8449725" y="3498209"/>
+            <a:ext cx="3329171" cy="646331"/>
+          </a:xfrm>
+          <a:prstGeom prst="rect">
+            <a:avLst/>
+          </a:prstGeom>
+          <a:noFill/>
+        </p:spPr>
+        <p:txBody>
+          <a:bodyPr wrap="square" rtlCol="0">
+            <a:spAutoFit/>
+          </a:bodyPr>
+          <a:lstStyle/>
+          <a:p>
+            <a:pPr algn="ctr"/>
+            <a:r>
+              <a:rPr lang="es-ES" dirty="0"/>
+              <a:t>MLP (5000 instancias, 0.01 aprendizaje)</a:t>
+            </a:r>
+          </a:p>
+        </p:txBody>
+      </p:sp>
     </p:spTree>
     <p:extLst>
       <p:ext uri="{BB962C8B-B14F-4D97-AF65-F5344CB8AC3E}">
-        <p14:creationId xmlns:p14="http://schemas.microsoft.com/office/powerpoint/2010/main" val="84572358"/>
+        <p14:creationId xmlns:p14="http://schemas.microsoft.com/office/powerpoint/2010/main" val="303223344"/>
       </p:ext>
     </p:extLst>
   </p:cSld>
   <p:clrMapOvr>
-    <a:overrideClrMapping bg1="dk1" tx1="lt1" bg2="dk2" tx2="lt2" accent1="accent1" accent2="accent2" accent3="accent3" accent4="accent4" accent5="accent5" accent6="accent6" hlink="hlink" folHlink="folHlink"/>
+    <a:overrideClrMapping bg1="lt1" tx1="dk1" bg2="lt2" tx2="dk2" accent1="accent1" accent2="accent2" accent3="accent3" accent4="accent4" accent5="accent5" accent6="accent6" hlink="hlink" folHlink="folHlink"/>
   </p:clrMapOvr>
 </p:sld>
 </file>
 
-<file path=ppt/slides/slide4.xml><?xml version="1.0" encoding="utf-8"?>
+<file path=ppt/slides/slide13.xml><?xml version="1.0" encoding="utf-8"?>
 <p:sld xmlns:a="http://schemas.openxmlformats.org/drawingml/2006/main" xmlns:r="http://schemas.openxmlformats.org/officeDocument/2006/relationships" xmlns:p="http://schemas.openxmlformats.org/presentationml/2006/main">
   <p:cSld>
     <p:spTree>
@@ -4408,7 +4703,7 @@
       </p:grpSpPr>
       <p:sp>
         <p:nvSpPr>
-          <p:cNvPr id="22" name="Rectangle 7"/>
+          <p:cNvPr id="12" name="Rectangle 11"/>
           <p:cNvSpPr>
             <a:spLocks noGrp="1" noRot="1" noChangeAspect="1" noMove="1" noResize="1" noEditPoints="1" noAdjustHandles="1" noChangeArrowheads="1" noChangeShapeType="1" noTextEdit="1"/>
           </p:cNvSpPr>
@@ -4439,7 +4734,7 @@
       </p:sp>
       <p:sp>
         <p:nvSpPr>
-          <p:cNvPr id="9" name="Rectangle 8"/>
+          <p:cNvPr id="13" name="Rectangle 12"/>
           <p:cNvSpPr>
             <a:spLocks noGrp="1" noRot="1" noChangeAspect="1" noMove="1" noResize="1" noEditPoints="1" noAdjustHandles="1" noChangeArrowheads="1" noChangeShapeType="1" noTextEdit="1"/>
           </p:cNvSpPr>
@@ -4451,21 +4746,27 @@
             </p:extLst>
           </p:nvPr>
         </p:nvSpPr>
-        <p:spPr>
-          <a:xfrm>
-            <a:off x="0" y="651752"/>
-            <a:ext cx="12192000" cy="736551"/>
+        <p:spPr bwMode="ltGray">
+          <a:xfrm>
+            <a:off x="378068" y="4633546"/>
+            <a:ext cx="11438793" cy="1844256"/>
           </a:xfrm>
           <a:prstGeom prst="rect">
             <a:avLst/>
           </a:prstGeom>
           <a:solidFill>
             <a:schemeClr val="tx1">
-              <a:alpha val="75000"/>
+              <a:lumMod val="75000"/>
+              <a:lumOff val="25000"/>
             </a:schemeClr>
           </a:solidFill>
-          <a:ln>
-            <a:noFill/>
+          <a:ln w="127000" cap="sq" cmpd="thinThick">
+            <a:solidFill>
+              <a:schemeClr val="tx1">
+                <a:lumMod val="75000"/>
+                <a:lumOff val="25000"/>
+              </a:schemeClr>
+            </a:solidFill>
           </a:ln>
         </p:spPr>
         <p:style>
@@ -4493,104 +4794,12 @@
           </a:p>
         </p:txBody>
       </p:sp>
-      <p:pic>
-        <p:nvPicPr>
-          <p:cNvPr id="6" name="Marcador de contenido 3"/>
-          <p:cNvPicPr>
-            <a:picLocks noChangeAspect="1"/>
-          </p:cNvPicPr>
-          <p:nvPr/>
-        </p:nvPicPr>
-        <p:blipFill rotWithShape="1">
-          <a:blip r:embed="rId2"/>
-          <a:srcRect/>
-          <a:stretch/>
-        </p:blipFill>
-        <p:spPr>
-          <a:xfrm>
-            <a:off x="704986" y="1508508"/>
-            <a:ext cx="10782028" cy="5229286"/>
-          </a:xfrm>
-          <a:prstGeom prst="rect">
-            <a:avLst/>
-          </a:prstGeom>
-        </p:spPr>
-      </p:pic>
-      <p:sp>
-        <p:nvSpPr>
-          <p:cNvPr id="2" name="Título 1"/>
-          <p:cNvSpPr>
-            <a:spLocks noGrp="1"/>
-          </p:cNvSpPr>
-          <p:nvPr>
-            <p:ph type="title"/>
-          </p:nvPr>
-        </p:nvSpPr>
-        <p:spPr>
-          <a:xfrm>
-            <a:off x="556532" y="643467"/>
-            <a:ext cx="11210925" cy="744836"/>
-          </a:xfrm>
-        </p:spPr>
-        <p:txBody>
-          <a:bodyPr vert="horz" lIns="91440" tIns="45720" rIns="91440" bIns="45720" rtlCol="0" anchor="ctr">
-            <a:normAutofit/>
-          </a:bodyPr>
-          <a:lstStyle/>
-          <a:p>
-            <a:pPr algn="ctr"/>
-            <a:r>
-              <a:rPr lang="en-US" sz="3200">
-                <a:solidFill>
-                  <a:schemeClr val="bg1"/>
-                </a:solidFill>
-              </a:rPr>
-              <a:t>PROCESAMIENTO DE DATOS</a:t>
-            </a:r>
-            <a:endParaRPr lang="en-US" sz="3200">
-              <a:solidFill>
-                <a:schemeClr val="bg1"/>
-              </a:solidFill>
-            </a:endParaRPr>
-          </a:p>
-        </p:txBody>
-      </p:sp>
-    </p:spTree>
-    <p:extLst>
-      <p:ext uri="{BB962C8B-B14F-4D97-AF65-F5344CB8AC3E}">
-        <p14:creationId xmlns:p14="http://schemas.microsoft.com/office/powerpoint/2010/main" val="3844390514"/>
-      </p:ext>
-    </p:extLst>
-  </p:cSld>
-  <p:clrMapOvr>
-    <a:masterClrMapping/>
-  </p:clrMapOvr>
-</p:sld>
-</file>
-
-<file path=ppt/slides/slide5.xml><?xml version="1.0" encoding="utf-8"?>
-<p:sld xmlns:a="http://schemas.openxmlformats.org/drawingml/2006/main" xmlns:r="http://schemas.openxmlformats.org/officeDocument/2006/relationships" xmlns:p="http://schemas.openxmlformats.org/presentationml/2006/main">
-  <p:cSld>
-    <p:spTree>
-      <p:nvGrpSpPr>
-        <p:cNvPr id="1" name=""/>
-        <p:cNvGrpSpPr/>
-        <p:nvPr/>
-      </p:nvGrpSpPr>
-      <p:grpSpPr>
-        <a:xfrm>
-          <a:off x="0" y="0"/>
-          <a:ext cx="0" cy="0"/>
-          <a:chOff x="0" y="0"/>
-          <a:chExt cx="0" cy="0"/>
-        </a:xfrm>
-      </p:grpSpPr>
-      <p:sp>
-        <p:nvSpPr>
-          <p:cNvPr id="12" name="Rectangle 11"/>
-          <p:cNvSpPr>
-            <a:spLocks noGrp="1" noRot="1" noChangeAspect="1" noMove="1" noResize="1" noEditPoints="1" noAdjustHandles="1" noChangeArrowheads="1" noChangeShapeType="1" noTextEdit="1"/>
-          </p:cNvSpPr>
+      <p:cxnSp>
+        <p:nvCxnSpPr>
+          <p:cNvPr id="14" name="Straight Connector 13"/>
+          <p:cNvCxnSpPr>
+            <a:cxnSpLocks noGrp="1" noRot="1" noChangeAspect="1" noMove="1" noResize="1" noEditPoints="1" noAdjustHandles="1" noChangeArrowheads="1" noChangeShapeType="1"/>
+          </p:cNvCxnSpPr>
           <p:nvPr>
             <p:extLst>
               <p:ext uri="{386F3935-93C4-4BCD-93E2-E3B085C9AB24}">
@@ -4598,83 +4807,87 @@
               </p:ext>
             </p:extLst>
           </p:nvPr>
-        </p:nvSpPr>
-        <p:spPr bwMode="white">
-          <a:xfrm>
-            <a:off x="0" y="0"/>
-            <a:ext cx="12192000" cy="6858000"/>
-          </a:xfrm>
-          <a:prstGeom prst="rect">
+        </p:nvCxnSpPr>
+        <p:spPr>
+          <a:xfrm>
+            <a:off x="2209800" y="5738691"/>
+            <a:ext cx="7772400" cy="0"/>
+          </a:xfrm>
+          <a:prstGeom prst="line">
             <a:avLst/>
           </a:prstGeom>
-          <a:solidFill>
-            <a:schemeClr val="bg1"/>
-          </a:solidFill>
-          <a:ln>
-            <a:noFill/>
+          <a:ln w="22225">
+            <a:solidFill>
+              <a:schemeClr val="bg1">
+                <a:lumMod val="85000"/>
+              </a:schemeClr>
+            </a:solidFill>
           </a:ln>
-          <a:effectLst/>
-        </p:spPr>
-      </p:sp>
-      <p:sp>
-        <p:nvSpPr>
-          <p:cNvPr id="13" name="Rectangle 12"/>
-          <p:cNvSpPr>
-            <a:spLocks noGrp="1" noRot="1" noChangeAspect="1" noMove="1" noResize="1" noEditPoints="1" noAdjustHandles="1" noChangeArrowheads="1" noChangeShapeType="1" noTextEdit="1"/>
-          </p:cNvSpPr>
-          <p:nvPr>
-            <p:extLst>
-              <p:ext uri="{386F3935-93C4-4BCD-93E2-E3B085C9AB24}">
-                <p16:designElem xmlns:p16="http://schemas.microsoft.com/office/powerpoint/2015/main" val="1"/>
-              </p:ext>
-            </p:extLst>
-          </p:nvPr>
-        </p:nvSpPr>
-        <p:spPr>
-          <a:xfrm>
-            <a:off x="0" y="651752"/>
-            <a:ext cx="12192000" cy="736551"/>
-          </a:xfrm>
-          <a:prstGeom prst="rect">
-            <a:avLst/>
-          </a:prstGeom>
-          <a:solidFill>
-            <a:schemeClr val="tx1">
-              <a:alpha val="75000"/>
-            </a:schemeClr>
-          </a:solidFill>
-          <a:ln>
-            <a:noFill/>
-          </a:ln>
         </p:spPr>
         <p:style>
-          <a:lnRef idx="2">
-            <a:schemeClr val="accent1">
-              <a:shade val="50000"/>
-            </a:schemeClr>
+          <a:lnRef idx="1">
+            <a:schemeClr val="accent1"/>
           </a:lnRef>
-          <a:fillRef idx="1">
+          <a:fillRef idx="0">
             <a:schemeClr val="accent1"/>
           </a:fillRef>
           <a:effectRef idx="0">
             <a:schemeClr val="accent1"/>
           </a:effectRef>
           <a:fontRef idx="minor">
-            <a:schemeClr val="lt1"/>
+            <a:schemeClr val="tx1"/>
           </a:fontRef>
         </p:style>
-        <p:txBody>
-          <a:bodyPr rtlCol="0" anchor="ctr"/>
-          <a:lstStyle/>
-          <a:p>
-            <a:pPr algn="ctr"/>
-            <a:endParaRPr lang="en-US"/>
-          </a:p>
-        </p:txBody>
-      </p:sp>
+      </p:cxnSp>
+      <p:cxnSp>
+        <p:nvCxnSpPr>
+          <p:cNvPr id="15" name="Straight Connector 14"/>
+          <p:cNvCxnSpPr>
+            <a:cxnSpLocks noGrp="1" noRot="1" noChangeAspect="1" noMove="1" noResize="1" noEditPoints="1" noAdjustHandles="1" noChangeArrowheads="1" noChangeShapeType="1"/>
+          </p:cNvCxnSpPr>
+          <p:nvPr>
+            <p:extLst>
+              <p:ext uri="{386F3935-93C4-4BCD-93E2-E3B085C9AB24}">
+                <p16:designElem xmlns:p16="http://schemas.microsoft.com/office/powerpoint/2015/main" val="1"/>
+              </p:ext>
+            </p:extLst>
+          </p:nvPr>
+        </p:nvCxnSpPr>
+        <p:spPr>
+          <a:xfrm>
+            <a:off x="4065689" y="477749"/>
+            <a:ext cx="0" cy="3657600"/>
+          </a:xfrm>
+          <a:prstGeom prst="line">
+            <a:avLst/>
+          </a:prstGeom>
+          <a:ln w="101600" cmpd="dbl">
+            <a:solidFill>
+              <a:schemeClr val="tx1">
+                <a:lumMod val="65000"/>
+                <a:lumOff val="35000"/>
+              </a:schemeClr>
+            </a:solidFill>
+          </a:ln>
+        </p:spPr>
+        <p:style>
+          <a:lnRef idx="1">
+            <a:schemeClr val="accent1"/>
+          </a:lnRef>
+          <a:fillRef idx="0">
+            <a:schemeClr val="accent1"/>
+          </a:fillRef>
+          <a:effectRef idx="0">
+            <a:schemeClr val="accent1"/>
+          </a:effectRef>
+          <a:fontRef idx="minor">
+            <a:schemeClr val="tx1"/>
+          </a:fontRef>
+        </p:style>
+      </p:cxnSp>
       <p:pic>
         <p:nvPicPr>
-          <p:cNvPr id="8" name="Imagen 7"/>
+          <p:cNvPr id="9" name="Imagen 8"/>
           <p:cNvPicPr>
             <a:picLocks noChangeAspect="1"/>
           </p:cNvPicPr>
@@ -4694,175 +4907,24 @@
         </p:blipFill>
         <p:spPr>
           <a:xfrm>
-            <a:off x="754523" y="1388303"/>
-            <a:ext cx="10682953" cy="5421600"/>
+            <a:off x="4384042" y="1399854"/>
+            <a:ext cx="3425609" cy="1796414"/>
           </a:xfrm>
           <a:prstGeom prst="rect">
             <a:avLst/>
           </a:prstGeom>
         </p:spPr>
       </p:pic>
-      <p:sp>
-        <p:nvSpPr>
-          <p:cNvPr id="2" name="Título 1"/>
-          <p:cNvSpPr>
-            <a:spLocks noGrp="1"/>
-          </p:cNvSpPr>
-          <p:nvPr>
-            <p:ph type="title"/>
-          </p:nvPr>
-        </p:nvSpPr>
-        <p:spPr>
-          <a:xfrm>
-            <a:off x="556532" y="643467"/>
-            <a:ext cx="11210925" cy="744836"/>
-          </a:xfrm>
-        </p:spPr>
-        <p:txBody>
-          <a:bodyPr vert="horz" lIns="91440" tIns="45720" rIns="91440" bIns="45720" rtlCol="0" anchor="ctr">
-            <a:normAutofit/>
-          </a:bodyPr>
-          <a:lstStyle/>
-          <a:p>
-            <a:pPr algn="ctr"/>
-            <a:r>
-              <a:rPr lang="en-US" sz="3200" dirty="0">
-                <a:solidFill>
-                  <a:schemeClr val="bg1"/>
-                </a:solidFill>
-              </a:rPr>
-              <a:t>PROCESAMIENTO DE DATOS</a:t>
-            </a:r>
-          </a:p>
-        </p:txBody>
-      </p:sp>
-    </p:spTree>
-    <p:extLst>
-      <p:ext uri="{BB962C8B-B14F-4D97-AF65-F5344CB8AC3E}">
-        <p14:creationId xmlns:p14="http://schemas.microsoft.com/office/powerpoint/2010/main" val="38684972"/>
-      </p:ext>
-    </p:extLst>
-  </p:cSld>
-  <p:clrMapOvr>
-    <a:masterClrMapping/>
-  </p:clrMapOvr>
-</p:sld>
-</file>
-
-<file path=ppt/slides/slide6.xml><?xml version="1.0" encoding="utf-8"?>
-<p:sld xmlns:a="http://schemas.openxmlformats.org/drawingml/2006/main" xmlns:r="http://schemas.openxmlformats.org/officeDocument/2006/relationships" xmlns:p="http://schemas.openxmlformats.org/presentationml/2006/main">
-  <p:cSld>
-    <p:spTree>
-      <p:nvGrpSpPr>
-        <p:cNvPr id="1" name=""/>
-        <p:cNvGrpSpPr/>
-        <p:nvPr/>
-      </p:nvGrpSpPr>
-      <p:grpSpPr>
-        <a:xfrm>
-          <a:off x="0" y="0"/>
-          <a:ext cx="0" cy="0"/>
-          <a:chOff x="0" y="0"/>
-          <a:chExt cx="0" cy="0"/>
-        </a:xfrm>
-      </p:grpSpPr>
-      <p:sp>
-        <p:nvSpPr>
-          <p:cNvPr id="12" name="Rectangle 11"/>
-          <p:cNvSpPr>
-            <a:spLocks noGrp="1" noRot="1" noChangeAspect="1" noMove="1" noResize="1" noEditPoints="1" noAdjustHandles="1" noChangeArrowheads="1" noChangeShapeType="1" noTextEdit="1"/>
-          </p:cNvSpPr>
-          <p:nvPr>
-            <p:extLst>
-              <p:ext uri="{386F3935-93C4-4BCD-93E2-E3B085C9AB24}">
-                <p16:designElem xmlns:p16="http://schemas.microsoft.com/office/powerpoint/2015/main" val="1"/>
-              </p:ext>
-            </p:extLst>
-          </p:nvPr>
-        </p:nvSpPr>
-        <p:spPr bwMode="white">
-          <a:xfrm>
-            <a:off x="0" y="0"/>
-            <a:ext cx="12192000" cy="6858000"/>
-          </a:xfrm>
-          <a:prstGeom prst="rect">
-            <a:avLst/>
-          </a:prstGeom>
-          <a:solidFill>
-            <a:schemeClr val="bg1"/>
-          </a:solidFill>
-          <a:ln>
-            <a:noFill/>
-          </a:ln>
-          <a:effectLst/>
-        </p:spPr>
-      </p:sp>
-      <p:sp>
-        <p:nvSpPr>
-          <p:cNvPr id="13" name="Rectangle 12"/>
-          <p:cNvSpPr>
-            <a:spLocks noGrp="1" noRot="1" noChangeAspect="1" noMove="1" noResize="1" noEditPoints="1" noAdjustHandles="1" noChangeArrowheads="1" noChangeShapeType="1" noTextEdit="1"/>
-          </p:cNvSpPr>
-          <p:nvPr>
-            <p:extLst>
-              <p:ext uri="{386F3935-93C4-4BCD-93E2-E3B085C9AB24}">
-                <p16:designElem xmlns:p16="http://schemas.microsoft.com/office/powerpoint/2015/main" val="1"/>
-              </p:ext>
-            </p:extLst>
-          </p:nvPr>
-        </p:nvSpPr>
-        <p:spPr>
-          <a:xfrm>
-            <a:off x="0" y="651752"/>
-            <a:ext cx="12192000" cy="736551"/>
-          </a:xfrm>
-          <a:prstGeom prst="rect">
-            <a:avLst/>
-          </a:prstGeom>
-          <a:solidFill>
-            <a:schemeClr val="tx1">
-              <a:alpha val="75000"/>
-            </a:schemeClr>
-          </a:solidFill>
-          <a:ln>
-            <a:noFill/>
-          </a:ln>
-        </p:spPr>
-        <p:style>
-          <a:lnRef idx="2">
-            <a:schemeClr val="accent1">
-              <a:shade val="50000"/>
-            </a:schemeClr>
-          </a:lnRef>
-          <a:fillRef idx="1">
-            <a:schemeClr val="accent1"/>
-          </a:fillRef>
-          <a:effectRef idx="0">
-            <a:schemeClr val="accent1"/>
-          </a:effectRef>
-          <a:fontRef idx="minor">
-            <a:schemeClr val="lt1"/>
-          </a:fontRef>
-        </p:style>
-        <p:txBody>
-          <a:bodyPr rtlCol="0" anchor="ctr"/>
-          <a:lstStyle/>
-          <a:p>
-            <a:pPr algn="ctr"/>
-            <a:endParaRPr lang="en-US"/>
-          </a:p>
-        </p:txBody>
-      </p:sp>
       <p:pic>
         <p:nvPicPr>
-          <p:cNvPr id="3" name="Imagen 2"/>
+          <p:cNvPr id="8" name="Imagen 7"/>
           <p:cNvPicPr>
             <a:picLocks noChangeAspect="1"/>
           </p:cNvPicPr>
           <p:nvPr/>
         </p:nvPicPr>
         <p:blipFill>
-          <a:blip r:embed="rId2">
+          <a:blip r:embed="rId3">
             <a:extLst>
               <a:ext uri="{28A0092B-C50C-407E-A947-70E740481C1C}">
                 <a14:useLocalDpi xmlns:a14="http://schemas.microsoft.com/office/drawing/2010/main" val="0"/>
@@ -4875,14 +4937,90 @@
         </p:blipFill>
         <p:spPr>
           <a:xfrm>
-            <a:off x="753776" y="1388303"/>
-            <a:ext cx="10684448" cy="5422359"/>
+            <a:off x="254298" y="1437278"/>
+            <a:ext cx="3433324" cy="1758990"/>
           </a:xfrm>
           <a:prstGeom prst="rect">
             <a:avLst/>
           </a:prstGeom>
         </p:spPr>
       </p:pic>
+      <p:cxnSp>
+        <p:nvCxnSpPr>
+          <p:cNvPr id="16" name="Straight Connector 15"/>
+          <p:cNvCxnSpPr>
+            <a:cxnSpLocks noGrp="1" noRot="1" noChangeAspect="1" noMove="1" noResize="1" noEditPoints="1" noAdjustHandles="1" noChangeArrowheads="1" noChangeShapeType="1"/>
+          </p:cNvCxnSpPr>
+          <p:nvPr>
+            <p:extLst>
+              <p:ext uri="{386F3935-93C4-4BCD-93E2-E3B085C9AB24}">
+                <p16:designElem xmlns:p16="http://schemas.microsoft.com/office/powerpoint/2015/main" val="1"/>
+              </p:ext>
+            </p:extLst>
+          </p:nvPr>
+        </p:nvCxnSpPr>
+        <p:spPr>
+          <a:xfrm>
+            <a:off x="8129685" y="477749"/>
+            <a:ext cx="0" cy="3657600"/>
+          </a:xfrm>
+          <a:prstGeom prst="line">
+            <a:avLst/>
+          </a:prstGeom>
+          <a:ln w="101600" cmpd="dbl">
+            <a:solidFill>
+              <a:schemeClr val="tx1">
+                <a:lumMod val="65000"/>
+                <a:lumOff val="35000"/>
+              </a:schemeClr>
+            </a:solidFill>
+          </a:ln>
+        </p:spPr>
+        <p:style>
+          <a:lnRef idx="1">
+            <a:schemeClr val="accent1"/>
+          </a:lnRef>
+          <a:fillRef idx="0">
+            <a:schemeClr val="accent1"/>
+          </a:fillRef>
+          <a:effectRef idx="0">
+            <a:schemeClr val="accent1"/>
+          </a:effectRef>
+          <a:fontRef idx="minor">
+            <a:schemeClr val="tx1"/>
+          </a:fontRef>
+        </p:style>
+      </p:cxnSp>
+      <p:pic>
+        <p:nvPicPr>
+          <p:cNvPr id="10" name="Imagen 9"/>
+          <p:cNvPicPr>
+            <a:picLocks noChangeAspect="1"/>
+          </p:cNvPicPr>
+          <p:nvPr/>
+        </p:nvPicPr>
+        <p:blipFill>
+          <a:blip r:embed="rId4">
+            <a:extLst>
+              <a:ext uri="{28A0092B-C50C-407E-A947-70E740481C1C}">
+                <a14:useLocalDpi xmlns:a14="http://schemas.microsoft.com/office/drawing/2010/main" val="0"/>
+              </a:ext>
+            </a:extLst>
+          </a:blip>
+          <a:stretch>
+            <a:fillRect/>
+          </a:stretch>
+        </p:blipFill>
+        <p:spPr>
+          <a:xfrm>
+            <a:off x="8448885" y="1383453"/>
+            <a:ext cx="3423916" cy="1829215"/>
+          </a:xfrm>
+          <a:prstGeom prst="rect">
+            <a:avLst/>
+          </a:prstGeom>
+        </p:spPr>
+      </p:pic>
       <p:sp>
         <p:nvSpPr>
           <p:cNvPr id="2" name="Título 1"/>
@@ -4895,34 +5033,34 @@
         </p:nvSpPr>
         <p:spPr>
           <a:xfrm>
-            <a:off x="556532" y="643467"/>
-            <a:ext cx="11210925" cy="744836"/>
-          </a:xfrm>
-        </p:spPr>
-        <p:txBody>
-          <a:bodyPr vert="horz" lIns="91440" tIns="45720" rIns="91440" bIns="45720" rtlCol="0" anchor="ctr">
+            <a:off x="527538" y="4756638"/>
+            <a:ext cx="11139854" cy="930447"/>
+          </a:xfrm>
+        </p:spPr>
+        <p:txBody>
+          <a:bodyPr vert="horz" lIns="91440" tIns="45720" rIns="91440" bIns="45720" rtlCol="0" anchor="b">
             <a:normAutofit/>
           </a:bodyPr>
           <a:lstStyle/>
           <a:p>
             <a:pPr algn="ctr"/>
             <a:r>
-              <a:rPr lang="en-US" sz="3200">
+              <a:rPr lang="en-US" sz="5400">
                 <a:solidFill>
                   <a:schemeClr val="bg1"/>
                 </a:solidFill>
               </a:rPr>
-              <a:t>PROCESAMIENTO </a:t>
-            </a:r>
-            <a:r>
-              <a:rPr lang="en-US" sz="3200">
+              <a:t>WEKA: Previsión a </a:t>
+            </a:r>
+            <a:r>
+              <a:rPr lang="en-US" sz="5400">
                 <a:solidFill>
                   <a:schemeClr val="bg1"/>
                 </a:solidFill>
               </a:rPr>
-              <a:t>DE DATOS</a:t>
-            </a:r>
-            <a:endParaRPr lang="en-US" sz="3200">
+              <a:t>5 días</a:t>
+            </a:r>
+            <a:endParaRPr lang="en-US" sz="5400">
               <a:solidFill>
                 <a:schemeClr val="bg1"/>
               </a:solidFill>
@@ -4930,20 +5068,110 @@
           </a:p>
         </p:txBody>
       </p:sp>
+      <p:sp>
+        <p:nvSpPr>
+          <p:cNvPr id="17" name="CuadroTexto 16"/>
+          <p:cNvSpPr txBox="1"/>
+          <p:nvPr/>
+        </p:nvSpPr>
+        <p:spPr>
+          <a:xfrm>
+            <a:off x="306374" y="3523376"/>
+            <a:ext cx="3329171" cy="369332"/>
+          </a:xfrm>
+          <a:prstGeom prst="rect">
+            <a:avLst/>
+          </a:prstGeom>
+          <a:noFill/>
+        </p:spPr>
+        <p:txBody>
+          <a:bodyPr wrap="square" rtlCol="0">
+            <a:spAutoFit/>
+          </a:bodyPr>
+          <a:lstStyle/>
+          <a:p>
+            <a:pPr algn="ctr"/>
+            <a:r>
+              <a:rPr lang="es-ES" dirty="0"/>
+              <a:t>J48</a:t>
+            </a:r>
+          </a:p>
+        </p:txBody>
+      </p:sp>
+      <p:sp>
+        <p:nvSpPr>
+          <p:cNvPr id="18" name="CuadroTexto 17"/>
+          <p:cNvSpPr txBox="1"/>
+          <p:nvPr/>
+        </p:nvSpPr>
+        <p:spPr>
+          <a:xfrm>
+            <a:off x="4432261" y="3509799"/>
+            <a:ext cx="3329171" cy="369332"/>
+          </a:xfrm>
+          <a:prstGeom prst="rect">
+            <a:avLst/>
+          </a:prstGeom>
+          <a:noFill/>
+        </p:spPr>
+        <p:txBody>
+          <a:bodyPr wrap="square" rtlCol="0">
+            <a:spAutoFit/>
+          </a:bodyPr>
+          <a:lstStyle/>
+          <a:p>
+            <a:pPr algn="ctr"/>
+            <a:r>
+              <a:rPr lang="es-ES" dirty="0"/>
+              <a:t>LMT</a:t>
+            </a:r>
+          </a:p>
+        </p:txBody>
+      </p:sp>
+      <p:sp>
+        <p:nvSpPr>
+          <p:cNvPr id="19" name="CuadroTexto 18"/>
+          <p:cNvSpPr txBox="1"/>
+          <p:nvPr/>
+        </p:nvSpPr>
+        <p:spPr>
+          <a:xfrm>
+            <a:off x="8448885" y="3384876"/>
+            <a:ext cx="3329171" cy="646331"/>
+          </a:xfrm>
+          <a:prstGeom prst="rect">
+            <a:avLst/>
+          </a:prstGeom>
+          <a:noFill/>
+        </p:spPr>
+        <p:txBody>
+          <a:bodyPr wrap="square" rtlCol="0">
+            <a:spAutoFit/>
+          </a:bodyPr>
+          <a:lstStyle/>
+          <a:p>
+            <a:pPr algn="ctr"/>
+            <a:r>
+              <a:rPr lang="es-ES" dirty="0"/>
+              <a:t>MLP (5000 instancias, 0.01 aprendizaje)</a:t>
+            </a:r>
+          </a:p>
+        </p:txBody>
+      </p:sp>
     </p:spTree>
     <p:extLst>
       <p:ext uri="{BB962C8B-B14F-4D97-AF65-F5344CB8AC3E}">
-        <p14:creationId xmlns:p14="http://schemas.microsoft.com/office/powerpoint/2010/main" val="1316324414"/>
+        <p14:creationId xmlns:p14="http://schemas.microsoft.com/office/powerpoint/2010/main" val="3308965500"/>
       </p:ext>
     </p:extLst>
   </p:cSld>
   <p:clrMapOvr>
-    <a:masterClrMapping/>
+    <a:overrideClrMapping bg1="lt1" tx1="dk1" bg2="lt2" tx2="dk2" accent1="accent1" accent2="accent2" accent3="accent3" accent4="accent4" accent5="accent5" accent6="accent6" hlink="hlink" folHlink="folHlink"/>
   </p:clrMapOvr>
 </p:sld>
 </file>
 
-<file path=ppt/slides/slide7.xml><?xml version="1.0" encoding="utf-8"?>
+<file path=ppt/slides/slide2.xml><?xml version="1.0" encoding="utf-8"?>
 <p:sld xmlns:a="http://schemas.openxmlformats.org/drawingml/2006/main" xmlns:r="http://schemas.openxmlformats.org/officeDocument/2006/relationships" xmlns:p="http://schemas.openxmlformats.org/presentationml/2006/main">
   <p:cSld>
     <p:spTree>
@@ -5238,9 +5466,1170 @@
           <a:p>
             <a:r>
               <a:rPr lang="es-ES" dirty="0"/>
+              <a:t>OBJETIVO</a:t>
+            </a:r>
+          </a:p>
+        </p:txBody>
+      </p:sp>
+      <p:sp>
+        <p:nvSpPr>
+          <p:cNvPr id="3" name="Marcador de contenido 2"/>
+          <p:cNvSpPr>
+            <a:spLocks noGrp="1"/>
+          </p:cNvSpPr>
+          <p:nvPr>
+            <p:ph idx="1"/>
+          </p:nvPr>
+        </p:nvSpPr>
+        <p:spPr>
+          <a:xfrm>
+            <a:off x="838201" y="2022601"/>
+            <a:ext cx="10515598" cy="4154361"/>
+          </a:xfrm>
+        </p:spPr>
+        <p:txBody>
+          <a:bodyPr>
+            <a:normAutofit/>
+          </a:bodyPr>
+          <a:lstStyle/>
+          <a:p>
+            <a:r>
+              <a:rPr lang="es-ES" sz="2000" dirty="0"/>
+              <a:t>Nuestro objetivo será estudiar la posibilidad de predecir si la bolsa subirá o bajará al día siguiente</a:t>
+            </a:r>
+          </a:p>
+          <a:p>
+            <a:pPr lvl="1"/>
+            <a:r>
+              <a:rPr lang="es-ES" sz="1600" dirty="0"/>
+              <a:t>Ibex 35</a:t>
+            </a:r>
+          </a:p>
+          <a:p>
+            <a:pPr lvl="1"/>
+            <a:r>
+              <a:rPr lang="es-ES" sz="1600" dirty="0"/>
+              <a:t>Objetivo complicado, pero con grandes recompensas</a:t>
+            </a:r>
+          </a:p>
+          <a:p>
+            <a:r>
+              <a:rPr lang="es-ES" sz="2000" dirty="0"/>
+              <a:t>En Python, con la plataforma Anaconda</a:t>
+            </a:r>
+          </a:p>
+          <a:p>
+            <a:pPr lvl="1"/>
+            <a:r>
+              <a:rPr lang="es-ES" sz="1600" dirty="0"/>
+              <a:t>Distribución de Python</a:t>
+            </a:r>
+          </a:p>
+          <a:p>
+            <a:pPr lvl="1"/>
+            <a:r>
+              <a:rPr lang="es-ES" sz="1600" dirty="0"/>
+              <a:t>Librerías de análisis y obtención de datos</a:t>
+            </a:r>
+          </a:p>
+          <a:p>
+            <a:r>
+              <a:rPr lang="es-ES" sz="2000" dirty="0"/>
+              <a:t>Los datos serán posteriormente </a:t>
+            </a:r>
+            <a:r>
+              <a:rPr lang="es-ES" sz="2000" dirty="0" err="1"/>
+              <a:t>preprocesados</a:t>
+            </a:r>
+            <a:r>
+              <a:rPr lang="es-ES" sz="2000" dirty="0"/>
+              <a:t> y estudiados por nosotros.</a:t>
+            </a:r>
+          </a:p>
+          <a:p>
+            <a:pPr lvl="1"/>
+            <a:r>
+              <a:rPr lang="es-ES" sz="1600" dirty="0"/>
+              <a:t>Redes de neuronas artificiales</a:t>
+            </a:r>
+          </a:p>
+        </p:txBody>
+      </p:sp>
+    </p:spTree>
+    <p:extLst>
+      <p:ext uri="{BB962C8B-B14F-4D97-AF65-F5344CB8AC3E}">
+        <p14:creationId xmlns:p14="http://schemas.microsoft.com/office/powerpoint/2010/main" val="162548143"/>
+      </p:ext>
+    </p:extLst>
+  </p:cSld>
+  <p:clrMapOvr>
+    <a:overrideClrMapping bg1="dk1" tx1="lt1" bg2="dk2" tx2="lt2" accent1="accent1" accent2="accent2" accent3="accent3" accent4="accent4" accent5="accent5" accent6="accent6" hlink="hlink" folHlink="folHlink"/>
+  </p:clrMapOvr>
+</p:sld>
+</file>
+
+<file path=ppt/slides/slide3.xml><?xml version="1.0" encoding="utf-8"?>
+<p:sld xmlns:a="http://schemas.openxmlformats.org/drawingml/2006/main" xmlns:r="http://schemas.openxmlformats.org/officeDocument/2006/relationships" xmlns:p="http://schemas.openxmlformats.org/presentationml/2006/main">
+  <p:cSld>
+    <p:spTree>
+      <p:nvGrpSpPr>
+        <p:cNvPr id="1" name=""/>
+        <p:cNvGrpSpPr/>
+        <p:nvPr/>
+      </p:nvGrpSpPr>
+      <p:grpSpPr>
+        <a:xfrm>
+          <a:off x="0" y="0"/>
+          <a:ext cx="0" cy="0"/>
+          <a:chOff x="0" y="0"/>
+          <a:chExt cx="0" cy="0"/>
+        </a:xfrm>
+      </p:grpSpPr>
+      <p:pic>
+        <p:nvPicPr>
+          <p:cNvPr id="6" name="Marcador de contenido 3"/>
+          <p:cNvPicPr>
+            <a:picLocks noChangeAspect="1"/>
+          </p:cNvPicPr>
+          <p:nvPr/>
+        </p:nvPicPr>
+        <p:blipFill rotWithShape="1">
+          <a:blip r:embed="rId2">
+            <a:alphaModFix amt="35000"/>
+          </a:blip>
+          <a:srcRect t="4855" b="7935"/>
+          <a:stretch/>
+        </p:blipFill>
+        <p:spPr>
+          <a:xfrm>
+            <a:off x="20" y="10"/>
+            <a:ext cx="12191980" cy="6857990"/>
+          </a:xfrm>
+          <a:prstGeom prst="rect">
+            <a:avLst/>
+          </a:prstGeom>
+        </p:spPr>
+      </p:pic>
+      <p:sp>
+        <p:nvSpPr>
+          <p:cNvPr id="5" name="CuadroTexto 4"/>
+          <p:cNvSpPr txBox="1"/>
+          <p:nvPr/>
+        </p:nvSpPr>
+        <p:spPr>
+          <a:xfrm>
+            <a:off x="838200" y="1687153"/>
+            <a:ext cx="10515600" cy="3416320"/>
+          </a:xfrm>
+          <a:prstGeom prst="rect">
+            <a:avLst/>
+          </a:prstGeom>
+          <a:noFill/>
+        </p:spPr>
+        <p:txBody>
+          <a:bodyPr wrap="square" rtlCol="0">
+            <a:spAutoFit/>
+          </a:bodyPr>
+          <a:lstStyle/>
+          <a:p>
+            <a:r>
+              <a:rPr lang="es-ES" sz="2400" dirty="0"/>
+              <a:t>Vamos a obtener los datos históricos de diferentes plazas del mundo:</a:t>
+            </a:r>
+          </a:p>
+          <a:p>
+            <a:pPr marL="342900" indent="-342900">
+              <a:buFont typeface="Arial" panose="020B0604020202020204" pitchFamily="34" charset="0"/>
+              <a:buChar char="•"/>
+            </a:pPr>
+            <a:r>
+              <a:rPr lang="es-ES" sz="2400" dirty="0"/>
+              <a:t>IBEX35 (España)</a:t>
+            </a:r>
+          </a:p>
+          <a:p>
+            <a:pPr marL="342900" indent="-342900">
+              <a:buFont typeface="Arial" panose="020B0604020202020204" pitchFamily="34" charset="0"/>
+              <a:buChar char="•"/>
+            </a:pPr>
+            <a:r>
+              <a:rPr lang="es-ES" sz="2400" dirty="0"/>
+              <a:t>Dow Jones (Estados Unidos de América)</a:t>
+            </a:r>
+          </a:p>
+          <a:p>
+            <a:pPr marL="342900" indent="-342900">
+              <a:buFont typeface="Arial" panose="020B0604020202020204" pitchFamily="34" charset="0"/>
+              <a:buChar char="•"/>
+            </a:pPr>
+            <a:r>
+              <a:rPr lang="es-ES" sz="2400" dirty="0"/>
+              <a:t>Euro Stoxx50 (Común de Europa)</a:t>
+            </a:r>
+          </a:p>
+          <a:p>
+            <a:pPr marL="342900" indent="-342900">
+              <a:buFont typeface="Arial" panose="020B0604020202020204" pitchFamily="34" charset="0"/>
+              <a:buChar char="•"/>
+            </a:pPr>
+            <a:r>
+              <a:rPr lang="es-ES" sz="2400" dirty="0"/>
+              <a:t>Nikkei225 (Japón)</a:t>
+            </a:r>
+          </a:p>
+          <a:p>
+            <a:pPr marL="342900" indent="-342900">
+              <a:buFont typeface="Arial" panose="020B0604020202020204" pitchFamily="34" charset="0"/>
+              <a:buChar char="•"/>
+            </a:pPr>
+            <a:r>
+              <a:rPr lang="es-ES" sz="2400" dirty="0" err="1"/>
+              <a:t>Dax</a:t>
+            </a:r>
+            <a:r>
+              <a:rPr lang="es-ES" sz="2400" dirty="0"/>
+              <a:t> (Alemania)</a:t>
+            </a:r>
+          </a:p>
+          <a:p>
+            <a:pPr marL="342900" indent="-342900">
+              <a:buFont typeface="Arial" panose="020B0604020202020204" pitchFamily="34" charset="0"/>
+              <a:buChar char="•"/>
+            </a:pPr>
+            <a:r>
+              <a:rPr lang="es-ES" sz="2400" dirty="0" err="1"/>
+              <a:t>Cac</a:t>
+            </a:r>
+            <a:r>
+              <a:rPr lang="es-ES" sz="2400" dirty="0"/>
+              <a:t> 40 (Francia)</a:t>
+            </a:r>
+          </a:p>
+          <a:p>
+            <a:endParaRPr lang="es-ES" sz="2400" dirty="0"/>
+          </a:p>
+          <a:p>
+            <a:r>
+              <a:rPr lang="es-ES" sz="2400" dirty="0"/>
+              <a:t>Los datos los obtenemos gracias a la API de Python de </a:t>
+            </a:r>
+            <a:r>
+              <a:rPr lang="es-ES" sz="2400" dirty="0" err="1"/>
+              <a:t>Quandl</a:t>
+            </a:r>
+            <a:endParaRPr lang="es-ES" sz="2400" dirty="0"/>
+          </a:p>
+        </p:txBody>
+      </p:sp>
+      <p:sp>
+        <p:nvSpPr>
+          <p:cNvPr id="2" name="Título 1"/>
+          <p:cNvSpPr>
+            <a:spLocks noGrp="1"/>
+          </p:cNvSpPr>
+          <p:nvPr>
+            <p:ph type="title"/>
+          </p:nvPr>
+        </p:nvSpPr>
+        <p:spPr>
+          <a:xfrm>
+            <a:off x="838200" y="365125"/>
+            <a:ext cx="10515600" cy="1325563"/>
+          </a:xfrm>
+        </p:spPr>
+        <p:txBody>
+          <a:bodyPr>
+            <a:normAutofit/>
+          </a:bodyPr>
+          <a:lstStyle/>
+          <a:p>
+            <a:r>
+              <a:rPr lang="es-ES" dirty="0">
+                <a:solidFill>
+                  <a:srgbClr val="FFFFFF"/>
+                </a:solidFill>
+              </a:rPr>
+              <a:t>OBTENCION DE DATOS</a:t>
+            </a:r>
+          </a:p>
+        </p:txBody>
+      </p:sp>
+      <p:pic>
+        <p:nvPicPr>
+          <p:cNvPr id="11" name="Imagen 10"/>
+          <p:cNvPicPr>
+            <a:picLocks noChangeAspect="1"/>
+          </p:cNvPicPr>
+          <p:nvPr/>
+        </p:nvPicPr>
+        <p:blipFill>
+          <a:blip r:embed="rId3">
+            <a:extLst>
+              <a:ext uri="{28A0092B-C50C-407E-A947-70E740481C1C}">
+                <a14:useLocalDpi xmlns:a14="http://schemas.microsoft.com/office/drawing/2010/main" val="0"/>
+              </a:ext>
+            </a:extLst>
+          </a:blip>
+          <a:stretch>
+            <a:fillRect/>
+          </a:stretch>
+        </p:blipFill>
+        <p:spPr>
+          <a:xfrm>
+            <a:off x="5291547" y="4950011"/>
+            <a:ext cx="5555817" cy="1907989"/>
+          </a:xfrm>
+          <a:prstGeom prst="rect">
+            <a:avLst/>
+          </a:prstGeom>
+        </p:spPr>
+      </p:pic>
+    </p:spTree>
+    <p:extLst>
+      <p:ext uri="{BB962C8B-B14F-4D97-AF65-F5344CB8AC3E}">
+        <p14:creationId xmlns:p14="http://schemas.microsoft.com/office/powerpoint/2010/main" val="84572358"/>
+      </p:ext>
+    </p:extLst>
+  </p:cSld>
+  <p:clrMapOvr>
+    <a:overrideClrMapping bg1="dk1" tx1="lt1" bg2="dk2" tx2="lt2" accent1="accent1" accent2="accent2" accent3="accent3" accent4="accent4" accent5="accent5" accent6="accent6" hlink="hlink" folHlink="folHlink"/>
+  </p:clrMapOvr>
+</p:sld>
+</file>
+
+<file path=ppt/slides/slide4.xml><?xml version="1.0" encoding="utf-8"?>
+<p:sld xmlns:a="http://schemas.openxmlformats.org/drawingml/2006/main" xmlns:r="http://schemas.openxmlformats.org/officeDocument/2006/relationships" xmlns:p="http://schemas.openxmlformats.org/presentationml/2006/main">
+  <p:cSld>
+    <p:spTree>
+      <p:nvGrpSpPr>
+        <p:cNvPr id="1" name=""/>
+        <p:cNvGrpSpPr/>
+        <p:nvPr/>
+      </p:nvGrpSpPr>
+      <p:grpSpPr>
+        <a:xfrm>
+          <a:off x="0" y="0"/>
+          <a:ext cx="0" cy="0"/>
+          <a:chOff x="0" y="0"/>
+          <a:chExt cx="0" cy="0"/>
+        </a:xfrm>
+      </p:grpSpPr>
+      <p:sp>
+        <p:nvSpPr>
+          <p:cNvPr id="22" name="Rectangle 7"/>
+          <p:cNvSpPr>
+            <a:spLocks noGrp="1" noRot="1" noChangeAspect="1" noMove="1" noResize="1" noEditPoints="1" noAdjustHandles="1" noChangeArrowheads="1" noChangeShapeType="1" noTextEdit="1"/>
+          </p:cNvSpPr>
+          <p:nvPr>
+            <p:extLst>
+              <p:ext uri="{386F3935-93C4-4BCD-93E2-E3B085C9AB24}">
+                <p16:designElem xmlns:p16="http://schemas.microsoft.com/office/powerpoint/2015/main" val="1"/>
+              </p:ext>
+            </p:extLst>
+          </p:nvPr>
+        </p:nvSpPr>
+        <p:spPr bwMode="white">
+          <a:xfrm>
+            <a:off x="0" y="0"/>
+            <a:ext cx="12192000" cy="6858000"/>
+          </a:xfrm>
+          <a:prstGeom prst="rect">
+            <a:avLst/>
+          </a:prstGeom>
+          <a:solidFill>
+            <a:schemeClr val="bg1"/>
+          </a:solidFill>
+          <a:ln>
+            <a:noFill/>
+          </a:ln>
+          <a:effectLst/>
+        </p:spPr>
+      </p:sp>
+      <p:sp>
+        <p:nvSpPr>
+          <p:cNvPr id="9" name="Rectangle 8"/>
+          <p:cNvSpPr>
+            <a:spLocks noGrp="1" noRot="1" noChangeAspect="1" noMove="1" noResize="1" noEditPoints="1" noAdjustHandles="1" noChangeArrowheads="1" noChangeShapeType="1" noTextEdit="1"/>
+          </p:cNvSpPr>
+          <p:nvPr>
+            <p:extLst>
+              <p:ext uri="{386F3935-93C4-4BCD-93E2-E3B085C9AB24}">
+                <p16:designElem xmlns:p16="http://schemas.microsoft.com/office/powerpoint/2015/main" val="1"/>
+              </p:ext>
+            </p:extLst>
+          </p:nvPr>
+        </p:nvSpPr>
+        <p:spPr>
+          <a:xfrm>
+            <a:off x="0" y="651752"/>
+            <a:ext cx="12192000" cy="736551"/>
+          </a:xfrm>
+          <a:prstGeom prst="rect">
+            <a:avLst/>
+          </a:prstGeom>
+          <a:solidFill>
+            <a:schemeClr val="tx1">
+              <a:alpha val="75000"/>
+            </a:schemeClr>
+          </a:solidFill>
+          <a:ln>
+            <a:noFill/>
+          </a:ln>
+        </p:spPr>
+        <p:style>
+          <a:lnRef idx="2">
+            <a:schemeClr val="accent1">
+              <a:shade val="50000"/>
+            </a:schemeClr>
+          </a:lnRef>
+          <a:fillRef idx="1">
+            <a:schemeClr val="accent1"/>
+          </a:fillRef>
+          <a:effectRef idx="0">
+            <a:schemeClr val="accent1"/>
+          </a:effectRef>
+          <a:fontRef idx="minor">
+            <a:schemeClr val="lt1"/>
+          </a:fontRef>
+        </p:style>
+        <p:txBody>
+          <a:bodyPr rtlCol="0" anchor="ctr"/>
+          <a:lstStyle/>
+          <a:p>
+            <a:pPr algn="ctr"/>
+            <a:endParaRPr lang="en-US"/>
+          </a:p>
+        </p:txBody>
+      </p:sp>
+      <p:pic>
+        <p:nvPicPr>
+          <p:cNvPr id="6" name="Marcador de contenido 3"/>
+          <p:cNvPicPr>
+            <a:picLocks noChangeAspect="1"/>
+          </p:cNvPicPr>
+          <p:nvPr/>
+        </p:nvPicPr>
+        <p:blipFill rotWithShape="1">
+          <a:blip r:embed="rId2"/>
+          <a:srcRect/>
+          <a:stretch/>
+        </p:blipFill>
+        <p:spPr>
+          <a:xfrm>
+            <a:off x="704986" y="1508508"/>
+            <a:ext cx="10782028" cy="5229286"/>
+          </a:xfrm>
+          <a:prstGeom prst="rect">
+            <a:avLst/>
+          </a:prstGeom>
+        </p:spPr>
+      </p:pic>
+      <p:sp>
+        <p:nvSpPr>
+          <p:cNvPr id="2" name="Título 1"/>
+          <p:cNvSpPr>
+            <a:spLocks noGrp="1"/>
+          </p:cNvSpPr>
+          <p:nvPr>
+            <p:ph type="title"/>
+          </p:nvPr>
+        </p:nvSpPr>
+        <p:spPr>
+          <a:xfrm>
+            <a:off x="556532" y="643467"/>
+            <a:ext cx="11210925" cy="744836"/>
+          </a:xfrm>
+        </p:spPr>
+        <p:txBody>
+          <a:bodyPr vert="horz" lIns="91440" tIns="45720" rIns="91440" bIns="45720" rtlCol="0" anchor="ctr">
+            <a:normAutofit/>
+          </a:bodyPr>
+          <a:lstStyle/>
+          <a:p>
+            <a:pPr algn="ctr"/>
+            <a:r>
+              <a:rPr lang="en-US" sz="3200">
+                <a:solidFill>
+                  <a:schemeClr val="bg1"/>
+                </a:solidFill>
+              </a:rPr>
               <a:t>PROCESAMIENTO DE DATOS</a:t>
             </a:r>
-            <a:endParaRPr lang="es-ES" dirty="0"/>
+          </a:p>
+        </p:txBody>
+      </p:sp>
+    </p:spTree>
+    <p:extLst>
+      <p:ext uri="{BB962C8B-B14F-4D97-AF65-F5344CB8AC3E}">
+        <p14:creationId xmlns:p14="http://schemas.microsoft.com/office/powerpoint/2010/main" val="3844390514"/>
+      </p:ext>
+    </p:extLst>
+  </p:cSld>
+  <p:clrMapOvr>
+    <a:masterClrMapping/>
+  </p:clrMapOvr>
+</p:sld>
+</file>
+
+<file path=ppt/slides/slide5.xml><?xml version="1.0" encoding="utf-8"?>
+<p:sld xmlns:a="http://schemas.openxmlformats.org/drawingml/2006/main" xmlns:r="http://schemas.openxmlformats.org/officeDocument/2006/relationships" xmlns:p="http://schemas.openxmlformats.org/presentationml/2006/main">
+  <p:cSld>
+    <p:spTree>
+      <p:nvGrpSpPr>
+        <p:cNvPr id="1" name=""/>
+        <p:cNvGrpSpPr/>
+        <p:nvPr/>
+      </p:nvGrpSpPr>
+      <p:grpSpPr>
+        <a:xfrm>
+          <a:off x="0" y="0"/>
+          <a:ext cx="0" cy="0"/>
+          <a:chOff x="0" y="0"/>
+          <a:chExt cx="0" cy="0"/>
+        </a:xfrm>
+      </p:grpSpPr>
+      <p:sp>
+        <p:nvSpPr>
+          <p:cNvPr id="12" name="Rectangle 11"/>
+          <p:cNvSpPr>
+            <a:spLocks noGrp="1" noRot="1" noChangeAspect="1" noMove="1" noResize="1" noEditPoints="1" noAdjustHandles="1" noChangeArrowheads="1" noChangeShapeType="1" noTextEdit="1"/>
+          </p:cNvSpPr>
+          <p:nvPr>
+            <p:extLst>
+              <p:ext uri="{386F3935-93C4-4BCD-93E2-E3B085C9AB24}">
+                <p16:designElem xmlns:p16="http://schemas.microsoft.com/office/powerpoint/2015/main" val="1"/>
+              </p:ext>
+            </p:extLst>
+          </p:nvPr>
+        </p:nvSpPr>
+        <p:spPr bwMode="white">
+          <a:xfrm>
+            <a:off x="0" y="0"/>
+            <a:ext cx="12192000" cy="6858000"/>
+          </a:xfrm>
+          <a:prstGeom prst="rect">
+            <a:avLst/>
+          </a:prstGeom>
+          <a:solidFill>
+            <a:schemeClr val="bg1"/>
+          </a:solidFill>
+          <a:ln>
+            <a:noFill/>
+          </a:ln>
+          <a:effectLst/>
+        </p:spPr>
+      </p:sp>
+      <p:sp>
+        <p:nvSpPr>
+          <p:cNvPr id="13" name="Rectangle 12"/>
+          <p:cNvSpPr>
+            <a:spLocks noGrp="1" noRot="1" noChangeAspect="1" noMove="1" noResize="1" noEditPoints="1" noAdjustHandles="1" noChangeArrowheads="1" noChangeShapeType="1" noTextEdit="1"/>
+          </p:cNvSpPr>
+          <p:nvPr>
+            <p:extLst>
+              <p:ext uri="{386F3935-93C4-4BCD-93E2-E3B085C9AB24}">
+                <p16:designElem xmlns:p16="http://schemas.microsoft.com/office/powerpoint/2015/main" val="1"/>
+              </p:ext>
+            </p:extLst>
+          </p:nvPr>
+        </p:nvSpPr>
+        <p:spPr>
+          <a:xfrm>
+            <a:off x="0" y="651752"/>
+            <a:ext cx="12192000" cy="736551"/>
+          </a:xfrm>
+          <a:prstGeom prst="rect">
+            <a:avLst/>
+          </a:prstGeom>
+          <a:solidFill>
+            <a:schemeClr val="tx1">
+              <a:alpha val="75000"/>
+            </a:schemeClr>
+          </a:solidFill>
+          <a:ln>
+            <a:noFill/>
+          </a:ln>
+        </p:spPr>
+        <p:style>
+          <a:lnRef idx="2">
+            <a:schemeClr val="accent1">
+              <a:shade val="50000"/>
+            </a:schemeClr>
+          </a:lnRef>
+          <a:fillRef idx="1">
+            <a:schemeClr val="accent1"/>
+          </a:fillRef>
+          <a:effectRef idx="0">
+            <a:schemeClr val="accent1"/>
+          </a:effectRef>
+          <a:fontRef idx="minor">
+            <a:schemeClr val="lt1"/>
+          </a:fontRef>
+        </p:style>
+        <p:txBody>
+          <a:bodyPr rtlCol="0" anchor="ctr"/>
+          <a:lstStyle/>
+          <a:p>
+            <a:pPr algn="ctr"/>
+            <a:endParaRPr lang="en-US"/>
+          </a:p>
+        </p:txBody>
+      </p:sp>
+      <p:pic>
+        <p:nvPicPr>
+          <p:cNvPr id="8" name="Imagen 7"/>
+          <p:cNvPicPr>
+            <a:picLocks noChangeAspect="1"/>
+          </p:cNvPicPr>
+          <p:nvPr/>
+        </p:nvPicPr>
+        <p:blipFill>
+          <a:blip r:embed="rId2">
+            <a:extLst>
+              <a:ext uri="{28A0092B-C50C-407E-A947-70E740481C1C}">
+                <a14:useLocalDpi xmlns:a14="http://schemas.microsoft.com/office/drawing/2010/main" val="0"/>
+              </a:ext>
+            </a:extLst>
+          </a:blip>
+          <a:stretch>
+            <a:fillRect/>
+          </a:stretch>
+        </p:blipFill>
+        <p:spPr>
+          <a:xfrm>
+            <a:off x="754523" y="1388303"/>
+            <a:ext cx="10682953" cy="5421600"/>
+          </a:xfrm>
+          <a:prstGeom prst="rect">
+            <a:avLst/>
+          </a:prstGeom>
+        </p:spPr>
+      </p:pic>
+      <p:sp>
+        <p:nvSpPr>
+          <p:cNvPr id="2" name="Título 1"/>
+          <p:cNvSpPr>
+            <a:spLocks noGrp="1"/>
+          </p:cNvSpPr>
+          <p:nvPr>
+            <p:ph type="title"/>
+          </p:nvPr>
+        </p:nvSpPr>
+        <p:spPr>
+          <a:xfrm>
+            <a:off x="556532" y="643467"/>
+            <a:ext cx="11210925" cy="744836"/>
+          </a:xfrm>
+        </p:spPr>
+        <p:txBody>
+          <a:bodyPr vert="horz" lIns="91440" tIns="45720" rIns="91440" bIns="45720" rtlCol="0" anchor="ctr">
+            <a:normAutofit/>
+          </a:bodyPr>
+          <a:lstStyle/>
+          <a:p>
+            <a:pPr algn="ctr"/>
+            <a:r>
+              <a:rPr lang="en-US" sz="3200" dirty="0">
+                <a:solidFill>
+                  <a:schemeClr val="bg1"/>
+                </a:solidFill>
+              </a:rPr>
+              <a:t>PROCESAMIENTO DE DATOS</a:t>
+            </a:r>
+          </a:p>
+        </p:txBody>
+      </p:sp>
+    </p:spTree>
+    <p:extLst>
+      <p:ext uri="{BB962C8B-B14F-4D97-AF65-F5344CB8AC3E}">
+        <p14:creationId xmlns:p14="http://schemas.microsoft.com/office/powerpoint/2010/main" val="38684972"/>
+      </p:ext>
+    </p:extLst>
+  </p:cSld>
+  <p:clrMapOvr>
+    <a:masterClrMapping/>
+  </p:clrMapOvr>
+</p:sld>
+</file>
+
+<file path=ppt/slides/slide6.xml><?xml version="1.0" encoding="utf-8"?>
+<p:sld xmlns:a="http://schemas.openxmlformats.org/drawingml/2006/main" xmlns:r="http://schemas.openxmlformats.org/officeDocument/2006/relationships" xmlns:p="http://schemas.openxmlformats.org/presentationml/2006/main">
+  <p:cSld>
+    <p:spTree>
+      <p:nvGrpSpPr>
+        <p:cNvPr id="1" name=""/>
+        <p:cNvGrpSpPr/>
+        <p:nvPr/>
+      </p:nvGrpSpPr>
+      <p:grpSpPr>
+        <a:xfrm>
+          <a:off x="0" y="0"/>
+          <a:ext cx="0" cy="0"/>
+          <a:chOff x="0" y="0"/>
+          <a:chExt cx="0" cy="0"/>
+        </a:xfrm>
+      </p:grpSpPr>
+      <p:sp>
+        <p:nvSpPr>
+          <p:cNvPr id="12" name="Rectangle 11"/>
+          <p:cNvSpPr>
+            <a:spLocks noGrp="1" noRot="1" noChangeAspect="1" noMove="1" noResize="1" noEditPoints="1" noAdjustHandles="1" noChangeArrowheads="1" noChangeShapeType="1" noTextEdit="1"/>
+          </p:cNvSpPr>
+          <p:nvPr>
+            <p:extLst>
+              <p:ext uri="{386F3935-93C4-4BCD-93E2-E3B085C9AB24}">
+                <p16:designElem xmlns:p16="http://schemas.microsoft.com/office/powerpoint/2015/main" val="1"/>
+              </p:ext>
+            </p:extLst>
+          </p:nvPr>
+        </p:nvSpPr>
+        <p:spPr bwMode="white">
+          <a:xfrm>
+            <a:off x="0" y="0"/>
+            <a:ext cx="12192000" cy="6858000"/>
+          </a:xfrm>
+          <a:prstGeom prst="rect">
+            <a:avLst/>
+          </a:prstGeom>
+          <a:solidFill>
+            <a:schemeClr val="bg1"/>
+          </a:solidFill>
+          <a:ln>
+            <a:noFill/>
+          </a:ln>
+          <a:effectLst/>
+        </p:spPr>
+      </p:sp>
+      <p:sp>
+        <p:nvSpPr>
+          <p:cNvPr id="13" name="Rectangle 12"/>
+          <p:cNvSpPr>
+            <a:spLocks noGrp="1" noRot="1" noChangeAspect="1" noMove="1" noResize="1" noEditPoints="1" noAdjustHandles="1" noChangeArrowheads="1" noChangeShapeType="1" noTextEdit="1"/>
+          </p:cNvSpPr>
+          <p:nvPr>
+            <p:extLst>
+              <p:ext uri="{386F3935-93C4-4BCD-93E2-E3B085C9AB24}">
+                <p16:designElem xmlns:p16="http://schemas.microsoft.com/office/powerpoint/2015/main" val="1"/>
+              </p:ext>
+            </p:extLst>
+          </p:nvPr>
+        </p:nvSpPr>
+        <p:spPr>
+          <a:xfrm>
+            <a:off x="0" y="651752"/>
+            <a:ext cx="12192000" cy="736551"/>
+          </a:xfrm>
+          <a:prstGeom prst="rect">
+            <a:avLst/>
+          </a:prstGeom>
+          <a:solidFill>
+            <a:schemeClr val="tx1">
+              <a:alpha val="75000"/>
+            </a:schemeClr>
+          </a:solidFill>
+          <a:ln>
+            <a:noFill/>
+          </a:ln>
+        </p:spPr>
+        <p:style>
+          <a:lnRef idx="2">
+            <a:schemeClr val="accent1">
+              <a:shade val="50000"/>
+            </a:schemeClr>
+          </a:lnRef>
+          <a:fillRef idx="1">
+            <a:schemeClr val="accent1"/>
+          </a:fillRef>
+          <a:effectRef idx="0">
+            <a:schemeClr val="accent1"/>
+          </a:effectRef>
+          <a:fontRef idx="minor">
+            <a:schemeClr val="lt1"/>
+          </a:fontRef>
+        </p:style>
+        <p:txBody>
+          <a:bodyPr rtlCol="0" anchor="ctr"/>
+          <a:lstStyle/>
+          <a:p>
+            <a:pPr algn="ctr"/>
+            <a:endParaRPr lang="en-US"/>
+          </a:p>
+        </p:txBody>
+      </p:sp>
+      <p:pic>
+        <p:nvPicPr>
+          <p:cNvPr id="3" name="Imagen 2"/>
+          <p:cNvPicPr>
+            <a:picLocks noChangeAspect="1"/>
+          </p:cNvPicPr>
+          <p:nvPr/>
+        </p:nvPicPr>
+        <p:blipFill>
+          <a:blip r:embed="rId2">
+            <a:extLst>
+              <a:ext uri="{28A0092B-C50C-407E-A947-70E740481C1C}">
+                <a14:useLocalDpi xmlns:a14="http://schemas.microsoft.com/office/drawing/2010/main" val="0"/>
+              </a:ext>
+            </a:extLst>
+          </a:blip>
+          <a:stretch>
+            <a:fillRect/>
+          </a:stretch>
+        </p:blipFill>
+        <p:spPr>
+          <a:xfrm>
+            <a:off x="753776" y="1388303"/>
+            <a:ext cx="10684448" cy="5422359"/>
+          </a:xfrm>
+          <a:prstGeom prst="rect">
+            <a:avLst/>
+          </a:prstGeom>
+        </p:spPr>
+      </p:pic>
+      <p:sp>
+        <p:nvSpPr>
+          <p:cNvPr id="2" name="Título 1"/>
+          <p:cNvSpPr>
+            <a:spLocks noGrp="1"/>
+          </p:cNvSpPr>
+          <p:nvPr>
+            <p:ph type="title"/>
+          </p:nvPr>
+        </p:nvSpPr>
+        <p:spPr>
+          <a:xfrm>
+            <a:off x="556532" y="643467"/>
+            <a:ext cx="11210925" cy="744836"/>
+          </a:xfrm>
+        </p:spPr>
+        <p:txBody>
+          <a:bodyPr vert="horz" lIns="91440" tIns="45720" rIns="91440" bIns="45720" rtlCol="0" anchor="ctr">
+            <a:normAutofit/>
+          </a:bodyPr>
+          <a:lstStyle/>
+          <a:p>
+            <a:pPr algn="ctr"/>
+            <a:r>
+              <a:rPr lang="en-US" sz="3200">
+                <a:solidFill>
+                  <a:schemeClr val="bg1"/>
+                </a:solidFill>
+              </a:rPr>
+              <a:t>PROCESAMIENTO DE DATOS</a:t>
+            </a:r>
+          </a:p>
+        </p:txBody>
+      </p:sp>
+    </p:spTree>
+    <p:extLst>
+      <p:ext uri="{BB962C8B-B14F-4D97-AF65-F5344CB8AC3E}">
+        <p14:creationId xmlns:p14="http://schemas.microsoft.com/office/powerpoint/2010/main" val="1316324414"/>
+      </p:ext>
+    </p:extLst>
+  </p:cSld>
+  <p:clrMapOvr>
+    <a:masterClrMapping/>
+  </p:clrMapOvr>
+</p:sld>
+</file>
+
+<file path=ppt/slides/slide7.xml><?xml version="1.0" encoding="utf-8"?>
+<p:sld xmlns:a="http://schemas.openxmlformats.org/drawingml/2006/main" xmlns:r="http://schemas.openxmlformats.org/officeDocument/2006/relationships" xmlns:p="http://schemas.openxmlformats.org/presentationml/2006/main">
+  <p:cSld>
+    <p:spTree>
+      <p:nvGrpSpPr>
+        <p:cNvPr id="1" name=""/>
+        <p:cNvGrpSpPr/>
+        <p:nvPr/>
+      </p:nvGrpSpPr>
+      <p:grpSpPr>
+        <a:xfrm>
+          <a:off x="0" y="0"/>
+          <a:ext cx="0" cy="0"/>
+          <a:chOff x="0" y="0"/>
+          <a:chExt cx="0" cy="0"/>
+        </a:xfrm>
+      </p:grpSpPr>
+      <p:sp>
+        <p:nvSpPr>
+          <p:cNvPr id="5" name="Rectangle 4"/>
+          <p:cNvSpPr>
+            <a:spLocks noGrp="1" noRot="1" noChangeAspect="1" noMove="1" noResize="1" noEditPoints="1" noAdjustHandles="1" noChangeArrowheads="1" noChangeShapeType="1" noTextEdit="1"/>
+          </p:cNvSpPr>
+          <p:nvPr>
+            <p:extLst>
+              <p:ext uri="{386F3935-93C4-4BCD-93E2-E3B085C9AB24}">
+                <p16:designElem xmlns:p16="http://schemas.microsoft.com/office/powerpoint/2015/main" val="1"/>
+              </p:ext>
+            </p:extLst>
+          </p:nvPr>
+        </p:nvSpPr>
+        <p:spPr>
+          <a:xfrm>
+            <a:off x="0" y="-3324"/>
+            <a:ext cx="12192000" cy="6861324"/>
+          </a:xfrm>
+          <a:prstGeom prst="rect">
+            <a:avLst/>
+          </a:prstGeom>
+          <a:solidFill>
+            <a:srgbClr val="404040"/>
+          </a:solidFill>
+          <a:ln>
+            <a:noFill/>
+          </a:ln>
+        </p:spPr>
+        <p:style>
+          <a:lnRef idx="2">
+            <a:schemeClr val="accent1">
+              <a:shade val="50000"/>
+            </a:schemeClr>
+          </a:lnRef>
+          <a:fillRef idx="1">
+            <a:schemeClr val="accent1"/>
+          </a:fillRef>
+          <a:effectRef idx="0">
+            <a:schemeClr val="accent1"/>
+          </a:effectRef>
+          <a:fontRef idx="minor">
+            <a:schemeClr val="lt1"/>
+          </a:fontRef>
+        </p:style>
+        <p:txBody>
+          <a:bodyPr rtlCol="0" anchor="ctr"/>
+          <a:lstStyle/>
+          <a:p>
+            <a:pPr algn="ctr"/>
+            <a:endParaRPr lang="en-US"/>
+          </a:p>
+        </p:txBody>
+      </p:sp>
+      <p:sp>
+        <p:nvSpPr>
+          <p:cNvPr id="6" name="Freeform 13"/>
+          <p:cNvSpPr>
+            <a:spLocks noGrp="1" noRot="1" noChangeAspect="1" noMove="1" noResize="1" noEditPoints="1" noAdjustHandles="1" noChangeArrowheads="1" noChangeShapeType="1" noTextEdit="1"/>
+          </p:cNvSpPr>
+          <p:nvPr>
+            <p:extLst>
+              <p:ext uri="{386F3935-93C4-4BCD-93E2-E3B085C9AB24}">
+                <p16:designElem xmlns:p16="http://schemas.microsoft.com/office/powerpoint/2015/main" val="1"/>
+              </p:ext>
+            </p:extLst>
+          </p:nvPr>
+        </p:nvSpPr>
+        <p:spPr>
+          <a:xfrm>
+            <a:off x="0" y="0"/>
+            <a:ext cx="11786754" cy="6858000"/>
+          </a:xfrm>
+          <a:custGeom>
+            <a:avLst/>
+            <a:gdLst>
+              <a:gd name="connsiteX0" fmla="*/ 0 w 11786754"/>
+              <a:gd name="connsiteY0" fmla="*/ 0 h 6858000"/>
+              <a:gd name="connsiteX1" fmla="*/ 8610600 w 11786754"/>
+              <a:gd name="connsiteY1" fmla="*/ 0 h 6858000"/>
+              <a:gd name="connsiteX2" fmla="*/ 11786754 w 11786754"/>
+              <a:gd name="connsiteY2" fmla="*/ 6858000 h 6858000"/>
+              <a:gd name="connsiteX3" fmla="*/ 0 w 11786754"/>
+              <a:gd name="connsiteY3" fmla="*/ 6858000 h 6858000"/>
+            </a:gdLst>
+            <a:ahLst/>
+            <a:cxnLst>
+              <a:cxn ang="0">
+                <a:pos x="connsiteX0" y="connsiteY0"/>
+              </a:cxn>
+              <a:cxn ang="0">
+                <a:pos x="connsiteX1" y="connsiteY1"/>
+              </a:cxn>
+              <a:cxn ang="0">
+                <a:pos x="connsiteX2" y="connsiteY2"/>
+              </a:cxn>
+              <a:cxn ang="0">
+                <a:pos x="connsiteX3" y="connsiteY3"/>
+              </a:cxn>
+            </a:cxnLst>
+            <a:rect l="l" t="t" r="r" b="b"/>
+            <a:pathLst>
+              <a:path w="11786754" h="6858000">
+                <a:moveTo>
+                  <a:pt x="0" y="0"/>
+                </a:moveTo>
+                <a:lnTo>
+                  <a:pt x="8610600" y="0"/>
+                </a:lnTo>
+                <a:lnTo>
+                  <a:pt x="11786754" y="6858000"/>
+                </a:lnTo>
+                <a:lnTo>
+                  <a:pt x="0" y="6858000"/>
+                </a:lnTo>
+                <a:close/>
+              </a:path>
+            </a:pathLst>
+          </a:custGeom>
+          <a:solidFill>
+            <a:schemeClr val="bg1">
+              <a:alpha val="30000"/>
+            </a:schemeClr>
+          </a:solidFill>
+          <a:ln>
+            <a:noFill/>
+          </a:ln>
+        </p:spPr>
+        <p:style>
+          <a:lnRef idx="2">
+            <a:schemeClr val="accent1">
+              <a:shade val="50000"/>
+            </a:schemeClr>
+          </a:lnRef>
+          <a:fillRef idx="1">
+            <a:schemeClr val="accent1"/>
+          </a:fillRef>
+          <a:effectRef idx="0">
+            <a:schemeClr val="accent1"/>
+          </a:effectRef>
+          <a:fontRef idx="minor">
+            <a:schemeClr val="lt1"/>
+          </a:fontRef>
+        </p:style>
+        <p:txBody>
+          <a:bodyPr rtlCol="0" anchor="ctr"/>
+          <a:lstStyle/>
+          <a:p>
+            <a:pPr algn="ctr"/>
+            <a:endParaRPr lang="en-US"/>
+          </a:p>
+        </p:txBody>
+      </p:sp>
+      <p:sp>
+        <p:nvSpPr>
+          <p:cNvPr id="7" name="Freeform 11"/>
+          <p:cNvSpPr>
+            <a:spLocks noGrp="1" noRot="1" noChangeAspect="1" noMove="1" noResize="1" noEditPoints="1" noAdjustHandles="1" noChangeArrowheads="1" noChangeShapeType="1" noTextEdit="1"/>
+          </p:cNvSpPr>
+          <p:nvPr>
+            <p:extLst>
+              <p:ext uri="{386F3935-93C4-4BCD-93E2-E3B085C9AB24}">
+                <p16:designElem xmlns:p16="http://schemas.microsoft.com/office/powerpoint/2015/main" val="1"/>
+              </p:ext>
+            </p:extLst>
+          </p:nvPr>
+        </p:nvSpPr>
+        <p:spPr>
+          <a:xfrm>
+            <a:off x="0" y="0"/>
+            <a:ext cx="3581400" cy="6858000"/>
+          </a:xfrm>
+          <a:custGeom>
+            <a:avLst/>
+            <a:gdLst>
+              <a:gd name="connsiteX0" fmla="*/ 0 w 3581400"/>
+              <a:gd name="connsiteY0" fmla="*/ 0 h 6858000"/>
+              <a:gd name="connsiteX1" fmla="*/ 405246 w 3581400"/>
+              <a:gd name="connsiteY1" fmla="*/ 0 h 6858000"/>
+              <a:gd name="connsiteX2" fmla="*/ 3581400 w 3581400"/>
+              <a:gd name="connsiteY2" fmla="*/ 6858000 h 6858000"/>
+              <a:gd name="connsiteX3" fmla="*/ 0 w 3581400"/>
+              <a:gd name="connsiteY3" fmla="*/ 6858000 h 6858000"/>
+            </a:gdLst>
+            <a:ahLst/>
+            <a:cxnLst>
+              <a:cxn ang="0">
+                <a:pos x="connsiteX0" y="connsiteY0"/>
+              </a:cxn>
+              <a:cxn ang="0">
+                <a:pos x="connsiteX1" y="connsiteY1"/>
+              </a:cxn>
+              <a:cxn ang="0">
+                <a:pos x="connsiteX2" y="connsiteY2"/>
+              </a:cxn>
+              <a:cxn ang="0">
+                <a:pos x="connsiteX3" y="connsiteY3"/>
+              </a:cxn>
+            </a:cxnLst>
+            <a:rect l="l" t="t" r="r" b="b"/>
+            <a:pathLst>
+              <a:path w="3581400" h="6858000">
+                <a:moveTo>
+                  <a:pt x="0" y="0"/>
+                </a:moveTo>
+                <a:lnTo>
+                  <a:pt x="405246" y="0"/>
+                </a:lnTo>
+                <a:lnTo>
+                  <a:pt x="3581400" y="6858000"/>
+                </a:lnTo>
+                <a:lnTo>
+                  <a:pt x="0" y="6858000"/>
+                </a:lnTo>
+                <a:close/>
+              </a:path>
+            </a:pathLst>
+          </a:custGeom>
+          <a:solidFill>
+            <a:schemeClr val="bg1">
+              <a:alpha val="30000"/>
+            </a:schemeClr>
+          </a:solidFill>
+          <a:ln>
+            <a:noFill/>
+          </a:ln>
+        </p:spPr>
+        <p:style>
+          <a:lnRef idx="2">
+            <a:schemeClr val="accent1">
+              <a:shade val="50000"/>
+            </a:schemeClr>
+          </a:lnRef>
+          <a:fillRef idx="1">
+            <a:schemeClr val="accent1"/>
+          </a:fillRef>
+          <a:effectRef idx="0">
+            <a:schemeClr val="accent1"/>
+          </a:effectRef>
+          <a:fontRef idx="minor">
+            <a:schemeClr val="lt1"/>
+          </a:fontRef>
+        </p:style>
+        <p:txBody>
+          <a:bodyPr wrap="square" rtlCol="0" anchor="ctr">
+            <a:noAutofit/>
+          </a:bodyPr>
+          <a:lstStyle/>
+          <a:p>
+            <a:pPr algn="ctr"/>
+            <a:endParaRPr lang="en-US"/>
+          </a:p>
+        </p:txBody>
+      </p:sp>
+      <p:sp>
+        <p:nvSpPr>
+          <p:cNvPr id="2" name="Título 1"/>
+          <p:cNvSpPr>
+            <a:spLocks noGrp="1"/>
+          </p:cNvSpPr>
+          <p:nvPr>
+            <p:ph type="title"/>
+          </p:nvPr>
+        </p:nvSpPr>
+        <p:spPr>
+          <a:xfrm>
+            <a:off x="833002" y="365125"/>
+            <a:ext cx="10520702" cy="1325563"/>
+          </a:xfrm>
+        </p:spPr>
+        <p:txBody>
+          <a:bodyPr>
+            <a:normAutofit/>
+          </a:bodyPr>
+          <a:lstStyle/>
+          <a:p>
+            <a:r>
+              <a:rPr lang="es-ES" dirty="0"/>
+              <a:t>PROCESAMIENTO DE DATOS</a:t>
+            </a:r>
           </a:p>
         </p:txBody>
       </p:sp>

--- a/docs/PresentacionFinal.pptx
+++ b/docs/PresentacionFinal.pptx
@@ -18,6 +18,8 @@
     <p:sldId id="266" r:id="rId12"/>
     <p:sldId id="267" r:id="rId13"/>
     <p:sldId id="268" r:id="rId14"/>
+    <p:sldId id="269" r:id="rId15"/>
+    <p:sldId id="270" r:id="rId16"/>
   </p:sldIdLst>
   <p:sldSz cx="12192000" cy="6858000"/>
   <p:notesSz cx="6858000" cy="9144000"/>
@@ -3649,7 +3651,7 @@
           <a:lstStyle/>
           <a:p>
             <a:r>
-              <a:rPr lang="es-ES" dirty="0"/>
+              <a:rPr lang="es-ES" sz="5400" dirty="0"/>
               <a:t>METODOS Y HERRAMIENTAS</a:t>
             </a:r>
           </a:p>
@@ -3667,16 +3669,19 @@
         </p:nvSpPr>
         <p:spPr>
           <a:xfrm>
-            <a:off x="838201" y="2022601"/>
-            <a:ext cx="10515598" cy="4154361"/>
+            <a:off x="833002" y="1690688"/>
+            <a:ext cx="10515598" cy="4504050"/>
           </a:xfrm>
         </p:spPr>
         <p:txBody>
           <a:bodyPr>
-            <a:normAutofit fontScale="92500" lnSpcReduction="10000"/>
+            <a:normAutofit lnSpcReduction="10000"/>
           </a:bodyPr>
           <a:lstStyle/>
           <a:p>
+            <a:pPr marL="0" indent="0">
+              <a:buNone/>
+            </a:pPr>
             <a:r>
               <a:rPr lang="es-ES" dirty="0"/>
               <a:t>WEKA:</a:t>
@@ -3710,6 +3715,9 @@
             <a:endParaRPr lang="es-ES" dirty="0"/>
           </a:p>
           <a:p>
+            <a:pPr marL="0" indent="0">
+              <a:buNone/>
+            </a:pPr>
             <a:r>
               <a:rPr lang="es-ES" dirty="0"/>
               <a:t>PYTHON:</a:t>
@@ -4074,7 +4082,7 @@
           <a:lstStyle/>
           <a:p>
             <a:r>
-              <a:rPr lang="es-ES" dirty="0"/>
+              <a:rPr lang="es-ES" sz="5400" dirty="0"/>
               <a:t>WEKA</a:t>
             </a:r>
           </a:p>
@@ -4092,8 +4100,8 @@
         </p:nvSpPr>
         <p:spPr>
           <a:xfrm>
-            <a:off x="838201" y="2022601"/>
-            <a:ext cx="10515598" cy="4154361"/>
+            <a:off x="838201" y="1690689"/>
+            <a:ext cx="10515598" cy="4486274"/>
           </a:xfrm>
         </p:spPr>
         <p:txBody>
@@ -4103,66 +4111,66 @@
           <a:lstStyle/>
           <a:p>
             <a:r>
+              <a:rPr lang="es-ES" sz="3200" dirty="0"/>
+              <a:t>Hemos utilizado tres algoritmos clasificadores:</a:t>
+            </a:r>
+          </a:p>
+          <a:p>
+            <a:pPr lvl="1"/>
+            <a:r>
               <a:rPr lang="es-ES" sz="2800" dirty="0"/>
-              <a:t>Hemos utilizado tres algoritmos clasificadores:</a:t>
+              <a:t>J48</a:t>
             </a:r>
           </a:p>
           <a:p>
             <a:pPr lvl="1"/>
             <a:r>
-              <a:rPr lang="es-ES" dirty="0"/>
-              <a:t>J48</a:t>
+              <a:rPr lang="es-ES" sz="2800" dirty="0"/>
+              <a:t>LMT</a:t>
             </a:r>
           </a:p>
           <a:p>
             <a:pPr lvl="1"/>
             <a:r>
-              <a:rPr lang="es-ES" dirty="0"/>
-              <a:t>LMT</a:t>
+              <a:rPr lang="es-ES" sz="2800" dirty="0" err="1"/>
+              <a:t>Perceptrón</a:t>
+            </a:r>
+            <a:r>
+              <a:rPr lang="es-ES" sz="2800" dirty="0"/>
+              <a:t> multicapa</a:t>
+            </a:r>
+          </a:p>
+          <a:p>
+            <a:r>
+              <a:rPr lang="es-ES" sz="3200" dirty="0"/>
+              <a:t>Como entrada tenemos los archivos .</a:t>
+            </a:r>
+            <a:r>
+              <a:rPr lang="es-ES" sz="3200" dirty="0" err="1"/>
+              <a:t>arff</a:t>
+            </a:r>
+            <a:r>
+              <a:rPr lang="es-ES" sz="3200" dirty="0"/>
+              <a:t> de los datos recogidos</a:t>
             </a:r>
           </a:p>
           <a:p>
             <a:pPr lvl="1"/>
             <a:r>
-              <a:rPr lang="es-ES" dirty="0" err="1"/>
-              <a:t>Perceptrón</a:t>
-            </a:r>
-            <a:r>
-              <a:rPr lang="es-ES" dirty="0"/>
-              <a:t> multicapa</a:t>
-            </a:r>
-          </a:p>
-          <a:p>
-            <a:r>
-              <a:rPr lang="es-ES" dirty="0"/>
-              <a:t>Como entrada tenemos los archivos .</a:t>
-            </a:r>
-            <a:r>
-              <a:rPr lang="es-ES" dirty="0" err="1"/>
-              <a:t>arff</a:t>
-            </a:r>
-            <a:r>
-              <a:rPr lang="es-ES" dirty="0"/>
-              <a:t> de los datos recogidos</a:t>
+              <a:rPr lang="es-ES" sz="2800" dirty="0"/>
+              <a:t>Previsión a un día</a:t>
             </a:r>
           </a:p>
           <a:p>
             <a:pPr lvl="1"/>
             <a:r>
-              <a:rPr lang="es-ES" dirty="0"/>
-              <a:t>Previsión a un día</a:t>
-            </a:r>
-          </a:p>
-          <a:p>
-            <a:pPr lvl="1"/>
-            <a:r>
-              <a:rPr lang="es-ES" dirty="0"/>
+              <a:rPr lang="es-ES" sz="2800" dirty="0"/>
               <a:t>Previsión a cinco días</a:t>
             </a:r>
           </a:p>
           <a:p>
             <a:r>
-              <a:rPr lang="es-ES" dirty="0"/>
+              <a:rPr lang="es-ES" sz="3200" dirty="0"/>
               <a:t>Sin filtros aplicados</a:t>
             </a:r>
           </a:p>
@@ -5050,21 +5058,8 @@
                   <a:schemeClr val="bg1"/>
                 </a:solidFill>
               </a:rPr>
-              <a:t>WEKA: Previsión a </a:t>
-            </a:r>
-            <a:r>
-              <a:rPr lang="en-US" sz="5400">
-                <a:solidFill>
-                  <a:schemeClr val="bg1"/>
-                </a:solidFill>
-              </a:rPr>
-              <a:t>5 días</a:t>
-            </a:r>
-            <a:endParaRPr lang="en-US" sz="5400">
-              <a:solidFill>
-                <a:schemeClr val="bg1"/>
-              </a:solidFill>
-            </a:endParaRPr>
+              <a:t>WEKA: Previsión a 5 días</a:t>
+            </a:r>
           </a:p>
         </p:txBody>
       </p:sp>
@@ -5171,7 +5166,7 @@
 </p:sld>
 </file>
 
-<file path=ppt/slides/slide2.xml><?xml version="1.0" encoding="utf-8"?>
+<file path=ppt/slides/slide14.xml><?xml version="1.0" encoding="utf-8"?>
 <p:sld xmlns:a="http://schemas.openxmlformats.org/drawingml/2006/main" xmlns:r="http://schemas.openxmlformats.org/officeDocument/2006/relationships" xmlns:p="http://schemas.openxmlformats.org/presentationml/2006/main">
   <p:cSld>
     <p:spTree>
@@ -5465,9 +5460,10 @@
           <a:lstStyle/>
           <a:p>
             <a:r>
-              <a:rPr lang="es-ES" dirty="0"/>
-              <a:t>OBJETIVO</a:t>
-            </a:r>
+              <a:rPr lang="es-ES" sz="5400" dirty="0"/>
+              <a:t>PYTHON</a:t>
+            </a:r>
+            <a:endParaRPr lang="es-ES" sz="6000" dirty="0"/>
           </a:p>
         </p:txBody>
       </p:sp>
@@ -5483,8 +5479,8 @@
         </p:nvSpPr>
         <p:spPr>
           <a:xfrm>
-            <a:off x="838201" y="2022601"/>
-            <a:ext cx="10515598" cy="4154361"/>
+            <a:off x="838201" y="1690689"/>
+            <a:ext cx="10515598" cy="4486274"/>
           </a:xfrm>
         </p:spPr>
         <p:txBody>
@@ -5494,71 +5490,113 @@
           <a:lstStyle/>
           <a:p>
             <a:r>
-              <a:rPr lang="es-ES" sz="2000" dirty="0"/>
-              <a:t>Nuestro objetivo será estudiar la posibilidad de predecir si la bolsa subirá o bajará al día siguiente</a:t>
+              <a:rPr lang="es-ES" dirty="0"/>
+              <a:t>Hemos usado Anaconda Python</a:t>
+            </a:r>
+          </a:p>
+          <a:p>
+            <a:r>
+              <a:rPr lang="es-ES" dirty="0"/>
+              <a:t>Con paquetes como </a:t>
+            </a:r>
+            <a:r>
+              <a:rPr lang="es-ES" dirty="0" err="1"/>
+              <a:t>scikit-learn</a:t>
+            </a:r>
+            <a:r>
+              <a:rPr lang="es-ES" dirty="0"/>
+              <a:t>, pandas, </a:t>
+            </a:r>
+            <a:r>
+              <a:rPr lang="es-ES" dirty="0" err="1"/>
+              <a:t>numpy</a:t>
+            </a:r>
+            <a:r>
+              <a:rPr lang="es-ES" dirty="0"/>
+              <a:t>, </a:t>
+            </a:r>
+            <a:r>
+              <a:rPr lang="es-ES" dirty="0" err="1"/>
+              <a:t>tensorflow</a:t>
+            </a:r>
+            <a:r>
+              <a:rPr lang="es-ES" dirty="0"/>
+              <a:t> y </a:t>
+            </a:r>
+            <a:r>
+              <a:rPr lang="es-ES" dirty="0" err="1"/>
+              <a:t>keras</a:t>
+            </a:r>
+            <a:r>
+              <a:rPr lang="es-ES" dirty="0"/>
+              <a:t>.</a:t>
+            </a:r>
+          </a:p>
+          <a:p>
+            <a:r>
+              <a:rPr lang="es-ES" dirty="0"/>
+              <a:t>Más procesamiento de datos:</a:t>
+            </a:r>
+          </a:p>
+          <a:p>
+            <a:pPr marL="914400" lvl="1" indent="-457200">
+              <a:buFont typeface="+mj-lt"/>
+              <a:buAutoNum type="arabicPeriod"/>
+            </a:pPr>
+            <a:r>
+              <a:rPr lang="es-ES" sz="2800" dirty="0"/>
+              <a:t>División de los datos entre variables de entrada (X) y salida (Y).</a:t>
+            </a:r>
+          </a:p>
+          <a:p>
+            <a:pPr marL="914400" lvl="1" indent="-457200">
+              <a:buFont typeface="+mj-lt"/>
+              <a:buAutoNum type="arabicPeriod"/>
+            </a:pPr>
+            <a:r>
+              <a:rPr lang="es-ES" sz="2800" dirty="0"/>
+              <a:t>Creación de los sets de datos.</a:t>
+            </a:r>
+          </a:p>
+          <a:p>
+            <a:pPr marL="914400" lvl="1" indent="-457200">
+              <a:buFont typeface="+mj-lt"/>
+              <a:buAutoNum type="arabicPeriod"/>
+            </a:pPr>
+            <a:r>
+              <a:rPr lang="es-ES" sz="2800" dirty="0"/>
+              <a:t>División entre conjuntos de test y entrenamiento.</a:t>
+            </a:r>
+          </a:p>
+          <a:p>
+            <a:r>
+              <a:rPr lang="es-ES" dirty="0"/>
+              <a:t>Datos utilizados:</a:t>
             </a:r>
           </a:p>
           <a:p>
             <a:pPr lvl="1"/>
             <a:r>
-              <a:rPr lang="es-ES" sz="1600" dirty="0"/>
-              <a:t>Ibex 35</a:t>
+              <a:rPr lang="es-ES" sz="2800" dirty="0"/>
+              <a:t>Conjunto de un día para la previsión.</a:t>
             </a:r>
           </a:p>
           <a:p>
             <a:pPr lvl="1"/>
             <a:r>
-              <a:rPr lang="es-ES" sz="1600" dirty="0"/>
-              <a:t>Objetivo complicado, pero con grandes recompensas</a:t>
-            </a:r>
-          </a:p>
-          <a:p>
-            <a:r>
-              <a:rPr lang="es-ES" sz="2000" dirty="0"/>
-              <a:t>En Python, con la plataforma Anaconda</a:t>
-            </a:r>
-          </a:p>
-          <a:p>
-            <a:pPr lvl="1"/>
-            <a:r>
-              <a:rPr lang="es-ES" sz="1600" dirty="0"/>
-              <a:t>Distribución de Python</a:t>
-            </a:r>
-          </a:p>
-          <a:p>
-            <a:pPr lvl="1"/>
-            <a:r>
-              <a:rPr lang="es-ES" sz="1600" dirty="0"/>
-              <a:t>Librerías de análisis y obtención de datos</a:t>
-            </a:r>
-          </a:p>
-          <a:p>
-            <a:r>
-              <a:rPr lang="es-ES" sz="2000" dirty="0"/>
-              <a:t>Los datos serán posteriormente </a:t>
-            </a:r>
-            <a:r>
-              <a:rPr lang="es-ES" sz="2000" dirty="0" err="1"/>
-              <a:t>preprocesados</a:t>
-            </a:r>
-            <a:r>
-              <a:rPr lang="es-ES" sz="2000" dirty="0"/>
-              <a:t> y estudiados por nosotros.</a:t>
-            </a:r>
-          </a:p>
-          <a:p>
-            <a:pPr lvl="1"/>
-            <a:r>
-              <a:rPr lang="es-ES" sz="1600" dirty="0"/>
-              <a:t>Redes de neuronas artificiales</a:t>
-            </a:r>
+              <a:rPr lang="es-ES" sz="2800" dirty="0"/>
+              <a:t>Conjunto de cinco días para la previsión.</a:t>
+            </a:r>
+          </a:p>
+          <a:p>
+            <a:endParaRPr lang="es-ES" sz="2000" dirty="0"/>
           </a:p>
         </p:txBody>
       </p:sp>
     </p:spTree>
     <p:extLst>
       <p:ext uri="{BB962C8B-B14F-4D97-AF65-F5344CB8AC3E}">
-        <p14:creationId xmlns:p14="http://schemas.microsoft.com/office/powerpoint/2010/main" val="162548143"/>
+        <p14:creationId xmlns:p14="http://schemas.microsoft.com/office/powerpoint/2010/main" val="3274579307"/>
       </p:ext>
     </p:extLst>
   </p:cSld>
@@ -5568,7 +5606,7 @@
 </p:sld>
 </file>
 
-<file path=ppt/slides/slide3.xml><?xml version="1.0" encoding="utf-8"?>
+<file path=ppt/slides/slide15.xml><?xml version="1.0" encoding="utf-8"?>
 <p:sld xmlns:a="http://schemas.openxmlformats.org/drawingml/2006/main" xmlns:r="http://schemas.openxmlformats.org/officeDocument/2006/relationships" xmlns:p="http://schemas.openxmlformats.org/presentationml/2006/main">
   <p:cSld>
     <p:spTree>
@@ -5585,142 +5623,6 @@
           <a:chExt cx="0" cy="0"/>
         </a:xfrm>
       </p:grpSpPr>
-      <p:pic>
-        <p:nvPicPr>
-          <p:cNvPr id="6" name="Marcador de contenido 3"/>
-          <p:cNvPicPr>
-            <a:picLocks noChangeAspect="1"/>
-          </p:cNvPicPr>
-          <p:nvPr/>
-        </p:nvPicPr>
-        <p:blipFill rotWithShape="1">
-          <a:blip r:embed="rId2">
-            <a:alphaModFix amt="35000"/>
-          </a:blip>
-          <a:srcRect t="4855" b="7935"/>
-          <a:stretch/>
-        </p:blipFill>
-        <p:spPr>
-          <a:xfrm>
-            <a:off x="20" y="10"/>
-            <a:ext cx="12191980" cy="6857990"/>
-          </a:xfrm>
-          <a:prstGeom prst="rect">
-            <a:avLst/>
-          </a:prstGeom>
-        </p:spPr>
-      </p:pic>
-      <p:sp>
-        <p:nvSpPr>
-          <p:cNvPr id="5" name="CuadroTexto 4"/>
-          <p:cNvSpPr txBox="1"/>
-          <p:nvPr/>
-        </p:nvSpPr>
-        <p:spPr>
-          <a:xfrm>
-            <a:off x="838200" y="1687153"/>
-            <a:ext cx="10515600" cy="3416320"/>
-          </a:xfrm>
-          <a:prstGeom prst="rect">
-            <a:avLst/>
-          </a:prstGeom>
-          <a:noFill/>
-        </p:spPr>
-        <p:txBody>
-          <a:bodyPr wrap="square" rtlCol="0">
-            <a:spAutoFit/>
-          </a:bodyPr>
-          <a:lstStyle/>
-          <a:p>
-            <a:r>
-              <a:rPr lang="es-ES" sz="2400" dirty="0"/>
-              <a:t>Vamos a obtener los datos históricos de diferentes plazas del mundo:</a:t>
-            </a:r>
-          </a:p>
-          <a:p>
-            <a:pPr marL="342900" indent="-342900">
-              <a:buFont typeface="Arial" panose="020B0604020202020204" pitchFamily="34" charset="0"/>
-              <a:buChar char="•"/>
-            </a:pPr>
-            <a:r>
-              <a:rPr lang="es-ES" sz="2400" dirty="0"/>
-              <a:t>IBEX35 (España)</a:t>
-            </a:r>
-          </a:p>
-          <a:p>
-            <a:pPr marL="342900" indent="-342900">
-              <a:buFont typeface="Arial" panose="020B0604020202020204" pitchFamily="34" charset="0"/>
-              <a:buChar char="•"/>
-            </a:pPr>
-            <a:r>
-              <a:rPr lang="es-ES" sz="2400" dirty="0"/>
-              <a:t>Dow Jones (Estados Unidos de América)</a:t>
-            </a:r>
-          </a:p>
-          <a:p>
-            <a:pPr marL="342900" indent="-342900">
-              <a:buFont typeface="Arial" panose="020B0604020202020204" pitchFamily="34" charset="0"/>
-              <a:buChar char="•"/>
-            </a:pPr>
-            <a:r>
-              <a:rPr lang="es-ES" sz="2400" dirty="0"/>
-              <a:t>Euro Stoxx50 (Común de Europa)</a:t>
-            </a:r>
-          </a:p>
-          <a:p>
-            <a:pPr marL="342900" indent="-342900">
-              <a:buFont typeface="Arial" panose="020B0604020202020204" pitchFamily="34" charset="0"/>
-              <a:buChar char="•"/>
-            </a:pPr>
-            <a:r>
-              <a:rPr lang="es-ES" sz="2400" dirty="0"/>
-              <a:t>Nikkei225 (Japón)</a:t>
-            </a:r>
-          </a:p>
-          <a:p>
-            <a:pPr marL="342900" indent="-342900">
-              <a:buFont typeface="Arial" panose="020B0604020202020204" pitchFamily="34" charset="0"/>
-              <a:buChar char="•"/>
-            </a:pPr>
-            <a:r>
-              <a:rPr lang="es-ES" sz="2400" dirty="0" err="1"/>
-              <a:t>Dax</a:t>
-            </a:r>
-            <a:r>
-              <a:rPr lang="es-ES" sz="2400" dirty="0"/>
-              <a:t> (Alemania)</a:t>
-            </a:r>
-          </a:p>
-          <a:p>
-            <a:pPr marL="342900" indent="-342900">
-              <a:buFont typeface="Arial" panose="020B0604020202020204" pitchFamily="34" charset="0"/>
-              <a:buChar char="•"/>
-            </a:pPr>
-            <a:r>
-              <a:rPr lang="es-ES" sz="2400" dirty="0" err="1"/>
-              <a:t>Cac</a:t>
-            </a:r>
-            <a:r>
-              <a:rPr lang="es-ES" sz="2400" dirty="0"/>
-              <a:t> 40 (Francia)</a:t>
-            </a:r>
-          </a:p>
-          <a:p>
-            <a:endParaRPr lang="es-ES" sz="2400" dirty="0"/>
-          </a:p>
-          <a:p>
-            <a:r>
-              <a:rPr lang="es-ES" sz="2400" dirty="0"/>
-              <a:t>Los datos los obtenemos gracias a la API de Python de </a:t>
-            </a:r>
-            <a:r>
-              <a:rPr lang="es-ES" sz="2400" dirty="0" err="1"/>
-              <a:t>Quandl</a:t>
-            </a:r>
-            <a:endParaRPr lang="es-ES" sz="2400" dirty="0"/>
-          </a:p>
-        </p:txBody>
-      </p:sp>
       <p:sp>
         <p:nvSpPr>
           <p:cNvPr id="2" name="Título 1"/>
@@ -5731,237 +5633,41 @@
             <p:ph type="title"/>
           </p:nvPr>
         </p:nvSpPr>
-        <p:spPr>
-          <a:xfrm>
-            <a:off x="838200" y="365125"/>
-            <a:ext cx="10515600" cy="1325563"/>
-          </a:xfrm>
-        </p:spPr>
-        <p:txBody>
-          <a:bodyPr>
-            <a:normAutofit/>
-          </a:bodyPr>
-          <a:lstStyle/>
-          <a:p>
-            <a:r>
-              <a:rPr lang="es-ES" dirty="0">
-                <a:solidFill>
-                  <a:srgbClr val="FFFFFF"/>
-                </a:solidFill>
-              </a:rPr>
-              <a:t>OBTENCION DE DATOS</a:t>
-            </a:r>
-          </a:p>
-        </p:txBody>
-      </p:sp>
-      <p:pic>
-        <p:nvPicPr>
-          <p:cNvPr id="11" name="Imagen 10"/>
-          <p:cNvPicPr>
-            <a:picLocks noChangeAspect="1"/>
-          </p:cNvPicPr>
-          <p:nvPr/>
-        </p:nvPicPr>
-        <p:blipFill>
-          <a:blip r:embed="rId3">
-            <a:extLst>
-              <a:ext uri="{28A0092B-C50C-407E-A947-70E740481C1C}">
-                <a14:useLocalDpi xmlns:a14="http://schemas.microsoft.com/office/drawing/2010/main" val="0"/>
-              </a:ext>
-            </a:extLst>
-          </a:blip>
-          <a:stretch>
-            <a:fillRect/>
-          </a:stretch>
-        </p:blipFill>
-        <p:spPr>
-          <a:xfrm>
-            <a:off x="5291547" y="4950011"/>
-            <a:ext cx="5555817" cy="1907989"/>
-          </a:xfrm>
-          <a:prstGeom prst="rect">
-            <a:avLst/>
-          </a:prstGeom>
-        </p:spPr>
-      </p:pic>
+        <p:spPr/>
+        <p:txBody>
+          <a:bodyPr/>
+          <a:lstStyle/>
+          <a:p>
+            <a:r>
+              <a:rPr lang="es-ES" dirty="0"/>
+              <a:t>REDES DE NEURONAS – PYTHON</a:t>
+            </a:r>
+          </a:p>
+        </p:txBody>
+      </p:sp>
+      <p:sp>
+        <p:nvSpPr>
+          <p:cNvPr id="3" name="Marcador de contenido 2"/>
+          <p:cNvSpPr>
+            <a:spLocks noGrp="1"/>
+          </p:cNvSpPr>
+          <p:nvPr>
+            <p:ph idx="1"/>
+          </p:nvPr>
+        </p:nvSpPr>
+        <p:spPr/>
+        <p:txBody>
+          <a:bodyPr/>
+          <a:lstStyle/>
+          <a:p>
+            <a:endParaRPr lang="es-ES" dirty="0"/>
+          </a:p>
+        </p:txBody>
+      </p:sp>
     </p:spTree>
     <p:extLst>
       <p:ext uri="{BB962C8B-B14F-4D97-AF65-F5344CB8AC3E}">
-        <p14:creationId xmlns:p14="http://schemas.microsoft.com/office/powerpoint/2010/main" val="84572358"/>
-      </p:ext>
-    </p:extLst>
-  </p:cSld>
-  <p:clrMapOvr>
-    <a:overrideClrMapping bg1="dk1" tx1="lt1" bg2="dk2" tx2="lt2" accent1="accent1" accent2="accent2" accent3="accent3" accent4="accent4" accent5="accent5" accent6="accent6" hlink="hlink" folHlink="folHlink"/>
-  </p:clrMapOvr>
-</p:sld>
-</file>
-
-<file path=ppt/slides/slide4.xml><?xml version="1.0" encoding="utf-8"?>
-<p:sld xmlns:a="http://schemas.openxmlformats.org/drawingml/2006/main" xmlns:r="http://schemas.openxmlformats.org/officeDocument/2006/relationships" xmlns:p="http://schemas.openxmlformats.org/presentationml/2006/main">
-  <p:cSld>
-    <p:spTree>
-      <p:nvGrpSpPr>
-        <p:cNvPr id="1" name=""/>
-        <p:cNvGrpSpPr/>
-        <p:nvPr/>
-      </p:nvGrpSpPr>
-      <p:grpSpPr>
-        <a:xfrm>
-          <a:off x="0" y="0"/>
-          <a:ext cx="0" cy="0"/>
-          <a:chOff x="0" y="0"/>
-          <a:chExt cx="0" cy="0"/>
-        </a:xfrm>
-      </p:grpSpPr>
-      <p:sp>
-        <p:nvSpPr>
-          <p:cNvPr id="22" name="Rectangle 7"/>
-          <p:cNvSpPr>
-            <a:spLocks noGrp="1" noRot="1" noChangeAspect="1" noMove="1" noResize="1" noEditPoints="1" noAdjustHandles="1" noChangeArrowheads="1" noChangeShapeType="1" noTextEdit="1"/>
-          </p:cNvSpPr>
-          <p:nvPr>
-            <p:extLst>
-              <p:ext uri="{386F3935-93C4-4BCD-93E2-E3B085C9AB24}">
-                <p16:designElem xmlns:p16="http://schemas.microsoft.com/office/powerpoint/2015/main" val="1"/>
-              </p:ext>
-            </p:extLst>
-          </p:nvPr>
-        </p:nvSpPr>
-        <p:spPr bwMode="white">
-          <a:xfrm>
-            <a:off x="0" y="0"/>
-            <a:ext cx="12192000" cy="6858000"/>
-          </a:xfrm>
-          <a:prstGeom prst="rect">
-            <a:avLst/>
-          </a:prstGeom>
-          <a:solidFill>
-            <a:schemeClr val="bg1"/>
-          </a:solidFill>
-          <a:ln>
-            <a:noFill/>
-          </a:ln>
-          <a:effectLst/>
-        </p:spPr>
-      </p:sp>
-      <p:sp>
-        <p:nvSpPr>
-          <p:cNvPr id="9" name="Rectangle 8"/>
-          <p:cNvSpPr>
-            <a:spLocks noGrp="1" noRot="1" noChangeAspect="1" noMove="1" noResize="1" noEditPoints="1" noAdjustHandles="1" noChangeArrowheads="1" noChangeShapeType="1" noTextEdit="1"/>
-          </p:cNvSpPr>
-          <p:nvPr>
-            <p:extLst>
-              <p:ext uri="{386F3935-93C4-4BCD-93E2-E3B085C9AB24}">
-                <p16:designElem xmlns:p16="http://schemas.microsoft.com/office/powerpoint/2015/main" val="1"/>
-              </p:ext>
-            </p:extLst>
-          </p:nvPr>
-        </p:nvSpPr>
-        <p:spPr>
-          <a:xfrm>
-            <a:off x="0" y="651752"/>
-            <a:ext cx="12192000" cy="736551"/>
-          </a:xfrm>
-          <a:prstGeom prst="rect">
-            <a:avLst/>
-          </a:prstGeom>
-          <a:solidFill>
-            <a:schemeClr val="tx1">
-              <a:alpha val="75000"/>
-            </a:schemeClr>
-          </a:solidFill>
-          <a:ln>
-            <a:noFill/>
-          </a:ln>
-        </p:spPr>
-        <p:style>
-          <a:lnRef idx="2">
-            <a:schemeClr val="accent1">
-              <a:shade val="50000"/>
-            </a:schemeClr>
-          </a:lnRef>
-          <a:fillRef idx="1">
-            <a:schemeClr val="accent1"/>
-          </a:fillRef>
-          <a:effectRef idx="0">
-            <a:schemeClr val="accent1"/>
-          </a:effectRef>
-          <a:fontRef idx="minor">
-            <a:schemeClr val="lt1"/>
-          </a:fontRef>
-        </p:style>
-        <p:txBody>
-          <a:bodyPr rtlCol="0" anchor="ctr"/>
-          <a:lstStyle/>
-          <a:p>
-            <a:pPr algn="ctr"/>
-            <a:endParaRPr lang="en-US"/>
-          </a:p>
-        </p:txBody>
-      </p:sp>
-      <p:pic>
-        <p:nvPicPr>
-          <p:cNvPr id="6" name="Marcador de contenido 3"/>
-          <p:cNvPicPr>
-            <a:picLocks noChangeAspect="1"/>
-          </p:cNvPicPr>
-          <p:nvPr/>
-        </p:nvPicPr>
-        <p:blipFill rotWithShape="1">
-          <a:blip r:embed="rId2"/>
-          <a:srcRect/>
-          <a:stretch/>
-        </p:blipFill>
-        <p:spPr>
-          <a:xfrm>
-            <a:off x="704986" y="1508508"/>
-            <a:ext cx="10782028" cy="5229286"/>
-          </a:xfrm>
-          <a:prstGeom prst="rect">
-            <a:avLst/>
-          </a:prstGeom>
-        </p:spPr>
-      </p:pic>
-      <p:sp>
-        <p:nvSpPr>
-          <p:cNvPr id="2" name="Título 1"/>
-          <p:cNvSpPr>
-            <a:spLocks noGrp="1"/>
-          </p:cNvSpPr>
-          <p:nvPr>
-            <p:ph type="title"/>
-          </p:nvPr>
-        </p:nvSpPr>
-        <p:spPr>
-          <a:xfrm>
-            <a:off x="556532" y="643467"/>
-            <a:ext cx="11210925" cy="744836"/>
-          </a:xfrm>
-        </p:spPr>
-        <p:txBody>
-          <a:bodyPr vert="horz" lIns="91440" tIns="45720" rIns="91440" bIns="45720" rtlCol="0" anchor="ctr">
-            <a:normAutofit/>
-          </a:bodyPr>
-          <a:lstStyle/>
-          <a:p>
-            <a:pPr algn="ctr"/>
-            <a:r>
-              <a:rPr lang="en-US" sz="3200">
-                <a:solidFill>
-                  <a:schemeClr val="bg1"/>
-                </a:solidFill>
-              </a:rPr>
-              <a:t>PROCESAMIENTO DE DATOS</a:t>
-            </a:r>
-          </a:p>
-        </p:txBody>
-      </p:sp>
-    </p:spTree>
-    <p:extLst>
-      <p:ext uri="{BB962C8B-B14F-4D97-AF65-F5344CB8AC3E}">
-        <p14:creationId xmlns:p14="http://schemas.microsoft.com/office/powerpoint/2010/main" val="3844390514"/>
+        <p14:creationId xmlns:p14="http://schemas.microsoft.com/office/powerpoint/2010/main" val="3441358260"/>
       </p:ext>
     </p:extLst>
   </p:cSld>
@@ -5971,369 +5677,7 @@
 </p:sld>
 </file>
 
-<file path=ppt/slides/slide5.xml><?xml version="1.0" encoding="utf-8"?>
-<p:sld xmlns:a="http://schemas.openxmlformats.org/drawingml/2006/main" xmlns:r="http://schemas.openxmlformats.org/officeDocument/2006/relationships" xmlns:p="http://schemas.openxmlformats.org/presentationml/2006/main">
-  <p:cSld>
-    <p:spTree>
-      <p:nvGrpSpPr>
-        <p:cNvPr id="1" name=""/>
-        <p:cNvGrpSpPr/>
-        <p:nvPr/>
-      </p:nvGrpSpPr>
-      <p:grpSpPr>
-        <a:xfrm>
-          <a:off x="0" y="0"/>
-          <a:ext cx="0" cy="0"/>
-          <a:chOff x="0" y="0"/>
-          <a:chExt cx="0" cy="0"/>
-        </a:xfrm>
-      </p:grpSpPr>
-      <p:sp>
-        <p:nvSpPr>
-          <p:cNvPr id="12" name="Rectangle 11"/>
-          <p:cNvSpPr>
-            <a:spLocks noGrp="1" noRot="1" noChangeAspect="1" noMove="1" noResize="1" noEditPoints="1" noAdjustHandles="1" noChangeArrowheads="1" noChangeShapeType="1" noTextEdit="1"/>
-          </p:cNvSpPr>
-          <p:nvPr>
-            <p:extLst>
-              <p:ext uri="{386F3935-93C4-4BCD-93E2-E3B085C9AB24}">
-                <p16:designElem xmlns:p16="http://schemas.microsoft.com/office/powerpoint/2015/main" val="1"/>
-              </p:ext>
-            </p:extLst>
-          </p:nvPr>
-        </p:nvSpPr>
-        <p:spPr bwMode="white">
-          <a:xfrm>
-            <a:off x="0" y="0"/>
-            <a:ext cx="12192000" cy="6858000"/>
-          </a:xfrm>
-          <a:prstGeom prst="rect">
-            <a:avLst/>
-          </a:prstGeom>
-          <a:solidFill>
-            <a:schemeClr val="bg1"/>
-          </a:solidFill>
-          <a:ln>
-            <a:noFill/>
-          </a:ln>
-          <a:effectLst/>
-        </p:spPr>
-      </p:sp>
-      <p:sp>
-        <p:nvSpPr>
-          <p:cNvPr id="13" name="Rectangle 12"/>
-          <p:cNvSpPr>
-            <a:spLocks noGrp="1" noRot="1" noChangeAspect="1" noMove="1" noResize="1" noEditPoints="1" noAdjustHandles="1" noChangeArrowheads="1" noChangeShapeType="1" noTextEdit="1"/>
-          </p:cNvSpPr>
-          <p:nvPr>
-            <p:extLst>
-              <p:ext uri="{386F3935-93C4-4BCD-93E2-E3B085C9AB24}">
-                <p16:designElem xmlns:p16="http://schemas.microsoft.com/office/powerpoint/2015/main" val="1"/>
-              </p:ext>
-            </p:extLst>
-          </p:nvPr>
-        </p:nvSpPr>
-        <p:spPr>
-          <a:xfrm>
-            <a:off x="0" y="651752"/>
-            <a:ext cx="12192000" cy="736551"/>
-          </a:xfrm>
-          <a:prstGeom prst="rect">
-            <a:avLst/>
-          </a:prstGeom>
-          <a:solidFill>
-            <a:schemeClr val="tx1">
-              <a:alpha val="75000"/>
-            </a:schemeClr>
-          </a:solidFill>
-          <a:ln>
-            <a:noFill/>
-          </a:ln>
-        </p:spPr>
-        <p:style>
-          <a:lnRef idx="2">
-            <a:schemeClr val="accent1">
-              <a:shade val="50000"/>
-            </a:schemeClr>
-          </a:lnRef>
-          <a:fillRef idx="1">
-            <a:schemeClr val="accent1"/>
-          </a:fillRef>
-          <a:effectRef idx="0">
-            <a:schemeClr val="accent1"/>
-          </a:effectRef>
-          <a:fontRef idx="minor">
-            <a:schemeClr val="lt1"/>
-          </a:fontRef>
-        </p:style>
-        <p:txBody>
-          <a:bodyPr rtlCol="0" anchor="ctr"/>
-          <a:lstStyle/>
-          <a:p>
-            <a:pPr algn="ctr"/>
-            <a:endParaRPr lang="en-US"/>
-          </a:p>
-        </p:txBody>
-      </p:sp>
-      <p:pic>
-        <p:nvPicPr>
-          <p:cNvPr id="8" name="Imagen 7"/>
-          <p:cNvPicPr>
-            <a:picLocks noChangeAspect="1"/>
-          </p:cNvPicPr>
-          <p:nvPr/>
-        </p:nvPicPr>
-        <p:blipFill>
-          <a:blip r:embed="rId2">
-            <a:extLst>
-              <a:ext uri="{28A0092B-C50C-407E-A947-70E740481C1C}">
-                <a14:useLocalDpi xmlns:a14="http://schemas.microsoft.com/office/drawing/2010/main" val="0"/>
-              </a:ext>
-            </a:extLst>
-          </a:blip>
-          <a:stretch>
-            <a:fillRect/>
-          </a:stretch>
-        </p:blipFill>
-        <p:spPr>
-          <a:xfrm>
-            <a:off x="754523" y="1388303"/>
-            <a:ext cx="10682953" cy="5421600"/>
-          </a:xfrm>
-          <a:prstGeom prst="rect">
-            <a:avLst/>
-          </a:prstGeom>
-        </p:spPr>
-      </p:pic>
-      <p:sp>
-        <p:nvSpPr>
-          <p:cNvPr id="2" name="Título 1"/>
-          <p:cNvSpPr>
-            <a:spLocks noGrp="1"/>
-          </p:cNvSpPr>
-          <p:nvPr>
-            <p:ph type="title"/>
-          </p:nvPr>
-        </p:nvSpPr>
-        <p:spPr>
-          <a:xfrm>
-            <a:off x="556532" y="643467"/>
-            <a:ext cx="11210925" cy="744836"/>
-          </a:xfrm>
-        </p:spPr>
-        <p:txBody>
-          <a:bodyPr vert="horz" lIns="91440" tIns="45720" rIns="91440" bIns="45720" rtlCol="0" anchor="ctr">
-            <a:normAutofit/>
-          </a:bodyPr>
-          <a:lstStyle/>
-          <a:p>
-            <a:pPr algn="ctr"/>
-            <a:r>
-              <a:rPr lang="en-US" sz="3200" dirty="0">
-                <a:solidFill>
-                  <a:schemeClr val="bg1"/>
-                </a:solidFill>
-              </a:rPr>
-              <a:t>PROCESAMIENTO DE DATOS</a:t>
-            </a:r>
-          </a:p>
-        </p:txBody>
-      </p:sp>
-    </p:spTree>
-    <p:extLst>
-      <p:ext uri="{BB962C8B-B14F-4D97-AF65-F5344CB8AC3E}">
-        <p14:creationId xmlns:p14="http://schemas.microsoft.com/office/powerpoint/2010/main" val="38684972"/>
-      </p:ext>
-    </p:extLst>
-  </p:cSld>
-  <p:clrMapOvr>
-    <a:masterClrMapping/>
-  </p:clrMapOvr>
-</p:sld>
-</file>
-
-<file path=ppt/slides/slide6.xml><?xml version="1.0" encoding="utf-8"?>
-<p:sld xmlns:a="http://schemas.openxmlformats.org/drawingml/2006/main" xmlns:r="http://schemas.openxmlformats.org/officeDocument/2006/relationships" xmlns:p="http://schemas.openxmlformats.org/presentationml/2006/main">
-  <p:cSld>
-    <p:spTree>
-      <p:nvGrpSpPr>
-        <p:cNvPr id="1" name=""/>
-        <p:cNvGrpSpPr/>
-        <p:nvPr/>
-      </p:nvGrpSpPr>
-      <p:grpSpPr>
-        <a:xfrm>
-          <a:off x="0" y="0"/>
-          <a:ext cx="0" cy="0"/>
-          <a:chOff x="0" y="0"/>
-          <a:chExt cx="0" cy="0"/>
-        </a:xfrm>
-      </p:grpSpPr>
-      <p:sp>
-        <p:nvSpPr>
-          <p:cNvPr id="12" name="Rectangle 11"/>
-          <p:cNvSpPr>
-            <a:spLocks noGrp="1" noRot="1" noChangeAspect="1" noMove="1" noResize="1" noEditPoints="1" noAdjustHandles="1" noChangeArrowheads="1" noChangeShapeType="1" noTextEdit="1"/>
-          </p:cNvSpPr>
-          <p:nvPr>
-            <p:extLst>
-              <p:ext uri="{386F3935-93C4-4BCD-93E2-E3B085C9AB24}">
-                <p16:designElem xmlns:p16="http://schemas.microsoft.com/office/powerpoint/2015/main" val="1"/>
-              </p:ext>
-            </p:extLst>
-          </p:nvPr>
-        </p:nvSpPr>
-        <p:spPr bwMode="white">
-          <a:xfrm>
-            <a:off x="0" y="0"/>
-            <a:ext cx="12192000" cy="6858000"/>
-          </a:xfrm>
-          <a:prstGeom prst="rect">
-            <a:avLst/>
-          </a:prstGeom>
-          <a:solidFill>
-            <a:schemeClr val="bg1"/>
-          </a:solidFill>
-          <a:ln>
-            <a:noFill/>
-          </a:ln>
-          <a:effectLst/>
-        </p:spPr>
-      </p:sp>
-      <p:sp>
-        <p:nvSpPr>
-          <p:cNvPr id="13" name="Rectangle 12"/>
-          <p:cNvSpPr>
-            <a:spLocks noGrp="1" noRot="1" noChangeAspect="1" noMove="1" noResize="1" noEditPoints="1" noAdjustHandles="1" noChangeArrowheads="1" noChangeShapeType="1" noTextEdit="1"/>
-          </p:cNvSpPr>
-          <p:nvPr>
-            <p:extLst>
-              <p:ext uri="{386F3935-93C4-4BCD-93E2-E3B085C9AB24}">
-                <p16:designElem xmlns:p16="http://schemas.microsoft.com/office/powerpoint/2015/main" val="1"/>
-              </p:ext>
-            </p:extLst>
-          </p:nvPr>
-        </p:nvSpPr>
-        <p:spPr>
-          <a:xfrm>
-            <a:off x="0" y="651752"/>
-            <a:ext cx="12192000" cy="736551"/>
-          </a:xfrm>
-          <a:prstGeom prst="rect">
-            <a:avLst/>
-          </a:prstGeom>
-          <a:solidFill>
-            <a:schemeClr val="tx1">
-              <a:alpha val="75000"/>
-            </a:schemeClr>
-          </a:solidFill>
-          <a:ln>
-            <a:noFill/>
-          </a:ln>
-        </p:spPr>
-        <p:style>
-          <a:lnRef idx="2">
-            <a:schemeClr val="accent1">
-              <a:shade val="50000"/>
-            </a:schemeClr>
-          </a:lnRef>
-          <a:fillRef idx="1">
-            <a:schemeClr val="accent1"/>
-          </a:fillRef>
-          <a:effectRef idx="0">
-            <a:schemeClr val="accent1"/>
-          </a:effectRef>
-          <a:fontRef idx="minor">
-            <a:schemeClr val="lt1"/>
-          </a:fontRef>
-        </p:style>
-        <p:txBody>
-          <a:bodyPr rtlCol="0" anchor="ctr"/>
-          <a:lstStyle/>
-          <a:p>
-            <a:pPr algn="ctr"/>
-            <a:endParaRPr lang="en-US"/>
-          </a:p>
-        </p:txBody>
-      </p:sp>
-      <p:pic>
-        <p:nvPicPr>
-          <p:cNvPr id="3" name="Imagen 2"/>
-          <p:cNvPicPr>
-            <a:picLocks noChangeAspect="1"/>
-          </p:cNvPicPr>
-          <p:nvPr/>
-        </p:nvPicPr>
-        <p:blipFill>
-          <a:blip r:embed="rId2">
-            <a:extLst>
-              <a:ext uri="{28A0092B-C50C-407E-A947-70E740481C1C}">
-                <a14:useLocalDpi xmlns:a14="http://schemas.microsoft.com/office/drawing/2010/main" val="0"/>
-              </a:ext>
-            </a:extLst>
-          </a:blip>
-          <a:stretch>
-            <a:fillRect/>
-          </a:stretch>
-        </p:blipFill>
-        <p:spPr>
-          <a:xfrm>
-            <a:off x="753776" y="1388303"/>
-            <a:ext cx="10684448" cy="5422359"/>
-          </a:xfrm>
-          <a:prstGeom prst="rect">
-            <a:avLst/>
-          </a:prstGeom>
-        </p:spPr>
-      </p:pic>
-      <p:sp>
-        <p:nvSpPr>
-          <p:cNvPr id="2" name="Título 1"/>
-          <p:cNvSpPr>
-            <a:spLocks noGrp="1"/>
-          </p:cNvSpPr>
-          <p:nvPr>
-            <p:ph type="title"/>
-          </p:nvPr>
-        </p:nvSpPr>
-        <p:spPr>
-          <a:xfrm>
-            <a:off x="556532" y="643467"/>
-            <a:ext cx="11210925" cy="744836"/>
-          </a:xfrm>
-        </p:spPr>
-        <p:txBody>
-          <a:bodyPr vert="horz" lIns="91440" tIns="45720" rIns="91440" bIns="45720" rtlCol="0" anchor="ctr">
-            <a:normAutofit/>
-          </a:bodyPr>
-          <a:lstStyle/>
-          <a:p>
-            <a:pPr algn="ctr"/>
-            <a:r>
-              <a:rPr lang="en-US" sz="3200">
-                <a:solidFill>
-                  <a:schemeClr val="bg1"/>
-                </a:solidFill>
-              </a:rPr>
-              <a:t>PROCESAMIENTO DE DATOS</a:t>
-            </a:r>
-          </a:p>
-        </p:txBody>
-      </p:sp>
-    </p:spTree>
-    <p:extLst>
-      <p:ext uri="{BB962C8B-B14F-4D97-AF65-F5344CB8AC3E}">
-        <p14:creationId xmlns:p14="http://schemas.microsoft.com/office/powerpoint/2010/main" val="1316324414"/>
-      </p:ext>
-    </p:extLst>
-  </p:cSld>
-  <p:clrMapOvr>
-    <a:masterClrMapping/>
-  </p:clrMapOvr>
-</p:sld>
-</file>
-
-<file path=ppt/slides/slide7.xml><?xml version="1.0" encoding="utf-8"?>
+<file path=ppt/slides/slide2.xml><?xml version="1.0" encoding="utf-8"?>
 <p:sld xmlns:a="http://schemas.openxmlformats.org/drawingml/2006/main" xmlns:r="http://schemas.openxmlformats.org/officeDocument/2006/relationships" xmlns:p="http://schemas.openxmlformats.org/presentationml/2006/main">
   <p:cSld>
     <p:spTree>
@@ -6628,7 +5972,7 @@
           <a:p>
             <a:r>
               <a:rPr lang="es-ES" dirty="0"/>
-              <a:t>PROCESAMIENTO DE DATOS</a:t>
+              <a:t>OBJETIVO</a:t>
             </a:r>
           </a:p>
         </p:txBody>
@@ -6657,171 +6001,70 @@
           <a:p>
             <a:r>
               <a:rPr lang="es-ES" sz="2000" dirty="0"/>
-              <a:t>Lo enfocamos como un problema de clasificación. </a:t>
+              <a:t>Nuestro objetivo será estudiar la posibilidad de predecir si la bolsa subirá o bajará al día siguiente</a:t>
+            </a:r>
+          </a:p>
+          <a:p>
+            <a:pPr lvl="1"/>
+            <a:r>
+              <a:rPr lang="es-ES" sz="1600" dirty="0"/>
+              <a:t>Ibex 35</a:t>
+            </a:r>
+          </a:p>
+          <a:p>
+            <a:pPr lvl="1"/>
+            <a:r>
+              <a:rPr lang="es-ES" sz="1600" dirty="0"/>
+              <a:t>Objetivo complicado, pero con grandes recompensas</a:t>
             </a:r>
           </a:p>
           <a:p>
             <a:r>
               <a:rPr lang="es-ES" sz="2000" dirty="0"/>
-              <a:t>Variables de entrada -&gt; Salida</a:t>
+              <a:t>En Python, con la plataforma Anaconda</a:t>
+            </a:r>
+          </a:p>
+          <a:p>
+            <a:pPr lvl="1"/>
+            <a:r>
+              <a:rPr lang="es-ES" sz="1600" dirty="0"/>
+              <a:t>Distribución de Python</a:t>
+            </a:r>
+          </a:p>
+          <a:p>
+            <a:pPr lvl="1"/>
+            <a:r>
+              <a:rPr lang="es-ES" sz="1600" dirty="0"/>
+              <a:t>Librerías de análisis y obtención de datos</a:t>
             </a:r>
           </a:p>
           <a:p>
             <a:r>
               <a:rPr lang="es-ES" sz="2000" dirty="0"/>
-              <a:t>Variables de entrada:</a:t>
+              <a:t>Los datos serán posteriormente </a:t>
+            </a:r>
+            <a:r>
+              <a:rPr lang="es-ES" sz="2000" dirty="0" err="1"/>
+              <a:t>preprocesados</a:t>
+            </a:r>
+            <a:r>
+              <a:rPr lang="es-ES" sz="2000" dirty="0"/>
+              <a:t> y estudiados por nosotros.</a:t>
             </a:r>
           </a:p>
           <a:p>
             <a:pPr lvl="1"/>
             <a:r>
-              <a:rPr lang="es-ES" sz="2000" dirty="0"/>
-              <a:t>Valor real de las bolsas</a:t>
-            </a:r>
-          </a:p>
-          <a:p>
-            <a:pPr marL="457200" lvl="1" indent="0">
-              <a:buNone/>
-            </a:pPr>
-            <a:endParaRPr lang="es-ES" sz="2000" dirty="0"/>
-          </a:p>
-          <a:p>
-            <a:pPr lvl="1"/>
-            <a:r>
-              <a:rPr lang="es-ES" sz="2000" dirty="0"/>
-              <a:t>Cambio con respecto al día anterior</a:t>
-            </a:r>
-          </a:p>
-          <a:p>
-            <a:pPr lvl="1"/>
-            <a:endParaRPr lang="es-ES" sz="2000" dirty="0"/>
-          </a:p>
-          <a:p>
-            <a:pPr lvl="1"/>
-            <a:r>
-              <a:rPr lang="es-ES" sz="2000" dirty="0"/>
-              <a:t>Porcentaje de cambio con respecto al día anterior</a:t>
-            </a:r>
-          </a:p>
-          <a:p>
-            <a:pPr marL="457200" lvl="1" indent="0">
-              <a:buNone/>
-            </a:pPr>
-            <a:endParaRPr lang="es-ES" sz="2000" dirty="0"/>
-          </a:p>
-          <a:p>
-            <a:pPr lvl="1"/>
-            <a:r>
-              <a:rPr lang="es-ES" sz="2000" dirty="0"/>
-              <a:t>Valor normalizado.</a:t>
-            </a:r>
-          </a:p>
-          <a:p>
-            <a:pPr lvl="1"/>
-            <a:endParaRPr lang="es-ES" sz="2000" dirty="0"/>
-          </a:p>
-        </p:txBody>
-      </p:sp>
-      <p:pic>
-        <p:nvPicPr>
-          <p:cNvPr id="8" name="Imagen 7"/>
-          <p:cNvPicPr>
-            <a:picLocks noChangeAspect="1"/>
-          </p:cNvPicPr>
-          <p:nvPr/>
-        </p:nvPicPr>
-        <p:blipFill>
-          <a:blip r:embed="rId2"/>
-          <a:stretch>
-            <a:fillRect/>
-          </a:stretch>
-        </p:blipFill>
-        <p:spPr>
-          <a:xfrm>
-            <a:off x="1663098" y="3544789"/>
-            <a:ext cx="8862060" cy="312044"/>
-          </a:xfrm>
-          <a:prstGeom prst="rect">
-            <a:avLst/>
-          </a:prstGeom>
-        </p:spPr>
-      </p:pic>
-      <p:pic>
-        <p:nvPicPr>
-          <p:cNvPr id="9" name="Imagen 8"/>
-          <p:cNvPicPr>
-            <a:picLocks noChangeAspect="1"/>
-          </p:cNvPicPr>
-          <p:nvPr/>
-        </p:nvPicPr>
-        <p:blipFill>
-          <a:blip r:embed="rId3"/>
-          <a:stretch>
-            <a:fillRect/>
-          </a:stretch>
-        </p:blipFill>
-        <p:spPr>
-          <a:xfrm>
-            <a:off x="1663099" y="4225827"/>
-            <a:ext cx="6604785" cy="306889"/>
-          </a:xfrm>
-          <a:prstGeom prst="rect">
-            <a:avLst/>
-          </a:prstGeom>
-        </p:spPr>
-      </p:pic>
-      <p:pic>
-        <p:nvPicPr>
-          <p:cNvPr id="10" name="Imagen 9"/>
-          <p:cNvPicPr>
-            <a:picLocks noChangeAspect="1"/>
-          </p:cNvPicPr>
-          <p:nvPr/>
-        </p:nvPicPr>
-        <p:blipFill>
-          <a:blip r:embed="rId4"/>
-          <a:stretch>
-            <a:fillRect/>
-          </a:stretch>
-        </p:blipFill>
-        <p:spPr>
-          <a:xfrm>
-            <a:off x="1663099" y="4944106"/>
-            <a:ext cx="9690605" cy="216550"/>
-          </a:xfrm>
-          <a:prstGeom prst="rect">
-            <a:avLst/>
-          </a:prstGeom>
-        </p:spPr>
-      </p:pic>
-      <p:pic>
-        <p:nvPicPr>
-          <p:cNvPr id="11" name="Imagen 10"/>
-          <p:cNvPicPr>
-            <a:picLocks noChangeAspect="1"/>
-          </p:cNvPicPr>
-          <p:nvPr/>
-        </p:nvPicPr>
-        <p:blipFill>
-          <a:blip r:embed="rId5"/>
-          <a:stretch>
-            <a:fillRect/>
-          </a:stretch>
-        </p:blipFill>
-        <p:spPr>
-          <a:xfrm>
-            <a:off x="1663098" y="5569422"/>
-            <a:ext cx="9690605" cy="289272"/>
-          </a:xfrm>
-          <a:prstGeom prst="rect">
-            <a:avLst/>
-          </a:prstGeom>
-        </p:spPr>
-      </p:pic>
+              <a:rPr lang="es-ES" sz="1600" dirty="0"/>
+              <a:t>Redes de neuronas artificiales</a:t>
+            </a:r>
+          </a:p>
+        </p:txBody>
+      </p:sp>
     </p:spTree>
     <p:extLst>
       <p:ext uri="{BB962C8B-B14F-4D97-AF65-F5344CB8AC3E}">
-        <p14:creationId xmlns:p14="http://schemas.microsoft.com/office/powerpoint/2010/main" val="3539477728"/>
+        <p14:creationId xmlns:p14="http://schemas.microsoft.com/office/powerpoint/2010/main" val="162548143"/>
       </p:ext>
     </p:extLst>
   </p:cSld>
@@ -6831,7 +6074,7 @@
 </p:sld>
 </file>
 
-<file path=ppt/slides/slide8.xml><?xml version="1.0" encoding="utf-8"?>
+<file path=ppt/slides/slide3.xml><?xml version="1.0" encoding="utf-8"?>
 <p:sld xmlns:a="http://schemas.openxmlformats.org/drawingml/2006/main" xmlns:r="http://schemas.openxmlformats.org/officeDocument/2006/relationships" xmlns:p="http://schemas.openxmlformats.org/presentationml/2006/main">
   <p:cSld>
     <p:spTree>
@@ -6848,64 +6091,183 @@
           <a:chExt cx="0" cy="0"/>
         </a:xfrm>
       </p:grpSpPr>
-      <p:sp>
-        <p:nvSpPr>
-          <p:cNvPr id="20" name="Rectangle 12"/>
-          <p:cNvSpPr>
-            <a:spLocks noGrp="1" noRot="1" noChangeAspect="1" noMove="1" noResize="1" noEditPoints="1" noAdjustHandles="1" noChangeArrowheads="1" noChangeShapeType="1" noTextEdit="1"/>
-          </p:cNvSpPr>
-          <p:nvPr>
-            <p:extLst>
-              <p:ext uri="{386F3935-93C4-4BCD-93E2-E3B085C9AB24}">
-                <p16:designElem xmlns:p16="http://schemas.microsoft.com/office/powerpoint/2015/main" val="1"/>
-              </p:ext>
-            </p:extLst>
-          </p:nvPr>
-        </p:nvSpPr>
-        <p:spPr>
-          <a:xfrm>
-            <a:off x="0" y="2"/>
-            <a:ext cx="4636008" cy="6857998"/>
+      <p:pic>
+        <p:nvPicPr>
+          <p:cNvPr id="6" name="Marcador de contenido 3"/>
+          <p:cNvPicPr>
+            <a:picLocks noChangeAspect="1"/>
+          </p:cNvPicPr>
+          <p:nvPr/>
+        </p:nvPicPr>
+        <p:blipFill rotWithShape="1">
+          <a:blip r:embed="rId2">
+            <a:alphaModFix amt="35000"/>
+          </a:blip>
+          <a:srcRect t="4855" b="7935"/>
+          <a:stretch/>
+        </p:blipFill>
+        <p:spPr>
+          <a:xfrm>
+            <a:off x="20" y="10"/>
+            <a:ext cx="12191980" cy="6857990"/>
           </a:xfrm>
           <a:prstGeom prst="rect">
             <a:avLst/>
           </a:prstGeom>
-          <a:solidFill>
-            <a:schemeClr val="tx1">
-              <a:lumMod val="85000"/>
-              <a:lumOff val="15000"/>
-            </a:schemeClr>
-          </a:solidFill>
-          <a:ln>
-            <a:noFill/>
-          </a:ln>
-          <a:effectLst/>
-        </p:spPr>
-        <p:style>
-          <a:lnRef idx="1">
-            <a:schemeClr val="accent1"/>
-          </a:lnRef>
-          <a:fillRef idx="3">
-            <a:schemeClr val="accent1"/>
-          </a:fillRef>
-          <a:effectRef idx="2">
-            <a:schemeClr val="accent1"/>
-          </a:effectRef>
-          <a:fontRef idx="minor">
-            <a:schemeClr val="lt1"/>
-          </a:fontRef>
-        </p:style>
-        <p:txBody>
-          <a:bodyPr rtlCol="0" anchor="ctr"/>
-          <a:lstStyle/>
-          <a:p>
-            <a:pPr algn="ctr" defTabSz="457200"/>
-            <a:endParaRPr lang="en-US">
-              <a:solidFill>
-                <a:srgbClr val="FFFFFF"/>
-              </a:solidFill>
-              <a:latin typeface="Calibri" panose="020F0502020204030204"/>
-            </a:endParaRPr>
+        </p:spPr>
+      </p:pic>
+      <p:sp>
+        <p:nvSpPr>
+          <p:cNvPr id="5" name="CuadroTexto 4"/>
+          <p:cNvSpPr txBox="1"/>
+          <p:nvPr/>
+        </p:nvSpPr>
+        <p:spPr>
+          <a:xfrm>
+            <a:off x="838200" y="1687153"/>
+            <a:ext cx="10515600" cy="3539430"/>
+          </a:xfrm>
+          <a:prstGeom prst="rect">
+            <a:avLst/>
+          </a:prstGeom>
+          <a:noFill/>
+        </p:spPr>
+        <p:txBody>
+          <a:bodyPr wrap="square" rtlCol="0">
+            <a:spAutoFit/>
+          </a:bodyPr>
+          <a:lstStyle/>
+          <a:p>
+            <a:r>
+              <a:rPr lang="es-ES" sz="2400" dirty="0"/>
+              <a:t>Vamos a obtener los datos históricos de diferentes plazas del mundo:</a:t>
+            </a:r>
+          </a:p>
+          <a:p>
+            <a:pPr marL="342900" indent="-342900">
+              <a:buFont typeface="Arial" panose="020B0604020202020204" pitchFamily="34" charset="0"/>
+              <a:buChar char="•"/>
+            </a:pPr>
+            <a:r>
+              <a:rPr lang="es-ES" sz="2400" dirty="0"/>
+              <a:t>IBEX35 (España)</a:t>
+            </a:r>
+          </a:p>
+          <a:p>
+            <a:pPr marL="342900" indent="-342900">
+              <a:buFont typeface="Arial" panose="020B0604020202020204" pitchFamily="34" charset="0"/>
+              <a:buChar char="•"/>
+            </a:pPr>
+            <a:r>
+              <a:rPr lang="es-ES" sz="2400" dirty="0"/>
+              <a:t>Dow Jones (Estados Unidos de América)</a:t>
+            </a:r>
+          </a:p>
+          <a:p>
+            <a:pPr marL="342900" indent="-342900">
+              <a:buFont typeface="Arial" panose="020B0604020202020204" pitchFamily="34" charset="0"/>
+              <a:buChar char="•"/>
+            </a:pPr>
+            <a:r>
+              <a:rPr lang="es-ES" sz="2400" dirty="0"/>
+              <a:t>Euro Stoxx50 (Común de Europa)</a:t>
+            </a:r>
+          </a:p>
+          <a:p>
+            <a:pPr marL="342900" indent="-342900">
+              <a:buFont typeface="Arial" panose="020B0604020202020204" pitchFamily="34" charset="0"/>
+              <a:buChar char="•"/>
+            </a:pPr>
+            <a:r>
+              <a:rPr lang="es-ES" sz="2400" dirty="0"/>
+              <a:t>Nikkei225 (Japón)</a:t>
+            </a:r>
+          </a:p>
+          <a:p>
+            <a:pPr marL="342900" indent="-342900">
+              <a:buFont typeface="Arial" panose="020B0604020202020204" pitchFamily="34" charset="0"/>
+              <a:buChar char="•"/>
+            </a:pPr>
+            <a:r>
+              <a:rPr lang="es-ES" sz="2400" dirty="0" err="1"/>
+              <a:t>Dax</a:t>
+            </a:r>
+            <a:r>
+              <a:rPr lang="es-ES" sz="2400" dirty="0"/>
+              <a:t> (Alemania)</a:t>
+            </a:r>
+          </a:p>
+          <a:p>
+            <a:pPr marL="342900" indent="-342900">
+              <a:buFont typeface="Arial" panose="020B0604020202020204" pitchFamily="34" charset="0"/>
+              <a:buChar char="•"/>
+            </a:pPr>
+            <a:r>
+              <a:rPr lang="es-ES" sz="2400" dirty="0" err="1"/>
+              <a:t>Cac</a:t>
+            </a:r>
+            <a:r>
+              <a:rPr lang="es-ES" sz="2400" dirty="0"/>
+              <a:t> 40 (Francia)</a:t>
+            </a:r>
+          </a:p>
+          <a:p>
+            <a:r>
+              <a:rPr lang="es-ES" sz="2400" dirty="0"/>
+              <a:t>Utilizamos los datos de </a:t>
+            </a:r>
+            <a:r>
+              <a:rPr lang="es-ES" sz="3200" dirty="0"/>
+              <a:t>CIERRE</a:t>
+            </a:r>
+            <a:r>
+              <a:rPr lang="es-ES" sz="2400" dirty="0"/>
+              <a:t> de las bolsas.</a:t>
+            </a:r>
+          </a:p>
+          <a:p>
+            <a:r>
+              <a:rPr lang="es-ES" sz="2400" dirty="0"/>
+              <a:t>Los datos los obtenemos gracias a la API de Python de </a:t>
+            </a:r>
+            <a:r>
+              <a:rPr lang="es-ES" sz="2400" dirty="0" err="1"/>
+              <a:t>Quandl</a:t>
+            </a:r>
+            <a:endParaRPr lang="es-ES" sz="2400" dirty="0"/>
+          </a:p>
+        </p:txBody>
+      </p:sp>
+      <p:sp>
+        <p:nvSpPr>
+          <p:cNvPr id="2" name="Título 1"/>
+          <p:cNvSpPr>
+            <a:spLocks noGrp="1"/>
+          </p:cNvSpPr>
+          <p:nvPr>
+            <p:ph type="title"/>
+          </p:nvPr>
+        </p:nvSpPr>
+        <p:spPr>
+          <a:xfrm>
+            <a:off x="838200" y="365125"/>
+            <a:ext cx="10515600" cy="1325563"/>
+          </a:xfrm>
+        </p:spPr>
+        <p:txBody>
+          <a:bodyPr>
+            <a:normAutofit/>
+          </a:bodyPr>
+          <a:lstStyle/>
+          <a:p>
+            <a:r>
+              <a:rPr lang="es-ES" dirty="0">
+                <a:solidFill>
+                  <a:srgbClr val="FFFFFF"/>
+                </a:solidFill>
+              </a:rPr>
+              <a:t>OBTENCION DE DATOS</a:t>
+            </a:r>
           </a:p>
         </p:txBody>
       </p:sp>
@@ -6917,27 +6279,167 @@
           </p:cNvPicPr>
           <p:nvPr/>
         </p:nvPicPr>
-        <p:blipFill rotWithShape="1">
-          <a:blip r:embed="rId2">
+        <p:blipFill>
+          <a:blip r:embed="rId3">
             <a:extLst>
               <a:ext uri="{28A0092B-C50C-407E-A947-70E740481C1C}">
                 <a14:useLocalDpi xmlns:a14="http://schemas.microsoft.com/office/drawing/2010/main" val="0"/>
               </a:ext>
             </a:extLst>
           </a:blip>
-          <a:srcRect l="1021" r="-2" b="-2"/>
-          <a:stretch/>
+          <a:stretch>
+            <a:fillRect/>
+          </a:stretch>
         </p:blipFill>
         <p:spPr>
           <a:xfrm>
-            <a:off x="6010183" y="629266"/>
-            <a:ext cx="4434582" cy="3941108"/>
+            <a:off x="5291547" y="4950011"/>
+            <a:ext cx="5555817" cy="1907989"/>
           </a:xfrm>
           <a:prstGeom prst="rect">
             <a:avLst/>
           </a:prstGeom>
+        </p:spPr>
+      </p:pic>
+    </p:spTree>
+    <p:extLst>
+      <p:ext uri="{BB962C8B-B14F-4D97-AF65-F5344CB8AC3E}">
+        <p14:creationId xmlns:p14="http://schemas.microsoft.com/office/powerpoint/2010/main" val="84572358"/>
+      </p:ext>
+    </p:extLst>
+  </p:cSld>
+  <p:clrMapOvr>
+    <a:overrideClrMapping bg1="dk1" tx1="lt1" bg2="dk2" tx2="lt2" accent1="accent1" accent2="accent2" accent3="accent3" accent4="accent4" accent5="accent5" accent6="accent6" hlink="hlink" folHlink="folHlink"/>
+  </p:clrMapOvr>
+</p:sld>
+</file>
+
+<file path=ppt/slides/slide4.xml><?xml version="1.0" encoding="utf-8"?>
+<p:sld xmlns:a="http://schemas.openxmlformats.org/drawingml/2006/main" xmlns:r="http://schemas.openxmlformats.org/officeDocument/2006/relationships" xmlns:p="http://schemas.openxmlformats.org/presentationml/2006/main">
+  <p:cSld>
+    <p:spTree>
+      <p:nvGrpSpPr>
+        <p:cNvPr id="1" name=""/>
+        <p:cNvGrpSpPr/>
+        <p:nvPr/>
+      </p:nvGrpSpPr>
+      <p:grpSpPr>
+        <a:xfrm>
+          <a:off x="0" y="0"/>
+          <a:ext cx="0" cy="0"/>
+          <a:chOff x="0" y="0"/>
+          <a:chExt cx="0" cy="0"/>
+        </a:xfrm>
+      </p:grpSpPr>
+      <p:sp>
+        <p:nvSpPr>
+          <p:cNvPr id="22" name="Rectangle 7"/>
+          <p:cNvSpPr>
+            <a:spLocks noGrp="1" noRot="1" noChangeAspect="1" noMove="1" noResize="1" noEditPoints="1" noAdjustHandles="1" noChangeArrowheads="1" noChangeShapeType="1" noTextEdit="1"/>
+          </p:cNvSpPr>
+          <p:nvPr>
+            <p:extLst>
+              <p:ext uri="{386F3935-93C4-4BCD-93E2-E3B085C9AB24}">
+                <p16:designElem xmlns:p16="http://schemas.microsoft.com/office/powerpoint/2015/main" val="1"/>
+              </p:ext>
+            </p:extLst>
+          </p:nvPr>
+        </p:nvSpPr>
+        <p:spPr bwMode="white">
+          <a:xfrm>
+            <a:off x="0" y="0"/>
+            <a:ext cx="12192000" cy="6858000"/>
+          </a:xfrm>
+          <a:prstGeom prst="rect">
+            <a:avLst/>
+          </a:prstGeom>
+          <a:solidFill>
+            <a:schemeClr val="bg1"/>
+          </a:solidFill>
+          <a:ln>
+            <a:noFill/>
+          </a:ln>
           <a:effectLst/>
         </p:spPr>
+      </p:sp>
+      <p:sp>
+        <p:nvSpPr>
+          <p:cNvPr id="9" name="Rectangle 8"/>
+          <p:cNvSpPr>
+            <a:spLocks noGrp="1" noRot="1" noChangeAspect="1" noMove="1" noResize="1" noEditPoints="1" noAdjustHandles="1" noChangeArrowheads="1" noChangeShapeType="1" noTextEdit="1"/>
+          </p:cNvSpPr>
+          <p:nvPr>
+            <p:extLst>
+              <p:ext uri="{386F3935-93C4-4BCD-93E2-E3B085C9AB24}">
+                <p16:designElem xmlns:p16="http://schemas.microsoft.com/office/powerpoint/2015/main" val="1"/>
+              </p:ext>
+            </p:extLst>
+          </p:nvPr>
+        </p:nvSpPr>
+        <p:spPr>
+          <a:xfrm>
+            <a:off x="0" y="651752"/>
+            <a:ext cx="12192000" cy="736551"/>
+          </a:xfrm>
+          <a:prstGeom prst="rect">
+            <a:avLst/>
+          </a:prstGeom>
+          <a:solidFill>
+            <a:schemeClr val="tx1">
+              <a:alpha val="75000"/>
+            </a:schemeClr>
+          </a:solidFill>
+          <a:ln>
+            <a:noFill/>
+          </a:ln>
+        </p:spPr>
+        <p:style>
+          <a:lnRef idx="2">
+            <a:schemeClr val="accent1">
+              <a:shade val="50000"/>
+            </a:schemeClr>
+          </a:lnRef>
+          <a:fillRef idx="1">
+            <a:schemeClr val="accent1"/>
+          </a:fillRef>
+          <a:effectRef idx="0">
+            <a:schemeClr val="accent1"/>
+          </a:effectRef>
+          <a:fontRef idx="minor">
+            <a:schemeClr val="lt1"/>
+          </a:fontRef>
+        </p:style>
+        <p:txBody>
+          <a:bodyPr rtlCol="0" anchor="ctr"/>
+          <a:lstStyle/>
+          <a:p>
+            <a:pPr algn="ctr"/>
+            <a:endParaRPr lang="en-US"/>
+          </a:p>
+        </p:txBody>
+      </p:sp>
+      <p:pic>
+        <p:nvPicPr>
+          <p:cNvPr id="6" name="Marcador de contenido 3"/>
+          <p:cNvPicPr>
+            <a:picLocks noChangeAspect="1"/>
+          </p:cNvPicPr>
+          <p:nvPr/>
+        </p:nvPicPr>
+        <p:blipFill rotWithShape="1">
+          <a:blip r:embed="rId2"/>
+          <a:srcRect/>
+          <a:stretch/>
+        </p:blipFill>
+        <p:spPr>
+          <a:xfrm>
+            <a:off x="704986" y="1508508"/>
+            <a:ext cx="10782028" cy="5229286"/>
+          </a:xfrm>
+          <a:prstGeom prst="rect">
+            <a:avLst/>
+          </a:prstGeom>
+        </p:spPr>
       </p:pic>
       <p:sp>
         <p:nvSpPr>
@@ -6951,18 +6453,19 @@
         </p:nvSpPr>
         <p:spPr>
           <a:xfrm>
-            <a:off x="648929" y="629266"/>
-            <a:ext cx="3667039" cy="1676603"/>
-          </a:xfrm>
-        </p:spPr>
-        <p:txBody>
-          <a:bodyPr>
+            <a:off x="556532" y="643467"/>
+            <a:ext cx="11210925" cy="744836"/>
+          </a:xfrm>
+        </p:spPr>
+        <p:txBody>
+          <a:bodyPr vert="horz" lIns="91440" tIns="45720" rIns="91440" bIns="45720" rtlCol="0" anchor="ctr">
             <a:normAutofit/>
           </a:bodyPr>
           <a:lstStyle/>
           <a:p>
-            <a:r>
-              <a:rPr lang="es-ES" sz="3600">
+            <a:pPr algn="ctr"/>
+            <a:r>
+              <a:rPr lang="en-US" sz="3200">
                 <a:solidFill>
                   <a:schemeClr val="bg1"/>
                 </a:solidFill>
@@ -6972,161 +6475,10 @@
           </a:p>
         </p:txBody>
       </p:sp>
-      <p:sp>
-        <p:nvSpPr>
-          <p:cNvPr id="3" name="Marcador de contenido 2"/>
-          <p:cNvSpPr>
-            <a:spLocks noGrp="1"/>
-          </p:cNvSpPr>
-          <p:nvPr>
-            <p:ph idx="1"/>
-          </p:nvPr>
-        </p:nvSpPr>
-        <p:spPr>
-          <a:xfrm>
-            <a:off x="206062" y="2438401"/>
-            <a:ext cx="4109906" cy="3779520"/>
-          </a:xfrm>
-        </p:spPr>
-        <p:txBody>
-          <a:bodyPr>
-            <a:normAutofit/>
-          </a:bodyPr>
-          <a:lstStyle/>
-          <a:p>
-            <a:pPr marL="0" indent="0">
-              <a:lnSpc>
-                <a:spcPct val="80000"/>
-              </a:lnSpc>
-              <a:buNone/>
-            </a:pPr>
-            <a:r>
-              <a:rPr lang="es-ES" sz="2600" dirty="0">
-                <a:solidFill>
-                  <a:schemeClr val="bg1"/>
-                </a:solidFill>
-              </a:rPr>
-              <a:t>La salida es una transformación de los datos de cambio del IBEX35</a:t>
-            </a:r>
-          </a:p>
-          <a:p>
-            <a:pPr>
-              <a:lnSpc>
-                <a:spcPct val="80000"/>
-              </a:lnSpc>
-            </a:pPr>
-            <a:r>
-              <a:rPr lang="es-ES" sz="2600" b="1" u="sng" dirty="0">
-                <a:solidFill>
-                  <a:schemeClr val="bg1"/>
-                </a:solidFill>
-              </a:rPr>
-              <a:t>CRECIMIENTO:</a:t>
-            </a:r>
-            <a:r>
-              <a:rPr lang="es-ES" sz="2600" dirty="0">
-                <a:solidFill>
-                  <a:schemeClr val="bg1"/>
-                </a:solidFill>
-              </a:rPr>
-              <a:t> Si el cambio es mayor que 0.</a:t>
-            </a:r>
-          </a:p>
-          <a:p>
-            <a:pPr>
-              <a:lnSpc>
-                <a:spcPct val="80000"/>
-              </a:lnSpc>
-            </a:pPr>
-            <a:r>
-              <a:rPr lang="es-ES" sz="2600" b="1" u="sng" dirty="0">
-                <a:solidFill>
-                  <a:schemeClr val="bg1"/>
-                </a:solidFill>
-              </a:rPr>
-              <a:t>CAIDA:</a:t>
-            </a:r>
-            <a:r>
-              <a:rPr lang="es-ES" sz="2600" dirty="0">
-                <a:solidFill>
-                  <a:schemeClr val="bg1"/>
-                </a:solidFill>
-              </a:rPr>
-              <a:t> Si el cambio es 0 o menor que cero.</a:t>
-            </a:r>
-          </a:p>
-          <a:p>
-            <a:pPr marL="0" indent="0">
-              <a:lnSpc>
-                <a:spcPct val="80000"/>
-              </a:lnSpc>
-              <a:buNone/>
-            </a:pPr>
-            <a:endParaRPr lang="es-ES" sz="2600" dirty="0">
-              <a:solidFill>
-                <a:schemeClr val="bg1"/>
-              </a:solidFill>
-            </a:endParaRPr>
-          </a:p>
-          <a:p>
-            <a:pPr marL="0" indent="0">
-              <a:lnSpc>
-                <a:spcPct val="80000"/>
-              </a:lnSpc>
-              <a:buNone/>
-            </a:pPr>
-            <a:r>
-              <a:rPr lang="es-ES" sz="2600" dirty="0">
-                <a:solidFill>
-                  <a:schemeClr val="bg1"/>
-                </a:solidFill>
-              </a:rPr>
-              <a:t>Por lo que un ejemplo de los datos de un día sería</a:t>
-            </a:r>
-          </a:p>
-          <a:p>
-            <a:pPr marL="0" indent="0">
-              <a:lnSpc>
-                <a:spcPct val="80000"/>
-              </a:lnSpc>
-              <a:buNone/>
-            </a:pPr>
-            <a:endParaRPr lang="es-ES" sz="1800" dirty="0">
-              <a:solidFill>
-                <a:schemeClr val="bg1"/>
-              </a:solidFill>
-            </a:endParaRPr>
-          </a:p>
-        </p:txBody>
-      </p:sp>
-      <p:pic>
-        <p:nvPicPr>
-          <p:cNvPr id="19" name="Imagen 18"/>
-          <p:cNvPicPr>
-            <a:picLocks noChangeAspect="1"/>
-          </p:cNvPicPr>
-          <p:nvPr/>
-        </p:nvPicPr>
-        <p:blipFill>
-          <a:blip r:embed="rId3"/>
-          <a:stretch>
-            <a:fillRect/>
-          </a:stretch>
-        </p:blipFill>
-        <p:spPr>
-          <a:xfrm>
-            <a:off x="4842070" y="5237759"/>
-            <a:ext cx="7284661" cy="980162"/>
-          </a:xfrm>
-          <a:prstGeom prst="rect">
-            <a:avLst/>
-          </a:prstGeom>
-        </p:spPr>
-      </p:pic>
     </p:spTree>
     <p:extLst>
       <p:ext uri="{BB962C8B-B14F-4D97-AF65-F5344CB8AC3E}">
-        <p14:creationId xmlns:p14="http://schemas.microsoft.com/office/powerpoint/2010/main" val="3839184132"/>
+        <p14:creationId xmlns:p14="http://schemas.microsoft.com/office/powerpoint/2010/main" val="3844390514"/>
       </p:ext>
     </p:extLst>
   </p:cSld>
@@ -7136,7 +6488,369 @@
 </p:sld>
 </file>
 
-<file path=ppt/slides/slide9.xml><?xml version="1.0" encoding="utf-8"?>
+<file path=ppt/slides/slide5.xml><?xml version="1.0" encoding="utf-8"?>
+<p:sld xmlns:a="http://schemas.openxmlformats.org/drawingml/2006/main" xmlns:r="http://schemas.openxmlformats.org/officeDocument/2006/relationships" xmlns:p="http://schemas.openxmlformats.org/presentationml/2006/main">
+  <p:cSld>
+    <p:spTree>
+      <p:nvGrpSpPr>
+        <p:cNvPr id="1" name=""/>
+        <p:cNvGrpSpPr/>
+        <p:nvPr/>
+      </p:nvGrpSpPr>
+      <p:grpSpPr>
+        <a:xfrm>
+          <a:off x="0" y="0"/>
+          <a:ext cx="0" cy="0"/>
+          <a:chOff x="0" y="0"/>
+          <a:chExt cx="0" cy="0"/>
+        </a:xfrm>
+      </p:grpSpPr>
+      <p:sp>
+        <p:nvSpPr>
+          <p:cNvPr id="12" name="Rectangle 11"/>
+          <p:cNvSpPr>
+            <a:spLocks noGrp="1" noRot="1" noChangeAspect="1" noMove="1" noResize="1" noEditPoints="1" noAdjustHandles="1" noChangeArrowheads="1" noChangeShapeType="1" noTextEdit="1"/>
+          </p:cNvSpPr>
+          <p:nvPr>
+            <p:extLst>
+              <p:ext uri="{386F3935-93C4-4BCD-93E2-E3B085C9AB24}">
+                <p16:designElem xmlns:p16="http://schemas.microsoft.com/office/powerpoint/2015/main" val="1"/>
+              </p:ext>
+            </p:extLst>
+          </p:nvPr>
+        </p:nvSpPr>
+        <p:spPr bwMode="white">
+          <a:xfrm>
+            <a:off x="0" y="0"/>
+            <a:ext cx="12192000" cy="6858000"/>
+          </a:xfrm>
+          <a:prstGeom prst="rect">
+            <a:avLst/>
+          </a:prstGeom>
+          <a:solidFill>
+            <a:schemeClr val="bg1"/>
+          </a:solidFill>
+          <a:ln>
+            <a:noFill/>
+          </a:ln>
+          <a:effectLst/>
+        </p:spPr>
+      </p:sp>
+      <p:sp>
+        <p:nvSpPr>
+          <p:cNvPr id="13" name="Rectangle 12"/>
+          <p:cNvSpPr>
+            <a:spLocks noGrp="1" noRot="1" noChangeAspect="1" noMove="1" noResize="1" noEditPoints="1" noAdjustHandles="1" noChangeArrowheads="1" noChangeShapeType="1" noTextEdit="1"/>
+          </p:cNvSpPr>
+          <p:nvPr>
+            <p:extLst>
+              <p:ext uri="{386F3935-93C4-4BCD-93E2-E3B085C9AB24}">
+                <p16:designElem xmlns:p16="http://schemas.microsoft.com/office/powerpoint/2015/main" val="1"/>
+              </p:ext>
+            </p:extLst>
+          </p:nvPr>
+        </p:nvSpPr>
+        <p:spPr>
+          <a:xfrm>
+            <a:off x="0" y="651752"/>
+            <a:ext cx="12192000" cy="736551"/>
+          </a:xfrm>
+          <a:prstGeom prst="rect">
+            <a:avLst/>
+          </a:prstGeom>
+          <a:solidFill>
+            <a:schemeClr val="tx1">
+              <a:alpha val="75000"/>
+            </a:schemeClr>
+          </a:solidFill>
+          <a:ln>
+            <a:noFill/>
+          </a:ln>
+        </p:spPr>
+        <p:style>
+          <a:lnRef idx="2">
+            <a:schemeClr val="accent1">
+              <a:shade val="50000"/>
+            </a:schemeClr>
+          </a:lnRef>
+          <a:fillRef idx="1">
+            <a:schemeClr val="accent1"/>
+          </a:fillRef>
+          <a:effectRef idx="0">
+            <a:schemeClr val="accent1"/>
+          </a:effectRef>
+          <a:fontRef idx="minor">
+            <a:schemeClr val="lt1"/>
+          </a:fontRef>
+        </p:style>
+        <p:txBody>
+          <a:bodyPr rtlCol="0" anchor="ctr"/>
+          <a:lstStyle/>
+          <a:p>
+            <a:pPr algn="ctr"/>
+            <a:endParaRPr lang="en-US"/>
+          </a:p>
+        </p:txBody>
+      </p:sp>
+      <p:pic>
+        <p:nvPicPr>
+          <p:cNvPr id="8" name="Imagen 7"/>
+          <p:cNvPicPr>
+            <a:picLocks noChangeAspect="1"/>
+          </p:cNvPicPr>
+          <p:nvPr/>
+        </p:nvPicPr>
+        <p:blipFill>
+          <a:blip r:embed="rId2">
+            <a:extLst>
+              <a:ext uri="{28A0092B-C50C-407E-A947-70E740481C1C}">
+                <a14:useLocalDpi xmlns:a14="http://schemas.microsoft.com/office/drawing/2010/main" val="0"/>
+              </a:ext>
+            </a:extLst>
+          </a:blip>
+          <a:stretch>
+            <a:fillRect/>
+          </a:stretch>
+        </p:blipFill>
+        <p:spPr>
+          <a:xfrm>
+            <a:off x="754523" y="1388303"/>
+            <a:ext cx="10682953" cy="5421600"/>
+          </a:xfrm>
+          <a:prstGeom prst="rect">
+            <a:avLst/>
+          </a:prstGeom>
+        </p:spPr>
+      </p:pic>
+      <p:sp>
+        <p:nvSpPr>
+          <p:cNvPr id="2" name="Título 1"/>
+          <p:cNvSpPr>
+            <a:spLocks noGrp="1"/>
+          </p:cNvSpPr>
+          <p:nvPr>
+            <p:ph type="title"/>
+          </p:nvPr>
+        </p:nvSpPr>
+        <p:spPr>
+          <a:xfrm>
+            <a:off x="556532" y="643467"/>
+            <a:ext cx="11210925" cy="744836"/>
+          </a:xfrm>
+        </p:spPr>
+        <p:txBody>
+          <a:bodyPr vert="horz" lIns="91440" tIns="45720" rIns="91440" bIns="45720" rtlCol="0" anchor="ctr">
+            <a:normAutofit/>
+          </a:bodyPr>
+          <a:lstStyle/>
+          <a:p>
+            <a:pPr algn="ctr"/>
+            <a:r>
+              <a:rPr lang="en-US" sz="3200" dirty="0">
+                <a:solidFill>
+                  <a:schemeClr val="bg1"/>
+                </a:solidFill>
+              </a:rPr>
+              <a:t>PROCESAMIENTO DE DATOS</a:t>
+            </a:r>
+          </a:p>
+        </p:txBody>
+      </p:sp>
+    </p:spTree>
+    <p:extLst>
+      <p:ext uri="{BB962C8B-B14F-4D97-AF65-F5344CB8AC3E}">
+        <p14:creationId xmlns:p14="http://schemas.microsoft.com/office/powerpoint/2010/main" val="38684972"/>
+      </p:ext>
+    </p:extLst>
+  </p:cSld>
+  <p:clrMapOvr>
+    <a:masterClrMapping/>
+  </p:clrMapOvr>
+</p:sld>
+</file>
+
+<file path=ppt/slides/slide6.xml><?xml version="1.0" encoding="utf-8"?>
+<p:sld xmlns:a="http://schemas.openxmlformats.org/drawingml/2006/main" xmlns:r="http://schemas.openxmlformats.org/officeDocument/2006/relationships" xmlns:p="http://schemas.openxmlformats.org/presentationml/2006/main">
+  <p:cSld>
+    <p:spTree>
+      <p:nvGrpSpPr>
+        <p:cNvPr id="1" name=""/>
+        <p:cNvGrpSpPr/>
+        <p:nvPr/>
+      </p:nvGrpSpPr>
+      <p:grpSpPr>
+        <a:xfrm>
+          <a:off x="0" y="0"/>
+          <a:ext cx="0" cy="0"/>
+          <a:chOff x="0" y="0"/>
+          <a:chExt cx="0" cy="0"/>
+        </a:xfrm>
+      </p:grpSpPr>
+      <p:sp>
+        <p:nvSpPr>
+          <p:cNvPr id="12" name="Rectangle 11"/>
+          <p:cNvSpPr>
+            <a:spLocks noGrp="1" noRot="1" noChangeAspect="1" noMove="1" noResize="1" noEditPoints="1" noAdjustHandles="1" noChangeArrowheads="1" noChangeShapeType="1" noTextEdit="1"/>
+          </p:cNvSpPr>
+          <p:nvPr>
+            <p:extLst>
+              <p:ext uri="{386F3935-93C4-4BCD-93E2-E3B085C9AB24}">
+                <p16:designElem xmlns:p16="http://schemas.microsoft.com/office/powerpoint/2015/main" val="1"/>
+              </p:ext>
+            </p:extLst>
+          </p:nvPr>
+        </p:nvSpPr>
+        <p:spPr bwMode="white">
+          <a:xfrm>
+            <a:off x="0" y="0"/>
+            <a:ext cx="12192000" cy="6858000"/>
+          </a:xfrm>
+          <a:prstGeom prst="rect">
+            <a:avLst/>
+          </a:prstGeom>
+          <a:solidFill>
+            <a:schemeClr val="bg1"/>
+          </a:solidFill>
+          <a:ln>
+            <a:noFill/>
+          </a:ln>
+          <a:effectLst/>
+        </p:spPr>
+      </p:sp>
+      <p:sp>
+        <p:nvSpPr>
+          <p:cNvPr id="13" name="Rectangle 12"/>
+          <p:cNvSpPr>
+            <a:spLocks noGrp="1" noRot="1" noChangeAspect="1" noMove="1" noResize="1" noEditPoints="1" noAdjustHandles="1" noChangeArrowheads="1" noChangeShapeType="1" noTextEdit="1"/>
+          </p:cNvSpPr>
+          <p:nvPr>
+            <p:extLst>
+              <p:ext uri="{386F3935-93C4-4BCD-93E2-E3B085C9AB24}">
+                <p16:designElem xmlns:p16="http://schemas.microsoft.com/office/powerpoint/2015/main" val="1"/>
+              </p:ext>
+            </p:extLst>
+          </p:nvPr>
+        </p:nvSpPr>
+        <p:spPr>
+          <a:xfrm>
+            <a:off x="0" y="651752"/>
+            <a:ext cx="12192000" cy="736551"/>
+          </a:xfrm>
+          <a:prstGeom prst="rect">
+            <a:avLst/>
+          </a:prstGeom>
+          <a:solidFill>
+            <a:schemeClr val="tx1">
+              <a:alpha val="75000"/>
+            </a:schemeClr>
+          </a:solidFill>
+          <a:ln>
+            <a:noFill/>
+          </a:ln>
+        </p:spPr>
+        <p:style>
+          <a:lnRef idx="2">
+            <a:schemeClr val="accent1">
+              <a:shade val="50000"/>
+            </a:schemeClr>
+          </a:lnRef>
+          <a:fillRef idx="1">
+            <a:schemeClr val="accent1"/>
+          </a:fillRef>
+          <a:effectRef idx="0">
+            <a:schemeClr val="accent1"/>
+          </a:effectRef>
+          <a:fontRef idx="minor">
+            <a:schemeClr val="lt1"/>
+          </a:fontRef>
+        </p:style>
+        <p:txBody>
+          <a:bodyPr rtlCol="0" anchor="ctr"/>
+          <a:lstStyle/>
+          <a:p>
+            <a:pPr algn="ctr"/>
+            <a:endParaRPr lang="en-US"/>
+          </a:p>
+        </p:txBody>
+      </p:sp>
+      <p:pic>
+        <p:nvPicPr>
+          <p:cNvPr id="3" name="Imagen 2"/>
+          <p:cNvPicPr>
+            <a:picLocks noChangeAspect="1"/>
+          </p:cNvPicPr>
+          <p:nvPr/>
+        </p:nvPicPr>
+        <p:blipFill>
+          <a:blip r:embed="rId2">
+            <a:extLst>
+              <a:ext uri="{28A0092B-C50C-407E-A947-70E740481C1C}">
+                <a14:useLocalDpi xmlns:a14="http://schemas.microsoft.com/office/drawing/2010/main" val="0"/>
+              </a:ext>
+            </a:extLst>
+          </a:blip>
+          <a:stretch>
+            <a:fillRect/>
+          </a:stretch>
+        </p:blipFill>
+        <p:spPr>
+          <a:xfrm>
+            <a:off x="753776" y="1388303"/>
+            <a:ext cx="10684448" cy="5422359"/>
+          </a:xfrm>
+          <a:prstGeom prst="rect">
+            <a:avLst/>
+          </a:prstGeom>
+        </p:spPr>
+      </p:pic>
+      <p:sp>
+        <p:nvSpPr>
+          <p:cNvPr id="2" name="Título 1"/>
+          <p:cNvSpPr>
+            <a:spLocks noGrp="1"/>
+          </p:cNvSpPr>
+          <p:nvPr>
+            <p:ph type="title"/>
+          </p:nvPr>
+        </p:nvSpPr>
+        <p:spPr>
+          <a:xfrm>
+            <a:off x="556532" y="643467"/>
+            <a:ext cx="11210925" cy="744836"/>
+          </a:xfrm>
+        </p:spPr>
+        <p:txBody>
+          <a:bodyPr vert="horz" lIns="91440" tIns="45720" rIns="91440" bIns="45720" rtlCol="0" anchor="ctr">
+            <a:normAutofit/>
+          </a:bodyPr>
+          <a:lstStyle/>
+          <a:p>
+            <a:pPr algn="ctr"/>
+            <a:r>
+              <a:rPr lang="en-US" sz="3200">
+                <a:solidFill>
+                  <a:schemeClr val="bg1"/>
+                </a:solidFill>
+              </a:rPr>
+              <a:t>PROCESAMIENTO DE DATOS</a:t>
+            </a:r>
+          </a:p>
+        </p:txBody>
+      </p:sp>
+    </p:spTree>
+    <p:extLst>
+      <p:ext uri="{BB962C8B-B14F-4D97-AF65-F5344CB8AC3E}">
+        <p14:creationId xmlns:p14="http://schemas.microsoft.com/office/powerpoint/2010/main" val="1316324414"/>
+      </p:ext>
+    </p:extLst>
+  </p:cSld>
+  <p:clrMapOvr>
+    <a:masterClrMapping/>
+  </p:clrMapOvr>
+</p:sld>
+</file>
+
+<file path=ppt/slides/slide7.xml><?xml version="1.0" encoding="utf-8"?>
 <p:sld xmlns:a="http://schemas.openxmlformats.org/drawingml/2006/main" xmlns:r="http://schemas.openxmlformats.org/officeDocument/2006/relationships" xmlns:p="http://schemas.openxmlformats.org/presentationml/2006/main">
   <p:cSld>
     <p:spTree>
@@ -7431,6 +7145,809 @@
           <a:p>
             <a:r>
               <a:rPr lang="es-ES" dirty="0"/>
+              <a:t>PROCESAMIENTO DE DATOS</a:t>
+            </a:r>
+          </a:p>
+        </p:txBody>
+      </p:sp>
+      <p:sp>
+        <p:nvSpPr>
+          <p:cNvPr id="3" name="Marcador de contenido 2"/>
+          <p:cNvSpPr>
+            <a:spLocks noGrp="1"/>
+          </p:cNvSpPr>
+          <p:nvPr>
+            <p:ph idx="1"/>
+          </p:nvPr>
+        </p:nvSpPr>
+        <p:spPr>
+          <a:xfrm>
+            <a:off x="838201" y="2022601"/>
+            <a:ext cx="10515598" cy="4154361"/>
+          </a:xfrm>
+        </p:spPr>
+        <p:txBody>
+          <a:bodyPr>
+            <a:normAutofit/>
+          </a:bodyPr>
+          <a:lstStyle/>
+          <a:p>
+            <a:r>
+              <a:rPr lang="es-ES" sz="2000" dirty="0"/>
+              <a:t>Lo enfocamos como un problema de clasificación. </a:t>
+            </a:r>
+          </a:p>
+          <a:p>
+            <a:r>
+              <a:rPr lang="es-ES" sz="2000" dirty="0"/>
+              <a:t>Variables de entrada -&gt; Salida</a:t>
+            </a:r>
+          </a:p>
+          <a:p>
+            <a:r>
+              <a:rPr lang="es-ES" sz="2000" dirty="0"/>
+              <a:t>Variables de entrada:</a:t>
+            </a:r>
+          </a:p>
+          <a:p>
+            <a:pPr lvl="1"/>
+            <a:r>
+              <a:rPr lang="es-ES" sz="2000" dirty="0"/>
+              <a:t>Valor real de las bolsas</a:t>
+            </a:r>
+          </a:p>
+          <a:p>
+            <a:pPr marL="457200" lvl="1" indent="0">
+              <a:buNone/>
+            </a:pPr>
+            <a:endParaRPr lang="es-ES" sz="2000" dirty="0"/>
+          </a:p>
+          <a:p>
+            <a:pPr lvl="1"/>
+            <a:r>
+              <a:rPr lang="es-ES" sz="2000" dirty="0"/>
+              <a:t>Cambio con respecto al día anterior</a:t>
+            </a:r>
+          </a:p>
+          <a:p>
+            <a:pPr lvl="1"/>
+            <a:endParaRPr lang="es-ES" sz="2000" dirty="0"/>
+          </a:p>
+          <a:p>
+            <a:pPr lvl="1"/>
+            <a:r>
+              <a:rPr lang="es-ES" sz="2000" dirty="0"/>
+              <a:t>Porcentaje de cambio con respecto al día anterior</a:t>
+            </a:r>
+          </a:p>
+          <a:p>
+            <a:pPr marL="457200" lvl="1" indent="0">
+              <a:buNone/>
+            </a:pPr>
+            <a:endParaRPr lang="es-ES" sz="2000" dirty="0"/>
+          </a:p>
+          <a:p>
+            <a:pPr lvl="1"/>
+            <a:r>
+              <a:rPr lang="es-ES" sz="2000" dirty="0"/>
+              <a:t>Valor normalizado.</a:t>
+            </a:r>
+          </a:p>
+          <a:p>
+            <a:pPr lvl="1"/>
+            <a:endParaRPr lang="es-ES" sz="2000" dirty="0"/>
+          </a:p>
+        </p:txBody>
+      </p:sp>
+      <p:pic>
+        <p:nvPicPr>
+          <p:cNvPr id="8" name="Imagen 7"/>
+          <p:cNvPicPr>
+            <a:picLocks noChangeAspect="1"/>
+          </p:cNvPicPr>
+          <p:nvPr/>
+        </p:nvPicPr>
+        <p:blipFill>
+          <a:blip r:embed="rId2"/>
+          <a:stretch>
+            <a:fillRect/>
+          </a:stretch>
+        </p:blipFill>
+        <p:spPr>
+          <a:xfrm>
+            <a:off x="1663098" y="3544789"/>
+            <a:ext cx="8862060" cy="312044"/>
+          </a:xfrm>
+          <a:prstGeom prst="rect">
+            <a:avLst/>
+          </a:prstGeom>
+        </p:spPr>
+      </p:pic>
+      <p:pic>
+        <p:nvPicPr>
+          <p:cNvPr id="9" name="Imagen 8"/>
+          <p:cNvPicPr>
+            <a:picLocks noChangeAspect="1"/>
+          </p:cNvPicPr>
+          <p:nvPr/>
+        </p:nvPicPr>
+        <p:blipFill>
+          <a:blip r:embed="rId3"/>
+          <a:stretch>
+            <a:fillRect/>
+          </a:stretch>
+        </p:blipFill>
+        <p:spPr>
+          <a:xfrm>
+            <a:off x="1663099" y="4225827"/>
+            <a:ext cx="6604785" cy="306889"/>
+          </a:xfrm>
+          <a:prstGeom prst="rect">
+            <a:avLst/>
+          </a:prstGeom>
+        </p:spPr>
+      </p:pic>
+      <p:pic>
+        <p:nvPicPr>
+          <p:cNvPr id="10" name="Imagen 9"/>
+          <p:cNvPicPr>
+            <a:picLocks noChangeAspect="1"/>
+          </p:cNvPicPr>
+          <p:nvPr/>
+        </p:nvPicPr>
+        <p:blipFill>
+          <a:blip r:embed="rId4"/>
+          <a:stretch>
+            <a:fillRect/>
+          </a:stretch>
+        </p:blipFill>
+        <p:spPr>
+          <a:xfrm>
+            <a:off x="1663099" y="4944106"/>
+            <a:ext cx="9690605" cy="216550"/>
+          </a:xfrm>
+          <a:prstGeom prst="rect">
+            <a:avLst/>
+          </a:prstGeom>
+        </p:spPr>
+      </p:pic>
+      <p:pic>
+        <p:nvPicPr>
+          <p:cNvPr id="11" name="Imagen 10"/>
+          <p:cNvPicPr>
+            <a:picLocks noChangeAspect="1"/>
+          </p:cNvPicPr>
+          <p:nvPr/>
+        </p:nvPicPr>
+        <p:blipFill>
+          <a:blip r:embed="rId5"/>
+          <a:stretch>
+            <a:fillRect/>
+          </a:stretch>
+        </p:blipFill>
+        <p:spPr>
+          <a:xfrm>
+            <a:off x="1663098" y="5569422"/>
+            <a:ext cx="9690605" cy="289272"/>
+          </a:xfrm>
+          <a:prstGeom prst="rect">
+            <a:avLst/>
+          </a:prstGeom>
+        </p:spPr>
+      </p:pic>
+    </p:spTree>
+    <p:extLst>
+      <p:ext uri="{BB962C8B-B14F-4D97-AF65-F5344CB8AC3E}">
+        <p14:creationId xmlns:p14="http://schemas.microsoft.com/office/powerpoint/2010/main" val="3539477728"/>
+      </p:ext>
+    </p:extLst>
+  </p:cSld>
+  <p:clrMapOvr>
+    <a:overrideClrMapping bg1="dk1" tx1="lt1" bg2="dk2" tx2="lt2" accent1="accent1" accent2="accent2" accent3="accent3" accent4="accent4" accent5="accent5" accent6="accent6" hlink="hlink" folHlink="folHlink"/>
+  </p:clrMapOvr>
+</p:sld>
+</file>
+
+<file path=ppt/slides/slide8.xml><?xml version="1.0" encoding="utf-8"?>
+<p:sld xmlns:a="http://schemas.openxmlformats.org/drawingml/2006/main" xmlns:r="http://schemas.openxmlformats.org/officeDocument/2006/relationships" xmlns:p="http://schemas.openxmlformats.org/presentationml/2006/main">
+  <p:cSld>
+    <p:spTree>
+      <p:nvGrpSpPr>
+        <p:cNvPr id="1" name=""/>
+        <p:cNvGrpSpPr/>
+        <p:nvPr/>
+      </p:nvGrpSpPr>
+      <p:grpSpPr>
+        <a:xfrm>
+          <a:off x="0" y="0"/>
+          <a:ext cx="0" cy="0"/>
+          <a:chOff x="0" y="0"/>
+          <a:chExt cx="0" cy="0"/>
+        </a:xfrm>
+      </p:grpSpPr>
+      <p:sp>
+        <p:nvSpPr>
+          <p:cNvPr id="20" name="Rectangle 12"/>
+          <p:cNvSpPr>
+            <a:spLocks noGrp="1" noRot="1" noChangeAspect="1" noMove="1" noResize="1" noEditPoints="1" noAdjustHandles="1" noChangeArrowheads="1" noChangeShapeType="1" noTextEdit="1"/>
+          </p:cNvSpPr>
+          <p:nvPr>
+            <p:extLst>
+              <p:ext uri="{386F3935-93C4-4BCD-93E2-E3B085C9AB24}">
+                <p16:designElem xmlns:p16="http://schemas.microsoft.com/office/powerpoint/2015/main" val="1"/>
+              </p:ext>
+            </p:extLst>
+          </p:nvPr>
+        </p:nvSpPr>
+        <p:spPr>
+          <a:xfrm>
+            <a:off x="0" y="2"/>
+            <a:ext cx="4636008" cy="6857998"/>
+          </a:xfrm>
+          <a:prstGeom prst="rect">
+            <a:avLst/>
+          </a:prstGeom>
+          <a:solidFill>
+            <a:schemeClr val="tx1">
+              <a:lumMod val="85000"/>
+              <a:lumOff val="15000"/>
+            </a:schemeClr>
+          </a:solidFill>
+          <a:ln>
+            <a:noFill/>
+          </a:ln>
+          <a:effectLst/>
+        </p:spPr>
+        <p:style>
+          <a:lnRef idx="1">
+            <a:schemeClr val="accent1"/>
+          </a:lnRef>
+          <a:fillRef idx="3">
+            <a:schemeClr val="accent1"/>
+          </a:fillRef>
+          <a:effectRef idx="2">
+            <a:schemeClr val="accent1"/>
+          </a:effectRef>
+          <a:fontRef idx="minor">
+            <a:schemeClr val="lt1"/>
+          </a:fontRef>
+        </p:style>
+        <p:txBody>
+          <a:bodyPr rtlCol="0" anchor="ctr"/>
+          <a:lstStyle/>
+          <a:p>
+            <a:pPr algn="ctr" defTabSz="457200"/>
+            <a:endParaRPr lang="en-US">
+              <a:solidFill>
+                <a:srgbClr val="FFFFFF"/>
+              </a:solidFill>
+              <a:latin typeface="Calibri" panose="020F0502020204030204"/>
+            </a:endParaRPr>
+          </a:p>
+        </p:txBody>
+      </p:sp>
+      <p:pic>
+        <p:nvPicPr>
+          <p:cNvPr id="11" name="Imagen 10"/>
+          <p:cNvPicPr>
+            <a:picLocks noChangeAspect="1"/>
+          </p:cNvPicPr>
+          <p:nvPr/>
+        </p:nvPicPr>
+        <p:blipFill rotWithShape="1">
+          <a:blip r:embed="rId2">
+            <a:extLst>
+              <a:ext uri="{28A0092B-C50C-407E-A947-70E740481C1C}">
+                <a14:useLocalDpi xmlns:a14="http://schemas.microsoft.com/office/drawing/2010/main" val="0"/>
+              </a:ext>
+            </a:extLst>
+          </a:blip>
+          <a:srcRect l="1021" r="-2" b="-2"/>
+          <a:stretch/>
+        </p:blipFill>
+        <p:spPr>
+          <a:xfrm>
+            <a:off x="6010183" y="629266"/>
+            <a:ext cx="4434582" cy="3941108"/>
+          </a:xfrm>
+          <a:prstGeom prst="rect">
+            <a:avLst/>
+          </a:prstGeom>
+          <a:effectLst/>
+        </p:spPr>
+      </p:pic>
+      <p:sp>
+        <p:nvSpPr>
+          <p:cNvPr id="2" name="Título 1"/>
+          <p:cNvSpPr>
+            <a:spLocks noGrp="1"/>
+          </p:cNvSpPr>
+          <p:nvPr>
+            <p:ph type="title"/>
+          </p:nvPr>
+        </p:nvSpPr>
+        <p:spPr>
+          <a:xfrm>
+            <a:off x="648929" y="629266"/>
+            <a:ext cx="3667039" cy="1676603"/>
+          </a:xfrm>
+        </p:spPr>
+        <p:txBody>
+          <a:bodyPr>
+            <a:normAutofit/>
+          </a:bodyPr>
+          <a:lstStyle/>
+          <a:p>
+            <a:r>
+              <a:rPr lang="es-ES" sz="3600">
+                <a:solidFill>
+                  <a:schemeClr val="bg1"/>
+                </a:solidFill>
+              </a:rPr>
+              <a:t>PROCESAMIENTO DE DATOS</a:t>
+            </a:r>
+          </a:p>
+        </p:txBody>
+      </p:sp>
+      <p:sp>
+        <p:nvSpPr>
+          <p:cNvPr id="3" name="Marcador de contenido 2"/>
+          <p:cNvSpPr>
+            <a:spLocks noGrp="1"/>
+          </p:cNvSpPr>
+          <p:nvPr>
+            <p:ph idx="1"/>
+          </p:nvPr>
+        </p:nvSpPr>
+        <p:spPr>
+          <a:xfrm>
+            <a:off x="206062" y="2438401"/>
+            <a:ext cx="4109906" cy="3779520"/>
+          </a:xfrm>
+        </p:spPr>
+        <p:txBody>
+          <a:bodyPr>
+            <a:normAutofit/>
+          </a:bodyPr>
+          <a:lstStyle/>
+          <a:p>
+            <a:pPr marL="0" indent="0">
+              <a:lnSpc>
+                <a:spcPct val="80000"/>
+              </a:lnSpc>
+              <a:buNone/>
+            </a:pPr>
+            <a:r>
+              <a:rPr lang="es-ES" sz="2600" dirty="0">
+                <a:solidFill>
+                  <a:schemeClr val="bg1"/>
+                </a:solidFill>
+              </a:rPr>
+              <a:t>La salida es una transformación de los datos de cambio del IBEX35</a:t>
+            </a:r>
+          </a:p>
+          <a:p>
+            <a:pPr>
+              <a:lnSpc>
+                <a:spcPct val="80000"/>
+              </a:lnSpc>
+            </a:pPr>
+            <a:r>
+              <a:rPr lang="es-ES" sz="2600" b="1" u="sng" dirty="0">
+                <a:solidFill>
+                  <a:schemeClr val="bg1"/>
+                </a:solidFill>
+              </a:rPr>
+              <a:t>CRECIMIENTO:</a:t>
+            </a:r>
+            <a:r>
+              <a:rPr lang="es-ES" sz="2600" dirty="0">
+                <a:solidFill>
+                  <a:schemeClr val="bg1"/>
+                </a:solidFill>
+              </a:rPr>
+              <a:t> Si el cambio es mayor que 0.</a:t>
+            </a:r>
+          </a:p>
+          <a:p>
+            <a:pPr>
+              <a:lnSpc>
+                <a:spcPct val="80000"/>
+              </a:lnSpc>
+            </a:pPr>
+            <a:r>
+              <a:rPr lang="es-ES" sz="2600" b="1" u="sng" dirty="0">
+                <a:solidFill>
+                  <a:schemeClr val="bg1"/>
+                </a:solidFill>
+              </a:rPr>
+              <a:t>CAIDA:</a:t>
+            </a:r>
+            <a:r>
+              <a:rPr lang="es-ES" sz="2600" dirty="0">
+                <a:solidFill>
+                  <a:schemeClr val="bg1"/>
+                </a:solidFill>
+              </a:rPr>
+              <a:t> Si el cambio es 0 o menor que cero.</a:t>
+            </a:r>
+          </a:p>
+          <a:p>
+            <a:pPr marL="0" indent="0">
+              <a:lnSpc>
+                <a:spcPct val="80000"/>
+              </a:lnSpc>
+              <a:buNone/>
+            </a:pPr>
+            <a:endParaRPr lang="es-ES" sz="2600" dirty="0">
+              <a:solidFill>
+                <a:schemeClr val="bg1"/>
+              </a:solidFill>
+            </a:endParaRPr>
+          </a:p>
+          <a:p>
+            <a:pPr marL="0" indent="0">
+              <a:lnSpc>
+                <a:spcPct val="80000"/>
+              </a:lnSpc>
+              <a:buNone/>
+            </a:pPr>
+            <a:r>
+              <a:rPr lang="es-ES" sz="2600" dirty="0">
+                <a:solidFill>
+                  <a:schemeClr val="bg1"/>
+                </a:solidFill>
+              </a:rPr>
+              <a:t>Por lo que un ejemplo de los datos de un día sería</a:t>
+            </a:r>
+          </a:p>
+          <a:p>
+            <a:pPr marL="0" indent="0">
+              <a:lnSpc>
+                <a:spcPct val="80000"/>
+              </a:lnSpc>
+              <a:buNone/>
+            </a:pPr>
+            <a:endParaRPr lang="es-ES" sz="1800" dirty="0">
+              <a:solidFill>
+                <a:schemeClr val="bg1"/>
+              </a:solidFill>
+            </a:endParaRPr>
+          </a:p>
+        </p:txBody>
+      </p:sp>
+      <p:pic>
+        <p:nvPicPr>
+          <p:cNvPr id="19" name="Imagen 18"/>
+          <p:cNvPicPr>
+            <a:picLocks noChangeAspect="1"/>
+          </p:cNvPicPr>
+          <p:nvPr/>
+        </p:nvPicPr>
+        <p:blipFill>
+          <a:blip r:embed="rId3"/>
+          <a:stretch>
+            <a:fillRect/>
+          </a:stretch>
+        </p:blipFill>
+        <p:spPr>
+          <a:xfrm>
+            <a:off x="4842070" y="5237759"/>
+            <a:ext cx="7284661" cy="980162"/>
+          </a:xfrm>
+          <a:prstGeom prst="rect">
+            <a:avLst/>
+          </a:prstGeom>
+        </p:spPr>
+      </p:pic>
+    </p:spTree>
+    <p:extLst>
+      <p:ext uri="{BB962C8B-B14F-4D97-AF65-F5344CB8AC3E}">
+        <p14:creationId xmlns:p14="http://schemas.microsoft.com/office/powerpoint/2010/main" val="3839184132"/>
+      </p:ext>
+    </p:extLst>
+  </p:cSld>
+  <p:clrMapOvr>
+    <a:masterClrMapping/>
+  </p:clrMapOvr>
+</p:sld>
+</file>
+
+<file path=ppt/slides/slide9.xml><?xml version="1.0" encoding="utf-8"?>
+<p:sld xmlns:a="http://schemas.openxmlformats.org/drawingml/2006/main" xmlns:r="http://schemas.openxmlformats.org/officeDocument/2006/relationships" xmlns:p="http://schemas.openxmlformats.org/presentationml/2006/main">
+  <p:cSld>
+    <p:spTree>
+      <p:nvGrpSpPr>
+        <p:cNvPr id="1" name=""/>
+        <p:cNvGrpSpPr/>
+        <p:nvPr/>
+      </p:nvGrpSpPr>
+      <p:grpSpPr>
+        <a:xfrm>
+          <a:off x="0" y="0"/>
+          <a:ext cx="0" cy="0"/>
+          <a:chOff x="0" y="0"/>
+          <a:chExt cx="0" cy="0"/>
+        </a:xfrm>
+      </p:grpSpPr>
+      <p:sp>
+        <p:nvSpPr>
+          <p:cNvPr id="5" name="Rectangle 4"/>
+          <p:cNvSpPr>
+            <a:spLocks noGrp="1" noRot="1" noChangeAspect="1" noMove="1" noResize="1" noEditPoints="1" noAdjustHandles="1" noChangeArrowheads="1" noChangeShapeType="1" noTextEdit="1"/>
+          </p:cNvSpPr>
+          <p:nvPr>
+            <p:extLst>
+              <p:ext uri="{386F3935-93C4-4BCD-93E2-E3B085C9AB24}">
+                <p16:designElem xmlns:p16="http://schemas.microsoft.com/office/powerpoint/2015/main" val="1"/>
+              </p:ext>
+            </p:extLst>
+          </p:nvPr>
+        </p:nvSpPr>
+        <p:spPr>
+          <a:xfrm>
+            <a:off x="0" y="-3324"/>
+            <a:ext cx="12192000" cy="6861324"/>
+          </a:xfrm>
+          <a:prstGeom prst="rect">
+            <a:avLst/>
+          </a:prstGeom>
+          <a:solidFill>
+            <a:srgbClr val="404040"/>
+          </a:solidFill>
+          <a:ln>
+            <a:noFill/>
+          </a:ln>
+        </p:spPr>
+        <p:style>
+          <a:lnRef idx="2">
+            <a:schemeClr val="accent1">
+              <a:shade val="50000"/>
+            </a:schemeClr>
+          </a:lnRef>
+          <a:fillRef idx="1">
+            <a:schemeClr val="accent1"/>
+          </a:fillRef>
+          <a:effectRef idx="0">
+            <a:schemeClr val="accent1"/>
+          </a:effectRef>
+          <a:fontRef idx="minor">
+            <a:schemeClr val="lt1"/>
+          </a:fontRef>
+        </p:style>
+        <p:txBody>
+          <a:bodyPr rtlCol="0" anchor="ctr"/>
+          <a:lstStyle/>
+          <a:p>
+            <a:pPr algn="ctr"/>
+            <a:endParaRPr lang="en-US"/>
+          </a:p>
+        </p:txBody>
+      </p:sp>
+      <p:sp>
+        <p:nvSpPr>
+          <p:cNvPr id="6" name="Freeform 13"/>
+          <p:cNvSpPr>
+            <a:spLocks noGrp="1" noRot="1" noChangeAspect="1" noMove="1" noResize="1" noEditPoints="1" noAdjustHandles="1" noChangeArrowheads="1" noChangeShapeType="1" noTextEdit="1"/>
+          </p:cNvSpPr>
+          <p:nvPr>
+            <p:extLst>
+              <p:ext uri="{386F3935-93C4-4BCD-93E2-E3B085C9AB24}">
+                <p16:designElem xmlns:p16="http://schemas.microsoft.com/office/powerpoint/2015/main" val="1"/>
+              </p:ext>
+            </p:extLst>
+          </p:nvPr>
+        </p:nvSpPr>
+        <p:spPr>
+          <a:xfrm>
+            <a:off x="0" y="0"/>
+            <a:ext cx="11786754" cy="6858000"/>
+          </a:xfrm>
+          <a:custGeom>
+            <a:avLst/>
+            <a:gdLst>
+              <a:gd name="connsiteX0" fmla="*/ 0 w 11786754"/>
+              <a:gd name="connsiteY0" fmla="*/ 0 h 6858000"/>
+              <a:gd name="connsiteX1" fmla="*/ 8610600 w 11786754"/>
+              <a:gd name="connsiteY1" fmla="*/ 0 h 6858000"/>
+              <a:gd name="connsiteX2" fmla="*/ 11786754 w 11786754"/>
+              <a:gd name="connsiteY2" fmla="*/ 6858000 h 6858000"/>
+              <a:gd name="connsiteX3" fmla="*/ 0 w 11786754"/>
+              <a:gd name="connsiteY3" fmla="*/ 6858000 h 6858000"/>
+            </a:gdLst>
+            <a:ahLst/>
+            <a:cxnLst>
+              <a:cxn ang="0">
+                <a:pos x="connsiteX0" y="connsiteY0"/>
+              </a:cxn>
+              <a:cxn ang="0">
+                <a:pos x="connsiteX1" y="connsiteY1"/>
+              </a:cxn>
+              <a:cxn ang="0">
+                <a:pos x="connsiteX2" y="connsiteY2"/>
+              </a:cxn>
+              <a:cxn ang="0">
+                <a:pos x="connsiteX3" y="connsiteY3"/>
+              </a:cxn>
+            </a:cxnLst>
+            <a:rect l="l" t="t" r="r" b="b"/>
+            <a:pathLst>
+              <a:path w="11786754" h="6858000">
+                <a:moveTo>
+                  <a:pt x="0" y="0"/>
+                </a:moveTo>
+                <a:lnTo>
+                  <a:pt x="8610600" y="0"/>
+                </a:lnTo>
+                <a:lnTo>
+                  <a:pt x="11786754" y="6858000"/>
+                </a:lnTo>
+                <a:lnTo>
+                  <a:pt x="0" y="6858000"/>
+                </a:lnTo>
+                <a:close/>
+              </a:path>
+            </a:pathLst>
+          </a:custGeom>
+          <a:solidFill>
+            <a:schemeClr val="bg1">
+              <a:alpha val="30000"/>
+            </a:schemeClr>
+          </a:solidFill>
+          <a:ln>
+            <a:noFill/>
+          </a:ln>
+        </p:spPr>
+        <p:style>
+          <a:lnRef idx="2">
+            <a:schemeClr val="accent1">
+              <a:shade val="50000"/>
+            </a:schemeClr>
+          </a:lnRef>
+          <a:fillRef idx="1">
+            <a:schemeClr val="accent1"/>
+          </a:fillRef>
+          <a:effectRef idx="0">
+            <a:schemeClr val="accent1"/>
+          </a:effectRef>
+          <a:fontRef idx="minor">
+            <a:schemeClr val="lt1"/>
+          </a:fontRef>
+        </p:style>
+        <p:txBody>
+          <a:bodyPr rtlCol="0" anchor="ctr"/>
+          <a:lstStyle/>
+          <a:p>
+            <a:pPr algn="ctr"/>
+            <a:endParaRPr lang="en-US"/>
+          </a:p>
+        </p:txBody>
+      </p:sp>
+      <p:sp>
+        <p:nvSpPr>
+          <p:cNvPr id="7" name="Freeform 11"/>
+          <p:cNvSpPr>
+            <a:spLocks noGrp="1" noRot="1" noChangeAspect="1" noMove="1" noResize="1" noEditPoints="1" noAdjustHandles="1" noChangeArrowheads="1" noChangeShapeType="1" noTextEdit="1"/>
+          </p:cNvSpPr>
+          <p:nvPr>
+            <p:extLst>
+              <p:ext uri="{386F3935-93C4-4BCD-93E2-E3B085C9AB24}">
+                <p16:designElem xmlns:p16="http://schemas.microsoft.com/office/powerpoint/2015/main" val="1"/>
+              </p:ext>
+            </p:extLst>
+          </p:nvPr>
+        </p:nvSpPr>
+        <p:spPr>
+          <a:xfrm>
+            <a:off x="0" y="0"/>
+            <a:ext cx="3581400" cy="6858000"/>
+          </a:xfrm>
+          <a:custGeom>
+            <a:avLst/>
+            <a:gdLst>
+              <a:gd name="connsiteX0" fmla="*/ 0 w 3581400"/>
+              <a:gd name="connsiteY0" fmla="*/ 0 h 6858000"/>
+              <a:gd name="connsiteX1" fmla="*/ 405246 w 3581400"/>
+              <a:gd name="connsiteY1" fmla="*/ 0 h 6858000"/>
+              <a:gd name="connsiteX2" fmla="*/ 3581400 w 3581400"/>
+              <a:gd name="connsiteY2" fmla="*/ 6858000 h 6858000"/>
+              <a:gd name="connsiteX3" fmla="*/ 0 w 3581400"/>
+              <a:gd name="connsiteY3" fmla="*/ 6858000 h 6858000"/>
+            </a:gdLst>
+            <a:ahLst/>
+            <a:cxnLst>
+              <a:cxn ang="0">
+                <a:pos x="connsiteX0" y="connsiteY0"/>
+              </a:cxn>
+              <a:cxn ang="0">
+                <a:pos x="connsiteX1" y="connsiteY1"/>
+              </a:cxn>
+              <a:cxn ang="0">
+                <a:pos x="connsiteX2" y="connsiteY2"/>
+              </a:cxn>
+              <a:cxn ang="0">
+                <a:pos x="connsiteX3" y="connsiteY3"/>
+              </a:cxn>
+            </a:cxnLst>
+            <a:rect l="l" t="t" r="r" b="b"/>
+            <a:pathLst>
+              <a:path w="3581400" h="6858000">
+                <a:moveTo>
+                  <a:pt x="0" y="0"/>
+                </a:moveTo>
+                <a:lnTo>
+                  <a:pt x="405246" y="0"/>
+                </a:lnTo>
+                <a:lnTo>
+                  <a:pt x="3581400" y="6858000"/>
+                </a:lnTo>
+                <a:lnTo>
+                  <a:pt x="0" y="6858000"/>
+                </a:lnTo>
+                <a:close/>
+              </a:path>
+            </a:pathLst>
+          </a:custGeom>
+          <a:solidFill>
+            <a:schemeClr val="bg1">
+              <a:alpha val="30000"/>
+            </a:schemeClr>
+          </a:solidFill>
+          <a:ln>
+            <a:noFill/>
+          </a:ln>
+        </p:spPr>
+        <p:style>
+          <a:lnRef idx="2">
+            <a:schemeClr val="accent1">
+              <a:shade val="50000"/>
+            </a:schemeClr>
+          </a:lnRef>
+          <a:fillRef idx="1">
+            <a:schemeClr val="accent1"/>
+          </a:fillRef>
+          <a:effectRef idx="0">
+            <a:schemeClr val="accent1"/>
+          </a:effectRef>
+          <a:fontRef idx="minor">
+            <a:schemeClr val="lt1"/>
+          </a:fontRef>
+        </p:style>
+        <p:txBody>
+          <a:bodyPr wrap="square" rtlCol="0" anchor="ctr">
+            <a:noAutofit/>
+          </a:bodyPr>
+          <a:lstStyle/>
+          <a:p>
+            <a:pPr algn="ctr"/>
+            <a:endParaRPr lang="en-US"/>
+          </a:p>
+        </p:txBody>
+      </p:sp>
+      <p:sp>
+        <p:nvSpPr>
+          <p:cNvPr id="2" name="Título 1"/>
+          <p:cNvSpPr>
+            <a:spLocks noGrp="1"/>
+          </p:cNvSpPr>
+          <p:nvPr>
+            <p:ph type="title"/>
+          </p:nvPr>
+        </p:nvSpPr>
+        <p:spPr>
+          <a:xfrm>
+            <a:off x="833002" y="365125"/>
+            <a:ext cx="10520702" cy="1325563"/>
+          </a:xfrm>
+        </p:spPr>
+        <p:txBody>
+          <a:bodyPr>
+            <a:normAutofit/>
+          </a:bodyPr>
+          <a:lstStyle/>
+          <a:p>
+            <a:r>
+              <a:rPr lang="es-ES" sz="5400" dirty="0"/>
               <a:t>DATOS UTILIZADOS</a:t>
             </a:r>
           </a:p>

--- a/docs/PresentacionFinal.pptx
+++ b/docs/PresentacionFinal.pptx
@@ -20,6 +20,9 @@
     <p:sldId id="268" r:id="rId14"/>
     <p:sldId id="269" r:id="rId15"/>
     <p:sldId id="270" r:id="rId16"/>
+    <p:sldId id="271" r:id="rId17"/>
+    <p:sldId id="272" r:id="rId18"/>
+    <p:sldId id="273" r:id="rId19"/>
   </p:sldIdLst>
   <p:sldSz cx="12192000" cy="6858000"/>
   <p:notesSz cx="6858000" cy="9144000"/>
@@ -5640,7 +5643,7 @@
           <a:p>
             <a:r>
               <a:rPr lang="es-ES" dirty="0"/>
-              <a:t>REDES DE NEURONAS – PYTHON</a:t>
+              <a:t>PYTHON: Redes de neuronas</a:t>
             </a:r>
           </a:p>
         </p:txBody>
@@ -5673,6 +5676,2742 @@
   </p:cSld>
   <p:clrMapOvr>
     <a:masterClrMapping/>
+  </p:clrMapOvr>
+</p:sld>
+</file>
+
+<file path=ppt/slides/slide16.xml><?xml version="1.0" encoding="utf-8"?>
+<p:sld xmlns:a="http://schemas.openxmlformats.org/drawingml/2006/main" xmlns:r="http://schemas.openxmlformats.org/officeDocument/2006/relationships" xmlns:p="http://schemas.openxmlformats.org/presentationml/2006/main">
+  <p:cSld>
+    <p:spTree>
+      <p:nvGrpSpPr>
+        <p:cNvPr id="1" name=""/>
+        <p:cNvGrpSpPr/>
+        <p:nvPr/>
+      </p:nvGrpSpPr>
+      <p:grpSpPr>
+        <a:xfrm>
+          <a:off x="0" y="0"/>
+          <a:ext cx="0" cy="0"/>
+          <a:chOff x="0" y="0"/>
+          <a:chExt cx="0" cy="0"/>
+        </a:xfrm>
+      </p:grpSpPr>
+      <p:sp>
+        <p:nvSpPr>
+          <p:cNvPr id="5" name="Rectangle 4"/>
+          <p:cNvSpPr>
+            <a:spLocks noGrp="1" noRot="1" noChangeAspect="1" noMove="1" noResize="1" noEditPoints="1" noAdjustHandles="1" noChangeArrowheads="1" noChangeShapeType="1" noTextEdit="1"/>
+          </p:cNvSpPr>
+          <p:nvPr>
+            <p:extLst>
+              <p:ext uri="{386F3935-93C4-4BCD-93E2-E3B085C9AB24}">
+                <p16:designElem xmlns:p16="http://schemas.microsoft.com/office/powerpoint/2015/main" val="1"/>
+              </p:ext>
+            </p:extLst>
+          </p:nvPr>
+        </p:nvSpPr>
+        <p:spPr>
+          <a:xfrm>
+            <a:off x="0" y="-3324"/>
+            <a:ext cx="12192000" cy="6861324"/>
+          </a:xfrm>
+          <a:prstGeom prst="rect">
+            <a:avLst/>
+          </a:prstGeom>
+          <a:solidFill>
+            <a:srgbClr val="404040"/>
+          </a:solidFill>
+          <a:ln>
+            <a:noFill/>
+          </a:ln>
+        </p:spPr>
+        <p:style>
+          <a:lnRef idx="2">
+            <a:schemeClr val="accent1">
+              <a:shade val="50000"/>
+            </a:schemeClr>
+          </a:lnRef>
+          <a:fillRef idx="1">
+            <a:schemeClr val="accent1"/>
+          </a:fillRef>
+          <a:effectRef idx="0">
+            <a:schemeClr val="accent1"/>
+          </a:effectRef>
+          <a:fontRef idx="minor">
+            <a:schemeClr val="lt1"/>
+          </a:fontRef>
+        </p:style>
+        <p:txBody>
+          <a:bodyPr rtlCol="0" anchor="ctr"/>
+          <a:lstStyle/>
+          <a:p>
+            <a:pPr algn="ctr"/>
+            <a:endParaRPr lang="en-US"/>
+          </a:p>
+        </p:txBody>
+      </p:sp>
+      <p:sp>
+        <p:nvSpPr>
+          <p:cNvPr id="6" name="Freeform 13"/>
+          <p:cNvSpPr>
+            <a:spLocks noGrp="1" noRot="1" noChangeAspect="1" noMove="1" noResize="1" noEditPoints="1" noAdjustHandles="1" noChangeArrowheads="1" noChangeShapeType="1" noTextEdit="1"/>
+          </p:cNvSpPr>
+          <p:nvPr>
+            <p:extLst>
+              <p:ext uri="{386F3935-93C4-4BCD-93E2-E3B085C9AB24}">
+                <p16:designElem xmlns:p16="http://schemas.microsoft.com/office/powerpoint/2015/main" val="1"/>
+              </p:ext>
+            </p:extLst>
+          </p:nvPr>
+        </p:nvSpPr>
+        <p:spPr>
+          <a:xfrm>
+            <a:off x="0" y="0"/>
+            <a:ext cx="11786754" cy="6858000"/>
+          </a:xfrm>
+          <a:custGeom>
+            <a:avLst/>
+            <a:gdLst>
+              <a:gd name="connsiteX0" fmla="*/ 0 w 11786754"/>
+              <a:gd name="connsiteY0" fmla="*/ 0 h 6858000"/>
+              <a:gd name="connsiteX1" fmla="*/ 8610600 w 11786754"/>
+              <a:gd name="connsiteY1" fmla="*/ 0 h 6858000"/>
+              <a:gd name="connsiteX2" fmla="*/ 11786754 w 11786754"/>
+              <a:gd name="connsiteY2" fmla="*/ 6858000 h 6858000"/>
+              <a:gd name="connsiteX3" fmla="*/ 0 w 11786754"/>
+              <a:gd name="connsiteY3" fmla="*/ 6858000 h 6858000"/>
+            </a:gdLst>
+            <a:ahLst/>
+            <a:cxnLst>
+              <a:cxn ang="0">
+                <a:pos x="connsiteX0" y="connsiteY0"/>
+              </a:cxn>
+              <a:cxn ang="0">
+                <a:pos x="connsiteX1" y="connsiteY1"/>
+              </a:cxn>
+              <a:cxn ang="0">
+                <a:pos x="connsiteX2" y="connsiteY2"/>
+              </a:cxn>
+              <a:cxn ang="0">
+                <a:pos x="connsiteX3" y="connsiteY3"/>
+              </a:cxn>
+            </a:cxnLst>
+            <a:rect l="l" t="t" r="r" b="b"/>
+            <a:pathLst>
+              <a:path w="11786754" h="6858000">
+                <a:moveTo>
+                  <a:pt x="0" y="0"/>
+                </a:moveTo>
+                <a:lnTo>
+                  <a:pt x="8610600" y="0"/>
+                </a:lnTo>
+                <a:lnTo>
+                  <a:pt x="11786754" y="6858000"/>
+                </a:lnTo>
+                <a:lnTo>
+                  <a:pt x="0" y="6858000"/>
+                </a:lnTo>
+                <a:close/>
+              </a:path>
+            </a:pathLst>
+          </a:custGeom>
+          <a:solidFill>
+            <a:schemeClr val="bg1">
+              <a:alpha val="30000"/>
+            </a:schemeClr>
+          </a:solidFill>
+          <a:ln>
+            <a:noFill/>
+          </a:ln>
+        </p:spPr>
+        <p:style>
+          <a:lnRef idx="2">
+            <a:schemeClr val="accent1">
+              <a:shade val="50000"/>
+            </a:schemeClr>
+          </a:lnRef>
+          <a:fillRef idx="1">
+            <a:schemeClr val="accent1"/>
+          </a:fillRef>
+          <a:effectRef idx="0">
+            <a:schemeClr val="accent1"/>
+          </a:effectRef>
+          <a:fontRef idx="minor">
+            <a:schemeClr val="lt1"/>
+          </a:fontRef>
+        </p:style>
+        <p:txBody>
+          <a:bodyPr rtlCol="0" anchor="ctr"/>
+          <a:lstStyle/>
+          <a:p>
+            <a:pPr algn="ctr"/>
+            <a:endParaRPr lang="en-US"/>
+          </a:p>
+        </p:txBody>
+      </p:sp>
+      <p:sp>
+        <p:nvSpPr>
+          <p:cNvPr id="7" name="Freeform 11"/>
+          <p:cNvSpPr>
+            <a:spLocks noGrp="1" noRot="1" noChangeAspect="1" noMove="1" noResize="1" noEditPoints="1" noAdjustHandles="1" noChangeArrowheads="1" noChangeShapeType="1" noTextEdit="1"/>
+          </p:cNvSpPr>
+          <p:nvPr>
+            <p:extLst>
+              <p:ext uri="{386F3935-93C4-4BCD-93E2-E3B085C9AB24}">
+                <p16:designElem xmlns:p16="http://schemas.microsoft.com/office/powerpoint/2015/main" val="1"/>
+              </p:ext>
+            </p:extLst>
+          </p:nvPr>
+        </p:nvSpPr>
+        <p:spPr>
+          <a:xfrm>
+            <a:off x="0" y="0"/>
+            <a:ext cx="3581400" cy="6858000"/>
+          </a:xfrm>
+          <a:custGeom>
+            <a:avLst/>
+            <a:gdLst>
+              <a:gd name="connsiteX0" fmla="*/ 0 w 3581400"/>
+              <a:gd name="connsiteY0" fmla="*/ 0 h 6858000"/>
+              <a:gd name="connsiteX1" fmla="*/ 405246 w 3581400"/>
+              <a:gd name="connsiteY1" fmla="*/ 0 h 6858000"/>
+              <a:gd name="connsiteX2" fmla="*/ 3581400 w 3581400"/>
+              <a:gd name="connsiteY2" fmla="*/ 6858000 h 6858000"/>
+              <a:gd name="connsiteX3" fmla="*/ 0 w 3581400"/>
+              <a:gd name="connsiteY3" fmla="*/ 6858000 h 6858000"/>
+            </a:gdLst>
+            <a:ahLst/>
+            <a:cxnLst>
+              <a:cxn ang="0">
+                <a:pos x="connsiteX0" y="connsiteY0"/>
+              </a:cxn>
+              <a:cxn ang="0">
+                <a:pos x="connsiteX1" y="connsiteY1"/>
+              </a:cxn>
+              <a:cxn ang="0">
+                <a:pos x="connsiteX2" y="connsiteY2"/>
+              </a:cxn>
+              <a:cxn ang="0">
+                <a:pos x="connsiteX3" y="connsiteY3"/>
+              </a:cxn>
+            </a:cxnLst>
+            <a:rect l="l" t="t" r="r" b="b"/>
+            <a:pathLst>
+              <a:path w="3581400" h="6858000">
+                <a:moveTo>
+                  <a:pt x="0" y="0"/>
+                </a:moveTo>
+                <a:lnTo>
+                  <a:pt x="405246" y="0"/>
+                </a:lnTo>
+                <a:lnTo>
+                  <a:pt x="3581400" y="6858000"/>
+                </a:lnTo>
+                <a:lnTo>
+                  <a:pt x="0" y="6858000"/>
+                </a:lnTo>
+                <a:close/>
+              </a:path>
+            </a:pathLst>
+          </a:custGeom>
+          <a:solidFill>
+            <a:schemeClr val="bg1">
+              <a:alpha val="30000"/>
+            </a:schemeClr>
+          </a:solidFill>
+          <a:ln>
+            <a:noFill/>
+          </a:ln>
+        </p:spPr>
+        <p:style>
+          <a:lnRef idx="2">
+            <a:schemeClr val="accent1">
+              <a:shade val="50000"/>
+            </a:schemeClr>
+          </a:lnRef>
+          <a:fillRef idx="1">
+            <a:schemeClr val="accent1"/>
+          </a:fillRef>
+          <a:effectRef idx="0">
+            <a:schemeClr val="accent1"/>
+          </a:effectRef>
+          <a:fontRef idx="minor">
+            <a:schemeClr val="lt1"/>
+          </a:fontRef>
+        </p:style>
+        <p:txBody>
+          <a:bodyPr wrap="square" rtlCol="0" anchor="ctr">
+            <a:noAutofit/>
+          </a:bodyPr>
+          <a:lstStyle/>
+          <a:p>
+            <a:pPr algn="ctr"/>
+            <a:endParaRPr lang="en-US"/>
+          </a:p>
+        </p:txBody>
+      </p:sp>
+      <p:sp>
+        <p:nvSpPr>
+          <p:cNvPr id="2" name="Título 1"/>
+          <p:cNvSpPr>
+            <a:spLocks noGrp="1"/>
+          </p:cNvSpPr>
+          <p:nvPr>
+            <p:ph type="title"/>
+          </p:nvPr>
+        </p:nvSpPr>
+        <p:spPr>
+          <a:xfrm>
+            <a:off x="833002" y="365125"/>
+            <a:ext cx="10520702" cy="1325563"/>
+          </a:xfrm>
+        </p:spPr>
+        <p:txBody>
+          <a:bodyPr>
+            <a:normAutofit fontScale="90000"/>
+          </a:bodyPr>
+          <a:lstStyle/>
+          <a:p>
+            <a:r>
+              <a:rPr lang="es-ES" sz="5400" dirty="0"/>
+              <a:t>PYTHON: Máquinas de soporte vectorial</a:t>
+            </a:r>
+            <a:endParaRPr lang="es-ES" sz="6000" dirty="0"/>
+          </a:p>
+        </p:txBody>
+      </p:sp>
+      <p:sp>
+        <p:nvSpPr>
+          <p:cNvPr id="3" name="Marcador de contenido 2"/>
+          <p:cNvSpPr>
+            <a:spLocks noGrp="1"/>
+          </p:cNvSpPr>
+          <p:nvPr>
+            <p:ph idx="1"/>
+          </p:nvPr>
+        </p:nvSpPr>
+        <p:spPr>
+          <a:xfrm>
+            <a:off x="838201" y="1690689"/>
+            <a:ext cx="10515598" cy="4486274"/>
+          </a:xfrm>
+        </p:spPr>
+        <p:txBody>
+          <a:bodyPr>
+            <a:normAutofit/>
+          </a:bodyPr>
+          <a:lstStyle/>
+          <a:p>
+            <a:r>
+              <a:rPr lang="es-ES" sz="2400" dirty="0"/>
+              <a:t>Parte de la librería de Anaconda</a:t>
+            </a:r>
+          </a:p>
+          <a:p>
+            <a:r>
+              <a:rPr lang="es-ES" sz="2400" dirty="0"/>
+              <a:t>Utilizamos distintos parámetros para experimentar:</a:t>
+            </a:r>
+          </a:p>
+          <a:p>
+            <a:pPr lvl="1"/>
+            <a:r>
+              <a:rPr lang="es-ES" sz="2000" dirty="0"/>
+              <a:t>El tipo de </a:t>
+            </a:r>
+            <a:r>
+              <a:rPr lang="es-ES" sz="2000" dirty="0" err="1"/>
+              <a:t>kernel</a:t>
+            </a:r>
+            <a:r>
+              <a:rPr lang="es-ES" sz="2000" dirty="0"/>
+              <a:t> (lineal, radial o </a:t>
+            </a:r>
+            <a:r>
+              <a:rPr lang="es-ES" sz="2000" dirty="0" err="1"/>
+              <a:t>polinomial</a:t>
+            </a:r>
+            <a:r>
+              <a:rPr lang="es-ES" sz="2000" dirty="0"/>
+              <a:t>)</a:t>
+            </a:r>
+          </a:p>
+          <a:p>
+            <a:pPr lvl="1"/>
+            <a:r>
+              <a:rPr lang="es-ES" sz="2000" dirty="0"/>
+              <a:t>La rigidez de la clasificación</a:t>
+            </a:r>
+          </a:p>
+          <a:p>
+            <a:pPr lvl="1"/>
+            <a:r>
+              <a:rPr lang="es-ES" sz="2000" dirty="0"/>
+              <a:t>La influencia de un ejemplo en el resto (gamma)</a:t>
+            </a:r>
+          </a:p>
+          <a:p>
+            <a:pPr lvl="1"/>
+            <a:r>
+              <a:rPr lang="es-ES" sz="2000" dirty="0"/>
+              <a:t>Grado del polinomio (nº de dimensiones)</a:t>
+            </a:r>
+          </a:p>
+          <a:p>
+            <a:r>
+              <a:rPr lang="es-ES" sz="2400" dirty="0"/>
+              <a:t>Genera un modelo, que además probamos con los datos de test</a:t>
+            </a:r>
+          </a:p>
+          <a:p>
+            <a:r>
+              <a:rPr lang="es-ES" sz="2400" dirty="0"/>
+              <a:t>Buenos resultados a 5 días</a:t>
+            </a:r>
+          </a:p>
+          <a:p>
+            <a:endParaRPr lang="es-ES" dirty="0"/>
+          </a:p>
+        </p:txBody>
+      </p:sp>
+      <p:graphicFrame>
+        <p:nvGraphicFramePr>
+          <p:cNvPr id="4" name="Tabla 3"/>
+          <p:cNvGraphicFramePr>
+            <a:graphicFrameLocks noGrp="1"/>
+          </p:cNvGraphicFramePr>
+          <p:nvPr>
+            <p:extLst>
+              <p:ext uri="{D42A27DB-BD31-4B8C-83A1-F6EECF244321}">
+                <p14:modId xmlns:p14="http://schemas.microsoft.com/office/powerpoint/2010/main" val="1493646743"/>
+              </p:ext>
+            </p:extLst>
+          </p:nvPr>
+        </p:nvGraphicFramePr>
+        <p:xfrm>
+          <a:off x="203202" y="5065486"/>
+          <a:ext cx="11800111" cy="1209530"/>
+        </p:xfrm>
+        <a:graphic>
+          <a:graphicData uri="http://schemas.openxmlformats.org/drawingml/2006/table">
+            <a:tbl>
+              <a:tblPr>
+                <a:tableStyleId>{5C22544A-7EE6-4342-B048-85BDC9FD1C3A}</a:tableStyleId>
+              </a:tblPr>
+              <a:tblGrid>
+                <a:gridCol w="1021931">
+                  <a:extLst>
+                    <a:ext uri="{9D8B030D-6E8A-4147-A177-3AD203B41FA5}">
+                      <a16:colId xmlns:a16="http://schemas.microsoft.com/office/drawing/2014/main" val="3215955292"/>
+                    </a:ext>
+                  </a:extLst>
+                </a:gridCol>
+                <a:gridCol w="1469027">
+                  <a:extLst>
+                    <a:ext uri="{9D8B030D-6E8A-4147-A177-3AD203B41FA5}">
+                      <a16:colId xmlns:a16="http://schemas.microsoft.com/office/drawing/2014/main" val="97030916"/>
+                    </a:ext>
+                  </a:extLst>
+                </a:gridCol>
+                <a:gridCol w="1053866">
+                  <a:extLst>
+                    <a:ext uri="{9D8B030D-6E8A-4147-A177-3AD203B41FA5}">
+                      <a16:colId xmlns:a16="http://schemas.microsoft.com/office/drawing/2014/main" val="4065635111"/>
+                    </a:ext>
+                  </a:extLst>
+                </a:gridCol>
+                <a:gridCol w="1325317">
+                  <a:extLst>
+                    <a:ext uri="{9D8B030D-6E8A-4147-A177-3AD203B41FA5}">
+                      <a16:colId xmlns:a16="http://schemas.microsoft.com/office/drawing/2014/main" val="414981276"/>
+                    </a:ext>
+                  </a:extLst>
+                </a:gridCol>
+                <a:gridCol w="1309349">
+                  <a:extLst>
+                    <a:ext uri="{9D8B030D-6E8A-4147-A177-3AD203B41FA5}">
+                      <a16:colId xmlns:a16="http://schemas.microsoft.com/office/drawing/2014/main" val="2421585600"/>
+                    </a:ext>
+                  </a:extLst>
+                </a:gridCol>
+                <a:gridCol w="1421123">
+                  <a:extLst>
+                    <a:ext uri="{9D8B030D-6E8A-4147-A177-3AD203B41FA5}">
+                      <a16:colId xmlns:a16="http://schemas.microsoft.com/office/drawing/2014/main" val="1477928825"/>
+                    </a:ext>
+                  </a:extLst>
+                </a:gridCol>
+                <a:gridCol w="1548864">
+                  <a:extLst>
+                    <a:ext uri="{9D8B030D-6E8A-4147-A177-3AD203B41FA5}">
+                      <a16:colId xmlns:a16="http://schemas.microsoft.com/office/drawing/2014/main" val="3590194689"/>
+                    </a:ext>
+                  </a:extLst>
+                </a:gridCol>
+                <a:gridCol w="1245479">
+                  <a:extLst>
+                    <a:ext uri="{9D8B030D-6E8A-4147-A177-3AD203B41FA5}">
+                      <a16:colId xmlns:a16="http://schemas.microsoft.com/office/drawing/2014/main" val="3558903979"/>
+                    </a:ext>
+                  </a:extLst>
+                </a:gridCol>
+                <a:gridCol w="1405155">
+                  <a:extLst>
+                    <a:ext uri="{9D8B030D-6E8A-4147-A177-3AD203B41FA5}">
+                      <a16:colId xmlns:a16="http://schemas.microsoft.com/office/drawing/2014/main" val="304150670"/>
+                    </a:ext>
+                  </a:extLst>
+                </a:gridCol>
+              </a:tblGrid>
+              <a:tr h="670699">
+                <a:tc>
+                  <a:txBody>
+                    <a:bodyPr/>
+                    <a:lstStyle/>
+                    <a:p>
+                      <a:pPr algn="l" fontAlgn="b"/>
+                      <a:endParaRPr lang="es-ES" sz="1400" b="0" i="0" u="none" strike="noStrike" dirty="0">
+                        <a:solidFill>
+                          <a:srgbClr val="000000"/>
+                        </a:solidFill>
+                        <a:effectLst/>
+                        <a:latin typeface="Liberation Sans"/>
+                      </a:endParaRPr>
+                    </a:p>
+                  </a:txBody>
+                  <a:tcPr marL="11038" marR="11038" marT="11038" marB="0" anchor="b"/>
+                </a:tc>
+                <a:tc>
+                  <a:txBody>
+                    <a:bodyPr/>
+                    <a:lstStyle/>
+                    <a:p>
+                      <a:pPr algn="l" fontAlgn="b"/>
+                      <a:r>
+                        <a:rPr lang="es-ES" sz="1400" u="none" strike="noStrike" dirty="0">
+                          <a:effectLst/>
+                        </a:rPr>
+                        <a:t>1DayNormal</a:t>
+                      </a:r>
+                      <a:endParaRPr lang="es-ES" sz="1400" b="0" i="0" u="none" strike="noStrike" dirty="0">
+                        <a:solidFill>
+                          <a:srgbClr val="000000"/>
+                        </a:solidFill>
+                        <a:effectLst/>
+                        <a:latin typeface="Liberation Sans"/>
+                      </a:endParaRPr>
+                    </a:p>
+                  </a:txBody>
+                  <a:tcPr marL="11038" marR="11038" marT="11038" marB="0" anchor="b"/>
+                </a:tc>
+                <a:tc>
+                  <a:txBody>
+                    <a:bodyPr/>
+                    <a:lstStyle/>
+                    <a:p>
+                      <a:pPr algn="l" fontAlgn="b"/>
+                      <a:r>
+                        <a:rPr lang="es-ES" sz="1400" u="none" strike="noStrike" dirty="0">
+                          <a:effectLst/>
+                        </a:rPr>
+                        <a:t>1DayChange</a:t>
+                      </a:r>
+                      <a:endParaRPr lang="es-ES" sz="1400" b="0" i="0" u="none" strike="noStrike" dirty="0">
+                        <a:solidFill>
+                          <a:srgbClr val="000000"/>
+                        </a:solidFill>
+                        <a:effectLst/>
+                        <a:latin typeface="Liberation Sans"/>
+                      </a:endParaRPr>
+                    </a:p>
+                  </a:txBody>
+                  <a:tcPr marL="11038" marR="11038" marT="11038" marB="0" anchor="b"/>
+                </a:tc>
+                <a:tc>
+                  <a:txBody>
+                    <a:bodyPr/>
+                    <a:lstStyle/>
+                    <a:p>
+                      <a:pPr algn="l" fontAlgn="b"/>
+                      <a:r>
+                        <a:rPr lang="es-ES" sz="1400" u="none" strike="noStrike" dirty="0">
+                          <a:effectLst/>
+                        </a:rPr>
+                        <a:t>1DayRChange</a:t>
+                      </a:r>
+                      <a:endParaRPr lang="es-ES" sz="1400" b="0" i="0" u="none" strike="noStrike" dirty="0">
+                        <a:solidFill>
+                          <a:srgbClr val="000000"/>
+                        </a:solidFill>
+                        <a:effectLst/>
+                        <a:latin typeface="Liberation Sans"/>
+                      </a:endParaRPr>
+                    </a:p>
+                  </a:txBody>
+                  <a:tcPr marL="11038" marR="11038" marT="11038" marB="0" anchor="b"/>
+                </a:tc>
+                <a:tc>
+                  <a:txBody>
+                    <a:bodyPr/>
+                    <a:lstStyle/>
+                    <a:p>
+                      <a:pPr algn="l" fontAlgn="b"/>
+                      <a:r>
+                        <a:rPr lang="es-ES" sz="1400" u="none" strike="noStrike" dirty="0">
+                          <a:effectLst/>
+                        </a:rPr>
+                        <a:t>1DayNormalized</a:t>
+                      </a:r>
+                      <a:endParaRPr lang="es-ES" sz="1400" b="0" i="0" u="none" strike="noStrike" dirty="0">
+                        <a:solidFill>
+                          <a:srgbClr val="000000"/>
+                        </a:solidFill>
+                        <a:effectLst/>
+                        <a:latin typeface="Liberation Sans"/>
+                      </a:endParaRPr>
+                    </a:p>
+                  </a:txBody>
+                  <a:tcPr marL="11038" marR="11038" marT="11038" marB="0" anchor="b"/>
+                </a:tc>
+                <a:tc>
+                  <a:txBody>
+                    <a:bodyPr/>
+                    <a:lstStyle/>
+                    <a:p>
+                      <a:pPr algn="l" fontAlgn="b"/>
+                      <a:r>
+                        <a:rPr lang="es-ES" sz="1400" u="none" strike="noStrike" dirty="0">
+                          <a:effectLst/>
+                        </a:rPr>
+                        <a:t>5DaysNormal</a:t>
+                      </a:r>
+                      <a:endParaRPr lang="es-ES" sz="1400" b="0" i="0" u="none" strike="noStrike" dirty="0">
+                        <a:solidFill>
+                          <a:srgbClr val="000000"/>
+                        </a:solidFill>
+                        <a:effectLst/>
+                        <a:latin typeface="Liberation Sans"/>
+                      </a:endParaRPr>
+                    </a:p>
+                  </a:txBody>
+                  <a:tcPr marL="11038" marR="11038" marT="11038" marB="0" anchor="b"/>
+                </a:tc>
+                <a:tc>
+                  <a:txBody>
+                    <a:bodyPr/>
+                    <a:lstStyle/>
+                    <a:p>
+                      <a:pPr algn="l" fontAlgn="b"/>
+                      <a:r>
+                        <a:rPr lang="es-ES" sz="1400" u="none" strike="noStrike" dirty="0">
+                          <a:effectLst/>
+                        </a:rPr>
+                        <a:t>5DaysChange</a:t>
+                      </a:r>
+                      <a:endParaRPr lang="es-ES" sz="1400" b="0" i="0" u="none" strike="noStrike" dirty="0">
+                        <a:solidFill>
+                          <a:srgbClr val="000000"/>
+                        </a:solidFill>
+                        <a:effectLst/>
+                        <a:latin typeface="Liberation Sans"/>
+                      </a:endParaRPr>
+                    </a:p>
+                  </a:txBody>
+                  <a:tcPr marL="11038" marR="11038" marT="11038" marB="0" anchor="b"/>
+                </a:tc>
+                <a:tc>
+                  <a:txBody>
+                    <a:bodyPr/>
+                    <a:lstStyle/>
+                    <a:p>
+                      <a:pPr algn="l" fontAlgn="b"/>
+                      <a:r>
+                        <a:rPr lang="es-ES" sz="1400" u="none" strike="noStrike" dirty="0">
+                          <a:effectLst/>
+                        </a:rPr>
+                        <a:t>5DaysRChange</a:t>
+                      </a:r>
+                      <a:endParaRPr lang="es-ES" sz="1400" b="0" i="0" u="none" strike="noStrike" dirty="0">
+                        <a:solidFill>
+                          <a:srgbClr val="000000"/>
+                        </a:solidFill>
+                        <a:effectLst/>
+                        <a:latin typeface="Liberation Sans"/>
+                      </a:endParaRPr>
+                    </a:p>
+                  </a:txBody>
+                  <a:tcPr marL="11038" marR="11038" marT="11038" marB="0" anchor="b"/>
+                </a:tc>
+                <a:tc>
+                  <a:txBody>
+                    <a:bodyPr/>
+                    <a:lstStyle/>
+                    <a:p>
+                      <a:pPr algn="l" fontAlgn="b"/>
+                      <a:r>
+                        <a:rPr lang="es-ES" sz="1400" u="none" strike="noStrike" dirty="0">
+                          <a:effectLst/>
+                        </a:rPr>
+                        <a:t>5DaysNormalized</a:t>
+                      </a:r>
+                      <a:endParaRPr lang="es-ES" sz="1400" b="0" i="0" u="none" strike="noStrike" dirty="0">
+                        <a:solidFill>
+                          <a:srgbClr val="000000"/>
+                        </a:solidFill>
+                        <a:effectLst/>
+                        <a:latin typeface="Liberation Sans"/>
+                      </a:endParaRPr>
+                    </a:p>
+                  </a:txBody>
+                  <a:tcPr marL="11038" marR="11038" marT="11038" marB="0" anchor="b"/>
+                </a:tc>
+                <a:extLst>
+                  <a:ext uri="{0D108BD9-81ED-4DB2-BD59-A6C34878D82A}">
+                    <a16:rowId xmlns:a16="http://schemas.microsoft.com/office/drawing/2014/main" val="2538865235"/>
+                  </a:ext>
+                </a:extLst>
+              </a:tr>
+              <a:tr h="538831">
+                <a:tc>
+                  <a:txBody>
+                    <a:bodyPr/>
+                    <a:lstStyle/>
+                    <a:p>
+                      <a:pPr algn="l" fontAlgn="b"/>
+                      <a:r>
+                        <a:rPr lang="es-ES" sz="2000" u="none" strike="noStrike" dirty="0" err="1">
+                          <a:effectLst/>
+                        </a:rPr>
+                        <a:t>svm</a:t>
+                      </a:r>
+                      <a:endParaRPr lang="es-ES" sz="2000" b="0" i="0" u="none" strike="noStrike" dirty="0">
+                        <a:solidFill>
+                          <a:srgbClr val="000000"/>
+                        </a:solidFill>
+                        <a:effectLst/>
+                        <a:latin typeface="Liberation Sans"/>
+                      </a:endParaRPr>
+                    </a:p>
+                  </a:txBody>
+                  <a:tcPr marL="11038" marR="11038" marT="11038" marB="0" anchor="b"/>
+                </a:tc>
+                <a:tc>
+                  <a:txBody>
+                    <a:bodyPr/>
+                    <a:lstStyle/>
+                    <a:p>
+                      <a:pPr algn="r" fontAlgn="b"/>
+                      <a:r>
+                        <a:rPr lang="es-ES" sz="2000" u="none" strike="noStrike" dirty="0">
+                          <a:effectLst/>
+                        </a:rPr>
+                        <a:t>51,63%</a:t>
+                      </a:r>
+                      <a:endParaRPr lang="es-ES" sz="2000" b="0" i="0" u="none" strike="noStrike" dirty="0">
+                        <a:solidFill>
+                          <a:srgbClr val="000000"/>
+                        </a:solidFill>
+                        <a:effectLst/>
+                        <a:latin typeface="Liberation Sans"/>
+                      </a:endParaRPr>
+                    </a:p>
+                  </a:txBody>
+                  <a:tcPr marL="11038" marR="11038" marT="11038" marB="0" anchor="b"/>
+                </a:tc>
+                <a:tc>
+                  <a:txBody>
+                    <a:bodyPr/>
+                    <a:lstStyle/>
+                    <a:p>
+                      <a:pPr algn="r" fontAlgn="b"/>
+                      <a:r>
+                        <a:rPr lang="es-ES" sz="2000" b="1" i="0" u="none" strike="noStrike" dirty="0">
+                          <a:effectLst/>
+                        </a:rPr>
+                        <a:t>57,44%</a:t>
+                      </a:r>
+                      <a:endParaRPr lang="es-ES" sz="2000" b="1" i="0" u="none" strike="noStrike" dirty="0">
+                        <a:solidFill>
+                          <a:srgbClr val="000000"/>
+                        </a:solidFill>
+                        <a:effectLst/>
+                        <a:latin typeface="Liberation Sans"/>
+                      </a:endParaRPr>
+                    </a:p>
+                  </a:txBody>
+                  <a:tcPr marL="11038" marR="11038" marT="11038" marB="0" anchor="b"/>
+                </a:tc>
+                <a:tc>
+                  <a:txBody>
+                    <a:bodyPr/>
+                    <a:lstStyle/>
+                    <a:p>
+                      <a:pPr algn="r" fontAlgn="b"/>
+                      <a:r>
+                        <a:rPr lang="es-ES" sz="2000" u="none" strike="noStrike" dirty="0">
+                          <a:effectLst/>
+                        </a:rPr>
+                        <a:t>51,62%</a:t>
+                      </a:r>
+                      <a:endParaRPr lang="es-ES" sz="2000" b="0" i="0" u="none" strike="noStrike" dirty="0">
+                        <a:solidFill>
+                          <a:srgbClr val="000000"/>
+                        </a:solidFill>
+                        <a:effectLst/>
+                        <a:latin typeface="Liberation Sans"/>
+                      </a:endParaRPr>
+                    </a:p>
+                  </a:txBody>
+                  <a:tcPr marL="11038" marR="11038" marT="11038" marB="0" anchor="b"/>
+                </a:tc>
+                <a:tc>
+                  <a:txBody>
+                    <a:bodyPr/>
+                    <a:lstStyle/>
+                    <a:p>
+                      <a:pPr algn="r" fontAlgn="b"/>
+                      <a:r>
+                        <a:rPr lang="es-ES" sz="2000" u="none" strike="noStrike" dirty="0">
+                          <a:effectLst/>
+                        </a:rPr>
+                        <a:t>51,63%</a:t>
+                      </a:r>
+                      <a:endParaRPr lang="es-ES" sz="2000" b="0" i="0" u="none" strike="noStrike" dirty="0">
+                        <a:solidFill>
+                          <a:srgbClr val="000000"/>
+                        </a:solidFill>
+                        <a:effectLst/>
+                        <a:latin typeface="Liberation Sans"/>
+                      </a:endParaRPr>
+                    </a:p>
+                  </a:txBody>
+                  <a:tcPr marL="11038" marR="11038" marT="11038" marB="0" anchor="b"/>
+                </a:tc>
+                <a:tc>
+                  <a:txBody>
+                    <a:bodyPr/>
+                    <a:lstStyle/>
+                    <a:p>
+                      <a:pPr algn="r" fontAlgn="b"/>
+                      <a:r>
+                        <a:rPr lang="es-ES" sz="2000" u="none" strike="noStrike" dirty="0">
+                          <a:effectLst/>
+                        </a:rPr>
+                        <a:t>55,12%</a:t>
+                      </a:r>
+                      <a:endParaRPr lang="es-ES" sz="2000" b="0" i="0" u="none" strike="noStrike" dirty="0">
+                        <a:solidFill>
+                          <a:srgbClr val="000000"/>
+                        </a:solidFill>
+                        <a:effectLst/>
+                        <a:latin typeface="Liberation Sans"/>
+                      </a:endParaRPr>
+                    </a:p>
+                  </a:txBody>
+                  <a:tcPr marL="11038" marR="11038" marT="11038" marB="0" anchor="b"/>
+                </a:tc>
+                <a:tc>
+                  <a:txBody>
+                    <a:bodyPr/>
+                    <a:lstStyle/>
+                    <a:p>
+                      <a:pPr algn="r" fontAlgn="b"/>
+                      <a:r>
+                        <a:rPr lang="es-ES" sz="2000" u="none" strike="noStrike" dirty="0">
+                          <a:effectLst/>
+                        </a:rPr>
+                        <a:t>53,49%</a:t>
+                      </a:r>
+                      <a:endParaRPr lang="es-ES" sz="2000" b="0" i="0" u="none" strike="noStrike" dirty="0">
+                        <a:solidFill>
+                          <a:srgbClr val="000000"/>
+                        </a:solidFill>
+                        <a:effectLst/>
+                        <a:latin typeface="Liberation Sans"/>
+                      </a:endParaRPr>
+                    </a:p>
+                  </a:txBody>
+                  <a:tcPr marL="11038" marR="11038" marT="11038" marB="0" anchor="b"/>
+                </a:tc>
+                <a:tc>
+                  <a:txBody>
+                    <a:bodyPr/>
+                    <a:lstStyle/>
+                    <a:p>
+                      <a:pPr algn="r" fontAlgn="b"/>
+                      <a:r>
+                        <a:rPr lang="es-ES" sz="2000" u="none" strike="noStrike" dirty="0">
+                          <a:effectLst/>
+                        </a:rPr>
+                        <a:t>51,63%</a:t>
+                      </a:r>
+                      <a:endParaRPr lang="es-ES" sz="2000" b="0" i="0" u="none" strike="noStrike" dirty="0">
+                        <a:solidFill>
+                          <a:srgbClr val="000000"/>
+                        </a:solidFill>
+                        <a:effectLst/>
+                        <a:latin typeface="Liberation Sans"/>
+                      </a:endParaRPr>
+                    </a:p>
+                  </a:txBody>
+                  <a:tcPr marL="11038" marR="11038" marT="11038" marB="0" anchor="b"/>
+                </a:tc>
+                <a:tc>
+                  <a:txBody>
+                    <a:bodyPr/>
+                    <a:lstStyle/>
+                    <a:p>
+                      <a:pPr algn="r" fontAlgn="b"/>
+                      <a:r>
+                        <a:rPr lang="es-ES" sz="2000" u="none" strike="noStrike" dirty="0">
+                          <a:effectLst/>
+                        </a:rPr>
+                        <a:t>54,89%</a:t>
+                      </a:r>
+                      <a:endParaRPr lang="es-ES" sz="2000" b="0" i="0" u="none" strike="noStrike" dirty="0">
+                        <a:solidFill>
+                          <a:srgbClr val="000000"/>
+                        </a:solidFill>
+                        <a:effectLst/>
+                        <a:latin typeface="Liberation Sans"/>
+                      </a:endParaRPr>
+                    </a:p>
+                  </a:txBody>
+                  <a:tcPr marL="11038" marR="11038" marT="11038" marB="0" anchor="b"/>
+                </a:tc>
+                <a:extLst>
+                  <a:ext uri="{0D108BD9-81ED-4DB2-BD59-A6C34878D82A}">
+                    <a16:rowId xmlns:a16="http://schemas.microsoft.com/office/drawing/2014/main" val="2052034286"/>
+                  </a:ext>
+                </a:extLst>
+              </a:tr>
+            </a:tbl>
+          </a:graphicData>
+        </a:graphic>
+      </p:graphicFrame>
+    </p:spTree>
+    <p:extLst>
+      <p:ext uri="{BB962C8B-B14F-4D97-AF65-F5344CB8AC3E}">
+        <p14:creationId xmlns:p14="http://schemas.microsoft.com/office/powerpoint/2010/main" val="727731094"/>
+      </p:ext>
+    </p:extLst>
+  </p:cSld>
+  <p:clrMapOvr>
+    <a:overrideClrMapping bg1="dk1" tx1="lt1" bg2="dk2" tx2="lt2" accent1="accent1" accent2="accent2" accent3="accent3" accent4="accent4" accent5="accent5" accent6="accent6" hlink="hlink" folHlink="folHlink"/>
+  </p:clrMapOvr>
+</p:sld>
+</file>
+
+<file path=ppt/slides/slide17.xml><?xml version="1.0" encoding="utf-8"?>
+<p:sld xmlns:a="http://schemas.openxmlformats.org/drawingml/2006/main" xmlns:r="http://schemas.openxmlformats.org/officeDocument/2006/relationships" xmlns:p="http://schemas.openxmlformats.org/presentationml/2006/main">
+  <p:cSld>
+    <p:spTree>
+      <p:nvGrpSpPr>
+        <p:cNvPr id="1" name=""/>
+        <p:cNvGrpSpPr/>
+        <p:nvPr/>
+      </p:nvGrpSpPr>
+      <p:grpSpPr>
+        <a:xfrm>
+          <a:off x="0" y="0"/>
+          <a:ext cx="0" cy="0"/>
+          <a:chOff x="0" y="0"/>
+          <a:chExt cx="0" cy="0"/>
+        </a:xfrm>
+      </p:grpSpPr>
+      <p:sp>
+        <p:nvSpPr>
+          <p:cNvPr id="5" name="Rectangle 4"/>
+          <p:cNvSpPr>
+            <a:spLocks noGrp="1" noRot="1" noChangeAspect="1" noMove="1" noResize="1" noEditPoints="1" noAdjustHandles="1" noChangeArrowheads="1" noChangeShapeType="1" noTextEdit="1"/>
+          </p:cNvSpPr>
+          <p:nvPr>
+            <p:extLst>
+              <p:ext uri="{386F3935-93C4-4BCD-93E2-E3B085C9AB24}">
+                <p16:designElem xmlns:p16="http://schemas.microsoft.com/office/powerpoint/2015/main" val="1"/>
+              </p:ext>
+            </p:extLst>
+          </p:nvPr>
+        </p:nvSpPr>
+        <p:spPr>
+          <a:xfrm>
+            <a:off x="0" y="-3324"/>
+            <a:ext cx="12192000" cy="6861324"/>
+          </a:xfrm>
+          <a:prstGeom prst="rect">
+            <a:avLst/>
+          </a:prstGeom>
+          <a:solidFill>
+            <a:srgbClr val="404040"/>
+          </a:solidFill>
+          <a:ln>
+            <a:noFill/>
+          </a:ln>
+        </p:spPr>
+        <p:style>
+          <a:lnRef idx="2">
+            <a:schemeClr val="accent1">
+              <a:shade val="50000"/>
+            </a:schemeClr>
+          </a:lnRef>
+          <a:fillRef idx="1">
+            <a:schemeClr val="accent1"/>
+          </a:fillRef>
+          <a:effectRef idx="0">
+            <a:schemeClr val="accent1"/>
+          </a:effectRef>
+          <a:fontRef idx="minor">
+            <a:schemeClr val="lt1"/>
+          </a:fontRef>
+        </p:style>
+        <p:txBody>
+          <a:bodyPr rtlCol="0" anchor="ctr"/>
+          <a:lstStyle/>
+          <a:p>
+            <a:pPr algn="ctr"/>
+            <a:endParaRPr lang="en-US"/>
+          </a:p>
+        </p:txBody>
+      </p:sp>
+      <p:sp>
+        <p:nvSpPr>
+          <p:cNvPr id="6" name="Freeform 13"/>
+          <p:cNvSpPr>
+            <a:spLocks noGrp="1" noRot="1" noChangeAspect="1" noMove="1" noResize="1" noEditPoints="1" noAdjustHandles="1" noChangeArrowheads="1" noChangeShapeType="1" noTextEdit="1"/>
+          </p:cNvSpPr>
+          <p:nvPr>
+            <p:extLst>
+              <p:ext uri="{386F3935-93C4-4BCD-93E2-E3B085C9AB24}">
+                <p16:designElem xmlns:p16="http://schemas.microsoft.com/office/powerpoint/2015/main" val="1"/>
+              </p:ext>
+            </p:extLst>
+          </p:nvPr>
+        </p:nvSpPr>
+        <p:spPr>
+          <a:xfrm>
+            <a:off x="0" y="0"/>
+            <a:ext cx="11786754" cy="6858000"/>
+          </a:xfrm>
+          <a:custGeom>
+            <a:avLst/>
+            <a:gdLst>
+              <a:gd name="connsiteX0" fmla="*/ 0 w 11786754"/>
+              <a:gd name="connsiteY0" fmla="*/ 0 h 6858000"/>
+              <a:gd name="connsiteX1" fmla="*/ 8610600 w 11786754"/>
+              <a:gd name="connsiteY1" fmla="*/ 0 h 6858000"/>
+              <a:gd name="connsiteX2" fmla="*/ 11786754 w 11786754"/>
+              <a:gd name="connsiteY2" fmla="*/ 6858000 h 6858000"/>
+              <a:gd name="connsiteX3" fmla="*/ 0 w 11786754"/>
+              <a:gd name="connsiteY3" fmla="*/ 6858000 h 6858000"/>
+            </a:gdLst>
+            <a:ahLst/>
+            <a:cxnLst>
+              <a:cxn ang="0">
+                <a:pos x="connsiteX0" y="connsiteY0"/>
+              </a:cxn>
+              <a:cxn ang="0">
+                <a:pos x="connsiteX1" y="connsiteY1"/>
+              </a:cxn>
+              <a:cxn ang="0">
+                <a:pos x="connsiteX2" y="connsiteY2"/>
+              </a:cxn>
+              <a:cxn ang="0">
+                <a:pos x="connsiteX3" y="connsiteY3"/>
+              </a:cxn>
+            </a:cxnLst>
+            <a:rect l="l" t="t" r="r" b="b"/>
+            <a:pathLst>
+              <a:path w="11786754" h="6858000">
+                <a:moveTo>
+                  <a:pt x="0" y="0"/>
+                </a:moveTo>
+                <a:lnTo>
+                  <a:pt x="8610600" y="0"/>
+                </a:lnTo>
+                <a:lnTo>
+                  <a:pt x="11786754" y="6858000"/>
+                </a:lnTo>
+                <a:lnTo>
+                  <a:pt x="0" y="6858000"/>
+                </a:lnTo>
+                <a:close/>
+              </a:path>
+            </a:pathLst>
+          </a:custGeom>
+          <a:solidFill>
+            <a:schemeClr val="bg1">
+              <a:alpha val="30000"/>
+            </a:schemeClr>
+          </a:solidFill>
+          <a:ln>
+            <a:noFill/>
+          </a:ln>
+        </p:spPr>
+        <p:style>
+          <a:lnRef idx="2">
+            <a:schemeClr val="accent1">
+              <a:shade val="50000"/>
+            </a:schemeClr>
+          </a:lnRef>
+          <a:fillRef idx="1">
+            <a:schemeClr val="accent1"/>
+          </a:fillRef>
+          <a:effectRef idx="0">
+            <a:schemeClr val="accent1"/>
+          </a:effectRef>
+          <a:fontRef idx="minor">
+            <a:schemeClr val="lt1"/>
+          </a:fontRef>
+        </p:style>
+        <p:txBody>
+          <a:bodyPr rtlCol="0" anchor="ctr"/>
+          <a:lstStyle/>
+          <a:p>
+            <a:pPr algn="ctr"/>
+            <a:endParaRPr lang="en-US"/>
+          </a:p>
+        </p:txBody>
+      </p:sp>
+      <p:sp>
+        <p:nvSpPr>
+          <p:cNvPr id="7" name="Freeform 11"/>
+          <p:cNvSpPr>
+            <a:spLocks noGrp="1" noRot="1" noChangeAspect="1" noMove="1" noResize="1" noEditPoints="1" noAdjustHandles="1" noChangeArrowheads="1" noChangeShapeType="1" noTextEdit="1"/>
+          </p:cNvSpPr>
+          <p:nvPr>
+            <p:extLst>
+              <p:ext uri="{386F3935-93C4-4BCD-93E2-E3B085C9AB24}">
+                <p16:designElem xmlns:p16="http://schemas.microsoft.com/office/powerpoint/2015/main" val="1"/>
+              </p:ext>
+            </p:extLst>
+          </p:nvPr>
+        </p:nvSpPr>
+        <p:spPr>
+          <a:xfrm>
+            <a:off x="0" y="0"/>
+            <a:ext cx="3581400" cy="6858000"/>
+          </a:xfrm>
+          <a:custGeom>
+            <a:avLst/>
+            <a:gdLst>
+              <a:gd name="connsiteX0" fmla="*/ 0 w 3581400"/>
+              <a:gd name="connsiteY0" fmla="*/ 0 h 6858000"/>
+              <a:gd name="connsiteX1" fmla="*/ 405246 w 3581400"/>
+              <a:gd name="connsiteY1" fmla="*/ 0 h 6858000"/>
+              <a:gd name="connsiteX2" fmla="*/ 3581400 w 3581400"/>
+              <a:gd name="connsiteY2" fmla="*/ 6858000 h 6858000"/>
+              <a:gd name="connsiteX3" fmla="*/ 0 w 3581400"/>
+              <a:gd name="connsiteY3" fmla="*/ 6858000 h 6858000"/>
+            </a:gdLst>
+            <a:ahLst/>
+            <a:cxnLst>
+              <a:cxn ang="0">
+                <a:pos x="connsiteX0" y="connsiteY0"/>
+              </a:cxn>
+              <a:cxn ang="0">
+                <a:pos x="connsiteX1" y="connsiteY1"/>
+              </a:cxn>
+              <a:cxn ang="0">
+                <a:pos x="connsiteX2" y="connsiteY2"/>
+              </a:cxn>
+              <a:cxn ang="0">
+                <a:pos x="connsiteX3" y="connsiteY3"/>
+              </a:cxn>
+            </a:cxnLst>
+            <a:rect l="l" t="t" r="r" b="b"/>
+            <a:pathLst>
+              <a:path w="3581400" h="6858000">
+                <a:moveTo>
+                  <a:pt x="0" y="0"/>
+                </a:moveTo>
+                <a:lnTo>
+                  <a:pt x="405246" y="0"/>
+                </a:lnTo>
+                <a:lnTo>
+                  <a:pt x="3581400" y="6858000"/>
+                </a:lnTo>
+                <a:lnTo>
+                  <a:pt x="0" y="6858000"/>
+                </a:lnTo>
+                <a:close/>
+              </a:path>
+            </a:pathLst>
+          </a:custGeom>
+          <a:solidFill>
+            <a:schemeClr val="bg1">
+              <a:alpha val="30000"/>
+            </a:schemeClr>
+          </a:solidFill>
+          <a:ln>
+            <a:noFill/>
+          </a:ln>
+        </p:spPr>
+        <p:style>
+          <a:lnRef idx="2">
+            <a:schemeClr val="accent1">
+              <a:shade val="50000"/>
+            </a:schemeClr>
+          </a:lnRef>
+          <a:fillRef idx="1">
+            <a:schemeClr val="accent1"/>
+          </a:fillRef>
+          <a:effectRef idx="0">
+            <a:schemeClr val="accent1"/>
+          </a:effectRef>
+          <a:fontRef idx="minor">
+            <a:schemeClr val="lt1"/>
+          </a:fontRef>
+        </p:style>
+        <p:txBody>
+          <a:bodyPr wrap="square" rtlCol="0" anchor="ctr">
+            <a:noAutofit/>
+          </a:bodyPr>
+          <a:lstStyle/>
+          <a:p>
+            <a:pPr algn="ctr"/>
+            <a:endParaRPr lang="en-US"/>
+          </a:p>
+        </p:txBody>
+      </p:sp>
+      <p:sp>
+        <p:nvSpPr>
+          <p:cNvPr id="2" name="Título 1"/>
+          <p:cNvSpPr>
+            <a:spLocks noGrp="1"/>
+          </p:cNvSpPr>
+          <p:nvPr>
+            <p:ph type="title"/>
+          </p:nvPr>
+        </p:nvSpPr>
+        <p:spPr>
+          <a:xfrm>
+            <a:off x="833002" y="365125"/>
+            <a:ext cx="10520702" cy="1325563"/>
+          </a:xfrm>
+        </p:spPr>
+        <p:txBody>
+          <a:bodyPr>
+            <a:normAutofit/>
+          </a:bodyPr>
+          <a:lstStyle/>
+          <a:p>
+            <a:r>
+              <a:rPr lang="es-ES" sz="5400" dirty="0"/>
+              <a:t>PYTHON: </a:t>
+            </a:r>
+            <a:r>
+              <a:rPr lang="es-ES" sz="5400" dirty="0" err="1"/>
+              <a:t>Random</a:t>
+            </a:r>
+            <a:r>
+              <a:rPr lang="es-ES" sz="5400" dirty="0"/>
+              <a:t> </a:t>
+            </a:r>
+            <a:r>
+              <a:rPr lang="es-ES" sz="5400" dirty="0" err="1"/>
+              <a:t>forest</a:t>
+            </a:r>
+            <a:endParaRPr lang="es-ES" sz="6000" dirty="0"/>
+          </a:p>
+        </p:txBody>
+      </p:sp>
+      <p:sp>
+        <p:nvSpPr>
+          <p:cNvPr id="3" name="Marcador de contenido 2"/>
+          <p:cNvSpPr>
+            <a:spLocks noGrp="1"/>
+          </p:cNvSpPr>
+          <p:nvPr>
+            <p:ph idx="1"/>
+          </p:nvPr>
+        </p:nvSpPr>
+        <p:spPr>
+          <a:xfrm>
+            <a:off x="838201" y="1690689"/>
+            <a:ext cx="10515598" cy="4486274"/>
+          </a:xfrm>
+        </p:spPr>
+        <p:txBody>
+          <a:bodyPr>
+            <a:normAutofit/>
+          </a:bodyPr>
+          <a:lstStyle/>
+          <a:p>
+            <a:r>
+              <a:rPr lang="es-ES" dirty="0"/>
+              <a:t>Variamos un parámetro para probar distintas configuraciones:</a:t>
+            </a:r>
+          </a:p>
+          <a:p>
+            <a:pPr lvl="1"/>
+            <a:r>
+              <a:rPr lang="es-ES" dirty="0"/>
+              <a:t>Número de estimadores</a:t>
+            </a:r>
+          </a:p>
+          <a:p>
+            <a:r>
+              <a:rPr lang="es-ES" dirty="0"/>
+              <a:t>Al probarlo con los datos de test, encontramos los mejores resultados de la práctica</a:t>
+            </a:r>
+          </a:p>
+          <a:p>
+            <a:endParaRPr lang="es-ES" dirty="0"/>
+          </a:p>
+          <a:p>
+            <a:endParaRPr lang="es-ES" dirty="0"/>
+          </a:p>
+          <a:p>
+            <a:r>
+              <a:rPr lang="es-ES" dirty="0"/>
+              <a:t>De nuevo, mejores resultados con una predicción de 5 días</a:t>
+            </a:r>
+          </a:p>
+          <a:p>
+            <a:endParaRPr lang="es-ES" dirty="0"/>
+          </a:p>
+        </p:txBody>
+      </p:sp>
+      <p:graphicFrame>
+        <p:nvGraphicFramePr>
+          <p:cNvPr id="9" name="Tabla 8"/>
+          <p:cNvGraphicFramePr>
+            <a:graphicFrameLocks noGrp="1"/>
+          </p:cNvGraphicFramePr>
+          <p:nvPr>
+            <p:extLst>
+              <p:ext uri="{D42A27DB-BD31-4B8C-83A1-F6EECF244321}">
+                <p14:modId xmlns:p14="http://schemas.microsoft.com/office/powerpoint/2010/main" val="1072729137"/>
+              </p:ext>
+            </p:extLst>
+          </p:nvPr>
+        </p:nvGraphicFramePr>
+        <p:xfrm>
+          <a:off x="434926" y="3674267"/>
+          <a:ext cx="11316853" cy="719932"/>
+        </p:xfrm>
+        <a:graphic>
+          <a:graphicData uri="http://schemas.openxmlformats.org/drawingml/2006/table">
+            <a:tbl>
+              <a:tblPr>
+                <a:tableStyleId>{5C22544A-7EE6-4342-B048-85BDC9FD1C3A}</a:tableStyleId>
+              </a:tblPr>
+              <a:tblGrid>
+                <a:gridCol w="980080">
+                  <a:extLst>
+                    <a:ext uri="{9D8B030D-6E8A-4147-A177-3AD203B41FA5}">
+                      <a16:colId xmlns:a16="http://schemas.microsoft.com/office/drawing/2014/main" val="3004782095"/>
+                    </a:ext>
+                  </a:extLst>
+                </a:gridCol>
+                <a:gridCol w="1408864">
+                  <a:extLst>
+                    <a:ext uri="{9D8B030D-6E8A-4147-A177-3AD203B41FA5}">
+                      <a16:colId xmlns:a16="http://schemas.microsoft.com/office/drawing/2014/main" val="4186406271"/>
+                    </a:ext>
+                  </a:extLst>
+                </a:gridCol>
+                <a:gridCol w="1010707">
+                  <a:extLst>
+                    <a:ext uri="{9D8B030D-6E8A-4147-A177-3AD203B41FA5}">
+                      <a16:colId xmlns:a16="http://schemas.microsoft.com/office/drawing/2014/main" val="2640527630"/>
+                    </a:ext>
+                  </a:extLst>
+                </a:gridCol>
+                <a:gridCol w="1271041">
+                  <a:extLst>
+                    <a:ext uri="{9D8B030D-6E8A-4147-A177-3AD203B41FA5}">
+                      <a16:colId xmlns:a16="http://schemas.microsoft.com/office/drawing/2014/main" val="260997157"/>
+                    </a:ext>
+                  </a:extLst>
+                </a:gridCol>
+                <a:gridCol w="1255727">
+                  <a:extLst>
+                    <a:ext uri="{9D8B030D-6E8A-4147-A177-3AD203B41FA5}">
+                      <a16:colId xmlns:a16="http://schemas.microsoft.com/office/drawing/2014/main" val="1039690343"/>
+                    </a:ext>
+                  </a:extLst>
+                </a:gridCol>
+                <a:gridCol w="1362922">
+                  <a:extLst>
+                    <a:ext uri="{9D8B030D-6E8A-4147-A177-3AD203B41FA5}">
+                      <a16:colId xmlns:a16="http://schemas.microsoft.com/office/drawing/2014/main" val="592308215"/>
+                    </a:ext>
+                  </a:extLst>
+                </a:gridCol>
+                <a:gridCol w="1485432">
+                  <a:extLst>
+                    <a:ext uri="{9D8B030D-6E8A-4147-A177-3AD203B41FA5}">
+                      <a16:colId xmlns:a16="http://schemas.microsoft.com/office/drawing/2014/main" val="723057721"/>
+                    </a:ext>
+                  </a:extLst>
+                </a:gridCol>
+                <a:gridCol w="1194471">
+                  <a:extLst>
+                    <a:ext uri="{9D8B030D-6E8A-4147-A177-3AD203B41FA5}">
+                      <a16:colId xmlns:a16="http://schemas.microsoft.com/office/drawing/2014/main" val="1665868013"/>
+                    </a:ext>
+                  </a:extLst>
+                </a:gridCol>
+                <a:gridCol w="1347609">
+                  <a:extLst>
+                    <a:ext uri="{9D8B030D-6E8A-4147-A177-3AD203B41FA5}">
+                      <a16:colId xmlns:a16="http://schemas.microsoft.com/office/drawing/2014/main" val="509979848"/>
+                    </a:ext>
+                  </a:extLst>
+                </a:gridCol>
+              </a:tblGrid>
+              <a:tr h="359966">
+                <a:tc>
+                  <a:txBody>
+                    <a:bodyPr/>
+                    <a:lstStyle/>
+                    <a:p>
+                      <a:pPr algn="l" fontAlgn="b"/>
+                      <a:endParaRPr lang="es-ES" sz="1400" b="0" i="0" u="none" strike="noStrike" dirty="0">
+                        <a:solidFill>
+                          <a:srgbClr val="000000"/>
+                        </a:solidFill>
+                        <a:effectLst/>
+                        <a:latin typeface="Liberation Sans"/>
+                      </a:endParaRPr>
+                    </a:p>
+                  </a:txBody>
+                  <a:tcPr marL="9525" marR="9525" marT="9525" marB="0" anchor="b"/>
+                </a:tc>
+                <a:tc>
+                  <a:txBody>
+                    <a:bodyPr/>
+                    <a:lstStyle/>
+                    <a:p>
+                      <a:pPr algn="l" fontAlgn="b"/>
+                      <a:r>
+                        <a:rPr lang="es-ES" sz="1400" u="none" strike="noStrike" dirty="0">
+                          <a:effectLst/>
+                        </a:rPr>
+                        <a:t>1DayNormal</a:t>
+                      </a:r>
+                      <a:endParaRPr lang="es-ES" sz="1400" b="0" i="0" u="none" strike="noStrike" dirty="0">
+                        <a:solidFill>
+                          <a:srgbClr val="000000"/>
+                        </a:solidFill>
+                        <a:effectLst/>
+                        <a:latin typeface="Liberation Sans"/>
+                      </a:endParaRPr>
+                    </a:p>
+                  </a:txBody>
+                  <a:tcPr marL="9525" marR="9525" marT="9525" marB="0" anchor="b"/>
+                </a:tc>
+                <a:tc>
+                  <a:txBody>
+                    <a:bodyPr/>
+                    <a:lstStyle/>
+                    <a:p>
+                      <a:pPr algn="l" fontAlgn="b"/>
+                      <a:r>
+                        <a:rPr lang="es-ES" sz="1400" u="none" strike="noStrike" dirty="0">
+                          <a:effectLst/>
+                        </a:rPr>
+                        <a:t>1DayChange</a:t>
+                      </a:r>
+                      <a:endParaRPr lang="es-ES" sz="1400" b="0" i="0" u="none" strike="noStrike" dirty="0">
+                        <a:solidFill>
+                          <a:srgbClr val="000000"/>
+                        </a:solidFill>
+                        <a:effectLst/>
+                        <a:latin typeface="Liberation Sans"/>
+                      </a:endParaRPr>
+                    </a:p>
+                  </a:txBody>
+                  <a:tcPr marL="9525" marR="9525" marT="9525" marB="0" anchor="b"/>
+                </a:tc>
+                <a:tc>
+                  <a:txBody>
+                    <a:bodyPr/>
+                    <a:lstStyle/>
+                    <a:p>
+                      <a:pPr algn="l" fontAlgn="b"/>
+                      <a:r>
+                        <a:rPr lang="es-ES" sz="1400" u="none" strike="noStrike" dirty="0">
+                          <a:effectLst/>
+                        </a:rPr>
+                        <a:t>1DayRChange</a:t>
+                      </a:r>
+                      <a:endParaRPr lang="es-ES" sz="1400" b="0" i="0" u="none" strike="noStrike" dirty="0">
+                        <a:solidFill>
+                          <a:srgbClr val="000000"/>
+                        </a:solidFill>
+                        <a:effectLst/>
+                        <a:latin typeface="Liberation Sans"/>
+                      </a:endParaRPr>
+                    </a:p>
+                  </a:txBody>
+                  <a:tcPr marL="9525" marR="9525" marT="9525" marB="0" anchor="b"/>
+                </a:tc>
+                <a:tc>
+                  <a:txBody>
+                    <a:bodyPr/>
+                    <a:lstStyle/>
+                    <a:p>
+                      <a:pPr algn="l" fontAlgn="b"/>
+                      <a:r>
+                        <a:rPr lang="es-ES" sz="1400" u="none" strike="noStrike" dirty="0">
+                          <a:effectLst/>
+                        </a:rPr>
+                        <a:t>1DayNormalized</a:t>
+                      </a:r>
+                      <a:endParaRPr lang="es-ES" sz="1400" b="0" i="0" u="none" strike="noStrike" dirty="0">
+                        <a:solidFill>
+                          <a:srgbClr val="000000"/>
+                        </a:solidFill>
+                        <a:effectLst/>
+                        <a:latin typeface="Liberation Sans"/>
+                      </a:endParaRPr>
+                    </a:p>
+                  </a:txBody>
+                  <a:tcPr marL="9525" marR="9525" marT="9525" marB="0" anchor="b"/>
+                </a:tc>
+                <a:tc>
+                  <a:txBody>
+                    <a:bodyPr/>
+                    <a:lstStyle/>
+                    <a:p>
+                      <a:pPr algn="l" fontAlgn="b"/>
+                      <a:r>
+                        <a:rPr lang="es-ES" sz="1400" u="none" strike="noStrike" dirty="0">
+                          <a:effectLst/>
+                        </a:rPr>
+                        <a:t>5DaysNormal</a:t>
+                      </a:r>
+                      <a:endParaRPr lang="es-ES" sz="1400" b="0" i="0" u="none" strike="noStrike" dirty="0">
+                        <a:solidFill>
+                          <a:srgbClr val="000000"/>
+                        </a:solidFill>
+                        <a:effectLst/>
+                        <a:latin typeface="Liberation Sans"/>
+                      </a:endParaRPr>
+                    </a:p>
+                  </a:txBody>
+                  <a:tcPr marL="9525" marR="9525" marT="9525" marB="0" anchor="b"/>
+                </a:tc>
+                <a:tc>
+                  <a:txBody>
+                    <a:bodyPr/>
+                    <a:lstStyle/>
+                    <a:p>
+                      <a:pPr algn="l" fontAlgn="b"/>
+                      <a:r>
+                        <a:rPr lang="es-ES" sz="1400" u="none" strike="noStrike" dirty="0">
+                          <a:effectLst/>
+                        </a:rPr>
+                        <a:t>5DaysChange</a:t>
+                      </a:r>
+                      <a:endParaRPr lang="es-ES" sz="1400" b="0" i="0" u="none" strike="noStrike" dirty="0">
+                        <a:solidFill>
+                          <a:srgbClr val="000000"/>
+                        </a:solidFill>
+                        <a:effectLst/>
+                        <a:latin typeface="Liberation Sans"/>
+                      </a:endParaRPr>
+                    </a:p>
+                  </a:txBody>
+                  <a:tcPr marL="9525" marR="9525" marT="9525" marB="0" anchor="b"/>
+                </a:tc>
+                <a:tc>
+                  <a:txBody>
+                    <a:bodyPr/>
+                    <a:lstStyle/>
+                    <a:p>
+                      <a:pPr algn="l" fontAlgn="b"/>
+                      <a:r>
+                        <a:rPr lang="es-ES" sz="1400" u="none" strike="noStrike" dirty="0">
+                          <a:effectLst/>
+                        </a:rPr>
+                        <a:t>5DaysRChange</a:t>
+                      </a:r>
+                      <a:endParaRPr lang="es-ES" sz="1400" b="0" i="0" u="none" strike="noStrike" dirty="0">
+                        <a:solidFill>
+                          <a:srgbClr val="000000"/>
+                        </a:solidFill>
+                        <a:effectLst/>
+                        <a:latin typeface="Liberation Sans"/>
+                      </a:endParaRPr>
+                    </a:p>
+                  </a:txBody>
+                  <a:tcPr marL="9525" marR="9525" marT="9525" marB="0" anchor="b"/>
+                </a:tc>
+                <a:tc>
+                  <a:txBody>
+                    <a:bodyPr/>
+                    <a:lstStyle/>
+                    <a:p>
+                      <a:pPr algn="l" fontAlgn="b"/>
+                      <a:r>
+                        <a:rPr lang="es-ES" sz="1400" u="none" strike="noStrike" dirty="0">
+                          <a:effectLst/>
+                        </a:rPr>
+                        <a:t>5DaysNormalized</a:t>
+                      </a:r>
+                      <a:endParaRPr lang="es-ES" sz="1400" b="0" i="0" u="none" strike="noStrike" dirty="0">
+                        <a:solidFill>
+                          <a:srgbClr val="000000"/>
+                        </a:solidFill>
+                        <a:effectLst/>
+                        <a:latin typeface="Liberation Sans"/>
+                      </a:endParaRPr>
+                    </a:p>
+                  </a:txBody>
+                  <a:tcPr marL="9525" marR="9525" marT="9525" marB="0" anchor="b"/>
+                </a:tc>
+                <a:extLst>
+                  <a:ext uri="{0D108BD9-81ED-4DB2-BD59-A6C34878D82A}">
+                    <a16:rowId xmlns:a16="http://schemas.microsoft.com/office/drawing/2014/main" val="1685154367"/>
+                  </a:ext>
+                </a:extLst>
+              </a:tr>
+              <a:tr h="359966">
+                <a:tc>
+                  <a:txBody>
+                    <a:bodyPr/>
+                    <a:lstStyle/>
+                    <a:p>
+                      <a:pPr algn="l" fontAlgn="b"/>
+                      <a:r>
+                        <a:rPr lang="es-ES" sz="2000" b="0" u="none" strike="noStrike" dirty="0" err="1">
+                          <a:effectLst/>
+                        </a:rPr>
+                        <a:t>rfc</a:t>
+                      </a:r>
+                      <a:endParaRPr lang="es-ES" sz="2000" b="0" i="0" u="none" strike="noStrike" dirty="0">
+                        <a:solidFill>
+                          <a:srgbClr val="000000"/>
+                        </a:solidFill>
+                        <a:effectLst/>
+                        <a:latin typeface="Liberation Sans"/>
+                      </a:endParaRPr>
+                    </a:p>
+                  </a:txBody>
+                  <a:tcPr marL="9525" marR="9525" marT="9525" marB="0" anchor="b"/>
+                </a:tc>
+                <a:tc>
+                  <a:txBody>
+                    <a:bodyPr/>
+                    <a:lstStyle/>
+                    <a:p>
+                      <a:pPr algn="r" fontAlgn="b"/>
+                      <a:r>
+                        <a:rPr lang="es-ES" sz="2000" b="0" u="none" strike="noStrike" dirty="0">
+                          <a:effectLst/>
+                        </a:rPr>
+                        <a:t>49,53%</a:t>
+                      </a:r>
+                      <a:endParaRPr lang="es-ES" sz="2000" b="0" i="0" u="none" strike="noStrike" dirty="0">
+                        <a:solidFill>
+                          <a:srgbClr val="000000"/>
+                        </a:solidFill>
+                        <a:effectLst/>
+                        <a:latin typeface="Liberation Sans"/>
+                      </a:endParaRPr>
+                    </a:p>
+                  </a:txBody>
+                  <a:tcPr marL="9525" marR="9525" marT="9525" marB="0" anchor="b"/>
+                </a:tc>
+                <a:tc>
+                  <a:txBody>
+                    <a:bodyPr/>
+                    <a:lstStyle/>
+                    <a:p>
+                      <a:pPr algn="r" fontAlgn="b"/>
+                      <a:r>
+                        <a:rPr lang="es-ES" sz="2000" b="0" u="none" strike="noStrike" dirty="0">
+                          <a:effectLst/>
+                        </a:rPr>
+                        <a:t>54,65%</a:t>
+                      </a:r>
+                      <a:endParaRPr lang="es-ES" sz="2000" b="0" i="0" u="none" strike="noStrike" dirty="0">
+                        <a:solidFill>
+                          <a:srgbClr val="000000"/>
+                        </a:solidFill>
+                        <a:effectLst/>
+                        <a:latin typeface="Liberation Sans"/>
+                      </a:endParaRPr>
+                    </a:p>
+                  </a:txBody>
+                  <a:tcPr marL="9525" marR="9525" marT="9525" marB="0" anchor="b"/>
+                </a:tc>
+                <a:tc>
+                  <a:txBody>
+                    <a:bodyPr/>
+                    <a:lstStyle/>
+                    <a:p>
+                      <a:pPr algn="r" fontAlgn="b"/>
+                      <a:r>
+                        <a:rPr lang="es-ES" sz="2000" b="0" u="none" strike="noStrike" dirty="0">
+                          <a:effectLst/>
+                        </a:rPr>
+                        <a:t>55,81%</a:t>
+                      </a:r>
+                      <a:endParaRPr lang="es-ES" sz="2000" b="0" i="0" u="none" strike="noStrike" dirty="0">
+                        <a:solidFill>
+                          <a:srgbClr val="000000"/>
+                        </a:solidFill>
+                        <a:effectLst/>
+                        <a:latin typeface="Liberation Sans"/>
+                      </a:endParaRPr>
+                    </a:p>
+                  </a:txBody>
+                  <a:tcPr marL="9525" marR="9525" marT="9525" marB="0" anchor="b"/>
+                </a:tc>
+                <a:tc>
+                  <a:txBody>
+                    <a:bodyPr/>
+                    <a:lstStyle/>
+                    <a:p>
+                      <a:pPr algn="r" fontAlgn="b"/>
+                      <a:r>
+                        <a:rPr lang="es-ES" sz="2000" b="0" u="none" strike="noStrike" dirty="0">
+                          <a:effectLst/>
+                        </a:rPr>
+                        <a:t>50,23%</a:t>
+                      </a:r>
+                      <a:endParaRPr lang="es-ES" sz="2000" b="0" i="0" u="none" strike="noStrike" dirty="0">
+                        <a:solidFill>
+                          <a:srgbClr val="000000"/>
+                        </a:solidFill>
+                        <a:effectLst/>
+                        <a:latin typeface="Liberation Sans"/>
+                      </a:endParaRPr>
+                    </a:p>
+                  </a:txBody>
+                  <a:tcPr marL="9525" marR="9525" marT="9525" marB="0" anchor="b"/>
+                </a:tc>
+                <a:tc>
+                  <a:txBody>
+                    <a:bodyPr/>
+                    <a:lstStyle/>
+                    <a:p>
+                      <a:pPr algn="r" fontAlgn="b"/>
+                      <a:r>
+                        <a:rPr lang="es-ES" sz="2000" b="0" u="none" strike="noStrike" dirty="0">
+                          <a:effectLst/>
+                        </a:rPr>
+                        <a:t>52,56%</a:t>
+                      </a:r>
+                      <a:endParaRPr lang="es-ES" sz="2000" b="0" i="0" u="none" strike="noStrike" dirty="0">
+                        <a:solidFill>
+                          <a:srgbClr val="000000"/>
+                        </a:solidFill>
+                        <a:effectLst/>
+                        <a:latin typeface="Liberation Sans"/>
+                      </a:endParaRPr>
+                    </a:p>
+                  </a:txBody>
+                  <a:tcPr marL="9525" marR="9525" marT="9525" marB="0" anchor="b"/>
+                </a:tc>
+                <a:tc>
+                  <a:txBody>
+                    <a:bodyPr/>
+                    <a:lstStyle/>
+                    <a:p>
+                      <a:pPr algn="r" fontAlgn="b"/>
+                      <a:r>
+                        <a:rPr lang="es-ES" sz="2000" b="1" u="none" strike="noStrike" dirty="0">
+                          <a:effectLst/>
+                        </a:rPr>
+                        <a:t>59,30%</a:t>
+                      </a:r>
+                      <a:endParaRPr lang="es-ES" sz="2000" b="1" i="0" u="none" strike="noStrike" dirty="0">
+                        <a:solidFill>
+                          <a:srgbClr val="000000"/>
+                        </a:solidFill>
+                        <a:effectLst/>
+                        <a:latin typeface="Liberation Sans"/>
+                      </a:endParaRPr>
+                    </a:p>
+                  </a:txBody>
+                  <a:tcPr marL="9525" marR="9525" marT="9525" marB="0" anchor="b"/>
+                </a:tc>
+                <a:tc>
+                  <a:txBody>
+                    <a:bodyPr/>
+                    <a:lstStyle/>
+                    <a:p>
+                      <a:pPr algn="r" fontAlgn="b"/>
+                      <a:r>
+                        <a:rPr lang="es-ES" sz="2000" b="0" u="none" strike="noStrike" dirty="0">
+                          <a:effectLst/>
+                        </a:rPr>
+                        <a:t>57,67%</a:t>
+                      </a:r>
+                      <a:endParaRPr lang="es-ES" sz="2000" b="0" i="0" u="none" strike="noStrike" dirty="0">
+                        <a:solidFill>
+                          <a:srgbClr val="000000"/>
+                        </a:solidFill>
+                        <a:effectLst/>
+                        <a:latin typeface="Liberation Sans"/>
+                      </a:endParaRPr>
+                    </a:p>
+                  </a:txBody>
+                  <a:tcPr marL="9525" marR="9525" marT="9525" marB="0" anchor="b"/>
+                </a:tc>
+                <a:tc>
+                  <a:txBody>
+                    <a:bodyPr/>
+                    <a:lstStyle/>
+                    <a:p>
+                      <a:pPr algn="r" fontAlgn="b"/>
+                      <a:r>
+                        <a:rPr lang="es-ES" sz="2000" b="0" u="none" strike="noStrike" dirty="0">
+                          <a:effectLst/>
+                        </a:rPr>
+                        <a:t>52,79%</a:t>
+                      </a:r>
+                      <a:endParaRPr lang="es-ES" sz="2000" b="0" i="0" u="none" strike="noStrike" dirty="0">
+                        <a:solidFill>
+                          <a:srgbClr val="000000"/>
+                        </a:solidFill>
+                        <a:effectLst/>
+                        <a:latin typeface="Liberation Sans"/>
+                      </a:endParaRPr>
+                    </a:p>
+                  </a:txBody>
+                  <a:tcPr marL="9525" marR="9525" marT="9525" marB="0" anchor="b"/>
+                </a:tc>
+                <a:extLst>
+                  <a:ext uri="{0D108BD9-81ED-4DB2-BD59-A6C34878D82A}">
+                    <a16:rowId xmlns:a16="http://schemas.microsoft.com/office/drawing/2014/main" val="2493422845"/>
+                  </a:ext>
+                </a:extLst>
+              </a:tr>
+            </a:tbl>
+          </a:graphicData>
+        </a:graphic>
+      </p:graphicFrame>
+    </p:spTree>
+    <p:extLst>
+      <p:ext uri="{BB962C8B-B14F-4D97-AF65-F5344CB8AC3E}">
+        <p14:creationId xmlns:p14="http://schemas.microsoft.com/office/powerpoint/2010/main" val="2691739327"/>
+      </p:ext>
+    </p:extLst>
+  </p:cSld>
+  <p:clrMapOvr>
+    <a:overrideClrMapping bg1="dk1" tx1="lt1" bg2="dk2" tx2="lt2" accent1="accent1" accent2="accent2" accent3="accent3" accent4="accent4" accent5="accent5" accent6="accent6" hlink="hlink" folHlink="folHlink"/>
+  </p:clrMapOvr>
+</p:sld>
+</file>
+
+<file path=ppt/slides/slide18.xml><?xml version="1.0" encoding="utf-8"?>
+<p:sld xmlns:a="http://schemas.openxmlformats.org/drawingml/2006/main" xmlns:r="http://schemas.openxmlformats.org/officeDocument/2006/relationships" xmlns:p="http://schemas.openxmlformats.org/presentationml/2006/main">
+  <p:cSld>
+    <p:spTree>
+      <p:nvGrpSpPr>
+        <p:cNvPr id="1" name=""/>
+        <p:cNvGrpSpPr/>
+        <p:nvPr/>
+      </p:nvGrpSpPr>
+      <p:grpSpPr>
+        <a:xfrm>
+          <a:off x="0" y="0"/>
+          <a:ext cx="0" cy="0"/>
+          <a:chOff x="0" y="0"/>
+          <a:chExt cx="0" cy="0"/>
+        </a:xfrm>
+      </p:grpSpPr>
+      <p:sp>
+        <p:nvSpPr>
+          <p:cNvPr id="5" name="Rectangle 4"/>
+          <p:cNvSpPr>
+            <a:spLocks noGrp="1" noRot="1" noChangeAspect="1" noMove="1" noResize="1" noEditPoints="1" noAdjustHandles="1" noChangeArrowheads="1" noChangeShapeType="1" noTextEdit="1"/>
+          </p:cNvSpPr>
+          <p:nvPr>
+            <p:extLst>
+              <p:ext uri="{386F3935-93C4-4BCD-93E2-E3B085C9AB24}">
+                <p16:designElem xmlns:p16="http://schemas.microsoft.com/office/powerpoint/2015/main" val="1"/>
+              </p:ext>
+            </p:extLst>
+          </p:nvPr>
+        </p:nvSpPr>
+        <p:spPr>
+          <a:xfrm>
+            <a:off x="0" y="-3324"/>
+            <a:ext cx="12192000" cy="6861324"/>
+          </a:xfrm>
+          <a:prstGeom prst="rect">
+            <a:avLst/>
+          </a:prstGeom>
+          <a:solidFill>
+            <a:srgbClr val="404040"/>
+          </a:solidFill>
+          <a:ln>
+            <a:noFill/>
+          </a:ln>
+        </p:spPr>
+        <p:style>
+          <a:lnRef idx="2">
+            <a:schemeClr val="accent1">
+              <a:shade val="50000"/>
+            </a:schemeClr>
+          </a:lnRef>
+          <a:fillRef idx="1">
+            <a:schemeClr val="accent1"/>
+          </a:fillRef>
+          <a:effectRef idx="0">
+            <a:schemeClr val="accent1"/>
+          </a:effectRef>
+          <a:fontRef idx="minor">
+            <a:schemeClr val="lt1"/>
+          </a:fontRef>
+        </p:style>
+        <p:txBody>
+          <a:bodyPr rtlCol="0" anchor="ctr"/>
+          <a:lstStyle/>
+          <a:p>
+            <a:pPr algn="ctr"/>
+            <a:endParaRPr lang="en-US"/>
+          </a:p>
+        </p:txBody>
+      </p:sp>
+      <p:sp>
+        <p:nvSpPr>
+          <p:cNvPr id="6" name="Freeform 13"/>
+          <p:cNvSpPr>
+            <a:spLocks noGrp="1" noRot="1" noChangeAspect="1" noMove="1" noResize="1" noEditPoints="1" noAdjustHandles="1" noChangeArrowheads="1" noChangeShapeType="1" noTextEdit="1"/>
+          </p:cNvSpPr>
+          <p:nvPr>
+            <p:extLst>
+              <p:ext uri="{386F3935-93C4-4BCD-93E2-E3B085C9AB24}">
+                <p16:designElem xmlns:p16="http://schemas.microsoft.com/office/powerpoint/2015/main" val="1"/>
+              </p:ext>
+            </p:extLst>
+          </p:nvPr>
+        </p:nvSpPr>
+        <p:spPr>
+          <a:xfrm>
+            <a:off x="0" y="0"/>
+            <a:ext cx="11786754" cy="6858000"/>
+          </a:xfrm>
+          <a:custGeom>
+            <a:avLst/>
+            <a:gdLst>
+              <a:gd name="connsiteX0" fmla="*/ 0 w 11786754"/>
+              <a:gd name="connsiteY0" fmla="*/ 0 h 6858000"/>
+              <a:gd name="connsiteX1" fmla="*/ 8610600 w 11786754"/>
+              <a:gd name="connsiteY1" fmla="*/ 0 h 6858000"/>
+              <a:gd name="connsiteX2" fmla="*/ 11786754 w 11786754"/>
+              <a:gd name="connsiteY2" fmla="*/ 6858000 h 6858000"/>
+              <a:gd name="connsiteX3" fmla="*/ 0 w 11786754"/>
+              <a:gd name="connsiteY3" fmla="*/ 6858000 h 6858000"/>
+            </a:gdLst>
+            <a:ahLst/>
+            <a:cxnLst>
+              <a:cxn ang="0">
+                <a:pos x="connsiteX0" y="connsiteY0"/>
+              </a:cxn>
+              <a:cxn ang="0">
+                <a:pos x="connsiteX1" y="connsiteY1"/>
+              </a:cxn>
+              <a:cxn ang="0">
+                <a:pos x="connsiteX2" y="connsiteY2"/>
+              </a:cxn>
+              <a:cxn ang="0">
+                <a:pos x="connsiteX3" y="connsiteY3"/>
+              </a:cxn>
+            </a:cxnLst>
+            <a:rect l="l" t="t" r="r" b="b"/>
+            <a:pathLst>
+              <a:path w="11786754" h="6858000">
+                <a:moveTo>
+                  <a:pt x="0" y="0"/>
+                </a:moveTo>
+                <a:lnTo>
+                  <a:pt x="8610600" y="0"/>
+                </a:lnTo>
+                <a:lnTo>
+                  <a:pt x="11786754" y="6858000"/>
+                </a:lnTo>
+                <a:lnTo>
+                  <a:pt x="0" y="6858000"/>
+                </a:lnTo>
+                <a:close/>
+              </a:path>
+            </a:pathLst>
+          </a:custGeom>
+          <a:solidFill>
+            <a:schemeClr val="bg1">
+              <a:alpha val="30000"/>
+            </a:schemeClr>
+          </a:solidFill>
+          <a:ln>
+            <a:noFill/>
+          </a:ln>
+        </p:spPr>
+        <p:style>
+          <a:lnRef idx="2">
+            <a:schemeClr val="accent1">
+              <a:shade val="50000"/>
+            </a:schemeClr>
+          </a:lnRef>
+          <a:fillRef idx="1">
+            <a:schemeClr val="accent1"/>
+          </a:fillRef>
+          <a:effectRef idx="0">
+            <a:schemeClr val="accent1"/>
+          </a:effectRef>
+          <a:fontRef idx="minor">
+            <a:schemeClr val="lt1"/>
+          </a:fontRef>
+        </p:style>
+        <p:txBody>
+          <a:bodyPr rtlCol="0" anchor="ctr"/>
+          <a:lstStyle/>
+          <a:p>
+            <a:pPr algn="ctr"/>
+            <a:endParaRPr lang="en-US"/>
+          </a:p>
+        </p:txBody>
+      </p:sp>
+      <p:sp>
+        <p:nvSpPr>
+          <p:cNvPr id="7" name="Freeform 11"/>
+          <p:cNvSpPr>
+            <a:spLocks noGrp="1" noRot="1" noChangeAspect="1" noMove="1" noResize="1" noEditPoints="1" noAdjustHandles="1" noChangeArrowheads="1" noChangeShapeType="1" noTextEdit="1"/>
+          </p:cNvSpPr>
+          <p:nvPr>
+            <p:extLst>
+              <p:ext uri="{386F3935-93C4-4BCD-93E2-E3B085C9AB24}">
+                <p16:designElem xmlns:p16="http://schemas.microsoft.com/office/powerpoint/2015/main" val="1"/>
+              </p:ext>
+            </p:extLst>
+          </p:nvPr>
+        </p:nvSpPr>
+        <p:spPr>
+          <a:xfrm>
+            <a:off x="0" y="0"/>
+            <a:ext cx="3581400" cy="6858000"/>
+          </a:xfrm>
+          <a:custGeom>
+            <a:avLst/>
+            <a:gdLst>
+              <a:gd name="connsiteX0" fmla="*/ 0 w 3581400"/>
+              <a:gd name="connsiteY0" fmla="*/ 0 h 6858000"/>
+              <a:gd name="connsiteX1" fmla="*/ 405246 w 3581400"/>
+              <a:gd name="connsiteY1" fmla="*/ 0 h 6858000"/>
+              <a:gd name="connsiteX2" fmla="*/ 3581400 w 3581400"/>
+              <a:gd name="connsiteY2" fmla="*/ 6858000 h 6858000"/>
+              <a:gd name="connsiteX3" fmla="*/ 0 w 3581400"/>
+              <a:gd name="connsiteY3" fmla="*/ 6858000 h 6858000"/>
+            </a:gdLst>
+            <a:ahLst/>
+            <a:cxnLst>
+              <a:cxn ang="0">
+                <a:pos x="connsiteX0" y="connsiteY0"/>
+              </a:cxn>
+              <a:cxn ang="0">
+                <a:pos x="connsiteX1" y="connsiteY1"/>
+              </a:cxn>
+              <a:cxn ang="0">
+                <a:pos x="connsiteX2" y="connsiteY2"/>
+              </a:cxn>
+              <a:cxn ang="0">
+                <a:pos x="connsiteX3" y="connsiteY3"/>
+              </a:cxn>
+            </a:cxnLst>
+            <a:rect l="l" t="t" r="r" b="b"/>
+            <a:pathLst>
+              <a:path w="3581400" h="6858000">
+                <a:moveTo>
+                  <a:pt x="0" y="0"/>
+                </a:moveTo>
+                <a:lnTo>
+                  <a:pt x="405246" y="0"/>
+                </a:lnTo>
+                <a:lnTo>
+                  <a:pt x="3581400" y="6858000"/>
+                </a:lnTo>
+                <a:lnTo>
+                  <a:pt x="0" y="6858000"/>
+                </a:lnTo>
+                <a:close/>
+              </a:path>
+            </a:pathLst>
+          </a:custGeom>
+          <a:solidFill>
+            <a:schemeClr val="bg1">
+              <a:alpha val="30000"/>
+            </a:schemeClr>
+          </a:solidFill>
+          <a:ln>
+            <a:noFill/>
+          </a:ln>
+        </p:spPr>
+        <p:style>
+          <a:lnRef idx="2">
+            <a:schemeClr val="accent1">
+              <a:shade val="50000"/>
+            </a:schemeClr>
+          </a:lnRef>
+          <a:fillRef idx="1">
+            <a:schemeClr val="accent1"/>
+          </a:fillRef>
+          <a:effectRef idx="0">
+            <a:schemeClr val="accent1"/>
+          </a:effectRef>
+          <a:fontRef idx="minor">
+            <a:schemeClr val="lt1"/>
+          </a:fontRef>
+        </p:style>
+        <p:txBody>
+          <a:bodyPr wrap="square" rtlCol="0" anchor="ctr">
+            <a:noAutofit/>
+          </a:bodyPr>
+          <a:lstStyle/>
+          <a:p>
+            <a:pPr algn="ctr"/>
+            <a:endParaRPr lang="en-US"/>
+          </a:p>
+        </p:txBody>
+      </p:sp>
+      <p:sp>
+        <p:nvSpPr>
+          <p:cNvPr id="2" name="Título 1"/>
+          <p:cNvSpPr>
+            <a:spLocks noGrp="1"/>
+          </p:cNvSpPr>
+          <p:nvPr>
+            <p:ph type="title"/>
+          </p:nvPr>
+        </p:nvSpPr>
+        <p:spPr>
+          <a:xfrm>
+            <a:off x="833002" y="365125"/>
+            <a:ext cx="10520702" cy="1325563"/>
+          </a:xfrm>
+        </p:spPr>
+        <p:txBody>
+          <a:bodyPr>
+            <a:normAutofit/>
+          </a:bodyPr>
+          <a:lstStyle/>
+          <a:p>
+            <a:r>
+              <a:rPr lang="es-ES" sz="5400" dirty="0"/>
+              <a:t>PYTHON: </a:t>
+            </a:r>
+            <a:r>
+              <a:rPr lang="es-ES" sz="5400" dirty="0" err="1"/>
+              <a:t>kNN</a:t>
+            </a:r>
+            <a:endParaRPr lang="es-ES" sz="6000" dirty="0"/>
+          </a:p>
+        </p:txBody>
+      </p:sp>
+      <p:sp>
+        <p:nvSpPr>
+          <p:cNvPr id="3" name="Marcador de contenido 2"/>
+          <p:cNvSpPr>
+            <a:spLocks noGrp="1"/>
+          </p:cNvSpPr>
+          <p:nvPr>
+            <p:ph idx="1"/>
+          </p:nvPr>
+        </p:nvSpPr>
+        <p:spPr>
+          <a:xfrm>
+            <a:off x="838201" y="1690689"/>
+            <a:ext cx="10515598" cy="4486274"/>
+          </a:xfrm>
+        </p:spPr>
+        <p:txBody>
+          <a:bodyPr>
+            <a:normAutofit/>
+          </a:bodyPr>
+          <a:lstStyle/>
+          <a:p>
+            <a:r>
+              <a:rPr lang="es-ES" dirty="0"/>
+              <a:t>Tenemos un par de parámetros para probar:</a:t>
+            </a:r>
+          </a:p>
+          <a:p>
+            <a:pPr lvl="1"/>
+            <a:r>
+              <a:rPr lang="es-ES" dirty="0"/>
+              <a:t>Número de vecinos (k)</a:t>
+            </a:r>
+          </a:p>
+          <a:p>
+            <a:pPr lvl="1"/>
+            <a:r>
+              <a:rPr lang="es-ES" dirty="0"/>
+              <a:t>Tipo de algoritmo a utilizar (automático, árbol KD, </a:t>
+            </a:r>
+            <a:r>
+              <a:rPr lang="es-ES" dirty="0" err="1"/>
+              <a:t>Ball</a:t>
+            </a:r>
+            <a:r>
+              <a:rPr lang="es-ES" dirty="0"/>
+              <a:t> </a:t>
+            </a:r>
+            <a:r>
+              <a:rPr lang="es-ES" dirty="0" err="1"/>
+              <a:t>Tree</a:t>
+            </a:r>
+            <a:r>
+              <a:rPr lang="es-ES" dirty="0"/>
+              <a:t> y por fuerza bruta)</a:t>
+            </a:r>
+          </a:p>
+          <a:p>
+            <a:r>
+              <a:rPr lang="es-ES" dirty="0"/>
+              <a:t>A 5 días, de nuevo, los mejores resultados</a:t>
+            </a:r>
+          </a:p>
+          <a:p>
+            <a:endParaRPr lang="es-ES" dirty="0"/>
+          </a:p>
+          <a:p>
+            <a:endParaRPr lang="es-ES" dirty="0"/>
+          </a:p>
+          <a:p>
+            <a:r>
+              <a:rPr lang="es-ES" dirty="0"/>
+              <a:t>Aun así, los resultados no son lo suficientemente buenos para poder predecir correctamente un índice de </a:t>
+            </a:r>
+            <a:r>
+              <a:rPr lang="es-ES"/>
+              <a:t>la bolsa</a:t>
+            </a:r>
+            <a:endParaRPr lang="es-ES" dirty="0"/>
+          </a:p>
+        </p:txBody>
+      </p:sp>
+      <p:graphicFrame>
+        <p:nvGraphicFramePr>
+          <p:cNvPr id="4" name="Tabla 3"/>
+          <p:cNvGraphicFramePr>
+            <a:graphicFrameLocks noGrp="1"/>
+          </p:cNvGraphicFramePr>
+          <p:nvPr>
+            <p:extLst>
+              <p:ext uri="{D42A27DB-BD31-4B8C-83A1-F6EECF244321}">
+                <p14:modId xmlns:p14="http://schemas.microsoft.com/office/powerpoint/2010/main" val="1116615763"/>
+              </p:ext>
+            </p:extLst>
+          </p:nvPr>
+        </p:nvGraphicFramePr>
+        <p:xfrm>
+          <a:off x="361952" y="3731417"/>
+          <a:ext cx="11424801" cy="631032"/>
+        </p:xfrm>
+        <a:graphic>
+          <a:graphicData uri="http://schemas.openxmlformats.org/drawingml/2006/table">
+            <a:tbl>
+              <a:tblPr>
+                <a:tableStyleId>{5C22544A-7EE6-4342-B048-85BDC9FD1C3A}</a:tableStyleId>
+              </a:tblPr>
+              <a:tblGrid>
+                <a:gridCol w="989428">
+                  <a:extLst>
+                    <a:ext uri="{9D8B030D-6E8A-4147-A177-3AD203B41FA5}">
+                      <a16:colId xmlns:a16="http://schemas.microsoft.com/office/drawing/2014/main" val="465769424"/>
+                    </a:ext>
+                  </a:extLst>
+                </a:gridCol>
+                <a:gridCol w="1422303">
+                  <a:extLst>
+                    <a:ext uri="{9D8B030D-6E8A-4147-A177-3AD203B41FA5}">
+                      <a16:colId xmlns:a16="http://schemas.microsoft.com/office/drawing/2014/main" val="4013346244"/>
+                    </a:ext>
+                  </a:extLst>
+                </a:gridCol>
+                <a:gridCol w="1020348">
+                  <a:extLst>
+                    <a:ext uri="{9D8B030D-6E8A-4147-A177-3AD203B41FA5}">
+                      <a16:colId xmlns:a16="http://schemas.microsoft.com/office/drawing/2014/main" val="2293026185"/>
+                    </a:ext>
+                  </a:extLst>
+                </a:gridCol>
+                <a:gridCol w="1283164">
+                  <a:extLst>
+                    <a:ext uri="{9D8B030D-6E8A-4147-A177-3AD203B41FA5}">
+                      <a16:colId xmlns:a16="http://schemas.microsoft.com/office/drawing/2014/main" val="3300136333"/>
+                    </a:ext>
+                  </a:extLst>
+                </a:gridCol>
+                <a:gridCol w="1267705">
+                  <a:extLst>
+                    <a:ext uri="{9D8B030D-6E8A-4147-A177-3AD203B41FA5}">
+                      <a16:colId xmlns:a16="http://schemas.microsoft.com/office/drawing/2014/main" val="4072895687"/>
+                    </a:ext>
+                  </a:extLst>
+                </a:gridCol>
+                <a:gridCol w="1375923">
+                  <a:extLst>
+                    <a:ext uri="{9D8B030D-6E8A-4147-A177-3AD203B41FA5}">
+                      <a16:colId xmlns:a16="http://schemas.microsoft.com/office/drawing/2014/main" val="468902643"/>
+                    </a:ext>
+                  </a:extLst>
+                </a:gridCol>
+                <a:gridCol w="1499602">
+                  <a:extLst>
+                    <a:ext uri="{9D8B030D-6E8A-4147-A177-3AD203B41FA5}">
+                      <a16:colId xmlns:a16="http://schemas.microsoft.com/office/drawing/2014/main" val="2084472353"/>
+                    </a:ext>
+                  </a:extLst>
+                </a:gridCol>
+                <a:gridCol w="1205865">
+                  <a:extLst>
+                    <a:ext uri="{9D8B030D-6E8A-4147-A177-3AD203B41FA5}">
+                      <a16:colId xmlns:a16="http://schemas.microsoft.com/office/drawing/2014/main" val="3063823974"/>
+                    </a:ext>
+                  </a:extLst>
+                </a:gridCol>
+                <a:gridCol w="1360463">
+                  <a:extLst>
+                    <a:ext uri="{9D8B030D-6E8A-4147-A177-3AD203B41FA5}">
+                      <a16:colId xmlns:a16="http://schemas.microsoft.com/office/drawing/2014/main" val="2654634803"/>
+                    </a:ext>
+                  </a:extLst>
+                </a:gridCol>
+              </a:tblGrid>
+              <a:tr h="315516">
+                <a:tc>
+                  <a:txBody>
+                    <a:bodyPr/>
+                    <a:lstStyle/>
+                    <a:p>
+                      <a:pPr algn="l" fontAlgn="b"/>
+                      <a:endParaRPr lang="es-ES" sz="1400" b="0" i="0" u="none" strike="noStrike" dirty="0">
+                        <a:solidFill>
+                          <a:srgbClr val="000000"/>
+                        </a:solidFill>
+                        <a:effectLst/>
+                        <a:latin typeface="Liberation Sans"/>
+                      </a:endParaRPr>
+                    </a:p>
+                  </a:txBody>
+                  <a:tcPr marL="9525" marR="9525" marT="9525" marB="0" anchor="b"/>
+                </a:tc>
+                <a:tc>
+                  <a:txBody>
+                    <a:bodyPr/>
+                    <a:lstStyle/>
+                    <a:p>
+                      <a:pPr algn="l" fontAlgn="b"/>
+                      <a:r>
+                        <a:rPr lang="es-ES" sz="1400" u="none" strike="noStrike" dirty="0">
+                          <a:effectLst/>
+                        </a:rPr>
+                        <a:t>1DayNormal</a:t>
+                      </a:r>
+                      <a:endParaRPr lang="es-ES" sz="1400" b="0" i="0" u="none" strike="noStrike" dirty="0">
+                        <a:solidFill>
+                          <a:srgbClr val="000000"/>
+                        </a:solidFill>
+                        <a:effectLst/>
+                        <a:latin typeface="Liberation Sans"/>
+                      </a:endParaRPr>
+                    </a:p>
+                  </a:txBody>
+                  <a:tcPr marL="9525" marR="9525" marT="9525" marB="0" anchor="b"/>
+                </a:tc>
+                <a:tc>
+                  <a:txBody>
+                    <a:bodyPr/>
+                    <a:lstStyle/>
+                    <a:p>
+                      <a:pPr algn="l" fontAlgn="b"/>
+                      <a:r>
+                        <a:rPr lang="es-ES" sz="1400" u="none" strike="noStrike" dirty="0">
+                          <a:effectLst/>
+                        </a:rPr>
+                        <a:t>1DayChange</a:t>
+                      </a:r>
+                      <a:endParaRPr lang="es-ES" sz="1400" b="0" i="0" u="none" strike="noStrike" dirty="0">
+                        <a:solidFill>
+                          <a:srgbClr val="000000"/>
+                        </a:solidFill>
+                        <a:effectLst/>
+                        <a:latin typeface="Liberation Sans"/>
+                      </a:endParaRPr>
+                    </a:p>
+                  </a:txBody>
+                  <a:tcPr marL="9525" marR="9525" marT="9525" marB="0" anchor="b"/>
+                </a:tc>
+                <a:tc>
+                  <a:txBody>
+                    <a:bodyPr/>
+                    <a:lstStyle/>
+                    <a:p>
+                      <a:pPr algn="l" fontAlgn="b"/>
+                      <a:r>
+                        <a:rPr lang="es-ES" sz="1400" u="none" strike="noStrike" dirty="0">
+                          <a:effectLst/>
+                        </a:rPr>
+                        <a:t>1DayRChange</a:t>
+                      </a:r>
+                      <a:endParaRPr lang="es-ES" sz="1400" b="0" i="0" u="none" strike="noStrike" dirty="0">
+                        <a:solidFill>
+                          <a:srgbClr val="000000"/>
+                        </a:solidFill>
+                        <a:effectLst/>
+                        <a:latin typeface="Liberation Sans"/>
+                      </a:endParaRPr>
+                    </a:p>
+                  </a:txBody>
+                  <a:tcPr marL="9525" marR="9525" marT="9525" marB="0" anchor="b"/>
+                </a:tc>
+                <a:tc>
+                  <a:txBody>
+                    <a:bodyPr/>
+                    <a:lstStyle/>
+                    <a:p>
+                      <a:pPr algn="l" fontAlgn="b"/>
+                      <a:r>
+                        <a:rPr lang="es-ES" sz="1400" u="none" strike="noStrike" dirty="0">
+                          <a:effectLst/>
+                        </a:rPr>
+                        <a:t>1DayNormalized</a:t>
+                      </a:r>
+                      <a:endParaRPr lang="es-ES" sz="1400" b="0" i="0" u="none" strike="noStrike" dirty="0">
+                        <a:solidFill>
+                          <a:srgbClr val="000000"/>
+                        </a:solidFill>
+                        <a:effectLst/>
+                        <a:latin typeface="Liberation Sans"/>
+                      </a:endParaRPr>
+                    </a:p>
+                  </a:txBody>
+                  <a:tcPr marL="9525" marR="9525" marT="9525" marB="0" anchor="b"/>
+                </a:tc>
+                <a:tc>
+                  <a:txBody>
+                    <a:bodyPr/>
+                    <a:lstStyle/>
+                    <a:p>
+                      <a:pPr algn="l" fontAlgn="b"/>
+                      <a:r>
+                        <a:rPr lang="es-ES" sz="1400" u="none" strike="noStrike" dirty="0">
+                          <a:effectLst/>
+                        </a:rPr>
+                        <a:t>5DaysNormal</a:t>
+                      </a:r>
+                      <a:endParaRPr lang="es-ES" sz="1400" b="0" i="0" u="none" strike="noStrike" dirty="0">
+                        <a:solidFill>
+                          <a:srgbClr val="000000"/>
+                        </a:solidFill>
+                        <a:effectLst/>
+                        <a:latin typeface="Liberation Sans"/>
+                      </a:endParaRPr>
+                    </a:p>
+                  </a:txBody>
+                  <a:tcPr marL="9525" marR="9525" marT="9525" marB="0" anchor="b"/>
+                </a:tc>
+                <a:tc>
+                  <a:txBody>
+                    <a:bodyPr/>
+                    <a:lstStyle/>
+                    <a:p>
+                      <a:pPr algn="l" fontAlgn="b"/>
+                      <a:r>
+                        <a:rPr lang="es-ES" sz="1400" u="none" strike="noStrike" dirty="0">
+                          <a:effectLst/>
+                        </a:rPr>
+                        <a:t>5DaysChange</a:t>
+                      </a:r>
+                      <a:endParaRPr lang="es-ES" sz="1400" b="0" i="0" u="none" strike="noStrike" dirty="0">
+                        <a:solidFill>
+                          <a:srgbClr val="000000"/>
+                        </a:solidFill>
+                        <a:effectLst/>
+                        <a:latin typeface="Liberation Sans"/>
+                      </a:endParaRPr>
+                    </a:p>
+                  </a:txBody>
+                  <a:tcPr marL="9525" marR="9525" marT="9525" marB="0" anchor="b"/>
+                </a:tc>
+                <a:tc>
+                  <a:txBody>
+                    <a:bodyPr/>
+                    <a:lstStyle/>
+                    <a:p>
+                      <a:pPr algn="l" fontAlgn="b"/>
+                      <a:r>
+                        <a:rPr lang="es-ES" sz="1400" u="none" strike="noStrike" dirty="0">
+                          <a:effectLst/>
+                        </a:rPr>
+                        <a:t>5DaysRChange</a:t>
+                      </a:r>
+                      <a:endParaRPr lang="es-ES" sz="1400" b="0" i="0" u="none" strike="noStrike" dirty="0">
+                        <a:solidFill>
+                          <a:srgbClr val="000000"/>
+                        </a:solidFill>
+                        <a:effectLst/>
+                        <a:latin typeface="Liberation Sans"/>
+                      </a:endParaRPr>
+                    </a:p>
+                  </a:txBody>
+                  <a:tcPr marL="9525" marR="9525" marT="9525" marB="0" anchor="b"/>
+                </a:tc>
+                <a:tc>
+                  <a:txBody>
+                    <a:bodyPr/>
+                    <a:lstStyle/>
+                    <a:p>
+                      <a:pPr algn="l" fontAlgn="b"/>
+                      <a:r>
+                        <a:rPr lang="es-ES" sz="1400" u="none" strike="noStrike" dirty="0">
+                          <a:effectLst/>
+                        </a:rPr>
+                        <a:t>5DaysNormalized</a:t>
+                      </a:r>
+                      <a:endParaRPr lang="es-ES" sz="1400" b="0" i="0" u="none" strike="noStrike" dirty="0">
+                        <a:solidFill>
+                          <a:srgbClr val="000000"/>
+                        </a:solidFill>
+                        <a:effectLst/>
+                        <a:latin typeface="Liberation Sans"/>
+                      </a:endParaRPr>
+                    </a:p>
+                  </a:txBody>
+                  <a:tcPr marL="9525" marR="9525" marT="9525" marB="0" anchor="b"/>
+                </a:tc>
+                <a:extLst>
+                  <a:ext uri="{0D108BD9-81ED-4DB2-BD59-A6C34878D82A}">
+                    <a16:rowId xmlns:a16="http://schemas.microsoft.com/office/drawing/2014/main" val="1352303788"/>
+                  </a:ext>
+                </a:extLst>
+              </a:tr>
+              <a:tr h="315516">
+                <a:tc>
+                  <a:txBody>
+                    <a:bodyPr/>
+                    <a:lstStyle/>
+                    <a:p>
+                      <a:pPr algn="l" fontAlgn="b"/>
+                      <a:r>
+                        <a:rPr lang="es-ES" sz="2000" u="none" strike="noStrike">
+                          <a:effectLst/>
+                        </a:rPr>
+                        <a:t>knn</a:t>
+                      </a:r>
+                      <a:endParaRPr lang="es-ES" sz="2000" b="0" i="0" u="none" strike="noStrike">
+                        <a:solidFill>
+                          <a:srgbClr val="000000"/>
+                        </a:solidFill>
+                        <a:effectLst/>
+                        <a:latin typeface="Liberation Sans"/>
+                      </a:endParaRPr>
+                    </a:p>
+                  </a:txBody>
+                  <a:tcPr marL="9525" marR="9525" marT="9525" marB="0" anchor="b"/>
+                </a:tc>
+                <a:tc>
+                  <a:txBody>
+                    <a:bodyPr/>
+                    <a:lstStyle/>
+                    <a:p>
+                      <a:pPr algn="r" fontAlgn="b"/>
+                      <a:r>
+                        <a:rPr lang="es-ES" sz="2000" u="none" strike="noStrike">
+                          <a:effectLst/>
+                        </a:rPr>
+                        <a:t>50,93%</a:t>
+                      </a:r>
+                      <a:endParaRPr lang="es-ES" sz="2000" b="0" i="0" u="none" strike="noStrike">
+                        <a:solidFill>
+                          <a:srgbClr val="000000"/>
+                        </a:solidFill>
+                        <a:effectLst/>
+                        <a:latin typeface="Liberation Sans"/>
+                      </a:endParaRPr>
+                    </a:p>
+                  </a:txBody>
+                  <a:tcPr marL="9525" marR="9525" marT="9525" marB="0" anchor="b"/>
+                </a:tc>
+                <a:tc>
+                  <a:txBody>
+                    <a:bodyPr/>
+                    <a:lstStyle/>
+                    <a:p>
+                      <a:pPr algn="r" fontAlgn="b"/>
+                      <a:r>
+                        <a:rPr lang="es-ES" sz="2000" u="none" strike="noStrike">
+                          <a:effectLst/>
+                        </a:rPr>
+                        <a:t>52,79%</a:t>
+                      </a:r>
+                      <a:endParaRPr lang="es-ES" sz="2000" b="0" i="0" u="none" strike="noStrike">
+                        <a:solidFill>
+                          <a:srgbClr val="000000"/>
+                        </a:solidFill>
+                        <a:effectLst/>
+                        <a:latin typeface="Liberation Sans"/>
+                      </a:endParaRPr>
+                    </a:p>
+                  </a:txBody>
+                  <a:tcPr marL="9525" marR="9525" marT="9525" marB="0" anchor="b"/>
+                </a:tc>
+                <a:tc>
+                  <a:txBody>
+                    <a:bodyPr/>
+                    <a:lstStyle/>
+                    <a:p>
+                      <a:pPr algn="r" fontAlgn="b"/>
+                      <a:r>
+                        <a:rPr lang="es-ES" sz="2000" u="none" strike="noStrike">
+                          <a:effectLst/>
+                        </a:rPr>
+                        <a:t>49,07%</a:t>
+                      </a:r>
+                      <a:endParaRPr lang="es-ES" sz="2000" b="0" i="0" u="none" strike="noStrike">
+                        <a:solidFill>
+                          <a:srgbClr val="000000"/>
+                        </a:solidFill>
+                        <a:effectLst/>
+                        <a:latin typeface="Liberation Sans"/>
+                      </a:endParaRPr>
+                    </a:p>
+                  </a:txBody>
+                  <a:tcPr marL="9525" marR="9525" marT="9525" marB="0" anchor="b"/>
+                </a:tc>
+                <a:tc>
+                  <a:txBody>
+                    <a:bodyPr/>
+                    <a:lstStyle/>
+                    <a:p>
+                      <a:pPr algn="r" fontAlgn="b"/>
+                      <a:r>
+                        <a:rPr lang="es-ES" sz="2000" u="none" strike="noStrike" dirty="0">
+                          <a:effectLst/>
+                        </a:rPr>
+                        <a:t>50,70%</a:t>
+                      </a:r>
+                      <a:endParaRPr lang="es-ES" sz="2000" b="0" i="0" u="none" strike="noStrike" dirty="0">
+                        <a:solidFill>
+                          <a:srgbClr val="000000"/>
+                        </a:solidFill>
+                        <a:effectLst/>
+                        <a:latin typeface="Liberation Sans"/>
+                      </a:endParaRPr>
+                    </a:p>
+                  </a:txBody>
+                  <a:tcPr marL="9525" marR="9525" marT="9525" marB="0" anchor="b"/>
+                </a:tc>
+                <a:tc>
+                  <a:txBody>
+                    <a:bodyPr/>
+                    <a:lstStyle/>
+                    <a:p>
+                      <a:pPr algn="r" fontAlgn="b"/>
+                      <a:r>
+                        <a:rPr lang="es-ES" sz="2000" u="none" strike="noStrike">
+                          <a:effectLst/>
+                        </a:rPr>
+                        <a:t>50,70%</a:t>
+                      </a:r>
+                      <a:endParaRPr lang="es-ES" sz="2000" b="0" i="0" u="none" strike="noStrike">
+                        <a:solidFill>
+                          <a:srgbClr val="000000"/>
+                        </a:solidFill>
+                        <a:effectLst/>
+                        <a:latin typeface="Liberation Sans"/>
+                      </a:endParaRPr>
+                    </a:p>
+                  </a:txBody>
+                  <a:tcPr marL="9525" marR="9525" marT="9525" marB="0" anchor="b"/>
+                </a:tc>
+                <a:tc>
+                  <a:txBody>
+                    <a:bodyPr/>
+                    <a:lstStyle/>
+                    <a:p>
+                      <a:pPr algn="r" fontAlgn="b"/>
+                      <a:r>
+                        <a:rPr lang="es-ES" sz="2000" u="none" strike="noStrike">
+                          <a:effectLst/>
+                        </a:rPr>
+                        <a:t>53,95%</a:t>
+                      </a:r>
+                      <a:endParaRPr lang="es-ES" sz="2000" b="0" i="0" u="none" strike="noStrike">
+                        <a:solidFill>
+                          <a:srgbClr val="000000"/>
+                        </a:solidFill>
+                        <a:effectLst/>
+                        <a:latin typeface="Liberation Sans"/>
+                      </a:endParaRPr>
+                    </a:p>
+                  </a:txBody>
+                  <a:tcPr marL="9525" marR="9525" marT="9525" marB="0" anchor="b"/>
+                </a:tc>
+                <a:tc>
+                  <a:txBody>
+                    <a:bodyPr/>
+                    <a:lstStyle/>
+                    <a:p>
+                      <a:pPr algn="r" fontAlgn="b"/>
+                      <a:r>
+                        <a:rPr lang="es-ES" sz="2000" u="none" strike="noStrike">
+                          <a:effectLst/>
+                        </a:rPr>
+                        <a:t>54,19%</a:t>
+                      </a:r>
+                      <a:endParaRPr lang="es-ES" sz="2000" b="0" i="0" u="none" strike="noStrike">
+                        <a:solidFill>
+                          <a:srgbClr val="000000"/>
+                        </a:solidFill>
+                        <a:effectLst/>
+                        <a:latin typeface="Liberation Sans"/>
+                      </a:endParaRPr>
+                    </a:p>
+                  </a:txBody>
+                  <a:tcPr marL="9525" marR="9525" marT="9525" marB="0" anchor="b"/>
+                </a:tc>
+                <a:tc>
+                  <a:txBody>
+                    <a:bodyPr/>
+                    <a:lstStyle/>
+                    <a:p>
+                      <a:pPr algn="r" fontAlgn="b"/>
+                      <a:r>
+                        <a:rPr lang="es-ES" sz="2000" u="none" strike="noStrike" dirty="0">
+                          <a:effectLst/>
+                        </a:rPr>
+                        <a:t>51,86%</a:t>
+                      </a:r>
+                      <a:endParaRPr lang="es-ES" sz="2000" b="0" i="0" u="none" strike="noStrike" dirty="0">
+                        <a:solidFill>
+                          <a:srgbClr val="000000"/>
+                        </a:solidFill>
+                        <a:effectLst/>
+                        <a:latin typeface="Liberation Sans"/>
+                      </a:endParaRPr>
+                    </a:p>
+                  </a:txBody>
+                  <a:tcPr marL="9525" marR="9525" marT="9525" marB="0" anchor="b"/>
+                </a:tc>
+                <a:extLst>
+                  <a:ext uri="{0D108BD9-81ED-4DB2-BD59-A6C34878D82A}">
+                    <a16:rowId xmlns:a16="http://schemas.microsoft.com/office/drawing/2014/main" val="3823845897"/>
+                  </a:ext>
+                </a:extLst>
+              </a:tr>
+            </a:tbl>
+          </a:graphicData>
+        </a:graphic>
+      </p:graphicFrame>
+    </p:spTree>
+    <p:extLst>
+      <p:ext uri="{BB962C8B-B14F-4D97-AF65-F5344CB8AC3E}">
+        <p14:creationId xmlns:p14="http://schemas.microsoft.com/office/powerpoint/2010/main" val="2405218555"/>
+      </p:ext>
+    </p:extLst>
+  </p:cSld>
+  <p:clrMapOvr>
+    <a:overrideClrMapping bg1="dk1" tx1="lt1" bg2="dk2" tx2="lt2" accent1="accent1" accent2="accent2" accent3="accent3" accent4="accent4" accent5="accent5" accent6="accent6" hlink="hlink" folHlink="folHlink"/>
   </p:clrMapOvr>
 </p:sld>
 </file>

--- a/docs/PresentacionFinal.pptx
+++ b/docs/PresentacionFinal.pptx
@@ -128,7 +128,7 @@
   </p:defaultTextStyle>
   <p:extLst>
     <p:ext uri="{EFAFB233-063F-42B5-8137-9DF3F51BA10A}">
-      <p15:sldGuideLst xmlns:p15="http://schemas.microsoft.com/office/powerpoint/2012/main" xmlns="">
+      <p15:sldGuideLst xmlns:p15="http://schemas.microsoft.com/office/powerpoint/2012/main">
         <p15:guide id="1" orient="horz" pos="2160">
           <p15:clr>
             <a:srgbClr val="A4A3A4"/>
@@ -3611,13 +3611,6 @@
         </dgm:presLayoutVars>
       </dgm:prSet>
       <dgm:spPr/>
-      <dgm:t>
-        <a:bodyPr/>
-        <a:lstStyle/>
-        <a:p>
-          <a:endParaRPr lang="es-ES"/>
-        </a:p>
-      </dgm:t>
     </dgm:pt>
     <dgm:pt modelId="{46ADBB41-C6F7-4070-9695-45252DAD7766}" type="pres">
       <dgm:prSet presAssocID="{B29287EB-5257-4A72-B568-83E1FF74B78E}" presName="compNode" presStyleCnt="0"/>
@@ -3634,24 +3627,10 @@
         </dgm:presLayoutVars>
       </dgm:prSet>
       <dgm:spPr/>
-      <dgm:t>
-        <a:bodyPr/>
-        <a:lstStyle/>
-        <a:p>
-          <a:endParaRPr lang="es-ES"/>
-        </a:p>
-      </dgm:t>
     </dgm:pt>
     <dgm:pt modelId="{0FCC7F6B-0C41-4FE0-B139-A78D14AD8923}" type="pres">
       <dgm:prSet presAssocID="{B29287EB-5257-4A72-B568-83E1FF74B78E}" presName="childTextHidden" presStyleLbl="bgAccFollowNode1" presStyleIdx="0" presStyleCnt="3"/>
       <dgm:spPr/>
-      <dgm:t>
-        <a:bodyPr/>
-        <a:lstStyle/>
-        <a:p>
-          <a:endParaRPr lang="es-ES"/>
-        </a:p>
-      </dgm:t>
     </dgm:pt>
     <dgm:pt modelId="{D4BDE164-A985-4E11-BCE7-D9F1F96F3E56}" type="pres">
       <dgm:prSet presAssocID="{B29287EB-5257-4A72-B568-83E1FF74B78E}" presName="parentText" presStyleLbl="node1" presStyleIdx="0" presStyleCnt="3">
@@ -3661,13 +3640,6 @@
         </dgm:presLayoutVars>
       </dgm:prSet>
       <dgm:spPr/>
-      <dgm:t>
-        <a:bodyPr/>
-        <a:lstStyle/>
-        <a:p>
-          <a:endParaRPr lang="es-ES"/>
-        </a:p>
-      </dgm:t>
     </dgm:pt>
     <dgm:pt modelId="{37D8D33B-2B9D-449C-A9EC-6068D6ABDB5A}" type="pres">
       <dgm:prSet presAssocID="{B29287EB-5257-4A72-B568-83E1FF74B78E}" presName="aSpace" presStyleCnt="0"/>
@@ -3688,24 +3660,10 @@
         </dgm:presLayoutVars>
       </dgm:prSet>
       <dgm:spPr/>
-      <dgm:t>
-        <a:bodyPr/>
-        <a:lstStyle/>
-        <a:p>
-          <a:endParaRPr lang="es-ES"/>
-        </a:p>
-      </dgm:t>
     </dgm:pt>
     <dgm:pt modelId="{CCB9BAE1-46F0-48A8-BC99-ADCCBEF9B131}" type="pres">
       <dgm:prSet presAssocID="{CD5C3F0E-07D0-4F04-ADC6-2287DA505F8D}" presName="childTextHidden" presStyleLbl="bgAccFollowNode1" presStyleIdx="1" presStyleCnt="3"/>
       <dgm:spPr/>
-      <dgm:t>
-        <a:bodyPr/>
-        <a:lstStyle/>
-        <a:p>
-          <a:endParaRPr lang="es-ES"/>
-        </a:p>
-      </dgm:t>
     </dgm:pt>
     <dgm:pt modelId="{4EC45A84-B17D-42BB-BFF6-00A7955F2DD8}" type="pres">
       <dgm:prSet presAssocID="{CD5C3F0E-07D0-4F04-ADC6-2287DA505F8D}" presName="parentText" presStyleLbl="node1" presStyleIdx="1" presStyleCnt="3">
@@ -3715,13 +3673,6 @@
         </dgm:presLayoutVars>
       </dgm:prSet>
       <dgm:spPr/>
-      <dgm:t>
-        <a:bodyPr/>
-        <a:lstStyle/>
-        <a:p>
-          <a:endParaRPr lang="es-ES"/>
-        </a:p>
-      </dgm:t>
     </dgm:pt>
     <dgm:pt modelId="{9A49CA38-B93A-4458-B5F6-89482A3D3DD9}" type="pres">
       <dgm:prSet presAssocID="{CD5C3F0E-07D0-4F04-ADC6-2287DA505F8D}" presName="aSpace" presStyleCnt="0"/>
@@ -3742,24 +3693,10 @@
         </dgm:presLayoutVars>
       </dgm:prSet>
       <dgm:spPr/>
-      <dgm:t>
-        <a:bodyPr/>
-        <a:lstStyle/>
-        <a:p>
-          <a:endParaRPr lang="es-ES"/>
-        </a:p>
-      </dgm:t>
     </dgm:pt>
     <dgm:pt modelId="{B28061A1-959A-4CCC-B4F0-7B01D8E65124}" type="pres">
       <dgm:prSet presAssocID="{3D30614B-637A-4CB4-9EB0-92A2EFB0C194}" presName="childTextHidden" presStyleLbl="bgAccFollowNode1" presStyleIdx="2" presStyleCnt="3"/>
       <dgm:spPr/>
-      <dgm:t>
-        <a:bodyPr/>
-        <a:lstStyle/>
-        <a:p>
-          <a:endParaRPr lang="es-ES"/>
-        </a:p>
-      </dgm:t>
     </dgm:pt>
     <dgm:pt modelId="{28C703E4-9C1D-4EEB-B4BD-4304F73C3779}" type="pres">
       <dgm:prSet presAssocID="{3D30614B-637A-4CB4-9EB0-92A2EFB0C194}" presName="parentText" presStyleLbl="node1" presStyleIdx="2" presStyleCnt="3">
@@ -3769,41 +3706,34 @@
         </dgm:presLayoutVars>
       </dgm:prSet>
       <dgm:spPr/>
-      <dgm:t>
-        <a:bodyPr/>
-        <a:lstStyle/>
-        <a:p>
-          <a:endParaRPr lang="es-ES"/>
-        </a:p>
-      </dgm:t>
     </dgm:pt>
   </dgm:ptLst>
   <dgm:cxnLst>
+    <dgm:cxn modelId="{26244ABB-5602-483B-A618-9B2D40F538B2}" type="presOf" srcId="{3D30614B-637A-4CB4-9EB0-92A2EFB0C194}" destId="{28C703E4-9C1D-4EEB-B4BD-4304F73C3779}" srcOrd="0" destOrd="0" presId="urn:microsoft.com/office/officeart/2005/8/layout/hProcess6"/>
+    <dgm:cxn modelId="{417075EE-260B-43D1-99D7-D9BBB19B620D}" srcId="{CD5C3F0E-07D0-4F04-ADC6-2287DA505F8D}" destId="{37B4F018-E1BA-4AD0-A324-1EB5B5A65290}" srcOrd="1" destOrd="0" parTransId="{D34B99FD-86B8-415E-A47A-E165887DFEA4}" sibTransId="{7C437084-B4DD-4A7F-9C00-85BC2546A61B}"/>
+    <dgm:cxn modelId="{D8EE8595-1E6D-460C-B941-F0A5F6030981}" type="presOf" srcId="{46DCD79B-8CAA-4C19-97B0-F8DAF710CCE2}" destId="{339C7CEA-78A4-4709-9FFC-32B9225D0249}" srcOrd="0" destOrd="0" presId="urn:microsoft.com/office/officeart/2005/8/layout/hProcess6"/>
+    <dgm:cxn modelId="{93CA71E0-EC10-4BE1-8BF9-DB6842FC7867}" type="presOf" srcId="{AE59A055-7DFF-4810-B453-88D932002C96}" destId="{E282D330-89B8-44D9-A6C5-AAFB6BB781FC}" srcOrd="0" destOrd="0" presId="urn:microsoft.com/office/officeart/2005/8/layout/hProcess6"/>
+    <dgm:cxn modelId="{49B0D7D3-F2BD-4611-8E4D-616D9DB65421}" srcId="{46DCD79B-8CAA-4C19-97B0-F8DAF710CCE2}" destId="{B29287EB-5257-4A72-B568-83E1FF74B78E}" srcOrd="0" destOrd="0" parTransId="{1FBAFA14-DAC2-40E3-9F11-F9F463EF5201}" sibTransId="{78DE0300-F9D0-4CCC-B80D-98455BE1339A}"/>
+    <dgm:cxn modelId="{D2FD1441-AABC-444F-B316-BB92E53E6B02}" type="presOf" srcId="{B29287EB-5257-4A72-B568-83E1FF74B78E}" destId="{D4BDE164-A985-4E11-BCE7-D9F1F96F3E56}" srcOrd="0" destOrd="0" presId="urn:microsoft.com/office/officeart/2005/8/layout/hProcess6"/>
+    <dgm:cxn modelId="{89F5077D-4A1D-4F56-9CEF-49AE27D31D45}" srcId="{3D30614B-637A-4CB4-9EB0-92A2EFB0C194}" destId="{1F6BF586-C97E-4CDD-9A59-34A3DEC16CED}" srcOrd="1" destOrd="0" parTransId="{93077CB5-8C72-4A8B-8AB0-C7DA6291F9B2}" sibTransId="{4024EEBB-A50F-43AB-8537-14C8C4887DA1}"/>
     <dgm:cxn modelId="{B3297DBF-37A4-4025-A8FE-BEFE1FC91D41}" type="presOf" srcId="{37B4F018-E1BA-4AD0-A324-1EB5B5A65290}" destId="{E282D330-89B8-44D9-A6C5-AAFB6BB781FC}" srcOrd="0" destOrd="1" presId="urn:microsoft.com/office/officeart/2005/8/layout/hProcess6"/>
+    <dgm:cxn modelId="{C4E553A3-56E9-41EC-B4DC-9C2BDCB02EE9}" type="presOf" srcId="{DA3EDE2A-72A5-4A10-A9DB-BA922AA0BAEA}" destId="{B28061A1-959A-4CCC-B4F0-7B01D8E65124}" srcOrd="1" destOrd="0" presId="urn:microsoft.com/office/officeart/2005/8/layout/hProcess6"/>
+    <dgm:cxn modelId="{642524A7-68B3-4130-8348-A9BF803A847B}" type="presOf" srcId="{37B4F018-E1BA-4AD0-A324-1EB5B5A65290}" destId="{CCB9BAE1-46F0-48A8-BC99-ADCCBEF9B131}" srcOrd="1" destOrd="1" presId="urn:microsoft.com/office/officeart/2005/8/layout/hProcess6"/>
+    <dgm:cxn modelId="{B6BF7B9D-7832-454B-91C2-0E042FF16560}" type="presOf" srcId="{F61A4D85-92D7-46F5-AF0E-E5CB54170C40}" destId="{0147EF20-3C22-419D-B8E7-66311B69A382}" srcOrd="0" destOrd="0" presId="urn:microsoft.com/office/officeart/2005/8/layout/hProcess6"/>
+    <dgm:cxn modelId="{0210C9F5-BEC4-43A6-A99F-BEB9F1E65E05}" type="presOf" srcId="{AE59A055-7DFF-4810-B453-88D932002C96}" destId="{CCB9BAE1-46F0-48A8-BC99-ADCCBEF9B131}" srcOrd="1" destOrd="0" presId="urn:microsoft.com/office/officeart/2005/8/layout/hProcess6"/>
+    <dgm:cxn modelId="{5E9CFFBE-0A45-45A4-BBB0-95909E92DFA2}" srcId="{3D30614B-637A-4CB4-9EB0-92A2EFB0C194}" destId="{DA3EDE2A-72A5-4A10-A9DB-BA922AA0BAEA}" srcOrd="0" destOrd="0" parTransId="{4D6C370D-73B8-4745-949E-F7133B054B42}" sibTransId="{8C604E52-FCD3-4A6C-A09F-176149D0EAED}"/>
+    <dgm:cxn modelId="{BA107A4D-4B66-433D-A78B-A29D1FB46CBC}" type="presOf" srcId="{CD5C3F0E-07D0-4F04-ADC6-2287DA505F8D}" destId="{4EC45A84-B17D-42BB-BFF6-00A7955F2DD8}" srcOrd="0" destOrd="0" presId="urn:microsoft.com/office/officeart/2005/8/layout/hProcess6"/>
+    <dgm:cxn modelId="{EC8C2F65-438B-4A47-8C5F-0457071E44A2}" srcId="{B29287EB-5257-4A72-B568-83E1FF74B78E}" destId="{F61A4D85-92D7-46F5-AF0E-E5CB54170C40}" srcOrd="0" destOrd="0" parTransId="{B0299D8C-D4CF-46F5-8463-9F0819DC77A9}" sibTransId="{2C378C9D-CCF1-4174-92FA-911EEB1F47CF}"/>
+    <dgm:cxn modelId="{9E7AF16A-A108-424E-BBA1-E90213FEA163}" type="presOf" srcId="{02C1FF95-0E58-4CB4-A820-812F7C0EC947}" destId="{0FCC7F6B-0C41-4FE0-B139-A78D14AD8923}" srcOrd="1" destOrd="1" presId="urn:microsoft.com/office/officeart/2005/8/layout/hProcess6"/>
     <dgm:cxn modelId="{BED71E58-E6F5-4CA5-9800-80A324C45B2C}" type="presOf" srcId="{DA3EDE2A-72A5-4A10-A9DB-BA922AA0BAEA}" destId="{3400CD74-5D7B-4E55-AC5F-3096E62A8AB5}" srcOrd="0" destOrd="0" presId="urn:microsoft.com/office/officeart/2005/8/layout/hProcess6"/>
-    <dgm:cxn modelId="{5E9CFFBE-0A45-45A4-BBB0-95909E92DFA2}" srcId="{3D30614B-637A-4CB4-9EB0-92A2EFB0C194}" destId="{DA3EDE2A-72A5-4A10-A9DB-BA922AA0BAEA}" srcOrd="0" destOrd="0" parTransId="{4D6C370D-73B8-4745-949E-F7133B054B42}" sibTransId="{8C604E52-FCD3-4A6C-A09F-176149D0EAED}"/>
-    <dgm:cxn modelId="{93CA71E0-EC10-4BE1-8BF9-DB6842FC7867}" type="presOf" srcId="{AE59A055-7DFF-4810-B453-88D932002C96}" destId="{E282D330-89B8-44D9-A6C5-AAFB6BB781FC}" srcOrd="0" destOrd="0" presId="urn:microsoft.com/office/officeart/2005/8/layout/hProcess6"/>
-    <dgm:cxn modelId="{642524A7-68B3-4130-8348-A9BF803A847B}" type="presOf" srcId="{37B4F018-E1BA-4AD0-A324-1EB5B5A65290}" destId="{CCB9BAE1-46F0-48A8-BC99-ADCCBEF9B131}" srcOrd="1" destOrd="1" presId="urn:microsoft.com/office/officeart/2005/8/layout/hProcess6"/>
-    <dgm:cxn modelId="{A82D7F77-7893-49D2-8FF6-F3670599BC11}" srcId="{46DCD79B-8CAA-4C19-97B0-F8DAF710CCE2}" destId="{CD5C3F0E-07D0-4F04-ADC6-2287DA505F8D}" srcOrd="1" destOrd="0" parTransId="{4BBBB763-5722-4348-A43D-64758A6FFCEB}" sibTransId="{589A6037-EB48-4785-9E31-5682419FFE5B}"/>
-    <dgm:cxn modelId="{26244ABB-5602-483B-A618-9B2D40F538B2}" type="presOf" srcId="{3D30614B-637A-4CB4-9EB0-92A2EFB0C194}" destId="{28C703E4-9C1D-4EEB-B4BD-4304F73C3779}" srcOrd="0" destOrd="0" presId="urn:microsoft.com/office/officeart/2005/8/layout/hProcess6"/>
-    <dgm:cxn modelId="{BA107A4D-4B66-433D-A78B-A29D1FB46CBC}" type="presOf" srcId="{CD5C3F0E-07D0-4F04-ADC6-2287DA505F8D}" destId="{4EC45A84-B17D-42BB-BFF6-00A7955F2DD8}" srcOrd="0" destOrd="0" presId="urn:microsoft.com/office/officeart/2005/8/layout/hProcess6"/>
-    <dgm:cxn modelId="{C4E553A3-56E9-41EC-B4DC-9C2BDCB02EE9}" type="presOf" srcId="{DA3EDE2A-72A5-4A10-A9DB-BA922AA0BAEA}" destId="{B28061A1-959A-4CCC-B4F0-7B01D8E65124}" srcOrd="1" destOrd="0" presId="urn:microsoft.com/office/officeart/2005/8/layout/hProcess6"/>
-    <dgm:cxn modelId="{49B0D7D3-F2BD-4611-8E4D-616D9DB65421}" srcId="{46DCD79B-8CAA-4C19-97B0-F8DAF710CCE2}" destId="{B29287EB-5257-4A72-B568-83E1FF74B78E}" srcOrd="0" destOrd="0" parTransId="{1FBAFA14-DAC2-40E3-9F11-F9F463EF5201}" sibTransId="{78DE0300-F9D0-4CCC-B80D-98455BE1339A}"/>
     <dgm:cxn modelId="{308DACEF-CB48-4C12-913C-6A612E2B3B02}" srcId="{CD5C3F0E-07D0-4F04-ADC6-2287DA505F8D}" destId="{AE59A055-7DFF-4810-B453-88D932002C96}" srcOrd="0" destOrd="0" parTransId="{BD7C582A-A8B0-449E-81C7-AA1B7B384C11}" sibTransId="{E9AA1BE4-A7F9-49A2-81B9-9495C034B7C3}"/>
-    <dgm:cxn modelId="{E0184358-51D9-40AC-8E64-8100C0A67108}" type="presOf" srcId="{1F6BF586-C97E-4CDD-9A59-34A3DEC16CED}" destId="{3400CD74-5D7B-4E55-AC5F-3096E62A8AB5}" srcOrd="0" destOrd="1" presId="urn:microsoft.com/office/officeart/2005/8/layout/hProcess6"/>
-    <dgm:cxn modelId="{EC8C2F65-438B-4A47-8C5F-0457071E44A2}" srcId="{B29287EB-5257-4A72-B568-83E1FF74B78E}" destId="{F61A4D85-92D7-46F5-AF0E-E5CB54170C40}" srcOrd="0" destOrd="0" parTransId="{B0299D8C-D4CF-46F5-8463-9F0819DC77A9}" sibTransId="{2C378C9D-CCF1-4174-92FA-911EEB1F47CF}"/>
-    <dgm:cxn modelId="{D2FD1441-AABC-444F-B316-BB92E53E6B02}" type="presOf" srcId="{B29287EB-5257-4A72-B568-83E1FF74B78E}" destId="{D4BDE164-A985-4E11-BCE7-D9F1F96F3E56}" srcOrd="0" destOrd="0" presId="urn:microsoft.com/office/officeart/2005/8/layout/hProcess6"/>
-    <dgm:cxn modelId="{02543647-940E-4A00-A9C7-65EBDA79E77E}" type="presOf" srcId="{F61A4D85-92D7-46F5-AF0E-E5CB54170C40}" destId="{0FCC7F6B-0C41-4FE0-B139-A78D14AD8923}" srcOrd="1" destOrd="0" presId="urn:microsoft.com/office/officeart/2005/8/layout/hProcess6"/>
-    <dgm:cxn modelId="{9E7AF16A-A108-424E-BBA1-E90213FEA163}" type="presOf" srcId="{02C1FF95-0E58-4CB4-A820-812F7C0EC947}" destId="{0FCC7F6B-0C41-4FE0-B139-A78D14AD8923}" srcOrd="1" destOrd="1" presId="urn:microsoft.com/office/officeart/2005/8/layout/hProcess6"/>
     <dgm:cxn modelId="{28B2044E-12C3-4E8E-8E25-7A66D9EA4306}" type="presOf" srcId="{02C1FF95-0E58-4CB4-A820-812F7C0EC947}" destId="{0147EF20-3C22-419D-B8E7-66311B69A382}" srcOrd="0" destOrd="1" presId="urn:microsoft.com/office/officeart/2005/8/layout/hProcess6"/>
     <dgm:cxn modelId="{B2A2B9F4-0C51-49F8-97B0-9817D8FBB8A0}" type="presOf" srcId="{1F6BF586-C97E-4CDD-9A59-34A3DEC16CED}" destId="{B28061A1-959A-4CCC-B4F0-7B01D8E65124}" srcOrd="1" destOrd="1" presId="urn:microsoft.com/office/officeart/2005/8/layout/hProcess6"/>
+    <dgm:cxn modelId="{A82D7F77-7893-49D2-8FF6-F3670599BC11}" srcId="{46DCD79B-8CAA-4C19-97B0-F8DAF710CCE2}" destId="{CD5C3F0E-07D0-4F04-ADC6-2287DA505F8D}" srcOrd="1" destOrd="0" parTransId="{4BBBB763-5722-4348-A43D-64758A6FFCEB}" sibTransId="{589A6037-EB48-4785-9E31-5682419FFE5B}"/>
+    <dgm:cxn modelId="{9AAC1E25-8B7F-4701-A9A5-9E3777B02B34}" srcId="{B29287EB-5257-4A72-B568-83E1FF74B78E}" destId="{02C1FF95-0E58-4CB4-A820-812F7C0EC947}" srcOrd="1" destOrd="0" parTransId="{D8D79BB7-DD7F-4261-B5BE-918BA5BEB1C7}" sibTransId="{9B4193B1-28ED-49A9-9337-EFA9F3ABC717}"/>
+    <dgm:cxn modelId="{E0184358-51D9-40AC-8E64-8100C0A67108}" type="presOf" srcId="{1F6BF586-C97E-4CDD-9A59-34A3DEC16CED}" destId="{3400CD74-5D7B-4E55-AC5F-3096E62A8AB5}" srcOrd="0" destOrd="1" presId="urn:microsoft.com/office/officeart/2005/8/layout/hProcess6"/>
+    <dgm:cxn modelId="{02543647-940E-4A00-A9C7-65EBDA79E77E}" type="presOf" srcId="{F61A4D85-92D7-46F5-AF0E-E5CB54170C40}" destId="{0FCC7F6B-0C41-4FE0-B139-A78D14AD8923}" srcOrd="1" destOrd="0" presId="urn:microsoft.com/office/officeart/2005/8/layout/hProcess6"/>
     <dgm:cxn modelId="{BD7D2EEF-90D6-4F62-826A-B4C20DA4BD0A}" srcId="{46DCD79B-8CAA-4C19-97B0-F8DAF710CCE2}" destId="{3D30614B-637A-4CB4-9EB0-92A2EFB0C194}" srcOrd="2" destOrd="0" parTransId="{A2F3ACD2-A862-4E96-BA4C-7857A58A629F}" sibTransId="{C43B6FD3-5568-4F61-B67C-8FC7A60AA100}"/>
-    <dgm:cxn modelId="{B6BF7B9D-7832-454B-91C2-0E042FF16560}" type="presOf" srcId="{F61A4D85-92D7-46F5-AF0E-E5CB54170C40}" destId="{0147EF20-3C22-419D-B8E7-66311B69A382}" srcOrd="0" destOrd="0" presId="urn:microsoft.com/office/officeart/2005/8/layout/hProcess6"/>
-    <dgm:cxn modelId="{89F5077D-4A1D-4F56-9CEF-49AE27D31D45}" srcId="{3D30614B-637A-4CB4-9EB0-92A2EFB0C194}" destId="{1F6BF586-C97E-4CDD-9A59-34A3DEC16CED}" srcOrd="1" destOrd="0" parTransId="{93077CB5-8C72-4A8B-8AB0-C7DA6291F9B2}" sibTransId="{4024EEBB-A50F-43AB-8537-14C8C4887DA1}"/>
-    <dgm:cxn modelId="{0210C9F5-BEC4-43A6-A99F-BEB9F1E65E05}" type="presOf" srcId="{AE59A055-7DFF-4810-B453-88D932002C96}" destId="{CCB9BAE1-46F0-48A8-BC99-ADCCBEF9B131}" srcOrd="1" destOrd="0" presId="urn:microsoft.com/office/officeart/2005/8/layout/hProcess6"/>
-    <dgm:cxn modelId="{9AAC1E25-8B7F-4701-A9A5-9E3777B02B34}" srcId="{B29287EB-5257-4A72-B568-83E1FF74B78E}" destId="{02C1FF95-0E58-4CB4-A820-812F7C0EC947}" srcOrd="1" destOrd="0" parTransId="{D8D79BB7-DD7F-4261-B5BE-918BA5BEB1C7}" sibTransId="{9B4193B1-28ED-49A9-9337-EFA9F3ABC717}"/>
-    <dgm:cxn modelId="{D8EE8595-1E6D-460C-B941-F0A5F6030981}" type="presOf" srcId="{46DCD79B-8CAA-4C19-97B0-F8DAF710CCE2}" destId="{339C7CEA-78A4-4709-9FFC-32B9225D0249}" srcOrd="0" destOrd="0" presId="urn:microsoft.com/office/officeart/2005/8/layout/hProcess6"/>
-    <dgm:cxn modelId="{417075EE-260B-43D1-99D7-D9BBB19B620D}" srcId="{CD5C3F0E-07D0-4F04-ADC6-2287DA505F8D}" destId="{37B4F018-E1BA-4AD0-A324-1EB5B5A65290}" srcOrd="1" destOrd="0" parTransId="{D34B99FD-86B8-415E-A47A-E165887DFEA4}" sibTransId="{7C437084-B4DD-4A7F-9C00-85BC2546A61B}"/>
     <dgm:cxn modelId="{975EA8FE-75A3-4E86-A24B-970AA5278986}" type="presParOf" srcId="{339C7CEA-78A4-4709-9FFC-32B9225D0249}" destId="{46ADBB41-C6F7-4070-9695-45252DAD7766}" srcOrd="0" destOrd="0" presId="urn:microsoft.com/office/officeart/2005/8/layout/hProcess6"/>
     <dgm:cxn modelId="{A41414E9-0561-4097-B07B-19321ECC690F}" type="presParOf" srcId="{46ADBB41-C6F7-4070-9695-45252DAD7766}" destId="{D3501BDE-0D9C-4C0E-B29E-3B5AE779DEF2}" srcOrd="0" destOrd="0" presId="urn:microsoft.com/office/officeart/2005/8/layout/hProcess6"/>
     <dgm:cxn modelId="{E2F141DA-93EB-41AF-86D3-E17716517CD4}" type="presParOf" srcId="{46ADBB41-C6F7-4070-9695-45252DAD7766}" destId="{0147EF20-3C22-419D-B8E7-66311B69A382}" srcOrd="1" destOrd="0" presId="urn:microsoft.com/office/officeart/2005/8/layout/hProcess6"/>
@@ -3826,7 +3756,7 @@
   <dgm:whole/>
   <dgm:extLst>
     <a:ext uri="http://schemas.microsoft.com/office/drawing/2008/diagram">
-      <dsp:dataModelExt xmlns:dsp="http://schemas.microsoft.com/office/drawing/2008/diagram" xmlns="" relId="rId6" minVer="http://schemas.openxmlformats.org/drawingml/2006/diagram"/>
+      <dsp:dataModelExt xmlns:dsp="http://schemas.microsoft.com/office/drawing/2008/diagram" relId="rId6" minVer="http://schemas.openxmlformats.org/drawingml/2006/diagram"/>
     </a:ext>
   </dgm:extLst>
 </dgm:dataModel>
@@ -4182,13 +4112,6 @@
         </dgm:presLayoutVars>
       </dgm:prSet>
       <dgm:spPr/>
-      <dgm:t>
-        <a:bodyPr/>
-        <a:lstStyle/>
-        <a:p>
-          <a:endParaRPr lang="es-ES"/>
-        </a:p>
-      </dgm:t>
     </dgm:pt>
     <dgm:pt modelId="{46ADBB41-C6F7-4070-9695-45252DAD7766}" type="pres">
       <dgm:prSet presAssocID="{B29287EB-5257-4A72-B568-83E1FF74B78E}" presName="compNode" presStyleCnt="0"/>
@@ -4205,24 +4128,10 @@
         </dgm:presLayoutVars>
       </dgm:prSet>
       <dgm:spPr/>
-      <dgm:t>
-        <a:bodyPr/>
-        <a:lstStyle/>
-        <a:p>
-          <a:endParaRPr lang="es-ES"/>
-        </a:p>
-      </dgm:t>
     </dgm:pt>
     <dgm:pt modelId="{0FCC7F6B-0C41-4FE0-B139-A78D14AD8923}" type="pres">
       <dgm:prSet presAssocID="{B29287EB-5257-4A72-B568-83E1FF74B78E}" presName="childTextHidden" presStyleLbl="bgAccFollowNode1" presStyleIdx="0" presStyleCnt="3"/>
       <dgm:spPr/>
-      <dgm:t>
-        <a:bodyPr/>
-        <a:lstStyle/>
-        <a:p>
-          <a:endParaRPr lang="es-ES"/>
-        </a:p>
-      </dgm:t>
     </dgm:pt>
     <dgm:pt modelId="{D4BDE164-A985-4E11-BCE7-D9F1F96F3E56}" type="pres">
       <dgm:prSet presAssocID="{B29287EB-5257-4A72-B568-83E1FF74B78E}" presName="parentText" presStyleLbl="node1" presStyleIdx="0" presStyleCnt="3">
@@ -4232,13 +4141,6 @@
         </dgm:presLayoutVars>
       </dgm:prSet>
       <dgm:spPr/>
-      <dgm:t>
-        <a:bodyPr/>
-        <a:lstStyle/>
-        <a:p>
-          <a:endParaRPr lang="es-ES"/>
-        </a:p>
-      </dgm:t>
     </dgm:pt>
     <dgm:pt modelId="{37D8D33B-2B9D-449C-A9EC-6068D6ABDB5A}" type="pres">
       <dgm:prSet presAssocID="{B29287EB-5257-4A72-B568-83E1FF74B78E}" presName="aSpace" presStyleCnt="0"/>
@@ -4259,24 +4161,10 @@
         </dgm:presLayoutVars>
       </dgm:prSet>
       <dgm:spPr/>
-      <dgm:t>
-        <a:bodyPr/>
-        <a:lstStyle/>
-        <a:p>
-          <a:endParaRPr lang="es-ES"/>
-        </a:p>
-      </dgm:t>
     </dgm:pt>
     <dgm:pt modelId="{CCB9BAE1-46F0-48A8-BC99-ADCCBEF9B131}" type="pres">
       <dgm:prSet presAssocID="{CD5C3F0E-07D0-4F04-ADC6-2287DA505F8D}" presName="childTextHidden" presStyleLbl="bgAccFollowNode1" presStyleIdx="1" presStyleCnt="3"/>
       <dgm:spPr/>
-      <dgm:t>
-        <a:bodyPr/>
-        <a:lstStyle/>
-        <a:p>
-          <a:endParaRPr lang="es-ES"/>
-        </a:p>
-      </dgm:t>
     </dgm:pt>
     <dgm:pt modelId="{4EC45A84-B17D-42BB-BFF6-00A7955F2DD8}" type="pres">
       <dgm:prSet presAssocID="{CD5C3F0E-07D0-4F04-ADC6-2287DA505F8D}" presName="parentText" presStyleLbl="node1" presStyleIdx="1" presStyleCnt="3">
@@ -4286,13 +4174,6 @@
         </dgm:presLayoutVars>
       </dgm:prSet>
       <dgm:spPr/>
-      <dgm:t>
-        <a:bodyPr/>
-        <a:lstStyle/>
-        <a:p>
-          <a:endParaRPr lang="es-ES"/>
-        </a:p>
-      </dgm:t>
     </dgm:pt>
     <dgm:pt modelId="{9A49CA38-B93A-4458-B5F6-89482A3D3DD9}" type="pres">
       <dgm:prSet presAssocID="{CD5C3F0E-07D0-4F04-ADC6-2287DA505F8D}" presName="aSpace" presStyleCnt="0"/>
@@ -4313,24 +4194,10 @@
         </dgm:presLayoutVars>
       </dgm:prSet>
       <dgm:spPr/>
-      <dgm:t>
-        <a:bodyPr/>
-        <a:lstStyle/>
-        <a:p>
-          <a:endParaRPr lang="es-ES"/>
-        </a:p>
-      </dgm:t>
     </dgm:pt>
     <dgm:pt modelId="{B28061A1-959A-4CCC-B4F0-7B01D8E65124}" type="pres">
       <dgm:prSet presAssocID="{3D30614B-637A-4CB4-9EB0-92A2EFB0C194}" presName="childTextHidden" presStyleLbl="bgAccFollowNode1" presStyleIdx="2" presStyleCnt="3"/>
       <dgm:spPr/>
-      <dgm:t>
-        <a:bodyPr/>
-        <a:lstStyle/>
-        <a:p>
-          <a:endParaRPr lang="es-ES"/>
-        </a:p>
-      </dgm:t>
     </dgm:pt>
     <dgm:pt modelId="{28C703E4-9C1D-4EEB-B4BD-4304F73C3779}" type="pres">
       <dgm:prSet presAssocID="{3D30614B-637A-4CB4-9EB0-92A2EFB0C194}" presName="parentText" presStyleLbl="node1" presStyleIdx="2" presStyleCnt="3">
@@ -4340,41 +4207,34 @@
         </dgm:presLayoutVars>
       </dgm:prSet>
       <dgm:spPr/>
-      <dgm:t>
-        <a:bodyPr/>
-        <a:lstStyle/>
-        <a:p>
-          <a:endParaRPr lang="es-ES"/>
-        </a:p>
-      </dgm:t>
     </dgm:pt>
   </dgm:ptLst>
   <dgm:cxnLst>
+    <dgm:cxn modelId="{26244ABB-5602-483B-A618-9B2D40F538B2}" type="presOf" srcId="{3D30614B-637A-4CB4-9EB0-92A2EFB0C194}" destId="{28C703E4-9C1D-4EEB-B4BD-4304F73C3779}" srcOrd="0" destOrd="0" presId="urn:microsoft.com/office/officeart/2005/8/layout/hProcess6"/>
+    <dgm:cxn modelId="{417075EE-260B-43D1-99D7-D9BBB19B620D}" srcId="{CD5C3F0E-07D0-4F04-ADC6-2287DA505F8D}" destId="{37B4F018-E1BA-4AD0-A324-1EB5B5A65290}" srcOrd="1" destOrd="0" parTransId="{D34B99FD-86B8-415E-A47A-E165887DFEA4}" sibTransId="{7C437084-B4DD-4A7F-9C00-85BC2546A61B}"/>
+    <dgm:cxn modelId="{D8EE8595-1E6D-460C-B941-F0A5F6030981}" type="presOf" srcId="{46DCD79B-8CAA-4C19-97B0-F8DAF710CCE2}" destId="{339C7CEA-78A4-4709-9FFC-32B9225D0249}" srcOrd="0" destOrd="0" presId="urn:microsoft.com/office/officeart/2005/8/layout/hProcess6"/>
+    <dgm:cxn modelId="{93CA71E0-EC10-4BE1-8BF9-DB6842FC7867}" type="presOf" srcId="{AE59A055-7DFF-4810-B453-88D932002C96}" destId="{E282D330-89B8-44D9-A6C5-AAFB6BB781FC}" srcOrd="0" destOrd="0" presId="urn:microsoft.com/office/officeart/2005/8/layout/hProcess6"/>
+    <dgm:cxn modelId="{49B0D7D3-F2BD-4611-8E4D-616D9DB65421}" srcId="{46DCD79B-8CAA-4C19-97B0-F8DAF710CCE2}" destId="{B29287EB-5257-4A72-B568-83E1FF74B78E}" srcOrd="0" destOrd="0" parTransId="{1FBAFA14-DAC2-40E3-9F11-F9F463EF5201}" sibTransId="{78DE0300-F9D0-4CCC-B80D-98455BE1339A}"/>
+    <dgm:cxn modelId="{D2FD1441-AABC-444F-B316-BB92E53E6B02}" type="presOf" srcId="{B29287EB-5257-4A72-B568-83E1FF74B78E}" destId="{D4BDE164-A985-4E11-BCE7-D9F1F96F3E56}" srcOrd="0" destOrd="0" presId="urn:microsoft.com/office/officeart/2005/8/layout/hProcess6"/>
+    <dgm:cxn modelId="{89F5077D-4A1D-4F56-9CEF-49AE27D31D45}" srcId="{3D30614B-637A-4CB4-9EB0-92A2EFB0C194}" destId="{1F6BF586-C97E-4CDD-9A59-34A3DEC16CED}" srcOrd="1" destOrd="0" parTransId="{93077CB5-8C72-4A8B-8AB0-C7DA6291F9B2}" sibTransId="{4024EEBB-A50F-43AB-8537-14C8C4887DA1}"/>
     <dgm:cxn modelId="{B3297DBF-37A4-4025-A8FE-BEFE1FC91D41}" type="presOf" srcId="{37B4F018-E1BA-4AD0-A324-1EB5B5A65290}" destId="{E282D330-89B8-44D9-A6C5-AAFB6BB781FC}" srcOrd="0" destOrd="1" presId="urn:microsoft.com/office/officeart/2005/8/layout/hProcess6"/>
+    <dgm:cxn modelId="{C4E553A3-56E9-41EC-B4DC-9C2BDCB02EE9}" type="presOf" srcId="{DA3EDE2A-72A5-4A10-A9DB-BA922AA0BAEA}" destId="{B28061A1-959A-4CCC-B4F0-7B01D8E65124}" srcOrd="1" destOrd="0" presId="urn:microsoft.com/office/officeart/2005/8/layout/hProcess6"/>
+    <dgm:cxn modelId="{642524A7-68B3-4130-8348-A9BF803A847B}" type="presOf" srcId="{37B4F018-E1BA-4AD0-A324-1EB5B5A65290}" destId="{CCB9BAE1-46F0-48A8-BC99-ADCCBEF9B131}" srcOrd="1" destOrd="1" presId="urn:microsoft.com/office/officeart/2005/8/layout/hProcess6"/>
+    <dgm:cxn modelId="{B6BF7B9D-7832-454B-91C2-0E042FF16560}" type="presOf" srcId="{F61A4D85-92D7-46F5-AF0E-E5CB54170C40}" destId="{0147EF20-3C22-419D-B8E7-66311B69A382}" srcOrd="0" destOrd="0" presId="urn:microsoft.com/office/officeart/2005/8/layout/hProcess6"/>
+    <dgm:cxn modelId="{0210C9F5-BEC4-43A6-A99F-BEB9F1E65E05}" type="presOf" srcId="{AE59A055-7DFF-4810-B453-88D932002C96}" destId="{CCB9BAE1-46F0-48A8-BC99-ADCCBEF9B131}" srcOrd="1" destOrd="0" presId="urn:microsoft.com/office/officeart/2005/8/layout/hProcess6"/>
+    <dgm:cxn modelId="{5E9CFFBE-0A45-45A4-BBB0-95909E92DFA2}" srcId="{3D30614B-637A-4CB4-9EB0-92A2EFB0C194}" destId="{DA3EDE2A-72A5-4A10-A9DB-BA922AA0BAEA}" srcOrd="0" destOrd="0" parTransId="{4D6C370D-73B8-4745-949E-F7133B054B42}" sibTransId="{8C604E52-FCD3-4A6C-A09F-176149D0EAED}"/>
+    <dgm:cxn modelId="{BA107A4D-4B66-433D-A78B-A29D1FB46CBC}" type="presOf" srcId="{CD5C3F0E-07D0-4F04-ADC6-2287DA505F8D}" destId="{4EC45A84-B17D-42BB-BFF6-00A7955F2DD8}" srcOrd="0" destOrd="0" presId="urn:microsoft.com/office/officeart/2005/8/layout/hProcess6"/>
+    <dgm:cxn modelId="{EC8C2F65-438B-4A47-8C5F-0457071E44A2}" srcId="{B29287EB-5257-4A72-B568-83E1FF74B78E}" destId="{F61A4D85-92D7-46F5-AF0E-E5CB54170C40}" srcOrd="0" destOrd="0" parTransId="{B0299D8C-D4CF-46F5-8463-9F0819DC77A9}" sibTransId="{2C378C9D-CCF1-4174-92FA-911EEB1F47CF}"/>
+    <dgm:cxn modelId="{9E7AF16A-A108-424E-BBA1-E90213FEA163}" type="presOf" srcId="{02C1FF95-0E58-4CB4-A820-812F7C0EC947}" destId="{0FCC7F6B-0C41-4FE0-B139-A78D14AD8923}" srcOrd="1" destOrd="1" presId="urn:microsoft.com/office/officeart/2005/8/layout/hProcess6"/>
     <dgm:cxn modelId="{BED71E58-E6F5-4CA5-9800-80A324C45B2C}" type="presOf" srcId="{DA3EDE2A-72A5-4A10-A9DB-BA922AA0BAEA}" destId="{3400CD74-5D7B-4E55-AC5F-3096E62A8AB5}" srcOrd="0" destOrd="0" presId="urn:microsoft.com/office/officeart/2005/8/layout/hProcess6"/>
-    <dgm:cxn modelId="{5E9CFFBE-0A45-45A4-BBB0-95909E92DFA2}" srcId="{3D30614B-637A-4CB4-9EB0-92A2EFB0C194}" destId="{DA3EDE2A-72A5-4A10-A9DB-BA922AA0BAEA}" srcOrd="0" destOrd="0" parTransId="{4D6C370D-73B8-4745-949E-F7133B054B42}" sibTransId="{8C604E52-FCD3-4A6C-A09F-176149D0EAED}"/>
-    <dgm:cxn modelId="{93CA71E0-EC10-4BE1-8BF9-DB6842FC7867}" type="presOf" srcId="{AE59A055-7DFF-4810-B453-88D932002C96}" destId="{E282D330-89B8-44D9-A6C5-AAFB6BB781FC}" srcOrd="0" destOrd="0" presId="urn:microsoft.com/office/officeart/2005/8/layout/hProcess6"/>
-    <dgm:cxn modelId="{642524A7-68B3-4130-8348-A9BF803A847B}" type="presOf" srcId="{37B4F018-E1BA-4AD0-A324-1EB5B5A65290}" destId="{CCB9BAE1-46F0-48A8-BC99-ADCCBEF9B131}" srcOrd="1" destOrd="1" presId="urn:microsoft.com/office/officeart/2005/8/layout/hProcess6"/>
-    <dgm:cxn modelId="{A82D7F77-7893-49D2-8FF6-F3670599BC11}" srcId="{46DCD79B-8CAA-4C19-97B0-F8DAF710CCE2}" destId="{CD5C3F0E-07D0-4F04-ADC6-2287DA505F8D}" srcOrd="1" destOrd="0" parTransId="{4BBBB763-5722-4348-A43D-64758A6FFCEB}" sibTransId="{589A6037-EB48-4785-9E31-5682419FFE5B}"/>
-    <dgm:cxn modelId="{26244ABB-5602-483B-A618-9B2D40F538B2}" type="presOf" srcId="{3D30614B-637A-4CB4-9EB0-92A2EFB0C194}" destId="{28C703E4-9C1D-4EEB-B4BD-4304F73C3779}" srcOrd="0" destOrd="0" presId="urn:microsoft.com/office/officeart/2005/8/layout/hProcess6"/>
-    <dgm:cxn modelId="{BA107A4D-4B66-433D-A78B-A29D1FB46CBC}" type="presOf" srcId="{CD5C3F0E-07D0-4F04-ADC6-2287DA505F8D}" destId="{4EC45A84-B17D-42BB-BFF6-00A7955F2DD8}" srcOrd="0" destOrd="0" presId="urn:microsoft.com/office/officeart/2005/8/layout/hProcess6"/>
-    <dgm:cxn modelId="{C4E553A3-56E9-41EC-B4DC-9C2BDCB02EE9}" type="presOf" srcId="{DA3EDE2A-72A5-4A10-A9DB-BA922AA0BAEA}" destId="{B28061A1-959A-4CCC-B4F0-7B01D8E65124}" srcOrd="1" destOrd="0" presId="urn:microsoft.com/office/officeart/2005/8/layout/hProcess6"/>
-    <dgm:cxn modelId="{49B0D7D3-F2BD-4611-8E4D-616D9DB65421}" srcId="{46DCD79B-8CAA-4C19-97B0-F8DAF710CCE2}" destId="{B29287EB-5257-4A72-B568-83E1FF74B78E}" srcOrd="0" destOrd="0" parTransId="{1FBAFA14-DAC2-40E3-9F11-F9F463EF5201}" sibTransId="{78DE0300-F9D0-4CCC-B80D-98455BE1339A}"/>
     <dgm:cxn modelId="{308DACEF-CB48-4C12-913C-6A612E2B3B02}" srcId="{CD5C3F0E-07D0-4F04-ADC6-2287DA505F8D}" destId="{AE59A055-7DFF-4810-B453-88D932002C96}" srcOrd="0" destOrd="0" parTransId="{BD7C582A-A8B0-449E-81C7-AA1B7B384C11}" sibTransId="{E9AA1BE4-A7F9-49A2-81B9-9495C034B7C3}"/>
-    <dgm:cxn modelId="{E0184358-51D9-40AC-8E64-8100C0A67108}" type="presOf" srcId="{1F6BF586-C97E-4CDD-9A59-34A3DEC16CED}" destId="{3400CD74-5D7B-4E55-AC5F-3096E62A8AB5}" srcOrd="0" destOrd="1" presId="urn:microsoft.com/office/officeart/2005/8/layout/hProcess6"/>
-    <dgm:cxn modelId="{EC8C2F65-438B-4A47-8C5F-0457071E44A2}" srcId="{B29287EB-5257-4A72-B568-83E1FF74B78E}" destId="{F61A4D85-92D7-46F5-AF0E-E5CB54170C40}" srcOrd="0" destOrd="0" parTransId="{B0299D8C-D4CF-46F5-8463-9F0819DC77A9}" sibTransId="{2C378C9D-CCF1-4174-92FA-911EEB1F47CF}"/>
-    <dgm:cxn modelId="{D2FD1441-AABC-444F-B316-BB92E53E6B02}" type="presOf" srcId="{B29287EB-5257-4A72-B568-83E1FF74B78E}" destId="{D4BDE164-A985-4E11-BCE7-D9F1F96F3E56}" srcOrd="0" destOrd="0" presId="urn:microsoft.com/office/officeart/2005/8/layout/hProcess6"/>
-    <dgm:cxn modelId="{02543647-940E-4A00-A9C7-65EBDA79E77E}" type="presOf" srcId="{F61A4D85-92D7-46F5-AF0E-E5CB54170C40}" destId="{0FCC7F6B-0C41-4FE0-B139-A78D14AD8923}" srcOrd="1" destOrd="0" presId="urn:microsoft.com/office/officeart/2005/8/layout/hProcess6"/>
-    <dgm:cxn modelId="{9E7AF16A-A108-424E-BBA1-E90213FEA163}" type="presOf" srcId="{02C1FF95-0E58-4CB4-A820-812F7C0EC947}" destId="{0FCC7F6B-0C41-4FE0-B139-A78D14AD8923}" srcOrd="1" destOrd="1" presId="urn:microsoft.com/office/officeart/2005/8/layout/hProcess6"/>
     <dgm:cxn modelId="{28B2044E-12C3-4E8E-8E25-7A66D9EA4306}" type="presOf" srcId="{02C1FF95-0E58-4CB4-A820-812F7C0EC947}" destId="{0147EF20-3C22-419D-B8E7-66311B69A382}" srcOrd="0" destOrd="1" presId="urn:microsoft.com/office/officeart/2005/8/layout/hProcess6"/>
     <dgm:cxn modelId="{B2A2B9F4-0C51-49F8-97B0-9817D8FBB8A0}" type="presOf" srcId="{1F6BF586-C97E-4CDD-9A59-34A3DEC16CED}" destId="{B28061A1-959A-4CCC-B4F0-7B01D8E65124}" srcOrd="1" destOrd="1" presId="urn:microsoft.com/office/officeart/2005/8/layout/hProcess6"/>
+    <dgm:cxn modelId="{A82D7F77-7893-49D2-8FF6-F3670599BC11}" srcId="{46DCD79B-8CAA-4C19-97B0-F8DAF710CCE2}" destId="{CD5C3F0E-07D0-4F04-ADC6-2287DA505F8D}" srcOrd="1" destOrd="0" parTransId="{4BBBB763-5722-4348-A43D-64758A6FFCEB}" sibTransId="{589A6037-EB48-4785-9E31-5682419FFE5B}"/>
+    <dgm:cxn modelId="{9AAC1E25-8B7F-4701-A9A5-9E3777B02B34}" srcId="{B29287EB-5257-4A72-B568-83E1FF74B78E}" destId="{02C1FF95-0E58-4CB4-A820-812F7C0EC947}" srcOrd="1" destOrd="0" parTransId="{D8D79BB7-DD7F-4261-B5BE-918BA5BEB1C7}" sibTransId="{9B4193B1-28ED-49A9-9337-EFA9F3ABC717}"/>
+    <dgm:cxn modelId="{E0184358-51D9-40AC-8E64-8100C0A67108}" type="presOf" srcId="{1F6BF586-C97E-4CDD-9A59-34A3DEC16CED}" destId="{3400CD74-5D7B-4E55-AC5F-3096E62A8AB5}" srcOrd="0" destOrd="1" presId="urn:microsoft.com/office/officeart/2005/8/layout/hProcess6"/>
+    <dgm:cxn modelId="{02543647-940E-4A00-A9C7-65EBDA79E77E}" type="presOf" srcId="{F61A4D85-92D7-46F5-AF0E-E5CB54170C40}" destId="{0FCC7F6B-0C41-4FE0-B139-A78D14AD8923}" srcOrd="1" destOrd="0" presId="urn:microsoft.com/office/officeart/2005/8/layout/hProcess6"/>
     <dgm:cxn modelId="{BD7D2EEF-90D6-4F62-826A-B4C20DA4BD0A}" srcId="{46DCD79B-8CAA-4C19-97B0-F8DAF710CCE2}" destId="{3D30614B-637A-4CB4-9EB0-92A2EFB0C194}" srcOrd="2" destOrd="0" parTransId="{A2F3ACD2-A862-4E96-BA4C-7857A58A629F}" sibTransId="{C43B6FD3-5568-4F61-B67C-8FC7A60AA100}"/>
-    <dgm:cxn modelId="{B6BF7B9D-7832-454B-91C2-0E042FF16560}" type="presOf" srcId="{F61A4D85-92D7-46F5-AF0E-E5CB54170C40}" destId="{0147EF20-3C22-419D-B8E7-66311B69A382}" srcOrd="0" destOrd="0" presId="urn:microsoft.com/office/officeart/2005/8/layout/hProcess6"/>
-    <dgm:cxn modelId="{89F5077D-4A1D-4F56-9CEF-49AE27D31D45}" srcId="{3D30614B-637A-4CB4-9EB0-92A2EFB0C194}" destId="{1F6BF586-C97E-4CDD-9A59-34A3DEC16CED}" srcOrd="1" destOrd="0" parTransId="{93077CB5-8C72-4A8B-8AB0-C7DA6291F9B2}" sibTransId="{4024EEBB-A50F-43AB-8537-14C8C4887DA1}"/>
-    <dgm:cxn modelId="{0210C9F5-BEC4-43A6-A99F-BEB9F1E65E05}" type="presOf" srcId="{AE59A055-7DFF-4810-B453-88D932002C96}" destId="{CCB9BAE1-46F0-48A8-BC99-ADCCBEF9B131}" srcOrd="1" destOrd="0" presId="urn:microsoft.com/office/officeart/2005/8/layout/hProcess6"/>
-    <dgm:cxn modelId="{9AAC1E25-8B7F-4701-A9A5-9E3777B02B34}" srcId="{B29287EB-5257-4A72-B568-83E1FF74B78E}" destId="{02C1FF95-0E58-4CB4-A820-812F7C0EC947}" srcOrd="1" destOrd="0" parTransId="{D8D79BB7-DD7F-4261-B5BE-918BA5BEB1C7}" sibTransId="{9B4193B1-28ED-49A9-9337-EFA9F3ABC717}"/>
-    <dgm:cxn modelId="{D8EE8595-1E6D-460C-B941-F0A5F6030981}" type="presOf" srcId="{46DCD79B-8CAA-4C19-97B0-F8DAF710CCE2}" destId="{339C7CEA-78A4-4709-9FFC-32B9225D0249}" srcOrd="0" destOrd="0" presId="urn:microsoft.com/office/officeart/2005/8/layout/hProcess6"/>
-    <dgm:cxn modelId="{417075EE-260B-43D1-99D7-D9BBB19B620D}" srcId="{CD5C3F0E-07D0-4F04-ADC6-2287DA505F8D}" destId="{37B4F018-E1BA-4AD0-A324-1EB5B5A65290}" srcOrd="1" destOrd="0" parTransId="{D34B99FD-86B8-415E-A47A-E165887DFEA4}" sibTransId="{7C437084-B4DD-4A7F-9C00-85BC2546A61B}"/>
     <dgm:cxn modelId="{975EA8FE-75A3-4E86-A24B-970AA5278986}" type="presParOf" srcId="{339C7CEA-78A4-4709-9FFC-32B9225D0249}" destId="{46ADBB41-C6F7-4070-9695-45252DAD7766}" srcOrd="0" destOrd="0" presId="urn:microsoft.com/office/officeart/2005/8/layout/hProcess6"/>
     <dgm:cxn modelId="{A41414E9-0561-4097-B07B-19321ECC690F}" type="presParOf" srcId="{46ADBB41-C6F7-4070-9695-45252DAD7766}" destId="{D3501BDE-0D9C-4C0E-B29E-3B5AE779DEF2}" srcOrd="0" destOrd="0" presId="urn:microsoft.com/office/officeart/2005/8/layout/hProcess6"/>
     <dgm:cxn modelId="{E2F141DA-93EB-41AF-86D3-E17716517CD4}" type="presParOf" srcId="{46ADBB41-C6F7-4070-9695-45252DAD7766}" destId="{0147EF20-3C22-419D-B8E7-66311B69A382}" srcOrd="1" destOrd="0" presId="urn:microsoft.com/office/officeart/2005/8/layout/hProcess6"/>
@@ -4397,7 +4257,7 @@
   <dgm:whole/>
   <dgm:extLst>
     <a:ext uri="http://schemas.microsoft.com/office/drawing/2008/diagram">
-      <dsp:dataModelExt xmlns:dsp="http://schemas.microsoft.com/office/drawing/2008/diagram" xmlns="" relId="rId7" minVer="http://schemas.openxmlformats.org/drawingml/2006/diagram"/>
+      <dsp:dataModelExt xmlns:dsp="http://schemas.microsoft.com/office/drawing/2008/diagram" relId="rId7" minVer="http://schemas.openxmlformats.org/drawingml/2006/diagram"/>
     </a:ext>
   </dgm:extLst>
 </dgm:dataModel>
@@ -4871,13 +4731,6 @@
         </dgm:presLayoutVars>
       </dgm:prSet>
       <dgm:spPr/>
-      <dgm:t>
-        <a:bodyPr/>
-        <a:lstStyle/>
-        <a:p>
-          <a:endParaRPr lang="es-ES"/>
-        </a:p>
-      </dgm:t>
     </dgm:pt>
     <dgm:pt modelId="{3D8698E4-4D68-4B90-B435-F134F844C1B0}" type="pres">
       <dgm:prSet presAssocID="{DAECA2CA-2661-412E-AE85-C3A20FBE5FCD}" presName="children" presStyleCnt="0"/>
@@ -4890,13 +4743,6 @@
     <dgm:pt modelId="{8A2642FA-7F26-4103-BB47-2B53943E1A3F}" type="pres">
       <dgm:prSet presAssocID="{DAECA2CA-2661-412E-AE85-C3A20FBE5FCD}" presName="child1" presStyleLbl="bgAcc1" presStyleIdx="0" presStyleCnt="4"/>
       <dgm:spPr/>
-      <dgm:t>
-        <a:bodyPr/>
-        <a:lstStyle/>
-        <a:p>
-          <a:endParaRPr lang="es-ES"/>
-        </a:p>
-      </dgm:t>
     </dgm:pt>
     <dgm:pt modelId="{BEED1F87-FF68-467A-A67E-9CAACEA2B51E}" type="pres">
       <dgm:prSet presAssocID="{DAECA2CA-2661-412E-AE85-C3A20FBE5FCD}" presName="child1Text" presStyleLbl="bgAcc1" presStyleIdx="0" presStyleCnt="4">
@@ -4905,13 +4751,6 @@
         </dgm:presLayoutVars>
       </dgm:prSet>
       <dgm:spPr/>
-      <dgm:t>
-        <a:bodyPr/>
-        <a:lstStyle/>
-        <a:p>
-          <a:endParaRPr lang="es-ES"/>
-        </a:p>
-      </dgm:t>
     </dgm:pt>
     <dgm:pt modelId="{64D4214F-2F56-4A95-B5F8-1EEB7F76B739}" type="pres">
       <dgm:prSet presAssocID="{DAECA2CA-2661-412E-AE85-C3A20FBE5FCD}" presName="child2group" presStyleCnt="0"/>
@@ -4920,13 +4759,6 @@
     <dgm:pt modelId="{A42844D4-CF61-46EB-9411-31A9060C43A2}" type="pres">
       <dgm:prSet presAssocID="{DAECA2CA-2661-412E-AE85-C3A20FBE5FCD}" presName="child2" presStyleLbl="bgAcc1" presStyleIdx="1" presStyleCnt="4"/>
       <dgm:spPr/>
-      <dgm:t>
-        <a:bodyPr/>
-        <a:lstStyle/>
-        <a:p>
-          <a:endParaRPr lang="es-ES"/>
-        </a:p>
-      </dgm:t>
     </dgm:pt>
     <dgm:pt modelId="{F32F7251-C655-419B-B80F-877BC528CBC6}" type="pres">
       <dgm:prSet presAssocID="{DAECA2CA-2661-412E-AE85-C3A20FBE5FCD}" presName="child2Text" presStyleLbl="bgAcc1" presStyleIdx="1" presStyleCnt="4">
@@ -4935,13 +4767,6 @@
         </dgm:presLayoutVars>
       </dgm:prSet>
       <dgm:spPr/>
-      <dgm:t>
-        <a:bodyPr/>
-        <a:lstStyle/>
-        <a:p>
-          <a:endParaRPr lang="es-ES"/>
-        </a:p>
-      </dgm:t>
     </dgm:pt>
     <dgm:pt modelId="{0829B7D1-255A-443F-9F67-2A0AE53B5029}" type="pres">
       <dgm:prSet presAssocID="{DAECA2CA-2661-412E-AE85-C3A20FBE5FCD}" presName="child3group" presStyleCnt="0"/>
@@ -4950,13 +4775,6 @@
     <dgm:pt modelId="{7162870F-9F28-47A4-88B9-3622613575D2}" type="pres">
       <dgm:prSet presAssocID="{DAECA2CA-2661-412E-AE85-C3A20FBE5FCD}" presName="child3" presStyleLbl="bgAcc1" presStyleIdx="2" presStyleCnt="4"/>
       <dgm:spPr/>
-      <dgm:t>
-        <a:bodyPr/>
-        <a:lstStyle/>
-        <a:p>
-          <a:endParaRPr lang="es-ES"/>
-        </a:p>
-      </dgm:t>
     </dgm:pt>
     <dgm:pt modelId="{D1237CE6-608C-4BAD-9D9E-2616FDF53B8B}" type="pres">
       <dgm:prSet presAssocID="{DAECA2CA-2661-412E-AE85-C3A20FBE5FCD}" presName="child3Text" presStyleLbl="bgAcc1" presStyleIdx="2" presStyleCnt="4">
@@ -4965,13 +4783,6 @@
         </dgm:presLayoutVars>
       </dgm:prSet>
       <dgm:spPr/>
-      <dgm:t>
-        <a:bodyPr/>
-        <a:lstStyle/>
-        <a:p>
-          <a:endParaRPr lang="es-ES"/>
-        </a:p>
-      </dgm:t>
     </dgm:pt>
     <dgm:pt modelId="{0CFD2C8D-1376-48D4-8C14-FB31247BD1FB}" type="pres">
       <dgm:prSet presAssocID="{DAECA2CA-2661-412E-AE85-C3A20FBE5FCD}" presName="child4group" presStyleCnt="0"/>
@@ -4980,13 +4791,6 @@
     <dgm:pt modelId="{77F84C51-0010-4923-87AF-53C322104D97}" type="pres">
       <dgm:prSet presAssocID="{DAECA2CA-2661-412E-AE85-C3A20FBE5FCD}" presName="child4" presStyleLbl="bgAcc1" presStyleIdx="3" presStyleCnt="4"/>
       <dgm:spPr/>
-      <dgm:t>
-        <a:bodyPr/>
-        <a:lstStyle/>
-        <a:p>
-          <a:endParaRPr lang="es-ES"/>
-        </a:p>
-      </dgm:t>
     </dgm:pt>
     <dgm:pt modelId="{89BC4B9F-E9BE-42F2-8394-3AFE64BADC77}" type="pres">
       <dgm:prSet presAssocID="{DAECA2CA-2661-412E-AE85-C3A20FBE5FCD}" presName="child4Text" presStyleLbl="bgAcc1" presStyleIdx="3" presStyleCnt="4">
@@ -4995,13 +4799,6 @@
         </dgm:presLayoutVars>
       </dgm:prSet>
       <dgm:spPr/>
-      <dgm:t>
-        <a:bodyPr/>
-        <a:lstStyle/>
-        <a:p>
-          <a:endParaRPr lang="es-ES"/>
-        </a:p>
-      </dgm:t>
     </dgm:pt>
     <dgm:pt modelId="{81A82986-EA4A-4B85-AC03-0773BCE58FBA}" type="pres">
       <dgm:prSet presAssocID="{DAECA2CA-2661-412E-AE85-C3A20FBE5FCD}" presName="childPlaceholder" presStyleCnt="0"/>
@@ -5019,13 +4816,6 @@
         </dgm:presLayoutVars>
       </dgm:prSet>
       <dgm:spPr/>
-      <dgm:t>
-        <a:bodyPr/>
-        <a:lstStyle/>
-        <a:p>
-          <a:endParaRPr lang="es-ES"/>
-        </a:p>
-      </dgm:t>
     </dgm:pt>
     <dgm:pt modelId="{F4A3C5F3-3AAD-4360-9C14-66DA25B31EA2}" type="pres">
       <dgm:prSet presAssocID="{DAECA2CA-2661-412E-AE85-C3A20FBE5FCD}" presName="quadrant2" presStyleLbl="node1" presStyleIdx="1" presStyleCnt="4">
@@ -5035,13 +4825,6 @@
         </dgm:presLayoutVars>
       </dgm:prSet>
       <dgm:spPr/>
-      <dgm:t>
-        <a:bodyPr/>
-        <a:lstStyle/>
-        <a:p>
-          <a:endParaRPr lang="es-ES"/>
-        </a:p>
-      </dgm:t>
     </dgm:pt>
     <dgm:pt modelId="{56F22035-025B-40EF-A575-1CBD3F36B30A}" type="pres">
       <dgm:prSet presAssocID="{DAECA2CA-2661-412E-AE85-C3A20FBE5FCD}" presName="quadrant3" presStyleLbl="node1" presStyleIdx="2" presStyleCnt="4">
@@ -5051,13 +4834,6 @@
         </dgm:presLayoutVars>
       </dgm:prSet>
       <dgm:spPr/>
-      <dgm:t>
-        <a:bodyPr/>
-        <a:lstStyle/>
-        <a:p>
-          <a:endParaRPr lang="es-ES"/>
-        </a:p>
-      </dgm:t>
     </dgm:pt>
     <dgm:pt modelId="{87BB4812-2E13-4BDB-B894-129CF83F275F}" type="pres">
       <dgm:prSet presAssocID="{DAECA2CA-2661-412E-AE85-C3A20FBE5FCD}" presName="quadrant4" presStyleLbl="node1" presStyleIdx="3" presStyleCnt="4">
@@ -5067,13 +4843,6 @@
         </dgm:presLayoutVars>
       </dgm:prSet>
       <dgm:spPr/>
-      <dgm:t>
-        <a:bodyPr/>
-        <a:lstStyle/>
-        <a:p>
-          <a:endParaRPr lang="es-ES"/>
-        </a:p>
-      </dgm:t>
     </dgm:pt>
     <dgm:pt modelId="{6D6DF337-668E-4984-A4AC-31FF37DD88B1}" type="pres">
       <dgm:prSet presAssocID="{DAECA2CA-2661-412E-AE85-C3A20FBE5FCD}" presName="quadrantPlaceholder" presStyleCnt="0"/>
@@ -5089,39 +4858,39 @@
     </dgm:pt>
   </dgm:ptLst>
   <dgm:cxnLst>
-    <dgm:cxn modelId="{7E6D187F-2B64-4285-89BD-07947565DD76}" type="presOf" srcId="{B760797E-446E-42E2-B0A3-B56202F1FCAA}" destId="{8A2642FA-7F26-4103-BB47-2B53943E1A3F}" srcOrd="0" destOrd="0" presId="urn:microsoft.com/office/officeart/2005/8/layout/cycle4#1"/>
+    <dgm:cxn modelId="{FC55BCBF-11F0-44C6-8315-0083110E4C25}" srcId="{DAECA2CA-2661-412E-AE85-C3A20FBE5FCD}" destId="{99BBFA8F-D86B-4935-B82A-C776A61A1484}" srcOrd="1" destOrd="0" parTransId="{D047D16B-2707-4682-BF38-4FA598B4DF3A}" sibTransId="{EE42F419-3F08-4E76-BEEB-982B2DDF5713}"/>
+    <dgm:cxn modelId="{51FEE0AF-CB91-4312-BA60-72BC9209B7DE}" type="presOf" srcId="{168E8437-CEC9-46A3-B60F-4AE637C8AB34}" destId="{F32F7251-C655-419B-B80F-877BC528CBC6}" srcOrd="1" destOrd="1" presId="urn:microsoft.com/office/officeart/2005/8/layout/cycle4#1"/>
+    <dgm:cxn modelId="{B7D7A832-6832-4554-9036-9CAB298139A5}" srcId="{52F107A7-7F56-445A-A494-A40BFF1D8022}" destId="{B760797E-446E-42E2-B0A3-B56202F1FCAA}" srcOrd="0" destOrd="0" parTransId="{34A872A5-9B4E-4664-9DAA-2F2F51588E28}" sibTransId="{367F8124-A2A2-4DCD-956D-713E3E9AD049}"/>
+    <dgm:cxn modelId="{BDF50867-0CB6-47C1-AA84-A90982062ABE}" type="presOf" srcId="{5C810117-A17C-4304-B4B3-E1779C7EAC75}" destId="{D1237CE6-608C-4BAD-9D9E-2616FDF53B8B}" srcOrd="1" destOrd="1" presId="urn:microsoft.com/office/officeart/2005/8/layout/cycle4#1"/>
+    <dgm:cxn modelId="{E7BA98AC-107C-4503-8086-8514EF398F42}" type="presOf" srcId="{DAECA2CA-2661-412E-AE85-C3A20FBE5FCD}" destId="{22EF02C7-195D-45ED-BD8B-8B4F79FABED7}" srcOrd="0" destOrd="0" presId="urn:microsoft.com/office/officeart/2005/8/layout/cycle4#1"/>
+    <dgm:cxn modelId="{9A72332B-9BC0-4737-81E4-3D12A2B5E831}" type="presOf" srcId="{0F497B43-3AB3-49ED-B480-B33C188931D4}" destId="{56F22035-025B-40EF-A575-1CBD3F36B30A}" srcOrd="0" destOrd="0" presId="urn:microsoft.com/office/officeart/2005/8/layout/cycle4#1"/>
+    <dgm:cxn modelId="{C202AD80-7F39-4186-A425-01ECF5E06562}" type="presOf" srcId="{52F107A7-7F56-445A-A494-A40BFF1D8022}" destId="{6718675A-70DE-44E9-B5AF-9DBE7E86FF11}" srcOrd="0" destOrd="0" presId="urn:microsoft.com/office/officeart/2005/8/layout/cycle4#1"/>
+    <dgm:cxn modelId="{8DEDDAD1-59D8-462C-8104-3F11B5D5CD39}" srcId="{0F497B43-3AB3-49ED-B480-B33C188931D4}" destId="{5C810117-A17C-4304-B4B3-E1779C7EAC75}" srcOrd="1" destOrd="0" parTransId="{34E1289E-77CB-4B45-8B2E-EDF70129CAFB}" sibTransId="{7B3B9BE6-62AB-4E45-904C-C3118AD96D2E}"/>
+    <dgm:cxn modelId="{198966EE-DD31-4464-BB09-EDFB792FF63F}" type="presOf" srcId="{F5980E61-0E99-429A-9F30-A0B0BCC7FC0A}" destId="{7162870F-9F28-47A4-88B9-3622613575D2}" srcOrd="0" destOrd="0" presId="urn:microsoft.com/office/officeart/2005/8/layout/cycle4#1"/>
     <dgm:cxn modelId="{B46C9524-1C82-4C3F-8D9D-744098B055F7}" srcId="{0F497B43-3AB3-49ED-B480-B33C188931D4}" destId="{F5980E61-0E99-429A-9F30-A0B0BCC7FC0A}" srcOrd="0" destOrd="0" parTransId="{826ECAF4-6B0B-4C96-93F2-8A513DF86D5C}" sibTransId="{DAD473F7-273F-48CF-A591-E6849FC0FD5D}"/>
+    <dgm:cxn modelId="{C1FDB0F3-258F-402A-BEE9-1408D697A3DD}" type="presOf" srcId="{C14EA41B-E488-4C6B-B60E-293BDFD69BB3}" destId="{F32F7251-C655-419B-B80F-877BC528CBC6}" srcOrd="1" destOrd="0" presId="urn:microsoft.com/office/officeart/2005/8/layout/cycle4#1"/>
+    <dgm:cxn modelId="{E1BB71AA-F8AD-4B9D-A0D6-C4C5B3714151}" type="presOf" srcId="{99BBFA8F-D86B-4935-B82A-C776A61A1484}" destId="{F4A3C5F3-3AAD-4360-9C14-66DA25B31EA2}" srcOrd="0" destOrd="0" presId="urn:microsoft.com/office/officeart/2005/8/layout/cycle4#1"/>
+    <dgm:cxn modelId="{FCAC01C8-C7DE-497E-9AA6-334B39C8F10E}" srcId="{DAECA2CA-2661-412E-AE85-C3A20FBE5FCD}" destId="{52F107A7-7F56-445A-A494-A40BFF1D8022}" srcOrd="0" destOrd="0" parTransId="{A9B64128-7D44-4D5C-8D93-48810EA749C0}" sibTransId="{3C7D7EC5-D108-46C5-BE2B-ED2FEF7BB26F}"/>
+    <dgm:cxn modelId="{69B63970-8EC8-4D68-AFDB-7D0C21F29099}" srcId="{35F770E6-E543-44D3-B7A0-00CF59BE7825}" destId="{4FE905A7-7271-42F0-BFF4-952EC0A2B290}" srcOrd="0" destOrd="0" parTransId="{A3057527-0D6B-4D75-9216-CE139594CD97}" sibTransId="{8220E624-C409-413F-A0B2-86F08462E504}"/>
     <dgm:cxn modelId="{C32AF052-BFD5-42E6-965F-3E4434041DC1}" srcId="{DAECA2CA-2661-412E-AE85-C3A20FBE5FCD}" destId="{35F770E6-E543-44D3-B7A0-00CF59BE7825}" srcOrd="3" destOrd="0" parTransId="{4008CC11-3885-43DC-AD98-DC4620CFC862}" sibTransId="{3184E711-27A8-4B0E-BA8B-D8CD05DCD0B4}"/>
-    <dgm:cxn modelId="{A577CD3C-5BF4-4930-9E1A-9DF04268B581}" srcId="{52F107A7-7F56-445A-A494-A40BFF1D8022}" destId="{10072715-D2E7-4D5A-AB39-E43AF8A05996}" srcOrd="1" destOrd="0" parTransId="{B3B5CDC8-6876-4872-9846-6B10734A2A8A}" sibTransId="{F913EE1D-E9AE-454F-83AB-05C0100D5CB2}"/>
+    <dgm:cxn modelId="{B0B1F30B-726C-4639-A034-7572180750C3}" type="presOf" srcId="{4FE905A7-7271-42F0-BFF4-952EC0A2B290}" destId="{89BC4B9F-E9BE-42F2-8394-3AFE64BADC77}" srcOrd="1" destOrd="0" presId="urn:microsoft.com/office/officeart/2005/8/layout/cycle4#1"/>
+    <dgm:cxn modelId="{0FC12F80-B8A0-46D0-B328-F4AC99B654AD}" type="presOf" srcId="{B760797E-446E-42E2-B0A3-B56202F1FCAA}" destId="{BEED1F87-FF68-467A-A67E-9CAACEA2B51E}" srcOrd="1" destOrd="0" presId="urn:microsoft.com/office/officeart/2005/8/layout/cycle4#1"/>
+    <dgm:cxn modelId="{4868223F-B044-45DB-9940-3C5A1AE665E0}" type="presOf" srcId="{10072715-D2E7-4D5A-AB39-E43AF8A05996}" destId="{BEED1F87-FF68-467A-A67E-9CAACEA2B51E}" srcOrd="1" destOrd="1" presId="urn:microsoft.com/office/officeart/2005/8/layout/cycle4#1"/>
     <dgm:cxn modelId="{63AE9939-FA1C-4DB8-93C5-35E242A75859}" type="presOf" srcId="{5C810117-A17C-4304-B4B3-E1779C7EAC75}" destId="{7162870F-9F28-47A4-88B9-3622613575D2}" srcOrd="0" destOrd="1" presId="urn:microsoft.com/office/officeart/2005/8/layout/cycle4#1"/>
-    <dgm:cxn modelId="{198966EE-DD31-4464-BB09-EDFB792FF63F}" type="presOf" srcId="{F5980E61-0E99-429A-9F30-A0B0BCC7FC0A}" destId="{7162870F-9F28-47A4-88B9-3622613575D2}" srcOrd="0" destOrd="0" presId="urn:microsoft.com/office/officeart/2005/8/layout/cycle4#1"/>
-    <dgm:cxn modelId="{9A72332B-9BC0-4737-81E4-3D12A2B5E831}" type="presOf" srcId="{0F497B43-3AB3-49ED-B480-B33C188931D4}" destId="{56F22035-025B-40EF-A575-1CBD3F36B30A}" srcOrd="0" destOrd="0" presId="urn:microsoft.com/office/officeart/2005/8/layout/cycle4#1"/>
-    <dgm:cxn modelId="{FCAC01C8-C7DE-497E-9AA6-334B39C8F10E}" srcId="{DAECA2CA-2661-412E-AE85-C3A20FBE5FCD}" destId="{52F107A7-7F56-445A-A494-A40BFF1D8022}" srcOrd="0" destOrd="0" parTransId="{A9B64128-7D44-4D5C-8D93-48810EA749C0}" sibTransId="{3C7D7EC5-D108-46C5-BE2B-ED2FEF7BB26F}"/>
-    <dgm:cxn modelId="{69F82A56-5668-439F-8C33-2E5E63C65FB5}" srcId="{99BBFA8F-D86B-4935-B82A-C776A61A1484}" destId="{C14EA41B-E488-4C6B-B60E-293BDFD69BB3}" srcOrd="0" destOrd="0" parTransId="{2962CE49-DEEF-4241-9D7C-595CD589CDFC}" sibTransId="{5730E4C6-5048-40C0-B4B5-83D92B2009F7}"/>
+    <dgm:cxn modelId="{17D91092-E9DC-4B2C-AAD9-AA3120F530B7}" type="presOf" srcId="{C14EA41B-E488-4C6B-B60E-293BDFD69BB3}" destId="{A42844D4-CF61-46EB-9411-31A9060C43A2}" srcOrd="0" destOrd="0" presId="urn:microsoft.com/office/officeart/2005/8/layout/cycle4#1"/>
     <dgm:cxn modelId="{453D3ABC-C5BB-410E-886D-39A24BF526C2}" type="presOf" srcId="{168E8437-CEC9-46A3-B60F-4AE637C8AB34}" destId="{A42844D4-CF61-46EB-9411-31A9060C43A2}" srcOrd="0" destOrd="1" presId="urn:microsoft.com/office/officeart/2005/8/layout/cycle4#1"/>
     <dgm:cxn modelId="{9805BAC1-5C44-4662-B10F-3BC0CF8588E4}" type="presOf" srcId="{76753763-4C07-47A9-8EC7-8456CB385D4F}" destId="{89BC4B9F-E9BE-42F2-8394-3AFE64BADC77}" srcOrd="1" destOrd="1" presId="urn:microsoft.com/office/officeart/2005/8/layout/cycle4#1"/>
-    <dgm:cxn modelId="{4868223F-B044-45DB-9940-3C5A1AE665E0}" type="presOf" srcId="{10072715-D2E7-4D5A-AB39-E43AF8A05996}" destId="{BEED1F87-FF68-467A-A67E-9CAACEA2B51E}" srcOrd="1" destOrd="1" presId="urn:microsoft.com/office/officeart/2005/8/layout/cycle4#1"/>
-    <dgm:cxn modelId="{69B63970-8EC8-4D68-AFDB-7D0C21F29099}" srcId="{35F770E6-E543-44D3-B7A0-00CF59BE7825}" destId="{4FE905A7-7271-42F0-BFF4-952EC0A2B290}" srcOrd="0" destOrd="0" parTransId="{A3057527-0D6B-4D75-9216-CE139594CD97}" sibTransId="{8220E624-C409-413F-A0B2-86F08462E504}"/>
+    <dgm:cxn modelId="{86C1D1B9-3C43-44CF-AC51-29B587181CFE}" type="presOf" srcId="{4FE905A7-7271-42F0-BFF4-952EC0A2B290}" destId="{77F84C51-0010-4923-87AF-53C322104D97}" srcOrd="0" destOrd="0" presId="urn:microsoft.com/office/officeart/2005/8/layout/cycle4#1"/>
+    <dgm:cxn modelId="{E1FCDD25-985B-4BBD-A6A7-5FC60D4488DB}" type="presOf" srcId="{76753763-4C07-47A9-8EC7-8456CB385D4F}" destId="{77F84C51-0010-4923-87AF-53C322104D97}" srcOrd="0" destOrd="1" presId="urn:microsoft.com/office/officeart/2005/8/layout/cycle4#1"/>
+    <dgm:cxn modelId="{A577CD3C-5BF4-4930-9E1A-9DF04268B581}" srcId="{52F107A7-7F56-445A-A494-A40BFF1D8022}" destId="{10072715-D2E7-4D5A-AB39-E43AF8A05996}" srcOrd="1" destOrd="0" parTransId="{B3B5CDC8-6876-4872-9846-6B10734A2A8A}" sibTransId="{F913EE1D-E9AE-454F-83AB-05C0100D5CB2}"/>
     <dgm:cxn modelId="{1942B356-460F-41EB-BBB7-164875A2A2A6}" type="presOf" srcId="{10072715-D2E7-4D5A-AB39-E43AF8A05996}" destId="{8A2642FA-7F26-4103-BB47-2B53943E1A3F}" srcOrd="0" destOrd="1" presId="urn:microsoft.com/office/officeart/2005/8/layout/cycle4#1"/>
-    <dgm:cxn modelId="{E1BB71AA-F8AD-4B9D-A0D6-C4C5B3714151}" type="presOf" srcId="{99BBFA8F-D86B-4935-B82A-C776A61A1484}" destId="{F4A3C5F3-3AAD-4360-9C14-66DA25B31EA2}" srcOrd="0" destOrd="0" presId="urn:microsoft.com/office/officeart/2005/8/layout/cycle4#1"/>
-    <dgm:cxn modelId="{C202AD80-7F39-4186-A425-01ECF5E06562}" type="presOf" srcId="{52F107A7-7F56-445A-A494-A40BFF1D8022}" destId="{6718675A-70DE-44E9-B5AF-9DBE7E86FF11}" srcOrd="0" destOrd="0" presId="urn:microsoft.com/office/officeart/2005/8/layout/cycle4#1"/>
+    <dgm:cxn modelId="{7E6D187F-2B64-4285-89BD-07947565DD76}" type="presOf" srcId="{B760797E-446E-42E2-B0A3-B56202F1FCAA}" destId="{8A2642FA-7F26-4103-BB47-2B53943E1A3F}" srcOrd="0" destOrd="0" presId="urn:microsoft.com/office/officeart/2005/8/layout/cycle4#1"/>
     <dgm:cxn modelId="{C7E74698-83E4-457F-AD71-AFDDD6748A62}" srcId="{DAECA2CA-2661-412E-AE85-C3A20FBE5FCD}" destId="{0F497B43-3AB3-49ED-B480-B33C188931D4}" srcOrd="2" destOrd="0" parTransId="{3C86BECF-7E5C-444B-B0FD-D246D3C876AD}" sibTransId="{11E97AEA-476B-489C-B542-69A4A8A17A06}"/>
-    <dgm:cxn modelId="{0FC12F80-B8A0-46D0-B328-F4AC99B654AD}" type="presOf" srcId="{B760797E-446E-42E2-B0A3-B56202F1FCAA}" destId="{BEED1F87-FF68-467A-A67E-9CAACEA2B51E}" srcOrd="1" destOrd="0" presId="urn:microsoft.com/office/officeart/2005/8/layout/cycle4#1"/>
-    <dgm:cxn modelId="{E7BA98AC-107C-4503-8086-8514EF398F42}" type="presOf" srcId="{DAECA2CA-2661-412E-AE85-C3A20FBE5FCD}" destId="{22EF02C7-195D-45ED-BD8B-8B4F79FABED7}" srcOrd="0" destOrd="0" presId="urn:microsoft.com/office/officeart/2005/8/layout/cycle4#1"/>
-    <dgm:cxn modelId="{E1FCDD25-985B-4BBD-A6A7-5FC60D4488DB}" type="presOf" srcId="{76753763-4C07-47A9-8EC7-8456CB385D4F}" destId="{77F84C51-0010-4923-87AF-53C322104D97}" srcOrd="0" destOrd="1" presId="urn:microsoft.com/office/officeart/2005/8/layout/cycle4#1"/>
-    <dgm:cxn modelId="{C1FDB0F3-258F-402A-BEE9-1408D697A3DD}" type="presOf" srcId="{C14EA41B-E488-4C6B-B60E-293BDFD69BB3}" destId="{F32F7251-C655-419B-B80F-877BC528CBC6}" srcOrd="1" destOrd="0" presId="urn:microsoft.com/office/officeart/2005/8/layout/cycle4#1"/>
+    <dgm:cxn modelId="{9861FB2C-2A87-405E-BB72-067B56336D39}" srcId="{35F770E6-E543-44D3-B7A0-00CF59BE7825}" destId="{76753763-4C07-47A9-8EC7-8456CB385D4F}" srcOrd="1" destOrd="0" parTransId="{84D37303-93BB-45F5-86DC-91951783E4AD}" sibTransId="{EDFEE7C8-A16A-437C-BAD9-844806C1AE86}"/>
+    <dgm:cxn modelId="{69F82A56-5668-439F-8C33-2E5E63C65FB5}" srcId="{99BBFA8F-D86B-4935-B82A-C776A61A1484}" destId="{C14EA41B-E488-4C6B-B60E-293BDFD69BB3}" srcOrd="0" destOrd="0" parTransId="{2962CE49-DEEF-4241-9D7C-595CD589CDFC}" sibTransId="{5730E4C6-5048-40C0-B4B5-83D92B2009F7}"/>
+    <dgm:cxn modelId="{0EC3EF22-A3E5-4A3C-B394-40FF21AA4793}" type="presOf" srcId="{35F770E6-E543-44D3-B7A0-00CF59BE7825}" destId="{87BB4812-2E13-4BDB-B894-129CF83F275F}" srcOrd="0" destOrd="0" presId="urn:microsoft.com/office/officeart/2005/8/layout/cycle4#1"/>
+    <dgm:cxn modelId="{9E799A22-B521-4C6E-BEED-AEF45CDD7AE8}" srcId="{99BBFA8F-D86B-4935-B82A-C776A61A1484}" destId="{168E8437-CEC9-46A3-B60F-4AE637C8AB34}" srcOrd="1" destOrd="0" parTransId="{AAED8AB3-F260-4EEE-8E02-B4C4187B66C8}" sibTransId="{99390C74-C193-4DD4-A652-0CB022B5380C}"/>
     <dgm:cxn modelId="{4797535E-1B80-4CEA-BD43-883910DE7F02}" type="presOf" srcId="{F5980E61-0E99-429A-9F30-A0B0BCC7FC0A}" destId="{D1237CE6-608C-4BAD-9D9E-2616FDF53B8B}" srcOrd="1" destOrd="0" presId="urn:microsoft.com/office/officeart/2005/8/layout/cycle4#1"/>
-    <dgm:cxn modelId="{BDF50867-0CB6-47C1-AA84-A90982062ABE}" type="presOf" srcId="{5C810117-A17C-4304-B4B3-E1779C7EAC75}" destId="{D1237CE6-608C-4BAD-9D9E-2616FDF53B8B}" srcOrd="1" destOrd="1" presId="urn:microsoft.com/office/officeart/2005/8/layout/cycle4#1"/>
-    <dgm:cxn modelId="{9861FB2C-2A87-405E-BB72-067B56336D39}" srcId="{35F770E6-E543-44D3-B7A0-00CF59BE7825}" destId="{76753763-4C07-47A9-8EC7-8456CB385D4F}" srcOrd="1" destOrd="0" parTransId="{84D37303-93BB-45F5-86DC-91951783E4AD}" sibTransId="{EDFEE7C8-A16A-437C-BAD9-844806C1AE86}"/>
-    <dgm:cxn modelId="{FC55BCBF-11F0-44C6-8315-0083110E4C25}" srcId="{DAECA2CA-2661-412E-AE85-C3A20FBE5FCD}" destId="{99BBFA8F-D86B-4935-B82A-C776A61A1484}" srcOrd="1" destOrd="0" parTransId="{D047D16B-2707-4682-BF38-4FA598B4DF3A}" sibTransId="{EE42F419-3F08-4E76-BEEB-982B2DDF5713}"/>
-    <dgm:cxn modelId="{17D91092-E9DC-4B2C-AAD9-AA3120F530B7}" type="presOf" srcId="{C14EA41B-E488-4C6B-B60E-293BDFD69BB3}" destId="{A42844D4-CF61-46EB-9411-31A9060C43A2}" srcOrd="0" destOrd="0" presId="urn:microsoft.com/office/officeart/2005/8/layout/cycle4#1"/>
-    <dgm:cxn modelId="{9E799A22-B521-4C6E-BEED-AEF45CDD7AE8}" srcId="{99BBFA8F-D86B-4935-B82A-C776A61A1484}" destId="{168E8437-CEC9-46A3-B60F-4AE637C8AB34}" srcOrd="1" destOrd="0" parTransId="{AAED8AB3-F260-4EEE-8E02-B4C4187B66C8}" sibTransId="{99390C74-C193-4DD4-A652-0CB022B5380C}"/>
-    <dgm:cxn modelId="{8DEDDAD1-59D8-462C-8104-3F11B5D5CD39}" srcId="{0F497B43-3AB3-49ED-B480-B33C188931D4}" destId="{5C810117-A17C-4304-B4B3-E1779C7EAC75}" srcOrd="1" destOrd="0" parTransId="{34E1289E-77CB-4B45-8B2E-EDF70129CAFB}" sibTransId="{7B3B9BE6-62AB-4E45-904C-C3118AD96D2E}"/>
-    <dgm:cxn modelId="{0EC3EF22-A3E5-4A3C-B394-40FF21AA4793}" type="presOf" srcId="{35F770E6-E543-44D3-B7A0-00CF59BE7825}" destId="{87BB4812-2E13-4BDB-B894-129CF83F275F}" srcOrd="0" destOrd="0" presId="urn:microsoft.com/office/officeart/2005/8/layout/cycle4#1"/>
-    <dgm:cxn modelId="{86C1D1B9-3C43-44CF-AC51-29B587181CFE}" type="presOf" srcId="{4FE905A7-7271-42F0-BFF4-952EC0A2B290}" destId="{77F84C51-0010-4923-87AF-53C322104D97}" srcOrd="0" destOrd="0" presId="urn:microsoft.com/office/officeart/2005/8/layout/cycle4#1"/>
-    <dgm:cxn modelId="{B0B1F30B-726C-4639-A034-7572180750C3}" type="presOf" srcId="{4FE905A7-7271-42F0-BFF4-952EC0A2B290}" destId="{89BC4B9F-E9BE-42F2-8394-3AFE64BADC77}" srcOrd="1" destOrd="0" presId="urn:microsoft.com/office/officeart/2005/8/layout/cycle4#1"/>
-    <dgm:cxn modelId="{B7D7A832-6832-4554-9036-9CAB298139A5}" srcId="{52F107A7-7F56-445A-A494-A40BFF1D8022}" destId="{B760797E-446E-42E2-B0A3-B56202F1FCAA}" srcOrd="0" destOrd="0" parTransId="{34A872A5-9B4E-4664-9DAA-2F2F51588E28}" sibTransId="{367F8124-A2A2-4DCD-956D-713E3E9AD049}"/>
-    <dgm:cxn modelId="{51FEE0AF-CB91-4312-BA60-72BC9209B7DE}" type="presOf" srcId="{168E8437-CEC9-46A3-B60F-4AE637C8AB34}" destId="{F32F7251-C655-419B-B80F-877BC528CBC6}" srcOrd="1" destOrd="1" presId="urn:microsoft.com/office/officeart/2005/8/layout/cycle4#1"/>
     <dgm:cxn modelId="{07AD6CD6-588F-45DF-ABFD-3A0B62AA9FD8}" type="presParOf" srcId="{22EF02C7-195D-45ED-BD8B-8B4F79FABED7}" destId="{3D8698E4-4D68-4B90-B435-F134F844C1B0}" srcOrd="0" destOrd="0" presId="urn:microsoft.com/office/officeart/2005/8/layout/cycle4#1"/>
     <dgm:cxn modelId="{57D96B00-A491-4110-8F61-2D7B08A0B498}" type="presParOf" srcId="{3D8698E4-4D68-4B90-B435-F134F844C1B0}" destId="{34C44AA9-E2B1-4B5F-80FC-928A194532D5}" srcOrd="0" destOrd="0" presId="urn:microsoft.com/office/officeart/2005/8/layout/cycle4#1"/>
     <dgm:cxn modelId="{197B0CB6-292B-4F74-BBD1-D0DA3B335A45}" type="presParOf" srcId="{34C44AA9-E2B1-4B5F-80FC-928A194532D5}" destId="{8A2642FA-7F26-4103-BB47-2B53943E1A3F}" srcOrd="0" destOrd="0" presId="urn:microsoft.com/office/officeart/2005/8/layout/cycle4#1"/>
@@ -5149,7 +4918,7 @@
   <dgm:whole/>
   <dgm:extLst>
     <a:ext uri="http://schemas.microsoft.com/office/drawing/2008/diagram">
-      <dsp:dataModelExt xmlns:dsp="http://schemas.microsoft.com/office/drawing/2008/diagram" xmlns="" relId="rId6" minVer="http://schemas.openxmlformats.org/drawingml/2006/diagram"/>
+      <dsp:dataModelExt xmlns:dsp="http://schemas.microsoft.com/office/drawing/2008/diagram" relId="rId6" minVer="http://schemas.openxmlformats.org/drawingml/2006/diagram"/>
     </a:ext>
   </dgm:extLst>
 </dgm:dataModel>
@@ -5640,13 +5409,6 @@
         </dgm:presLayoutVars>
       </dgm:prSet>
       <dgm:spPr/>
-      <dgm:t>
-        <a:bodyPr/>
-        <a:lstStyle/>
-        <a:p>
-          <a:endParaRPr lang="es-ES"/>
-        </a:p>
-      </dgm:t>
     </dgm:pt>
     <dgm:pt modelId="{3D8698E4-4D68-4B90-B435-F134F844C1B0}" type="pres">
       <dgm:prSet presAssocID="{DAECA2CA-2661-412E-AE85-C3A20FBE5FCD}" presName="children" presStyleCnt="0"/>
@@ -5659,13 +5421,6 @@
     <dgm:pt modelId="{8A2642FA-7F26-4103-BB47-2B53943E1A3F}" type="pres">
       <dgm:prSet presAssocID="{DAECA2CA-2661-412E-AE85-C3A20FBE5FCD}" presName="child1" presStyleLbl="bgAcc1" presStyleIdx="0" presStyleCnt="4"/>
       <dgm:spPr/>
-      <dgm:t>
-        <a:bodyPr/>
-        <a:lstStyle/>
-        <a:p>
-          <a:endParaRPr lang="es-ES"/>
-        </a:p>
-      </dgm:t>
     </dgm:pt>
     <dgm:pt modelId="{BEED1F87-FF68-467A-A67E-9CAACEA2B51E}" type="pres">
       <dgm:prSet presAssocID="{DAECA2CA-2661-412E-AE85-C3A20FBE5FCD}" presName="child1Text" presStyleLbl="bgAcc1" presStyleIdx="0" presStyleCnt="4">
@@ -5674,13 +5429,6 @@
         </dgm:presLayoutVars>
       </dgm:prSet>
       <dgm:spPr/>
-      <dgm:t>
-        <a:bodyPr/>
-        <a:lstStyle/>
-        <a:p>
-          <a:endParaRPr lang="es-ES"/>
-        </a:p>
-      </dgm:t>
     </dgm:pt>
     <dgm:pt modelId="{64D4214F-2F56-4A95-B5F8-1EEB7F76B739}" type="pres">
       <dgm:prSet presAssocID="{DAECA2CA-2661-412E-AE85-C3A20FBE5FCD}" presName="child2group" presStyleCnt="0"/>
@@ -5689,13 +5437,6 @@
     <dgm:pt modelId="{A42844D4-CF61-46EB-9411-31A9060C43A2}" type="pres">
       <dgm:prSet presAssocID="{DAECA2CA-2661-412E-AE85-C3A20FBE5FCD}" presName="child2" presStyleLbl="bgAcc1" presStyleIdx="1" presStyleCnt="4"/>
       <dgm:spPr/>
-      <dgm:t>
-        <a:bodyPr/>
-        <a:lstStyle/>
-        <a:p>
-          <a:endParaRPr lang="es-ES"/>
-        </a:p>
-      </dgm:t>
     </dgm:pt>
     <dgm:pt modelId="{F32F7251-C655-419B-B80F-877BC528CBC6}" type="pres">
       <dgm:prSet presAssocID="{DAECA2CA-2661-412E-AE85-C3A20FBE5FCD}" presName="child2Text" presStyleLbl="bgAcc1" presStyleIdx="1" presStyleCnt="4">
@@ -5704,13 +5445,6 @@
         </dgm:presLayoutVars>
       </dgm:prSet>
       <dgm:spPr/>
-      <dgm:t>
-        <a:bodyPr/>
-        <a:lstStyle/>
-        <a:p>
-          <a:endParaRPr lang="es-ES"/>
-        </a:p>
-      </dgm:t>
     </dgm:pt>
     <dgm:pt modelId="{0829B7D1-255A-443F-9F67-2A0AE53B5029}" type="pres">
       <dgm:prSet presAssocID="{DAECA2CA-2661-412E-AE85-C3A20FBE5FCD}" presName="child3group" presStyleCnt="0"/>
@@ -5719,13 +5453,6 @@
     <dgm:pt modelId="{7162870F-9F28-47A4-88B9-3622613575D2}" type="pres">
       <dgm:prSet presAssocID="{DAECA2CA-2661-412E-AE85-C3A20FBE5FCD}" presName="child3" presStyleLbl="bgAcc1" presStyleIdx="2" presStyleCnt="4"/>
       <dgm:spPr/>
-      <dgm:t>
-        <a:bodyPr/>
-        <a:lstStyle/>
-        <a:p>
-          <a:endParaRPr lang="es-ES"/>
-        </a:p>
-      </dgm:t>
     </dgm:pt>
     <dgm:pt modelId="{D1237CE6-608C-4BAD-9D9E-2616FDF53B8B}" type="pres">
       <dgm:prSet presAssocID="{DAECA2CA-2661-412E-AE85-C3A20FBE5FCD}" presName="child3Text" presStyleLbl="bgAcc1" presStyleIdx="2" presStyleCnt="4">
@@ -5734,13 +5461,6 @@
         </dgm:presLayoutVars>
       </dgm:prSet>
       <dgm:spPr/>
-      <dgm:t>
-        <a:bodyPr/>
-        <a:lstStyle/>
-        <a:p>
-          <a:endParaRPr lang="es-ES"/>
-        </a:p>
-      </dgm:t>
     </dgm:pt>
     <dgm:pt modelId="{0CFD2C8D-1376-48D4-8C14-FB31247BD1FB}" type="pres">
       <dgm:prSet presAssocID="{DAECA2CA-2661-412E-AE85-C3A20FBE5FCD}" presName="child4group" presStyleCnt="0"/>
@@ -5749,13 +5469,6 @@
     <dgm:pt modelId="{77F84C51-0010-4923-87AF-53C322104D97}" type="pres">
       <dgm:prSet presAssocID="{DAECA2CA-2661-412E-AE85-C3A20FBE5FCD}" presName="child4" presStyleLbl="bgAcc1" presStyleIdx="3" presStyleCnt="4"/>
       <dgm:spPr/>
-      <dgm:t>
-        <a:bodyPr/>
-        <a:lstStyle/>
-        <a:p>
-          <a:endParaRPr lang="es-ES"/>
-        </a:p>
-      </dgm:t>
     </dgm:pt>
     <dgm:pt modelId="{89BC4B9F-E9BE-42F2-8394-3AFE64BADC77}" type="pres">
       <dgm:prSet presAssocID="{DAECA2CA-2661-412E-AE85-C3A20FBE5FCD}" presName="child4Text" presStyleLbl="bgAcc1" presStyleIdx="3" presStyleCnt="4">
@@ -5764,13 +5477,6 @@
         </dgm:presLayoutVars>
       </dgm:prSet>
       <dgm:spPr/>
-      <dgm:t>
-        <a:bodyPr/>
-        <a:lstStyle/>
-        <a:p>
-          <a:endParaRPr lang="es-ES"/>
-        </a:p>
-      </dgm:t>
     </dgm:pt>
     <dgm:pt modelId="{81A82986-EA4A-4B85-AC03-0773BCE58FBA}" type="pres">
       <dgm:prSet presAssocID="{DAECA2CA-2661-412E-AE85-C3A20FBE5FCD}" presName="childPlaceholder" presStyleCnt="0"/>
@@ -5788,13 +5494,6 @@
         </dgm:presLayoutVars>
       </dgm:prSet>
       <dgm:spPr/>
-      <dgm:t>
-        <a:bodyPr/>
-        <a:lstStyle/>
-        <a:p>
-          <a:endParaRPr lang="es-ES"/>
-        </a:p>
-      </dgm:t>
     </dgm:pt>
     <dgm:pt modelId="{F4A3C5F3-3AAD-4360-9C14-66DA25B31EA2}" type="pres">
       <dgm:prSet presAssocID="{DAECA2CA-2661-412E-AE85-C3A20FBE5FCD}" presName="quadrant2" presStyleLbl="node1" presStyleIdx="1" presStyleCnt="4">
@@ -5804,13 +5503,6 @@
         </dgm:presLayoutVars>
       </dgm:prSet>
       <dgm:spPr/>
-      <dgm:t>
-        <a:bodyPr/>
-        <a:lstStyle/>
-        <a:p>
-          <a:endParaRPr lang="es-ES"/>
-        </a:p>
-      </dgm:t>
     </dgm:pt>
     <dgm:pt modelId="{56F22035-025B-40EF-A575-1CBD3F36B30A}" type="pres">
       <dgm:prSet presAssocID="{DAECA2CA-2661-412E-AE85-C3A20FBE5FCD}" presName="quadrant3" presStyleLbl="node1" presStyleIdx="2" presStyleCnt="4">
@@ -5820,13 +5512,6 @@
         </dgm:presLayoutVars>
       </dgm:prSet>
       <dgm:spPr/>
-      <dgm:t>
-        <a:bodyPr/>
-        <a:lstStyle/>
-        <a:p>
-          <a:endParaRPr lang="es-ES"/>
-        </a:p>
-      </dgm:t>
     </dgm:pt>
     <dgm:pt modelId="{87BB4812-2E13-4BDB-B894-129CF83F275F}" type="pres">
       <dgm:prSet presAssocID="{DAECA2CA-2661-412E-AE85-C3A20FBE5FCD}" presName="quadrant4" presStyleLbl="node1" presStyleIdx="3" presStyleCnt="4">
@@ -5836,13 +5521,6 @@
         </dgm:presLayoutVars>
       </dgm:prSet>
       <dgm:spPr/>
-      <dgm:t>
-        <a:bodyPr/>
-        <a:lstStyle/>
-        <a:p>
-          <a:endParaRPr lang="es-ES"/>
-        </a:p>
-      </dgm:t>
     </dgm:pt>
     <dgm:pt modelId="{6D6DF337-668E-4984-A4AC-31FF37DD88B1}" type="pres">
       <dgm:prSet presAssocID="{DAECA2CA-2661-412E-AE85-C3A20FBE5FCD}" presName="quadrantPlaceholder" presStyleCnt="0"/>
@@ -5858,39 +5536,39 @@
     </dgm:pt>
   </dgm:ptLst>
   <dgm:cxnLst>
-    <dgm:cxn modelId="{7E6D187F-2B64-4285-89BD-07947565DD76}" type="presOf" srcId="{B760797E-446E-42E2-B0A3-B56202F1FCAA}" destId="{8A2642FA-7F26-4103-BB47-2B53943E1A3F}" srcOrd="0" destOrd="0" presId="urn:microsoft.com/office/officeart/2005/8/layout/cycle4#2"/>
+    <dgm:cxn modelId="{FC55BCBF-11F0-44C6-8315-0083110E4C25}" srcId="{DAECA2CA-2661-412E-AE85-C3A20FBE5FCD}" destId="{99BBFA8F-D86B-4935-B82A-C776A61A1484}" srcOrd="1" destOrd="0" parTransId="{D047D16B-2707-4682-BF38-4FA598B4DF3A}" sibTransId="{EE42F419-3F08-4E76-BEEB-982B2DDF5713}"/>
+    <dgm:cxn modelId="{51FEE0AF-CB91-4312-BA60-72BC9209B7DE}" type="presOf" srcId="{168E8437-CEC9-46A3-B60F-4AE637C8AB34}" destId="{F32F7251-C655-419B-B80F-877BC528CBC6}" srcOrd="1" destOrd="1" presId="urn:microsoft.com/office/officeart/2005/8/layout/cycle4#2"/>
+    <dgm:cxn modelId="{B7D7A832-6832-4554-9036-9CAB298139A5}" srcId="{52F107A7-7F56-445A-A494-A40BFF1D8022}" destId="{B760797E-446E-42E2-B0A3-B56202F1FCAA}" srcOrd="0" destOrd="0" parTransId="{34A872A5-9B4E-4664-9DAA-2F2F51588E28}" sibTransId="{367F8124-A2A2-4DCD-956D-713E3E9AD049}"/>
+    <dgm:cxn modelId="{BDF50867-0CB6-47C1-AA84-A90982062ABE}" type="presOf" srcId="{5C810117-A17C-4304-B4B3-E1779C7EAC75}" destId="{D1237CE6-608C-4BAD-9D9E-2616FDF53B8B}" srcOrd="1" destOrd="1" presId="urn:microsoft.com/office/officeart/2005/8/layout/cycle4#2"/>
+    <dgm:cxn modelId="{E7BA98AC-107C-4503-8086-8514EF398F42}" type="presOf" srcId="{DAECA2CA-2661-412E-AE85-C3A20FBE5FCD}" destId="{22EF02C7-195D-45ED-BD8B-8B4F79FABED7}" srcOrd="0" destOrd="0" presId="urn:microsoft.com/office/officeart/2005/8/layout/cycle4#2"/>
+    <dgm:cxn modelId="{9A72332B-9BC0-4737-81E4-3D12A2B5E831}" type="presOf" srcId="{0F497B43-3AB3-49ED-B480-B33C188931D4}" destId="{56F22035-025B-40EF-A575-1CBD3F36B30A}" srcOrd="0" destOrd="0" presId="urn:microsoft.com/office/officeart/2005/8/layout/cycle4#2"/>
+    <dgm:cxn modelId="{C202AD80-7F39-4186-A425-01ECF5E06562}" type="presOf" srcId="{52F107A7-7F56-445A-A494-A40BFF1D8022}" destId="{6718675A-70DE-44E9-B5AF-9DBE7E86FF11}" srcOrd="0" destOrd="0" presId="urn:microsoft.com/office/officeart/2005/8/layout/cycle4#2"/>
+    <dgm:cxn modelId="{8DEDDAD1-59D8-462C-8104-3F11B5D5CD39}" srcId="{0F497B43-3AB3-49ED-B480-B33C188931D4}" destId="{5C810117-A17C-4304-B4B3-E1779C7EAC75}" srcOrd="1" destOrd="0" parTransId="{34E1289E-77CB-4B45-8B2E-EDF70129CAFB}" sibTransId="{7B3B9BE6-62AB-4E45-904C-C3118AD96D2E}"/>
+    <dgm:cxn modelId="{198966EE-DD31-4464-BB09-EDFB792FF63F}" type="presOf" srcId="{F5980E61-0E99-429A-9F30-A0B0BCC7FC0A}" destId="{7162870F-9F28-47A4-88B9-3622613575D2}" srcOrd="0" destOrd="0" presId="urn:microsoft.com/office/officeart/2005/8/layout/cycle4#2"/>
     <dgm:cxn modelId="{B46C9524-1C82-4C3F-8D9D-744098B055F7}" srcId="{0F497B43-3AB3-49ED-B480-B33C188931D4}" destId="{F5980E61-0E99-429A-9F30-A0B0BCC7FC0A}" srcOrd="0" destOrd="0" parTransId="{826ECAF4-6B0B-4C96-93F2-8A513DF86D5C}" sibTransId="{DAD473F7-273F-48CF-A591-E6849FC0FD5D}"/>
+    <dgm:cxn modelId="{C1FDB0F3-258F-402A-BEE9-1408D697A3DD}" type="presOf" srcId="{C14EA41B-E488-4C6B-B60E-293BDFD69BB3}" destId="{F32F7251-C655-419B-B80F-877BC528CBC6}" srcOrd="1" destOrd="0" presId="urn:microsoft.com/office/officeart/2005/8/layout/cycle4#2"/>
+    <dgm:cxn modelId="{E1BB71AA-F8AD-4B9D-A0D6-C4C5B3714151}" type="presOf" srcId="{99BBFA8F-D86B-4935-B82A-C776A61A1484}" destId="{F4A3C5F3-3AAD-4360-9C14-66DA25B31EA2}" srcOrd="0" destOrd="0" presId="urn:microsoft.com/office/officeart/2005/8/layout/cycle4#2"/>
+    <dgm:cxn modelId="{FCAC01C8-C7DE-497E-9AA6-334B39C8F10E}" srcId="{DAECA2CA-2661-412E-AE85-C3A20FBE5FCD}" destId="{52F107A7-7F56-445A-A494-A40BFF1D8022}" srcOrd="0" destOrd="0" parTransId="{A9B64128-7D44-4D5C-8D93-48810EA749C0}" sibTransId="{3C7D7EC5-D108-46C5-BE2B-ED2FEF7BB26F}"/>
+    <dgm:cxn modelId="{69B63970-8EC8-4D68-AFDB-7D0C21F29099}" srcId="{35F770E6-E543-44D3-B7A0-00CF59BE7825}" destId="{4FE905A7-7271-42F0-BFF4-952EC0A2B290}" srcOrd="0" destOrd="0" parTransId="{A3057527-0D6B-4D75-9216-CE139594CD97}" sibTransId="{8220E624-C409-413F-A0B2-86F08462E504}"/>
     <dgm:cxn modelId="{C32AF052-BFD5-42E6-965F-3E4434041DC1}" srcId="{DAECA2CA-2661-412E-AE85-C3A20FBE5FCD}" destId="{35F770E6-E543-44D3-B7A0-00CF59BE7825}" srcOrd="3" destOrd="0" parTransId="{4008CC11-3885-43DC-AD98-DC4620CFC862}" sibTransId="{3184E711-27A8-4B0E-BA8B-D8CD05DCD0B4}"/>
-    <dgm:cxn modelId="{A577CD3C-5BF4-4930-9E1A-9DF04268B581}" srcId="{52F107A7-7F56-445A-A494-A40BFF1D8022}" destId="{10072715-D2E7-4D5A-AB39-E43AF8A05996}" srcOrd="1" destOrd="0" parTransId="{B3B5CDC8-6876-4872-9846-6B10734A2A8A}" sibTransId="{F913EE1D-E9AE-454F-83AB-05C0100D5CB2}"/>
+    <dgm:cxn modelId="{B0B1F30B-726C-4639-A034-7572180750C3}" type="presOf" srcId="{4FE905A7-7271-42F0-BFF4-952EC0A2B290}" destId="{89BC4B9F-E9BE-42F2-8394-3AFE64BADC77}" srcOrd="1" destOrd="0" presId="urn:microsoft.com/office/officeart/2005/8/layout/cycle4#2"/>
+    <dgm:cxn modelId="{0FC12F80-B8A0-46D0-B328-F4AC99B654AD}" type="presOf" srcId="{B760797E-446E-42E2-B0A3-B56202F1FCAA}" destId="{BEED1F87-FF68-467A-A67E-9CAACEA2B51E}" srcOrd="1" destOrd="0" presId="urn:microsoft.com/office/officeart/2005/8/layout/cycle4#2"/>
+    <dgm:cxn modelId="{4868223F-B044-45DB-9940-3C5A1AE665E0}" type="presOf" srcId="{10072715-D2E7-4D5A-AB39-E43AF8A05996}" destId="{BEED1F87-FF68-467A-A67E-9CAACEA2B51E}" srcOrd="1" destOrd="1" presId="urn:microsoft.com/office/officeart/2005/8/layout/cycle4#2"/>
     <dgm:cxn modelId="{63AE9939-FA1C-4DB8-93C5-35E242A75859}" type="presOf" srcId="{5C810117-A17C-4304-B4B3-E1779C7EAC75}" destId="{7162870F-9F28-47A4-88B9-3622613575D2}" srcOrd="0" destOrd="1" presId="urn:microsoft.com/office/officeart/2005/8/layout/cycle4#2"/>
-    <dgm:cxn modelId="{198966EE-DD31-4464-BB09-EDFB792FF63F}" type="presOf" srcId="{F5980E61-0E99-429A-9F30-A0B0BCC7FC0A}" destId="{7162870F-9F28-47A4-88B9-3622613575D2}" srcOrd="0" destOrd="0" presId="urn:microsoft.com/office/officeart/2005/8/layout/cycle4#2"/>
-    <dgm:cxn modelId="{9A72332B-9BC0-4737-81E4-3D12A2B5E831}" type="presOf" srcId="{0F497B43-3AB3-49ED-B480-B33C188931D4}" destId="{56F22035-025B-40EF-A575-1CBD3F36B30A}" srcOrd="0" destOrd="0" presId="urn:microsoft.com/office/officeart/2005/8/layout/cycle4#2"/>
-    <dgm:cxn modelId="{FCAC01C8-C7DE-497E-9AA6-334B39C8F10E}" srcId="{DAECA2CA-2661-412E-AE85-C3A20FBE5FCD}" destId="{52F107A7-7F56-445A-A494-A40BFF1D8022}" srcOrd="0" destOrd="0" parTransId="{A9B64128-7D44-4D5C-8D93-48810EA749C0}" sibTransId="{3C7D7EC5-D108-46C5-BE2B-ED2FEF7BB26F}"/>
-    <dgm:cxn modelId="{69F82A56-5668-439F-8C33-2E5E63C65FB5}" srcId="{99BBFA8F-D86B-4935-B82A-C776A61A1484}" destId="{C14EA41B-E488-4C6B-B60E-293BDFD69BB3}" srcOrd="0" destOrd="0" parTransId="{2962CE49-DEEF-4241-9D7C-595CD589CDFC}" sibTransId="{5730E4C6-5048-40C0-B4B5-83D92B2009F7}"/>
+    <dgm:cxn modelId="{17D91092-E9DC-4B2C-AAD9-AA3120F530B7}" type="presOf" srcId="{C14EA41B-E488-4C6B-B60E-293BDFD69BB3}" destId="{A42844D4-CF61-46EB-9411-31A9060C43A2}" srcOrd="0" destOrd="0" presId="urn:microsoft.com/office/officeart/2005/8/layout/cycle4#2"/>
     <dgm:cxn modelId="{453D3ABC-C5BB-410E-886D-39A24BF526C2}" type="presOf" srcId="{168E8437-CEC9-46A3-B60F-4AE637C8AB34}" destId="{A42844D4-CF61-46EB-9411-31A9060C43A2}" srcOrd="0" destOrd="1" presId="urn:microsoft.com/office/officeart/2005/8/layout/cycle4#2"/>
     <dgm:cxn modelId="{9805BAC1-5C44-4662-B10F-3BC0CF8588E4}" type="presOf" srcId="{76753763-4C07-47A9-8EC7-8456CB385D4F}" destId="{89BC4B9F-E9BE-42F2-8394-3AFE64BADC77}" srcOrd="1" destOrd="1" presId="urn:microsoft.com/office/officeart/2005/8/layout/cycle4#2"/>
-    <dgm:cxn modelId="{4868223F-B044-45DB-9940-3C5A1AE665E0}" type="presOf" srcId="{10072715-D2E7-4D5A-AB39-E43AF8A05996}" destId="{BEED1F87-FF68-467A-A67E-9CAACEA2B51E}" srcOrd="1" destOrd="1" presId="urn:microsoft.com/office/officeart/2005/8/layout/cycle4#2"/>
-    <dgm:cxn modelId="{69B63970-8EC8-4D68-AFDB-7D0C21F29099}" srcId="{35F770E6-E543-44D3-B7A0-00CF59BE7825}" destId="{4FE905A7-7271-42F0-BFF4-952EC0A2B290}" srcOrd="0" destOrd="0" parTransId="{A3057527-0D6B-4D75-9216-CE139594CD97}" sibTransId="{8220E624-C409-413F-A0B2-86F08462E504}"/>
+    <dgm:cxn modelId="{86C1D1B9-3C43-44CF-AC51-29B587181CFE}" type="presOf" srcId="{4FE905A7-7271-42F0-BFF4-952EC0A2B290}" destId="{77F84C51-0010-4923-87AF-53C322104D97}" srcOrd="0" destOrd="0" presId="urn:microsoft.com/office/officeart/2005/8/layout/cycle4#2"/>
+    <dgm:cxn modelId="{E1FCDD25-985B-4BBD-A6A7-5FC60D4488DB}" type="presOf" srcId="{76753763-4C07-47A9-8EC7-8456CB385D4F}" destId="{77F84C51-0010-4923-87AF-53C322104D97}" srcOrd="0" destOrd="1" presId="urn:microsoft.com/office/officeart/2005/8/layout/cycle4#2"/>
+    <dgm:cxn modelId="{A577CD3C-5BF4-4930-9E1A-9DF04268B581}" srcId="{52F107A7-7F56-445A-A494-A40BFF1D8022}" destId="{10072715-D2E7-4D5A-AB39-E43AF8A05996}" srcOrd="1" destOrd="0" parTransId="{B3B5CDC8-6876-4872-9846-6B10734A2A8A}" sibTransId="{F913EE1D-E9AE-454F-83AB-05C0100D5CB2}"/>
     <dgm:cxn modelId="{1942B356-460F-41EB-BBB7-164875A2A2A6}" type="presOf" srcId="{10072715-D2E7-4D5A-AB39-E43AF8A05996}" destId="{8A2642FA-7F26-4103-BB47-2B53943E1A3F}" srcOrd="0" destOrd="1" presId="urn:microsoft.com/office/officeart/2005/8/layout/cycle4#2"/>
-    <dgm:cxn modelId="{E1BB71AA-F8AD-4B9D-A0D6-C4C5B3714151}" type="presOf" srcId="{99BBFA8F-D86B-4935-B82A-C776A61A1484}" destId="{F4A3C5F3-3AAD-4360-9C14-66DA25B31EA2}" srcOrd="0" destOrd="0" presId="urn:microsoft.com/office/officeart/2005/8/layout/cycle4#2"/>
-    <dgm:cxn modelId="{C202AD80-7F39-4186-A425-01ECF5E06562}" type="presOf" srcId="{52F107A7-7F56-445A-A494-A40BFF1D8022}" destId="{6718675A-70DE-44E9-B5AF-9DBE7E86FF11}" srcOrd="0" destOrd="0" presId="urn:microsoft.com/office/officeart/2005/8/layout/cycle4#2"/>
+    <dgm:cxn modelId="{7E6D187F-2B64-4285-89BD-07947565DD76}" type="presOf" srcId="{B760797E-446E-42E2-B0A3-B56202F1FCAA}" destId="{8A2642FA-7F26-4103-BB47-2B53943E1A3F}" srcOrd="0" destOrd="0" presId="urn:microsoft.com/office/officeart/2005/8/layout/cycle4#2"/>
     <dgm:cxn modelId="{C7E74698-83E4-457F-AD71-AFDDD6748A62}" srcId="{DAECA2CA-2661-412E-AE85-C3A20FBE5FCD}" destId="{0F497B43-3AB3-49ED-B480-B33C188931D4}" srcOrd="2" destOrd="0" parTransId="{3C86BECF-7E5C-444B-B0FD-D246D3C876AD}" sibTransId="{11E97AEA-476B-489C-B542-69A4A8A17A06}"/>
-    <dgm:cxn modelId="{0FC12F80-B8A0-46D0-B328-F4AC99B654AD}" type="presOf" srcId="{B760797E-446E-42E2-B0A3-B56202F1FCAA}" destId="{BEED1F87-FF68-467A-A67E-9CAACEA2B51E}" srcOrd="1" destOrd="0" presId="urn:microsoft.com/office/officeart/2005/8/layout/cycle4#2"/>
-    <dgm:cxn modelId="{E7BA98AC-107C-4503-8086-8514EF398F42}" type="presOf" srcId="{DAECA2CA-2661-412E-AE85-C3A20FBE5FCD}" destId="{22EF02C7-195D-45ED-BD8B-8B4F79FABED7}" srcOrd="0" destOrd="0" presId="urn:microsoft.com/office/officeart/2005/8/layout/cycle4#2"/>
-    <dgm:cxn modelId="{E1FCDD25-985B-4BBD-A6A7-5FC60D4488DB}" type="presOf" srcId="{76753763-4C07-47A9-8EC7-8456CB385D4F}" destId="{77F84C51-0010-4923-87AF-53C322104D97}" srcOrd="0" destOrd="1" presId="urn:microsoft.com/office/officeart/2005/8/layout/cycle4#2"/>
-    <dgm:cxn modelId="{C1FDB0F3-258F-402A-BEE9-1408D697A3DD}" type="presOf" srcId="{C14EA41B-E488-4C6B-B60E-293BDFD69BB3}" destId="{F32F7251-C655-419B-B80F-877BC528CBC6}" srcOrd="1" destOrd="0" presId="urn:microsoft.com/office/officeart/2005/8/layout/cycle4#2"/>
+    <dgm:cxn modelId="{9861FB2C-2A87-405E-BB72-067B56336D39}" srcId="{35F770E6-E543-44D3-B7A0-00CF59BE7825}" destId="{76753763-4C07-47A9-8EC7-8456CB385D4F}" srcOrd="1" destOrd="0" parTransId="{84D37303-93BB-45F5-86DC-91951783E4AD}" sibTransId="{EDFEE7C8-A16A-437C-BAD9-844806C1AE86}"/>
+    <dgm:cxn modelId="{69F82A56-5668-439F-8C33-2E5E63C65FB5}" srcId="{99BBFA8F-D86B-4935-B82A-C776A61A1484}" destId="{C14EA41B-E488-4C6B-B60E-293BDFD69BB3}" srcOrd="0" destOrd="0" parTransId="{2962CE49-DEEF-4241-9D7C-595CD589CDFC}" sibTransId="{5730E4C6-5048-40C0-B4B5-83D92B2009F7}"/>
+    <dgm:cxn modelId="{0EC3EF22-A3E5-4A3C-B394-40FF21AA4793}" type="presOf" srcId="{35F770E6-E543-44D3-B7A0-00CF59BE7825}" destId="{87BB4812-2E13-4BDB-B894-129CF83F275F}" srcOrd="0" destOrd="0" presId="urn:microsoft.com/office/officeart/2005/8/layout/cycle4#2"/>
+    <dgm:cxn modelId="{9E799A22-B521-4C6E-BEED-AEF45CDD7AE8}" srcId="{99BBFA8F-D86B-4935-B82A-C776A61A1484}" destId="{168E8437-CEC9-46A3-B60F-4AE637C8AB34}" srcOrd="1" destOrd="0" parTransId="{AAED8AB3-F260-4EEE-8E02-B4C4187B66C8}" sibTransId="{99390C74-C193-4DD4-A652-0CB022B5380C}"/>
     <dgm:cxn modelId="{4797535E-1B80-4CEA-BD43-883910DE7F02}" type="presOf" srcId="{F5980E61-0E99-429A-9F30-A0B0BCC7FC0A}" destId="{D1237CE6-608C-4BAD-9D9E-2616FDF53B8B}" srcOrd="1" destOrd="0" presId="urn:microsoft.com/office/officeart/2005/8/layout/cycle4#2"/>
-    <dgm:cxn modelId="{BDF50867-0CB6-47C1-AA84-A90982062ABE}" type="presOf" srcId="{5C810117-A17C-4304-B4B3-E1779C7EAC75}" destId="{D1237CE6-608C-4BAD-9D9E-2616FDF53B8B}" srcOrd="1" destOrd="1" presId="urn:microsoft.com/office/officeart/2005/8/layout/cycle4#2"/>
-    <dgm:cxn modelId="{9861FB2C-2A87-405E-BB72-067B56336D39}" srcId="{35F770E6-E543-44D3-B7A0-00CF59BE7825}" destId="{76753763-4C07-47A9-8EC7-8456CB385D4F}" srcOrd="1" destOrd="0" parTransId="{84D37303-93BB-45F5-86DC-91951783E4AD}" sibTransId="{EDFEE7C8-A16A-437C-BAD9-844806C1AE86}"/>
-    <dgm:cxn modelId="{FC55BCBF-11F0-44C6-8315-0083110E4C25}" srcId="{DAECA2CA-2661-412E-AE85-C3A20FBE5FCD}" destId="{99BBFA8F-D86B-4935-B82A-C776A61A1484}" srcOrd="1" destOrd="0" parTransId="{D047D16B-2707-4682-BF38-4FA598B4DF3A}" sibTransId="{EE42F419-3F08-4E76-BEEB-982B2DDF5713}"/>
-    <dgm:cxn modelId="{17D91092-E9DC-4B2C-AAD9-AA3120F530B7}" type="presOf" srcId="{C14EA41B-E488-4C6B-B60E-293BDFD69BB3}" destId="{A42844D4-CF61-46EB-9411-31A9060C43A2}" srcOrd="0" destOrd="0" presId="urn:microsoft.com/office/officeart/2005/8/layout/cycle4#2"/>
-    <dgm:cxn modelId="{9E799A22-B521-4C6E-BEED-AEF45CDD7AE8}" srcId="{99BBFA8F-D86B-4935-B82A-C776A61A1484}" destId="{168E8437-CEC9-46A3-B60F-4AE637C8AB34}" srcOrd="1" destOrd="0" parTransId="{AAED8AB3-F260-4EEE-8E02-B4C4187B66C8}" sibTransId="{99390C74-C193-4DD4-A652-0CB022B5380C}"/>
-    <dgm:cxn modelId="{8DEDDAD1-59D8-462C-8104-3F11B5D5CD39}" srcId="{0F497B43-3AB3-49ED-B480-B33C188931D4}" destId="{5C810117-A17C-4304-B4B3-E1779C7EAC75}" srcOrd="1" destOrd="0" parTransId="{34E1289E-77CB-4B45-8B2E-EDF70129CAFB}" sibTransId="{7B3B9BE6-62AB-4E45-904C-C3118AD96D2E}"/>
-    <dgm:cxn modelId="{0EC3EF22-A3E5-4A3C-B394-40FF21AA4793}" type="presOf" srcId="{35F770E6-E543-44D3-B7A0-00CF59BE7825}" destId="{87BB4812-2E13-4BDB-B894-129CF83F275F}" srcOrd="0" destOrd="0" presId="urn:microsoft.com/office/officeart/2005/8/layout/cycle4#2"/>
-    <dgm:cxn modelId="{86C1D1B9-3C43-44CF-AC51-29B587181CFE}" type="presOf" srcId="{4FE905A7-7271-42F0-BFF4-952EC0A2B290}" destId="{77F84C51-0010-4923-87AF-53C322104D97}" srcOrd="0" destOrd="0" presId="urn:microsoft.com/office/officeart/2005/8/layout/cycle4#2"/>
-    <dgm:cxn modelId="{B0B1F30B-726C-4639-A034-7572180750C3}" type="presOf" srcId="{4FE905A7-7271-42F0-BFF4-952EC0A2B290}" destId="{89BC4B9F-E9BE-42F2-8394-3AFE64BADC77}" srcOrd="1" destOrd="0" presId="urn:microsoft.com/office/officeart/2005/8/layout/cycle4#2"/>
-    <dgm:cxn modelId="{B7D7A832-6832-4554-9036-9CAB298139A5}" srcId="{52F107A7-7F56-445A-A494-A40BFF1D8022}" destId="{B760797E-446E-42E2-B0A3-B56202F1FCAA}" srcOrd="0" destOrd="0" parTransId="{34A872A5-9B4E-4664-9DAA-2F2F51588E28}" sibTransId="{367F8124-A2A2-4DCD-956D-713E3E9AD049}"/>
-    <dgm:cxn modelId="{51FEE0AF-CB91-4312-BA60-72BC9209B7DE}" type="presOf" srcId="{168E8437-CEC9-46A3-B60F-4AE637C8AB34}" destId="{F32F7251-C655-419B-B80F-877BC528CBC6}" srcOrd="1" destOrd="1" presId="urn:microsoft.com/office/officeart/2005/8/layout/cycle4#2"/>
     <dgm:cxn modelId="{07AD6CD6-588F-45DF-ABFD-3A0B62AA9FD8}" type="presParOf" srcId="{22EF02C7-195D-45ED-BD8B-8B4F79FABED7}" destId="{3D8698E4-4D68-4B90-B435-F134F844C1B0}" srcOrd="0" destOrd="0" presId="urn:microsoft.com/office/officeart/2005/8/layout/cycle4#2"/>
     <dgm:cxn modelId="{57D96B00-A491-4110-8F61-2D7B08A0B498}" type="presParOf" srcId="{3D8698E4-4D68-4B90-B435-F134F844C1B0}" destId="{34C44AA9-E2B1-4B5F-80FC-928A194532D5}" srcOrd="0" destOrd="0" presId="urn:microsoft.com/office/officeart/2005/8/layout/cycle4#2"/>
     <dgm:cxn modelId="{197B0CB6-292B-4F74-BBD1-D0DA3B335A45}" type="presParOf" srcId="{34C44AA9-E2B1-4B5F-80FC-928A194532D5}" destId="{8A2642FA-7F26-4103-BB47-2B53943E1A3F}" srcOrd="0" destOrd="0" presId="urn:microsoft.com/office/officeart/2005/8/layout/cycle4#2"/>
@@ -5918,14 +5596,14 @@
   <dgm:whole/>
   <dgm:extLst>
     <a:ext uri="http://schemas.microsoft.com/office/drawing/2008/diagram">
-      <dsp:dataModelExt xmlns:dsp="http://schemas.microsoft.com/office/drawing/2008/diagram" xmlns="" relId="rId6" minVer="http://schemas.openxmlformats.org/drawingml/2006/diagram"/>
+      <dsp:dataModelExt xmlns:dsp="http://schemas.microsoft.com/office/drawing/2008/diagram" relId="rId6" minVer="http://schemas.openxmlformats.org/drawingml/2006/diagram"/>
     </a:ext>
   </dgm:extLst>
 </dgm:dataModel>
 </file>
 
 <file path=ppt/diagrams/drawing1.xml><?xml version="1.0" encoding="utf-8"?>
-<dsp:drawing xmlns:dgm="http://schemas.openxmlformats.org/drawingml/2006/diagram" xmlns:a="http://schemas.openxmlformats.org/drawingml/2006/main" xmlns:dsp="http://schemas.microsoft.com/office/drawing/2008/diagram">
+<dsp:drawing xmlns:dgm="http://schemas.openxmlformats.org/drawingml/2006/diagram" xmlns:dsp="http://schemas.microsoft.com/office/drawing/2008/diagram" xmlns:a="http://schemas.openxmlformats.org/drawingml/2006/main">
   <dsp:spTree>
     <dsp:nvGrpSpPr>
       <dsp:cNvPr id="0" name=""/>
@@ -6002,7 +5680,7 @@
             <a:spcAft>
               <a:spcPct val="15000"/>
             </a:spcAft>
-            <a:buChar char="••"/>
+            <a:buChar char="•"/>
           </a:pPr>
           <a:r>
             <a:rPr lang="es-ES" sz="2000" kern="1200" dirty="0"/>
@@ -6020,7 +5698,7 @@
             <a:spcAft>
               <a:spcPct val="15000"/>
             </a:spcAft>
-            <a:buChar char="••"/>
+            <a:buChar char="•"/>
           </a:pPr>
           <a:r>
             <a:rPr lang="es-ES" sz="2000" kern="1200" dirty="0" err="1"/>
@@ -6089,7 +5767,7 @@
         </a:bodyPr>
         <a:lstStyle/>
         <a:p>
-          <a:pPr lvl="0" algn="ctr" defTabSz="977900">
+          <a:pPr marL="0" lvl="0" indent="0" algn="ctr" defTabSz="977900">
             <a:lnSpc>
               <a:spcPct val="90000"/>
             </a:lnSpc>
@@ -6099,6 +5777,7 @@
             <a:spcAft>
               <a:spcPct val="35000"/>
             </a:spcAft>
+            <a:buNone/>
           </a:pPr>
           <a:r>
             <a:rPr lang="es-ES" sz="2200" kern="1200" dirty="0"/>
@@ -6181,7 +5860,7 @@
             <a:spcAft>
               <a:spcPct val="15000"/>
             </a:spcAft>
-            <a:buChar char="••"/>
+            <a:buChar char="•"/>
           </a:pPr>
           <a:r>
             <a:rPr lang="es-ES" sz="2000" kern="1200" dirty="0"/>
@@ -6199,7 +5878,7 @@
             <a:spcAft>
               <a:spcPct val="15000"/>
             </a:spcAft>
-            <a:buChar char="••"/>
+            <a:buChar char="•"/>
           </a:pPr>
           <a:r>
             <a:rPr lang="es-ES" sz="2000" kern="1200" dirty="0" err="1"/>
@@ -6268,7 +5947,7 @@
         </a:bodyPr>
         <a:lstStyle/>
         <a:p>
-          <a:pPr lvl="0" algn="ctr" defTabSz="977900">
+          <a:pPr marL="0" lvl="0" indent="0" algn="ctr" defTabSz="977900">
             <a:lnSpc>
               <a:spcPct val="90000"/>
             </a:lnSpc>
@@ -6278,6 +5957,7 @@
             <a:spcAft>
               <a:spcPct val="35000"/>
             </a:spcAft>
+            <a:buNone/>
           </a:pPr>
           <a:r>
             <a:rPr lang="es-ES" sz="2200" kern="1200" dirty="0"/>
@@ -6360,7 +6040,7 @@
             <a:spcAft>
               <a:spcPct val="15000"/>
             </a:spcAft>
-            <a:buChar char="••"/>
+            <a:buChar char="•"/>
           </a:pPr>
           <a:r>
             <a:rPr lang="es-ES" sz="2000" kern="1200" dirty="0"/>
@@ -6378,7 +6058,7 @@
             <a:spcAft>
               <a:spcPct val="15000"/>
             </a:spcAft>
-            <a:buChar char="••"/>
+            <a:buChar char="•"/>
           </a:pPr>
           <a:r>
             <a:rPr lang="es-ES" sz="2000" kern="1200" dirty="0" err="1"/>
@@ -6447,7 +6127,7 @@
         </a:bodyPr>
         <a:lstStyle/>
         <a:p>
-          <a:pPr lvl="0" algn="ctr" defTabSz="977900">
+          <a:pPr marL="0" lvl="0" indent="0" algn="ctr" defTabSz="977900">
             <a:lnSpc>
               <a:spcPct val="90000"/>
             </a:lnSpc>
@@ -6457,6 +6137,7 @@
             <a:spcAft>
               <a:spcPct val="35000"/>
             </a:spcAft>
+            <a:buNone/>
           </a:pPr>
           <a:r>
             <a:rPr lang="es-ES" sz="2200" kern="1200" dirty="0"/>
@@ -6474,7 +6155,7 @@
 </file>
 
 <file path=ppt/diagrams/drawing2.xml><?xml version="1.0" encoding="utf-8"?>
-<dsp:drawing xmlns:dgm="http://schemas.openxmlformats.org/drawingml/2006/diagram" xmlns:a="http://schemas.openxmlformats.org/drawingml/2006/main" xmlns:dsp="http://schemas.microsoft.com/office/drawing/2008/diagram">
+<dsp:drawing xmlns:dgm="http://schemas.openxmlformats.org/drawingml/2006/diagram" xmlns:dsp="http://schemas.microsoft.com/office/drawing/2008/diagram" xmlns:a="http://schemas.openxmlformats.org/drawingml/2006/main">
   <dsp:spTree>
     <dsp:nvGrpSpPr>
       <dsp:cNvPr id="0" name=""/>
@@ -6551,7 +6232,7 @@
             <a:spcAft>
               <a:spcPct val="15000"/>
             </a:spcAft>
-            <a:buChar char="••"/>
+            <a:buChar char="•"/>
           </a:pPr>
           <a:r>
             <a:rPr lang="es-ES" sz="2000" kern="1200" dirty="0"/>
@@ -6569,7 +6250,7 @@
             <a:spcAft>
               <a:spcPct val="15000"/>
             </a:spcAft>
-            <a:buChar char="••"/>
+            <a:buChar char="•"/>
           </a:pPr>
           <a:r>
             <a:rPr lang="es-ES" sz="2000" kern="1200" dirty="0" err="1"/>
@@ -6638,7 +6319,7 @@
         </a:bodyPr>
         <a:lstStyle/>
         <a:p>
-          <a:pPr lvl="0" algn="ctr" defTabSz="977900">
+          <a:pPr marL="0" lvl="0" indent="0" algn="ctr" defTabSz="977900">
             <a:lnSpc>
               <a:spcPct val="90000"/>
             </a:lnSpc>
@@ -6648,6 +6329,7 @@
             <a:spcAft>
               <a:spcPct val="35000"/>
             </a:spcAft>
+            <a:buNone/>
           </a:pPr>
           <a:r>
             <a:rPr lang="es-ES" sz="2200" kern="1200" dirty="0"/>
@@ -6730,7 +6412,7 @@
             <a:spcAft>
               <a:spcPct val="15000"/>
             </a:spcAft>
-            <a:buChar char="••"/>
+            <a:buChar char="•"/>
           </a:pPr>
           <a:r>
             <a:rPr lang="es-ES" sz="2000" kern="1200" dirty="0"/>
@@ -6748,7 +6430,7 @@
             <a:spcAft>
               <a:spcPct val="15000"/>
             </a:spcAft>
-            <a:buChar char="••"/>
+            <a:buChar char="•"/>
           </a:pPr>
           <a:r>
             <a:rPr lang="es-ES" sz="2000" kern="1200" dirty="0" err="1"/>
@@ -6817,7 +6499,7 @@
         </a:bodyPr>
         <a:lstStyle/>
         <a:p>
-          <a:pPr lvl="0" algn="ctr" defTabSz="977900">
+          <a:pPr marL="0" lvl="0" indent="0" algn="ctr" defTabSz="977900">
             <a:lnSpc>
               <a:spcPct val="90000"/>
             </a:lnSpc>
@@ -6827,6 +6509,7 @@
             <a:spcAft>
               <a:spcPct val="35000"/>
             </a:spcAft>
+            <a:buNone/>
           </a:pPr>
           <a:r>
             <a:rPr lang="es-ES" sz="2200" kern="1200" dirty="0"/>
@@ -6909,7 +6592,7 @@
             <a:spcAft>
               <a:spcPct val="15000"/>
             </a:spcAft>
-            <a:buChar char="••"/>
+            <a:buChar char="•"/>
           </a:pPr>
           <a:r>
             <a:rPr lang="es-ES" sz="2000" kern="1200" dirty="0"/>
@@ -6927,7 +6610,7 @@
             <a:spcAft>
               <a:spcPct val="15000"/>
             </a:spcAft>
-            <a:buChar char="••"/>
+            <a:buChar char="•"/>
           </a:pPr>
           <a:r>
             <a:rPr lang="es-ES" sz="2000" kern="1200" dirty="0" err="1"/>
@@ -6996,7 +6679,7 @@
         </a:bodyPr>
         <a:lstStyle/>
         <a:p>
-          <a:pPr lvl="0" algn="ctr" defTabSz="977900">
+          <a:pPr marL="0" lvl="0" indent="0" algn="ctr" defTabSz="977900">
             <a:lnSpc>
               <a:spcPct val="90000"/>
             </a:lnSpc>
@@ -7006,6 +6689,7 @@
             <a:spcAft>
               <a:spcPct val="35000"/>
             </a:spcAft>
+            <a:buNone/>
           </a:pPr>
           <a:r>
             <a:rPr lang="es-ES" sz="2200" kern="1200" dirty="0"/>
@@ -7023,7 +6707,7 @@
 </file>
 
 <file path=ppt/diagrams/drawing3.xml><?xml version="1.0" encoding="utf-8"?>
-<dsp:drawing xmlns:dgm="http://schemas.openxmlformats.org/drawingml/2006/diagram" xmlns:a="http://schemas.openxmlformats.org/drawingml/2006/main" xmlns:dsp="http://schemas.microsoft.com/office/drawing/2008/diagram">
+<dsp:drawing xmlns:dgm="http://schemas.openxmlformats.org/drawingml/2006/diagram" xmlns:dsp="http://schemas.microsoft.com/office/drawing/2008/diagram" xmlns:a="http://schemas.openxmlformats.org/drawingml/2006/main">
   <dsp:spTree>
     <dsp:nvGrpSpPr>
       <dsp:cNvPr id="0" name=""/>
@@ -7097,7 +6781,7 @@
             <a:spcAft>
               <a:spcPct val="15000"/>
             </a:spcAft>
-            <a:buChar char="••"/>
+            <a:buChar char="•"/>
           </a:pPr>
           <a:r>
             <a:rPr lang="es-ES" sz="2300" kern="1200" dirty="0"/>
@@ -7115,7 +6799,7 @@
             <a:spcAft>
               <a:spcPct val="15000"/>
             </a:spcAft>
-            <a:buChar char="••"/>
+            <a:buChar char="•"/>
           </a:pPr>
           <a:r>
             <a:rPr lang="es-ES" sz="2300" kern="1200" dirty="0"/>
@@ -7124,8 +6808,8 @@
         </a:p>
       </dsp:txBody>
       <dsp:txXfrm>
-        <a:off x="4643962" y="3157410"/>
-        <a:ext cx="1436621" cy="997077"/>
+        <a:off x="4673165" y="3186613"/>
+        <a:ext cx="1378215" cy="938671"/>
       </dsp:txXfrm>
     </dsp:sp>
     <dsp:sp modelId="{77F84C51-0010-4923-87AF-53C322104D97}">
@@ -7195,7 +6879,7 @@
             <a:spcAft>
               <a:spcPct val="15000"/>
             </a:spcAft>
-            <a:buChar char="••"/>
+            <a:buChar char="•"/>
           </a:pPr>
           <a:r>
             <a:rPr lang="es-ES" sz="2300" kern="1200" dirty="0"/>
@@ -7213,7 +6897,7 @@
             <a:spcAft>
               <a:spcPct val="15000"/>
             </a:spcAft>
-            <a:buChar char="••"/>
+            <a:buChar char="•"/>
           </a:pPr>
           <a:r>
             <a:rPr lang="es-ES" sz="2300" kern="1200"/>
@@ -7223,8 +6907,8 @@
         </a:p>
       </dsp:txBody>
       <dsp:txXfrm>
-        <a:off x="679750" y="3157410"/>
-        <a:ext cx="1436621" cy="997077"/>
+        <a:off x="708953" y="3186613"/>
+        <a:ext cx="1378215" cy="938671"/>
       </dsp:txXfrm>
     </dsp:sp>
     <dsp:sp modelId="{A42844D4-CF61-46EB-9411-31A9060C43A2}">
@@ -7294,7 +6978,7 @@
             <a:spcAft>
               <a:spcPct val="15000"/>
             </a:spcAft>
-            <a:buChar char="••"/>
+            <a:buChar char="•"/>
           </a:pPr>
           <a:r>
             <a:rPr lang="es-ES" sz="2300" kern="1200" dirty="0"/>
@@ -7312,7 +6996,7 @@
             <a:spcAft>
               <a:spcPct val="15000"/>
             </a:spcAft>
-            <a:buChar char="••"/>
+            <a:buChar char="•"/>
           </a:pPr>
           <a:r>
             <a:rPr lang="es-ES" sz="2300" kern="1200" dirty="0"/>
@@ -7321,8 +7005,8 @@
         </a:p>
       </dsp:txBody>
       <dsp:txXfrm>
-        <a:off x="4643962" y="0"/>
-        <a:ext cx="1436621" cy="997077"/>
+        <a:off x="4673165" y="29203"/>
+        <a:ext cx="1378215" cy="938671"/>
       </dsp:txXfrm>
     </dsp:sp>
     <dsp:sp modelId="{8A2642FA-7F26-4103-BB47-2B53943E1A3F}">
@@ -7392,7 +7076,7 @@
             <a:spcAft>
               <a:spcPct val="15000"/>
             </a:spcAft>
-            <a:buChar char="••"/>
+            <a:buNone/>
           </a:pPr>
           <a:r>
             <a:rPr lang="es-ES" sz="2300" kern="1200" dirty="0"/>
@@ -7410,7 +7094,7 @@
             <a:spcAft>
               <a:spcPct val="15000"/>
             </a:spcAft>
-            <a:buChar char="••"/>
+            <a:buNone/>
           </a:pPr>
           <a:r>
             <a:rPr lang="es-ES" sz="2300" kern="1200" dirty="0"/>
@@ -7419,8 +7103,8 @@
         </a:p>
       </dsp:txBody>
       <dsp:txXfrm>
-        <a:off x="679750" y="0"/>
-        <a:ext cx="1436621" cy="997077"/>
+        <a:off x="708953" y="29203"/>
+        <a:ext cx="1378215" cy="938671"/>
       </dsp:txXfrm>
     </dsp:sp>
     <dsp:sp modelId="{6718675A-70DE-44E9-B5AF-9DBE7E86FF11}">
@@ -7479,7 +7163,7 @@
         </a:bodyPr>
         <a:lstStyle/>
         <a:p>
-          <a:pPr lvl="0" algn="ctr" defTabSz="977900">
+          <a:pPr marL="0" lvl="0" indent="0" algn="ctr" defTabSz="977900">
             <a:lnSpc>
               <a:spcPct val="90000"/>
             </a:lnSpc>
@@ -7489,6 +7173,7 @@
             <a:spcAft>
               <a:spcPct val="35000"/>
             </a:spcAft>
+            <a:buNone/>
           </a:pPr>
           <a:r>
             <a:rPr lang="es-ES" sz="2200" kern="1200" dirty="0"/>
@@ -7497,8 +7182,8 @@
         </a:p>
       </dsp:txBody>
       <dsp:txXfrm>
-        <a:off x="1539729" y="236805"/>
-        <a:ext cx="1798893" cy="1798893"/>
+        <a:off x="2066613" y="763689"/>
+        <a:ext cx="1272009" cy="1272009"/>
       </dsp:txXfrm>
     </dsp:sp>
     <dsp:sp modelId="{F4A3C5F3-3AAD-4360-9C14-66DA25B31EA2}">
@@ -7557,7 +7242,7 @@
         </a:bodyPr>
         <a:lstStyle/>
         <a:p>
-          <a:pPr lvl="0" algn="ctr" defTabSz="977900">
+          <a:pPr marL="0" lvl="0" indent="0" algn="ctr" defTabSz="977900">
             <a:lnSpc>
               <a:spcPct val="90000"/>
             </a:lnSpc>
@@ -7567,6 +7252,7 @@
             <a:spcAft>
               <a:spcPct val="35000"/>
             </a:spcAft>
+            <a:buNone/>
           </a:pPr>
           <a:r>
             <a:rPr lang="es-ES" sz="2200" kern="1200" dirty="0"/>
@@ -7574,9 +7260,9 @@
           </a:r>
         </a:p>
       </dsp:txBody>
-      <dsp:txXfrm rot="5400000">
-        <a:off x="3421712" y="236805"/>
-        <a:ext cx="1798893" cy="1798893"/>
+      <dsp:txXfrm rot="-5400000">
+        <a:off x="3421712" y="763689"/>
+        <a:ext cx="1272009" cy="1272009"/>
       </dsp:txXfrm>
     </dsp:sp>
     <dsp:sp modelId="{56F22035-025B-40EF-A575-1CBD3F36B30A}">
@@ -7635,7 +7321,7 @@
         </a:bodyPr>
         <a:lstStyle/>
         <a:p>
-          <a:pPr lvl="0" algn="ctr" defTabSz="977900">
+          <a:pPr marL="0" lvl="0" indent="0" algn="ctr" defTabSz="977900">
             <a:lnSpc>
               <a:spcPct val="90000"/>
             </a:lnSpc>
@@ -7645,6 +7331,7 @@
             <a:spcAft>
               <a:spcPct val="35000"/>
             </a:spcAft>
+            <a:buNone/>
           </a:pPr>
           <a:r>
             <a:rPr lang="es-ES" sz="2200" kern="1200" dirty="0"/>
@@ -7654,7 +7341,7 @@
       </dsp:txBody>
       <dsp:txXfrm rot="10800000">
         <a:off x="3421712" y="2118788"/>
-        <a:ext cx="1798893" cy="1798893"/>
+        <a:ext cx="1272009" cy="1272009"/>
       </dsp:txXfrm>
     </dsp:sp>
     <dsp:sp modelId="{87BB4812-2E13-4BDB-B894-129CF83F275F}">
@@ -7713,7 +7400,7 @@
         </a:bodyPr>
         <a:lstStyle/>
         <a:p>
-          <a:pPr lvl="0" algn="ctr" defTabSz="977900">
+          <a:pPr marL="0" lvl="0" indent="0" algn="ctr" defTabSz="977900">
             <a:lnSpc>
               <a:spcPct val="90000"/>
             </a:lnSpc>
@@ -7723,6 +7410,7 @@
             <a:spcAft>
               <a:spcPct val="35000"/>
             </a:spcAft>
+            <a:buNone/>
           </a:pPr>
           <a:r>
             <a:rPr lang="es-ES" sz="2200" kern="1200" dirty="0"/>
@@ -7735,9 +7423,9 @@
           <a:endParaRPr lang="es-ES" sz="2200" kern="1200" dirty="0"/>
         </a:p>
       </dsp:txBody>
-      <dsp:txXfrm rot="16200000">
-        <a:off x="1539729" y="2118788"/>
-        <a:ext cx="1798893" cy="1798893"/>
+      <dsp:txXfrm rot="5400000">
+        <a:off x="2066613" y="2118788"/>
+        <a:ext cx="1272009" cy="1272009"/>
       </dsp:txXfrm>
     </dsp:sp>
     <dsp:sp modelId="{6A133638-247C-4CB0-9A18-077A4F6F0852}">
@@ -7843,7 +7531,7 @@
 </file>
 
 <file path=ppt/diagrams/drawing4.xml><?xml version="1.0" encoding="utf-8"?>
-<dsp:drawing xmlns:dgm="http://schemas.openxmlformats.org/drawingml/2006/diagram" xmlns:a="http://schemas.openxmlformats.org/drawingml/2006/main" xmlns:dsp="http://schemas.microsoft.com/office/drawing/2008/diagram">
+<dsp:drawing xmlns:dgm="http://schemas.openxmlformats.org/drawingml/2006/diagram" xmlns:dsp="http://schemas.microsoft.com/office/drawing/2008/diagram" xmlns:a="http://schemas.openxmlformats.org/drawingml/2006/main">
   <dsp:spTree>
     <dsp:nvGrpSpPr>
       <dsp:cNvPr id="0" name=""/>
@@ -7917,7 +7605,7 @@
             <a:spcAft>
               <a:spcPct val="15000"/>
             </a:spcAft>
-            <a:buChar char="••"/>
+            <a:buNone/>
           </a:pPr>
           <a:r>
             <a:rPr lang="es-ES" sz="2300" kern="1200" dirty="0"/>
@@ -7935,7 +7623,7 @@
             <a:spcAft>
               <a:spcPct val="15000"/>
             </a:spcAft>
-            <a:buChar char="••"/>
+            <a:buNone/>
           </a:pPr>
           <a:r>
             <a:rPr lang="es-ES" sz="2300" kern="1200" dirty="0"/>
@@ -7944,8 +7632,8 @@
         </a:p>
       </dsp:txBody>
       <dsp:txXfrm>
-        <a:off x="4643962" y="3157410"/>
-        <a:ext cx="1436621" cy="997077"/>
+        <a:off x="4673165" y="3186613"/>
+        <a:ext cx="1378215" cy="938671"/>
       </dsp:txXfrm>
     </dsp:sp>
     <dsp:sp modelId="{77F84C51-0010-4923-87AF-53C322104D97}">
@@ -8015,7 +7703,7 @@
             <a:spcAft>
               <a:spcPct val="15000"/>
             </a:spcAft>
-            <a:buChar char="••"/>
+            <a:buNone/>
           </a:pPr>
           <a:r>
             <a:rPr lang="es-ES" sz="2300" kern="1200" dirty="0"/>
@@ -8033,7 +7721,7 @@
             <a:spcAft>
               <a:spcPct val="15000"/>
             </a:spcAft>
-            <a:buChar char="••"/>
+            <a:buNone/>
           </a:pPr>
           <a:r>
             <a:rPr lang="es-ES" sz="2300" kern="1200" dirty="0"/>
@@ -8042,8 +7730,8 @@
         </a:p>
       </dsp:txBody>
       <dsp:txXfrm>
-        <a:off x="679750" y="3157410"/>
-        <a:ext cx="1436621" cy="997077"/>
+        <a:off x="708953" y="3186613"/>
+        <a:ext cx="1378215" cy="938671"/>
       </dsp:txXfrm>
     </dsp:sp>
     <dsp:sp modelId="{A42844D4-CF61-46EB-9411-31A9060C43A2}">
@@ -8113,7 +7801,7 @@
             <a:spcAft>
               <a:spcPct val="15000"/>
             </a:spcAft>
-            <a:buChar char="••"/>
+            <a:buNone/>
           </a:pPr>
           <a:r>
             <a:rPr lang="es-ES" sz="2300" kern="1200" dirty="0"/>
@@ -8131,7 +7819,7 @@
             <a:spcAft>
               <a:spcPct val="15000"/>
             </a:spcAft>
-            <a:buChar char="••"/>
+            <a:buNone/>
           </a:pPr>
           <a:r>
             <a:rPr lang="es-ES" sz="2300" kern="1200" dirty="0"/>
@@ -8140,8 +7828,8 @@
         </a:p>
       </dsp:txBody>
       <dsp:txXfrm>
-        <a:off x="4643962" y="0"/>
-        <a:ext cx="1436621" cy="997077"/>
+        <a:off x="4673165" y="29203"/>
+        <a:ext cx="1378215" cy="938671"/>
       </dsp:txXfrm>
     </dsp:sp>
     <dsp:sp modelId="{8A2642FA-7F26-4103-BB47-2B53943E1A3F}">
@@ -8211,7 +7899,7 @@
             <a:spcAft>
               <a:spcPct val="15000"/>
             </a:spcAft>
-            <a:buChar char="••"/>
+            <a:buNone/>
           </a:pPr>
           <a:r>
             <a:rPr lang="es-ES" sz="2300" kern="1200" dirty="0"/>
@@ -8229,7 +7917,7 @@
             <a:spcAft>
               <a:spcPct val="15000"/>
             </a:spcAft>
-            <a:buChar char="••"/>
+            <a:buNone/>
           </a:pPr>
           <a:r>
             <a:rPr lang="es-ES" sz="2300" kern="1200" dirty="0"/>
@@ -8238,8 +7926,8 @@
         </a:p>
       </dsp:txBody>
       <dsp:txXfrm>
-        <a:off x="679750" y="0"/>
-        <a:ext cx="1436621" cy="997077"/>
+        <a:off x="708953" y="29203"/>
+        <a:ext cx="1378215" cy="938671"/>
       </dsp:txXfrm>
     </dsp:sp>
     <dsp:sp modelId="{6718675A-70DE-44E9-B5AF-9DBE7E86FF11}">
@@ -8298,7 +7986,7 @@
         </a:bodyPr>
         <a:lstStyle/>
         <a:p>
-          <a:pPr lvl="0" algn="ctr" defTabSz="977900">
+          <a:pPr marL="0" lvl="0" indent="0" algn="ctr" defTabSz="977900">
             <a:lnSpc>
               <a:spcPct val="90000"/>
             </a:lnSpc>
@@ -8308,6 +7996,7 @@
             <a:spcAft>
               <a:spcPct val="35000"/>
             </a:spcAft>
+            <a:buNone/>
           </a:pPr>
           <a:r>
             <a:rPr lang="es-ES" sz="2200" kern="1200" dirty="0"/>
@@ -8316,8 +8005,8 @@
         </a:p>
       </dsp:txBody>
       <dsp:txXfrm>
-        <a:off x="1539729" y="236805"/>
-        <a:ext cx="1798893" cy="1798893"/>
+        <a:off x="2066613" y="763689"/>
+        <a:ext cx="1272009" cy="1272009"/>
       </dsp:txXfrm>
     </dsp:sp>
     <dsp:sp modelId="{F4A3C5F3-3AAD-4360-9C14-66DA25B31EA2}">
@@ -8376,7 +8065,7 @@
         </a:bodyPr>
         <a:lstStyle/>
         <a:p>
-          <a:pPr lvl="0" algn="ctr" defTabSz="977900">
+          <a:pPr marL="0" lvl="0" indent="0" algn="ctr" defTabSz="977900">
             <a:lnSpc>
               <a:spcPct val="90000"/>
             </a:lnSpc>
@@ -8386,6 +8075,7 @@
             <a:spcAft>
               <a:spcPct val="35000"/>
             </a:spcAft>
+            <a:buNone/>
           </a:pPr>
           <a:r>
             <a:rPr lang="es-ES" sz="2200" kern="1200" dirty="0"/>
@@ -8393,9 +8083,9 @@
           </a:r>
         </a:p>
       </dsp:txBody>
-      <dsp:txXfrm rot="5400000">
-        <a:off x="3421712" y="236805"/>
-        <a:ext cx="1798893" cy="1798893"/>
+      <dsp:txXfrm rot="-5400000">
+        <a:off x="3421712" y="763689"/>
+        <a:ext cx="1272009" cy="1272009"/>
       </dsp:txXfrm>
     </dsp:sp>
     <dsp:sp modelId="{56F22035-025B-40EF-A575-1CBD3F36B30A}">
@@ -8454,7 +8144,7 @@
         </a:bodyPr>
         <a:lstStyle/>
         <a:p>
-          <a:pPr lvl="0" algn="ctr" defTabSz="977900">
+          <a:pPr marL="0" lvl="0" indent="0" algn="ctr" defTabSz="977900">
             <a:lnSpc>
               <a:spcPct val="90000"/>
             </a:lnSpc>
@@ -8464,6 +8154,7 @@
             <a:spcAft>
               <a:spcPct val="35000"/>
             </a:spcAft>
+            <a:buNone/>
           </a:pPr>
           <a:r>
             <a:rPr lang="es-ES" sz="2200" kern="1200" dirty="0"/>
@@ -8473,7 +8164,7 @@
       </dsp:txBody>
       <dsp:txXfrm rot="10800000">
         <a:off x="3421712" y="2118788"/>
-        <a:ext cx="1798893" cy="1798893"/>
+        <a:ext cx="1272009" cy="1272009"/>
       </dsp:txXfrm>
     </dsp:sp>
     <dsp:sp modelId="{87BB4812-2E13-4BDB-B894-129CF83F275F}">
@@ -8532,7 +8223,7 @@
         </a:bodyPr>
         <a:lstStyle/>
         <a:p>
-          <a:pPr lvl="0" algn="ctr" defTabSz="977900">
+          <a:pPr marL="0" lvl="0" indent="0" algn="ctr" defTabSz="977900">
             <a:lnSpc>
               <a:spcPct val="90000"/>
             </a:lnSpc>
@@ -8542,6 +8233,7 @@
             <a:spcAft>
               <a:spcPct val="35000"/>
             </a:spcAft>
+            <a:buNone/>
           </a:pPr>
           <a:r>
             <a:rPr lang="es-ES" sz="2200" kern="1200" dirty="0"/>
@@ -8554,9 +8246,9 @@
           <a:endParaRPr lang="es-ES" sz="2200" kern="1200" dirty="0"/>
         </a:p>
       </dsp:txBody>
-      <dsp:txXfrm rot="16200000">
-        <a:off x="1539729" y="2118788"/>
-        <a:ext cx="1798893" cy="1798893"/>
+      <dsp:txXfrm rot="5400000">
+        <a:off x="2066613" y="2118788"/>
+        <a:ext cx="1272009" cy="1272009"/>
       </dsp:txXfrm>
     </dsp:sp>
     <dsp:sp modelId="{6A133638-247C-4CB0-9A18-077A4F6F0852}">
@@ -15017,7 +14709,7 @@
     </p:spTree>
     <p:extLst>
       <p:ext uri="{BB962C8B-B14F-4D97-AF65-F5344CB8AC3E}">
-        <p14:creationId xmlns:p14="http://schemas.microsoft.com/office/powerpoint/2010/main" xmlns="" val="721522238"/>
+        <p14:creationId xmlns:p14="http://schemas.microsoft.com/office/powerpoint/2010/main" val="721522238"/>
       </p:ext>
     </p:extLst>
   </p:cSld>
@@ -15187,7 +14879,7 @@
     </p:spTree>
     <p:extLst>
       <p:ext uri="{BB962C8B-B14F-4D97-AF65-F5344CB8AC3E}">
-        <p14:creationId xmlns:p14="http://schemas.microsoft.com/office/powerpoint/2010/main" xmlns="" val="135684423"/>
+        <p14:creationId xmlns:p14="http://schemas.microsoft.com/office/powerpoint/2010/main" val="135684423"/>
       </p:ext>
     </p:extLst>
   </p:cSld>
@@ -15367,7 +15059,7 @@
     </p:spTree>
     <p:extLst>
       <p:ext uri="{BB962C8B-B14F-4D97-AF65-F5344CB8AC3E}">
-        <p14:creationId xmlns:p14="http://schemas.microsoft.com/office/powerpoint/2010/main" xmlns="" val="3975291223"/>
+        <p14:creationId xmlns:p14="http://schemas.microsoft.com/office/powerpoint/2010/main" val="3975291223"/>
       </p:ext>
     </p:extLst>
   </p:cSld>
@@ -15537,7 +15229,7 @@
     </p:spTree>
     <p:extLst>
       <p:ext uri="{BB962C8B-B14F-4D97-AF65-F5344CB8AC3E}">
-        <p14:creationId xmlns:p14="http://schemas.microsoft.com/office/powerpoint/2010/main" xmlns="" val="1968913757"/>
+        <p14:creationId xmlns:p14="http://schemas.microsoft.com/office/powerpoint/2010/main" val="1968913757"/>
       </p:ext>
     </p:extLst>
   </p:cSld>
@@ -15784,7 +15476,7 @@
     </p:spTree>
     <p:extLst>
       <p:ext uri="{BB962C8B-B14F-4D97-AF65-F5344CB8AC3E}">
-        <p14:creationId xmlns:p14="http://schemas.microsoft.com/office/powerpoint/2010/main" xmlns="" val="2799282520"/>
+        <p14:creationId xmlns:p14="http://schemas.microsoft.com/office/powerpoint/2010/main" val="2799282520"/>
       </p:ext>
     </p:extLst>
   </p:cSld>
@@ -16015,7 +15707,7 @@
     </p:spTree>
     <p:extLst>
       <p:ext uri="{BB962C8B-B14F-4D97-AF65-F5344CB8AC3E}">
-        <p14:creationId xmlns:p14="http://schemas.microsoft.com/office/powerpoint/2010/main" xmlns="" val="1853813525"/>
+        <p14:creationId xmlns:p14="http://schemas.microsoft.com/office/powerpoint/2010/main" val="1853813525"/>
       </p:ext>
     </p:extLst>
   </p:cSld>
@@ -16381,7 +16073,7 @@
     </p:spTree>
     <p:extLst>
       <p:ext uri="{BB962C8B-B14F-4D97-AF65-F5344CB8AC3E}">
-        <p14:creationId xmlns:p14="http://schemas.microsoft.com/office/powerpoint/2010/main" xmlns="" val="737120130"/>
+        <p14:creationId xmlns:p14="http://schemas.microsoft.com/office/powerpoint/2010/main" val="737120130"/>
       </p:ext>
     </p:extLst>
   </p:cSld>
@@ -16500,7 +16192,7 @@
     </p:spTree>
     <p:extLst>
       <p:ext uri="{BB962C8B-B14F-4D97-AF65-F5344CB8AC3E}">
-        <p14:creationId xmlns:p14="http://schemas.microsoft.com/office/powerpoint/2010/main" xmlns="" val="2270560658"/>
+        <p14:creationId xmlns:p14="http://schemas.microsoft.com/office/powerpoint/2010/main" val="2270560658"/>
       </p:ext>
     </p:extLst>
   </p:cSld>
@@ -16597,7 +16289,7 @@
     </p:spTree>
     <p:extLst>
       <p:ext uri="{BB962C8B-B14F-4D97-AF65-F5344CB8AC3E}">
-        <p14:creationId xmlns:p14="http://schemas.microsoft.com/office/powerpoint/2010/main" xmlns="" val="811916423"/>
+        <p14:creationId xmlns:p14="http://schemas.microsoft.com/office/powerpoint/2010/main" val="811916423"/>
       </p:ext>
     </p:extLst>
   </p:cSld>
@@ -16874,7 +16566,7 @@
     </p:spTree>
     <p:extLst>
       <p:ext uri="{BB962C8B-B14F-4D97-AF65-F5344CB8AC3E}">
-        <p14:creationId xmlns:p14="http://schemas.microsoft.com/office/powerpoint/2010/main" xmlns="" val="1572738696"/>
+        <p14:creationId xmlns:p14="http://schemas.microsoft.com/office/powerpoint/2010/main" val="1572738696"/>
       </p:ext>
     </p:extLst>
   </p:cSld>
@@ -17128,7 +16820,7 @@
     </p:spTree>
     <p:extLst>
       <p:ext uri="{BB962C8B-B14F-4D97-AF65-F5344CB8AC3E}">
-        <p14:creationId xmlns:p14="http://schemas.microsoft.com/office/powerpoint/2010/main" xmlns="" val="3988956279"/>
+        <p14:creationId xmlns:p14="http://schemas.microsoft.com/office/powerpoint/2010/main" val="3988956279"/>
       </p:ext>
     </p:extLst>
   </p:cSld>
@@ -17377,7 +17069,7 @@
     </p:spTree>
     <p:extLst>
       <p:ext uri="{BB962C8B-B14F-4D97-AF65-F5344CB8AC3E}">
-        <p14:creationId xmlns:p14="http://schemas.microsoft.com/office/powerpoint/2010/main" xmlns="" val="1495448227"/>
+        <p14:creationId xmlns:p14="http://schemas.microsoft.com/office/powerpoint/2010/main" val="1495448227"/>
       </p:ext>
     </p:extLst>
   </p:cSld>
@@ -17707,7 +17399,7 @@
           <a:blip r:embed="rId2" cstate="print">
             <a:extLst>
               <a:ext uri="{28A0092B-C50C-407E-A947-70E740481C1C}">
-                <a14:useLocalDpi xmlns:a14="http://schemas.microsoft.com/office/drawing/2010/main" xmlns="" val="0"/>
+                <a14:useLocalDpi xmlns:a14="http://schemas.microsoft.com/office/drawing/2010/main" val="0"/>
               </a:ext>
             </a:extLst>
           </a:blip>
@@ -17725,7 +17417,7 @@
           <a:noFill/>
           <a:extLst>
             <a:ext uri="{909E8E84-426E-40DD-AFC4-6F175D3DCCD1}">
-              <a14:hiddenFill xmlns:a14="http://schemas.microsoft.com/office/drawing/2010/main" xmlns="">
+              <a14:hiddenFill xmlns:a14="http://schemas.microsoft.com/office/drawing/2010/main">
                 <a:solidFill>
                   <a:srgbClr val="FFFFFF"/>
                 </a:solidFill>
@@ -17743,7 +17435,7 @@
           <p:nvPr>
             <p:extLst>
               <p:ext uri="{386F3935-93C4-4BCD-93E2-E3B085C9AB24}">
-                <p16:designElem xmlns:p16="http://schemas.microsoft.com/office/powerpoint/2015/main" xmlns="" val="1"/>
+                <p16:designElem xmlns:p16="http://schemas.microsoft.com/office/powerpoint/2015/main" val="1"/>
               </p:ext>
             </p:extLst>
           </p:nvPr>
@@ -17876,7 +17568,7 @@
           <p:nvPr>
             <p:extLst>
               <p:ext uri="{386F3935-93C4-4BCD-93E2-E3B085C9AB24}">
-                <p16:designElem xmlns:p16="http://schemas.microsoft.com/office/powerpoint/2015/main" xmlns="" val="1"/>
+                <p16:designElem xmlns:p16="http://schemas.microsoft.com/office/powerpoint/2015/main" val="1"/>
               </p:ext>
             </p:extLst>
           </p:nvPr>
@@ -18069,7 +17761,7 @@
     </p:spTree>
     <p:extLst>
       <p:ext uri="{BB962C8B-B14F-4D97-AF65-F5344CB8AC3E}">
-        <p14:creationId xmlns:p14="http://schemas.microsoft.com/office/powerpoint/2010/main" xmlns="" val="3457958263"/>
+        <p14:creationId xmlns:p14="http://schemas.microsoft.com/office/powerpoint/2010/main" val="3457958263"/>
       </p:ext>
     </p:extLst>
   </p:cSld>
@@ -18105,7 +17797,7 @@
           <p:nvPr>
             <p:extLst>
               <p:ext uri="{386F3935-93C4-4BCD-93E2-E3B085C9AB24}">
-                <p16:designElem xmlns:p16="http://schemas.microsoft.com/office/powerpoint/2015/main" xmlns="" val="1"/>
+                <p16:designElem xmlns:p16="http://schemas.microsoft.com/office/powerpoint/2015/main" val="1"/>
               </p:ext>
             </p:extLst>
           </p:nvPr>
@@ -18169,7 +17861,7 @@
           <a:blip r:embed="rId2" cstate="print">
             <a:extLst>
               <a:ext uri="{28A0092B-C50C-407E-A947-70E740481C1C}">
-                <a14:useLocalDpi xmlns:a14="http://schemas.microsoft.com/office/drawing/2010/main" xmlns="" val="0"/>
+                <a14:useLocalDpi xmlns:a14="http://schemas.microsoft.com/office/drawing/2010/main" val="0"/>
               </a:ext>
             </a:extLst>
           </a:blip>
@@ -18374,7 +18066,7 @@
     </p:spTree>
     <p:extLst>
       <p:ext uri="{BB962C8B-B14F-4D97-AF65-F5344CB8AC3E}">
-        <p14:creationId xmlns:p14="http://schemas.microsoft.com/office/powerpoint/2010/main" xmlns="" val="3839184132"/>
+        <p14:creationId xmlns:p14="http://schemas.microsoft.com/office/powerpoint/2010/main" val="3839184132"/>
       </p:ext>
     </p:extLst>
   </p:cSld>
@@ -18410,7 +18102,7 @@
           <p:nvPr>
             <p:extLst>
               <p:ext uri="{386F3935-93C4-4BCD-93E2-E3B085C9AB24}">
-                <p16:designElem xmlns:p16="http://schemas.microsoft.com/office/powerpoint/2015/main" xmlns="" val="1"/>
+                <p16:designElem xmlns:p16="http://schemas.microsoft.com/office/powerpoint/2015/main" val="1"/>
               </p:ext>
             </p:extLst>
           </p:nvPr>
@@ -18464,7 +18156,7 @@
           <p:nvPr>
             <p:extLst>
               <p:ext uri="{386F3935-93C4-4BCD-93E2-E3B085C9AB24}">
-                <p16:designElem xmlns:p16="http://schemas.microsoft.com/office/powerpoint/2015/main" xmlns="" val="1"/>
+                <p16:designElem xmlns:p16="http://schemas.microsoft.com/office/powerpoint/2015/main" val="1"/>
               </p:ext>
             </p:extLst>
           </p:nvPr>
@@ -18563,7 +18255,7 @@
           <p:nvPr>
             <p:extLst>
               <p:ext uri="{386F3935-93C4-4BCD-93E2-E3B085C9AB24}">
-                <p16:designElem xmlns:p16="http://schemas.microsoft.com/office/powerpoint/2015/main" xmlns="" val="1"/>
+                <p16:designElem xmlns:p16="http://schemas.microsoft.com/office/powerpoint/2015/main" val="1"/>
               </p:ext>
             </p:extLst>
           </p:nvPr>
@@ -18770,7 +18462,7 @@
     </p:spTree>
     <p:extLst>
       <p:ext uri="{BB962C8B-B14F-4D97-AF65-F5344CB8AC3E}">
-        <p14:creationId xmlns:p14="http://schemas.microsoft.com/office/powerpoint/2010/main" xmlns="" val="2503024099"/>
+        <p14:creationId xmlns:p14="http://schemas.microsoft.com/office/powerpoint/2010/main" val="2503024099"/>
       </p:ext>
     </p:extLst>
   </p:cSld>
@@ -18806,7 +18498,7 @@
           <p:nvPr>
             <p:extLst>
               <p:ext uri="{386F3935-93C4-4BCD-93E2-E3B085C9AB24}">
-                <p16:designElem xmlns:p16="http://schemas.microsoft.com/office/powerpoint/2015/main" xmlns="" val="1"/>
+                <p16:designElem xmlns:p16="http://schemas.microsoft.com/office/powerpoint/2015/main" val="1"/>
               </p:ext>
             </p:extLst>
           </p:nvPr>
@@ -18860,7 +18552,7 @@
           <p:nvPr>
             <p:extLst>
               <p:ext uri="{386F3935-93C4-4BCD-93E2-E3B085C9AB24}">
-                <p16:designElem xmlns:p16="http://schemas.microsoft.com/office/powerpoint/2015/main" xmlns="" val="1"/>
+                <p16:designElem xmlns:p16="http://schemas.microsoft.com/office/powerpoint/2015/main" val="1"/>
               </p:ext>
             </p:extLst>
           </p:nvPr>
@@ -18959,7 +18651,7 @@
           <p:nvPr>
             <p:extLst>
               <p:ext uri="{386F3935-93C4-4BCD-93E2-E3B085C9AB24}">
-                <p16:designElem xmlns:p16="http://schemas.microsoft.com/office/powerpoint/2015/main" xmlns="" val="1"/>
+                <p16:designElem xmlns:p16="http://schemas.microsoft.com/office/powerpoint/2015/main" val="1"/>
               </p:ext>
             </p:extLst>
           </p:nvPr>
@@ -19201,7 +18893,7 @@
     </p:spTree>
     <p:extLst>
       <p:ext uri="{BB962C8B-B14F-4D97-AF65-F5344CB8AC3E}">
-        <p14:creationId xmlns:p14="http://schemas.microsoft.com/office/powerpoint/2010/main" xmlns="" val="2529481031"/>
+        <p14:creationId xmlns:p14="http://schemas.microsoft.com/office/powerpoint/2010/main" val="2529481031"/>
       </p:ext>
     </p:extLst>
   </p:cSld>
@@ -19237,7 +18929,7 @@
           <p:nvPr>
             <p:extLst>
               <p:ext uri="{386F3935-93C4-4BCD-93E2-E3B085C9AB24}">
-                <p16:designElem xmlns:p16="http://schemas.microsoft.com/office/powerpoint/2015/main" xmlns="" val="1"/>
+                <p16:designElem xmlns:p16="http://schemas.microsoft.com/office/powerpoint/2015/main" val="1"/>
               </p:ext>
             </p:extLst>
           </p:nvPr>
@@ -19291,7 +18983,7 @@
           <p:nvPr>
             <p:extLst>
               <p:ext uri="{386F3935-93C4-4BCD-93E2-E3B085C9AB24}">
-                <p16:designElem xmlns:p16="http://schemas.microsoft.com/office/powerpoint/2015/main" xmlns="" val="1"/>
+                <p16:designElem xmlns:p16="http://schemas.microsoft.com/office/powerpoint/2015/main" val="1"/>
               </p:ext>
             </p:extLst>
           </p:nvPr>
@@ -19390,7 +19082,7 @@
           <p:nvPr>
             <p:extLst>
               <p:ext uri="{386F3935-93C4-4BCD-93E2-E3B085C9AB24}">
-                <p16:designElem xmlns:p16="http://schemas.microsoft.com/office/powerpoint/2015/main" xmlns="" val="1"/>
+                <p16:designElem xmlns:p16="http://schemas.microsoft.com/office/powerpoint/2015/main" val="1"/>
               </p:ext>
             </p:extLst>
           </p:nvPr>
@@ -19602,7 +19294,7 @@
     </p:spTree>
     <p:extLst>
       <p:ext uri="{BB962C8B-B14F-4D97-AF65-F5344CB8AC3E}">
-        <p14:creationId xmlns:p14="http://schemas.microsoft.com/office/powerpoint/2010/main" xmlns="" val="3295904946"/>
+        <p14:creationId xmlns:p14="http://schemas.microsoft.com/office/powerpoint/2010/main" val="3295904946"/>
       </p:ext>
     </p:extLst>
   </p:cSld>
@@ -19638,7 +19330,7 @@
           <p:nvPr>
             <p:extLst>
               <p:ext uri="{386F3935-93C4-4BCD-93E2-E3B085C9AB24}">
-                <p16:designElem xmlns:p16="http://schemas.microsoft.com/office/powerpoint/2015/main" xmlns="" val="1"/>
+                <p16:designElem xmlns:p16="http://schemas.microsoft.com/office/powerpoint/2015/main" val="1"/>
               </p:ext>
             </p:extLst>
           </p:nvPr>
@@ -19669,7 +19361,7 @@
           <p:nvPr>
             <p:extLst>
               <p:ext uri="{386F3935-93C4-4BCD-93E2-E3B085C9AB24}">
-                <p16:designElem xmlns:p16="http://schemas.microsoft.com/office/powerpoint/2015/main" xmlns="" val="1"/>
+                <p16:designElem xmlns:p16="http://schemas.microsoft.com/office/powerpoint/2015/main" val="1"/>
               </p:ext>
             </p:extLst>
           </p:nvPr>
@@ -19731,7 +19423,7 @@
           <p:nvPr>
             <p:extLst>
               <p:ext uri="{386F3935-93C4-4BCD-93E2-E3B085C9AB24}">
-                <p16:designElem xmlns:p16="http://schemas.microsoft.com/office/powerpoint/2015/main" xmlns="" val="1"/>
+                <p16:designElem xmlns:p16="http://schemas.microsoft.com/office/powerpoint/2015/main" val="1"/>
               </p:ext>
             </p:extLst>
           </p:nvPr>
@@ -19776,7 +19468,7 @@
           <p:nvPr>
             <p:extLst>
               <p:ext uri="{386F3935-93C4-4BCD-93E2-E3B085C9AB24}">
-                <p16:designElem xmlns:p16="http://schemas.microsoft.com/office/powerpoint/2015/main" xmlns="" val="1"/>
+                <p16:designElem xmlns:p16="http://schemas.microsoft.com/office/powerpoint/2015/main" val="1"/>
               </p:ext>
             </p:extLst>
           </p:nvPr>
@@ -19825,7 +19517,7 @@
           <a:blip r:embed="rId2" cstate="print">
             <a:extLst>
               <a:ext uri="{28A0092B-C50C-407E-A947-70E740481C1C}">
-                <a14:useLocalDpi xmlns:a14="http://schemas.microsoft.com/office/drawing/2010/main" xmlns="" val="0"/>
+                <a14:useLocalDpi xmlns:a14="http://schemas.microsoft.com/office/drawing/2010/main" val="0"/>
               </a:ext>
             </a:extLst>
           </a:blip>
@@ -19855,7 +19547,7 @@
           <a:blip r:embed="rId3" cstate="print">
             <a:extLst>
               <a:ext uri="{28A0092B-C50C-407E-A947-70E740481C1C}">
-                <a14:useLocalDpi xmlns:a14="http://schemas.microsoft.com/office/drawing/2010/main" xmlns="" val="0"/>
+                <a14:useLocalDpi xmlns:a14="http://schemas.microsoft.com/office/drawing/2010/main" val="0"/>
               </a:ext>
             </a:extLst>
           </a:blip>
@@ -19882,7 +19574,7 @@
           <p:nvPr>
             <p:extLst>
               <p:ext uri="{386F3935-93C4-4BCD-93E2-E3B085C9AB24}">
-                <p16:designElem xmlns:p16="http://schemas.microsoft.com/office/powerpoint/2015/main" xmlns="" val="1"/>
+                <p16:designElem xmlns:p16="http://schemas.microsoft.com/office/powerpoint/2015/main" val="1"/>
               </p:ext>
             </p:extLst>
           </p:nvPr>
@@ -19931,7 +19623,7 @@
           <a:blip r:embed="rId4" cstate="print">
             <a:extLst>
               <a:ext uri="{28A0092B-C50C-407E-A947-70E740481C1C}">
-                <a14:useLocalDpi xmlns:a14="http://schemas.microsoft.com/office/drawing/2010/main" xmlns="" val="0"/>
+                <a14:useLocalDpi xmlns:a14="http://schemas.microsoft.com/office/drawing/2010/main" val="0"/>
               </a:ext>
             </a:extLst>
           </a:blip>
@@ -20105,7 +19797,7 @@
     </p:spTree>
     <p:extLst>
       <p:ext uri="{BB962C8B-B14F-4D97-AF65-F5344CB8AC3E}">
-        <p14:creationId xmlns:p14="http://schemas.microsoft.com/office/powerpoint/2010/main" xmlns="" val="303223344"/>
+        <p14:creationId xmlns:p14="http://schemas.microsoft.com/office/powerpoint/2010/main" val="303223344"/>
       </p:ext>
     </p:extLst>
   </p:cSld>
@@ -20141,7 +19833,7 @@
           <p:nvPr>
             <p:extLst>
               <p:ext uri="{386F3935-93C4-4BCD-93E2-E3B085C9AB24}">
-                <p16:designElem xmlns:p16="http://schemas.microsoft.com/office/powerpoint/2015/main" xmlns="" val="1"/>
+                <p16:designElem xmlns:p16="http://schemas.microsoft.com/office/powerpoint/2015/main" val="1"/>
               </p:ext>
             </p:extLst>
           </p:nvPr>
@@ -20172,7 +19864,7 @@
           <p:nvPr>
             <p:extLst>
               <p:ext uri="{386F3935-93C4-4BCD-93E2-E3B085C9AB24}">
-                <p16:designElem xmlns:p16="http://schemas.microsoft.com/office/powerpoint/2015/main" xmlns="" val="1"/>
+                <p16:designElem xmlns:p16="http://schemas.microsoft.com/office/powerpoint/2015/main" val="1"/>
               </p:ext>
             </p:extLst>
           </p:nvPr>
@@ -20234,7 +19926,7 @@
           <p:nvPr>
             <p:extLst>
               <p:ext uri="{386F3935-93C4-4BCD-93E2-E3B085C9AB24}">
-                <p16:designElem xmlns:p16="http://schemas.microsoft.com/office/powerpoint/2015/main" xmlns="" val="1"/>
+                <p16:designElem xmlns:p16="http://schemas.microsoft.com/office/powerpoint/2015/main" val="1"/>
               </p:ext>
             </p:extLst>
           </p:nvPr>
@@ -20279,7 +19971,7 @@
           <p:nvPr>
             <p:extLst>
               <p:ext uri="{386F3935-93C4-4BCD-93E2-E3B085C9AB24}">
-                <p16:designElem xmlns:p16="http://schemas.microsoft.com/office/powerpoint/2015/main" xmlns="" val="1"/>
+                <p16:designElem xmlns:p16="http://schemas.microsoft.com/office/powerpoint/2015/main" val="1"/>
               </p:ext>
             </p:extLst>
           </p:nvPr>
@@ -20328,7 +20020,7 @@
           <a:blip r:embed="rId2" cstate="print">
             <a:extLst>
               <a:ext uri="{28A0092B-C50C-407E-A947-70E740481C1C}">
-                <a14:useLocalDpi xmlns:a14="http://schemas.microsoft.com/office/drawing/2010/main" xmlns="" val="0"/>
+                <a14:useLocalDpi xmlns:a14="http://schemas.microsoft.com/office/drawing/2010/main" val="0"/>
               </a:ext>
             </a:extLst>
           </a:blip>
@@ -20358,7 +20050,7 @@
           <a:blip r:embed="rId3" cstate="print">
             <a:extLst>
               <a:ext uri="{28A0092B-C50C-407E-A947-70E740481C1C}">
-                <a14:useLocalDpi xmlns:a14="http://schemas.microsoft.com/office/drawing/2010/main" xmlns="" val="0"/>
+                <a14:useLocalDpi xmlns:a14="http://schemas.microsoft.com/office/drawing/2010/main" val="0"/>
               </a:ext>
             </a:extLst>
           </a:blip>
@@ -20385,7 +20077,7 @@
           <p:nvPr>
             <p:extLst>
               <p:ext uri="{386F3935-93C4-4BCD-93E2-E3B085C9AB24}">
-                <p16:designElem xmlns:p16="http://schemas.microsoft.com/office/powerpoint/2015/main" xmlns="" val="1"/>
+                <p16:designElem xmlns:p16="http://schemas.microsoft.com/office/powerpoint/2015/main" val="1"/>
               </p:ext>
             </p:extLst>
           </p:nvPr>
@@ -20434,7 +20126,7 @@
           <a:blip r:embed="rId4" cstate="print">
             <a:extLst>
               <a:ext uri="{28A0092B-C50C-407E-A947-70E740481C1C}">
-                <a14:useLocalDpi xmlns:a14="http://schemas.microsoft.com/office/drawing/2010/main" xmlns="" val="0"/>
+                <a14:useLocalDpi xmlns:a14="http://schemas.microsoft.com/office/drawing/2010/main" val="0"/>
               </a:ext>
             </a:extLst>
           </a:blip>
@@ -20579,7 +20271,7 @@
     </p:spTree>
     <p:extLst>
       <p:ext uri="{BB962C8B-B14F-4D97-AF65-F5344CB8AC3E}">
-        <p14:creationId xmlns:p14="http://schemas.microsoft.com/office/powerpoint/2010/main" xmlns="" val="3308965500"/>
+        <p14:creationId xmlns:p14="http://schemas.microsoft.com/office/powerpoint/2010/main" val="3308965500"/>
       </p:ext>
     </p:extLst>
   </p:cSld>
@@ -20615,7 +20307,7 @@
           <p:nvPr>
             <p:extLst>
               <p:ext uri="{386F3935-93C4-4BCD-93E2-E3B085C9AB24}">
-                <p16:designElem xmlns:p16="http://schemas.microsoft.com/office/powerpoint/2015/main" xmlns="" val="1"/>
+                <p16:designElem xmlns:p16="http://schemas.microsoft.com/office/powerpoint/2015/main" val="1"/>
               </p:ext>
             </p:extLst>
           </p:nvPr>
@@ -20698,7 +20390,7 @@
           <p:nvPr>
             <p:extLst>
               <p:ext uri="{386F3935-93C4-4BCD-93E2-E3B085C9AB24}">
-                <p16:designElem xmlns:p16="http://schemas.microsoft.com/office/powerpoint/2015/main" xmlns="" val="1"/>
+                <p16:designElem xmlns:p16="http://schemas.microsoft.com/office/powerpoint/2015/main" val="1"/>
               </p:ext>
             </p:extLst>
           </p:nvPr>
@@ -20826,7 +20518,7 @@
           <p:nvPr>
             <p:extLst>
               <p:ext uri="{386F3935-93C4-4BCD-93E2-E3B085C9AB24}">
-                <p16:designElem xmlns:p16="http://schemas.microsoft.com/office/powerpoint/2015/main" xmlns="" val="1"/>
+                <p16:designElem xmlns:p16="http://schemas.microsoft.com/office/powerpoint/2015/main" val="1"/>
               </p:ext>
             </p:extLst>
           </p:nvPr>
@@ -21106,7 +20798,7 @@
     </p:spTree>
     <p:extLst>
       <p:ext uri="{BB962C8B-B14F-4D97-AF65-F5344CB8AC3E}">
-        <p14:creationId xmlns:p14="http://schemas.microsoft.com/office/powerpoint/2010/main" xmlns="" val="593548087"/>
+        <p14:creationId xmlns:p14="http://schemas.microsoft.com/office/powerpoint/2010/main" val="593548087"/>
       </p:ext>
     </p:extLst>
   </p:cSld>
@@ -21142,7 +20834,7 @@
           <p:nvPr>
             <p:extLst>
               <p:ext uri="{386F3935-93C4-4BCD-93E2-E3B085C9AB24}">
-                <p16:designElem xmlns:p16="http://schemas.microsoft.com/office/powerpoint/2015/main" xmlns="" val="1"/>
+                <p16:designElem xmlns:p16="http://schemas.microsoft.com/office/powerpoint/2015/main" val="1"/>
               </p:ext>
             </p:extLst>
           </p:nvPr>
@@ -21225,7 +20917,7 @@
           <p:nvPr>
             <p:extLst>
               <p:ext uri="{386F3935-93C4-4BCD-93E2-E3B085C9AB24}">
-                <p16:designElem xmlns:p16="http://schemas.microsoft.com/office/powerpoint/2015/main" xmlns="" val="1"/>
+                <p16:designElem xmlns:p16="http://schemas.microsoft.com/office/powerpoint/2015/main" val="1"/>
               </p:ext>
             </p:extLst>
           </p:nvPr>
@@ -21353,7 +21045,7 @@
           <p:nvPr>
             <p:extLst>
               <p:ext uri="{386F3935-93C4-4BCD-93E2-E3B085C9AB24}">
-                <p16:designElem xmlns:p16="http://schemas.microsoft.com/office/powerpoint/2015/main" xmlns="" val="1"/>
+                <p16:designElem xmlns:p16="http://schemas.microsoft.com/office/powerpoint/2015/main" val="1"/>
               </p:ext>
             </p:extLst>
           </p:nvPr>
@@ -21579,7 +21271,7 @@
     </p:spTree>
     <p:extLst>
       <p:ext uri="{BB962C8B-B14F-4D97-AF65-F5344CB8AC3E}">
-        <p14:creationId xmlns:p14="http://schemas.microsoft.com/office/powerpoint/2010/main" xmlns="" val="3441358260"/>
+        <p14:creationId xmlns:p14="http://schemas.microsoft.com/office/powerpoint/2010/main" val="3441358260"/>
       </p:ext>
     </p:extLst>
   </p:cSld>
@@ -21629,7 +21321,7 @@
           <p:nvPr>
             <p:extLst>
               <p:ext uri="{386F3935-93C4-4BCD-93E2-E3B085C9AB24}">
-                <p16:designElem xmlns:p16="http://schemas.microsoft.com/office/powerpoint/2015/main" xmlns="" val="1"/>
+                <p16:designElem xmlns:p16="http://schemas.microsoft.com/office/powerpoint/2015/main" val="1"/>
               </p:ext>
             </p:extLst>
           </p:nvPr>
@@ -21712,7 +21404,7 @@
           <p:nvPr>
             <p:extLst>
               <p:ext uri="{386F3935-93C4-4BCD-93E2-E3B085C9AB24}">
-                <p16:designElem xmlns:p16="http://schemas.microsoft.com/office/powerpoint/2015/main" xmlns="" val="1"/>
+                <p16:designElem xmlns:p16="http://schemas.microsoft.com/office/powerpoint/2015/main" val="1"/>
               </p:ext>
             </p:extLst>
           </p:nvPr>
@@ -21840,7 +21532,7 @@
           <p:nvPr>
             <p:extLst>
               <p:ext uri="{386F3935-93C4-4BCD-93E2-E3B085C9AB24}">
-                <p16:designElem xmlns:p16="http://schemas.microsoft.com/office/powerpoint/2015/main" xmlns="" val="1"/>
+                <p16:designElem xmlns:p16="http://schemas.microsoft.com/office/powerpoint/2015/main" val="1"/>
               </p:ext>
             </p:extLst>
           </p:nvPr>
@@ -22047,7 +21739,7 @@
     </p:spTree>
     <p:extLst>
       <p:ext uri="{BB962C8B-B14F-4D97-AF65-F5344CB8AC3E}">
-        <p14:creationId xmlns:p14="http://schemas.microsoft.com/office/powerpoint/2010/main" xmlns="" val="2155851444"/>
+        <p14:creationId xmlns:p14="http://schemas.microsoft.com/office/powerpoint/2010/main" val="2155851444"/>
       </p:ext>
     </p:extLst>
   </p:cSld>
@@ -22083,7 +21775,7 @@
           <p:nvPr>
             <p:extLst>
               <p:ext uri="{386F3935-93C4-4BCD-93E2-E3B085C9AB24}">
-                <p16:designElem xmlns:p16="http://schemas.microsoft.com/office/powerpoint/2015/main" xmlns="" val="1"/>
+                <p16:designElem xmlns:p16="http://schemas.microsoft.com/office/powerpoint/2015/main" val="1"/>
               </p:ext>
             </p:extLst>
           </p:nvPr>
@@ -22166,7 +21858,7 @@
           <p:nvPr>
             <p:extLst>
               <p:ext uri="{386F3935-93C4-4BCD-93E2-E3B085C9AB24}">
-                <p16:designElem xmlns:p16="http://schemas.microsoft.com/office/powerpoint/2015/main" xmlns="" val="1"/>
+                <p16:designElem xmlns:p16="http://schemas.microsoft.com/office/powerpoint/2015/main" val="1"/>
               </p:ext>
             </p:extLst>
           </p:nvPr>
@@ -22294,7 +21986,7 @@
           <p:nvPr>
             <p:extLst>
               <p:ext uri="{386F3935-93C4-4BCD-93E2-E3B085C9AB24}">
-                <p16:designElem xmlns:p16="http://schemas.microsoft.com/office/powerpoint/2015/main" xmlns="" val="1"/>
+                <p16:designElem xmlns:p16="http://schemas.microsoft.com/office/powerpoint/2015/main" val="1"/>
               </p:ext>
             </p:extLst>
           </p:nvPr>
@@ -22527,7 +22219,7 @@
     </p:spTree>
     <p:extLst>
       <p:ext uri="{BB962C8B-B14F-4D97-AF65-F5344CB8AC3E}">
-        <p14:creationId xmlns:p14="http://schemas.microsoft.com/office/powerpoint/2010/main" xmlns="" val="1387334530"/>
+        <p14:creationId xmlns:p14="http://schemas.microsoft.com/office/powerpoint/2010/main" val="1387334530"/>
       </p:ext>
     </p:extLst>
   </p:cSld>
@@ -22563,7 +22255,7 @@
           <p:nvPr>
             <p:extLst>
               <p:ext uri="{386F3935-93C4-4BCD-93E2-E3B085C9AB24}">
-                <p16:designElem xmlns:p16="http://schemas.microsoft.com/office/powerpoint/2015/main" xmlns="" val="1"/>
+                <p16:designElem xmlns:p16="http://schemas.microsoft.com/office/powerpoint/2015/main" val="1"/>
               </p:ext>
             </p:extLst>
           </p:nvPr>
@@ -22617,7 +22309,7 @@
           <p:nvPr>
             <p:extLst>
               <p:ext uri="{386F3935-93C4-4BCD-93E2-E3B085C9AB24}">
-                <p16:designElem xmlns:p16="http://schemas.microsoft.com/office/powerpoint/2015/main" xmlns="" val="1"/>
+                <p16:designElem xmlns:p16="http://schemas.microsoft.com/office/powerpoint/2015/main" val="1"/>
               </p:ext>
             </p:extLst>
           </p:nvPr>
@@ -22716,7 +22408,7 @@
           <p:nvPr>
             <p:extLst>
               <p:ext uri="{386F3935-93C4-4BCD-93E2-E3B085C9AB24}">
-                <p16:designElem xmlns:p16="http://schemas.microsoft.com/office/powerpoint/2015/main" xmlns="" val="1"/>
+                <p16:designElem xmlns:p16="http://schemas.microsoft.com/office/powerpoint/2015/main" val="1"/>
               </p:ext>
             </p:extLst>
           </p:nvPr>
@@ -22924,7 +22616,7 @@
     </p:spTree>
     <p:extLst>
       <p:ext uri="{BB962C8B-B14F-4D97-AF65-F5344CB8AC3E}">
-        <p14:creationId xmlns:p14="http://schemas.microsoft.com/office/powerpoint/2010/main" xmlns="" val="162548143"/>
+        <p14:creationId xmlns:p14="http://schemas.microsoft.com/office/powerpoint/2010/main" val="162548143"/>
       </p:ext>
     </p:extLst>
   </p:cSld>
@@ -22960,7 +22652,7 @@
           <p:nvPr>
             <p:extLst>
               <p:ext uri="{386F3935-93C4-4BCD-93E2-E3B085C9AB24}">
-                <p16:designElem xmlns:p16="http://schemas.microsoft.com/office/powerpoint/2015/main" xmlns="" val="1"/>
+                <p16:designElem xmlns:p16="http://schemas.microsoft.com/office/powerpoint/2015/main" val="1"/>
               </p:ext>
             </p:extLst>
           </p:nvPr>
@@ -23043,7 +22735,7 @@
           <p:nvPr>
             <p:extLst>
               <p:ext uri="{386F3935-93C4-4BCD-93E2-E3B085C9AB24}">
-                <p16:designElem xmlns:p16="http://schemas.microsoft.com/office/powerpoint/2015/main" xmlns="" val="1"/>
+                <p16:designElem xmlns:p16="http://schemas.microsoft.com/office/powerpoint/2015/main" val="1"/>
               </p:ext>
             </p:extLst>
           </p:nvPr>
@@ -23171,7 +22863,7 @@
           <p:nvPr>
             <p:extLst>
               <p:ext uri="{386F3935-93C4-4BCD-93E2-E3B085C9AB24}">
-                <p16:designElem xmlns:p16="http://schemas.microsoft.com/office/powerpoint/2015/main" xmlns="" val="1"/>
+                <p16:designElem xmlns:p16="http://schemas.microsoft.com/office/powerpoint/2015/main" val="1"/>
               </p:ext>
             </p:extLst>
           </p:nvPr>
@@ -23404,7 +23096,7 @@
     </p:spTree>
     <p:extLst>
       <p:ext uri="{BB962C8B-B14F-4D97-AF65-F5344CB8AC3E}">
-        <p14:creationId xmlns:p14="http://schemas.microsoft.com/office/powerpoint/2010/main" xmlns="" val="1558700788"/>
+        <p14:creationId xmlns:p14="http://schemas.microsoft.com/office/powerpoint/2010/main" val="1558700788"/>
       </p:ext>
     </p:extLst>
   </p:cSld>
@@ -23440,7 +23132,7 @@
           <p:nvPr>
             <p:extLst>
               <p:ext uri="{386F3935-93C4-4BCD-93E2-E3B085C9AB24}">
-                <p16:designElem xmlns:p16="http://schemas.microsoft.com/office/powerpoint/2015/main" xmlns="" val="1"/>
+                <p16:designElem xmlns:p16="http://schemas.microsoft.com/office/powerpoint/2015/main" val="1"/>
               </p:ext>
             </p:extLst>
           </p:nvPr>
@@ -23494,7 +23186,7 @@
           <p:nvPr>
             <p:extLst>
               <p:ext uri="{386F3935-93C4-4BCD-93E2-E3B085C9AB24}">
-                <p16:designElem xmlns:p16="http://schemas.microsoft.com/office/powerpoint/2015/main" xmlns="" val="1"/>
+                <p16:designElem xmlns:p16="http://schemas.microsoft.com/office/powerpoint/2015/main" val="1"/>
               </p:ext>
             </p:extLst>
           </p:nvPr>
@@ -23593,7 +23285,7 @@
           <p:nvPr>
             <p:extLst>
               <p:ext uri="{386F3935-93C4-4BCD-93E2-E3B085C9AB24}">
-                <p16:designElem xmlns:p16="http://schemas.microsoft.com/office/powerpoint/2015/main" xmlns="" val="1"/>
+                <p16:designElem xmlns:p16="http://schemas.microsoft.com/office/powerpoint/2015/main" val="1"/>
               </p:ext>
             </p:extLst>
           </p:nvPr>
@@ -23818,7 +23510,7 @@
           <p:nvPr>
             <p:extLst>
               <p:ext uri="{D42A27DB-BD31-4B8C-83A1-F6EECF244321}">
-                <p14:modId xmlns:p14="http://schemas.microsoft.com/office/powerpoint/2010/main" xmlns="" val="1493646743"/>
+                <p14:modId xmlns:p14="http://schemas.microsoft.com/office/powerpoint/2010/main" val="1493646743"/>
               </p:ext>
             </p:extLst>
           </p:nvPr>
@@ -23837,63 +23529,63 @@
                 <a:gridCol w="1021931">
                   <a:extLst>
                     <a:ext uri="{9D8B030D-6E8A-4147-A177-3AD203B41FA5}">
-                      <a16:colId xmlns:a16="http://schemas.microsoft.com/office/drawing/2014/main" xmlns="" val="3215955292"/>
+                      <a16:colId xmlns:a16="http://schemas.microsoft.com/office/drawing/2014/main" val="3215955292"/>
                     </a:ext>
                   </a:extLst>
                 </a:gridCol>
                 <a:gridCol w="1469027">
                   <a:extLst>
                     <a:ext uri="{9D8B030D-6E8A-4147-A177-3AD203B41FA5}">
-                      <a16:colId xmlns:a16="http://schemas.microsoft.com/office/drawing/2014/main" xmlns="" val="97030916"/>
+                      <a16:colId xmlns:a16="http://schemas.microsoft.com/office/drawing/2014/main" val="97030916"/>
                     </a:ext>
                   </a:extLst>
                 </a:gridCol>
                 <a:gridCol w="1053866">
                   <a:extLst>
                     <a:ext uri="{9D8B030D-6E8A-4147-A177-3AD203B41FA5}">
-                      <a16:colId xmlns:a16="http://schemas.microsoft.com/office/drawing/2014/main" xmlns="" val="4065635111"/>
+                      <a16:colId xmlns:a16="http://schemas.microsoft.com/office/drawing/2014/main" val="4065635111"/>
                     </a:ext>
                   </a:extLst>
                 </a:gridCol>
                 <a:gridCol w="1325317">
                   <a:extLst>
                     <a:ext uri="{9D8B030D-6E8A-4147-A177-3AD203B41FA5}">
-                      <a16:colId xmlns:a16="http://schemas.microsoft.com/office/drawing/2014/main" xmlns="" val="414981276"/>
+                      <a16:colId xmlns:a16="http://schemas.microsoft.com/office/drawing/2014/main" val="414981276"/>
                     </a:ext>
                   </a:extLst>
                 </a:gridCol>
                 <a:gridCol w="1309349">
                   <a:extLst>
                     <a:ext uri="{9D8B030D-6E8A-4147-A177-3AD203B41FA5}">
-                      <a16:colId xmlns:a16="http://schemas.microsoft.com/office/drawing/2014/main" xmlns="" val="2421585600"/>
+                      <a16:colId xmlns:a16="http://schemas.microsoft.com/office/drawing/2014/main" val="2421585600"/>
                     </a:ext>
                   </a:extLst>
                 </a:gridCol>
                 <a:gridCol w="1421123">
                   <a:extLst>
                     <a:ext uri="{9D8B030D-6E8A-4147-A177-3AD203B41FA5}">
-                      <a16:colId xmlns:a16="http://schemas.microsoft.com/office/drawing/2014/main" xmlns="" val="1477928825"/>
+                      <a16:colId xmlns:a16="http://schemas.microsoft.com/office/drawing/2014/main" val="1477928825"/>
                     </a:ext>
                   </a:extLst>
                 </a:gridCol>
                 <a:gridCol w="1548864">
                   <a:extLst>
                     <a:ext uri="{9D8B030D-6E8A-4147-A177-3AD203B41FA5}">
-                      <a16:colId xmlns:a16="http://schemas.microsoft.com/office/drawing/2014/main" xmlns="" val="3590194689"/>
+                      <a16:colId xmlns:a16="http://schemas.microsoft.com/office/drawing/2014/main" val="3590194689"/>
                     </a:ext>
                   </a:extLst>
                 </a:gridCol>
                 <a:gridCol w="1245479">
                   <a:extLst>
                     <a:ext uri="{9D8B030D-6E8A-4147-A177-3AD203B41FA5}">
-                      <a16:colId xmlns:a16="http://schemas.microsoft.com/office/drawing/2014/main" xmlns="" val="3558903979"/>
+                      <a16:colId xmlns:a16="http://schemas.microsoft.com/office/drawing/2014/main" val="3558903979"/>
                     </a:ext>
                   </a:extLst>
                 </a:gridCol>
                 <a:gridCol w="1405155">
                   <a:extLst>
                     <a:ext uri="{9D8B030D-6E8A-4147-A177-3AD203B41FA5}">
-                      <a16:colId xmlns:a16="http://schemas.microsoft.com/office/drawing/2014/main" xmlns="" val="304150670"/>
+                      <a16:colId xmlns:a16="http://schemas.microsoft.com/office/drawing/2014/main" val="304150670"/>
                     </a:ext>
                   </a:extLst>
                 </a:gridCol>
@@ -24102,7 +23794,7 @@
                 </a:tc>
                 <a:extLst>
                   <a:ext uri="{0D108BD9-81ED-4DB2-BD59-A6C34878D82A}">
-                    <a16:rowId xmlns:a16="http://schemas.microsoft.com/office/drawing/2014/main" xmlns="" val="2538865235"/>
+                    <a16:rowId xmlns:a16="http://schemas.microsoft.com/office/drawing/2014/main" val="2538865235"/>
                   </a:ext>
                 </a:extLst>
               </a:tr>
@@ -24316,7 +24008,7 @@
                 </a:tc>
                 <a:extLst>
                   <a:ext uri="{0D108BD9-81ED-4DB2-BD59-A6C34878D82A}">
-                    <a16:rowId xmlns:a16="http://schemas.microsoft.com/office/drawing/2014/main" xmlns="" val="2052034286"/>
+                    <a16:rowId xmlns:a16="http://schemas.microsoft.com/office/drawing/2014/main" val="2052034286"/>
                   </a:ext>
                 </a:extLst>
               </a:tr>
@@ -24327,7 +24019,7 @@
     </p:spTree>
     <p:extLst>
       <p:ext uri="{BB962C8B-B14F-4D97-AF65-F5344CB8AC3E}">
-        <p14:creationId xmlns:p14="http://schemas.microsoft.com/office/powerpoint/2010/main" xmlns="" val="727731094"/>
+        <p14:creationId xmlns:p14="http://schemas.microsoft.com/office/powerpoint/2010/main" val="727731094"/>
       </p:ext>
     </p:extLst>
   </p:cSld>
@@ -24363,7 +24055,7 @@
           <p:nvPr>
             <p:extLst>
               <p:ext uri="{386F3935-93C4-4BCD-93E2-E3B085C9AB24}">
-                <p16:designElem xmlns:p16="http://schemas.microsoft.com/office/powerpoint/2015/main" xmlns="" val="1"/>
+                <p16:designElem xmlns:p16="http://schemas.microsoft.com/office/powerpoint/2015/main" val="1"/>
               </p:ext>
             </p:extLst>
           </p:nvPr>
@@ -24417,7 +24109,7 @@
           <p:nvPr>
             <p:extLst>
               <p:ext uri="{386F3935-93C4-4BCD-93E2-E3B085C9AB24}">
-                <p16:designElem xmlns:p16="http://schemas.microsoft.com/office/powerpoint/2015/main" xmlns="" val="1"/>
+                <p16:designElem xmlns:p16="http://schemas.microsoft.com/office/powerpoint/2015/main" val="1"/>
               </p:ext>
             </p:extLst>
           </p:nvPr>
@@ -24516,7 +24208,7 @@
           <p:nvPr>
             <p:extLst>
               <p:ext uri="{386F3935-93C4-4BCD-93E2-E3B085C9AB24}">
-                <p16:designElem xmlns:p16="http://schemas.microsoft.com/office/powerpoint/2015/main" xmlns="" val="1"/>
+                <p16:designElem xmlns:p16="http://schemas.microsoft.com/office/powerpoint/2015/main" val="1"/>
               </p:ext>
             </p:extLst>
           </p:nvPr>
@@ -24716,7 +24408,7 @@
           <p:nvPr>
             <p:extLst>
               <p:ext uri="{D42A27DB-BD31-4B8C-83A1-F6EECF244321}">
-                <p14:modId xmlns:p14="http://schemas.microsoft.com/office/powerpoint/2010/main" xmlns="" val="1072729137"/>
+                <p14:modId xmlns:p14="http://schemas.microsoft.com/office/powerpoint/2010/main" val="1072729137"/>
               </p:ext>
             </p:extLst>
           </p:nvPr>
@@ -24735,63 +24427,63 @@
                 <a:gridCol w="980080">
                   <a:extLst>
                     <a:ext uri="{9D8B030D-6E8A-4147-A177-3AD203B41FA5}">
-                      <a16:colId xmlns:a16="http://schemas.microsoft.com/office/drawing/2014/main" xmlns="" val="3004782095"/>
+                      <a16:colId xmlns:a16="http://schemas.microsoft.com/office/drawing/2014/main" val="3004782095"/>
                     </a:ext>
                   </a:extLst>
                 </a:gridCol>
                 <a:gridCol w="1408864">
                   <a:extLst>
                     <a:ext uri="{9D8B030D-6E8A-4147-A177-3AD203B41FA5}">
-                      <a16:colId xmlns:a16="http://schemas.microsoft.com/office/drawing/2014/main" xmlns="" val="4186406271"/>
+                      <a16:colId xmlns:a16="http://schemas.microsoft.com/office/drawing/2014/main" val="4186406271"/>
                     </a:ext>
                   </a:extLst>
                 </a:gridCol>
                 <a:gridCol w="1010707">
                   <a:extLst>
                     <a:ext uri="{9D8B030D-6E8A-4147-A177-3AD203B41FA5}">
-                      <a16:colId xmlns:a16="http://schemas.microsoft.com/office/drawing/2014/main" xmlns="" val="2640527630"/>
+                      <a16:colId xmlns:a16="http://schemas.microsoft.com/office/drawing/2014/main" val="2640527630"/>
                     </a:ext>
                   </a:extLst>
                 </a:gridCol>
                 <a:gridCol w="1271041">
                   <a:extLst>
                     <a:ext uri="{9D8B030D-6E8A-4147-A177-3AD203B41FA5}">
-                      <a16:colId xmlns:a16="http://schemas.microsoft.com/office/drawing/2014/main" xmlns="" val="260997157"/>
+                      <a16:colId xmlns:a16="http://schemas.microsoft.com/office/drawing/2014/main" val="260997157"/>
                     </a:ext>
                   </a:extLst>
                 </a:gridCol>
                 <a:gridCol w="1255727">
                   <a:extLst>
                     <a:ext uri="{9D8B030D-6E8A-4147-A177-3AD203B41FA5}">
-                      <a16:colId xmlns:a16="http://schemas.microsoft.com/office/drawing/2014/main" xmlns="" val="1039690343"/>
+                      <a16:colId xmlns:a16="http://schemas.microsoft.com/office/drawing/2014/main" val="1039690343"/>
                     </a:ext>
                   </a:extLst>
                 </a:gridCol>
                 <a:gridCol w="1362922">
                   <a:extLst>
                     <a:ext uri="{9D8B030D-6E8A-4147-A177-3AD203B41FA5}">
-                      <a16:colId xmlns:a16="http://schemas.microsoft.com/office/drawing/2014/main" xmlns="" val="592308215"/>
+                      <a16:colId xmlns:a16="http://schemas.microsoft.com/office/drawing/2014/main" val="592308215"/>
                     </a:ext>
                   </a:extLst>
                 </a:gridCol>
                 <a:gridCol w="1485432">
                   <a:extLst>
                     <a:ext uri="{9D8B030D-6E8A-4147-A177-3AD203B41FA5}">
-                      <a16:colId xmlns:a16="http://schemas.microsoft.com/office/drawing/2014/main" xmlns="" val="723057721"/>
+                      <a16:colId xmlns:a16="http://schemas.microsoft.com/office/drawing/2014/main" val="723057721"/>
                     </a:ext>
                   </a:extLst>
                 </a:gridCol>
                 <a:gridCol w="1194471">
                   <a:extLst>
                     <a:ext uri="{9D8B030D-6E8A-4147-A177-3AD203B41FA5}">
-                      <a16:colId xmlns:a16="http://schemas.microsoft.com/office/drawing/2014/main" xmlns="" val="1665868013"/>
+                      <a16:colId xmlns:a16="http://schemas.microsoft.com/office/drawing/2014/main" val="1665868013"/>
                     </a:ext>
                   </a:extLst>
                 </a:gridCol>
                 <a:gridCol w="1347609">
                   <a:extLst>
                     <a:ext uri="{9D8B030D-6E8A-4147-A177-3AD203B41FA5}">
-                      <a16:colId xmlns:a16="http://schemas.microsoft.com/office/drawing/2014/main" xmlns="" val="509979848"/>
+                      <a16:colId xmlns:a16="http://schemas.microsoft.com/office/drawing/2014/main" val="509979848"/>
                     </a:ext>
                   </a:extLst>
                 </a:gridCol>
@@ -25000,7 +24692,7 @@
                 </a:tc>
                 <a:extLst>
                   <a:ext uri="{0D108BD9-81ED-4DB2-BD59-A6C34878D82A}">
-                    <a16:rowId xmlns:a16="http://schemas.microsoft.com/office/drawing/2014/main" xmlns="" val="1685154367"/>
+                    <a16:rowId xmlns:a16="http://schemas.microsoft.com/office/drawing/2014/main" val="1685154367"/>
                   </a:ext>
                 </a:extLst>
               </a:tr>
@@ -25214,7 +24906,7 @@
                 </a:tc>
                 <a:extLst>
                   <a:ext uri="{0D108BD9-81ED-4DB2-BD59-A6C34878D82A}">
-                    <a16:rowId xmlns:a16="http://schemas.microsoft.com/office/drawing/2014/main" xmlns="" val="2493422845"/>
+                    <a16:rowId xmlns:a16="http://schemas.microsoft.com/office/drawing/2014/main" val="2493422845"/>
                   </a:ext>
                 </a:extLst>
               </a:tr>
@@ -25225,7 +24917,7 @@
     </p:spTree>
     <p:extLst>
       <p:ext uri="{BB962C8B-B14F-4D97-AF65-F5344CB8AC3E}">
-        <p14:creationId xmlns:p14="http://schemas.microsoft.com/office/powerpoint/2010/main" xmlns="" val="2691739327"/>
+        <p14:creationId xmlns:p14="http://schemas.microsoft.com/office/powerpoint/2010/main" val="2691739327"/>
       </p:ext>
     </p:extLst>
   </p:cSld>
@@ -25261,7 +24953,7 @@
           <p:nvPr>
             <p:extLst>
               <p:ext uri="{386F3935-93C4-4BCD-93E2-E3B085C9AB24}">
-                <p16:designElem xmlns:p16="http://schemas.microsoft.com/office/powerpoint/2015/main" xmlns="" val="1"/>
+                <p16:designElem xmlns:p16="http://schemas.microsoft.com/office/powerpoint/2015/main" val="1"/>
               </p:ext>
             </p:extLst>
           </p:nvPr>
@@ -25315,7 +25007,7 @@
           <p:nvPr>
             <p:extLst>
               <p:ext uri="{386F3935-93C4-4BCD-93E2-E3B085C9AB24}">
-                <p16:designElem xmlns:p16="http://schemas.microsoft.com/office/powerpoint/2015/main" xmlns="" val="1"/>
+                <p16:designElem xmlns:p16="http://schemas.microsoft.com/office/powerpoint/2015/main" val="1"/>
               </p:ext>
             </p:extLst>
           </p:nvPr>
@@ -25414,7 +25106,7 @@
           <p:nvPr>
             <p:extLst>
               <p:ext uri="{386F3935-93C4-4BCD-93E2-E3B085C9AB24}">
-                <p16:designElem xmlns:p16="http://schemas.microsoft.com/office/powerpoint/2015/main" xmlns="" val="1"/>
+                <p16:designElem xmlns:p16="http://schemas.microsoft.com/office/powerpoint/2015/main" val="1"/>
               </p:ext>
             </p:extLst>
           </p:nvPr>
@@ -25631,7 +25323,7 @@
           <p:nvPr>
             <p:extLst>
               <p:ext uri="{D42A27DB-BD31-4B8C-83A1-F6EECF244321}">
-                <p14:modId xmlns:p14="http://schemas.microsoft.com/office/powerpoint/2010/main" xmlns="" val="1116615763"/>
+                <p14:modId xmlns:p14="http://schemas.microsoft.com/office/powerpoint/2010/main" val="1116615763"/>
               </p:ext>
             </p:extLst>
           </p:nvPr>
@@ -25650,63 +25342,63 @@
                 <a:gridCol w="989428">
                   <a:extLst>
                     <a:ext uri="{9D8B030D-6E8A-4147-A177-3AD203B41FA5}">
-                      <a16:colId xmlns:a16="http://schemas.microsoft.com/office/drawing/2014/main" xmlns="" val="465769424"/>
+                      <a16:colId xmlns:a16="http://schemas.microsoft.com/office/drawing/2014/main" val="465769424"/>
                     </a:ext>
                   </a:extLst>
                 </a:gridCol>
                 <a:gridCol w="1422303">
                   <a:extLst>
                     <a:ext uri="{9D8B030D-6E8A-4147-A177-3AD203B41FA5}">
-                      <a16:colId xmlns:a16="http://schemas.microsoft.com/office/drawing/2014/main" xmlns="" val="4013346244"/>
+                      <a16:colId xmlns:a16="http://schemas.microsoft.com/office/drawing/2014/main" val="4013346244"/>
                     </a:ext>
                   </a:extLst>
                 </a:gridCol>
                 <a:gridCol w="1020348">
                   <a:extLst>
                     <a:ext uri="{9D8B030D-6E8A-4147-A177-3AD203B41FA5}">
-                      <a16:colId xmlns:a16="http://schemas.microsoft.com/office/drawing/2014/main" xmlns="" val="2293026185"/>
+                      <a16:colId xmlns:a16="http://schemas.microsoft.com/office/drawing/2014/main" val="2293026185"/>
                     </a:ext>
                   </a:extLst>
                 </a:gridCol>
                 <a:gridCol w="1283164">
                   <a:extLst>
                     <a:ext uri="{9D8B030D-6E8A-4147-A177-3AD203B41FA5}">
-                      <a16:colId xmlns:a16="http://schemas.microsoft.com/office/drawing/2014/main" xmlns="" val="3300136333"/>
+                      <a16:colId xmlns:a16="http://schemas.microsoft.com/office/drawing/2014/main" val="3300136333"/>
                     </a:ext>
                   </a:extLst>
                 </a:gridCol>
                 <a:gridCol w="1267705">
                   <a:extLst>
                     <a:ext uri="{9D8B030D-6E8A-4147-A177-3AD203B41FA5}">
-                      <a16:colId xmlns:a16="http://schemas.microsoft.com/office/drawing/2014/main" xmlns="" val="4072895687"/>
+                      <a16:colId xmlns:a16="http://schemas.microsoft.com/office/drawing/2014/main" val="4072895687"/>
                     </a:ext>
                   </a:extLst>
                 </a:gridCol>
                 <a:gridCol w="1375923">
                   <a:extLst>
                     <a:ext uri="{9D8B030D-6E8A-4147-A177-3AD203B41FA5}">
-                      <a16:colId xmlns:a16="http://schemas.microsoft.com/office/drawing/2014/main" xmlns="" val="468902643"/>
+                      <a16:colId xmlns:a16="http://schemas.microsoft.com/office/drawing/2014/main" val="468902643"/>
                     </a:ext>
                   </a:extLst>
                 </a:gridCol>
                 <a:gridCol w="1499602">
                   <a:extLst>
                     <a:ext uri="{9D8B030D-6E8A-4147-A177-3AD203B41FA5}">
-                      <a16:colId xmlns:a16="http://schemas.microsoft.com/office/drawing/2014/main" xmlns="" val="2084472353"/>
+                      <a16:colId xmlns:a16="http://schemas.microsoft.com/office/drawing/2014/main" val="2084472353"/>
                     </a:ext>
                   </a:extLst>
                 </a:gridCol>
                 <a:gridCol w="1205865">
                   <a:extLst>
                     <a:ext uri="{9D8B030D-6E8A-4147-A177-3AD203B41FA5}">
-                      <a16:colId xmlns:a16="http://schemas.microsoft.com/office/drawing/2014/main" xmlns="" val="3063823974"/>
+                      <a16:colId xmlns:a16="http://schemas.microsoft.com/office/drawing/2014/main" val="3063823974"/>
                     </a:ext>
                   </a:extLst>
                 </a:gridCol>
                 <a:gridCol w="1360463">
                   <a:extLst>
                     <a:ext uri="{9D8B030D-6E8A-4147-A177-3AD203B41FA5}">
-                      <a16:colId xmlns:a16="http://schemas.microsoft.com/office/drawing/2014/main" xmlns="" val="2654634803"/>
+                      <a16:colId xmlns:a16="http://schemas.microsoft.com/office/drawing/2014/main" val="2654634803"/>
                     </a:ext>
                   </a:extLst>
                 </a:gridCol>
@@ -25915,7 +25607,7 @@
                 </a:tc>
                 <a:extLst>
                   <a:ext uri="{0D108BD9-81ED-4DB2-BD59-A6C34878D82A}">
-                    <a16:rowId xmlns:a16="http://schemas.microsoft.com/office/drawing/2014/main" xmlns="" val="1352303788"/>
+                    <a16:rowId xmlns:a16="http://schemas.microsoft.com/office/drawing/2014/main" val="1352303788"/>
                   </a:ext>
                 </a:extLst>
               </a:tr>
@@ -26129,7 +25821,7 @@
                 </a:tc>
                 <a:extLst>
                   <a:ext uri="{0D108BD9-81ED-4DB2-BD59-A6C34878D82A}">
-                    <a16:rowId xmlns:a16="http://schemas.microsoft.com/office/drawing/2014/main" xmlns="" val="3823845897"/>
+                    <a16:rowId xmlns:a16="http://schemas.microsoft.com/office/drawing/2014/main" val="3823845897"/>
                   </a:ext>
                 </a:extLst>
               </a:tr>
@@ -26140,7 +25832,7 @@
     </p:spTree>
     <p:extLst>
       <p:ext uri="{BB962C8B-B14F-4D97-AF65-F5344CB8AC3E}">
-        <p14:creationId xmlns:p14="http://schemas.microsoft.com/office/powerpoint/2010/main" xmlns="" val="2405218555"/>
+        <p14:creationId xmlns:p14="http://schemas.microsoft.com/office/powerpoint/2010/main" val="2405218555"/>
       </p:ext>
     </p:extLst>
   </p:cSld>
@@ -26176,7 +25868,7 @@
           <p:nvPr>
             <p:extLst>
               <p:ext uri="{386F3935-93C4-4BCD-93E2-E3B085C9AB24}">
-                <p16:designElem xmlns:p16="http://schemas.microsoft.com/office/powerpoint/2015/main" xmlns="" val="1"/>
+                <p16:designElem xmlns:p16="http://schemas.microsoft.com/office/powerpoint/2015/main" val="1"/>
               </p:ext>
             </p:extLst>
           </p:nvPr>
@@ -26230,7 +25922,7 @@
           <p:nvPr>
             <p:extLst>
               <p:ext uri="{386F3935-93C4-4BCD-93E2-E3B085C9AB24}">
-                <p16:designElem xmlns:p16="http://schemas.microsoft.com/office/powerpoint/2015/main" xmlns="" val="1"/>
+                <p16:designElem xmlns:p16="http://schemas.microsoft.com/office/powerpoint/2015/main" val="1"/>
               </p:ext>
             </p:extLst>
           </p:nvPr>
@@ -26329,7 +26021,7 @@
           <p:nvPr>
             <p:extLst>
               <p:ext uri="{386F3935-93C4-4BCD-93E2-E3B085C9AB24}">
-                <p16:designElem xmlns:p16="http://schemas.microsoft.com/office/powerpoint/2015/main" xmlns="" val="1"/>
+                <p16:designElem xmlns:p16="http://schemas.microsoft.com/office/powerpoint/2015/main" val="1"/>
               </p:ext>
             </p:extLst>
           </p:nvPr>
@@ -26444,8 +26136,8 @@
           <a:lstStyle/>
           <a:p>
             <a:r>
-              <a:rPr lang="es-ES" sz="5400" dirty="0" smtClean="0"/>
-              <a:t>Estado del arte</a:t>
+              <a:rPr lang="es-ES" sz="5400" dirty="0"/>
+              <a:t>ESTADO DEL ARTE</a:t>
             </a:r>
             <a:endParaRPr lang="es-ES" sz="6000" dirty="0"/>
           </a:p>
@@ -26474,41 +26166,38 @@
           <a:lstStyle/>
           <a:p>
             <a:r>
-              <a:rPr lang="es-ES" dirty="0" smtClean="0"/>
+              <a:rPr lang="es-ES" sz="3200" dirty="0"/>
               <a:t>Las aplicaciones de las redes de neuronas en el mundo financiero son muchísimas</a:t>
             </a:r>
-            <a:endParaRPr lang="es-ES" dirty="0"/>
           </a:p>
           <a:p>
             <a:pPr lvl="1"/>
             <a:r>
-              <a:rPr lang="es-ES" dirty="0" smtClean="0"/>
+              <a:rPr lang="es-ES" sz="2800" dirty="0"/>
               <a:t>Aprobación de créditos, riesgo de deudas, predicciones de empresas, capitales...</a:t>
             </a:r>
-            <a:endParaRPr lang="es-ES" dirty="0"/>
           </a:p>
           <a:p>
             <a:r>
-              <a:rPr lang="es-ES" dirty="0" smtClean="0"/>
+              <a:rPr lang="es-ES" sz="3200" dirty="0"/>
               <a:t>Como herramientas de predicción de valores de la bolsa </a:t>
             </a:r>
           </a:p>
           <a:p>
             <a:r>
-              <a:rPr lang="es-ES" dirty="0" smtClean="0"/>
+              <a:rPr lang="es-ES" sz="3200" dirty="0"/>
               <a:t>Para anticiparse al mercado hay que tener en cuenta muchos parámetros externos: indicadores económicos, opinión pública, clima político...</a:t>
             </a:r>
-            <a:endParaRPr lang="es-ES" dirty="0" smtClean="0"/>
-          </a:p>
-          <a:p>
-            <a:endParaRPr lang="es-ES" dirty="0" smtClean="0"/>
+          </a:p>
+          <a:p>
+            <a:endParaRPr lang="es-ES" dirty="0"/>
           </a:p>
         </p:txBody>
       </p:sp>
     </p:spTree>
     <p:extLst>
       <p:ext uri="{BB962C8B-B14F-4D97-AF65-F5344CB8AC3E}">
-        <p14:creationId xmlns:p14="http://schemas.microsoft.com/office/powerpoint/2010/main" xmlns="" val="2405218555"/>
+        <p14:creationId xmlns:p14="http://schemas.microsoft.com/office/powerpoint/2010/main" val="2405218555"/>
       </p:ext>
     </p:extLst>
   </p:cSld>
@@ -26544,7 +26233,7 @@
           <p:nvPr>
             <p:extLst>
               <p:ext uri="{386F3935-93C4-4BCD-93E2-E3B085C9AB24}">
-                <p16:designElem xmlns:p16="http://schemas.microsoft.com/office/powerpoint/2015/main" xmlns="" val="1"/>
+                <p16:designElem xmlns:p16="http://schemas.microsoft.com/office/powerpoint/2015/main" val="1"/>
               </p:ext>
             </p:extLst>
           </p:nvPr>
@@ -26598,7 +26287,7 @@
           <p:nvPr>
             <p:extLst>
               <p:ext uri="{386F3935-93C4-4BCD-93E2-E3B085C9AB24}">
-                <p16:designElem xmlns:p16="http://schemas.microsoft.com/office/powerpoint/2015/main" xmlns="" val="1"/>
+                <p16:designElem xmlns:p16="http://schemas.microsoft.com/office/powerpoint/2015/main" val="1"/>
               </p:ext>
             </p:extLst>
           </p:nvPr>
@@ -26697,7 +26386,7 @@
           <p:nvPr>
             <p:extLst>
               <p:ext uri="{386F3935-93C4-4BCD-93E2-E3B085C9AB24}">
-                <p16:designElem xmlns:p16="http://schemas.microsoft.com/office/powerpoint/2015/main" xmlns="" val="1"/>
+                <p16:designElem xmlns:p16="http://schemas.microsoft.com/office/powerpoint/2015/main" val="1"/>
               </p:ext>
             </p:extLst>
           </p:nvPr>
@@ -26812,8 +26501,8 @@
           <a:lstStyle/>
           <a:p>
             <a:r>
-              <a:rPr lang="es-ES" sz="5400" dirty="0" smtClean="0"/>
-              <a:t>Usos actuales</a:t>
+              <a:rPr lang="es-ES" sz="5400" dirty="0"/>
+              <a:t>USOS ACTUALES</a:t>
             </a:r>
             <a:endParaRPr lang="es-ES" sz="6000" dirty="0"/>
           </a:p>
@@ -26842,42 +26531,41 @@
           <a:lstStyle/>
           <a:p>
             <a:r>
-              <a:rPr lang="es-ES" dirty="0" smtClean="0"/>
+              <a:rPr lang="es-ES" sz="3200" dirty="0"/>
               <a:t>Compañías como MJ </a:t>
             </a:r>
             <a:r>
-              <a:rPr lang="es-ES" dirty="0" err="1" smtClean="0"/>
+              <a:rPr lang="es-ES" sz="3200" dirty="0" err="1"/>
               <a:t>Futures</a:t>
             </a:r>
             <a:r>
-              <a:rPr lang="es-ES" dirty="0" smtClean="0"/>
+              <a:rPr lang="es-ES" sz="3200" dirty="0"/>
               <a:t> tienen métodos de predicción propios </a:t>
             </a:r>
-            <a:endParaRPr lang="es-ES" dirty="0"/>
           </a:p>
           <a:p>
             <a:pPr lvl="1"/>
             <a:r>
-              <a:rPr lang="es-ES" dirty="0" smtClean="0"/>
+              <a:rPr lang="es-ES" sz="2800" dirty="0"/>
               <a:t>199,2% de ganancias sobre dos años según </a:t>
             </a:r>
             <a:r>
-              <a:rPr lang="es-ES" dirty="0" err="1" smtClean="0"/>
+              <a:rPr lang="es-ES" sz="2800" dirty="0" err="1"/>
               <a:t>Standford</a:t>
             </a:r>
             <a:r>
-              <a:rPr lang="es-ES" dirty="0" smtClean="0"/>
+              <a:rPr lang="es-ES" sz="2800" dirty="0"/>
               <a:t> </a:t>
             </a:r>
             <a:r>
-              <a:rPr lang="es-ES" dirty="0" err="1" smtClean="0"/>
+              <a:rPr lang="es-ES" sz="2800" dirty="0" err="1"/>
               <a:t>University</a:t>
             </a:r>
-            <a:endParaRPr lang="es-ES" dirty="0" smtClean="0"/>
+            <a:endParaRPr lang="es-ES" sz="2800" dirty="0"/>
           </a:p>
           <a:p>
             <a:r>
-              <a:rPr lang="es-ES" dirty="0" smtClean="0"/>
+              <a:rPr lang="es-ES" sz="3200" dirty="0"/>
               <a:t>LBC Capital Management usan una red con solo 6 indicadores financieros como inputs.</a:t>
             </a:r>
           </a:p>
@@ -26885,14 +26573,14 @@
             <a:pPr>
               <a:buNone/>
             </a:pPr>
-            <a:endParaRPr lang="es-ES" dirty="0" smtClean="0"/>
+            <a:endParaRPr lang="es-ES" dirty="0"/>
           </a:p>
         </p:txBody>
       </p:sp>
     </p:spTree>
     <p:extLst>
       <p:ext uri="{BB962C8B-B14F-4D97-AF65-F5344CB8AC3E}">
-        <p14:creationId xmlns:p14="http://schemas.microsoft.com/office/powerpoint/2010/main" xmlns="" val="2405218555"/>
+        <p14:creationId xmlns:p14="http://schemas.microsoft.com/office/powerpoint/2010/main" val="2405218555"/>
       </p:ext>
     </p:extLst>
   </p:cSld>
@@ -27111,7 +26799,7 @@
           <a:blip r:embed="rId3" cstate="print">
             <a:extLst>
               <a:ext uri="{28A0092B-C50C-407E-A947-70E740481C1C}">
-                <a14:useLocalDpi xmlns:a14="http://schemas.microsoft.com/office/drawing/2010/main" xmlns="" val="0"/>
+                <a14:useLocalDpi xmlns:a14="http://schemas.microsoft.com/office/drawing/2010/main" val="0"/>
               </a:ext>
             </a:extLst>
           </a:blip>
@@ -27132,7 +26820,7 @@
     </p:spTree>
     <p:extLst>
       <p:ext uri="{BB962C8B-B14F-4D97-AF65-F5344CB8AC3E}">
-        <p14:creationId xmlns:p14="http://schemas.microsoft.com/office/powerpoint/2010/main" xmlns="" val="84572358"/>
+        <p14:creationId xmlns:p14="http://schemas.microsoft.com/office/powerpoint/2010/main" val="84572358"/>
       </p:ext>
     </p:extLst>
   </p:cSld>
@@ -27168,7 +26856,7 @@
           <p:nvPr>
             <p:extLst>
               <p:ext uri="{386F3935-93C4-4BCD-93E2-E3B085C9AB24}">
-                <p16:designElem xmlns:p16="http://schemas.microsoft.com/office/powerpoint/2015/main" xmlns="" val="1"/>
+                <p16:designElem xmlns:p16="http://schemas.microsoft.com/office/powerpoint/2015/main" val="1"/>
               </p:ext>
             </p:extLst>
           </p:nvPr>
@@ -27199,7 +26887,7 @@
           <p:nvPr>
             <p:extLst>
               <p:ext uri="{386F3935-93C4-4BCD-93E2-E3B085C9AB24}">
-                <p16:designElem xmlns:p16="http://schemas.microsoft.com/office/powerpoint/2015/main" xmlns="" val="1"/>
+                <p16:designElem xmlns:p16="http://schemas.microsoft.com/office/powerpoint/2015/main" val="1"/>
               </p:ext>
             </p:extLst>
           </p:nvPr>
@@ -27306,7 +26994,7 @@
     </p:spTree>
     <p:extLst>
       <p:ext uri="{BB962C8B-B14F-4D97-AF65-F5344CB8AC3E}">
-        <p14:creationId xmlns:p14="http://schemas.microsoft.com/office/powerpoint/2010/main" xmlns="" val="3844390514"/>
+        <p14:creationId xmlns:p14="http://schemas.microsoft.com/office/powerpoint/2010/main" val="3844390514"/>
       </p:ext>
     </p:extLst>
   </p:cSld>
@@ -27342,7 +27030,7 @@
           <p:nvPr>
             <p:extLst>
               <p:ext uri="{386F3935-93C4-4BCD-93E2-E3B085C9AB24}">
-                <p16:designElem xmlns:p16="http://schemas.microsoft.com/office/powerpoint/2015/main" xmlns="" val="1"/>
+                <p16:designElem xmlns:p16="http://schemas.microsoft.com/office/powerpoint/2015/main" val="1"/>
               </p:ext>
             </p:extLst>
           </p:nvPr>
@@ -27373,7 +27061,7 @@
           <p:nvPr>
             <p:extLst>
               <p:ext uri="{386F3935-93C4-4BCD-93E2-E3B085C9AB24}">
-                <p16:designElem xmlns:p16="http://schemas.microsoft.com/office/powerpoint/2015/main" xmlns="" val="1"/>
+                <p16:designElem xmlns:p16="http://schemas.microsoft.com/office/powerpoint/2015/main" val="1"/>
               </p:ext>
             </p:extLst>
           </p:nvPr>
@@ -27432,7 +27120,7 @@
           <a:blip r:embed="rId2" cstate="print">
             <a:extLst>
               <a:ext uri="{28A0092B-C50C-407E-A947-70E740481C1C}">
-                <a14:useLocalDpi xmlns:a14="http://schemas.microsoft.com/office/drawing/2010/main" xmlns="" val="0"/>
+                <a14:useLocalDpi xmlns:a14="http://schemas.microsoft.com/office/drawing/2010/main" val="0"/>
               </a:ext>
             </a:extLst>
           </a:blip>
@@ -27487,7 +27175,7 @@
     </p:spTree>
     <p:extLst>
       <p:ext uri="{BB962C8B-B14F-4D97-AF65-F5344CB8AC3E}">
-        <p14:creationId xmlns:p14="http://schemas.microsoft.com/office/powerpoint/2010/main" xmlns="" val="38684972"/>
+        <p14:creationId xmlns:p14="http://schemas.microsoft.com/office/powerpoint/2010/main" val="38684972"/>
       </p:ext>
     </p:extLst>
   </p:cSld>
@@ -27523,7 +27211,7 @@
           <p:nvPr>
             <p:extLst>
               <p:ext uri="{386F3935-93C4-4BCD-93E2-E3B085C9AB24}">
-                <p16:designElem xmlns:p16="http://schemas.microsoft.com/office/powerpoint/2015/main" xmlns="" val="1"/>
+                <p16:designElem xmlns:p16="http://schemas.microsoft.com/office/powerpoint/2015/main" val="1"/>
               </p:ext>
             </p:extLst>
           </p:nvPr>
@@ -27554,7 +27242,7 @@
           <p:nvPr>
             <p:extLst>
               <p:ext uri="{386F3935-93C4-4BCD-93E2-E3B085C9AB24}">
-                <p16:designElem xmlns:p16="http://schemas.microsoft.com/office/powerpoint/2015/main" xmlns="" val="1"/>
+                <p16:designElem xmlns:p16="http://schemas.microsoft.com/office/powerpoint/2015/main" val="1"/>
               </p:ext>
             </p:extLst>
           </p:nvPr>
@@ -27613,7 +27301,7 @@
           <a:blip r:embed="rId2" cstate="print">
             <a:extLst>
               <a:ext uri="{28A0092B-C50C-407E-A947-70E740481C1C}">
-                <a14:useLocalDpi xmlns:a14="http://schemas.microsoft.com/office/drawing/2010/main" xmlns="" val="0"/>
+                <a14:useLocalDpi xmlns:a14="http://schemas.microsoft.com/office/drawing/2010/main" val="0"/>
               </a:ext>
             </a:extLst>
           </a:blip>
@@ -27668,7 +27356,7 @@
     </p:spTree>
     <p:extLst>
       <p:ext uri="{BB962C8B-B14F-4D97-AF65-F5344CB8AC3E}">
-        <p14:creationId xmlns:p14="http://schemas.microsoft.com/office/powerpoint/2010/main" xmlns="" val="1316324414"/>
+        <p14:creationId xmlns:p14="http://schemas.microsoft.com/office/powerpoint/2010/main" val="1316324414"/>
       </p:ext>
     </p:extLst>
   </p:cSld>
@@ -27704,7 +27392,7 @@
           <p:nvPr>
             <p:extLst>
               <p:ext uri="{386F3935-93C4-4BCD-93E2-E3B085C9AB24}">
-                <p16:designElem xmlns:p16="http://schemas.microsoft.com/office/powerpoint/2015/main" xmlns="" val="1"/>
+                <p16:designElem xmlns:p16="http://schemas.microsoft.com/office/powerpoint/2015/main" val="1"/>
               </p:ext>
             </p:extLst>
           </p:nvPr>
@@ -27758,7 +27446,7 @@
           <p:nvPr>
             <p:extLst>
               <p:ext uri="{386F3935-93C4-4BCD-93E2-E3B085C9AB24}">
-                <p16:designElem xmlns:p16="http://schemas.microsoft.com/office/powerpoint/2015/main" xmlns="" val="1"/>
+                <p16:designElem xmlns:p16="http://schemas.microsoft.com/office/powerpoint/2015/main" val="1"/>
               </p:ext>
             </p:extLst>
           </p:nvPr>
@@ -27857,7 +27545,7 @@
           <p:nvPr>
             <p:extLst>
               <p:ext uri="{386F3935-93C4-4BCD-93E2-E3B085C9AB24}">
-                <p16:designElem xmlns:p16="http://schemas.microsoft.com/office/powerpoint/2015/main" xmlns="" val="1"/>
+                <p16:designElem xmlns:p16="http://schemas.microsoft.com/office/powerpoint/2015/main" val="1"/>
               </p:ext>
             </p:extLst>
           </p:nvPr>
@@ -28166,7 +27854,7 @@
     </p:spTree>
     <p:extLst>
       <p:ext uri="{BB962C8B-B14F-4D97-AF65-F5344CB8AC3E}">
-        <p14:creationId xmlns:p14="http://schemas.microsoft.com/office/powerpoint/2010/main" xmlns="" val="3539477728"/>
+        <p14:creationId xmlns:p14="http://schemas.microsoft.com/office/powerpoint/2010/main" val="3539477728"/>
       </p:ext>
     </p:extLst>
   </p:cSld>
@@ -28465,7 +28153,7 @@
   <a:extraClrSchemeLst/>
   <a:extLst>
     <a:ext uri="{05A4C25C-085E-4340-85A3-A5531E510DB2}">
-      <thm15:themeFamily xmlns:thm15="http://schemas.microsoft.com/office/thememl/2012/main" xmlns="" name="Office Theme" id="{62F939B6-93AF-4DB8-9C6B-D6C7DFDC589F}" vid="{4A3C46E8-61CC-4603-A589-7422A47A8E4A}"/>
+      <thm15:themeFamily xmlns:thm15="http://schemas.microsoft.com/office/thememl/2012/main" name="Office Theme" id="{62F939B6-93AF-4DB8-9C6B-D6C7DFDC589F}" vid="{4A3C46E8-61CC-4603-A589-7422A47A8E4A}"/>
     </a:ext>
   </a:extLst>
 </a:theme>

--- a/docs/PresentacionFinal.pptx
+++ b/docs/PresentacionFinal.pptx
@@ -4858,39 +4858,39 @@
     </dgm:pt>
   </dgm:ptLst>
   <dgm:cxnLst>
+    <dgm:cxn modelId="{C7E74698-83E4-457F-AD71-AFDDD6748A62}" srcId="{DAECA2CA-2661-412E-AE85-C3A20FBE5FCD}" destId="{0F497B43-3AB3-49ED-B480-B33C188931D4}" srcOrd="2" destOrd="0" parTransId="{3C86BECF-7E5C-444B-B0FD-D246D3C876AD}" sibTransId="{11E97AEA-476B-489C-B542-69A4A8A17A06}"/>
+    <dgm:cxn modelId="{B7D7A832-6832-4554-9036-9CAB298139A5}" srcId="{52F107A7-7F56-445A-A494-A40BFF1D8022}" destId="{B760797E-446E-42E2-B0A3-B56202F1FCAA}" srcOrd="0" destOrd="0" parTransId="{34A872A5-9B4E-4664-9DAA-2F2F51588E28}" sibTransId="{367F8124-A2A2-4DCD-956D-713E3E9AD049}"/>
+    <dgm:cxn modelId="{FCAC01C8-C7DE-497E-9AA6-334B39C8F10E}" srcId="{DAECA2CA-2661-412E-AE85-C3A20FBE5FCD}" destId="{52F107A7-7F56-445A-A494-A40BFF1D8022}" srcOrd="0" destOrd="0" parTransId="{A9B64128-7D44-4D5C-8D93-48810EA749C0}" sibTransId="{3C7D7EC5-D108-46C5-BE2B-ED2FEF7BB26F}"/>
+    <dgm:cxn modelId="{9805BAC1-5C44-4662-B10F-3BC0CF8588E4}" type="presOf" srcId="{76753763-4C07-47A9-8EC7-8456CB385D4F}" destId="{89BC4B9F-E9BE-42F2-8394-3AFE64BADC77}" srcOrd="1" destOrd="1" presId="urn:microsoft.com/office/officeart/2005/8/layout/cycle4#1"/>
+    <dgm:cxn modelId="{8DEDDAD1-59D8-462C-8104-3F11B5D5CD39}" srcId="{0F497B43-3AB3-49ED-B480-B33C188931D4}" destId="{5C810117-A17C-4304-B4B3-E1779C7EAC75}" srcOrd="1" destOrd="0" parTransId="{34E1289E-77CB-4B45-8B2E-EDF70129CAFB}" sibTransId="{7B3B9BE6-62AB-4E45-904C-C3118AD96D2E}"/>
+    <dgm:cxn modelId="{63AE9939-FA1C-4DB8-93C5-35E242A75859}" type="presOf" srcId="{5C810117-A17C-4304-B4B3-E1779C7EAC75}" destId="{7162870F-9F28-47A4-88B9-3622613575D2}" srcOrd="0" destOrd="1" presId="urn:microsoft.com/office/officeart/2005/8/layout/cycle4#1"/>
+    <dgm:cxn modelId="{C32AF052-BFD5-42E6-965F-3E4434041DC1}" srcId="{DAECA2CA-2661-412E-AE85-C3A20FBE5FCD}" destId="{35F770E6-E543-44D3-B7A0-00CF59BE7825}" srcOrd="3" destOrd="0" parTransId="{4008CC11-3885-43DC-AD98-DC4620CFC862}" sibTransId="{3184E711-27A8-4B0E-BA8B-D8CD05DCD0B4}"/>
+    <dgm:cxn modelId="{7E6D187F-2B64-4285-89BD-07947565DD76}" type="presOf" srcId="{B760797E-446E-42E2-B0A3-B56202F1FCAA}" destId="{8A2642FA-7F26-4103-BB47-2B53943E1A3F}" srcOrd="0" destOrd="0" presId="urn:microsoft.com/office/officeart/2005/8/layout/cycle4#1"/>
+    <dgm:cxn modelId="{198966EE-DD31-4464-BB09-EDFB792FF63F}" type="presOf" srcId="{F5980E61-0E99-429A-9F30-A0B0BCC7FC0A}" destId="{7162870F-9F28-47A4-88B9-3622613575D2}" srcOrd="0" destOrd="0" presId="urn:microsoft.com/office/officeart/2005/8/layout/cycle4#1"/>
+    <dgm:cxn modelId="{69B63970-8EC8-4D68-AFDB-7D0C21F29099}" srcId="{35F770E6-E543-44D3-B7A0-00CF59BE7825}" destId="{4FE905A7-7271-42F0-BFF4-952EC0A2B290}" srcOrd="0" destOrd="0" parTransId="{A3057527-0D6B-4D75-9216-CE139594CD97}" sibTransId="{8220E624-C409-413F-A0B2-86F08462E504}"/>
+    <dgm:cxn modelId="{0FC12F80-B8A0-46D0-B328-F4AC99B654AD}" type="presOf" srcId="{B760797E-446E-42E2-B0A3-B56202F1FCAA}" destId="{BEED1F87-FF68-467A-A67E-9CAACEA2B51E}" srcOrd="1" destOrd="0" presId="urn:microsoft.com/office/officeart/2005/8/layout/cycle4#1"/>
+    <dgm:cxn modelId="{B0B1F30B-726C-4639-A034-7572180750C3}" type="presOf" srcId="{4FE905A7-7271-42F0-BFF4-952EC0A2B290}" destId="{89BC4B9F-E9BE-42F2-8394-3AFE64BADC77}" srcOrd="1" destOrd="0" presId="urn:microsoft.com/office/officeart/2005/8/layout/cycle4#1"/>
+    <dgm:cxn modelId="{17D91092-E9DC-4B2C-AAD9-AA3120F530B7}" type="presOf" srcId="{C14EA41B-E488-4C6B-B60E-293BDFD69BB3}" destId="{A42844D4-CF61-46EB-9411-31A9060C43A2}" srcOrd="0" destOrd="0" presId="urn:microsoft.com/office/officeart/2005/8/layout/cycle4#1"/>
+    <dgm:cxn modelId="{9861FB2C-2A87-405E-BB72-067B56336D39}" srcId="{35F770E6-E543-44D3-B7A0-00CF59BE7825}" destId="{76753763-4C07-47A9-8EC7-8456CB385D4F}" srcOrd="1" destOrd="0" parTransId="{84D37303-93BB-45F5-86DC-91951783E4AD}" sibTransId="{EDFEE7C8-A16A-437C-BAD9-844806C1AE86}"/>
+    <dgm:cxn modelId="{BDF50867-0CB6-47C1-AA84-A90982062ABE}" type="presOf" srcId="{5C810117-A17C-4304-B4B3-E1779C7EAC75}" destId="{D1237CE6-608C-4BAD-9D9E-2616FDF53B8B}" srcOrd="1" destOrd="1" presId="urn:microsoft.com/office/officeart/2005/8/layout/cycle4#1"/>
+    <dgm:cxn modelId="{E1FCDD25-985B-4BBD-A6A7-5FC60D4488DB}" type="presOf" srcId="{76753763-4C07-47A9-8EC7-8456CB385D4F}" destId="{77F84C51-0010-4923-87AF-53C322104D97}" srcOrd="0" destOrd="1" presId="urn:microsoft.com/office/officeart/2005/8/layout/cycle4#1"/>
+    <dgm:cxn modelId="{1942B356-460F-41EB-BBB7-164875A2A2A6}" type="presOf" srcId="{10072715-D2E7-4D5A-AB39-E43AF8A05996}" destId="{8A2642FA-7F26-4103-BB47-2B53943E1A3F}" srcOrd="0" destOrd="1" presId="urn:microsoft.com/office/officeart/2005/8/layout/cycle4#1"/>
+    <dgm:cxn modelId="{C1FDB0F3-258F-402A-BEE9-1408D697A3DD}" type="presOf" srcId="{C14EA41B-E488-4C6B-B60E-293BDFD69BB3}" destId="{F32F7251-C655-419B-B80F-877BC528CBC6}" srcOrd="1" destOrd="0" presId="urn:microsoft.com/office/officeart/2005/8/layout/cycle4#1"/>
+    <dgm:cxn modelId="{9E799A22-B521-4C6E-BEED-AEF45CDD7AE8}" srcId="{99BBFA8F-D86B-4935-B82A-C776A61A1484}" destId="{168E8437-CEC9-46A3-B60F-4AE637C8AB34}" srcOrd="1" destOrd="0" parTransId="{AAED8AB3-F260-4EEE-8E02-B4C4187B66C8}" sibTransId="{99390C74-C193-4DD4-A652-0CB022B5380C}"/>
     <dgm:cxn modelId="{FC55BCBF-11F0-44C6-8315-0083110E4C25}" srcId="{DAECA2CA-2661-412E-AE85-C3A20FBE5FCD}" destId="{99BBFA8F-D86B-4935-B82A-C776A61A1484}" srcOrd="1" destOrd="0" parTransId="{D047D16B-2707-4682-BF38-4FA598B4DF3A}" sibTransId="{EE42F419-3F08-4E76-BEEB-982B2DDF5713}"/>
     <dgm:cxn modelId="{51FEE0AF-CB91-4312-BA60-72BC9209B7DE}" type="presOf" srcId="{168E8437-CEC9-46A3-B60F-4AE637C8AB34}" destId="{F32F7251-C655-419B-B80F-877BC528CBC6}" srcOrd="1" destOrd="1" presId="urn:microsoft.com/office/officeart/2005/8/layout/cycle4#1"/>
-    <dgm:cxn modelId="{B7D7A832-6832-4554-9036-9CAB298139A5}" srcId="{52F107A7-7F56-445A-A494-A40BFF1D8022}" destId="{B760797E-446E-42E2-B0A3-B56202F1FCAA}" srcOrd="0" destOrd="0" parTransId="{34A872A5-9B4E-4664-9DAA-2F2F51588E28}" sibTransId="{367F8124-A2A2-4DCD-956D-713E3E9AD049}"/>
-    <dgm:cxn modelId="{BDF50867-0CB6-47C1-AA84-A90982062ABE}" type="presOf" srcId="{5C810117-A17C-4304-B4B3-E1779C7EAC75}" destId="{D1237CE6-608C-4BAD-9D9E-2616FDF53B8B}" srcOrd="1" destOrd="1" presId="urn:microsoft.com/office/officeart/2005/8/layout/cycle4#1"/>
+    <dgm:cxn modelId="{4868223F-B044-45DB-9940-3C5A1AE665E0}" type="presOf" srcId="{10072715-D2E7-4D5A-AB39-E43AF8A05996}" destId="{BEED1F87-FF68-467A-A67E-9CAACEA2B51E}" srcOrd="1" destOrd="1" presId="urn:microsoft.com/office/officeart/2005/8/layout/cycle4#1"/>
+    <dgm:cxn modelId="{9A72332B-9BC0-4737-81E4-3D12A2B5E831}" type="presOf" srcId="{0F497B43-3AB3-49ED-B480-B33C188931D4}" destId="{56F22035-025B-40EF-A575-1CBD3F36B30A}" srcOrd="0" destOrd="0" presId="urn:microsoft.com/office/officeart/2005/8/layout/cycle4#1"/>
+    <dgm:cxn modelId="{0EC3EF22-A3E5-4A3C-B394-40FF21AA4793}" type="presOf" srcId="{35F770E6-E543-44D3-B7A0-00CF59BE7825}" destId="{87BB4812-2E13-4BDB-B894-129CF83F275F}" srcOrd="0" destOrd="0" presId="urn:microsoft.com/office/officeart/2005/8/layout/cycle4#1"/>
+    <dgm:cxn modelId="{4797535E-1B80-4CEA-BD43-883910DE7F02}" type="presOf" srcId="{F5980E61-0E99-429A-9F30-A0B0BCC7FC0A}" destId="{D1237CE6-608C-4BAD-9D9E-2616FDF53B8B}" srcOrd="1" destOrd="0" presId="urn:microsoft.com/office/officeart/2005/8/layout/cycle4#1"/>
+    <dgm:cxn modelId="{A577CD3C-5BF4-4930-9E1A-9DF04268B581}" srcId="{52F107A7-7F56-445A-A494-A40BFF1D8022}" destId="{10072715-D2E7-4D5A-AB39-E43AF8A05996}" srcOrd="1" destOrd="0" parTransId="{B3B5CDC8-6876-4872-9846-6B10734A2A8A}" sibTransId="{F913EE1D-E9AE-454F-83AB-05C0100D5CB2}"/>
     <dgm:cxn modelId="{E7BA98AC-107C-4503-8086-8514EF398F42}" type="presOf" srcId="{DAECA2CA-2661-412E-AE85-C3A20FBE5FCD}" destId="{22EF02C7-195D-45ED-BD8B-8B4F79FABED7}" srcOrd="0" destOrd="0" presId="urn:microsoft.com/office/officeart/2005/8/layout/cycle4#1"/>
-    <dgm:cxn modelId="{9A72332B-9BC0-4737-81E4-3D12A2B5E831}" type="presOf" srcId="{0F497B43-3AB3-49ED-B480-B33C188931D4}" destId="{56F22035-025B-40EF-A575-1CBD3F36B30A}" srcOrd="0" destOrd="0" presId="urn:microsoft.com/office/officeart/2005/8/layout/cycle4#1"/>
+    <dgm:cxn modelId="{86C1D1B9-3C43-44CF-AC51-29B587181CFE}" type="presOf" srcId="{4FE905A7-7271-42F0-BFF4-952EC0A2B290}" destId="{77F84C51-0010-4923-87AF-53C322104D97}" srcOrd="0" destOrd="0" presId="urn:microsoft.com/office/officeart/2005/8/layout/cycle4#1"/>
+    <dgm:cxn modelId="{453D3ABC-C5BB-410E-886D-39A24BF526C2}" type="presOf" srcId="{168E8437-CEC9-46A3-B60F-4AE637C8AB34}" destId="{A42844D4-CF61-46EB-9411-31A9060C43A2}" srcOrd="0" destOrd="1" presId="urn:microsoft.com/office/officeart/2005/8/layout/cycle4#1"/>
+    <dgm:cxn modelId="{69F82A56-5668-439F-8C33-2E5E63C65FB5}" srcId="{99BBFA8F-D86B-4935-B82A-C776A61A1484}" destId="{C14EA41B-E488-4C6B-B60E-293BDFD69BB3}" srcOrd="0" destOrd="0" parTransId="{2962CE49-DEEF-4241-9D7C-595CD589CDFC}" sibTransId="{5730E4C6-5048-40C0-B4B5-83D92B2009F7}"/>
+    <dgm:cxn modelId="{B46C9524-1C82-4C3F-8D9D-744098B055F7}" srcId="{0F497B43-3AB3-49ED-B480-B33C188931D4}" destId="{F5980E61-0E99-429A-9F30-A0B0BCC7FC0A}" srcOrd="0" destOrd="0" parTransId="{826ECAF4-6B0B-4C96-93F2-8A513DF86D5C}" sibTransId="{DAD473F7-273F-48CF-A591-E6849FC0FD5D}"/>
+    <dgm:cxn modelId="{E1BB71AA-F8AD-4B9D-A0D6-C4C5B3714151}" type="presOf" srcId="{99BBFA8F-D86B-4935-B82A-C776A61A1484}" destId="{F4A3C5F3-3AAD-4360-9C14-66DA25B31EA2}" srcOrd="0" destOrd="0" presId="urn:microsoft.com/office/officeart/2005/8/layout/cycle4#1"/>
     <dgm:cxn modelId="{C202AD80-7F39-4186-A425-01ECF5E06562}" type="presOf" srcId="{52F107A7-7F56-445A-A494-A40BFF1D8022}" destId="{6718675A-70DE-44E9-B5AF-9DBE7E86FF11}" srcOrd="0" destOrd="0" presId="urn:microsoft.com/office/officeart/2005/8/layout/cycle4#1"/>
-    <dgm:cxn modelId="{8DEDDAD1-59D8-462C-8104-3F11B5D5CD39}" srcId="{0F497B43-3AB3-49ED-B480-B33C188931D4}" destId="{5C810117-A17C-4304-B4B3-E1779C7EAC75}" srcOrd="1" destOrd="0" parTransId="{34E1289E-77CB-4B45-8B2E-EDF70129CAFB}" sibTransId="{7B3B9BE6-62AB-4E45-904C-C3118AD96D2E}"/>
-    <dgm:cxn modelId="{198966EE-DD31-4464-BB09-EDFB792FF63F}" type="presOf" srcId="{F5980E61-0E99-429A-9F30-A0B0BCC7FC0A}" destId="{7162870F-9F28-47A4-88B9-3622613575D2}" srcOrd="0" destOrd="0" presId="urn:microsoft.com/office/officeart/2005/8/layout/cycle4#1"/>
-    <dgm:cxn modelId="{B46C9524-1C82-4C3F-8D9D-744098B055F7}" srcId="{0F497B43-3AB3-49ED-B480-B33C188931D4}" destId="{F5980E61-0E99-429A-9F30-A0B0BCC7FC0A}" srcOrd="0" destOrd="0" parTransId="{826ECAF4-6B0B-4C96-93F2-8A513DF86D5C}" sibTransId="{DAD473F7-273F-48CF-A591-E6849FC0FD5D}"/>
-    <dgm:cxn modelId="{C1FDB0F3-258F-402A-BEE9-1408D697A3DD}" type="presOf" srcId="{C14EA41B-E488-4C6B-B60E-293BDFD69BB3}" destId="{F32F7251-C655-419B-B80F-877BC528CBC6}" srcOrd="1" destOrd="0" presId="urn:microsoft.com/office/officeart/2005/8/layout/cycle4#1"/>
-    <dgm:cxn modelId="{E1BB71AA-F8AD-4B9D-A0D6-C4C5B3714151}" type="presOf" srcId="{99BBFA8F-D86B-4935-B82A-C776A61A1484}" destId="{F4A3C5F3-3AAD-4360-9C14-66DA25B31EA2}" srcOrd="0" destOrd="0" presId="urn:microsoft.com/office/officeart/2005/8/layout/cycle4#1"/>
-    <dgm:cxn modelId="{FCAC01C8-C7DE-497E-9AA6-334B39C8F10E}" srcId="{DAECA2CA-2661-412E-AE85-C3A20FBE5FCD}" destId="{52F107A7-7F56-445A-A494-A40BFF1D8022}" srcOrd="0" destOrd="0" parTransId="{A9B64128-7D44-4D5C-8D93-48810EA749C0}" sibTransId="{3C7D7EC5-D108-46C5-BE2B-ED2FEF7BB26F}"/>
-    <dgm:cxn modelId="{69B63970-8EC8-4D68-AFDB-7D0C21F29099}" srcId="{35F770E6-E543-44D3-B7A0-00CF59BE7825}" destId="{4FE905A7-7271-42F0-BFF4-952EC0A2B290}" srcOrd="0" destOrd="0" parTransId="{A3057527-0D6B-4D75-9216-CE139594CD97}" sibTransId="{8220E624-C409-413F-A0B2-86F08462E504}"/>
-    <dgm:cxn modelId="{C32AF052-BFD5-42E6-965F-3E4434041DC1}" srcId="{DAECA2CA-2661-412E-AE85-C3A20FBE5FCD}" destId="{35F770E6-E543-44D3-B7A0-00CF59BE7825}" srcOrd="3" destOrd="0" parTransId="{4008CC11-3885-43DC-AD98-DC4620CFC862}" sibTransId="{3184E711-27A8-4B0E-BA8B-D8CD05DCD0B4}"/>
-    <dgm:cxn modelId="{B0B1F30B-726C-4639-A034-7572180750C3}" type="presOf" srcId="{4FE905A7-7271-42F0-BFF4-952EC0A2B290}" destId="{89BC4B9F-E9BE-42F2-8394-3AFE64BADC77}" srcOrd="1" destOrd="0" presId="urn:microsoft.com/office/officeart/2005/8/layout/cycle4#1"/>
-    <dgm:cxn modelId="{0FC12F80-B8A0-46D0-B328-F4AC99B654AD}" type="presOf" srcId="{B760797E-446E-42E2-B0A3-B56202F1FCAA}" destId="{BEED1F87-FF68-467A-A67E-9CAACEA2B51E}" srcOrd="1" destOrd="0" presId="urn:microsoft.com/office/officeart/2005/8/layout/cycle4#1"/>
-    <dgm:cxn modelId="{4868223F-B044-45DB-9940-3C5A1AE665E0}" type="presOf" srcId="{10072715-D2E7-4D5A-AB39-E43AF8A05996}" destId="{BEED1F87-FF68-467A-A67E-9CAACEA2B51E}" srcOrd="1" destOrd="1" presId="urn:microsoft.com/office/officeart/2005/8/layout/cycle4#1"/>
-    <dgm:cxn modelId="{63AE9939-FA1C-4DB8-93C5-35E242A75859}" type="presOf" srcId="{5C810117-A17C-4304-B4B3-E1779C7EAC75}" destId="{7162870F-9F28-47A4-88B9-3622613575D2}" srcOrd="0" destOrd="1" presId="urn:microsoft.com/office/officeart/2005/8/layout/cycle4#1"/>
-    <dgm:cxn modelId="{17D91092-E9DC-4B2C-AAD9-AA3120F530B7}" type="presOf" srcId="{C14EA41B-E488-4C6B-B60E-293BDFD69BB3}" destId="{A42844D4-CF61-46EB-9411-31A9060C43A2}" srcOrd="0" destOrd="0" presId="urn:microsoft.com/office/officeart/2005/8/layout/cycle4#1"/>
-    <dgm:cxn modelId="{453D3ABC-C5BB-410E-886D-39A24BF526C2}" type="presOf" srcId="{168E8437-CEC9-46A3-B60F-4AE637C8AB34}" destId="{A42844D4-CF61-46EB-9411-31A9060C43A2}" srcOrd="0" destOrd="1" presId="urn:microsoft.com/office/officeart/2005/8/layout/cycle4#1"/>
-    <dgm:cxn modelId="{9805BAC1-5C44-4662-B10F-3BC0CF8588E4}" type="presOf" srcId="{76753763-4C07-47A9-8EC7-8456CB385D4F}" destId="{89BC4B9F-E9BE-42F2-8394-3AFE64BADC77}" srcOrd="1" destOrd="1" presId="urn:microsoft.com/office/officeart/2005/8/layout/cycle4#1"/>
-    <dgm:cxn modelId="{86C1D1B9-3C43-44CF-AC51-29B587181CFE}" type="presOf" srcId="{4FE905A7-7271-42F0-BFF4-952EC0A2B290}" destId="{77F84C51-0010-4923-87AF-53C322104D97}" srcOrd="0" destOrd="0" presId="urn:microsoft.com/office/officeart/2005/8/layout/cycle4#1"/>
-    <dgm:cxn modelId="{E1FCDD25-985B-4BBD-A6A7-5FC60D4488DB}" type="presOf" srcId="{76753763-4C07-47A9-8EC7-8456CB385D4F}" destId="{77F84C51-0010-4923-87AF-53C322104D97}" srcOrd="0" destOrd="1" presId="urn:microsoft.com/office/officeart/2005/8/layout/cycle4#1"/>
-    <dgm:cxn modelId="{A577CD3C-5BF4-4930-9E1A-9DF04268B581}" srcId="{52F107A7-7F56-445A-A494-A40BFF1D8022}" destId="{10072715-D2E7-4D5A-AB39-E43AF8A05996}" srcOrd="1" destOrd="0" parTransId="{B3B5CDC8-6876-4872-9846-6B10734A2A8A}" sibTransId="{F913EE1D-E9AE-454F-83AB-05C0100D5CB2}"/>
-    <dgm:cxn modelId="{1942B356-460F-41EB-BBB7-164875A2A2A6}" type="presOf" srcId="{10072715-D2E7-4D5A-AB39-E43AF8A05996}" destId="{8A2642FA-7F26-4103-BB47-2B53943E1A3F}" srcOrd="0" destOrd="1" presId="urn:microsoft.com/office/officeart/2005/8/layout/cycle4#1"/>
-    <dgm:cxn modelId="{7E6D187F-2B64-4285-89BD-07947565DD76}" type="presOf" srcId="{B760797E-446E-42E2-B0A3-B56202F1FCAA}" destId="{8A2642FA-7F26-4103-BB47-2B53943E1A3F}" srcOrd="0" destOrd="0" presId="urn:microsoft.com/office/officeart/2005/8/layout/cycle4#1"/>
-    <dgm:cxn modelId="{C7E74698-83E4-457F-AD71-AFDDD6748A62}" srcId="{DAECA2CA-2661-412E-AE85-C3A20FBE5FCD}" destId="{0F497B43-3AB3-49ED-B480-B33C188931D4}" srcOrd="2" destOrd="0" parTransId="{3C86BECF-7E5C-444B-B0FD-D246D3C876AD}" sibTransId="{11E97AEA-476B-489C-B542-69A4A8A17A06}"/>
-    <dgm:cxn modelId="{9861FB2C-2A87-405E-BB72-067B56336D39}" srcId="{35F770E6-E543-44D3-B7A0-00CF59BE7825}" destId="{76753763-4C07-47A9-8EC7-8456CB385D4F}" srcOrd="1" destOrd="0" parTransId="{84D37303-93BB-45F5-86DC-91951783E4AD}" sibTransId="{EDFEE7C8-A16A-437C-BAD9-844806C1AE86}"/>
-    <dgm:cxn modelId="{69F82A56-5668-439F-8C33-2E5E63C65FB5}" srcId="{99BBFA8F-D86B-4935-B82A-C776A61A1484}" destId="{C14EA41B-E488-4C6B-B60E-293BDFD69BB3}" srcOrd="0" destOrd="0" parTransId="{2962CE49-DEEF-4241-9D7C-595CD589CDFC}" sibTransId="{5730E4C6-5048-40C0-B4B5-83D92B2009F7}"/>
-    <dgm:cxn modelId="{0EC3EF22-A3E5-4A3C-B394-40FF21AA4793}" type="presOf" srcId="{35F770E6-E543-44D3-B7A0-00CF59BE7825}" destId="{87BB4812-2E13-4BDB-B894-129CF83F275F}" srcOrd="0" destOrd="0" presId="urn:microsoft.com/office/officeart/2005/8/layout/cycle4#1"/>
-    <dgm:cxn modelId="{9E799A22-B521-4C6E-BEED-AEF45CDD7AE8}" srcId="{99BBFA8F-D86B-4935-B82A-C776A61A1484}" destId="{168E8437-CEC9-46A3-B60F-4AE637C8AB34}" srcOrd="1" destOrd="0" parTransId="{AAED8AB3-F260-4EEE-8E02-B4C4187B66C8}" sibTransId="{99390C74-C193-4DD4-A652-0CB022B5380C}"/>
-    <dgm:cxn modelId="{4797535E-1B80-4CEA-BD43-883910DE7F02}" type="presOf" srcId="{F5980E61-0E99-429A-9F30-A0B0BCC7FC0A}" destId="{D1237CE6-608C-4BAD-9D9E-2616FDF53B8B}" srcOrd="1" destOrd="0" presId="urn:microsoft.com/office/officeart/2005/8/layout/cycle4#1"/>
     <dgm:cxn modelId="{07AD6CD6-588F-45DF-ABFD-3A0B62AA9FD8}" type="presParOf" srcId="{22EF02C7-195D-45ED-BD8B-8B4F79FABED7}" destId="{3D8698E4-4D68-4B90-B435-F134F844C1B0}" srcOrd="0" destOrd="0" presId="urn:microsoft.com/office/officeart/2005/8/layout/cycle4#1"/>
     <dgm:cxn modelId="{57D96B00-A491-4110-8F61-2D7B08A0B498}" type="presParOf" srcId="{3D8698E4-4D68-4B90-B435-F134F844C1B0}" destId="{34C44AA9-E2B1-4B5F-80FC-928A194532D5}" srcOrd="0" destOrd="0" presId="urn:microsoft.com/office/officeart/2005/8/layout/cycle4#1"/>
     <dgm:cxn modelId="{197B0CB6-292B-4F74-BBD1-D0DA3B335A45}" type="presParOf" srcId="{34C44AA9-E2B1-4B5F-80FC-928A194532D5}" destId="{8A2642FA-7F26-4103-BB47-2B53943E1A3F}" srcOrd="0" destOrd="0" presId="urn:microsoft.com/office/officeart/2005/8/layout/cycle4#1"/>
@@ -5536,39 +5536,39 @@
     </dgm:pt>
   </dgm:ptLst>
   <dgm:cxnLst>
+    <dgm:cxn modelId="{C7E74698-83E4-457F-AD71-AFDDD6748A62}" srcId="{DAECA2CA-2661-412E-AE85-C3A20FBE5FCD}" destId="{0F497B43-3AB3-49ED-B480-B33C188931D4}" srcOrd="2" destOrd="0" parTransId="{3C86BECF-7E5C-444B-B0FD-D246D3C876AD}" sibTransId="{11E97AEA-476B-489C-B542-69A4A8A17A06}"/>
+    <dgm:cxn modelId="{B7D7A832-6832-4554-9036-9CAB298139A5}" srcId="{52F107A7-7F56-445A-A494-A40BFF1D8022}" destId="{B760797E-446E-42E2-B0A3-B56202F1FCAA}" srcOrd="0" destOrd="0" parTransId="{34A872A5-9B4E-4664-9DAA-2F2F51588E28}" sibTransId="{367F8124-A2A2-4DCD-956D-713E3E9AD049}"/>
+    <dgm:cxn modelId="{FCAC01C8-C7DE-497E-9AA6-334B39C8F10E}" srcId="{DAECA2CA-2661-412E-AE85-C3A20FBE5FCD}" destId="{52F107A7-7F56-445A-A494-A40BFF1D8022}" srcOrd="0" destOrd="0" parTransId="{A9B64128-7D44-4D5C-8D93-48810EA749C0}" sibTransId="{3C7D7EC5-D108-46C5-BE2B-ED2FEF7BB26F}"/>
+    <dgm:cxn modelId="{9805BAC1-5C44-4662-B10F-3BC0CF8588E4}" type="presOf" srcId="{76753763-4C07-47A9-8EC7-8456CB385D4F}" destId="{89BC4B9F-E9BE-42F2-8394-3AFE64BADC77}" srcOrd="1" destOrd="1" presId="urn:microsoft.com/office/officeart/2005/8/layout/cycle4#2"/>
+    <dgm:cxn modelId="{8DEDDAD1-59D8-462C-8104-3F11B5D5CD39}" srcId="{0F497B43-3AB3-49ED-B480-B33C188931D4}" destId="{5C810117-A17C-4304-B4B3-E1779C7EAC75}" srcOrd="1" destOrd="0" parTransId="{34E1289E-77CB-4B45-8B2E-EDF70129CAFB}" sibTransId="{7B3B9BE6-62AB-4E45-904C-C3118AD96D2E}"/>
+    <dgm:cxn modelId="{63AE9939-FA1C-4DB8-93C5-35E242A75859}" type="presOf" srcId="{5C810117-A17C-4304-B4B3-E1779C7EAC75}" destId="{7162870F-9F28-47A4-88B9-3622613575D2}" srcOrd="0" destOrd="1" presId="urn:microsoft.com/office/officeart/2005/8/layout/cycle4#2"/>
+    <dgm:cxn modelId="{C32AF052-BFD5-42E6-965F-3E4434041DC1}" srcId="{DAECA2CA-2661-412E-AE85-C3A20FBE5FCD}" destId="{35F770E6-E543-44D3-B7A0-00CF59BE7825}" srcOrd="3" destOrd="0" parTransId="{4008CC11-3885-43DC-AD98-DC4620CFC862}" sibTransId="{3184E711-27A8-4B0E-BA8B-D8CD05DCD0B4}"/>
+    <dgm:cxn modelId="{7E6D187F-2B64-4285-89BD-07947565DD76}" type="presOf" srcId="{B760797E-446E-42E2-B0A3-B56202F1FCAA}" destId="{8A2642FA-7F26-4103-BB47-2B53943E1A3F}" srcOrd="0" destOrd="0" presId="urn:microsoft.com/office/officeart/2005/8/layout/cycle4#2"/>
+    <dgm:cxn modelId="{198966EE-DD31-4464-BB09-EDFB792FF63F}" type="presOf" srcId="{F5980E61-0E99-429A-9F30-A0B0BCC7FC0A}" destId="{7162870F-9F28-47A4-88B9-3622613575D2}" srcOrd="0" destOrd="0" presId="urn:microsoft.com/office/officeart/2005/8/layout/cycle4#2"/>
+    <dgm:cxn modelId="{69B63970-8EC8-4D68-AFDB-7D0C21F29099}" srcId="{35F770E6-E543-44D3-B7A0-00CF59BE7825}" destId="{4FE905A7-7271-42F0-BFF4-952EC0A2B290}" srcOrd="0" destOrd="0" parTransId="{A3057527-0D6B-4D75-9216-CE139594CD97}" sibTransId="{8220E624-C409-413F-A0B2-86F08462E504}"/>
+    <dgm:cxn modelId="{0FC12F80-B8A0-46D0-B328-F4AC99B654AD}" type="presOf" srcId="{B760797E-446E-42E2-B0A3-B56202F1FCAA}" destId="{BEED1F87-FF68-467A-A67E-9CAACEA2B51E}" srcOrd="1" destOrd="0" presId="urn:microsoft.com/office/officeart/2005/8/layout/cycle4#2"/>
+    <dgm:cxn modelId="{B0B1F30B-726C-4639-A034-7572180750C3}" type="presOf" srcId="{4FE905A7-7271-42F0-BFF4-952EC0A2B290}" destId="{89BC4B9F-E9BE-42F2-8394-3AFE64BADC77}" srcOrd="1" destOrd="0" presId="urn:microsoft.com/office/officeart/2005/8/layout/cycle4#2"/>
+    <dgm:cxn modelId="{17D91092-E9DC-4B2C-AAD9-AA3120F530B7}" type="presOf" srcId="{C14EA41B-E488-4C6B-B60E-293BDFD69BB3}" destId="{A42844D4-CF61-46EB-9411-31A9060C43A2}" srcOrd="0" destOrd="0" presId="urn:microsoft.com/office/officeart/2005/8/layout/cycle4#2"/>
+    <dgm:cxn modelId="{9861FB2C-2A87-405E-BB72-067B56336D39}" srcId="{35F770E6-E543-44D3-B7A0-00CF59BE7825}" destId="{76753763-4C07-47A9-8EC7-8456CB385D4F}" srcOrd="1" destOrd="0" parTransId="{84D37303-93BB-45F5-86DC-91951783E4AD}" sibTransId="{EDFEE7C8-A16A-437C-BAD9-844806C1AE86}"/>
+    <dgm:cxn modelId="{BDF50867-0CB6-47C1-AA84-A90982062ABE}" type="presOf" srcId="{5C810117-A17C-4304-B4B3-E1779C7EAC75}" destId="{D1237CE6-608C-4BAD-9D9E-2616FDF53B8B}" srcOrd="1" destOrd="1" presId="urn:microsoft.com/office/officeart/2005/8/layout/cycle4#2"/>
+    <dgm:cxn modelId="{E1FCDD25-985B-4BBD-A6A7-5FC60D4488DB}" type="presOf" srcId="{76753763-4C07-47A9-8EC7-8456CB385D4F}" destId="{77F84C51-0010-4923-87AF-53C322104D97}" srcOrd="0" destOrd="1" presId="urn:microsoft.com/office/officeart/2005/8/layout/cycle4#2"/>
+    <dgm:cxn modelId="{1942B356-460F-41EB-BBB7-164875A2A2A6}" type="presOf" srcId="{10072715-D2E7-4D5A-AB39-E43AF8A05996}" destId="{8A2642FA-7F26-4103-BB47-2B53943E1A3F}" srcOrd="0" destOrd="1" presId="urn:microsoft.com/office/officeart/2005/8/layout/cycle4#2"/>
+    <dgm:cxn modelId="{C1FDB0F3-258F-402A-BEE9-1408D697A3DD}" type="presOf" srcId="{C14EA41B-E488-4C6B-B60E-293BDFD69BB3}" destId="{F32F7251-C655-419B-B80F-877BC528CBC6}" srcOrd="1" destOrd="0" presId="urn:microsoft.com/office/officeart/2005/8/layout/cycle4#2"/>
+    <dgm:cxn modelId="{9E799A22-B521-4C6E-BEED-AEF45CDD7AE8}" srcId="{99BBFA8F-D86B-4935-B82A-C776A61A1484}" destId="{168E8437-CEC9-46A3-B60F-4AE637C8AB34}" srcOrd="1" destOrd="0" parTransId="{AAED8AB3-F260-4EEE-8E02-B4C4187B66C8}" sibTransId="{99390C74-C193-4DD4-A652-0CB022B5380C}"/>
     <dgm:cxn modelId="{FC55BCBF-11F0-44C6-8315-0083110E4C25}" srcId="{DAECA2CA-2661-412E-AE85-C3A20FBE5FCD}" destId="{99BBFA8F-D86B-4935-B82A-C776A61A1484}" srcOrd="1" destOrd="0" parTransId="{D047D16B-2707-4682-BF38-4FA598B4DF3A}" sibTransId="{EE42F419-3F08-4E76-BEEB-982B2DDF5713}"/>
     <dgm:cxn modelId="{51FEE0AF-CB91-4312-BA60-72BC9209B7DE}" type="presOf" srcId="{168E8437-CEC9-46A3-B60F-4AE637C8AB34}" destId="{F32F7251-C655-419B-B80F-877BC528CBC6}" srcOrd="1" destOrd="1" presId="urn:microsoft.com/office/officeart/2005/8/layout/cycle4#2"/>
-    <dgm:cxn modelId="{B7D7A832-6832-4554-9036-9CAB298139A5}" srcId="{52F107A7-7F56-445A-A494-A40BFF1D8022}" destId="{B760797E-446E-42E2-B0A3-B56202F1FCAA}" srcOrd="0" destOrd="0" parTransId="{34A872A5-9B4E-4664-9DAA-2F2F51588E28}" sibTransId="{367F8124-A2A2-4DCD-956D-713E3E9AD049}"/>
-    <dgm:cxn modelId="{BDF50867-0CB6-47C1-AA84-A90982062ABE}" type="presOf" srcId="{5C810117-A17C-4304-B4B3-E1779C7EAC75}" destId="{D1237CE6-608C-4BAD-9D9E-2616FDF53B8B}" srcOrd="1" destOrd="1" presId="urn:microsoft.com/office/officeart/2005/8/layout/cycle4#2"/>
+    <dgm:cxn modelId="{4868223F-B044-45DB-9940-3C5A1AE665E0}" type="presOf" srcId="{10072715-D2E7-4D5A-AB39-E43AF8A05996}" destId="{BEED1F87-FF68-467A-A67E-9CAACEA2B51E}" srcOrd="1" destOrd="1" presId="urn:microsoft.com/office/officeart/2005/8/layout/cycle4#2"/>
+    <dgm:cxn modelId="{9A72332B-9BC0-4737-81E4-3D12A2B5E831}" type="presOf" srcId="{0F497B43-3AB3-49ED-B480-B33C188931D4}" destId="{56F22035-025B-40EF-A575-1CBD3F36B30A}" srcOrd="0" destOrd="0" presId="urn:microsoft.com/office/officeart/2005/8/layout/cycle4#2"/>
+    <dgm:cxn modelId="{0EC3EF22-A3E5-4A3C-B394-40FF21AA4793}" type="presOf" srcId="{35F770E6-E543-44D3-B7A0-00CF59BE7825}" destId="{87BB4812-2E13-4BDB-B894-129CF83F275F}" srcOrd="0" destOrd="0" presId="urn:microsoft.com/office/officeart/2005/8/layout/cycle4#2"/>
+    <dgm:cxn modelId="{4797535E-1B80-4CEA-BD43-883910DE7F02}" type="presOf" srcId="{F5980E61-0E99-429A-9F30-A0B0BCC7FC0A}" destId="{D1237CE6-608C-4BAD-9D9E-2616FDF53B8B}" srcOrd="1" destOrd="0" presId="urn:microsoft.com/office/officeart/2005/8/layout/cycle4#2"/>
+    <dgm:cxn modelId="{A577CD3C-5BF4-4930-9E1A-9DF04268B581}" srcId="{52F107A7-7F56-445A-A494-A40BFF1D8022}" destId="{10072715-D2E7-4D5A-AB39-E43AF8A05996}" srcOrd="1" destOrd="0" parTransId="{B3B5CDC8-6876-4872-9846-6B10734A2A8A}" sibTransId="{F913EE1D-E9AE-454F-83AB-05C0100D5CB2}"/>
     <dgm:cxn modelId="{E7BA98AC-107C-4503-8086-8514EF398F42}" type="presOf" srcId="{DAECA2CA-2661-412E-AE85-C3A20FBE5FCD}" destId="{22EF02C7-195D-45ED-BD8B-8B4F79FABED7}" srcOrd="0" destOrd="0" presId="urn:microsoft.com/office/officeart/2005/8/layout/cycle4#2"/>
-    <dgm:cxn modelId="{9A72332B-9BC0-4737-81E4-3D12A2B5E831}" type="presOf" srcId="{0F497B43-3AB3-49ED-B480-B33C188931D4}" destId="{56F22035-025B-40EF-A575-1CBD3F36B30A}" srcOrd="0" destOrd="0" presId="urn:microsoft.com/office/officeart/2005/8/layout/cycle4#2"/>
+    <dgm:cxn modelId="{86C1D1B9-3C43-44CF-AC51-29B587181CFE}" type="presOf" srcId="{4FE905A7-7271-42F0-BFF4-952EC0A2B290}" destId="{77F84C51-0010-4923-87AF-53C322104D97}" srcOrd="0" destOrd="0" presId="urn:microsoft.com/office/officeart/2005/8/layout/cycle4#2"/>
+    <dgm:cxn modelId="{453D3ABC-C5BB-410E-886D-39A24BF526C2}" type="presOf" srcId="{168E8437-CEC9-46A3-B60F-4AE637C8AB34}" destId="{A42844D4-CF61-46EB-9411-31A9060C43A2}" srcOrd="0" destOrd="1" presId="urn:microsoft.com/office/officeart/2005/8/layout/cycle4#2"/>
+    <dgm:cxn modelId="{69F82A56-5668-439F-8C33-2E5E63C65FB5}" srcId="{99BBFA8F-D86B-4935-B82A-C776A61A1484}" destId="{C14EA41B-E488-4C6B-B60E-293BDFD69BB3}" srcOrd="0" destOrd="0" parTransId="{2962CE49-DEEF-4241-9D7C-595CD589CDFC}" sibTransId="{5730E4C6-5048-40C0-B4B5-83D92B2009F7}"/>
+    <dgm:cxn modelId="{B46C9524-1C82-4C3F-8D9D-744098B055F7}" srcId="{0F497B43-3AB3-49ED-B480-B33C188931D4}" destId="{F5980E61-0E99-429A-9F30-A0B0BCC7FC0A}" srcOrd="0" destOrd="0" parTransId="{826ECAF4-6B0B-4C96-93F2-8A513DF86D5C}" sibTransId="{DAD473F7-273F-48CF-A591-E6849FC0FD5D}"/>
+    <dgm:cxn modelId="{E1BB71AA-F8AD-4B9D-A0D6-C4C5B3714151}" type="presOf" srcId="{99BBFA8F-D86B-4935-B82A-C776A61A1484}" destId="{F4A3C5F3-3AAD-4360-9C14-66DA25B31EA2}" srcOrd="0" destOrd="0" presId="urn:microsoft.com/office/officeart/2005/8/layout/cycle4#2"/>
     <dgm:cxn modelId="{C202AD80-7F39-4186-A425-01ECF5E06562}" type="presOf" srcId="{52F107A7-7F56-445A-A494-A40BFF1D8022}" destId="{6718675A-70DE-44E9-B5AF-9DBE7E86FF11}" srcOrd="0" destOrd="0" presId="urn:microsoft.com/office/officeart/2005/8/layout/cycle4#2"/>
-    <dgm:cxn modelId="{8DEDDAD1-59D8-462C-8104-3F11B5D5CD39}" srcId="{0F497B43-3AB3-49ED-B480-B33C188931D4}" destId="{5C810117-A17C-4304-B4B3-E1779C7EAC75}" srcOrd="1" destOrd="0" parTransId="{34E1289E-77CB-4B45-8B2E-EDF70129CAFB}" sibTransId="{7B3B9BE6-62AB-4E45-904C-C3118AD96D2E}"/>
-    <dgm:cxn modelId="{198966EE-DD31-4464-BB09-EDFB792FF63F}" type="presOf" srcId="{F5980E61-0E99-429A-9F30-A0B0BCC7FC0A}" destId="{7162870F-9F28-47A4-88B9-3622613575D2}" srcOrd="0" destOrd="0" presId="urn:microsoft.com/office/officeart/2005/8/layout/cycle4#2"/>
-    <dgm:cxn modelId="{B46C9524-1C82-4C3F-8D9D-744098B055F7}" srcId="{0F497B43-3AB3-49ED-B480-B33C188931D4}" destId="{F5980E61-0E99-429A-9F30-A0B0BCC7FC0A}" srcOrd="0" destOrd="0" parTransId="{826ECAF4-6B0B-4C96-93F2-8A513DF86D5C}" sibTransId="{DAD473F7-273F-48CF-A591-E6849FC0FD5D}"/>
-    <dgm:cxn modelId="{C1FDB0F3-258F-402A-BEE9-1408D697A3DD}" type="presOf" srcId="{C14EA41B-E488-4C6B-B60E-293BDFD69BB3}" destId="{F32F7251-C655-419B-B80F-877BC528CBC6}" srcOrd="1" destOrd="0" presId="urn:microsoft.com/office/officeart/2005/8/layout/cycle4#2"/>
-    <dgm:cxn modelId="{E1BB71AA-F8AD-4B9D-A0D6-C4C5B3714151}" type="presOf" srcId="{99BBFA8F-D86B-4935-B82A-C776A61A1484}" destId="{F4A3C5F3-3AAD-4360-9C14-66DA25B31EA2}" srcOrd="0" destOrd="0" presId="urn:microsoft.com/office/officeart/2005/8/layout/cycle4#2"/>
-    <dgm:cxn modelId="{FCAC01C8-C7DE-497E-9AA6-334B39C8F10E}" srcId="{DAECA2CA-2661-412E-AE85-C3A20FBE5FCD}" destId="{52F107A7-7F56-445A-A494-A40BFF1D8022}" srcOrd="0" destOrd="0" parTransId="{A9B64128-7D44-4D5C-8D93-48810EA749C0}" sibTransId="{3C7D7EC5-D108-46C5-BE2B-ED2FEF7BB26F}"/>
-    <dgm:cxn modelId="{69B63970-8EC8-4D68-AFDB-7D0C21F29099}" srcId="{35F770E6-E543-44D3-B7A0-00CF59BE7825}" destId="{4FE905A7-7271-42F0-BFF4-952EC0A2B290}" srcOrd="0" destOrd="0" parTransId="{A3057527-0D6B-4D75-9216-CE139594CD97}" sibTransId="{8220E624-C409-413F-A0B2-86F08462E504}"/>
-    <dgm:cxn modelId="{C32AF052-BFD5-42E6-965F-3E4434041DC1}" srcId="{DAECA2CA-2661-412E-AE85-C3A20FBE5FCD}" destId="{35F770E6-E543-44D3-B7A0-00CF59BE7825}" srcOrd="3" destOrd="0" parTransId="{4008CC11-3885-43DC-AD98-DC4620CFC862}" sibTransId="{3184E711-27A8-4B0E-BA8B-D8CD05DCD0B4}"/>
-    <dgm:cxn modelId="{B0B1F30B-726C-4639-A034-7572180750C3}" type="presOf" srcId="{4FE905A7-7271-42F0-BFF4-952EC0A2B290}" destId="{89BC4B9F-E9BE-42F2-8394-3AFE64BADC77}" srcOrd="1" destOrd="0" presId="urn:microsoft.com/office/officeart/2005/8/layout/cycle4#2"/>
-    <dgm:cxn modelId="{0FC12F80-B8A0-46D0-B328-F4AC99B654AD}" type="presOf" srcId="{B760797E-446E-42E2-B0A3-B56202F1FCAA}" destId="{BEED1F87-FF68-467A-A67E-9CAACEA2B51E}" srcOrd="1" destOrd="0" presId="urn:microsoft.com/office/officeart/2005/8/layout/cycle4#2"/>
-    <dgm:cxn modelId="{4868223F-B044-45DB-9940-3C5A1AE665E0}" type="presOf" srcId="{10072715-D2E7-4D5A-AB39-E43AF8A05996}" destId="{BEED1F87-FF68-467A-A67E-9CAACEA2B51E}" srcOrd="1" destOrd="1" presId="urn:microsoft.com/office/officeart/2005/8/layout/cycle4#2"/>
-    <dgm:cxn modelId="{63AE9939-FA1C-4DB8-93C5-35E242A75859}" type="presOf" srcId="{5C810117-A17C-4304-B4B3-E1779C7EAC75}" destId="{7162870F-9F28-47A4-88B9-3622613575D2}" srcOrd="0" destOrd="1" presId="urn:microsoft.com/office/officeart/2005/8/layout/cycle4#2"/>
-    <dgm:cxn modelId="{17D91092-E9DC-4B2C-AAD9-AA3120F530B7}" type="presOf" srcId="{C14EA41B-E488-4C6B-B60E-293BDFD69BB3}" destId="{A42844D4-CF61-46EB-9411-31A9060C43A2}" srcOrd="0" destOrd="0" presId="urn:microsoft.com/office/officeart/2005/8/layout/cycle4#2"/>
-    <dgm:cxn modelId="{453D3ABC-C5BB-410E-886D-39A24BF526C2}" type="presOf" srcId="{168E8437-CEC9-46A3-B60F-4AE637C8AB34}" destId="{A42844D4-CF61-46EB-9411-31A9060C43A2}" srcOrd="0" destOrd="1" presId="urn:microsoft.com/office/officeart/2005/8/layout/cycle4#2"/>
-    <dgm:cxn modelId="{9805BAC1-5C44-4662-B10F-3BC0CF8588E4}" type="presOf" srcId="{76753763-4C07-47A9-8EC7-8456CB385D4F}" destId="{89BC4B9F-E9BE-42F2-8394-3AFE64BADC77}" srcOrd="1" destOrd="1" presId="urn:microsoft.com/office/officeart/2005/8/layout/cycle4#2"/>
-    <dgm:cxn modelId="{86C1D1B9-3C43-44CF-AC51-29B587181CFE}" type="presOf" srcId="{4FE905A7-7271-42F0-BFF4-952EC0A2B290}" destId="{77F84C51-0010-4923-87AF-53C322104D97}" srcOrd="0" destOrd="0" presId="urn:microsoft.com/office/officeart/2005/8/layout/cycle4#2"/>
-    <dgm:cxn modelId="{E1FCDD25-985B-4BBD-A6A7-5FC60D4488DB}" type="presOf" srcId="{76753763-4C07-47A9-8EC7-8456CB385D4F}" destId="{77F84C51-0010-4923-87AF-53C322104D97}" srcOrd="0" destOrd="1" presId="urn:microsoft.com/office/officeart/2005/8/layout/cycle4#2"/>
-    <dgm:cxn modelId="{A577CD3C-5BF4-4930-9E1A-9DF04268B581}" srcId="{52F107A7-7F56-445A-A494-A40BFF1D8022}" destId="{10072715-D2E7-4D5A-AB39-E43AF8A05996}" srcOrd="1" destOrd="0" parTransId="{B3B5CDC8-6876-4872-9846-6B10734A2A8A}" sibTransId="{F913EE1D-E9AE-454F-83AB-05C0100D5CB2}"/>
-    <dgm:cxn modelId="{1942B356-460F-41EB-BBB7-164875A2A2A6}" type="presOf" srcId="{10072715-D2E7-4D5A-AB39-E43AF8A05996}" destId="{8A2642FA-7F26-4103-BB47-2B53943E1A3F}" srcOrd="0" destOrd="1" presId="urn:microsoft.com/office/officeart/2005/8/layout/cycle4#2"/>
-    <dgm:cxn modelId="{7E6D187F-2B64-4285-89BD-07947565DD76}" type="presOf" srcId="{B760797E-446E-42E2-B0A3-B56202F1FCAA}" destId="{8A2642FA-7F26-4103-BB47-2B53943E1A3F}" srcOrd="0" destOrd="0" presId="urn:microsoft.com/office/officeart/2005/8/layout/cycle4#2"/>
-    <dgm:cxn modelId="{C7E74698-83E4-457F-AD71-AFDDD6748A62}" srcId="{DAECA2CA-2661-412E-AE85-C3A20FBE5FCD}" destId="{0F497B43-3AB3-49ED-B480-B33C188931D4}" srcOrd="2" destOrd="0" parTransId="{3C86BECF-7E5C-444B-B0FD-D246D3C876AD}" sibTransId="{11E97AEA-476B-489C-B542-69A4A8A17A06}"/>
-    <dgm:cxn modelId="{9861FB2C-2A87-405E-BB72-067B56336D39}" srcId="{35F770E6-E543-44D3-B7A0-00CF59BE7825}" destId="{76753763-4C07-47A9-8EC7-8456CB385D4F}" srcOrd="1" destOrd="0" parTransId="{84D37303-93BB-45F5-86DC-91951783E4AD}" sibTransId="{EDFEE7C8-A16A-437C-BAD9-844806C1AE86}"/>
-    <dgm:cxn modelId="{69F82A56-5668-439F-8C33-2E5E63C65FB5}" srcId="{99BBFA8F-D86B-4935-B82A-C776A61A1484}" destId="{C14EA41B-E488-4C6B-B60E-293BDFD69BB3}" srcOrd="0" destOrd="0" parTransId="{2962CE49-DEEF-4241-9D7C-595CD589CDFC}" sibTransId="{5730E4C6-5048-40C0-B4B5-83D92B2009F7}"/>
-    <dgm:cxn modelId="{0EC3EF22-A3E5-4A3C-B394-40FF21AA4793}" type="presOf" srcId="{35F770E6-E543-44D3-B7A0-00CF59BE7825}" destId="{87BB4812-2E13-4BDB-B894-129CF83F275F}" srcOrd="0" destOrd="0" presId="urn:microsoft.com/office/officeart/2005/8/layout/cycle4#2"/>
-    <dgm:cxn modelId="{9E799A22-B521-4C6E-BEED-AEF45CDD7AE8}" srcId="{99BBFA8F-D86B-4935-B82A-C776A61A1484}" destId="{168E8437-CEC9-46A3-B60F-4AE637C8AB34}" srcOrd="1" destOrd="0" parTransId="{AAED8AB3-F260-4EEE-8E02-B4C4187B66C8}" sibTransId="{99390C74-C193-4DD4-A652-0CB022B5380C}"/>
-    <dgm:cxn modelId="{4797535E-1B80-4CEA-BD43-883910DE7F02}" type="presOf" srcId="{F5980E61-0E99-429A-9F30-A0B0BCC7FC0A}" destId="{D1237CE6-608C-4BAD-9D9E-2616FDF53B8B}" srcOrd="1" destOrd="0" presId="urn:microsoft.com/office/officeart/2005/8/layout/cycle4#2"/>
     <dgm:cxn modelId="{07AD6CD6-588F-45DF-ABFD-3A0B62AA9FD8}" type="presParOf" srcId="{22EF02C7-195D-45ED-BD8B-8B4F79FABED7}" destId="{3D8698E4-4D68-4B90-B435-F134F844C1B0}" srcOrd="0" destOrd="0" presId="urn:microsoft.com/office/officeart/2005/8/layout/cycle4#2"/>
     <dgm:cxn modelId="{57D96B00-A491-4110-8F61-2D7B08A0B498}" type="presParOf" srcId="{3D8698E4-4D68-4B90-B435-F134F844C1B0}" destId="{34C44AA9-E2B1-4B5F-80FC-928A194532D5}" srcOrd="0" destOrd="0" presId="urn:microsoft.com/office/officeart/2005/8/layout/cycle4#2"/>
     <dgm:cxn modelId="{197B0CB6-292B-4F74-BBD1-D0DA3B335A45}" type="presParOf" srcId="{34C44AA9-E2B1-4B5F-80FC-928A194532D5}" destId="{8A2642FA-7F26-4103-BB47-2B53943E1A3F}" srcOrd="0" destOrd="0" presId="urn:microsoft.com/office/officeart/2005/8/layout/cycle4#2"/>
@@ -26607,150 +26607,257 @@
           <a:chExt cx="0" cy="0"/>
         </a:xfrm>
       </p:grpSpPr>
-      <p:pic>
-        <p:nvPicPr>
-          <p:cNvPr id="6" name="Marcador de contenido 3"/>
-          <p:cNvPicPr>
-            <a:picLocks noChangeAspect="1"/>
-          </p:cNvPicPr>
-          <p:nvPr/>
-        </p:nvPicPr>
-        <p:blipFill rotWithShape="1">
-          <a:blip r:embed="rId2" cstate="print">
-            <a:alphaModFix amt="35000"/>
-          </a:blip>
-          <a:srcRect t="4855" b="7935"/>
-          <a:stretch/>
-        </p:blipFill>
+      <p:sp>
+        <p:nvSpPr>
+          <p:cNvPr id="7" name="Rectangle 6"/>
+          <p:cNvSpPr>
+            <a:spLocks noGrp="1" noRot="1" noChangeAspect="1" noMove="1" noResize="1" noEditPoints="1" noAdjustHandles="1" noChangeArrowheads="1" noChangeShapeType="1" noTextEdit="1"/>
+          </p:cNvSpPr>
+          <p:nvPr>
+            <p:extLst>
+              <p:ext uri="{386F3935-93C4-4BCD-93E2-E3B085C9AB24}">
+                <p16:designElem xmlns:p16="http://schemas.microsoft.com/office/powerpoint/2015/main" val="1"/>
+              </p:ext>
+            </p:extLst>
+          </p:nvPr>
+        </p:nvSpPr>
         <p:spPr>
           <a:xfrm>
-            <a:off x="20" y="10"/>
-            <a:ext cx="12191980" cy="6857990"/>
+            <a:off x="0" y="-3324"/>
+            <a:ext cx="12192000" cy="6861324"/>
           </a:xfrm>
           <a:prstGeom prst="rect">
             <a:avLst/>
           </a:prstGeom>
+          <a:solidFill>
+            <a:srgbClr val="404040"/>
+          </a:solidFill>
+          <a:ln>
+            <a:noFill/>
+          </a:ln>
         </p:spPr>
-      </p:pic>
+        <p:style>
+          <a:lnRef idx="2">
+            <a:schemeClr val="accent1">
+              <a:shade val="50000"/>
+            </a:schemeClr>
+          </a:lnRef>
+          <a:fillRef idx="1">
+            <a:schemeClr val="accent1"/>
+          </a:fillRef>
+          <a:effectRef idx="0">
+            <a:schemeClr val="accent1"/>
+          </a:effectRef>
+          <a:fontRef idx="minor">
+            <a:schemeClr val="lt1"/>
+          </a:fontRef>
+        </p:style>
+        <p:txBody>
+          <a:bodyPr rtlCol="0" anchor="ctr"/>
+          <a:lstStyle/>
+          <a:p>
+            <a:pPr algn="ctr"/>
+            <a:endParaRPr lang="en-US"/>
+          </a:p>
+        </p:txBody>
+      </p:sp>
       <p:sp>
         <p:nvSpPr>
-          <p:cNvPr id="5" name="CuadroTexto 4"/>
-          <p:cNvSpPr txBox="1"/>
-          <p:nvPr/>
+          <p:cNvPr id="8" name="Freeform 13"/>
+          <p:cNvSpPr>
+            <a:spLocks noGrp="1" noRot="1" noChangeAspect="1" noMove="1" noResize="1" noEditPoints="1" noAdjustHandles="1" noChangeArrowheads="1" noChangeShapeType="1" noTextEdit="1"/>
+          </p:cNvSpPr>
+          <p:nvPr>
+            <p:extLst>
+              <p:ext uri="{386F3935-93C4-4BCD-93E2-E3B085C9AB24}">
+                <p16:designElem xmlns:p16="http://schemas.microsoft.com/office/powerpoint/2015/main" val="1"/>
+              </p:ext>
+            </p:extLst>
+          </p:nvPr>
         </p:nvSpPr>
         <p:spPr>
           <a:xfrm>
-            <a:off x="838200" y="1687153"/>
-            <a:ext cx="10515600" cy="3539430"/>
+            <a:off x="0" y="0"/>
+            <a:ext cx="11786754" cy="6858000"/>
           </a:xfrm>
-          <a:prstGeom prst="rect">
+          <a:custGeom>
             <a:avLst/>
-          </a:prstGeom>
-          <a:noFill/>
+            <a:gdLst>
+              <a:gd name="connsiteX0" fmla="*/ 0 w 11786754"/>
+              <a:gd name="connsiteY0" fmla="*/ 0 h 6858000"/>
+              <a:gd name="connsiteX1" fmla="*/ 8610600 w 11786754"/>
+              <a:gd name="connsiteY1" fmla="*/ 0 h 6858000"/>
+              <a:gd name="connsiteX2" fmla="*/ 11786754 w 11786754"/>
+              <a:gd name="connsiteY2" fmla="*/ 6858000 h 6858000"/>
+              <a:gd name="connsiteX3" fmla="*/ 0 w 11786754"/>
+              <a:gd name="connsiteY3" fmla="*/ 6858000 h 6858000"/>
+            </a:gdLst>
+            <a:ahLst/>
+            <a:cxnLst>
+              <a:cxn ang="0">
+                <a:pos x="connsiteX0" y="connsiteY0"/>
+              </a:cxn>
+              <a:cxn ang="0">
+                <a:pos x="connsiteX1" y="connsiteY1"/>
+              </a:cxn>
+              <a:cxn ang="0">
+                <a:pos x="connsiteX2" y="connsiteY2"/>
+              </a:cxn>
+              <a:cxn ang="0">
+                <a:pos x="connsiteX3" y="connsiteY3"/>
+              </a:cxn>
+            </a:cxnLst>
+            <a:rect l="l" t="t" r="r" b="b"/>
+            <a:pathLst>
+              <a:path w="11786754" h="6858000">
+                <a:moveTo>
+                  <a:pt x="0" y="0"/>
+                </a:moveTo>
+                <a:lnTo>
+                  <a:pt x="8610600" y="0"/>
+                </a:lnTo>
+                <a:lnTo>
+                  <a:pt x="11786754" y="6858000"/>
+                </a:lnTo>
+                <a:lnTo>
+                  <a:pt x="0" y="6858000"/>
+                </a:lnTo>
+                <a:close/>
+              </a:path>
+            </a:pathLst>
+          </a:custGeom>
+          <a:solidFill>
+            <a:schemeClr val="bg1">
+              <a:alpha val="30000"/>
+            </a:schemeClr>
+          </a:solidFill>
+          <a:ln>
+            <a:noFill/>
+          </a:ln>
         </p:spPr>
+        <p:style>
+          <a:lnRef idx="2">
+            <a:schemeClr val="accent1">
+              <a:shade val="50000"/>
+            </a:schemeClr>
+          </a:lnRef>
+          <a:fillRef idx="1">
+            <a:schemeClr val="accent1"/>
+          </a:fillRef>
+          <a:effectRef idx="0">
+            <a:schemeClr val="accent1"/>
+          </a:effectRef>
+          <a:fontRef idx="minor">
+            <a:schemeClr val="lt1"/>
+          </a:fontRef>
+        </p:style>
         <p:txBody>
-          <a:bodyPr wrap="square" rtlCol="0">
-            <a:spAutoFit/>
+          <a:bodyPr rtlCol="0" anchor="ctr"/>
+          <a:lstStyle/>
+          <a:p>
+            <a:pPr algn="ctr"/>
+            <a:endParaRPr lang="en-US"/>
+          </a:p>
+        </p:txBody>
+      </p:sp>
+      <p:sp>
+        <p:nvSpPr>
+          <p:cNvPr id="9" name="Freeform 11"/>
+          <p:cNvSpPr>
+            <a:spLocks noGrp="1" noRot="1" noChangeAspect="1" noMove="1" noResize="1" noEditPoints="1" noAdjustHandles="1" noChangeArrowheads="1" noChangeShapeType="1" noTextEdit="1"/>
+          </p:cNvSpPr>
+          <p:nvPr>
+            <p:extLst>
+              <p:ext uri="{386F3935-93C4-4BCD-93E2-E3B085C9AB24}">
+                <p16:designElem xmlns:p16="http://schemas.microsoft.com/office/powerpoint/2015/main" val="1"/>
+              </p:ext>
+            </p:extLst>
+          </p:nvPr>
+        </p:nvSpPr>
+        <p:spPr>
+          <a:xfrm>
+            <a:off x="0" y="0"/>
+            <a:ext cx="3581400" cy="6858000"/>
+          </a:xfrm>
+          <a:custGeom>
+            <a:avLst/>
+            <a:gdLst>
+              <a:gd name="connsiteX0" fmla="*/ 0 w 3581400"/>
+              <a:gd name="connsiteY0" fmla="*/ 0 h 6858000"/>
+              <a:gd name="connsiteX1" fmla="*/ 405246 w 3581400"/>
+              <a:gd name="connsiteY1" fmla="*/ 0 h 6858000"/>
+              <a:gd name="connsiteX2" fmla="*/ 3581400 w 3581400"/>
+              <a:gd name="connsiteY2" fmla="*/ 6858000 h 6858000"/>
+              <a:gd name="connsiteX3" fmla="*/ 0 w 3581400"/>
+              <a:gd name="connsiteY3" fmla="*/ 6858000 h 6858000"/>
+            </a:gdLst>
+            <a:ahLst/>
+            <a:cxnLst>
+              <a:cxn ang="0">
+                <a:pos x="connsiteX0" y="connsiteY0"/>
+              </a:cxn>
+              <a:cxn ang="0">
+                <a:pos x="connsiteX1" y="connsiteY1"/>
+              </a:cxn>
+              <a:cxn ang="0">
+                <a:pos x="connsiteX2" y="connsiteY2"/>
+              </a:cxn>
+              <a:cxn ang="0">
+                <a:pos x="connsiteX3" y="connsiteY3"/>
+              </a:cxn>
+            </a:cxnLst>
+            <a:rect l="l" t="t" r="r" b="b"/>
+            <a:pathLst>
+              <a:path w="3581400" h="6858000">
+                <a:moveTo>
+                  <a:pt x="0" y="0"/>
+                </a:moveTo>
+                <a:lnTo>
+                  <a:pt x="405246" y="0"/>
+                </a:lnTo>
+                <a:lnTo>
+                  <a:pt x="3581400" y="6858000"/>
+                </a:lnTo>
+                <a:lnTo>
+                  <a:pt x="0" y="6858000"/>
+                </a:lnTo>
+                <a:close/>
+              </a:path>
+            </a:pathLst>
+          </a:custGeom>
+          <a:solidFill>
+            <a:schemeClr val="bg1">
+              <a:alpha val="30000"/>
+            </a:schemeClr>
+          </a:solidFill>
+          <a:ln>
+            <a:noFill/>
+          </a:ln>
+        </p:spPr>
+        <p:style>
+          <a:lnRef idx="2">
+            <a:schemeClr val="accent1">
+              <a:shade val="50000"/>
+            </a:schemeClr>
+          </a:lnRef>
+          <a:fillRef idx="1">
+            <a:schemeClr val="accent1"/>
+          </a:fillRef>
+          <a:effectRef idx="0">
+            <a:schemeClr val="accent1"/>
+          </a:effectRef>
+          <a:fontRef idx="minor">
+            <a:schemeClr val="lt1"/>
+          </a:fontRef>
+        </p:style>
+        <p:txBody>
+          <a:bodyPr wrap="square" rtlCol="0" anchor="ctr">
+            <a:noAutofit/>
           </a:bodyPr>
           <a:lstStyle/>
           <a:p>
-            <a:r>
-              <a:rPr lang="es-ES" sz="2400" dirty="0"/>
-              <a:t>Vamos a obtener los datos históricos de diferentes plazas del mundo:</a:t>
-            </a:r>
-          </a:p>
-          <a:p>
-            <a:pPr marL="342900" indent="-342900">
-              <a:buFont typeface="Arial" panose="020B0604020202020204" pitchFamily="34" charset="0"/>
-              <a:buChar char="•"/>
-            </a:pPr>
-            <a:r>
-              <a:rPr lang="es-ES" sz="2400" dirty="0"/>
-              <a:t>IBEX35 (España)</a:t>
-            </a:r>
-          </a:p>
-          <a:p>
-            <a:pPr marL="342900" indent="-342900">
-              <a:buFont typeface="Arial" panose="020B0604020202020204" pitchFamily="34" charset="0"/>
-              <a:buChar char="•"/>
-            </a:pPr>
-            <a:r>
-              <a:rPr lang="es-ES" sz="2400" dirty="0"/>
-              <a:t>Dow Jones (Estados Unidos de América)</a:t>
-            </a:r>
-          </a:p>
-          <a:p>
-            <a:pPr marL="342900" indent="-342900">
-              <a:buFont typeface="Arial" panose="020B0604020202020204" pitchFamily="34" charset="0"/>
-              <a:buChar char="•"/>
-            </a:pPr>
-            <a:r>
-              <a:rPr lang="es-ES" sz="2400" dirty="0"/>
-              <a:t>Euro Stoxx50 (Común de Europa)</a:t>
-            </a:r>
-          </a:p>
-          <a:p>
-            <a:pPr marL="342900" indent="-342900">
-              <a:buFont typeface="Arial" panose="020B0604020202020204" pitchFamily="34" charset="0"/>
-              <a:buChar char="•"/>
-            </a:pPr>
-            <a:r>
-              <a:rPr lang="es-ES" sz="2400" dirty="0"/>
-              <a:t>Nikkei225 (Japón)</a:t>
-            </a:r>
-          </a:p>
-          <a:p>
-            <a:pPr marL="342900" indent="-342900">
-              <a:buFont typeface="Arial" panose="020B0604020202020204" pitchFamily="34" charset="0"/>
-              <a:buChar char="•"/>
-            </a:pPr>
-            <a:r>
-              <a:rPr lang="es-ES" sz="2400" dirty="0" err="1"/>
-              <a:t>Dax</a:t>
-            </a:r>
-            <a:r>
-              <a:rPr lang="es-ES" sz="2400" dirty="0"/>
-              <a:t> (Alemania)</a:t>
-            </a:r>
-          </a:p>
-          <a:p>
-            <a:pPr marL="342900" indent="-342900">
-              <a:buFont typeface="Arial" panose="020B0604020202020204" pitchFamily="34" charset="0"/>
-              <a:buChar char="•"/>
-            </a:pPr>
-            <a:r>
-              <a:rPr lang="es-ES" sz="2400" dirty="0" err="1"/>
-              <a:t>Cac</a:t>
-            </a:r>
-            <a:r>
-              <a:rPr lang="es-ES" sz="2400" dirty="0"/>
-              <a:t> 40 (Francia)</a:t>
-            </a:r>
-          </a:p>
-          <a:p>
-            <a:r>
-              <a:rPr lang="es-ES" sz="2400" dirty="0"/>
-              <a:t>Utilizamos los datos de </a:t>
-            </a:r>
-            <a:r>
-              <a:rPr lang="es-ES" sz="3200" dirty="0"/>
-              <a:t>CIERRE</a:t>
-            </a:r>
-            <a:r>
-              <a:rPr lang="es-ES" sz="2400" dirty="0"/>
-              <a:t> de las bolsas.</a:t>
-            </a:r>
-          </a:p>
-          <a:p>
-            <a:r>
-              <a:rPr lang="es-ES" sz="2400" dirty="0"/>
-              <a:t>Los datos los obtenemos gracias a la API de Python de </a:t>
-            </a:r>
-            <a:r>
-              <a:rPr lang="es-ES" sz="2400" dirty="0" err="1"/>
-              <a:t>Quandl</a:t>
-            </a:r>
-            <a:endParaRPr lang="es-ES" sz="2400" dirty="0"/>
+            <a:pPr algn="ctr"/>
+            <a:endParaRPr lang="en-US"/>
           </a:p>
         </p:txBody>
       </p:sp>
@@ -26766,37 +26873,341 @@
         </p:nvSpPr>
         <p:spPr>
           <a:xfrm>
-            <a:off x="838200" y="365125"/>
-            <a:ext cx="10515600" cy="1325563"/>
+            <a:off x="833002" y="365125"/>
+            <a:ext cx="10520702" cy="1325563"/>
           </a:xfrm>
         </p:spPr>
         <p:txBody>
-          <a:bodyPr>
+          <a:bodyPr vert="horz" lIns="91440" tIns="45720" rIns="91440" bIns="45720" rtlCol="0" anchor="ctr">
             <a:normAutofit/>
           </a:bodyPr>
           <a:lstStyle/>
           <a:p>
             <a:r>
-              <a:rPr lang="es-ES" sz="5400" dirty="0">
-                <a:solidFill>
-                  <a:srgbClr val="FFFFFF"/>
-                </a:solidFill>
-              </a:rPr>
+              <a:rPr lang="en-US" sz="5400" dirty="0"/>
               <a:t>OBTENCION DE DATOS</a:t>
             </a:r>
+          </a:p>
+        </p:txBody>
+      </p:sp>
+      <p:sp>
+        <p:nvSpPr>
+          <p:cNvPr id="5" name="CuadroTexto 4"/>
+          <p:cNvSpPr txBox="1"/>
+          <p:nvPr/>
+        </p:nvSpPr>
+        <p:spPr>
+          <a:xfrm>
+            <a:off x="838201" y="1690689"/>
+            <a:ext cx="10515598" cy="4486274"/>
+          </a:xfrm>
+          <a:prstGeom prst="rect">
+            <a:avLst/>
+          </a:prstGeom>
+        </p:spPr>
+        <p:txBody>
+          <a:bodyPr vert="horz" lIns="91440" tIns="45720" rIns="91440" bIns="45720" rtlCol="0">
+            <a:normAutofit/>
+          </a:bodyPr>
+          <a:lstStyle/>
+          <a:p>
+            <a:pPr indent="-228600">
+              <a:lnSpc>
+                <a:spcPct val="90000"/>
+              </a:lnSpc>
+              <a:buFont typeface="Arial" panose="020B0604020202020204" pitchFamily="34" charset="0"/>
+              <a:buChar char="•"/>
+            </a:pPr>
+            <a:r>
+              <a:rPr lang="en-US" sz="2400" dirty="0" err="1"/>
+              <a:t>Vamos</a:t>
+            </a:r>
+            <a:r>
+              <a:rPr lang="en-US" sz="2400" dirty="0"/>
+              <a:t> a </a:t>
+            </a:r>
+            <a:r>
+              <a:rPr lang="en-US" sz="2400" dirty="0" err="1"/>
+              <a:t>obtener</a:t>
+            </a:r>
+            <a:r>
+              <a:rPr lang="en-US" sz="2400" dirty="0"/>
+              <a:t> </a:t>
+            </a:r>
+            <a:r>
+              <a:rPr lang="en-US" sz="2400" dirty="0" err="1"/>
+              <a:t>los</a:t>
+            </a:r>
+            <a:r>
+              <a:rPr lang="en-US" sz="2400" dirty="0"/>
+              <a:t> </a:t>
+            </a:r>
+            <a:r>
+              <a:rPr lang="en-US" sz="2400" dirty="0" err="1"/>
+              <a:t>datos</a:t>
+            </a:r>
+            <a:r>
+              <a:rPr lang="en-US" sz="2400" dirty="0"/>
+              <a:t> </a:t>
+            </a:r>
+            <a:r>
+              <a:rPr lang="en-US" sz="2400" dirty="0" err="1"/>
+              <a:t>históricos</a:t>
+            </a:r>
+            <a:r>
+              <a:rPr lang="en-US" sz="2400" dirty="0"/>
+              <a:t> de </a:t>
+            </a:r>
+            <a:r>
+              <a:rPr lang="en-US" sz="2400" dirty="0" err="1"/>
+              <a:t>diferentes</a:t>
+            </a:r>
+            <a:r>
+              <a:rPr lang="en-US" sz="2400" dirty="0"/>
+              <a:t> plazas del </a:t>
+            </a:r>
+            <a:r>
+              <a:rPr lang="en-US" sz="2400" dirty="0" err="1"/>
+              <a:t>mundo</a:t>
+            </a:r>
+            <a:r>
+              <a:rPr lang="en-US" sz="2400" dirty="0"/>
+              <a:t>:</a:t>
+            </a:r>
+          </a:p>
+          <a:p>
+            <a:pPr marL="342900" indent="-228600">
+              <a:lnSpc>
+                <a:spcPct val="90000"/>
+              </a:lnSpc>
+              <a:buFont typeface="Arial" panose="020B0604020202020204" pitchFamily="34" charset="0"/>
+              <a:buChar char="•"/>
+            </a:pPr>
+            <a:r>
+              <a:rPr lang="en-US" sz="2400" dirty="0"/>
+              <a:t>IBEX35 (</a:t>
+            </a:r>
+            <a:r>
+              <a:rPr lang="en-US" sz="2400" dirty="0" err="1"/>
+              <a:t>España</a:t>
+            </a:r>
+            <a:r>
+              <a:rPr lang="en-US" sz="2400" dirty="0"/>
+              <a:t>)</a:t>
+            </a:r>
+          </a:p>
+          <a:p>
+            <a:pPr marL="342900" indent="-228600">
+              <a:lnSpc>
+                <a:spcPct val="90000"/>
+              </a:lnSpc>
+              <a:buFont typeface="Arial" panose="020B0604020202020204" pitchFamily="34" charset="0"/>
+              <a:buChar char="•"/>
+            </a:pPr>
+            <a:r>
+              <a:rPr lang="en-US" sz="2400" dirty="0"/>
+              <a:t>Dow Jones (</a:t>
+            </a:r>
+            <a:r>
+              <a:rPr lang="en-US" sz="2400" dirty="0" err="1"/>
+              <a:t>Estados</a:t>
+            </a:r>
+            <a:r>
+              <a:rPr lang="en-US" sz="2400" dirty="0"/>
+              <a:t> </a:t>
+            </a:r>
+            <a:r>
+              <a:rPr lang="en-US" sz="2400" dirty="0" err="1"/>
+              <a:t>Unidos</a:t>
+            </a:r>
+            <a:r>
+              <a:rPr lang="en-US" sz="2400" dirty="0"/>
+              <a:t> de América)</a:t>
+            </a:r>
+          </a:p>
+          <a:p>
+            <a:pPr marL="342900" indent="-228600">
+              <a:lnSpc>
+                <a:spcPct val="90000"/>
+              </a:lnSpc>
+              <a:buFont typeface="Arial" panose="020B0604020202020204" pitchFamily="34" charset="0"/>
+              <a:buChar char="•"/>
+            </a:pPr>
+            <a:r>
+              <a:rPr lang="en-US" sz="2400" dirty="0"/>
+              <a:t>Euro Stoxx50 (</a:t>
+            </a:r>
+            <a:r>
+              <a:rPr lang="en-US" sz="2400" dirty="0" err="1"/>
+              <a:t>Común</a:t>
+            </a:r>
+            <a:r>
+              <a:rPr lang="en-US" sz="2400" dirty="0"/>
+              <a:t> de Europa)</a:t>
+            </a:r>
+          </a:p>
+          <a:p>
+            <a:pPr marL="342900" indent="-228600">
+              <a:lnSpc>
+                <a:spcPct val="90000"/>
+              </a:lnSpc>
+              <a:buFont typeface="Arial" panose="020B0604020202020204" pitchFamily="34" charset="0"/>
+              <a:buChar char="•"/>
+            </a:pPr>
+            <a:r>
+              <a:rPr lang="en-US" sz="2400" dirty="0"/>
+              <a:t>Nikkei225 (</a:t>
+            </a:r>
+            <a:r>
+              <a:rPr lang="en-US" sz="2400" dirty="0" err="1"/>
+              <a:t>Japón</a:t>
+            </a:r>
+            <a:r>
+              <a:rPr lang="en-US" sz="2400" dirty="0"/>
+              <a:t>)</a:t>
+            </a:r>
+          </a:p>
+          <a:p>
+            <a:pPr marL="342900" indent="-228600">
+              <a:lnSpc>
+                <a:spcPct val="90000"/>
+              </a:lnSpc>
+              <a:buFont typeface="Arial" panose="020B0604020202020204" pitchFamily="34" charset="0"/>
+              <a:buChar char="•"/>
+            </a:pPr>
+            <a:r>
+              <a:rPr lang="en-US" sz="2400" dirty="0"/>
+              <a:t>Dax (</a:t>
+            </a:r>
+            <a:r>
+              <a:rPr lang="en-US" sz="2400" dirty="0" err="1"/>
+              <a:t>Alemania</a:t>
+            </a:r>
+            <a:r>
+              <a:rPr lang="en-US" sz="2400" dirty="0"/>
+              <a:t>)</a:t>
+            </a:r>
+          </a:p>
+          <a:p>
+            <a:pPr marL="342900" indent="-228600">
+              <a:lnSpc>
+                <a:spcPct val="90000"/>
+              </a:lnSpc>
+              <a:buFont typeface="Arial" panose="020B0604020202020204" pitchFamily="34" charset="0"/>
+              <a:buChar char="•"/>
+            </a:pPr>
+            <a:r>
+              <a:rPr lang="en-US" sz="2400" dirty="0" err="1"/>
+              <a:t>Cac</a:t>
+            </a:r>
+            <a:r>
+              <a:rPr lang="en-US" sz="2400" dirty="0"/>
+              <a:t> 40 (</a:t>
+            </a:r>
+            <a:r>
+              <a:rPr lang="en-US" sz="2400" dirty="0" err="1"/>
+              <a:t>Francia</a:t>
+            </a:r>
+            <a:r>
+              <a:rPr lang="en-US" sz="2400" dirty="0"/>
+              <a:t>)</a:t>
+            </a:r>
+          </a:p>
+          <a:p>
+            <a:pPr indent="-228600">
+              <a:lnSpc>
+                <a:spcPct val="90000"/>
+              </a:lnSpc>
+              <a:buFont typeface="Arial" panose="020B0604020202020204" pitchFamily="34" charset="0"/>
+              <a:buChar char="•"/>
+            </a:pPr>
+            <a:r>
+              <a:rPr lang="en-US" sz="2400" dirty="0" err="1"/>
+              <a:t>Utilizamos</a:t>
+            </a:r>
+            <a:r>
+              <a:rPr lang="en-US" sz="2400" dirty="0"/>
+              <a:t> </a:t>
+            </a:r>
+            <a:r>
+              <a:rPr lang="en-US" sz="2400" dirty="0" err="1"/>
+              <a:t>los</a:t>
+            </a:r>
+            <a:r>
+              <a:rPr lang="en-US" sz="2400" dirty="0"/>
+              <a:t> </a:t>
+            </a:r>
+            <a:r>
+              <a:rPr lang="en-US" sz="2400" dirty="0" err="1"/>
+              <a:t>datos</a:t>
+            </a:r>
+            <a:r>
+              <a:rPr lang="en-US" sz="2400" dirty="0"/>
+              <a:t> de CIERRE de las </a:t>
+            </a:r>
+            <a:r>
+              <a:rPr lang="en-US" sz="2400" dirty="0" err="1"/>
+              <a:t>bolsas</a:t>
+            </a:r>
+            <a:r>
+              <a:rPr lang="en-US" sz="2400" dirty="0"/>
+              <a:t>.</a:t>
+            </a:r>
+          </a:p>
+          <a:p>
+            <a:pPr indent="-228600">
+              <a:lnSpc>
+                <a:spcPct val="90000"/>
+              </a:lnSpc>
+              <a:buFont typeface="Arial" panose="020B0604020202020204" pitchFamily="34" charset="0"/>
+              <a:buChar char="•"/>
+            </a:pPr>
+            <a:r>
+              <a:rPr lang="en-US" sz="2400" dirty="0"/>
+              <a:t>Los </a:t>
+            </a:r>
+            <a:r>
+              <a:rPr lang="en-US" sz="2400" dirty="0" err="1"/>
+              <a:t>datos</a:t>
+            </a:r>
+            <a:r>
+              <a:rPr lang="en-US" sz="2400" dirty="0"/>
+              <a:t> </a:t>
+            </a:r>
+            <a:r>
+              <a:rPr lang="en-US" sz="2400" dirty="0" err="1"/>
+              <a:t>los</a:t>
+            </a:r>
+            <a:r>
+              <a:rPr lang="en-US" sz="2400" dirty="0"/>
+              <a:t> </a:t>
+            </a:r>
+            <a:r>
+              <a:rPr lang="en-US" sz="2400" dirty="0" err="1"/>
+              <a:t>obtenemos</a:t>
+            </a:r>
+            <a:r>
+              <a:rPr lang="en-US" sz="2400" dirty="0"/>
+              <a:t> gracias a la API de Python de </a:t>
+            </a:r>
+            <a:r>
+              <a:rPr lang="en-US" sz="2400" dirty="0" err="1"/>
+              <a:t>Quandl</a:t>
+            </a:r>
+            <a:endParaRPr lang="en-US" sz="2400" dirty="0"/>
           </a:p>
         </p:txBody>
       </p:sp>
       <p:pic>
         <p:nvPicPr>
-          <p:cNvPr id="11" name="Imagen 10"/>
+          <p:cNvPr id="12" name="Imagen 11"/>
           <p:cNvPicPr>
             <a:picLocks noChangeAspect="1"/>
           </p:cNvPicPr>
           <p:nvPr/>
         </p:nvPicPr>
         <p:blipFill>
-          <a:blip r:embed="rId3" cstate="print">
+          <a:blip r:embed="rId2" cstate="print">
             <a:extLst>
               <a:ext uri="{28A0092B-C50C-407E-A947-70E740481C1C}">
                 <a14:useLocalDpi xmlns:a14="http://schemas.microsoft.com/office/drawing/2010/main" val="0"/>

--- a/docs/PresentacionFinal.pptx
+++ b/docs/PresentacionFinal.pptx
@@ -26911,40 +26911,14 @@
           </a:bodyPr>
           <a:lstStyle/>
           <a:p>
-            <a:pPr indent="-228600">
+            <a:pPr>
               <a:lnSpc>
                 <a:spcPct val="90000"/>
               </a:lnSpc>
-              <a:buFont typeface="Arial" panose="020B0604020202020204" pitchFamily="34" charset="0"/>
-              <a:buChar char="•"/>
             </a:pPr>
             <a:r>
               <a:rPr lang="en-US" sz="2400" dirty="0" err="1"/>
-              <a:t>Vamos</a:t>
-            </a:r>
-            <a:r>
-              <a:rPr lang="en-US" sz="2400" dirty="0"/>
-              <a:t> a </a:t>
-            </a:r>
-            <a:r>
-              <a:rPr lang="en-US" sz="2400" dirty="0" err="1"/>
-              <a:t>obtener</a:t>
-            </a:r>
-            <a:r>
-              <a:rPr lang="en-US" sz="2400" dirty="0"/>
-              <a:t> </a:t>
-            </a:r>
-            <a:r>
-              <a:rPr lang="en-US" sz="2400" dirty="0" err="1"/>
-              <a:t>los</a:t>
-            </a:r>
-            <a:r>
-              <a:rPr lang="en-US" sz="2400" dirty="0"/>
-              <a:t> </a:t>
-            </a:r>
-            <a:r>
-              <a:rPr lang="en-US" sz="2400" dirty="0" err="1"/>
-              <a:t>datos</a:t>
+              <a:t>Datos</a:t>
             </a:r>
             <a:r>
               <a:rPr lang="en-US" sz="2400" dirty="0"/>
@@ -26976,7 +26950,7 @@
             </a:r>
           </a:p>
           <a:p>
-            <a:pPr marL="342900" indent="-228600">
+            <a:pPr marL="800100" lvl="1" indent="-228600">
               <a:lnSpc>
                 <a:spcPct val="90000"/>
               </a:lnSpc>
@@ -26997,7 +26971,7 @@
             </a:r>
           </a:p>
           <a:p>
-            <a:pPr marL="342900" indent="-228600">
+            <a:pPr marL="800100" lvl="1" indent="-228600">
               <a:lnSpc>
                 <a:spcPct val="90000"/>
               </a:lnSpc>
@@ -27026,7 +27000,7 @@
             </a:r>
           </a:p>
           <a:p>
-            <a:pPr marL="342900" indent="-228600">
+            <a:pPr marL="800100" lvl="1" indent="-228600">
               <a:lnSpc>
                 <a:spcPct val="90000"/>
               </a:lnSpc>
@@ -27047,7 +27021,7 @@
             </a:r>
           </a:p>
           <a:p>
-            <a:pPr marL="342900" indent="-228600">
+            <a:pPr marL="800100" lvl="1" indent="-228600">
               <a:lnSpc>
                 <a:spcPct val="90000"/>
               </a:lnSpc>
@@ -27068,7 +27042,7 @@
             </a:r>
           </a:p>
           <a:p>
-            <a:pPr marL="342900" indent="-228600">
+            <a:pPr marL="800100" lvl="1" indent="-228600">
               <a:lnSpc>
                 <a:spcPct val="90000"/>
               </a:lnSpc>
@@ -27089,7 +27063,7 @@
             </a:r>
           </a:p>
           <a:p>
-            <a:pPr marL="342900" indent="-228600">
+            <a:pPr marL="800100" lvl="1" indent="-228600">
               <a:lnSpc>
                 <a:spcPct val="90000"/>
               </a:lnSpc>
@@ -27114,16 +27088,22 @@
             </a:r>
           </a:p>
           <a:p>
-            <a:pPr indent="-228600">
+            <a:pPr>
               <a:lnSpc>
                 <a:spcPct val="90000"/>
               </a:lnSpc>
-              <a:buFont typeface="Arial" panose="020B0604020202020204" pitchFamily="34" charset="0"/>
-              <a:buChar char="•"/>
+            </a:pPr>
+            <a:endParaRPr lang="en-US" sz="2400" dirty="0"/>
+          </a:p>
+          <a:p>
+            <a:pPr>
+              <a:lnSpc>
+                <a:spcPct val="90000"/>
+              </a:lnSpc>
             </a:pPr>
             <a:r>
               <a:rPr lang="en-US" sz="2400" dirty="0" err="1"/>
-              <a:t>Utilizamos</a:t>
+              <a:t>Utilizando</a:t>
             </a:r>
             <a:r>
               <a:rPr lang="en-US" sz="2400" dirty="0"/>
@@ -27155,46 +27135,35 @@
             </a:r>
           </a:p>
           <a:p>
-            <a:pPr indent="-228600">
+            <a:pPr>
               <a:lnSpc>
                 <a:spcPct val="90000"/>
               </a:lnSpc>
-              <a:buFont typeface="Arial" panose="020B0604020202020204" pitchFamily="34" charset="0"/>
-              <a:buChar char="•"/>
             </a:pPr>
             <a:r>
-              <a:rPr lang="en-US" sz="2400" dirty="0"/>
-              <a:t>Los </a:t>
-            </a:r>
-            <a:r>
               <a:rPr lang="en-US" sz="2400" dirty="0" err="1"/>
-              <a:t>datos</a:t>
+              <a:t>Obtenidos</a:t>
             </a:r>
             <a:r>
               <a:rPr lang="en-US" sz="2400" dirty="0"/>
-              <a:t> </a:t>
-            </a:r>
-            <a:r>
-              <a:rPr lang="en-US" sz="2400" dirty="0" err="1"/>
-              <a:t>los</a:t>
-            </a:r>
-            <a:r>
-              <a:rPr lang="en-US" sz="2400" dirty="0"/>
-              <a:t> </a:t>
-            </a:r>
-            <a:r>
-              <a:rPr lang="en-US" sz="2400" dirty="0" err="1"/>
-              <a:t>obtenemos</a:t>
-            </a:r>
-            <a:r>
-              <a:rPr lang="en-US" sz="2400" dirty="0"/>
-              <a:t> gracias a la API de Python de </a:t>
+              <a:t> de </a:t>
             </a:r>
             <a:r>
               <a:rPr lang="en-US" sz="2400" dirty="0" err="1"/>
               <a:t>Quandl</a:t>
             </a:r>
-            <a:endParaRPr lang="en-US" sz="2400" dirty="0"/>
+            <a:r>
+              <a:rPr lang="en-US" sz="2400" dirty="0"/>
+              <a:t> gracias a la API de Python </a:t>
+            </a:r>
+            <a:r>
+              <a:rPr lang="en-US" sz="2400" dirty="0" err="1"/>
+              <a:t>disponible</a:t>
+            </a:r>
+            <a:r>
+              <a:rPr lang="en-US" sz="2400" dirty="0"/>
+              <a:t>.</a:t>
+            </a:r>
           </a:p>
         </p:txBody>
       </p:sp>

--- a/docs/PresentacionFinal.pptx
+++ b/docs/PresentacionFinal.pptx
@@ -10,11 +10,11 @@
     <p:sldId id="279" r:id="rId4"/>
     <p:sldId id="280" r:id="rId5"/>
     <p:sldId id="258" r:id="rId6"/>
-    <p:sldId id="259" r:id="rId7"/>
-    <p:sldId id="260" r:id="rId8"/>
-    <p:sldId id="261" r:id="rId9"/>
-    <p:sldId id="262" r:id="rId10"/>
-    <p:sldId id="263" r:id="rId11"/>
+    <p:sldId id="262" r:id="rId7"/>
+    <p:sldId id="263" r:id="rId8"/>
+    <p:sldId id="259" r:id="rId9"/>
+    <p:sldId id="260" r:id="rId10"/>
+    <p:sldId id="261" r:id="rId11"/>
     <p:sldId id="264" r:id="rId12"/>
     <p:sldId id="265" r:id="rId13"/>
     <p:sldId id="266" r:id="rId14"/>
@@ -4395,6 +4395,9 @@
         <a:bodyPr/>
         <a:lstStyle/>
         <a:p>
+          <a:pPr>
+            <a:buNone/>
+          </a:pPr>
           <a:r>
             <a:rPr lang="es-ES" dirty="0"/>
             <a:t>56,75%</a:t>
@@ -4467,6 +4470,9 @@
         <a:bodyPr/>
         <a:lstStyle/>
         <a:p>
+          <a:pPr>
+            <a:buNone/>
+          </a:pPr>
           <a:r>
             <a:rPr lang="es-ES" dirty="0"/>
             <a:t>55,47%</a:t>
@@ -4544,6 +4550,9 @@
         <a:bodyPr/>
         <a:lstStyle/>
         <a:p>
+          <a:pPr>
+            <a:buNone/>
+          </a:pPr>
           <a:r>
             <a:rPr lang="es-ES" dirty="0"/>
             <a:t>52,54%</a:t>
@@ -4619,6 +4628,9 @@
         <a:bodyPr/>
         <a:lstStyle/>
         <a:p>
+          <a:pPr>
+            <a:buNone/>
+          </a:pPr>
           <a:r>
             <a:rPr lang="es-ES" dirty="0"/>
             <a:t>56,28%</a:t>
@@ -4655,6 +4667,9 @@
         <a:bodyPr/>
         <a:lstStyle/>
         <a:p>
+          <a:pPr>
+            <a:buNone/>
+          </a:pPr>
           <a:r>
             <a:rPr lang="es-ES" dirty="0"/>
             <a:t>56,98%</a:t>
@@ -4691,11 +4706,13 @@
         <a:bodyPr/>
         <a:lstStyle/>
         <a:p>
+          <a:pPr>
+            <a:buNone/>
+          </a:pPr>
           <a:r>
-            <a:rPr lang="es-ES"/>
+            <a:rPr lang="es-ES" dirty="0"/>
             <a:t>51,63%</a:t>
           </a:r>
-          <a:endParaRPr lang="es-ES" dirty="0"/>
         </a:p>
       </dgm:t>
     </dgm:pt>
@@ -5708,8 +5725,8 @@
         </a:p>
       </dsp:txBody>
       <dsp:txXfrm>
-        <a:off x="1347029" y="119687"/>
-        <a:ext cx="2012920" cy="2346060"/>
+        <a:off x="1347029" y="471596"/>
+        <a:ext cx="1308398" cy="1642242"/>
       </dsp:txXfrm>
     </dsp:sp>
     <dsp:sp modelId="{D4BDE164-A985-4E11-BCE7-D9F1F96F3E56}">
@@ -5786,8 +5803,8 @@
         </a:p>
       </dsp:txBody>
       <dsp:txXfrm>
-        <a:off x="5083" y="621744"/>
-        <a:ext cx="1341946" cy="1341946"/>
+        <a:off x="201606" y="818267"/>
+        <a:ext cx="948900" cy="948900"/>
       </dsp:txXfrm>
     </dsp:sp>
     <dsp:sp modelId="{E282D330-89B8-44D9-A6C5-AAFB6BB781FC}">
@@ -5888,8 +5905,8 @@
         </a:p>
       </dsp:txBody>
       <dsp:txXfrm>
-        <a:off x="4869640" y="119687"/>
-        <a:ext cx="2012920" cy="2346060"/>
+        <a:off x="4869640" y="471596"/>
+        <a:ext cx="1308398" cy="1642242"/>
       </dsp:txXfrm>
     </dsp:sp>
     <dsp:sp modelId="{4EC45A84-B17D-42BB-BFF6-00A7955F2DD8}">
@@ -5966,8 +5983,8 @@
         </a:p>
       </dsp:txBody>
       <dsp:txXfrm>
-        <a:off x="3527693" y="621744"/>
-        <a:ext cx="1341946" cy="1341946"/>
+        <a:off x="3724216" y="818267"/>
+        <a:ext cx="948900" cy="948900"/>
       </dsp:txXfrm>
     </dsp:sp>
     <dsp:sp modelId="{3400CD74-5D7B-4E55-AC5F-3096E62A8AB5}">
@@ -6068,8 +6085,8 @@
         </a:p>
       </dsp:txBody>
       <dsp:txXfrm>
-        <a:off x="8392250" y="119687"/>
-        <a:ext cx="2012920" cy="2346060"/>
+        <a:off x="8392250" y="471596"/>
+        <a:ext cx="1308398" cy="1642242"/>
       </dsp:txXfrm>
     </dsp:sp>
     <dsp:sp modelId="{28C703E4-9C1D-4EEB-B4BD-4304F73C3779}">
@@ -6146,8 +6163,8 @@
         </a:p>
       </dsp:txBody>
       <dsp:txXfrm>
-        <a:off x="7050303" y="621744"/>
-        <a:ext cx="1341946" cy="1341946"/>
+        <a:off x="7246826" y="818267"/>
+        <a:ext cx="948900" cy="948900"/>
       </dsp:txXfrm>
     </dsp:sp>
   </dsp:spTree>
@@ -6260,8 +6277,8 @@
         </a:p>
       </dsp:txBody>
       <dsp:txXfrm>
-        <a:off x="1347029" y="119687"/>
-        <a:ext cx="2012920" cy="2346060"/>
+        <a:off x="1347029" y="471596"/>
+        <a:ext cx="1308398" cy="1642242"/>
       </dsp:txXfrm>
     </dsp:sp>
     <dsp:sp modelId="{D4BDE164-A985-4E11-BCE7-D9F1F96F3E56}">
@@ -6338,8 +6355,8 @@
         </a:p>
       </dsp:txBody>
       <dsp:txXfrm>
-        <a:off x="5083" y="621744"/>
-        <a:ext cx="1341946" cy="1341946"/>
+        <a:off x="201606" y="818267"/>
+        <a:ext cx="948900" cy="948900"/>
       </dsp:txXfrm>
     </dsp:sp>
     <dsp:sp modelId="{E282D330-89B8-44D9-A6C5-AAFB6BB781FC}">
@@ -6440,8 +6457,8 @@
         </a:p>
       </dsp:txBody>
       <dsp:txXfrm>
-        <a:off x="4869640" y="119687"/>
-        <a:ext cx="2012920" cy="2346060"/>
+        <a:off x="4869640" y="471596"/>
+        <a:ext cx="1308398" cy="1642242"/>
       </dsp:txXfrm>
     </dsp:sp>
     <dsp:sp modelId="{4EC45A84-B17D-42BB-BFF6-00A7955F2DD8}">
@@ -6518,8 +6535,8 @@
         </a:p>
       </dsp:txBody>
       <dsp:txXfrm>
-        <a:off x="3527693" y="621744"/>
-        <a:ext cx="1341946" cy="1341946"/>
+        <a:off x="3724216" y="818267"/>
+        <a:ext cx="948900" cy="948900"/>
       </dsp:txXfrm>
     </dsp:sp>
     <dsp:sp modelId="{3400CD74-5D7B-4E55-AC5F-3096E62A8AB5}">
@@ -6620,8 +6637,8 @@
         </a:p>
       </dsp:txBody>
       <dsp:txXfrm>
-        <a:off x="8392250" y="119687"/>
-        <a:ext cx="2012920" cy="2346060"/>
+        <a:off x="8392250" y="471596"/>
+        <a:ext cx="1308398" cy="1642242"/>
       </dsp:txXfrm>
     </dsp:sp>
     <dsp:sp modelId="{28C703E4-9C1D-4EEB-B4BD-4304F73C3779}">
@@ -6698,8 +6715,8 @@
         </a:p>
       </dsp:txBody>
       <dsp:txXfrm>
-        <a:off x="7050303" y="621744"/>
-        <a:ext cx="1341946" cy="1341946"/>
+        <a:off x="7246826" y="818267"/>
+        <a:ext cx="948900" cy="948900"/>
       </dsp:txXfrm>
     </dsp:sp>
   </dsp:spTree>
@@ -6781,7 +6798,7 @@
             <a:spcAft>
               <a:spcPct val="15000"/>
             </a:spcAft>
-            <a:buChar char="•"/>
+            <a:buNone/>
           </a:pPr>
           <a:r>
             <a:rPr lang="es-ES" sz="2300" kern="1200" dirty="0"/>
@@ -6799,7 +6816,7 @@
             <a:spcAft>
               <a:spcPct val="15000"/>
             </a:spcAft>
-            <a:buChar char="•"/>
+            <a:buNone/>
           </a:pPr>
           <a:r>
             <a:rPr lang="es-ES" sz="2300" kern="1200" dirty="0"/>
@@ -6879,7 +6896,7 @@
             <a:spcAft>
               <a:spcPct val="15000"/>
             </a:spcAft>
-            <a:buChar char="•"/>
+            <a:buNone/>
           </a:pPr>
           <a:r>
             <a:rPr lang="es-ES" sz="2300" kern="1200" dirty="0"/>
@@ -6897,13 +6914,12 @@
             <a:spcAft>
               <a:spcPct val="15000"/>
             </a:spcAft>
-            <a:buChar char="•"/>
+            <a:buNone/>
           </a:pPr>
           <a:r>
-            <a:rPr lang="es-ES" sz="2300" kern="1200"/>
+            <a:rPr lang="es-ES" sz="2300" kern="1200" dirty="0"/>
             <a:t>51,63%</a:t>
           </a:r>
-          <a:endParaRPr lang="es-ES" sz="2300" kern="1200" dirty="0"/>
         </a:p>
       </dsp:txBody>
       <dsp:txXfrm>
@@ -6978,7 +6994,7 @@
             <a:spcAft>
               <a:spcPct val="15000"/>
             </a:spcAft>
-            <a:buChar char="•"/>
+            <a:buNone/>
           </a:pPr>
           <a:r>
             <a:rPr lang="es-ES" sz="2300" kern="1200" dirty="0"/>
@@ -6996,7 +7012,7 @@
             <a:spcAft>
               <a:spcPct val="15000"/>
             </a:spcAft>
-            <a:buChar char="•"/>
+            <a:buNone/>
           </a:pPr>
           <a:r>
             <a:rPr lang="es-ES" sz="2300" kern="1200" dirty="0"/>
@@ -17790,7 +17806,38 @@
       </p:grpSpPr>
       <p:sp>
         <p:nvSpPr>
-          <p:cNvPr id="20" name="Rectangle 12"/>
+          <p:cNvPr id="12" name="Rectangle 11"/>
+          <p:cNvSpPr>
+            <a:spLocks noGrp="1" noRot="1" noChangeAspect="1" noMove="1" noResize="1" noEditPoints="1" noAdjustHandles="1" noChangeArrowheads="1" noChangeShapeType="1" noTextEdit="1"/>
+          </p:cNvSpPr>
+          <p:nvPr>
+            <p:extLst>
+              <p:ext uri="{386F3935-93C4-4BCD-93E2-E3B085C9AB24}">
+                <p16:designElem xmlns:p16="http://schemas.microsoft.com/office/powerpoint/2015/main" val="1"/>
+              </p:ext>
+            </p:extLst>
+          </p:nvPr>
+        </p:nvSpPr>
+        <p:spPr bwMode="white">
+          <a:xfrm>
+            <a:off x="0" y="0"/>
+            <a:ext cx="12192000" cy="6858000"/>
+          </a:xfrm>
+          <a:prstGeom prst="rect">
+            <a:avLst/>
+          </a:prstGeom>
+          <a:solidFill>
+            <a:schemeClr val="bg1"/>
+          </a:solidFill>
+          <a:ln>
+            <a:noFill/>
+          </a:ln>
+          <a:effectLst/>
+        </p:spPr>
+      </p:sp>
+      <p:sp>
+        <p:nvSpPr>
+          <p:cNvPr id="13" name="Rectangle 12"/>
           <p:cNvSpPr>
             <a:spLocks noGrp="1" noRot="1" noChangeAspect="1" noMove="1" noResize="1" noEditPoints="1" noAdjustHandles="1" noChangeArrowheads="1" noChangeShapeType="1" noTextEdit="1"/>
           </p:cNvSpPr>
@@ -17804,31 +17851,31 @@
         </p:nvSpPr>
         <p:spPr>
           <a:xfrm>
-            <a:off x="0" y="2"/>
-            <a:ext cx="4636008" cy="6857998"/>
+            <a:off x="0" y="651752"/>
+            <a:ext cx="12192000" cy="736551"/>
           </a:xfrm>
           <a:prstGeom prst="rect">
             <a:avLst/>
           </a:prstGeom>
           <a:solidFill>
             <a:schemeClr val="tx1">
-              <a:lumMod val="85000"/>
-              <a:lumOff val="15000"/>
+              <a:alpha val="75000"/>
             </a:schemeClr>
           </a:solidFill>
           <a:ln>
             <a:noFill/>
           </a:ln>
-          <a:effectLst/>
         </p:spPr>
         <p:style>
-          <a:lnRef idx="1">
-            <a:schemeClr val="accent1"/>
+          <a:lnRef idx="2">
+            <a:schemeClr val="accent1">
+              <a:shade val="50000"/>
+            </a:schemeClr>
           </a:lnRef>
-          <a:fillRef idx="3">
+          <a:fillRef idx="1">
             <a:schemeClr val="accent1"/>
           </a:fillRef>
-          <a:effectRef idx="2">
+          <a:effectRef idx="0">
             <a:schemeClr val="accent1"/>
           </a:effectRef>
           <a:fontRef idx="minor">
@@ -17839,25 +17886,20 @@
           <a:bodyPr rtlCol="0" anchor="ctr"/>
           <a:lstStyle/>
           <a:p>
-            <a:pPr algn="ctr" defTabSz="457200"/>
-            <a:endParaRPr lang="en-US">
-              <a:solidFill>
-                <a:srgbClr val="FFFFFF"/>
-              </a:solidFill>
-              <a:latin typeface="Calibri" panose="020F0502020204030204"/>
-            </a:endParaRPr>
+            <a:pPr algn="ctr"/>
+            <a:endParaRPr lang="en-US"/>
           </a:p>
         </p:txBody>
       </p:sp>
       <p:pic>
         <p:nvPicPr>
-          <p:cNvPr id="11" name="Imagen 10"/>
+          <p:cNvPr id="3" name="Imagen 2"/>
           <p:cNvPicPr>
             <a:picLocks noChangeAspect="1"/>
           </p:cNvPicPr>
           <p:nvPr/>
         </p:nvPicPr>
-        <p:blipFill rotWithShape="1">
+        <p:blipFill>
           <a:blip r:embed="rId2" cstate="print">
             <a:extLst>
               <a:ext uri="{28A0092B-C50C-407E-A947-70E740481C1C}">
@@ -17865,18 +17907,18 @@
               </a:ext>
             </a:extLst>
           </a:blip>
-          <a:srcRect l="1021" r="-2" b="-2"/>
-          <a:stretch/>
+          <a:stretch>
+            <a:fillRect/>
+          </a:stretch>
         </p:blipFill>
         <p:spPr>
           <a:xfrm>
-            <a:off x="6010183" y="629266"/>
-            <a:ext cx="4434582" cy="3941108"/>
+            <a:off x="753776" y="1388303"/>
+            <a:ext cx="10684448" cy="5422359"/>
           </a:xfrm>
           <a:prstGeom prst="rect">
             <a:avLst/>
           </a:prstGeom>
-          <a:effectLst/>
         </p:spPr>
       </p:pic>
       <p:sp>
@@ -17891,18 +17933,19 @@
         </p:nvSpPr>
         <p:spPr>
           <a:xfrm>
-            <a:off x="648929" y="629266"/>
-            <a:ext cx="3667039" cy="1676603"/>
+            <a:off x="556532" y="643467"/>
+            <a:ext cx="11210925" cy="744836"/>
           </a:xfrm>
         </p:spPr>
         <p:txBody>
-          <a:bodyPr>
-            <a:normAutofit/>
+          <a:bodyPr vert="horz" lIns="91440" tIns="45720" rIns="91440" bIns="45720" rtlCol="0" anchor="ctr">
+            <a:noAutofit/>
           </a:bodyPr>
           <a:lstStyle/>
           <a:p>
+            <a:pPr algn="ctr"/>
             <a:r>
-              <a:rPr lang="es-ES" sz="3600" dirty="0">
+              <a:rPr lang="en-US" sz="5400" dirty="0">
                 <a:solidFill>
                   <a:schemeClr val="bg1"/>
                 </a:solidFill>
@@ -17912,161 +17955,10 @@
           </a:p>
         </p:txBody>
       </p:sp>
-      <p:sp>
-        <p:nvSpPr>
-          <p:cNvPr id="3" name="Marcador de contenido 2"/>
-          <p:cNvSpPr>
-            <a:spLocks noGrp="1"/>
-          </p:cNvSpPr>
-          <p:nvPr>
-            <p:ph idx="1"/>
-          </p:nvPr>
-        </p:nvSpPr>
-        <p:spPr>
-          <a:xfrm>
-            <a:off x="206062" y="2438401"/>
-            <a:ext cx="4109906" cy="3779520"/>
-          </a:xfrm>
-        </p:spPr>
-        <p:txBody>
-          <a:bodyPr>
-            <a:normAutofit/>
-          </a:bodyPr>
-          <a:lstStyle/>
-          <a:p>
-            <a:pPr marL="0" indent="0">
-              <a:lnSpc>
-                <a:spcPct val="80000"/>
-              </a:lnSpc>
-              <a:buNone/>
-            </a:pPr>
-            <a:r>
-              <a:rPr lang="es-ES" sz="2600" dirty="0">
-                <a:solidFill>
-                  <a:schemeClr val="bg1"/>
-                </a:solidFill>
-              </a:rPr>
-              <a:t>La salida es una transformación de los datos de cambio del IBEX35</a:t>
-            </a:r>
-          </a:p>
-          <a:p>
-            <a:pPr>
-              <a:lnSpc>
-                <a:spcPct val="80000"/>
-              </a:lnSpc>
-            </a:pPr>
-            <a:r>
-              <a:rPr lang="es-ES" sz="2600" b="1" u="sng" dirty="0">
-                <a:solidFill>
-                  <a:schemeClr val="bg1"/>
-                </a:solidFill>
-              </a:rPr>
-              <a:t>CRECIMIENTO:</a:t>
-            </a:r>
-            <a:r>
-              <a:rPr lang="es-ES" sz="2600" dirty="0">
-                <a:solidFill>
-                  <a:schemeClr val="bg1"/>
-                </a:solidFill>
-              </a:rPr>
-              <a:t> Si el cambio es mayor que 0.</a:t>
-            </a:r>
-          </a:p>
-          <a:p>
-            <a:pPr>
-              <a:lnSpc>
-                <a:spcPct val="80000"/>
-              </a:lnSpc>
-            </a:pPr>
-            <a:r>
-              <a:rPr lang="es-ES" sz="2600" b="1" u="sng" dirty="0">
-                <a:solidFill>
-                  <a:schemeClr val="bg1"/>
-                </a:solidFill>
-              </a:rPr>
-              <a:t>CAIDA:</a:t>
-            </a:r>
-            <a:r>
-              <a:rPr lang="es-ES" sz="2600" dirty="0">
-                <a:solidFill>
-                  <a:schemeClr val="bg1"/>
-                </a:solidFill>
-              </a:rPr>
-              <a:t> Si el cambio es 0 o menor que cero.</a:t>
-            </a:r>
-          </a:p>
-          <a:p>
-            <a:pPr marL="0" indent="0">
-              <a:lnSpc>
-                <a:spcPct val="80000"/>
-              </a:lnSpc>
-              <a:buNone/>
-            </a:pPr>
-            <a:endParaRPr lang="es-ES" sz="2600" dirty="0">
-              <a:solidFill>
-                <a:schemeClr val="bg1"/>
-              </a:solidFill>
-            </a:endParaRPr>
-          </a:p>
-          <a:p>
-            <a:pPr marL="0" indent="0">
-              <a:lnSpc>
-                <a:spcPct val="80000"/>
-              </a:lnSpc>
-              <a:buNone/>
-            </a:pPr>
-            <a:r>
-              <a:rPr lang="es-ES" sz="2600" dirty="0">
-                <a:solidFill>
-                  <a:schemeClr val="bg1"/>
-                </a:solidFill>
-              </a:rPr>
-              <a:t>Por lo que un ejemplo de los datos de un día sería</a:t>
-            </a:r>
-          </a:p>
-          <a:p>
-            <a:pPr marL="0" indent="0">
-              <a:lnSpc>
-                <a:spcPct val="80000"/>
-              </a:lnSpc>
-              <a:buNone/>
-            </a:pPr>
-            <a:endParaRPr lang="es-ES" sz="1800" dirty="0">
-              <a:solidFill>
-                <a:schemeClr val="bg1"/>
-              </a:solidFill>
-            </a:endParaRPr>
-          </a:p>
-        </p:txBody>
-      </p:sp>
-      <p:pic>
-        <p:nvPicPr>
-          <p:cNvPr id="19" name="Imagen 18"/>
-          <p:cNvPicPr>
-            <a:picLocks noChangeAspect="1"/>
-          </p:cNvPicPr>
-          <p:nvPr/>
-        </p:nvPicPr>
-        <p:blipFill>
-          <a:blip r:embed="rId3" cstate="print"/>
-          <a:stretch>
-            <a:fillRect/>
-          </a:stretch>
-        </p:blipFill>
-        <p:spPr>
-          <a:xfrm>
-            <a:off x="4842070" y="5237759"/>
-            <a:ext cx="7284661" cy="980162"/>
-          </a:xfrm>
-          <a:prstGeom prst="rect">
-            <a:avLst/>
-          </a:prstGeom>
-        </p:spPr>
-      </p:pic>
     </p:spTree>
     <p:extLst>
       <p:ext uri="{BB962C8B-B14F-4D97-AF65-F5344CB8AC3E}">
-        <p14:creationId xmlns:p14="http://schemas.microsoft.com/office/powerpoint/2010/main" val="3839184132"/>
+        <p14:creationId xmlns:p14="http://schemas.microsoft.com/office/powerpoint/2010/main" val="1316324414"/>
       </p:ext>
     </p:extLst>
   </p:cSld>
@@ -22144,7 +22036,11 @@
           </p:cNvGraphicFramePr>
           <p:nvPr>
             <p:ph idx="1"/>
-            <p:extLst/>
+            <p:extLst>
+              <p:ext uri="{D42A27DB-BD31-4B8C-83A1-F6EECF244321}">
+                <p14:modId xmlns:p14="http://schemas.microsoft.com/office/powerpoint/2010/main" val="1669523348"/>
+              </p:ext>
+            </p:extLst>
           </p:nvPr>
         </p:nvGraphicFramePr>
         <p:xfrm>
@@ -27229,542 +27125,6 @@
       </p:grpSpPr>
       <p:sp>
         <p:nvSpPr>
-          <p:cNvPr id="22" name="Rectangle 7"/>
-          <p:cNvSpPr>
-            <a:spLocks noGrp="1" noRot="1" noChangeAspect="1" noMove="1" noResize="1" noEditPoints="1" noAdjustHandles="1" noChangeArrowheads="1" noChangeShapeType="1" noTextEdit="1"/>
-          </p:cNvSpPr>
-          <p:nvPr>
-            <p:extLst>
-              <p:ext uri="{386F3935-93C4-4BCD-93E2-E3B085C9AB24}">
-                <p16:designElem xmlns:p16="http://schemas.microsoft.com/office/powerpoint/2015/main" val="1"/>
-              </p:ext>
-            </p:extLst>
-          </p:nvPr>
-        </p:nvSpPr>
-        <p:spPr bwMode="white">
-          <a:xfrm>
-            <a:off x="0" y="0"/>
-            <a:ext cx="12192000" cy="6858000"/>
-          </a:xfrm>
-          <a:prstGeom prst="rect">
-            <a:avLst/>
-          </a:prstGeom>
-          <a:solidFill>
-            <a:schemeClr val="bg1"/>
-          </a:solidFill>
-          <a:ln>
-            <a:noFill/>
-          </a:ln>
-          <a:effectLst/>
-        </p:spPr>
-      </p:sp>
-      <p:sp>
-        <p:nvSpPr>
-          <p:cNvPr id="9" name="Rectangle 8"/>
-          <p:cNvSpPr>
-            <a:spLocks noGrp="1" noRot="1" noChangeAspect="1" noMove="1" noResize="1" noEditPoints="1" noAdjustHandles="1" noChangeArrowheads="1" noChangeShapeType="1" noTextEdit="1"/>
-          </p:cNvSpPr>
-          <p:nvPr>
-            <p:extLst>
-              <p:ext uri="{386F3935-93C4-4BCD-93E2-E3B085C9AB24}">
-                <p16:designElem xmlns:p16="http://schemas.microsoft.com/office/powerpoint/2015/main" val="1"/>
-              </p:ext>
-            </p:extLst>
-          </p:nvPr>
-        </p:nvSpPr>
-        <p:spPr>
-          <a:xfrm>
-            <a:off x="0" y="651752"/>
-            <a:ext cx="12192000" cy="736551"/>
-          </a:xfrm>
-          <a:prstGeom prst="rect">
-            <a:avLst/>
-          </a:prstGeom>
-          <a:solidFill>
-            <a:schemeClr val="tx1">
-              <a:alpha val="75000"/>
-            </a:schemeClr>
-          </a:solidFill>
-          <a:ln>
-            <a:noFill/>
-          </a:ln>
-        </p:spPr>
-        <p:style>
-          <a:lnRef idx="2">
-            <a:schemeClr val="accent1">
-              <a:shade val="50000"/>
-            </a:schemeClr>
-          </a:lnRef>
-          <a:fillRef idx="1">
-            <a:schemeClr val="accent1"/>
-          </a:fillRef>
-          <a:effectRef idx="0">
-            <a:schemeClr val="accent1"/>
-          </a:effectRef>
-          <a:fontRef idx="minor">
-            <a:schemeClr val="lt1"/>
-          </a:fontRef>
-        </p:style>
-        <p:txBody>
-          <a:bodyPr rtlCol="0" anchor="ctr"/>
-          <a:lstStyle/>
-          <a:p>
-            <a:pPr algn="ctr"/>
-            <a:endParaRPr lang="en-US"/>
-          </a:p>
-        </p:txBody>
-      </p:sp>
-      <p:pic>
-        <p:nvPicPr>
-          <p:cNvPr id="6" name="Marcador de contenido 3"/>
-          <p:cNvPicPr>
-            <a:picLocks noChangeAspect="1"/>
-          </p:cNvPicPr>
-          <p:nvPr/>
-        </p:nvPicPr>
-        <p:blipFill rotWithShape="1">
-          <a:blip r:embed="rId2" cstate="print"/>
-          <a:srcRect/>
-          <a:stretch/>
-        </p:blipFill>
-        <p:spPr>
-          <a:xfrm>
-            <a:off x="704986" y="1508508"/>
-            <a:ext cx="10782028" cy="5229286"/>
-          </a:xfrm>
-          <a:prstGeom prst="rect">
-            <a:avLst/>
-          </a:prstGeom>
-        </p:spPr>
-      </p:pic>
-      <p:sp>
-        <p:nvSpPr>
-          <p:cNvPr id="2" name="Título 1"/>
-          <p:cNvSpPr>
-            <a:spLocks noGrp="1"/>
-          </p:cNvSpPr>
-          <p:nvPr>
-            <p:ph type="title"/>
-          </p:nvPr>
-        </p:nvSpPr>
-        <p:spPr>
-          <a:xfrm>
-            <a:off x="556532" y="643467"/>
-            <a:ext cx="11210925" cy="744836"/>
-          </a:xfrm>
-        </p:spPr>
-        <p:txBody>
-          <a:bodyPr vert="horz" lIns="91440" tIns="45720" rIns="91440" bIns="45720" rtlCol="0" anchor="ctr">
-            <a:noAutofit/>
-          </a:bodyPr>
-          <a:lstStyle/>
-          <a:p>
-            <a:pPr algn="ctr"/>
-            <a:r>
-              <a:rPr lang="en-US" sz="4800" dirty="0">
-                <a:solidFill>
-                  <a:schemeClr val="bg1"/>
-                </a:solidFill>
-              </a:rPr>
-              <a:t>PROCESAMIENTO DE DATOS</a:t>
-            </a:r>
-          </a:p>
-        </p:txBody>
-      </p:sp>
-    </p:spTree>
-    <p:extLst>
-      <p:ext uri="{BB962C8B-B14F-4D97-AF65-F5344CB8AC3E}">
-        <p14:creationId xmlns:p14="http://schemas.microsoft.com/office/powerpoint/2010/main" val="3844390514"/>
-      </p:ext>
-    </p:extLst>
-  </p:cSld>
-  <p:clrMapOvr>
-    <a:masterClrMapping/>
-  </p:clrMapOvr>
-</p:sld>
-</file>
-
-<file path=ppt/slides/slide7.xml><?xml version="1.0" encoding="utf-8"?>
-<p:sld xmlns:a="http://schemas.openxmlformats.org/drawingml/2006/main" xmlns:r="http://schemas.openxmlformats.org/officeDocument/2006/relationships" xmlns:p="http://schemas.openxmlformats.org/presentationml/2006/main">
-  <p:cSld>
-    <p:spTree>
-      <p:nvGrpSpPr>
-        <p:cNvPr id="1" name=""/>
-        <p:cNvGrpSpPr/>
-        <p:nvPr/>
-      </p:nvGrpSpPr>
-      <p:grpSpPr>
-        <a:xfrm>
-          <a:off x="0" y="0"/>
-          <a:ext cx="0" cy="0"/>
-          <a:chOff x="0" y="0"/>
-          <a:chExt cx="0" cy="0"/>
-        </a:xfrm>
-      </p:grpSpPr>
-      <p:sp>
-        <p:nvSpPr>
-          <p:cNvPr id="12" name="Rectangle 11"/>
-          <p:cNvSpPr>
-            <a:spLocks noGrp="1" noRot="1" noChangeAspect="1" noMove="1" noResize="1" noEditPoints="1" noAdjustHandles="1" noChangeArrowheads="1" noChangeShapeType="1" noTextEdit="1"/>
-          </p:cNvSpPr>
-          <p:nvPr>
-            <p:extLst>
-              <p:ext uri="{386F3935-93C4-4BCD-93E2-E3B085C9AB24}">
-                <p16:designElem xmlns:p16="http://schemas.microsoft.com/office/powerpoint/2015/main" val="1"/>
-              </p:ext>
-            </p:extLst>
-          </p:nvPr>
-        </p:nvSpPr>
-        <p:spPr bwMode="white">
-          <a:xfrm>
-            <a:off x="0" y="0"/>
-            <a:ext cx="12192000" cy="6858000"/>
-          </a:xfrm>
-          <a:prstGeom prst="rect">
-            <a:avLst/>
-          </a:prstGeom>
-          <a:solidFill>
-            <a:schemeClr val="bg1"/>
-          </a:solidFill>
-          <a:ln>
-            <a:noFill/>
-          </a:ln>
-          <a:effectLst/>
-        </p:spPr>
-      </p:sp>
-      <p:sp>
-        <p:nvSpPr>
-          <p:cNvPr id="13" name="Rectangle 12"/>
-          <p:cNvSpPr>
-            <a:spLocks noGrp="1" noRot="1" noChangeAspect="1" noMove="1" noResize="1" noEditPoints="1" noAdjustHandles="1" noChangeArrowheads="1" noChangeShapeType="1" noTextEdit="1"/>
-          </p:cNvSpPr>
-          <p:nvPr>
-            <p:extLst>
-              <p:ext uri="{386F3935-93C4-4BCD-93E2-E3B085C9AB24}">
-                <p16:designElem xmlns:p16="http://schemas.microsoft.com/office/powerpoint/2015/main" val="1"/>
-              </p:ext>
-            </p:extLst>
-          </p:nvPr>
-        </p:nvSpPr>
-        <p:spPr>
-          <a:xfrm>
-            <a:off x="0" y="651752"/>
-            <a:ext cx="12192000" cy="736551"/>
-          </a:xfrm>
-          <a:prstGeom prst="rect">
-            <a:avLst/>
-          </a:prstGeom>
-          <a:solidFill>
-            <a:schemeClr val="tx1">
-              <a:alpha val="75000"/>
-            </a:schemeClr>
-          </a:solidFill>
-          <a:ln>
-            <a:noFill/>
-          </a:ln>
-        </p:spPr>
-        <p:style>
-          <a:lnRef idx="2">
-            <a:schemeClr val="accent1">
-              <a:shade val="50000"/>
-            </a:schemeClr>
-          </a:lnRef>
-          <a:fillRef idx="1">
-            <a:schemeClr val="accent1"/>
-          </a:fillRef>
-          <a:effectRef idx="0">
-            <a:schemeClr val="accent1"/>
-          </a:effectRef>
-          <a:fontRef idx="minor">
-            <a:schemeClr val="lt1"/>
-          </a:fontRef>
-        </p:style>
-        <p:txBody>
-          <a:bodyPr rtlCol="0" anchor="ctr"/>
-          <a:lstStyle/>
-          <a:p>
-            <a:pPr algn="ctr"/>
-            <a:endParaRPr lang="en-US"/>
-          </a:p>
-        </p:txBody>
-      </p:sp>
-      <p:pic>
-        <p:nvPicPr>
-          <p:cNvPr id="8" name="Imagen 7"/>
-          <p:cNvPicPr>
-            <a:picLocks noChangeAspect="1"/>
-          </p:cNvPicPr>
-          <p:nvPr/>
-        </p:nvPicPr>
-        <p:blipFill>
-          <a:blip r:embed="rId2" cstate="print">
-            <a:extLst>
-              <a:ext uri="{28A0092B-C50C-407E-A947-70E740481C1C}">
-                <a14:useLocalDpi xmlns:a14="http://schemas.microsoft.com/office/drawing/2010/main" val="0"/>
-              </a:ext>
-            </a:extLst>
-          </a:blip>
-          <a:stretch>
-            <a:fillRect/>
-          </a:stretch>
-        </p:blipFill>
-        <p:spPr>
-          <a:xfrm>
-            <a:off x="754523" y="1388303"/>
-            <a:ext cx="10682953" cy="5421600"/>
-          </a:xfrm>
-          <a:prstGeom prst="rect">
-            <a:avLst/>
-          </a:prstGeom>
-        </p:spPr>
-      </p:pic>
-      <p:sp>
-        <p:nvSpPr>
-          <p:cNvPr id="2" name="Título 1"/>
-          <p:cNvSpPr>
-            <a:spLocks noGrp="1"/>
-          </p:cNvSpPr>
-          <p:nvPr>
-            <p:ph type="title"/>
-          </p:nvPr>
-        </p:nvSpPr>
-        <p:spPr>
-          <a:xfrm>
-            <a:off x="556532" y="643467"/>
-            <a:ext cx="11210925" cy="744836"/>
-          </a:xfrm>
-        </p:spPr>
-        <p:txBody>
-          <a:bodyPr vert="horz" lIns="91440" tIns="45720" rIns="91440" bIns="45720" rtlCol="0" anchor="ctr">
-            <a:noAutofit/>
-          </a:bodyPr>
-          <a:lstStyle/>
-          <a:p>
-            <a:pPr algn="ctr"/>
-            <a:r>
-              <a:rPr lang="en-US" sz="5400" dirty="0">
-                <a:solidFill>
-                  <a:schemeClr val="bg1"/>
-                </a:solidFill>
-              </a:rPr>
-              <a:t>PROCESAMIENTO DE DATOS</a:t>
-            </a:r>
-          </a:p>
-        </p:txBody>
-      </p:sp>
-    </p:spTree>
-    <p:extLst>
-      <p:ext uri="{BB962C8B-B14F-4D97-AF65-F5344CB8AC3E}">
-        <p14:creationId xmlns:p14="http://schemas.microsoft.com/office/powerpoint/2010/main" val="38684972"/>
-      </p:ext>
-    </p:extLst>
-  </p:cSld>
-  <p:clrMapOvr>
-    <a:masterClrMapping/>
-  </p:clrMapOvr>
-</p:sld>
-</file>
-
-<file path=ppt/slides/slide8.xml><?xml version="1.0" encoding="utf-8"?>
-<p:sld xmlns:a="http://schemas.openxmlformats.org/drawingml/2006/main" xmlns:r="http://schemas.openxmlformats.org/officeDocument/2006/relationships" xmlns:p="http://schemas.openxmlformats.org/presentationml/2006/main">
-  <p:cSld>
-    <p:spTree>
-      <p:nvGrpSpPr>
-        <p:cNvPr id="1" name=""/>
-        <p:cNvGrpSpPr/>
-        <p:nvPr/>
-      </p:nvGrpSpPr>
-      <p:grpSpPr>
-        <a:xfrm>
-          <a:off x="0" y="0"/>
-          <a:ext cx="0" cy="0"/>
-          <a:chOff x="0" y="0"/>
-          <a:chExt cx="0" cy="0"/>
-        </a:xfrm>
-      </p:grpSpPr>
-      <p:sp>
-        <p:nvSpPr>
-          <p:cNvPr id="12" name="Rectangle 11"/>
-          <p:cNvSpPr>
-            <a:spLocks noGrp="1" noRot="1" noChangeAspect="1" noMove="1" noResize="1" noEditPoints="1" noAdjustHandles="1" noChangeArrowheads="1" noChangeShapeType="1" noTextEdit="1"/>
-          </p:cNvSpPr>
-          <p:nvPr>
-            <p:extLst>
-              <p:ext uri="{386F3935-93C4-4BCD-93E2-E3B085C9AB24}">
-                <p16:designElem xmlns:p16="http://schemas.microsoft.com/office/powerpoint/2015/main" val="1"/>
-              </p:ext>
-            </p:extLst>
-          </p:nvPr>
-        </p:nvSpPr>
-        <p:spPr bwMode="white">
-          <a:xfrm>
-            <a:off x="0" y="0"/>
-            <a:ext cx="12192000" cy="6858000"/>
-          </a:xfrm>
-          <a:prstGeom prst="rect">
-            <a:avLst/>
-          </a:prstGeom>
-          <a:solidFill>
-            <a:schemeClr val="bg1"/>
-          </a:solidFill>
-          <a:ln>
-            <a:noFill/>
-          </a:ln>
-          <a:effectLst/>
-        </p:spPr>
-      </p:sp>
-      <p:sp>
-        <p:nvSpPr>
-          <p:cNvPr id="13" name="Rectangle 12"/>
-          <p:cNvSpPr>
-            <a:spLocks noGrp="1" noRot="1" noChangeAspect="1" noMove="1" noResize="1" noEditPoints="1" noAdjustHandles="1" noChangeArrowheads="1" noChangeShapeType="1" noTextEdit="1"/>
-          </p:cNvSpPr>
-          <p:nvPr>
-            <p:extLst>
-              <p:ext uri="{386F3935-93C4-4BCD-93E2-E3B085C9AB24}">
-                <p16:designElem xmlns:p16="http://schemas.microsoft.com/office/powerpoint/2015/main" val="1"/>
-              </p:ext>
-            </p:extLst>
-          </p:nvPr>
-        </p:nvSpPr>
-        <p:spPr>
-          <a:xfrm>
-            <a:off x="0" y="651752"/>
-            <a:ext cx="12192000" cy="736551"/>
-          </a:xfrm>
-          <a:prstGeom prst="rect">
-            <a:avLst/>
-          </a:prstGeom>
-          <a:solidFill>
-            <a:schemeClr val="tx1">
-              <a:alpha val="75000"/>
-            </a:schemeClr>
-          </a:solidFill>
-          <a:ln>
-            <a:noFill/>
-          </a:ln>
-        </p:spPr>
-        <p:style>
-          <a:lnRef idx="2">
-            <a:schemeClr val="accent1">
-              <a:shade val="50000"/>
-            </a:schemeClr>
-          </a:lnRef>
-          <a:fillRef idx="1">
-            <a:schemeClr val="accent1"/>
-          </a:fillRef>
-          <a:effectRef idx="0">
-            <a:schemeClr val="accent1"/>
-          </a:effectRef>
-          <a:fontRef idx="minor">
-            <a:schemeClr val="lt1"/>
-          </a:fontRef>
-        </p:style>
-        <p:txBody>
-          <a:bodyPr rtlCol="0" anchor="ctr"/>
-          <a:lstStyle/>
-          <a:p>
-            <a:pPr algn="ctr"/>
-            <a:endParaRPr lang="en-US"/>
-          </a:p>
-        </p:txBody>
-      </p:sp>
-      <p:pic>
-        <p:nvPicPr>
-          <p:cNvPr id="3" name="Imagen 2"/>
-          <p:cNvPicPr>
-            <a:picLocks noChangeAspect="1"/>
-          </p:cNvPicPr>
-          <p:nvPr/>
-        </p:nvPicPr>
-        <p:blipFill>
-          <a:blip r:embed="rId2" cstate="print">
-            <a:extLst>
-              <a:ext uri="{28A0092B-C50C-407E-A947-70E740481C1C}">
-                <a14:useLocalDpi xmlns:a14="http://schemas.microsoft.com/office/drawing/2010/main" val="0"/>
-              </a:ext>
-            </a:extLst>
-          </a:blip>
-          <a:stretch>
-            <a:fillRect/>
-          </a:stretch>
-        </p:blipFill>
-        <p:spPr>
-          <a:xfrm>
-            <a:off x="753776" y="1388303"/>
-            <a:ext cx="10684448" cy="5422359"/>
-          </a:xfrm>
-          <a:prstGeom prst="rect">
-            <a:avLst/>
-          </a:prstGeom>
-        </p:spPr>
-      </p:pic>
-      <p:sp>
-        <p:nvSpPr>
-          <p:cNvPr id="2" name="Título 1"/>
-          <p:cNvSpPr>
-            <a:spLocks noGrp="1"/>
-          </p:cNvSpPr>
-          <p:nvPr>
-            <p:ph type="title"/>
-          </p:nvPr>
-        </p:nvSpPr>
-        <p:spPr>
-          <a:xfrm>
-            <a:off x="556532" y="643467"/>
-            <a:ext cx="11210925" cy="744836"/>
-          </a:xfrm>
-        </p:spPr>
-        <p:txBody>
-          <a:bodyPr vert="horz" lIns="91440" tIns="45720" rIns="91440" bIns="45720" rtlCol="0" anchor="ctr">
-            <a:noAutofit/>
-          </a:bodyPr>
-          <a:lstStyle/>
-          <a:p>
-            <a:pPr algn="ctr"/>
-            <a:r>
-              <a:rPr lang="en-US" sz="5400" dirty="0">
-                <a:solidFill>
-                  <a:schemeClr val="bg1"/>
-                </a:solidFill>
-              </a:rPr>
-              <a:t>PROCESAMIENTO DE DATOS</a:t>
-            </a:r>
-          </a:p>
-        </p:txBody>
-      </p:sp>
-    </p:spTree>
-    <p:extLst>
-      <p:ext uri="{BB962C8B-B14F-4D97-AF65-F5344CB8AC3E}">
-        <p14:creationId xmlns:p14="http://schemas.microsoft.com/office/powerpoint/2010/main" val="1316324414"/>
-      </p:ext>
-    </p:extLst>
-  </p:cSld>
-  <p:clrMapOvr>
-    <a:masterClrMapping/>
-  </p:clrMapOvr>
-</p:sld>
-</file>
-
-<file path=ppt/slides/slide9.xml><?xml version="1.0" encoding="utf-8"?>
-<p:sld xmlns:a="http://schemas.openxmlformats.org/drawingml/2006/main" xmlns:r="http://schemas.openxmlformats.org/officeDocument/2006/relationships" xmlns:p="http://schemas.openxmlformats.org/presentationml/2006/main">
-  <p:cSld>
-    <p:spTree>
-      <p:nvGrpSpPr>
-        <p:cNvPr id="1" name=""/>
-        <p:cNvGrpSpPr/>
-        <p:nvPr/>
-      </p:nvGrpSpPr>
-      <p:grpSpPr>
-        <a:xfrm>
-          <a:off x="0" y="0"/>
-          <a:ext cx="0" cy="0"/>
-          <a:chOff x="0" y="0"/>
-          <a:chExt cx="0" cy="0"/>
-        </a:xfrm>
-      </p:grpSpPr>
-      <p:sp>
-        <p:nvSpPr>
           <p:cNvPr id="5" name="Rectangle 4"/>
           <p:cNvSpPr>
             <a:spLocks noGrp="1" noRot="1" noChangeAspect="1" noMove="1" noResize="1" noEditPoints="1" noAdjustHandles="1" noChangeArrowheads="1" noChangeShapeType="1" noTextEdit="1"/>
@@ -28240,6 +27600,666 @@
   </p:cSld>
   <p:clrMapOvr>
     <a:overrideClrMapping bg1="dk1" tx1="lt1" bg2="dk2" tx2="lt2" accent1="accent1" accent2="accent2" accent3="accent3" accent4="accent4" accent5="accent5" accent6="accent6" hlink="hlink" folHlink="folHlink"/>
+  </p:clrMapOvr>
+</p:sld>
+</file>
+
+<file path=ppt/slides/slide7.xml><?xml version="1.0" encoding="utf-8"?>
+<p:sld xmlns:a="http://schemas.openxmlformats.org/drawingml/2006/main" xmlns:r="http://schemas.openxmlformats.org/officeDocument/2006/relationships" xmlns:p="http://schemas.openxmlformats.org/presentationml/2006/main">
+  <p:cSld>
+    <p:spTree>
+      <p:nvGrpSpPr>
+        <p:cNvPr id="1" name=""/>
+        <p:cNvGrpSpPr/>
+        <p:nvPr/>
+      </p:nvGrpSpPr>
+      <p:grpSpPr>
+        <a:xfrm>
+          <a:off x="0" y="0"/>
+          <a:ext cx="0" cy="0"/>
+          <a:chOff x="0" y="0"/>
+          <a:chExt cx="0" cy="0"/>
+        </a:xfrm>
+      </p:grpSpPr>
+      <p:sp>
+        <p:nvSpPr>
+          <p:cNvPr id="20" name="Rectangle 12"/>
+          <p:cNvSpPr>
+            <a:spLocks noGrp="1" noRot="1" noChangeAspect="1" noMove="1" noResize="1" noEditPoints="1" noAdjustHandles="1" noChangeArrowheads="1" noChangeShapeType="1" noTextEdit="1"/>
+          </p:cNvSpPr>
+          <p:nvPr>
+            <p:extLst>
+              <p:ext uri="{386F3935-93C4-4BCD-93E2-E3B085C9AB24}">
+                <p16:designElem xmlns:p16="http://schemas.microsoft.com/office/powerpoint/2015/main" val="1"/>
+              </p:ext>
+            </p:extLst>
+          </p:nvPr>
+        </p:nvSpPr>
+        <p:spPr>
+          <a:xfrm>
+            <a:off x="0" y="2"/>
+            <a:ext cx="4636008" cy="6857998"/>
+          </a:xfrm>
+          <a:prstGeom prst="rect">
+            <a:avLst/>
+          </a:prstGeom>
+          <a:solidFill>
+            <a:schemeClr val="tx1">
+              <a:lumMod val="85000"/>
+              <a:lumOff val="15000"/>
+            </a:schemeClr>
+          </a:solidFill>
+          <a:ln>
+            <a:noFill/>
+          </a:ln>
+          <a:effectLst/>
+        </p:spPr>
+        <p:style>
+          <a:lnRef idx="1">
+            <a:schemeClr val="accent1"/>
+          </a:lnRef>
+          <a:fillRef idx="3">
+            <a:schemeClr val="accent1"/>
+          </a:fillRef>
+          <a:effectRef idx="2">
+            <a:schemeClr val="accent1"/>
+          </a:effectRef>
+          <a:fontRef idx="minor">
+            <a:schemeClr val="lt1"/>
+          </a:fontRef>
+        </p:style>
+        <p:txBody>
+          <a:bodyPr rtlCol="0" anchor="ctr"/>
+          <a:lstStyle/>
+          <a:p>
+            <a:pPr algn="ctr" defTabSz="457200"/>
+            <a:endParaRPr lang="en-US">
+              <a:solidFill>
+                <a:srgbClr val="FFFFFF"/>
+              </a:solidFill>
+              <a:latin typeface="Calibri" panose="020F0502020204030204"/>
+            </a:endParaRPr>
+          </a:p>
+        </p:txBody>
+      </p:sp>
+      <p:pic>
+        <p:nvPicPr>
+          <p:cNvPr id="11" name="Imagen 10"/>
+          <p:cNvPicPr>
+            <a:picLocks noChangeAspect="1"/>
+          </p:cNvPicPr>
+          <p:nvPr/>
+        </p:nvPicPr>
+        <p:blipFill rotWithShape="1">
+          <a:blip r:embed="rId2" cstate="print">
+            <a:extLst>
+              <a:ext uri="{28A0092B-C50C-407E-A947-70E740481C1C}">
+                <a14:useLocalDpi xmlns:a14="http://schemas.microsoft.com/office/drawing/2010/main" val="0"/>
+              </a:ext>
+            </a:extLst>
+          </a:blip>
+          <a:srcRect l="1021" r="-2" b="-2"/>
+          <a:stretch/>
+        </p:blipFill>
+        <p:spPr>
+          <a:xfrm>
+            <a:off x="6010183" y="629266"/>
+            <a:ext cx="4434582" cy="3941108"/>
+          </a:xfrm>
+          <a:prstGeom prst="rect">
+            <a:avLst/>
+          </a:prstGeom>
+          <a:effectLst/>
+        </p:spPr>
+      </p:pic>
+      <p:sp>
+        <p:nvSpPr>
+          <p:cNvPr id="2" name="Título 1"/>
+          <p:cNvSpPr>
+            <a:spLocks noGrp="1"/>
+          </p:cNvSpPr>
+          <p:nvPr>
+            <p:ph type="title"/>
+          </p:nvPr>
+        </p:nvSpPr>
+        <p:spPr>
+          <a:xfrm>
+            <a:off x="648929" y="629266"/>
+            <a:ext cx="3667039" cy="1676603"/>
+          </a:xfrm>
+        </p:spPr>
+        <p:txBody>
+          <a:bodyPr>
+            <a:normAutofit/>
+          </a:bodyPr>
+          <a:lstStyle/>
+          <a:p>
+            <a:r>
+              <a:rPr lang="es-ES" sz="3600" dirty="0">
+                <a:solidFill>
+                  <a:schemeClr val="bg1"/>
+                </a:solidFill>
+              </a:rPr>
+              <a:t>PROCESAMIENTO DE DATOS</a:t>
+            </a:r>
+          </a:p>
+        </p:txBody>
+      </p:sp>
+      <p:sp>
+        <p:nvSpPr>
+          <p:cNvPr id="3" name="Marcador de contenido 2"/>
+          <p:cNvSpPr>
+            <a:spLocks noGrp="1"/>
+          </p:cNvSpPr>
+          <p:nvPr>
+            <p:ph idx="1"/>
+          </p:nvPr>
+        </p:nvSpPr>
+        <p:spPr>
+          <a:xfrm>
+            <a:off x="206062" y="2438401"/>
+            <a:ext cx="4109906" cy="3779520"/>
+          </a:xfrm>
+        </p:spPr>
+        <p:txBody>
+          <a:bodyPr>
+            <a:normAutofit/>
+          </a:bodyPr>
+          <a:lstStyle/>
+          <a:p>
+            <a:pPr marL="0" indent="0">
+              <a:lnSpc>
+                <a:spcPct val="80000"/>
+              </a:lnSpc>
+              <a:buNone/>
+            </a:pPr>
+            <a:r>
+              <a:rPr lang="es-ES" sz="2600" dirty="0">
+                <a:solidFill>
+                  <a:schemeClr val="bg1"/>
+                </a:solidFill>
+              </a:rPr>
+              <a:t>La salida es una transformación de los datos de cambio del IBEX35</a:t>
+            </a:r>
+          </a:p>
+          <a:p>
+            <a:pPr>
+              <a:lnSpc>
+                <a:spcPct val="80000"/>
+              </a:lnSpc>
+            </a:pPr>
+            <a:r>
+              <a:rPr lang="es-ES" sz="2600" b="1" u="sng" dirty="0">
+                <a:solidFill>
+                  <a:schemeClr val="bg1"/>
+                </a:solidFill>
+              </a:rPr>
+              <a:t>CRECIMIENTO:</a:t>
+            </a:r>
+            <a:r>
+              <a:rPr lang="es-ES" sz="2600" dirty="0">
+                <a:solidFill>
+                  <a:schemeClr val="bg1"/>
+                </a:solidFill>
+              </a:rPr>
+              <a:t> Si el cambio es mayor que 0.</a:t>
+            </a:r>
+          </a:p>
+          <a:p>
+            <a:pPr>
+              <a:lnSpc>
+                <a:spcPct val="80000"/>
+              </a:lnSpc>
+            </a:pPr>
+            <a:r>
+              <a:rPr lang="es-ES" sz="2600" b="1" u="sng" dirty="0">
+                <a:solidFill>
+                  <a:schemeClr val="bg1"/>
+                </a:solidFill>
+              </a:rPr>
+              <a:t>CAIDA:</a:t>
+            </a:r>
+            <a:r>
+              <a:rPr lang="es-ES" sz="2600" dirty="0">
+                <a:solidFill>
+                  <a:schemeClr val="bg1"/>
+                </a:solidFill>
+              </a:rPr>
+              <a:t> Si el cambio es 0 o menor que cero.</a:t>
+            </a:r>
+          </a:p>
+          <a:p>
+            <a:pPr marL="0" indent="0">
+              <a:lnSpc>
+                <a:spcPct val="80000"/>
+              </a:lnSpc>
+              <a:buNone/>
+            </a:pPr>
+            <a:endParaRPr lang="es-ES" sz="2600" dirty="0">
+              <a:solidFill>
+                <a:schemeClr val="bg1"/>
+              </a:solidFill>
+            </a:endParaRPr>
+          </a:p>
+          <a:p>
+            <a:pPr marL="0" indent="0">
+              <a:lnSpc>
+                <a:spcPct val="80000"/>
+              </a:lnSpc>
+              <a:buNone/>
+            </a:pPr>
+            <a:r>
+              <a:rPr lang="es-ES" sz="2600" dirty="0">
+                <a:solidFill>
+                  <a:schemeClr val="bg1"/>
+                </a:solidFill>
+              </a:rPr>
+              <a:t>Por lo que un ejemplo de los datos de un día sería</a:t>
+            </a:r>
+          </a:p>
+          <a:p>
+            <a:pPr marL="0" indent="0">
+              <a:lnSpc>
+                <a:spcPct val="80000"/>
+              </a:lnSpc>
+              <a:buNone/>
+            </a:pPr>
+            <a:endParaRPr lang="es-ES" sz="1800" dirty="0">
+              <a:solidFill>
+                <a:schemeClr val="bg1"/>
+              </a:solidFill>
+            </a:endParaRPr>
+          </a:p>
+        </p:txBody>
+      </p:sp>
+      <p:pic>
+        <p:nvPicPr>
+          <p:cNvPr id="19" name="Imagen 18"/>
+          <p:cNvPicPr>
+            <a:picLocks noChangeAspect="1"/>
+          </p:cNvPicPr>
+          <p:nvPr/>
+        </p:nvPicPr>
+        <p:blipFill>
+          <a:blip r:embed="rId3" cstate="print"/>
+          <a:stretch>
+            <a:fillRect/>
+          </a:stretch>
+        </p:blipFill>
+        <p:spPr>
+          <a:xfrm>
+            <a:off x="4842070" y="5237759"/>
+            <a:ext cx="7284661" cy="980162"/>
+          </a:xfrm>
+          <a:prstGeom prst="rect">
+            <a:avLst/>
+          </a:prstGeom>
+        </p:spPr>
+      </p:pic>
+    </p:spTree>
+    <p:extLst>
+      <p:ext uri="{BB962C8B-B14F-4D97-AF65-F5344CB8AC3E}">
+        <p14:creationId xmlns:p14="http://schemas.microsoft.com/office/powerpoint/2010/main" val="3839184132"/>
+      </p:ext>
+    </p:extLst>
+  </p:cSld>
+  <p:clrMapOvr>
+    <a:masterClrMapping/>
+  </p:clrMapOvr>
+</p:sld>
+</file>
+
+<file path=ppt/slides/slide8.xml><?xml version="1.0" encoding="utf-8"?>
+<p:sld xmlns:a="http://schemas.openxmlformats.org/drawingml/2006/main" xmlns:r="http://schemas.openxmlformats.org/officeDocument/2006/relationships" xmlns:p="http://schemas.openxmlformats.org/presentationml/2006/main">
+  <p:cSld>
+    <p:spTree>
+      <p:nvGrpSpPr>
+        <p:cNvPr id="1" name=""/>
+        <p:cNvGrpSpPr/>
+        <p:nvPr/>
+      </p:nvGrpSpPr>
+      <p:grpSpPr>
+        <a:xfrm>
+          <a:off x="0" y="0"/>
+          <a:ext cx="0" cy="0"/>
+          <a:chOff x="0" y="0"/>
+          <a:chExt cx="0" cy="0"/>
+        </a:xfrm>
+      </p:grpSpPr>
+      <p:sp>
+        <p:nvSpPr>
+          <p:cNvPr id="22" name="Rectangle 7"/>
+          <p:cNvSpPr>
+            <a:spLocks noGrp="1" noRot="1" noChangeAspect="1" noMove="1" noResize="1" noEditPoints="1" noAdjustHandles="1" noChangeArrowheads="1" noChangeShapeType="1" noTextEdit="1"/>
+          </p:cNvSpPr>
+          <p:nvPr>
+            <p:extLst>
+              <p:ext uri="{386F3935-93C4-4BCD-93E2-E3B085C9AB24}">
+                <p16:designElem xmlns:p16="http://schemas.microsoft.com/office/powerpoint/2015/main" val="1"/>
+              </p:ext>
+            </p:extLst>
+          </p:nvPr>
+        </p:nvSpPr>
+        <p:spPr bwMode="white">
+          <a:xfrm>
+            <a:off x="0" y="0"/>
+            <a:ext cx="12192000" cy="6858000"/>
+          </a:xfrm>
+          <a:prstGeom prst="rect">
+            <a:avLst/>
+          </a:prstGeom>
+          <a:solidFill>
+            <a:schemeClr val="bg1"/>
+          </a:solidFill>
+          <a:ln>
+            <a:noFill/>
+          </a:ln>
+          <a:effectLst/>
+        </p:spPr>
+      </p:sp>
+      <p:sp>
+        <p:nvSpPr>
+          <p:cNvPr id="9" name="Rectangle 8"/>
+          <p:cNvSpPr>
+            <a:spLocks noGrp="1" noRot="1" noChangeAspect="1" noMove="1" noResize="1" noEditPoints="1" noAdjustHandles="1" noChangeArrowheads="1" noChangeShapeType="1" noTextEdit="1"/>
+          </p:cNvSpPr>
+          <p:nvPr>
+            <p:extLst>
+              <p:ext uri="{386F3935-93C4-4BCD-93E2-E3B085C9AB24}">
+                <p16:designElem xmlns:p16="http://schemas.microsoft.com/office/powerpoint/2015/main" val="1"/>
+              </p:ext>
+            </p:extLst>
+          </p:nvPr>
+        </p:nvSpPr>
+        <p:spPr>
+          <a:xfrm>
+            <a:off x="0" y="651752"/>
+            <a:ext cx="12192000" cy="736551"/>
+          </a:xfrm>
+          <a:prstGeom prst="rect">
+            <a:avLst/>
+          </a:prstGeom>
+          <a:solidFill>
+            <a:schemeClr val="tx1">
+              <a:alpha val="75000"/>
+            </a:schemeClr>
+          </a:solidFill>
+          <a:ln>
+            <a:noFill/>
+          </a:ln>
+        </p:spPr>
+        <p:style>
+          <a:lnRef idx="2">
+            <a:schemeClr val="accent1">
+              <a:shade val="50000"/>
+            </a:schemeClr>
+          </a:lnRef>
+          <a:fillRef idx="1">
+            <a:schemeClr val="accent1"/>
+          </a:fillRef>
+          <a:effectRef idx="0">
+            <a:schemeClr val="accent1"/>
+          </a:effectRef>
+          <a:fontRef idx="minor">
+            <a:schemeClr val="lt1"/>
+          </a:fontRef>
+        </p:style>
+        <p:txBody>
+          <a:bodyPr rtlCol="0" anchor="ctr"/>
+          <a:lstStyle/>
+          <a:p>
+            <a:pPr algn="ctr"/>
+            <a:endParaRPr lang="en-US"/>
+          </a:p>
+        </p:txBody>
+      </p:sp>
+      <p:pic>
+        <p:nvPicPr>
+          <p:cNvPr id="6" name="Marcador de contenido 3"/>
+          <p:cNvPicPr>
+            <a:picLocks noChangeAspect="1"/>
+          </p:cNvPicPr>
+          <p:nvPr/>
+        </p:nvPicPr>
+        <p:blipFill rotWithShape="1">
+          <a:blip r:embed="rId2" cstate="print"/>
+          <a:srcRect/>
+          <a:stretch/>
+        </p:blipFill>
+        <p:spPr>
+          <a:xfrm>
+            <a:off x="704986" y="1508508"/>
+            <a:ext cx="10782028" cy="5229286"/>
+          </a:xfrm>
+          <a:prstGeom prst="rect">
+            <a:avLst/>
+          </a:prstGeom>
+        </p:spPr>
+      </p:pic>
+      <p:sp>
+        <p:nvSpPr>
+          <p:cNvPr id="2" name="Título 1"/>
+          <p:cNvSpPr>
+            <a:spLocks noGrp="1"/>
+          </p:cNvSpPr>
+          <p:nvPr>
+            <p:ph type="title"/>
+          </p:nvPr>
+        </p:nvSpPr>
+        <p:spPr>
+          <a:xfrm>
+            <a:off x="556532" y="643467"/>
+            <a:ext cx="11210925" cy="744836"/>
+          </a:xfrm>
+        </p:spPr>
+        <p:txBody>
+          <a:bodyPr vert="horz" lIns="91440" tIns="45720" rIns="91440" bIns="45720" rtlCol="0" anchor="ctr">
+            <a:noAutofit/>
+          </a:bodyPr>
+          <a:lstStyle/>
+          <a:p>
+            <a:pPr algn="ctr"/>
+            <a:r>
+              <a:rPr lang="en-US" sz="4800" dirty="0">
+                <a:solidFill>
+                  <a:schemeClr val="bg1"/>
+                </a:solidFill>
+              </a:rPr>
+              <a:t>PROCESAMIENTO DE DATOS</a:t>
+            </a:r>
+          </a:p>
+        </p:txBody>
+      </p:sp>
+    </p:spTree>
+    <p:extLst>
+      <p:ext uri="{BB962C8B-B14F-4D97-AF65-F5344CB8AC3E}">
+        <p14:creationId xmlns:p14="http://schemas.microsoft.com/office/powerpoint/2010/main" val="3844390514"/>
+      </p:ext>
+    </p:extLst>
+  </p:cSld>
+  <p:clrMapOvr>
+    <a:masterClrMapping/>
+  </p:clrMapOvr>
+</p:sld>
+</file>
+
+<file path=ppt/slides/slide9.xml><?xml version="1.0" encoding="utf-8"?>
+<p:sld xmlns:a="http://schemas.openxmlformats.org/drawingml/2006/main" xmlns:r="http://schemas.openxmlformats.org/officeDocument/2006/relationships" xmlns:p="http://schemas.openxmlformats.org/presentationml/2006/main">
+  <p:cSld>
+    <p:spTree>
+      <p:nvGrpSpPr>
+        <p:cNvPr id="1" name=""/>
+        <p:cNvGrpSpPr/>
+        <p:nvPr/>
+      </p:nvGrpSpPr>
+      <p:grpSpPr>
+        <a:xfrm>
+          <a:off x="0" y="0"/>
+          <a:ext cx="0" cy="0"/>
+          <a:chOff x="0" y="0"/>
+          <a:chExt cx="0" cy="0"/>
+        </a:xfrm>
+      </p:grpSpPr>
+      <p:sp>
+        <p:nvSpPr>
+          <p:cNvPr id="12" name="Rectangle 11"/>
+          <p:cNvSpPr>
+            <a:spLocks noGrp="1" noRot="1" noChangeAspect="1" noMove="1" noResize="1" noEditPoints="1" noAdjustHandles="1" noChangeArrowheads="1" noChangeShapeType="1" noTextEdit="1"/>
+          </p:cNvSpPr>
+          <p:nvPr>
+            <p:extLst>
+              <p:ext uri="{386F3935-93C4-4BCD-93E2-E3B085C9AB24}">
+                <p16:designElem xmlns:p16="http://schemas.microsoft.com/office/powerpoint/2015/main" val="1"/>
+              </p:ext>
+            </p:extLst>
+          </p:nvPr>
+        </p:nvSpPr>
+        <p:spPr bwMode="white">
+          <a:xfrm>
+            <a:off x="0" y="0"/>
+            <a:ext cx="12192000" cy="6858000"/>
+          </a:xfrm>
+          <a:prstGeom prst="rect">
+            <a:avLst/>
+          </a:prstGeom>
+          <a:solidFill>
+            <a:schemeClr val="bg1"/>
+          </a:solidFill>
+          <a:ln>
+            <a:noFill/>
+          </a:ln>
+          <a:effectLst/>
+        </p:spPr>
+      </p:sp>
+      <p:sp>
+        <p:nvSpPr>
+          <p:cNvPr id="13" name="Rectangle 12"/>
+          <p:cNvSpPr>
+            <a:spLocks noGrp="1" noRot="1" noChangeAspect="1" noMove="1" noResize="1" noEditPoints="1" noAdjustHandles="1" noChangeArrowheads="1" noChangeShapeType="1" noTextEdit="1"/>
+          </p:cNvSpPr>
+          <p:nvPr>
+            <p:extLst>
+              <p:ext uri="{386F3935-93C4-4BCD-93E2-E3B085C9AB24}">
+                <p16:designElem xmlns:p16="http://schemas.microsoft.com/office/powerpoint/2015/main" val="1"/>
+              </p:ext>
+            </p:extLst>
+          </p:nvPr>
+        </p:nvSpPr>
+        <p:spPr>
+          <a:xfrm>
+            <a:off x="0" y="651752"/>
+            <a:ext cx="12192000" cy="736551"/>
+          </a:xfrm>
+          <a:prstGeom prst="rect">
+            <a:avLst/>
+          </a:prstGeom>
+          <a:solidFill>
+            <a:schemeClr val="tx1">
+              <a:alpha val="75000"/>
+            </a:schemeClr>
+          </a:solidFill>
+          <a:ln>
+            <a:noFill/>
+          </a:ln>
+        </p:spPr>
+        <p:style>
+          <a:lnRef idx="2">
+            <a:schemeClr val="accent1">
+              <a:shade val="50000"/>
+            </a:schemeClr>
+          </a:lnRef>
+          <a:fillRef idx="1">
+            <a:schemeClr val="accent1"/>
+          </a:fillRef>
+          <a:effectRef idx="0">
+            <a:schemeClr val="accent1"/>
+          </a:effectRef>
+          <a:fontRef idx="minor">
+            <a:schemeClr val="lt1"/>
+          </a:fontRef>
+        </p:style>
+        <p:txBody>
+          <a:bodyPr rtlCol="0" anchor="ctr"/>
+          <a:lstStyle/>
+          <a:p>
+            <a:pPr algn="ctr"/>
+            <a:endParaRPr lang="en-US"/>
+          </a:p>
+        </p:txBody>
+      </p:sp>
+      <p:pic>
+        <p:nvPicPr>
+          <p:cNvPr id="8" name="Imagen 7"/>
+          <p:cNvPicPr>
+            <a:picLocks noChangeAspect="1"/>
+          </p:cNvPicPr>
+          <p:nvPr/>
+        </p:nvPicPr>
+        <p:blipFill>
+          <a:blip r:embed="rId2" cstate="print">
+            <a:extLst>
+              <a:ext uri="{28A0092B-C50C-407E-A947-70E740481C1C}">
+                <a14:useLocalDpi xmlns:a14="http://schemas.microsoft.com/office/drawing/2010/main" val="0"/>
+              </a:ext>
+            </a:extLst>
+          </a:blip>
+          <a:stretch>
+            <a:fillRect/>
+          </a:stretch>
+        </p:blipFill>
+        <p:spPr>
+          <a:xfrm>
+            <a:off x="754523" y="1388303"/>
+            <a:ext cx="10682953" cy="5421600"/>
+          </a:xfrm>
+          <a:prstGeom prst="rect">
+            <a:avLst/>
+          </a:prstGeom>
+        </p:spPr>
+      </p:pic>
+      <p:sp>
+        <p:nvSpPr>
+          <p:cNvPr id="2" name="Título 1"/>
+          <p:cNvSpPr>
+            <a:spLocks noGrp="1"/>
+          </p:cNvSpPr>
+          <p:nvPr>
+            <p:ph type="title"/>
+          </p:nvPr>
+        </p:nvSpPr>
+        <p:spPr>
+          <a:xfrm>
+            <a:off x="556532" y="643467"/>
+            <a:ext cx="11210925" cy="744836"/>
+          </a:xfrm>
+        </p:spPr>
+        <p:txBody>
+          <a:bodyPr vert="horz" lIns="91440" tIns="45720" rIns="91440" bIns="45720" rtlCol="0" anchor="ctr">
+            <a:noAutofit/>
+          </a:bodyPr>
+          <a:lstStyle/>
+          <a:p>
+            <a:pPr algn="ctr"/>
+            <a:r>
+              <a:rPr lang="en-US" sz="5400" dirty="0">
+                <a:solidFill>
+                  <a:schemeClr val="bg1"/>
+                </a:solidFill>
+              </a:rPr>
+              <a:t>PROCESAMIENTO DE DATOS</a:t>
+            </a:r>
+          </a:p>
+        </p:txBody>
+      </p:sp>
+    </p:spTree>
+    <p:extLst>
+      <p:ext uri="{BB962C8B-B14F-4D97-AF65-F5344CB8AC3E}">
+        <p14:creationId xmlns:p14="http://schemas.microsoft.com/office/powerpoint/2010/main" val="38684972"/>
+      </p:ext>
+    </p:extLst>
+  </p:cSld>
+  <p:clrMapOvr>
+    <a:masterClrMapping/>
   </p:clrMapOvr>
 </p:sld>
 </file>

--- a/docs/PresentacionFinal.pptx
+++ b/docs/PresentacionFinal.pptx
@@ -6,28 +6,30 @@
   </p:sldMasterIdLst>
   <p:sldIdLst>
     <p:sldId id="256" r:id="rId2"/>
-    <p:sldId id="257" r:id="rId3"/>
-    <p:sldId id="279" r:id="rId4"/>
-    <p:sldId id="280" r:id="rId5"/>
-    <p:sldId id="258" r:id="rId6"/>
-    <p:sldId id="262" r:id="rId7"/>
-    <p:sldId id="263" r:id="rId8"/>
-    <p:sldId id="259" r:id="rId9"/>
-    <p:sldId id="260" r:id="rId10"/>
-    <p:sldId id="261" r:id="rId11"/>
-    <p:sldId id="264" r:id="rId12"/>
-    <p:sldId id="265" r:id="rId13"/>
-    <p:sldId id="266" r:id="rId14"/>
-    <p:sldId id="267" r:id="rId15"/>
-    <p:sldId id="268" r:id="rId16"/>
-    <p:sldId id="274" r:id="rId17"/>
-    <p:sldId id="275" r:id="rId18"/>
-    <p:sldId id="276" r:id="rId19"/>
-    <p:sldId id="277" r:id="rId20"/>
-    <p:sldId id="278" r:id="rId21"/>
-    <p:sldId id="271" r:id="rId22"/>
-    <p:sldId id="272" r:id="rId23"/>
-    <p:sldId id="273" r:id="rId24"/>
+    <p:sldId id="282" r:id="rId3"/>
+    <p:sldId id="257" r:id="rId4"/>
+    <p:sldId id="279" r:id="rId5"/>
+    <p:sldId id="280" r:id="rId6"/>
+    <p:sldId id="258" r:id="rId7"/>
+    <p:sldId id="262" r:id="rId8"/>
+    <p:sldId id="263" r:id="rId9"/>
+    <p:sldId id="259" r:id="rId10"/>
+    <p:sldId id="260" r:id="rId11"/>
+    <p:sldId id="261" r:id="rId12"/>
+    <p:sldId id="264" r:id="rId13"/>
+    <p:sldId id="265" r:id="rId14"/>
+    <p:sldId id="266" r:id="rId15"/>
+    <p:sldId id="267" r:id="rId16"/>
+    <p:sldId id="268" r:id="rId17"/>
+    <p:sldId id="274" r:id="rId18"/>
+    <p:sldId id="275" r:id="rId19"/>
+    <p:sldId id="276" r:id="rId20"/>
+    <p:sldId id="277" r:id="rId21"/>
+    <p:sldId id="278" r:id="rId22"/>
+    <p:sldId id="271" r:id="rId23"/>
+    <p:sldId id="272" r:id="rId24"/>
+    <p:sldId id="273" r:id="rId25"/>
+    <p:sldId id="284" r:id="rId26"/>
   </p:sldIdLst>
   <p:sldSz cx="12192000" cy="6858000"/>
   <p:notesSz cx="6858000" cy="9144000"/>
@@ -128,7 +130,7 @@
   </p:defaultTextStyle>
   <p:extLst>
     <p:ext uri="{EFAFB233-063F-42B5-8137-9DF3F51BA10A}">
-      <p15:sldGuideLst xmlns:p15="http://schemas.microsoft.com/office/powerpoint/2012/main">
+      <p15:sldGuideLst xmlns:p15="http://schemas.microsoft.com/office/powerpoint/2012/main" xmlns="">
         <p15:guide id="1" orient="horz" pos="2160">
           <p15:clr>
             <a:srgbClr val="A4A3A4"/>
@@ -3611,6 +3613,13 @@
         </dgm:presLayoutVars>
       </dgm:prSet>
       <dgm:spPr/>
+      <dgm:t>
+        <a:bodyPr/>
+        <a:lstStyle/>
+        <a:p>
+          <a:endParaRPr lang="es-ES"/>
+        </a:p>
+      </dgm:t>
     </dgm:pt>
     <dgm:pt modelId="{46ADBB41-C6F7-4070-9695-45252DAD7766}" type="pres">
       <dgm:prSet presAssocID="{B29287EB-5257-4A72-B568-83E1FF74B78E}" presName="compNode" presStyleCnt="0"/>
@@ -3627,10 +3636,24 @@
         </dgm:presLayoutVars>
       </dgm:prSet>
       <dgm:spPr/>
+      <dgm:t>
+        <a:bodyPr/>
+        <a:lstStyle/>
+        <a:p>
+          <a:endParaRPr lang="es-ES"/>
+        </a:p>
+      </dgm:t>
     </dgm:pt>
     <dgm:pt modelId="{0FCC7F6B-0C41-4FE0-B139-A78D14AD8923}" type="pres">
       <dgm:prSet presAssocID="{B29287EB-5257-4A72-B568-83E1FF74B78E}" presName="childTextHidden" presStyleLbl="bgAccFollowNode1" presStyleIdx="0" presStyleCnt="3"/>
       <dgm:spPr/>
+      <dgm:t>
+        <a:bodyPr/>
+        <a:lstStyle/>
+        <a:p>
+          <a:endParaRPr lang="es-ES"/>
+        </a:p>
+      </dgm:t>
     </dgm:pt>
     <dgm:pt modelId="{D4BDE164-A985-4E11-BCE7-D9F1F96F3E56}" type="pres">
       <dgm:prSet presAssocID="{B29287EB-5257-4A72-B568-83E1FF74B78E}" presName="parentText" presStyleLbl="node1" presStyleIdx="0" presStyleCnt="3">
@@ -3640,6 +3663,13 @@
         </dgm:presLayoutVars>
       </dgm:prSet>
       <dgm:spPr/>
+      <dgm:t>
+        <a:bodyPr/>
+        <a:lstStyle/>
+        <a:p>
+          <a:endParaRPr lang="es-ES"/>
+        </a:p>
+      </dgm:t>
     </dgm:pt>
     <dgm:pt modelId="{37D8D33B-2B9D-449C-A9EC-6068D6ABDB5A}" type="pres">
       <dgm:prSet presAssocID="{B29287EB-5257-4A72-B568-83E1FF74B78E}" presName="aSpace" presStyleCnt="0"/>
@@ -3660,10 +3690,24 @@
         </dgm:presLayoutVars>
       </dgm:prSet>
       <dgm:spPr/>
+      <dgm:t>
+        <a:bodyPr/>
+        <a:lstStyle/>
+        <a:p>
+          <a:endParaRPr lang="es-ES"/>
+        </a:p>
+      </dgm:t>
     </dgm:pt>
     <dgm:pt modelId="{CCB9BAE1-46F0-48A8-BC99-ADCCBEF9B131}" type="pres">
       <dgm:prSet presAssocID="{CD5C3F0E-07D0-4F04-ADC6-2287DA505F8D}" presName="childTextHidden" presStyleLbl="bgAccFollowNode1" presStyleIdx="1" presStyleCnt="3"/>
       <dgm:spPr/>
+      <dgm:t>
+        <a:bodyPr/>
+        <a:lstStyle/>
+        <a:p>
+          <a:endParaRPr lang="es-ES"/>
+        </a:p>
+      </dgm:t>
     </dgm:pt>
     <dgm:pt modelId="{4EC45A84-B17D-42BB-BFF6-00A7955F2DD8}" type="pres">
       <dgm:prSet presAssocID="{CD5C3F0E-07D0-4F04-ADC6-2287DA505F8D}" presName="parentText" presStyleLbl="node1" presStyleIdx="1" presStyleCnt="3">
@@ -3673,6 +3717,13 @@
         </dgm:presLayoutVars>
       </dgm:prSet>
       <dgm:spPr/>
+      <dgm:t>
+        <a:bodyPr/>
+        <a:lstStyle/>
+        <a:p>
+          <a:endParaRPr lang="es-ES"/>
+        </a:p>
+      </dgm:t>
     </dgm:pt>
     <dgm:pt modelId="{9A49CA38-B93A-4458-B5F6-89482A3D3DD9}" type="pres">
       <dgm:prSet presAssocID="{CD5C3F0E-07D0-4F04-ADC6-2287DA505F8D}" presName="aSpace" presStyleCnt="0"/>
@@ -3693,10 +3744,24 @@
         </dgm:presLayoutVars>
       </dgm:prSet>
       <dgm:spPr/>
+      <dgm:t>
+        <a:bodyPr/>
+        <a:lstStyle/>
+        <a:p>
+          <a:endParaRPr lang="es-ES"/>
+        </a:p>
+      </dgm:t>
     </dgm:pt>
     <dgm:pt modelId="{B28061A1-959A-4CCC-B4F0-7B01D8E65124}" type="pres">
       <dgm:prSet presAssocID="{3D30614B-637A-4CB4-9EB0-92A2EFB0C194}" presName="childTextHidden" presStyleLbl="bgAccFollowNode1" presStyleIdx="2" presStyleCnt="3"/>
       <dgm:spPr/>
+      <dgm:t>
+        <a:bodyPr/>
+        <a:lstStyle/>
+        <a:p>
+          <a:endParaRPr lang="es-ES"/>
+        </a:p>
+      </dgm:t>
     </dgm:pt>
     <dgm:pt modelId="{28C703E4-9C1D-4EEB-B4BD-4304F73C3779}" type="pres">
       <dgm:prSet presAssocID="{3D30614B-637A-4CB4-9EB0-92A2EFB0C194}" presName="parentText" presStyleLbl="node1" presStyleIdx="2" presStyleCnt="3">
@@ -3706,34 +3771,41 @@
         </dgm:presLayoutVars>
       </dgm:prSet>
       <dgm:spPr/>
+      <dgm:t>
+        <a:bodyPr/>
+        <a:lstStyle/>
+        <a:p>
+          <a:endParaRPr lang="es-ES"/>
+        </a:p>
+      </dgm:t>
     </dgm:pt>
   </dgm:ptLst>
   <dgm:cxnLst>
+    <dgm:cxn modelId="{B3297DBF-37A4-4025-A8FE-BEFE1FC91D41}" type="presOf" srcId="{37B4F018-E1BA-4AD0-A324-1EB5B5A65290}" destId="{E282D330-89B8-44D9-A6C5-AAFB6BB781FC}" srcOrd="0" destOrd="1" presId="urn:microsoft.com/office/officeart/2005/8/layout/hProcess6"/>
+    <dgm:cxn modelId="{BED71E58-E6F5-4CA5-9800-80A324C45B2C}" type="presOf" srcId="{DA3EDE2A-72A5-4A10-A9DB-BA922AA0BAEA}" destId="{3400CD74-5D7B-4E55-AC5F-3096E62A8AB5}" srcOrd="0" destOrd="0" presId="urn:microsoft.com/office/officeart/2005/8/layout/hProcess6"/>
+    <dgm:cxn modelId="{5E9CFFBE-0A45-45A4-BBB0-95909E92DFA2}" srcId="{3D30614B-637A-4CB4-9EB0-92A2EFB0C194}" destId="{DA3EDE2A-72A5-4A10-A9DB-BA922AA0BAEA}" srcOrd="0" destOrd="0" parTransId="{4D6C370D-73B8-4745-949E-F7133B054B42}" sibTransId="{8C604E52-FCD3-4A6C-A09F-176149D0EAED}"/>
+    <dgm:cxn modelId="{93CA71E0-EC10-4BE1-8BF9-DB6842FC7867}" type="presOf" srcId="{AE59A055-7DFF-4810-B453-88D932002C96}" destId="{E282D330-89B8-44D9-A6C5-AAFB6BB781FC}" srcOrd="0" destOrd="0" presId="urn:microsoft.com/office/officeart/2005/8/layout/hProcess6"/>
+    <dgm:cxn modelId="{642524A7-68B3-4130-8348-A9BF803A847B}" type="presOf" srcId="{37B4F018-E1BA-4AD0-A324-1EB5B5A65290}" destId="{CCB9BAE1-46F0-48A8-BC99-ADCCBEF9B131}" srcOrd="1" destOrd="1" presId="urn:microsoft.com/office/officeart/2005/8/layout/hProcess6"/>
+    <dgm:cxn modelId="{A82D7F77-7893-49D2-8FF6-F3670599BC11}" srcId="{46DCD79B-8CAA-4C19-97B0-F8DAF710CCE2}" destId="{CD5C3F0E-07D0-4F04-ADC6-2287DA505F8D}" srcOrd="1" destOrd="0" parTransId="{4BBBB763-5722-4348-A43D-64758A6FFCEB}" sibTransId="{589A6037-EB48-4785-9E31-5682419FFE5B}"/>
     <dgm:cxn modelId="{26244ABB-5602-483B-A618-9B2D40F538B2}" type="presOf" srcId="{3D30614B-637A-4CB4-9EB0-92A2EFB0C194}" destId="{28C703E4-9C1D-4EEB-B4BD-4304F73C3779}" srcOrd="0" destOrd="0" presId="urn:microsoft.com/office/officeart/2005/8/layout/hProcess6"/>
-    <dgm:cxn modelId="{417075EE-260B-43D1-99D7-D9BBB19B620D}" srcId="{CD5C3F0E-07D0-4F04-ADC6-2287DA505F8D}" destId="{37B4F018-E1BA-4AD0-A324-1EB5B5A65290}" srcOrd="1" destOrd="0" parTransId="{D34B99FD-86B8-415E-A47A-E165887DFEA4}" sibTransId="{7C437084-B4DD-4A7F-9C00-85BC2546A61B}"/>
-    <dgm:cxn modelId="{D8EE8595-1E6D-460C-B941-F0A5F6030981}" type="presOf" srcId="{46DCD79B-8CAA-4C19-97B0-F8DAF710CCE2}" destId="{339C7CEA-78A4-4709-9FFC-32B9225D0249}" srcOrd="0" destOrd="0" presId="urn:microsoft.com/office/officeart/2005/8/layout/hProcess6"/>
-    <dgm:cxn modelId="{93CA71E0-EC10-4BE1-8BF9-DB6842FC7867}" type="presOf" srcId="{AE59A055-7DFF-4810-B453-88D932002C96}" destId="{E282D330-89B8-44D9-A6C5-AAFB6BB781FC}" srcOrd="0" destOrd="0" presId="urn:microsoft.com/office/officeart/2005/8/layout/hProcess6"/>
+    <dgm:cxn modelId="{BA107A4D-4B66-433D-A78B-A29D1FB46CBC}" type="presOf" srcId="{CD5C3F0E-07D0-4F04-ADC6-2287DA505F8D}" destId="{4EC45A84-B17D-42BB-BFF6-00A7955F2DD8}" srcOrd="0" destOrd="0" presId="urn:microsoft.com/office/officeart/2005/8/layout/hProcess6"/>
+    <dgm:cxn modelId="{C4E553A3-56E9-41EC-B4DC-9C2BDCB02EE9}" type="presOf" srcId="{DA3EDE2A-72A5-4A10-A9DB-BA922AA0BAEA}" destId="{B28061A1-959A-4CCC-B4F0-7B01D8E65124}" srcOrd="1" destOrd="0" presId="urn:microsoft.com/office/officeart/2005/8/layout/hProcess6"/>
     <dgm:cxn modelId="{49B0D7D3-F2BD-4611-8E4D-616D9DB65421}" srcId="{46DCD79B-8CAA-4C19-97B0-F8DAF710CCE2}" destId="{B29287EB-5257-4A72-B568-83E1FF74B78E}" srcOrd="0" destOrd="0" parTransId="{1FBAFA14-DAC2-40E3-9F11-F9F463EF5201}" sibTransId="{78DE0300-F9D0-4CCC-B80D-98455BE1339A}"/>
+    <dgm:cxn modelId="{308DACEF-CB48-4C12-913C-6A612E2B3B02}" srcId="{CD5C3F0E-07D0-4F04-ADC6-2287DA505F8D}" destId="{AE59A055-7DFF-4810-B453-88D932002C96}" srcOrd="0" destOrd="0" parTransId="{BD7C582A-A8B0-449E-81C7-AA1B7B384C11}" sibTransId="{E9AA1BE4-A7F9-49A2-81B9-9495C034B7C3}"/>
+    <dgm:cxn modelId="{E0184358-51D9-40AC-8E64-8100C0A67108}" type="presOf" srcId="{1F6BF586-C97E-4CDD-9A59-34A3DEC16CED}" destId="{3400CD74-5D7B-4E55-AC5F-3096E62A8AB5}" srcOrd="0" destOrd="1" presId="urn:microsoft.com/office/officeart/2005/8/layout/hProcess6"/>
+    <dgm:cxn modelId="{EC8C2F65-438B-4A47-8C5F-0457071E44A2}" srcId="{B29287EB-5257-4A72-B568-83E1FF74B78E}" destId="{F61A4D85-92D7-46F5-AF0E-E5CB54170C40}" srcOrd="0" destOrd="0" parTransId="{B0299D8C-D4CF-46F5-8463-9F0819DC77A9}" sibTransId="{2C378C9D-CCF1-4174-92FA-911EEB1F47CF}"/>
     <dgm:cxn modelId="{D2FD1441-AABC-444F-B316-BB92E53E6B02}" type="presOf" srcId="{B29287EB-5257-4A72-B568-83E1FF74B78E}" destId="{D4BDE164-A985-4E11-BCE7-D9F1F96F3E56}" srcOrd="0" destOrd="0" presId="urn:microsoft.com/office/officeart/2005/8/layout/hProcess6"/>
-    <dgm:cxn modelId="{89F5077D-4A1D-4F56-9CEF-49AE27D31D45}" srcId="{3D30614B-637A-4CB4-9EB0-92A2EFB0C194}" destId="{1F6BF586-C97E-4CDD-9A59-34A3DEC16CED}" srcOrd="1" destOrd="0" parTransId="{93077CB5-8C72-4A8B-8AB0-C7DA6291F9B2}" sibTransId="{4024EEBB-A50F-43AB-8537-14C8C4887DA1}"/>
-    <dgm:cxn modelId="{B3297DBF-37A4-4025-A8FE-BEFE1FC91D41}" type="presOf" srcId="{37B4F018-E1BA-4AD0-A324-1EB5B5A65290}" destId="{E282D330-89B8-44D9-A6C5-AAFB6BB781FC}" srcOrd="0" destOrd="1" presId="urn:microsoft.com/office/officeart/2005/8/layout/hProcess6"/>
-    <dgm:cxn modelId="{C4E553A3-56E9-41EC-B4DC-9C2BDCB02EE9}" type="presOf" srcId="{DA3EDE2A-72A5-4A10-A9DB-BA922AA0BAEA}" destId="{B28061A1-959A-4CCC-B4F0-7B01D8E65124}" srcOrd="1" destOrd="0" presId="urn:microsoft.com/office/officeart/2005/8/layout/hProcess6"/>
-    <dgm:cxn modelId="{642524A7-68B3-4130-8348-A9BF803A847B}" type="presOf" srcId="{37B4F018-E1BA-4AD0-A324-1EB5B5A65290}" destId="{CCB9BAE1-46F0-48A8-BC99-ADCCBEF9B131}" srcOrd="1" destOrd="1" presId="urn:microsoft.com/office/officeart/2005/8/layout/hProcess6"/>
-    <dgm:cxn modelId="{B6BF7B9D-7832-454B-91C2-0E042FF16560}" type="presOf" srcId="{F61A4D85-92D7-46F5-AF0E-E5CB54170C40}" destId="{0147EF20-3C22-419D-B8E7-66311B69A382}" srcOrd="0" destOrd="0" presId="urn:microsoft.com/office/officeart/2005/8/layout/hProcess6"/>
-    <dgm:cxn modelId="{0210C9F5-BEC4-43A6-A99F-BEB9F1E65E05}" type="presOf" srcId="{AE59A055-7DFF-4810-B453-88D932002C96}" destId="{CCB9BAE1-46F0-48A8-BC99-ADCCBEF9B131}" srcOrd="1" destOrd="0" presId="urn:microsoft.com/office/officeart/2005/8/layout/hProcess6"/>
-    <dgm:cxn modelId="{5E9CFFBE-0A45-45A4-BBB0-95909E92DFA2}" srcId="{3D30614B-637A-4CB4-9EB0-92A2EFB0C194}" destId="{DA3EDE2A-72A5-4A10-A9DB-BA922AA0BAEA}" srcOrd="0" destOrd="0" parTransId="{4D6C370D-73B8-4745-949E-F7133B054B42}" sibTransId="{8C604E52-FCD3-4A6C-A09F-176149D0EAED}"/>
-    <dgm:cxn modelId="{BA107A4D-4B66-433D-A78B-A29D1FB46CBC}" type="presOf" srcId="{CD5C3F0E-07D0-4F04-ADC6-2287DA505F8D}" destId="{4EC45A84-B17D-42BB-BFF6-00A7955F2DD8}" srcOrd="0" destOrd="0" presId="urn:microsoft.com/office/officeart/2005/8/layout/hProcess6"/>
-    <dgm:cxn modelId="{EC8C2F65-438B-4A47-8C5F-0457071E44A2}" srcId="{B29287EB-5257-4A72-B568-83E1FF74B78E}" destId="{F61A4D85-92D7-46F5-AF0E-E5CB54170C40}" srcOrd="0" destOrd="0" parTransId="{B0299D8C-D4CF-46F5-8463-9F0819DC77A9}" sibTransId="{2C378C9D-CCF1-4174-92FA-911EEB1F47CF}"/>
+    <dgm:cxn modelId="{02543647-940E-4A00-A9C7-65EBDA79E77E}" type="presOf" srcId="{F61A4D85-92D7-46F5-AF0E-E5CB54170C40}" destId="{0FCC7F6B-0C41-4FE0-B139-A78D14AD8923}" srcOrd="1" destOrd="0" presId="urn:microsoft.com/office/officeart/2005/8/layout/hProcess6"/>
     <dgm:cxn modelId="{9E7AF16A-A108-424E-BBA1-E90213FEA163}" type="presOf" srcId="{02C1FF95-0E58-4CB4-A820-812F7C0EC947}" destId="{0FCC7F6B-0C41-4FE0-B139-A78D14AD8923}" srcOrd="1" destOrd="1" presId="urn:microsoft.com/office/officeart/2005/8/layout/hProcess6"/>
-    <dgm:cxn modelId="{BED71E58-E6F5-4CA5-9800-80A324C45B2C}" type="presOf" srcId="{DA3EDE2A-72A5-4A10-A9DB-BA922AA0BAEA}" destId="{3400CD74-5D7B-4E55-AC5F-3096E62A8AB5}" srcOrd="0" destOrd="0" presId="urn:microsoft.com/office/officeart/2005/8/layout/hProcess6"/>
-    <dgm:cxn modelId="{308DACEF-CB48-4C12-913C-6A612E2B3B02}" srcId="{CD5C3F0E-07D0-4F04-ADC6-2287DA505F8D}" destId="{AE59A055-7DFF-4810-B453-88D932002C96}" srcOrd="0" destOrd="0" parTransId="{BD7C582A-A8B0-449E-81C7-AA1B7B384C11}" sibTransId="{E9AA1BE4-A7F9-49A2-81B9-9495C034B7C3}"/>
     <dgm:cxn modelId="{28B2044E-12C3-4E8E-8E25-7A66D9EA4306}" type="presOf" srcId="{02C1FF95-0E58-4CB4-A820-812F7C0EC947}" destId="{0147EF20-3C22-419D-B8E7-66311B69A382}" srcOrd="0" destOrd="1" presId="urn:microsoft.com/office/officeart/2005/8/layout/hProcess6"/>
     <dgm:cxn modelId="{B2A2B9F4-0C51-49F8-97B0-9817D8FBB8A0}" type="presOf" srcId="{1F6BF586-C97E-4CDD-9A59-34A3DEC16CED}" destId="{B28061A1-959A-4CCC-B4F0-7B01D8E65124}" srcOrd="1" destOrd="1" presId="urn:microsoft.com/office/officeart/2005/8/layout/hProcess6"/>
-    <dgm:cxn modelId="{A82D7F77-7893-49D2-8FF6-F3670599BC11}" srcId="{46DCD79B-8CAA-4C19-97B0-F8DAF710CCE2}" destId="{CD5C3F0E-07D0-4F04-ADC6-2287DA505F8D}" srcOrd="1" destOrd="0" parTransId="{4BBBB763-5722-4348-A43D-64758A6FFCEB}" sibTransId="{589A6037-EB48-4785-9E31-5682419FFE5B}"/>
+    <dgm:cxn modelId="{BD7D2EEF-90D6-4F62-826A-B4C20DA4BD0A}" srcId="{46DCD79B-8CAA-4C19-97B0-F8DAF710CCE2}" destId="{3D30614B-637A-4CB4-9EB0-92A2EFB0C194}" srcOrd="2" destOrd="0" parTransId="{A2F3ACD2-A862-4E96-BA4C-7857A58A629F}" sibTransId="{C43B6FD3-5568-4F61-B67C-8FC7A60AA100}"/>
+    <dgm:cxn modelId="{B6BF7B9D-7832-454B-91C2-0E042FF16560}" type="presOf" srcId="{F61A4D85-92D7-46F5-AF0E-E5CB54170C40}" destId="{0147EF20-3C22-419D-B8E7-66311B69A382}" srcOrd="0" destOrd="0" presId="urn:microsoft.com/office/officeart/2005/8/layout/hProcess6"/>
+    <dgm:cxn modelId="{89F5077D-4A1D-4F56-9CEF-49AE27D31D45}" srcId="{3D30614B-637A-4CB4-9EB0-92A2EFB0C194}" destId="{1F6BF586-C97E-4CDD-9A59-34A3DEC16CED}" srcOrd="1" destOrd="0" parTransId="{93077CB5-8C72-4A8B-8AB0-C7DA6291F9B2}" sibTransId="{4024EEBB-A50F-43AB-8537-14C8C4887DA1}"/>
+    <dgm:cxn modelId="{0210C9F5-BEC4-43A6-A99F-BEB9F1E65E05}" type="presOf" srcId="{AE59A055-7DFF-4810-B453-88D932002C96}" destId="{CCB9BAE1-46F0-48A8-BC99-ADCCBEF9B131}" srcOrd="1" destOrd="0" presId="urn:microsoft.com/office/officeart/2005/8/layout/hProcess6"/>
     <dgm:cxn modelId="{9AAC1E25-8B7F-4701-A9A5-9E3777B02B34}" srcId="{B29287EB-5257-4A72-B568-83E1FF74B78E}" destId="{02C1FF95-0E58-4CB4-A820-812F7C0EC947}" srcOrd="1" destOrd="0" parTransId="{D8D79BB7-DD7F-4261-B5BE-918BA5BEB1C7}" sibTransId="{9B4193B1-28ED-49A9-9337-EFA9F3ABC717}"/>
-    <dgm:cxn modelId="{E0184358-51D9-40AC-8E64-8100C0A67108}" type="presOf" srcId="{1F6BF586-C97E-4CDD-9A59-34A3DEC16CED}" destId="{3400CD74-5D7B-4E55-AC5F-3096E62A8AB5}" srcOrd="0" destOrd="1" presId="urn:microsoft.com/office/officeart/2005/8/layout/hProcess6"/>
-    <dgm:cxn modelId="{02543647-940E-4A00-A9C7-65EBDA79E77E}" type="presOf" srcId="{F61A4D85-92D7-46F5-AF0E-E5CB54170C40}" destId="{0FCC7F6B-0C41-4FE0-B139-A78D14AD8923}" srcOrd="1" destOrd="0" presId="urn:microsoft.com/office/officeart/2005/8/layout/hProcess6"/>
-    <dgm:cxn modelId="{BD7D2EEF-90D6-4F62-826A-B4C20DA4BD0A}" srcId="{46DCD79B-8CAA-4C19-97B0-F8DAF710CCE2}" destId="{3D30614B-637A-4CB4-9EB0-92A2EFB0C194}" srcOrd="2" destOrd="0" parTransId="{A2F3ACD2-A862-4E96-BA4C-7857A58A629F}" sibTransId="{C43B6FD3-5568-4F61-B67C-8FC7A60AA100}"/>
+    <dgm:cxn modelId="{D8EE8595-1E6D-460C-B941-F0A5F6030981}" type="presOf" srcId="{46DCD79B-8CAA-4C19-97B0-F8DAF710CCE2}" destId="{339C7CEA-78A4-4709-9FFC-32B9225D0249}" srcOrd="0" destOrd="0" presId="urn:microsoft.com/office/officeart/2005/8/layout/hProcess6"/>
+    <dgm:cxn modelId="{417075EE-260B-43D1-99D7-D9BBB19B620D}" srcId="{CD5C3F0E-07D0-4F04-ADC6-2287DA505F8D}" destId="{37B4F018-E1BA-4AD0-A324-1EB5B5A65290}" srcOrd="1" destOrd="0" parTransId="{D34B99FD-86B8-415E-A47A-E165887DFEA4}" sibTransId="{7C437084-B4DD-4A7F-9C00-85BC2546A61B}"/>
     <dgm:cxn modelId="{975EA8FE-75A3-4E86-A24B-970AA5278986}" type="presParOf" srcId="{339C7CEA-78A4-4709-9FFC-32B9225D0249}" destId="{46ADBB41-C6F7-4070-9695-45252DAD7766}" srcOrd="0" destOrd="0" presId="urn:microsoft.com/office/officeart/2005/8/layout/hProcess6"/>
     <dgm:cxn modelId="{A41414E9-0561-4097-B07B-19321ECC690F}" type="presParOf" srcId="{46ADBB41-C6F7-4070-9695-45252DAD7766}" destId="{D3501BDE-0D9C-4C0E-B29E-3B5AE779DEF2}" srcOrd="0" destOrd="0" presId="urn:microsoft.com/office/officeart/2005/8/layout/hProcess6"/>
     <dgm:cxn modelId="{E2F141DA-93EB-41AF-86D3-E17716517CD4}" type="presParOf" srcId="{46ADBB41-C6F7-4070-9695-45252DAD7766}" destId="{0147EF20-3C22-419D-B8E7-66311B69A382}" srcOrd="1" destOrd="0" presId="urn:microsoft.com/office/officeart/2005/8/layout/hProcess6"/>
@@ -3756,7 +3828,7 @@
   <dgm:whole/>
   <dgm:extLst>
     <a:ext uri="http://schemas.microsoft.com/office/drawing/2008/diagram">
-      <dsp:dataModelExt xmlns:dsp="http://schemas.microsoft.com/office/drawing/2008/diagram" relId="rId6" minVer="http://schemas.openxmlformats.org/drawingml/2006/diagram"/>
+      <dsp:dataModelExt xmlns:dsp="http://schemas.microsoft.com/office/drawing/2008/diagram" xmlns="" relId="rId6" minVer="http://schemas.openxmlformats.org/drawingml/2006/diagram"/>
     </a:ext>
   </dgm:extLst>
 </dgm:dataModel>
@@ -4112,6 +4184,13 @@
         </dgm:presLayoutVars>
       </dgm:prSet>
       <dgm:spPr/>
+      <dgm:t>
+        <a:bodyPr/>
+        <a:lstStyle/>
+        <a:p>
+          <a:endParaRPr lang="es-ES"/>
+        </a:p>
+      </dgm:t>
     </dgm:pt>
     <dgm:pt modelId="{46ADBB41-C6F7-4070-9695-45252DAD7766}" type="pres">
       <dgm:prSet presAssocID="{B29287EB-5257-4A72-B568-83E1FF74B78E}" presName="compNode" presStyleCnt="0"/>
@@ -4128,10 +4207,24 @@
         </dgm:presLayoutVars>
       </dgm:prSet>
       <dgm:spPr/>
+      <dgm:t>
+        <a:bodyPr/>
+        <a:lstStyle/>
+        <a:p>
+          <a:endParaRPr lang="es-ES"/>
+        </a:p>
+      </dgm:t>
     </dgm:pt>
     <dgm:pt modelId="{0FCC7F6B-0C41-4FE0-B139-A78D14AD8923}" type="pres">
       <dgm:prSet presAssocID="{B29287EB-5257-4A72-B568-83E1FF74B78E}" presName="childTextHidden" presStyleLbl="bgAccFollowNode1" presStyleIdx="0" presStyleCnt="3"/>
       <dgm:spPr/>
+      <dgm:t>
+        <a:bodyPr/>
+        <a:lstStyle/>
+        <a:p>
+          <a:endParaRPr lang="es-ES"/>
+        </a:p>
+      </dgm:t>
     </dgm:pt>
     <dgm:pt modelId="{D4BDE164-A985-4E11-BCE7-D9F1F96F3E56}" type="pres">
       <dgm:prSet presAssocID="{B29287EB-5257-4A72-B568-83E1FF74B78E}" presName="parentText" presStyleLbl="node1" presStyleIdx="0" presStyleCnt="3">
@@ -4141,6 +4234,13 @@
         </dgm:presLayoutVars>
       </dgm:prSet>
       <dgm:spPr/>
+      <dgm:t>
+        <a:bodyPr/>
+        <a:lstStyle/>
+        <a:p>
+          <a:endParaRPr lang="es-ES"/>
+        </a:p>
+      </dgm:t>
     </dgm:pt>
     <dgm:pt modelId="{37D8D33B-2B9D-449C-A9EC-6068D6ABDB5A}" type="pres">
       <dgm:prSet presAssocID="{B29287EB-5257-4A72-B568-83E1FF74B78E}" presName="aSpace" presStyleCnt="0"/>
@@ -4161,10 +4261,24 @@
         </dgm:presLayoutVars>
       </dgm:prSet>
       <dgm:spPr/>
+      <dgm:t>
+        <a:bodyPr/>
+        <a:lstStyle/>
+        <a:p>
+          <a:endParaRPr lang="es-ES"/>
+        </a:p>
+      </dgm:t>
     </dgm:pt>
     <dgm:pt modelId="{CCB9BAE1-46F0-48A8-BC99-ADCCBEF9B131}" type="pres">
       <dgm:prSet presAssocID="{CD5C3F0E-07D0-4F04-ADC6-2287DA505F8D}" presName="childTextHidden" presStyleLbl="bgAccFollowNode1" presStyleIdx="1" presStyleCnt="3"/>
       <dgm:spPr/>
+      <dgm:t>
+        <a:bodyPr/>
+        <a:lstStyle/>
+        <a:p>
+          <a:endParaRPr lang="es-ES"/>
+        </a:p>
+      </dgm:t>
     </dgm:pt>
     <dgm:pt modelId="{4EC45A84-B17D-42BB-BFF6-00A7955F2DD8}" type="pres">
       <dgm:prSet presAssocID="{CD5C3F0E-07D0-4F04-ADC6-2287DA505F8D}" presName="parentText" presStyleLbl="node1" presStyleIdx="1" presStyleCnt="3">
@@ -4174,6 +4288,13 @@
         </dgm:presLayoutVars>
       </dgm:prSet>
       <dgm:spPr/>
+      <dgm:t>
+        <a:bodyPr/>
+        <a:lstStyle/>
+        <a:p>
+          <a:endParaRPr lang="es-ES"/>
+        </a:p>
+      </dgm:t>
     </dgm:pt>
     <dgm:pt modelId="{9A49CA38-B93A-4458-B5F6-89482A3D3DD9}" type="pres">
       <dgm:prSet presAssocID="{CD5C3F0E-07D0-4F04-ADC6-2287DA505F8D}" presName="aSpace" presStyleCnt="0"/>
@@ -4194,10 +4315,24 @@
         </dgm:presLayoutVars>
       </dgm:prSet>
       <dgm:spPr/>
+      <dgm:t>
+        <a:bodyPr/>
+        <a:lstStyle/>
+        <a:p>
+          <a:endParaRPr lang="es-ES"/>
+        </a:p>
+      </dgm:t>
     </dgm:pt>
     <dgm:pt modelId="{B28061A1-959A-4CCC-B4F0-7B01D8E65124}" type="pres">
       <dgm:prSet presAssocID="{3D30614B-637A-4CB4-9EB0-92A2EFB0C194}" presName="childTextHidden" presStyleLbl="bgAccFollowNode1" presStyleIdx="2" presStyleCnt="3"/>
       <dgm:spPr/>
+      <dgm:t>
+        <a:bodyPr/>
+        <a:lstStyle/>
+        <a:p>
+          <a:endParaRPr lang="es-ES"/>
+        </a:p>
+      </dgm:t>
     </dgm:pt>
     <dgm:pt modelId="{28C703E4-9C1D-4EEB-B4BD-4304F73C3779}" type="pres">
       <dgm:prSet presAssocID="{3D30614B-637A-4CB4-9EB0-92A2EFB0C194}" presName="parentText" presStyleLbl="node1" presStyleIdx="2" presStyleCnt="3">
@@ -4207,34 +4342,41 @@
         </dgm:presLayoutVars>
       </dgm:prSet>
       <dgm:spPr/>
+      <dgm:t>
+        <a:bodyPr/>
+        <a:lstStyle/>
+        <a:p>
+          <a:endParaRPr lang="es-ES"/>
+        </a:p>
+      </dgm:t>
     </dgm:pt>
   </dgm:ptLst>
   <dgm:cxnLst>
+    <dgm:cxn modelId="{B3297DBF-37A4-4025-A8FE-BEFE1FC91D41}" type="presOf" srcId="{37B4F018-E1BA-4AD0-A324-1EB5B5A65290}" destId="{E282D330-89B8-44D9-A6C5-AAFB6BB781FC}" srcOrd="0" destOrd="1" presId="urn:microsoft.com/office/officeart/2005/8/layout/hProcess6"/>
+    <dgm:cxn modelId="{BED71E58-E6F5-4CA5-9800-80A324C45B2C}" type="presOf" srcId="{DA3EDE2A-72A5-4A10-A9DB-BA922AA0BAEA}" destId="{3400CD74-5D7B-4E55-AC5F-3096E62A8AB5}" srcOrd="0" destOrd="0" presId="urn:microsoft.com/office/officeart/2005/8/layout/hProcess6"/>
+    <dgm:cxn modelId="{5E9CFFBE-0A45-45A4-BBB0-95909E92DFA2}" srcId="{3D30614B-637A-4CB4-9EB0-92A2EFB0C194}" destId="{DA3EDE2A-72A5-4A10-A9DB-BA922AA0BAEA}" srcOrd="0" destOrd="0" parTransId="{4D6C370D-73B8-4745-949E-F7133B054B42}" sibTransId="{8C604E52-FCD3-4A6C-A09F-176149D0EAED}"/>
+    <dgm:cxn modelId="{93CA71E0-EC10-4BE1-8BF9-DB6842FC7867}" type="presOf" srcId="{AE59A055-7DFF-4810-B453-88D932002C96}" destId="{E282D330-89B8-44D9-A6C5-AAFB6BB781FC}" srcOrd="0" destOrd="0" presId="urn:microsoft.com/office/officeart/2005/8/layout/hProcess6"/>
+    <dgm:cxn modelId="{642524A7-68B3-4130-8348-A9BF803A847B}" type="presOf" srcId="{37B4F018-E1BA-4AD0-A324-1EB5B5A65290}" destId="{CCB9BAE1-46F0-48A8-BC99-ADCCBEF9B131}" srcOrd="1" destOrd="1" presId="urn:microsoft.com/office/officeart/2005/8/layout/hProcess6"/>
+    <dgm:cxn modelId="{A82D7F77-7893-49D2-8FF6-F3670599BC11}" srcId="{46DCD79B-8CAA-4C19-97B0-F8DAF710CCE2}" destId="{CD5C3F0E-07D0-4F04-ADC6-2287DA505F8D}" srcOrd="1" destOrd="0" parTransId="{4BBBB763-5722-4348-A43D-64758A6FFCEB}" sibTransId="{589A6037-EB48-4785-9E31-5682419FFE5B}"/>
     <dgm:cxn modelId="{26244ABB-5602-483B-A618-9B2D40F538B2}" type="presOf" srcId="{3D30614B-637A-4CB4-9EB0-92A2EFB0C194}" destId="{28C703E4-9C1D-4EEB-B4BD-4304F73C3779}" srcOrd="0" destOrd="0" presId="urn:microsoft.com/office/officeart/2005/8/layout/hProcess6"/>
-    <dgm:cxn modelId="{417075EE-260B-43D1-99D7-D9BBB19B620D}" srcId="{CD5C3F0E-07D0-4F04-ADC6-2287DA505F8D}" destId="{37B4F018-E1BA-4AD0-A324-1EB5B5A65290}" srcOrd="1" destOrd="0" parTransId="{D34B99FD-86B8-415E-A47A-E165887DFEA4}" sibTransId="{7C437084-B4DD-4A7F-9C00-85BC2546A61B}"/>
-    <dgm:cxn modelId="{D8EE8595-1E6D-460C-B941-F0A5F6030981}" type="presOf" srcId="{46DCD79B-8CAA-4C19-97B0-F8DAF710CCE2}" destId="{339C7CEA-78A4-4709-9FFC-32B9225D0249}" srcOrd="0" destOrd="0" presId="urn:microsoft.com/office/officeart/2005/8/layout/hProcess6"/>
-    <dgm:cxn modelId="{93CA71E0-EC10-4BE1-8BF9-DB6842FC7867}" type="presOf" srcId="{AE59A055-7DFF-4810-B453-88D932002C96}" destId="{E282D330-89B8-44D9-A6C5-AAFB6BB781FC}" srcOrd="0" destOrd="0" presId="urn:microsoft.com/office/officeart/2005/8/layout/hProcess6"/>
+    <dgm:cxn modelId="{BA107A4D-4B66-433D-A78B-A29D1FB46CBC}" type="presOf" srcId="{CD5C3F0E-07D0-4F04-ADC6-2287DA505F8D}" destId="{4EC45A84-B17D-42BB-BFF6-00A7955F2DD8}" srcOrd="0" destOrd="0" presId="urn:microsoft.com/office/officeart/2005/8/layout/hProcess6"/>
+    <dgm:cxn modelId="{C4E553A3-56E9-41EC-B4DC-9C2BDCB02EE9}" type="presOf" srcId="{DA3EDE2A-72A5-4A10-A9DB-BA922AA0BAEA}" destId="{B28061A1-959A-4CCC-B4F0-7B01D8E65124}" srcOrd="1" destOrd="0" presId="urn:microsoft.com/office/officeart/2005/8/layout/hProcess6"/>
     <dgm:cxn modelId="{49B0D7D3-F2BD-4611-8E4D-616D9DB65421}" srcId="{46DCD79B-8CAA-4C19-97B0-F8DAF710CCE2}" destId="{B29287EB-5257-4A72-B568-83E1FF74B78E}" srcOrd="0" destOrd="0" parTransId="{1FBAFA14-DAC2-40E3-9F11-F9F463EF5201}" sibTransId="{78DE0300-F9D0-4CCC-B80D-98455BE1339A}"/>
+    <dgm:cxn modelId="{308DACEF-CB48-4C12-913C-6A612E2B3B02}" srcId="{CD5C3F0E-07D0-4F04-ADC6-2287DA505F8D}" destId="{AE59A055-7DFF-4810-B453-88D932002C96}" srcOrd="0" destOrd="0" parTransId="{BD7C582A-A8B0-449E-81C7-AA1B7B384C11}" sibTransId="{E9AA1BE4-A7F9-49A2-81B9-9495C034B7C3}"/>
+    <dgm:cxn modelId="{E0184358-51D9-40AC-8E64-8100C0A67108}" type="presOf" srcId="{1F6BF586-C97E-4CDD-9A59-34A3DEC16CED}" destId="{3400CD74-5D7B-4E55-AC5F-3096E62A8AB5}" srcOrd="0" destOrd="1" presId="urn:microsoft.com/office/officeart/2005/8/layout/hProcess6"/>
+    <dgm:cxn modelId="{EC8C2F65-438B-4A47-8C5F-0457071E44A2}" srcId="{B29287EB-5257-4A72-B568-83E1FF74B78E}" destId="{F61A4D85-92D7-46F5-AF0E-E5CB54170C40}" srcOrd="0" destOrd="0" parTransId="{B0299D8C-D4CF-46F5-8463-9F0819DC77A9}" sibTransId="{2C378C9D-CCF1-4174-92FA-911EEB1F47CF}"/>
     <dgm:cxn modelId="{D2FD1441-AABC-444F-B316-BB92E53E6B02}" type="presOf" srcId="{B29287EB-5257-4A72-B568-83E1FF74B78E}" destId="{D4BDE164-A985-4E11-BCE7-D9F1F96F3E56}" srcOrd="0" destOrd="0" presId="urn:microsoft.com/office/officeart/2005/8/layout/hProcess6"/>
-    <dgm:cxn modelId="{89F5077D-4A1D-4F56-9CEF-49AE27D31D45}" srcId="{3D30614B-637A-4CB4-9EB0-92A2EFB0C194}" destId="{1F6BF586-C97E-4CDD-9A59-34A3DEC16CED}" srcOrd="1" destOrd="0" parTransId="{93077CB5-8C72-4A8B-8AB0-C7DA6291F9B2}" sibTransId="{4024EEBB-A50F-43AB-8537-14C8C4887DA1}"/>
-    <dgm:cxn modelId="{B3297DBF-37A4-4025-A8FE-BEFE1FC91D41}" type="presOf" srcId="{37B4F018-E1BA-4AD0-A324-1EB5B5A65290}" destId="{E282D330-89B8-44D9-A6C5-AAFB6BB781FC}" srcOrd="0" destOrd="1" presId="urn:microsoft.com/office/officeart/2005/8/layout/hProcess6"/>
-    <dgm:cxn modelId="{C4E553A3-56E9-41EC-B4DC-9C2BDCB02EE9}" type="presOf" srcId="{DA3EDE2A-72A5-4A10-A9DB-BA922AA0BAEA}" destId="{B28061A1-959A-4CCC-B4F0-7B01D8E65124}" srcOrd="1" destOrd="0" presId="urn:microsoft.com/office/officeart/2005/8/layout/hProcess6"/>
-    <dgm:cxn modelId="{642524A7-68B3-4130-8348-A9BF803A847B}" type="presOf" srcId="{37B4F018-E1BA-4AD0-A324-1EB5B5A65290}" destId="{CCB9BAE1-46F0-48A8-BC99-ADCCBEF9B131}" srcOrd="1" destOrd="1" presId="urn:microsoft.com/office/officeart/2005/8/layout/hProcess6"/>
-    <dgm:cxn modelId="{B6BF7B9D-7832-454B-91C2-0E042FF16560}" type="presOf" srcId="{F61A4D85-92D7-46F5-AF0E-E5CB54170C40}" destId="{0147EF20-3C22-419D-B8E7-66311B69A382}" srcOrd="0" destOrd="0" presId="urn:microsoft.com/office/officeart/2005/8/layout/hProcess6"/>
-    <dgm:cxn modelId="{0210C9F5-BEC4-43A6-A99F-BEB9F1E65E05}" type="presOf" srcId="{AE59A055-7DFF-4810-B453-88D932002C96}" destId="{CCB9BAE1-46F0-48A8-BC99-ADCCBEF9B131}" srcOrd="1" destOrd="0" presId="urn:microsoft.com/office/officeart/2005/8/layout/hProcess6"/>
-    <dgm:cxn modelId="{5E9CFFBE-0A45-45A4-BBB0-95909E92DFA2}" srcId="{3D30614B-637A-4CB4-9EB0-92A2EFB0C194}" destId="{DA3EDE2A-72A5-4A10-A9DB-BA922AA0BAEA}" srcOrd="0" destOrd="0" parTransId="{4D6C370D-73B8-4745-949E-F7133B054B42}" sibTransId="{8C604E52-FCD3-4A6C-A09F-176149D0EAED}"/>
-    <dgm:cxn modelId="{BA107A4D-4B66-433D-A78B-A29D1FB46CBC}" type="presOf" srcId="{CD5C3F0E-07D0-4F04-ADC6-2287DA505F8D}" destId="{4EC45A84-B17D-42BB-BFF6-00A7955F2DD8}" srcOrd="0" destOrd="0" presId="urn:microsoft.com/office/officeart/2005/8/layout/hProcess6"/>
-    <dgm:cxn modelId="{EC8C2F65-438B-4A47-8C5F-0457071E44A2}" srcId="{B29287EB-5257-4A72-B568-83E1FF74B78E}" destId="{F61A4D85-92D7-46F5-AF0E-E5CB54170C40}" srcOrd="0" destOrd="0" parTransId="{B0299D8C-D4CF-46F5-8463-9F0819DC77A9}" sibTransId="{2C378C9D-CCF1-4174-92FA-911EEB1F47CF}"/>
+    <dgm:cxn modelId="{02543647-940E-4A00-A9C7-65EBDA79E77E}" type="presOf" srcId="{F61A4D85-92D7-46F5-AF0E-E5CB54170C40}" destId="{0FCC7F6B-0C41-4FE0-B139-A78D14AD8923}" srcOrd="1" destOrd="0" presId="urn:microsoft.com/office/officeart/2005/8/layout/hProcess6"/>
     <dgm:cxn modelId="{9E7AF16A-A108-424E-BBA1-E90213FEA163}" type="presOf" srcId="{02C1FF95-0E58-4CB4-A820-812F7C0EC947}" destId="{0FCC7F6B-0C41-4FE0-B139-A78D14AD8923}" srcOrd="1" destOrd="1" presId="urn:microsoft.com/office/officeart/2005/8/layout/hProcess6"/>
-    <dgm:cxn modelId="{BED71E58-E6F5-4CA5-9800-80A324C45B2C}" type="presOf" srcId="{DA3EDE2A-72A5-4A10-A9DB-BA922AA0BAEA}" destId="{3400CD74-5D7B-4E55-AC5F-3096E62A8AB5}" srcOrd="0" destOrd="0" presId="urn:microsoft.com/office/officeart/2005/8/layout/hProcess6"/>
-    <dgm:cxn modelId="{308DACEF-CB48-4C12-913C-6A612E2B3B02}" srcId="{CD5C3F0E-07D0-4F04-ADC6-2287DA505F8D}" destId="{AE59A055-7DFF-4810-B453-88D932002C96}" srcOrd="0" destOrd="0" parTransId="{BD7C582A-A8B0-449E-81C7-AA1B7B384C11}" sibTransId="{E9AA1BE4-A7F9-49A2-81B9-9495C034B7C3}"/>
     <dgm:cxn modelId="{28B2044E-12C3-4E8E-8E25-7A66D9EA4306}" type="presOf" srcId="{02C1FF95-0E58-4CB4-A820-812F7C0EC947}" destId="{0147EF20-3C22-419D-B8E7-66311B69A382}" srcOrd="0" destOrd="1" presId="urn:microsoft.com/office/officeart/2005/8/layout/hProcess6"/>
     <dgm:cxn modelId="{B2A2B9F4-0C51-49F8-97B0-9817D8FBB8A0}" type="presOf" srcId="{1F6BF586-C97E-4CDD-9A59-34A3DEC16CED}" destId="{B28061A1-959A-4CCC-B4F0-7B01D8E65124}" srcOrd="1" destOrd="1" presId="urn:microsoft.com/office/officeart/2005/8/layout/hProcess6"/>
-    <dgm:cxn modelId="{A82D7F77-7893-49D2-8FF6-F3670599BC11}" srcId="{46DCD79B-8CAA-4C19-97B0-F8DAF710CCE2}" destId="{CD5C3F0E-07D0-4F04-ADC6-2287DA505F8D}" srcOrd="1" destOrd="0" parTransId="{4BBBB763-5722-4348-A43D-64758A6FFCEB}" sibTransId="{589A6037-EB48-4785-9E31-5682419FFE5B}"/>
+    <dgm:cxn modelId="{BD7D2EEF-90D6-4F62-826A-B4C20DA4BD0A}" srcId="{46DCD79B-8CAA-4C19-97B0-F8DAF710CCE2}" destId="{3D30614B-637A-4CB4-9EB0-92A2EFB0C194}" srcOrd="2" destOrd="0" parTransId="{A2F3ACD2-A862-4E96-BA4C-7857A58A629F}" sibTransId="{C43B6FD3-5568-4F61-B67C-8FC7A60AA100}"/>
+    <dgm:cxn modelId="{B6BF7B9D-7832-454B-91C2-0E042FF16560}" type="presOf" srcId="{F61A4D85-92D7-46F5-AF0E-E5CB54170C40}" destId="{0147EF20-3C22-419D-B8E7-66311B69A382}" srcOrd="0" destOrd="0" presId="urn:microsoft.com/office/officeart/2005/8/layout/hProcess6"/>
+    <dgm:cxn modelId="{89F5077D-4A1D-4F56-9CEF-49AE27D31D45}" srcId="{3D30614B-637A-4CB4-9EB0-92A2EFB0C194}" destId="{1F6BF586-C97E-4CDD-9A59-34A3DEC16CED}" srcOrd="1" destOrd="0" parTransId="{93077CB5-8C72-4A8B-8AB0-C7DA6291F9B2}" sibTransId="{4024EEBB-A50F-43AB-8537-14C8C4887DA1}"/>
+    <dgm:cxn modelId="{0210C9F5-BEC4-43A6-A99F-BEB9F1E65E05}" type="presOf" srcId="{AE59A055-7DFF-4810-B453-88D932002C96}" destId="{CCB9BAE1-46F0-48A8-BC99-ADCCBEF9B131}" srcOrd="1" destOrd="0" presId="urn:microsoft.com/office/officeart/2005/8/layout/hProcess6"/>
     <dgm:cxn modelId="{9AAC1E25-8B7F-4701-A9A5-9E3777B02B34}" srcId="{B29287EB-5257-4A72-B568-83E1FF74B78E}" destId="{02C1FF95-0E58-4CB4-A820-812F7C0EC947}" srcOrd="1" destOrd="0" parTransId="{D8D79BB7-DD7F-4261-B5BE-918BA5BEB1C7}" sibTransId="{9B4193B1-28ED-49A9-9337-EFA9F3ABC717}"/>
-    <dgm:cxn modelId="{E0184358-51D9-40AC-8E64-8100C0A67108}" type="presOf" srcId="{1F6BF586-C97E-4CDD-9A59-34A3DEC16CED}" destId="{3400CD74-5D7B-4E55-AC5F-3096E62A8AB5}" srcOrd="0" destOrd="1" presId="urn:microsoft.com/office/officeart/2005/8/layout/hProcess6"/>
-    <dgm:cxn modelId="{02543647-940E-4A00-A9C7-65EBDA79E77E}" type="presOf" srcId="{F61A4D85-92D7-46F5-AF0E-E5CB54170C40}" destId="{0FCC7F6B-0C41-4FE0-B139-A78D14AD8923}" srcOrd="1" destOrd="0" presId="urn:microsoft.com/office/officeart/2005/8/layout/hProcess6"/>
-    <dgm:cxn modelId="{BD7D2EEF-90D6-4F62-826A-B4C20DA4BD0A}" srcId="{46DCD79B-8CAA-4C19-97B0-F8DAF710CCE2}" destId="{3D30614B-637A-4CB4-9EB0-92A2EFB0C194}" srcOrd="2" destOrd="0" parTransId="{A2F3ACD2-A862-4E96-BA4C-7857A58A629F}" sibTransId="{C43B6FD3-5568-4F61-B67C-8FC7A60AA100}"/>
+    <dgm:cxn modelId="{D8EE8595-1E6D-460C-B941-F0A5F6030981}" type="presOf" srcId="{46DCD79B-8CAA-4C19-97B0-F8DAF710CCE2}" destId="{339C7CEA-78A4-4709-9FFC-32B9225D0249}" srcOrd="0" destOrd="0" presId="urn:microsoft.com/office/officeart/2005/8/layout/hProcess6"/>
+    <dgm:cxn modelId="{417075EE-260B-43D1-99D7-D9BBB19B620D}" srcId="{CD5C3F0E-07D0-4F04-ADC6-2287DA505F8D}" destId="{37B4F018-E1BA-4AD0-A324-1EB5B5A65290}" srcOrd="1" destOrd="0" parTransId="{D34B99FD-86B8-415E-A47A-E165887DFEA4}" sibTransId="{7C437084-B4DD-4A7F-9C00-85BC2546A61B}"/>
     <dgm:cxn modelId="{975EA8FE-75A3-4E86-A24B-970AA5278986}" type="presParOf" srcId="{339C7CEA-78A4-4709-9FFC-32B9225D0249}" destId="{46ADBB41-C6F7-4070-9695-45252DAD7766}" srcOrd="0" destOrd="0" presId="urn:microsoft.com/office/officeart/2005/8/layout/hProcess6"/>
     <dgm:cxn modelId="{A41414E9-0561-4097-B07B-19321ECC690F}" type="presParOf" srcId="{46ADBB41-C6F7-4070-9695-45252DAD7766}" destId="{D3501BDE-0D9C-4C0E-B29E-3B5AE779DEF2}" srcOrd="0" destOrd="0" presId="urn:microsoft.com/office/officeart/2005/8/layout/hProcess6"/>
     <dgm:cxn modelId="{E2F141DA-93EB-41AF-86D3-E17716517CD4}" type="presParOf" srcId="{46ADBB41-C6F7-4070-9695-45252DAD7766}" destId="{0147EF20-3C22-419D-B8E7-66311B69A382}" srcOrd="1" destOrd="0" presId="urn:microsoft.com/office/officeart/2005/8/layout/hProcess6"/>
@@ -4257,7 +4399,7 @@
   <dgm:whole/>
   <dgm:extLst>
     <a:ext uri="http://schemas.microsoft.com/office/drawing/2008/diagram">
-      <dsp:dataModelExt xmlns:dsp="http://schemas.microsoft.com/office/drawing/2008/diagram" relId="rId7" minVer="http://schemas.openxmlformats.org/drawingml/2006/diagram"/>
+      <dsp:dataModelExt xmlns:dsp="http://schemas.microsoft.com/office/drawing/2008/diagram" xmlns="" relId="rId7" minVer="http://schemas.openxmlformats.org/drawingml/2006/diagram"/>
     </a:ext>
   </dgm:extLst>
 </dgm:dataModel>
@@ -4748,6 +4890,13 @@
         </dgm:presLayoutVars>
       </dgm:prSet>
       <dgm:spPr/>
+      <dgm:t>
+        <a:bodyPr/>
+        <a:lstStyle/>
+        <a:p>
+          <a:endParaRPr lang="es-ES"/>
+        </a:p>
+      </dgm:t>
     </dgm:pt>
     <dgm:pt modelId="{3D8698E4-4D68-4B90-B435-F134F844C1B0}" type="pres">
       <dgm:prSet presAssocID="{DAECA2CA-2661-412E-AE85-C3A20FBE5FCD}" presName="children" presStyleCnt="0"/>
@@ -4760,6 +4909,13 @@
     <dgm:pt modelId="{8A2642FA-7F26-4103-BB47-2B53943E1A3F}" type="pres">
       <dgm:prSet presAssocID="{DAECA2CA-2661-412E-AE85-C3A20FBE5FCD}" presName="child1" presStyleLbl="bgAcc1" presStyleIdx="0" presStyleCnt="4"/>
       <dgm:spPr/>
+      <dgm:t>
+        <a:bodyPr/>
+        <a:lstStyle/>
+        <a:p>
+          <a:endParaRPr lang="es-ES"/>
+        </a:p>
+      </dgm:t>
     </dgm:pt>
     <dgm:pt modelId="{BEED1F87-FF68-467A-A67E-9CAACEA2B51E}" type="pres">
       <dgm:prSet presAssocID="{DAECA2CA-2661-412E-AE85-C3A20FBE5FCD}" presName="child1Text" presStyleLbl="bgAcc1" presStyleIdx="0" presStyleCnt="4">
@@ -4768,6 +4924,13 @@
         </dgm:presLayoutVars>
       </dgm:prSet>
       <dgm:spPr/>
+      <dgm:t>
+        <a:bodyPr/>
+        <a:lstStyle/>
+        <a:p>
+          <a:endParaRPr lang="es-ES"/>
+        </a:p>
+      </dgm:t>
     </dgm:pt>
     <dgm:pt modelId="{64D4214F-2F56-4A95-B5F8-1EEB7F76B739}" type="pres">
       <dgm:prSet presAssocID="{DAECA2CA-2661-412E-AE85-C3A20FBE5FCD}" presName="child2group" presStyleCnt="0"/>
@@ -4776,6 +4939,13 @@
     <dgm:pt modelId="{A42844D4-CF61-46EB-9411-31A9060C43A2}" type="pres">
       <dgm:prSet presAssocID="{DAECA2CA-2661-412E-AE85-C3A20FBE5FCD}" presName="child2" presStyleLbl="bgAcc1" presStyleIdx="1" presStyleCnt="4"/>
       <dgm:spPr/>
+      <dgm:t>
+        <a:bodyPr/>
+        <a:lstStyle/>
+        <a:p>
+          <a:endParaRPr lang="es-ES"/>
+        </a:p>
+      </dgm:t>
     </dgm:pt>
     <dgm:pt modelId="{F32F7251-C655-419B-B80F-877BC528CBC6}" type="pres">
       <dgm:prSet presAssocID="{DAECA2CA-2661-412E-AE85-C3A20FBE5FCD}" presName="child2Text" presStyleLbl="bgAcc1" presStyleIdx="1" presStyleCnt="4">
@@ -4784,6 +4954,13 @@
         </dgm:presLayoutVars>
       </dgm:prSet>
       <dgm:spPr/>
+      <dgm:t>
+        <a:bodyPr/>
+        <a:lstStyle/>
+        <a:p>
+          <a:endParaRPr lang="es-ES"/>
+        </a:p>
+      </dgm:t>
     </dgm:pt>
     <dgm:pt modelId="{0829B7D1-255A-443F-9F67-2A0AE53B5029}" type="pres">
       <dgm:prSet presAssocID="{DAECA2CA-2661-412E-AE85-C3A20FBE5FCD}" presName="child3group" presStyleCnt="0"/>
@@ -4792,6 +4969,13 @@
     <dgm:pt modelId="{7162870F-9F28-47A4-88B9-3622613575D2}" type="pres">
       <dgm:prSet presAssocID="{DAECA2CA-2661-412E-AE85-C3A20FBE5FCD}" presName="child3" presStyleLbl="bgAcc1" presStyleIdx="2" presStyleCnt="4"/>
       <dgm:spPr/>
+      <dgm:t>
+        <a:bodyPr/>
+        <a:lstStyle/>
+        <a:p>
+          <a:endParaRPr lang="es-ES"/>
+        </a:p>
+      </dgm:t>
     </dgm:pt>
     <dgm:pt modelId="{D1237CE6-608C-4BAD-9D9E-2616FDF53B8B}" type="pres">
       <dgm:prSet presAssocID="{DAECA2CA-2661-412E-AE85-C3A20FBE5FCD}" presName="child3Text" presStyleLbl="bgAcc1" presStyleIdx="2" presStyleCnt="4">
@@ -4800,6 +4984,13 @@
         </dgm:presLayoutVars>
       </dgm:prSet>
       <dgm:spPr/>
+      <dgm:t>
+        <a:bodyPr/>
+        <a:lstStyle/>
+        <a:p>
+          <a:endParaRPr lang="es-ES"/>
+        </a:p>
+      </dgm:t>
     </dgm:pt>
     <dgm:pt modelId="{0CFD2C8D-1376-48D4-8C14-FB31247BD1FB}" type="pres">
       <dgm:prSet presAssocID="{DAECA2CA-2661-412E-AE85-C3A20FBE5FCD}" presName="child4group" presStyleCnt="0"/>
@@ -4808,6 +4999,13 @@
     <dgm:pt modelId="{77F84C51-0010-4923-87AF-53C322104D97}" type="pres">
       <dgm:prSet presAssocID="{DAECA2CA-2661-412E-AE85-C3A20FBE5FCD}" presName="child4" presStyleLbl="bgAcc1" presStyleIdx="3" presStyleCnt="4"/>
       <dgm:spPr/>
+      <dgm:t>
+        <a:bodyPr/>
+        <a:lstStyle/>
+        <a:p>
+          <a:endParaRPr lang="es-ES"/>
+        </a:p>
+      </dgm:t>
     </dgm:pt>
     <dgm:pt modelId="{89BC4B9F-E9BE-42F2-8394-3AFE64BADC77}" type="pres">
       <dgm:prSet presAssocID="{DAECA2CA-2661-412E-AE85-C3A20FBE5FCD}" presName="child4Text" presStyleLbl="bgAcc1" presStyleIdx="3" presStyleCnt="4">
@@ -4816,6 +5014,13 @@
         </dgm:presLayoutVars>
       </dgm:prSet>
       <dgm:spPr/>
+      <dgm:t>
+        <a:bodyPr/>
+        <a:lstStyle/>
+        <a:p>
+          <a:endParaRPr lang="es-ES"/>
+        </a:p>
+      </dgm:t>
     </dgm:pt>
     <dgm:pt modelId="{81A82986-EA4A-4B85-AC03-0773BCE58FBA}" type="pres">
       <dgm:prSet presAssocID="{DAECA2CA-2661-412E-AE85-C3A20FBE5FCD}" presName="childPlaceholder" presStyleCnt="0"/>
@@ -4833,6 +5038,13 @@
         </dgm:presLayoutVars>
       </dgm:prSet>
       <dgm:spPr/>
+      <dgm:t>
+        <a:bodyPr/>
+        <a:lstStyle/>
+        <a:p>
+          <a:endParaRPr lang="es-ES"/>
+        </a:p>
+      </dgm:t>
     </dgm:pt>
     <dgm:pt modelId="{F4A3C5F3-3AAD-4360-9C14-66DA25B31EA2}" type="pres">
       <dgm:prSet presAssocID="{DAECA2CA-2661-412E-AE85-C3A20FBE5FCD}" presName="quadrant2" presStyleLbl="node1" presStyleIdx="1" presStyleCnt="4">
@@ -4842,6 +5054,13 @@
         </dgm:presLayoutVars>
       </dgm:prSet>
       <dgm:spPr/>
+      <dgm:t>
+        <a:bodyPr/>
+        <a:lstStyle/>
+        <a:p>
+          <a:endParaRPr lang="es-ES"/>
+        </a:p>
+      </dgm:t>
     </dgm:pt>
     <dgm:pt modelId="{56F22035-025B-40EF-A575-1CBD3F36B30A}" type="pres">
       <dgm:prSet presAssocID="{DAECA2CA-2661-412E-AE85-C3A20FBE5FCD}" presName="quadrant3" presStyleLbl="node1" presStyleIdx="2" presStyleCnt="4">
@@ -4851,6 +5070,13 @@
         </dgm:presLayoutVars>
       </dgm:prSet>
       <dgm:spPr/>
+      <dgm:t>
+        <a:bodyPr/>
+        <a:lstStyle/>
+        <a:p>
+          <a:endParaRPr lang="es-ES"/>
+        </a:p>
+      </dgm:t>
     </dgm:pt>
     <dgm:pt modelId="{87BB4812-2E13-4BDB-B894-129CF83F275F}" type="pres">
       <dgm:prSet presAssocID="{DAECA2CA-2661-412E-AE85-C3A20FBE5FCD}" presName="quadrant4" presStyleLbl="node1" presStyleIdx="3" presStyleCnt="4">
@@ -4860,6 +5086,13 @@
         </dgm:presLayoutVars>
       </dgm:prSet>
       <dgm:spPr/>
+      <dgm:t>
+        <a:bodyPr/>
+        <a:lstStyle/>
+        <a:p>
+          <a:endParaRPr lang="es-ES"/>
+        </a:p>
+      </dgm:t>
     </dgm:pt>
     <dgm:pt modelId="{6D6DF337-668E-4984-A4AC-31FF37DD88B1}" type="pres">
       <dgm:prSet presAssocID="{DAECA2CA-2661-412E-AE85-C3A20FBE5FCD}" presName="quadrantPlaceholder" presStyleCnt="0"/>
@@ -4875,39 +5108,39 @@
     </dgm:pt>
   </dgm:ptLst>
   <dgm:cxnLst>
-    <dgm:cxn modelId="{C7E74698-83E4-457F-AD71-AFDDD6748A62}" srcId="{DAECA2CA-2661-412E-AE85-C3A20FBE5FCD}" destId="{0F497B43-3AB3-49ED-B480-B33C188931D4}" srcOrd="2" destOrd="0" parTransId="{3C86BECF-7E5C-444B-B0FD-D246D3C876AD}" sibTransId="{11E97AEA-476B-489C-B542-69A4A8A17A06}"/>
-    <dgm:cxn modelId="{B7D7A832-6832-4554-9036-9CAB298139A5}" srcId="{52F107A7-7F56-445A-A494-A40BFF1D8022}" destId="{B760797E-446E-42E2-B0A3-B56202F1FCAA}" srcOrd="0" destOrd="0" parTransId="{34A872A5-9B4E-4664-9DAA-2F2F51588E28}" sibTransId="{367F8124-A2A2-4DCD-956D-713E3E9AD049}"/>
+    <dgm:cxn modelId="{7E6D187F-2B64-4285-89BD-07947565DD76}" type="presOf" srcId="{B760797E-446E-42E2-B0A3-B56202F1FCAA}" destId="{8A2642FA-7F26-4103-BB47-2B53943E1A3F}" srcOrd="0" destOrd="0" presId="urn:microsoft.com/office/officeart/2005/8/layout/cycle4#1"/>
+    <dgm:cxn modelId="{B46C9524-1C82-4C3F-8D9D-744098B055F7}" srcId="{0F497B43-3AB3-49ED-B480-B33C188931D4}" destId="{F5980E61-0E99-429A-9F30-A0B0BCC7FC0A}" srcOrd="0" destOrd="0" parTransId="{826ECAF4-6B0B-4C96-93F2-8A513DF86D5C}" sibTransId="{DAD473F7-273F-48CF-A591-E6849FC0FD5D}"/>
+    <dgm:cxn modelId="{C32AF052-BFD5-42E6-965F-3E4434041DC1}" srcId="{DAECA2CA-2661-412E-AE85-C3A20FBE5FCD}" destId="{35F770E6-E543-44D3-B7A0-00CF59BE7825}" srcOrd="3" destOrd="0" parTransId="{4008CC11-3885-43DC-AD98-DC4620CFC862}" sibTransId="{3184E711-27A8-4B0E-BA8B-D8CD05DCD0B4}"/>
+    <dgm:cxn modelId="{A577CD3C-5BF4-4930-9E1A-9DF04268B581}" srcId="{52F107A7-7F56-445A-A494-A40BFF1D8022}" destId="{10072715-D2E7-4D5A-AB39-E43AF8A05996}" srcOrd="1" destOrd="0" parTransId="{B3B5CDC8-6876-4872-9846-6B10734A2A8A}" sibTransId="{F913EE1D-E9AE-454F-83AB-05C0100D5CB2}"/>
+    <dgm:cxn modelId="{63AE9939-FA1C-4DB8-93C5-35E242A75859}" type="presOf" srcId="{5C810117-A17C-4304-B4B3-E1779C7EAC75}" destId="{7162870F-9F28-47A4-88B9-3622613575D2}" srcOrd="0" destOrd="1" presId="urn:microsoft.com/office/officeart/2005/8/layout/cycle4#1"/>
+    <dgm:cxn modelId="{198966EE-DD31-4464-BB09-EDFB792FF63F}" type="presOf" srcId="{F5980E61-0E99-429A-9F30-A0B0BCC7FC0A}" destId="{7162870F-9F28-47A4-88B9-3622613575D2}" srcOrd="0" destOrd="0" presId="urn:microsoft.com/office/officeart/2005/8/layout/cycle4#1"/>
+    <dgm:cxn modelId="{9A72332B-9BC0-4737-81E4-3D12A2B5E831}" type="presOf" srcId="{0F497B43-3AB3-49ED-B480-B33C188931D4}" destId="{56F22035-025B-40EF-A575-1CBD3F36B30A}" srcOrd="0" destOrd="0" presId="urn:microsoft.com/office/officeart/2005/8/layout/cycle4#1"/>
     <dgm:cxn modelId="{FCAC01C8-C7DE-497E-9AA6-334B39C8F10E}" srcId="{DAECA2CA-2661-412E-AE85-C3A20FBE5FCD}" destId="{52F107A7-7F56-445A-A494-A40BFF1D8022}" srcOrd="0" destOrd="0" parTransId="{A9B64128-7D44-4D5C-8D93-48810EA749C0}" sibTransId="{3C7D7EC5-D108-46C5-BE2B-ED2FEF7BB26F}"/>
+    <dgm:cxn modelId="{69F82A56-5668-439F-8C33-2E5E63C65FB5}" srcId="{99BBFA8F-D86B-4935-B82A-C776A61A1484}" destId="{C14EA41B-E488-4C6B-B60E-293BDFD69BB3}" srcOrd="0" destOrd="0" parTransId="{2962CE49-DEEF-4241-9D7C-595CD589CDFC}" sibTransId="{5730E4C6-5048-40C0-B4B5-83D92B2009F7}"/>
+    <dgm:cxn modelId="{453D3ABC-C5BB-410E-886D-39A24BF526C2}" type="presOf" srcId="{168E8437-CEC9-46A3-B60F-4AE637C8AB34}" destId="{A42844D4-CF61-46EB-9411-31A9060C43A2}" srcOrd="0" destOrd="1" presId="urn:microsoft.com/office/officeart/2005/8/layout/cycle4#1"/>
     <dgm:cxn modelId="{9805BAC1-5C44-4662-B10F-3BC0CF8588E4}" type="presOf" srcId="{76753763-4C07-47A9-8EC7-8456CB385D4F}" destId="{89BC4B9F-E9BE-42F2-8394-3AFE64BADC77}" srcOrd="1" destOrd="1" presId="urn:microsoft.com/office/officeart/2005/8/layout/cycle4#1"/>
-    <dgm:cxn modelId="{8DEDDAD1-59D8-462C-8104-3F11B5D5CD39}" srcId="{0F497B43-3AB3-49ED-B480-B33C188931D4}" destId="{5C810117-A17C-4304-B4B3-E1779C7EAC75}" srcOrd="1" destOrd="0" parTransId="{34E1289E-77CB-4B45-8B2E-EDF70129CAFB}" sibTransId="{7B3B9BE6-62AB-4E45-904C-C3118AD96D2E}"/>
-    <dgm:cxn modelId="{63AE9939-FA1C-4DB8-93C5-35E242A75859}" type="presOf" srcId="{5C810117-A17C-4304-B4B3-E1779C7EAC75}" destId="{7162870F-9F28-47A4-88B9-3622613575D2}" srcOrd="0" destOrd="1" presId="urn:microsoft.com/office/officeart/2005/8/layout/cycle4#1"/>
-    <dgm:cxn modelId="{C32AF052-BFD5-42E6-965F-3E4434041DC1}" srcId="{DAECA2CA-2661-412E-AE85-C3A20FBE5FCD}" destId="{35F770E6-E543-44D3-B7A0-00CF59BE7825}" srcOrd="3" destOrd="0" parTransId="{4008CC11-3885-43DC-AD98-DC4620CFC862}" sibTransId="{3184E711-27A8-4B0E-BA8B-D8CD05DCD0B4}"/>
-    <dgm:cxn modelId="{7E6D187F-2B64-4285-89BD-07947565DD76}" type="presOf" srcId="{B760797E-446E-42E2-B0A3-B56202F1FCAA}" destId="{8A2642FA-7F26-4103-BB47-2B53943E1A3F}" srcOrd="0" destOrd="0" presId="urn:microsoft.com/office/officeart/2005/8/layout/cycle4#1"/>
-    <dgm:cxn modelId="{198966EE-DD31-4464-BB09-EDFB792FF63F}" type="presOf" srcId="{F5980E61-0E99-429A-9F30-A0B0BCC7FC0A}" destId="{7162870F-9F28-47A4-88B9-3622613575D2}" srcOrd="0" destOrd="0" presId="urn:microsoft.com/office/officeart/2005/8/layout/cycle4#1"/>
+    <dgm:cxn modelId="{4868223F-B044-45DB-9940-3C5A1AE665E0}" type="presOf" srcId="{10072715-D2E7-4D5A-AB39-E43AF8A05996}" destId="{BEED1F87-FF68-467A-A67E-9CAACEA2B51E}" srcOrd="1" destOrd="1" presId="urn:microsoft.com/office/officeart/2005/8/layout/cycle4#1"/>
     <dgm:cxn modelId="{69B63970-8EC8-4D68-AFDB-7D0C21F29099}" srcId="{35F770E6-E543-44D3-B7A0-00CF59BE7825}" destId="{4FE905A7-7271-42F0-BFF4-952EC0A2B290}" srcOrd="0" destOrd="0" parTransId="{A3057527-0D6B-4D75-9216-CE139594CD97}" sibTransId="{8220E624-C409-413F-A0B2-86F08462E504}"/>
-    <dgm:cxn modelId="{0FC12F80-B8A0-46D0-B328-F4AC99B654AD}" type="presOf" srcId="{B760797E-446E-42E2-B0A3-B56202F1FCAA}" destId="{BEED1F87-FF68-467A-A67E-9CAACEA2B51E}" srcOrd="1" destOrd="0" presId="urn:microsoft.com/office/officeart/2005/8/layout/cycle4#1"/>
-    <dgm:cxn modelId="{B0B1F30B-726C-4639-A034-7572180750C3}" type="presOf" srcId="{4FE905A7-7271-42F0-BFF4-952EC0A2B290}" destId="{89BC4B9F-E9BE-42F2-8394-3AFE64BADC77}" srcOrd="1" destOrd="0" presId="urn:microsoft.com/office/officeart/2005/8/layout/cycle4#1"/>
-    <dgm:cxn modelId="{17D91092-E9DC-4B2C-AAD9-AA3120F530B7}" type="presOf" srcId="{C14EA41B-E488-4C6B-B60E-293BDFD69BB3}" destId="{A42844D4-CF61-46EB-9411-31A9060C43A2}" srcOrd="0" destOrd="0" presId="urn:microsoft.com/office/officeart/2005/8/layout/cycle4#1"/>
-    <dgm:cxn modelId="{9861FB2C-2A87-405E-BB72-067B56336D39}" srcId="{35F770E6-E543-44D3-B7A0-00CF59BE7825}" destId="{76753763-4C07-47A9-8EC7-8456CB385D4F}" srcOrd="1" destOrd="0" parTransId="{84D37303-93BB-45F5-86DC-91951783E4AD}" sibTransId="{EDFEE7C8-A16A-437C-BAD9-844806C1AE86}"/>
-    <dgm:cxn modelId="{BDF50867-0CB6-47C1-AA84-A90982062ABE}" type="presOf" srcId="{5C810117-A17C-4304-B4B3-E1779C7EAC75}" destId="{D1237CE6-608C-4BAD-9D9E-2616FDF53B8B}" srcOrd="1" destOrd="1" presId="urn:microsoft.com/office/officeart/2005/8/layout/cycle4#1"/>
-    <dgm:cxn modelId="{E1FCDD25-985B-4BBD-A6A7-5FC60D4488DB}" type="presOf" srcId="{76753763-4C07-47A9-8EC7-8456CB385D4F}" destId="{77F84C51-0010-4923-87AF-53C322104D97}" srcOrd="0" destOrd="1" presId="urn:microsoft.com/office/officeart/2005/8/layout/cycle4#1"/>
     <dgm:cxn modelId="{1942B356-460F-41EB-BBB7-164875A2A2A6}" type="presOf" srcId="{10072715-D2E7-4D5A-AB39-E43AF8A05996}" destId="{8A2642FA-7F26-4103-BB47-2B53943E1A3F}" srcOrd="0" destOrd="1" presId="urn:microsoft.com/office/officeart/2005/8/layout/cycle4#1"/>
-    <dgm:cxn modelId="{C1FDB0F3-258F-402A-BEE9-1408D697A3DD}" type="presOf" srcId="{C14EA41B-E488-4C6B-B60E-293BDFD69BB3}" destId="{F32F7251-C655-419B-B80F-877BC528CBC6}" srcOrd="1" destOrd="0" presId="urn:microsoft.com/office/officeart/2005/8/layout/cycle4#1"/>
-    <dgm:cxn modelId="{9E799A22-B521-4C6E-BEED-AEF45CDD7AE8}" srcId="{99BBFA8F-D86B-4935-B82A-C776A61A1484}" destId="{168E8437-CEC9-46A3-B60F-4AE637C8AB34}" srcOrd="1" destOrd="0" parTransId="{AAED8AB3-F260-4EEE-8E02-B4C4187B66C8}" sibTransId="{99390C74-C193-4DD4-A652-0CB022B5380C}"/>
-    <dgm:cxn modelId="{FC55BCBF-11F0-44C6-8315-0083110E4C25}" srcId="{DAECA2CA-2661-412E-AE85-C3A20FBE5FCD}" destId="{99BBFA8F-D86B-4935-B82A-C776A61A1484}" srcOrd="1" destOrd="0" parTransId="{D047D16B-2707-4682-BF38-4FA598B4DF3A}" sibTransId="{EE42F419-3F08-4E76-BEEB-982B2DDF5713}"/>
-    <dgm:cxn modelId="{51FEE0AF-CB91-4312-BA60-72BC9209B7DE}" type="presOf" srcId="{168E8437-CEC9-46A3-B60F-4AE637C8AB34}" destId="{F32F7251-C655-419B-B80F-877BC528CBC6}" srcOrd="1" destOrd="1" presId="urn:microsoft.com/office/officeart/2005/8/layout/cycle4#1"/>
-    <dgm:cxn modelId="{4868223F-B044-45DB-9940-3C5A1AE665E0}" type="presOf" srcId="{10072715-D2E7-4D5A-AB39-E43AF8A05996}" destId="{BEED1F87-FF68-467A-A67E-9CAACEA2B51E}" srcOrd="1" destOrd="1" presId="urn:microsoft.com/office/officeart/2005/8/layout/cycle4#1"/>
-    <dgm:cxn modelId="{9A72332B-9BC0-4737-81E4-3D12A2B5E831}" type="presOf" srcId="{0F497B43-3AB3-49ED-B480-B33C188931D4}" destId="{56F22035-025B-40EF-A575-1CBD3F36B30A}" srcOrd="0" destOrd="0" presId="urn:microsoft.com/office/officeart/2005/8/layout/cycle4#1"/>
-    <dgm:cxn modelId="{0EC3EF22-A3E5-4A3C-B394-40FF21AA4793}" type="presOf" srcId="{35F770E6-E543-44D3-B7A0-00CF59BE7825}" destId="{87BB4812-2E13-4BDB-B894-129CF83F275F}" srcOrd="0" destOrd="0" presId="urn:microsoft.com/office/officeart/2005/8/layout/cycle4#1"/>
-    <dgm:cxn modelId="{4797535E-1B80-4CEA-BD43-883910DE7F02}" type="presOf" srcId="{F5980E61-0E99-429A-9F30-A0B0BCC7FC0A}" destId="{D1237CE6-608C-4BAD-9D9E-2616FDF53B8B}" srcOrd="1" destOrd="0" presId="urn:microsoft.com/office/officeart/2005/8/layout/cycle4#1"/>
-    <dgm:cxn modelId="{A577CD3C-5BF4-4930-9E1A-9DF04268B581}" srcId="{52F107A7-7F56-445A-A494-A40BFF1D8022}" destId="{10072715-D2E7-4D5A-AB39-E43AF8A05996}" srcOrd="1" destOrd="0" parTransId="{B3B5CDC8-6876-4872-9846-6B10734A2A8A}" sibTransId="{F913EE1D-E9AE-454F-83AB-05C0100D5CB2}"/>
-    <dgm:cxn modelId="{E7BA98AC-107C-4503-8086-8514EF398F42}" type="presOf" srcId="{DAECA2CA-2661-412E-AE85-C3A20FBE5FCD}" destId="{22EF02C7-195D-45ED-BD8B-8B4F79FABED7}" srcOrd="0" destOrd="0" presId="urn:microsoft.com/office/officeart/2005/8/layout/cycle4#1"/>
-    <dgm:cxn modelId="{86C1D1B9-3C43-44CF-AC51-29B587181CFE}" type="presOf" srcId="{4FE905A7-7271-42F0-BFF4-952EC0A2B290}" destId="{77F84C51-0010-4923-87AF-53C322104D97}" srcOrd="0" destOrd="0" presId="urn:microsoft.com/office/officeart/2005/8/layout/cycle4#1"/>
-    <dgm:cxn modelId="{453D3ABC-C5BB-410E-886D-39A24BF526C2}" type="presOf" srcId="{168E8437-CEC9-46A3-B60F-4AE637C8AB34}" destId="{A42844D4-CF61-46EB-9411-31A9060C43A2}" srcOrd="0" destOrd="1" presId="urn:microsoft.com/office/officeart/2005/8/layout/cycle4#1"/>
-    <dgm:cxn modelId="{69F82A56-5668-439F-8C33-2E5E63C65FB5}" srcId="{99BBFA8F-D86B-4935-B82A-C776A61A1484}" destId="{C14EA41B-E488-4C6B-B60E-293BDFD69BB3}" srcOrd="0" destOrd="0" parTransId="{2962CE49-DEEF-4241-9D7C-595CD589CDFC}" sibTransId="{5730E4C6-5048-40C0-B4B5-83D92B2009F7}"/>
-    <dgm:cxn modelId="{B46C9524-1C82-4C3F-8D9D-744098B055F7}" srcId="{0F497B43-3AB3-49ED-B480-B33C188931D4}" destId="{F5980E61-0E99-429A-9F30-A0B0BCC7FC0A}" srcOrd="0" destOrd="0" parTransId="{826ECAF4-6B0B-4C96-93F2-8A513DF86D5C}" sibTransId="{DAD473F7-273F-48CF-A591-E6849FC0FD5D}"/>
     <dgm:cxn modelId="{E1BB71AA-F8AD-4B9D-A0D6-C4C5B3714151}" type="presOf" srcId="{99BBFA8F-D86B-4935-B82A-C776A61A1484}" destId="{F4A3C5F3-3AAD-4360-9C14-66DA25B31EA2}" srcOrd="0" destOrd="0" presId="urn:microsoft.com/office/officeart/2005/8/layout/cycle4#1"/>
     <dgm:cxn modelId="{C202AD80-7F39-4186-A425-01ECF5E06562}" type="presOf" srcId="{52F107A7-7F56-445A-A494-A40BFF1D8022}" destId="{6718675A-70DE-44E9-B5AF-9DBE7E86FF11}" srcOrd="0" destOrd="0" presId="urn:microsoft.com/office/officeart/2005/8/layout/cycle4#1"/>
+    <dgm:cxn modelId="{C7E74698-83E4-457F-AD71-AFDDD6748A62}" srcId="{DAECA2CA-2661-412E-AE85-C3A20FBE5FCD}" destId="{0F497B43-3AB3-49ED-B480-B33C188931D4}" srcOrd="2" destOrd="0" parTransId="{3C86BECF-7E5C-444B-B0FD-D246D3C876AD}" sibTransId="{11E97AEA-476B-489C-B542-69A4A8A17A06}"/>
+    <dgm:cxn modelId="{0FC12F80-B8A0-46D0-B328-F4AC99B654AD}" type="presOf" srcId="{B760797E-446E-42E2-B0A3-B56202F1FCAA}" destId="{BEED1F87-FF68-467A-A67E-9CAACEA2B51E}" srcOrd="1" destOrd="0" presId="urn:microsoft.com/office/officeart/2005/8/layout/cycle4#1"/>
+    <dgm:cxn modelId="{E7BA98AC-107C-4503-8086-8514EF398F42}" type="presOf" srcId="{DAECA2CA-2661-412E-AE85-C3A20FBE5FCD}" destId="{22EF02C7-195D-45ED-BD8B-8B4F79FABED7}" srcOrd="0" destOrd="0" presId="urn:microsoft.com/office/officeart/2005/8/layout/cycle4#1"/>
+    <dgm:cxn modelId="{E1FCDD25-985B-4BBD-A6A7-5FC60D4488DB}" type="presOf" srcId="{76753763-4C07-47A9-8EC7-8456CB385D4F}" destId="{77F84C51-0010-4923-87AF-53C322104D97}" srcOrd="0" destOrd="1" presId="urn:microsoft.com/office/officeart/2005/8/layout/cycle4#1"/>
+    <dgm:cxn modelId="{C1FDB0F3-258F-402A-BEE9-1408D697A3DD}" type="presOf" srcId="{C14EA41B-E488-4C6B-B60E-293BDFD69BB3}" destId="{F32F7251-C655-419B-B80F-877BC528CBC6}" srcOrd="1" destOrd="0" presId="urn:microsoft.com/office/officeart/2005/8/layout/cycle4#1"/>
+    <dgm:cxn modelId="{4797535E-1B80-4CEA-BD43-883910DE7F02}" type="presOf" srcId="{F5980E61-0E99-429A-9F30-A0B0BCC7FC0A}" destId="{D1237CE6-608C-4BAD-9D9E-2616FDF53B8B}" srcOrd="1" destOrd="0" presId="urn:microsoft.com/office/officeart/2005/8/layout/cycle4#1"/>
+    <dgm:cxn modelId="{BDF50867-0CB6-47C1-AA84-A90982062ABE}" type="presOf" srcId="{5C810117-A17C-4304-B4B3-E1779C7EAC75}" destId="{D1237CE6-608C-4BAD-9D9E-2616FDF53B8B}" srcOrd="1" destOrd="1" presId="urn:microsoft.com/office/officeart/2005/8/layout/cycle4#1"/>
+    <dgm:cxn modelId="{9861FB2C-2A87-405E-BB72-067B56336D39}" srcId="{35F770E6-E543-44D3-B7A0-00CF59BE7825}" destId="{76753763-4C07-47A9-8EC7-8456CB385D4F}" srcOrd="1" destOrd="0" parTransId="{84D37303-93BB-45F5-86DC-91951783E4AD}" sibTransId="{EDFEE7C8-A16A-437C-BAD9-844806C1AE86}"/>
+    <dgm:cxn modelId="{FC55BCBF-11F0-44C6-8315-0083110E4C25}" srcId="{DAECA2CA-2661-412E-AE85-C3A20FBE5FCD}" destId="{99BBFA8F-D86B-4935-B82A-C776A61A1484}" srcOrd="1" destOrd="0" parTransId="{D047D16B-2707-4682-BF38-4FA598B4DF3A}" sibTransId="{EE42F419-3F08-4E76-BEEB-982B2DDF5713}"/>
+    <dgm:cxn modelId="{17D91092-E9DC-4B2C-AAD9-AA3120F530B7}" type="presOf" srcId="{C14EA41B-E488-4C6B-B60E-293BDFD69BB3}" destId="{A42844D4-CF61-46EB-9411-31A9060C43A2}" srcOrd="0" destOrd="0" presId="urn:microsoft.com/office/officeart/2005/8/layout/cycle4#1"/>
+    <dgm:cxn modelId="{9E799A22-B521-4C6E-BEED-AEF45CDD7AE8}" srcId="{99BBFA8F-D86B-4935-B82A-C776A61A1484}" destId="{168E8437-CEC9-46A3-B60F-4AE637C8AB34}" srcOrd="1" destOrd="0" parTransId="{AAED8AB3-F260-4EEE-8E02-B4C4187B66C8}" sibTransId="{99390C74-C193-4DD4-A652-0CB022B5380C}"/>
+    <dgm:cxn modelId="{8DEDDAD1-59D8-462C-8104-3F11B5D5CD39}" srcId="{0F497B43-3AB3-49ED-B480-B33C188931D4}" destId="{5C810117-A17C-4304-B4B3-E1779C7EAC75}" srcOrd="1" destOrd="0" parTransId="{34E1289E-77CB-4B45-8B2E-EDF70129CAFB}" sibTransId="{7B3B9BE6-62AB-4E45-904C-C3118AD96D2E}"/>
+    <dgm:cxn modelId="{0EC3EF22-A3E5-4A3C-B394-40FF21AA4793}" type="presOf" srcId="{35F770E6-E543-44D3-B7A0-00CF59BE7825}" destId="{87BB4812-2E13-4BDB-B894-129CF83F275F}" srcOrd="0" destOrd="0" presId="urn:microsoft.com/office/officeart/2005/8/layout/cycle4#1"/>
+    <dgm:cxn modelId="{86C1D1B9-3C43-44CF-AC51-29B587181CFE}" type="presOf" srcId="{4FE905A7-7271-42F0-BFF4-952EC0A2B290}" destId="{77F84C51-0010-4923-87AF-53C322104D97}" srcOrd="0" destOrd="0" presId="urn:microsoft.com/office/officeart/2005/8/layout/cycle4#1"/>
+    <dgm:cxn modelId="{B0B1F30B-726C-4639-A034-7572180750C3}" type="presOf" srcId="{4FE905A7-7271-42F0-BFF4-952EC0A2B290}" destId="{89BC4B9F-E9BE-42F2-8394-3AFE64BADC77}" srcOrd="1" destOrd="0" presId="urn:microsoft.com/office/officeart/2005/8/layout/cycle4#1"/>
+    <dgm:cxn modelId="{B7D7A832-6832-4554-9036-9CAB298139A5}" srcId="{52F107A7-7F56-445A-A494-A40BFF1D8022}" destId="{B760797E-446E-42E2-B0A3-B56202F1FCAA}" srcOrd="0" destOrd="0" parTransId="{34A872A5-9B4E-4664-9DAA-2F2F51588E28}" sibTransId="{367F8124-A2A2-4DCD-956D-713E3E9AD049}"/>
+    <dgm:cxn modelId="{51FEE0AF-CB91-4312-BA60-72BC9209B7DE}" type="presOf" srcId="{168E8437-CEC9-46A3-B60F-4AE637C8AB34}" destId="{F32F7251-C655-419B-B80F-877BC528CBC6}" srcOrd="1" destOrd="1" presId="urn:microsoft.com/office/officeart/2005/8/layout/cycle4#1"/>
     <dgm:cxn modelId="{07AD6CD6-588F-45DF-ABFD-3A0B62AA9FD8}" type="presParOf" srcId="{22EF02C7-195D-45ED-BD8B-8B4F79FABED7}" destId="{3D8698E4-4D68-4B90-B435-F134F844C1B0}" srcOrd="0" destOrd="0" presId="urn:microsoft.com/office/officeart/2005/8/layout/cycle4#1"/>
     <dgm:cxn modelId="{57D96B00-A491-4110-8F61-2D7B08A0B498}" type="presParOf" srcId="{3D8698E4-4D68-4B90-B435-F134F844C1B0}" destId="{34C44AA9-E2B1-4B5F-80FC-928A194532D5}" srcOrd="0" destOrd="0" presId="urn:microsoft.com/office/officeart/2005/8/layout/cycle4#1"/>
     <dgm:cxn modelId="{197B0CB6-292B-4F74-BBD1-D0DA3B335A45}" type="presParOf" srcId="{34C44AA9-E2B1-4B5F-80FC-928A194532D5}" destId="{8A2642FA-7F26-4103-BB47-2B53943E1A3F}" srcOrd="0" destOrd="0" presId="urn:microsoft.com/office/officeart/2005/8/layout/cycle4#1"/>
@@ -4935,7 +5168,7 @@
   <dgm:whole/>
   <dgm:extLst>
     <a:ext uri="http://schemas.microsoft.com/office/drawing/2008/diagram">
-      <dsp:dataModelExt xmlns:dsp="http://schemas.microsoft.com/office/drawing/2008/diagram" relId="rId6" minVer="http://schemas.openxmlformats.org/drawingml/2006/diagram"/>
+      <dsp:dataModelExt xmlns:dsp="http://schemas.microsoft.com/office/drawing/2008/diagram" xmlns="" relId="rId6" minVer="http://schemas.openxmlformats.org/drawingml/2006/diagram"/>
     </a:ext>
   </dgm:extLst>
 </dgm:dataModel>
@@ -5426,6 +5659,13 @@
         </dgm:presLayoutVars>
       </dgm:prSet>
       <dgm:spPr/>
+      <dgm:t>
+        <a:bodyPr/>
+        <a:lstStyle/>
+        <a:p>
+          <a:endParaRPr lang="es-ES"/>
+        </a:p>
+      </dgm:t>
     </dgm:pt>
     <dgm:pt modelId="{3D8698E4-4D68-4B90-B435-F134F844C1B0}" type="pres">
       <dgm:prSet presAssocID="{DAECA2CA-2661-412E-AE85-C3A20FBE5FCD}" presName="children" presStyleCnt="0"/>
@@ -5438,6 +5678,13 @@
     <dgm:pt modelId="{8A2642FA-7F26-4103-BB47-2B53943E1A3F}" type="pres">
       <dgm:prSet presAssocID="{DAECA2CA-2661-412E-AE85-C3A20FBE5FCD}" presName="child1" presStyleLbl="bgAcc1" presStyleIdx="0" presStyleCnt="4"/>
       <dgm:spPr/>
+      <dgm:t>
+        <a:bodyPr/>
+        <a:lstStyle/>
+        <a:p>
+          <a:endParaRPr lang="es-ES"/>
+        </a:p>
+      </dgm:t>
     </dgm:pt>
     <dgm:pt modelId="{BEED1F87-FF68-467A-A67E-9CAACEA2B51E}" type="pres">
       <dgm:prSet presAssocID="{DAECA2CA-2661-412E-AE85-C3A20FBE5FCD}" presName="child1Text" presStyleLbl="bgAcc1" presStyleIdx="0" presStyleCnt="4">
@@ -5446,6 +5693,13 @@
         </dgm:presLayoutVars>
       </dgm:prSet>
       <dgm:spPr/>
+      <dgm:t>
+        <a:bodyPr/>
+        <a:lstStyle/>
+        <a:p>
+          <a:endParaRPr lang="es-ES"/>
+        </a:p>
+      </dgm:t>
     </dgm:pt>
     <dgm:pt modelId="{64D4214F-2F56-4A95-B5F8-1EEB7F76B739}" type="pres">
       <dgm:prSet presAssocID="{DAECA2CA-2661-412E-AE85-C3A20FBE5FCD}" presName="child2group" presStyleCnt="0"/>
@@ -5454,6 +5708,13 @@
     <dgm:pt modelId="{A42844D4-CF61-46EB-9411-31A9060C43A2}" type="pres">
       <dgm:prSet presAssocID="{DAECA2CA-2661-412E-AE85-C3A20FBE5FCD}" presName="child2" presStyleLbl="bgAcc1" presStyleIdx="1" presStyleCnt="4"/>
       <dgm:spPr/>
+      <dgm:t>
+        <a:bodyPr/>
+        <a:lstStyle/>
+        <a:p>
+          <a:endParaRPr lang="es-ES"/>
+        </a:p>
+      </dgm:t>
     </dgm:pt>
     <dgm:pt modelId="{F32F7251-C655-419B-B80F-877BC528CBC6}" type="pres">
       <dgm:prSet presAssocID="{DAECA2CA-2661-412E-AE85-C3A20FBE5FCD}" presName="child2Text" presStyleLbl="bgAcc1" presStyleIdx="1" presStyleCnt="4">
@@ -5462,6 +5723,13 @@
         </dgm:presLayoutVars>
       </dgm:prSet>
       <dgm:spPr/>
+      <dgm:t>
+        <a:bodyPr/>
+        <a:lstStyle/>
+        <a:p>
+          <a:endParaRPr lang="es-ES"/>
+        </a:p>
+      </dgm:t>
     </dgm:pt>
     <dgm:pt modelId="{0829B7D1-255A-443F-9F67-2A0AE53B5029}" type="pres">
       <dgm:prSet presAssocID="{DAECA2CA-2661-412E-AE85-C3A20FBE5FCD}" presName="child3group" presStyleCnt="0"/>
@@ -5470,6 +5738,13 @@
     <dgm:pt modelId="{7162870F-9F28-47A4-88B9-3622613575D2}" type="pres">
       <dgm:prSet presAssocID="{DAECA2CA-2661-412E-AE85-C3A20FBE5FCD}" presName="child3" presStyleLbl="bgAcc1" presStyleIdx="2" presStyleCnt="4"/>
       <dgm:spPr/>
+      <dgm:t>
+        <a:bodyPr/>
+        <a:lstStyle/>
+        <a:p>
+          <a:endParaRPr lang="es-ES"/>
+        </a:p>
+      </dgm:t>
     </dgm:pt>
     <dgm:pt modelId="{D1237CE6-608C-4BAD-9D9E-2616FDF53B8B}" type="pres">
       <dgm:prSet presAssocID="{DAECA2CA-2661-412E-AE85-C3A20FBE5FCD}" presName="child3Text" presStyleLbl="bgAcc1" presStyleIdx="2" presStyleCnt="4">
@@ -5478,6 +5753,13 @@
         </dgm:presLayoutVars>
       </dgm:prSet>
       <dgm:spPr/>
+      <dgm:t>
+        <a:bodyPr/>
+        <a:lstStyle/>
+        <a:p>
+          <a:endParaRPr lang="es-ES"/>
+        </a:p>
+      </dgm:t>
     </dgm:pt>
     <dgm:pt modelId="{0CFD2C8D-1376-48D4-8C14-FB31247BD1FB}" type="pres">
       <dgm:prSet presAssocID="{DAECA2CA-2661-412E-AE85-C3A20FBE5FCD}" presName="child4group" presStyleCnt="0"/>
@@ -5486,6 +5768,13 @@
     <dgm:pt modelId="{77F84C51-0010-4923-87AF-53C322104D97}" type="pres">
       <dgm:prSet presAssocID="{DAECA2CA-2661-412E-AE85-C3A20FBE5FCD}" presName="child4" presStyleLbl="bgAcc1" presStyleIdx="3" presStyleCnt="4"/>
       <dgm:spPr/>
+      <dgm:t>
+        <a:bodyPr/>
+        <a:lstStyle/>
+        <a:p>
+          <a:endParaRPr lang="es-ES"/>
+        </a:p>
+      </dgm:t>
     </dgm:pt>
     <dgm:pt modelId="{89BC4B9F-E9BE-42F2-8394-3AFE64BADC77}" type="pres">
       <dgm:prSet presAssocID="{DAECA2CA-2661-412E-AE85-C3A20FBE5FCD}" presName="child4Text" presStyleLbl="bgAcc1" presStyleIdx="3" presStyleCnt="4">
@@ -5494,6 +5783,13 @@
         </dgm:presLayoutVars>
       </dgm:prSet>
       <dgm:spPr/>
+      <dgm:t>
+        <a:bodyPr/>
+        <a:lstStyle/>
+        <a:p>
+          <a:endParaRPr lang="es-ES"/>
+        </a:p>
+      </dgm:t>
     </dgm:pt>
     <dgm:pt modelId="{81A82986-EA4A-4B85-AC03-0773BCE58FBA}" type="pres">
       <dgm:prSet presAssocID="{DAECA2CA-2661-412E-AE85-C3A20FBE5FCD}" presName="childPlaceholder" presStyleCnt="0"/>
@@ -5511,6 +5807,13 @@
         </dgm:presLayoutVars>
       </dgm:prSet>
       <dgm:spPr/>
+      <dgm:t>
+        <a:bodyPr/>
+        <a:lstStyle/>
+        <a:p>
+          <a:endParaRPr lang="es-ES"/>
+        </a:p>
+      </dgm:t>
     </dgm:pt>
     <dgm:pt modelId="{F4A3C5F3-3AAD-4360-9C14-66DA25B31EA2}" type="pres">
       <dgm:prSet presAssocID="{DAECA2CA-2661-412E-AE85-C3A20FBE5FCD}" presName="quadrant2" presStyleLbl="node1" presStyleIdx="1" presStyleCnt="4">
@@ -5520,6 +5823,13 @@
         </dgm:presLayoutVars>
       </dgm:prSet>
       <dgm:spPr/>
+      <dgm:t>
+        <a:bodyPr/>
+        <a:lstStyle/>
+        <a:p>
+          <a:endParaRPr lang="es-ES"/>
+        </a:p>
+      </dgm:t>
     </dgm:pt>
     <dgm:pt modelId="{56F22035-025B-40EF-A575-1CBD3F36B30A}" type="pres">
       <dgm:prSet presAssocID="{DAECA2CA-2661-412E-AE85-C3A20FBE5FCD}" presName="quadrant3" presStyleLbl="node1" presStyleIdx="2" presStyleCnt="4">
@@ -5529,6 +5839,13 @@
         </dgm:presLayoutVars>
       </dgm:prSet>
       <dgm:spPr/>
+      <dgm:t>
+        <a:bodyPr/>
+        <a:lstStyle/>
+        <a:p>
+          <a:endParaRPr lang="es-ES"/>
+        </a:p>
+      </dgm:t>
     </dgm:pt>
     <dgm:pt modelId="{87BB4812-2E13-4BDB-B894-129CF83F275F}" type="pres">
       <dgm:prSet presAssocID="{DAECA2CA-2661-412E-AE85-C3A20FBE5FCD}" presName="quadrant4" presStyleLbl="node1" presStyleIdx="3" presStyleCnt="4">
@@ -5538,6 +5855,13 @@
         </dgm:presLayoutVars>
       </dgm:prSet>
       <dgm:spPr/>
+      <dgm:t>
+        <a:bodyPr/>
+        <a:lstStyle/>
+        <a:p>
+          <a:endParaRPr lang="es-ES"/>
+        </a:p>
+      </dgm:t>
     </dgm:pt>
     <dgm:pt modelId="{6D6DF337-668E-4984-A4AC-31FF37DD88B1}" type="pres">
       <dgm:prSet presAssocID="{DAECA2CA-2661-412E-AE85-C3A20FBE5FCD}" presName="quadrantPlaceholder" presStyleCnt="0"/>
@@ -5553,39 +5877,39 @@
     </dgm:pt>
   </dgm:ptLst>
   <dgm:cxnLst>
-    <dgm:cxn modelId="{C7E74698-83E4-457F-AD71-AFDDD6748A62}" srcId="{DAECA2CA-2661-412E-AE85-C3A20FBE5FCD}" destId="{0F497B43-3AB3-49ED-B480-B33C188931D4}" srcOrd="2" destOrd="0" parTransId="{3C86BECF-7E5C-444B-B0FD-D246D3C876AD}" sibTransId="{11E97AEA-476B-489C-B542-69A4A8A17A06}"/>
-    <dgm:cxn modelId="{B7D7A832-6832-4554-9036-9CAB298139A5}" srcId="{52F107A7-7F56-445A-A494-A40BFF1D8022}" destId="{B760797E-446E-42E2-B0A3-B56202F1FCAA}" srcOrd="0" destOrd="0" parTransId="{34A872A5-9B4E-4664-9DAA-2F2F51588E28}" sibTransId="{367F8124-A2A2-4DCD-956D-713E3E9AD049}"/>
+    <dgm:cxn modelId="{7E6D187F-2B64-4285-89BD-07947565DD76}" type="presOf" srcId="{B760797E-446E-42E2-B0A3-B56202F1FCAA}" destId="{8A2642FA-7F26-4103-BB47-2B53943E1A3F}" srcOrd="0" destOrd="0" presId="urn:microsoft.com/office/officeart/2005/8/layout/cycle4#2"/>
+    <dgm:cxn modelId="{B46C9524-1C82-4C3F-8D9D-744098B055F7}" srcId="{0F497B43-3AB3-49ED-B480-B33C188931D4}" destId="{F5980E61-0E99-429A-9F30-A0B0BCC7FC0A}" srcOrd="0" destOrd="0" parTransId="{826ECAF4-6B0B-4C96-93F2-8A513DF86D5C}" sibTransId="{DAD473F7-273F-48CF-A591-E6849FC0FD5D}"/>
+    <dgm:cxn modelId="{C32AF052-BFD5-42E6-965F-3E4434041DC1}" srcId="{DAECA2CA-2661-412E-AE85-C3A20FBE5FCD}" destId="{35F770E6-E543-44D3-B7A0-00CF59BE7825}" srcOrd="3" destOrd="0" parTransId="{4008CC11-3885-43DC-AD98-DC4620CFC862}" sibTransId="{3184E711-27A8-4B0E-BA8B-D8CD05DCD0B4}"/>
+    <dgm:cxn modelId="{A577CD3C-5BF4-4930-9E1A-9DF04268B581}" srcId="{52F107A7-7F56-445A-A494-A40BFF1D8022}" destId="{10072715-D2E7-4D5A-AB39-E43AF8A05996}" srcOrd="1" destOrd="0" parTransId="{B3B5CDC8-6876-4872-9846-6B10734A2A8A}" sibTransId="{F913EE1D-E9AE-454F-83AB-05C0100D5CB2}"/>
+    <dgm:cxn modelId="{63AE9939-FA1C-4DB8-93C5-35E242A75859}" type="presOf" srcId="{5C810117-A17C-4304-B4B3-E1779C7EAC75}" destId="{7162870F-9F28-47A4-88B9-3622613575D2}" srcOrd="0" destOrd="1" presId="urn:microsoft.com/office/officeart/2005/8/layout/cycle4#2"/>
+    <dgm:cxn modelId="{198966EE-DD31-4464-BB09-EDFB792FF63F}" type="presOf" srcId="{F5980E61-0E99-429A-9F30-A0B0BCC7FC0A}" destId="{7162870F-9F28-47A4-88B9-3622613575D2}" srcOrd="0" destOrd="0" presId="urn:microsoft.com/office/officeart/2005/8/layout/cycle4#2"/>
+    <dgm:cxn modelId="{9A72332B-9BC0-4737-81E4-3D12A2B5E831}" type="presOf" srcId="{0F497B43-3AB3-49ED-B480-B33C188931D4}" destId="{56F22035-025B-40EF-A575-1CBD3F36B30A}" srcOrd="0" destOrd="0" presId="urn:microsoft.com/office/officeart/2005/8/layout/cycle4#2"/>
     <dgm:cxn modelId="{FCAC01C8-C7DE-497E-9AA6-334B39C8F10E}" srcId="{DAECA2CA-2661-412E-AE85-C3A20FBE5FCD}" destId="{52F107A7-7F56-445A-A494-A40BFF1D8022}" srcOrd="0" destOrd="0" parTransId="{A9B64128-7D44-4D5C-8D93-48810EA749C0}" sibTransId="{3C7D7EC5-D108-46C5-BE2B-ED2FEF7BB26F}"/>
+    <dgm:cxn modelId="{69F82A56-5668-439F-8C33-2E5E63C65FB5}" srcId="{99BBFA8F-D86B-4935-B82A-C776A61A1484}" destId="{C14EA41B-E488-4C6B-B60E-293BDFD69BB3}" srcOrd="0" destOrd="0" parTransId="{2962CE49-DEEF-4241-9D7C-595CD589CDFC}" sibTransId="{5730E4C6-5048-40C0-B4B5-83D92B2009F7}"/>
+    <dgm:cxn modelId="{453D3ABC-C5BB-410E-886D-39A24BF526C2}" type="presOf" srcId="{168E8437-CEC9-46A3-B60F-4AE637C8AB34}" destId="{A42844D4-CF61-46EB-9411-31A9060C43A2}" srcOrd="0" destOrd="1" presId="urn:microsoft.com/office/officeart/2005/8/layout/cycle4#2"/>
     <dgm:cxn modelId="{9805BAC1-5C44-4662-B10F-3BC0CF8588E4}" type="presOf" srcId="{76753763-4C07-47A9-8EC7-8456CB385D4F}" destId="{89BC4B9F-E9BE-42F2-8394-3AFE64BADC77}" srcOrd="1" destOrd="1" presId="urn:microsoft.com/office/officeart/2005/8/layout/cycle4#2"/>
-    <dgm:cxn modelId="{8DEDDAD1-59D8-462C-8104-3F11B5D5CD39}" srcId="{0F497B43-3AB3-49ED-B480-B33C188931D4}" destId="{5C810117-A17C-4304-B4B3-E1779C7EAC75}" srcOrd="1" destOrd="0" parTransId="{34E1289E-77CB-4B45-8B2E-EDF70129CAFB}" sibTransId="{7B3B9BE6-62AB-4E45-904C-C3118AD96D2E}"/>
-    <dgm:cxn modelId="{63AE9939-FA1C-4DB8-93C5-35E242A75859}" type="presOf" srcId="{5C810117-A17C-4304-B4B3-E1779C7EAC75}" destId="{7162870F-9F28-47A4-88B9-3622613575D2}" srcOrd="0" destOrd="1" presId="urn:microsoft.com/office/officeart/2005/8/layout/cycle4#2"/>
-    <dgm:cxn modelId="{C32AF052-BFD5-42E6-965F-3E4434041DC1}" srcId="{DAECA2CA-2661-412E-AE85-C3A20FBE5FCD}" destId="{35F770E6-E543-44D3-B7A0-00CF59BE7825}" srcOrd="3" destOrd="0" parTransId="{4008CC11-3885-43DC-AD98-DC4620CFC862}" sibTransId="{3184E711-27A8-4B0E-BA8B-D8CD05DCD0B4}"/>
-    <dgm:cxn modelId="{7E6D187F-2B64-4285-89BD-07947565DD76}" type="presOf" srcId="{B760797E-446E-42E2-B0A3-B56202F1FCAA}" destId="{8A2642FA-7F26-4103-BB47-2B53943E1A3F}" srcOrd="0" destOrd="0" presId="urn:microsoft.com/office/officeart/2005/8/layout/cycle4#2"/>
-    <dgm:cxn modelId="{198966EE-DD31-4464-BB09-EDFB792FF63F}" type="presOf" srcId="{F5980E61-0E99-429A-9F30-A0B0BCC7FC0A}" destId="{7162870F-9F28-47A4-88B9-3622613575D2}" srcOrd="0" destOrd="0" presId="urn:microsoft.com/office/officeart/2005/8/layout/cycle4#2"/>
+    <dgm:cxn modelId="{4868223F-B044-45DB-9940-3C5A1AE665E0}" type="presOf" srcId="{10072715-D2E7-4D5A-AB39-E43AF8A05996}" destId="{BEED1F87-FF68-467A-A67E-9CAACEA2B51E}" srcOrd="1" destOrd="1" presId="urn:microsoft.com/office/officeart/2005/8/layout/cycle4#2"/>
     <dgm:cxn modelId="{69B63970-8EC8-4D68-AFDB-7D0C21F29099}" srcId="{35F770E6-E543-44D3-B7A0-00CF59BE7825}" destId="{4FE905A7-7271-42F0-BFF4-952EC0A2B290}" srcOrd="0" destOrd="0" parTransId="{A3057527-0D6B-4D75-9216-CE139594CD97}" sibTransId="{8220E624-C409-413F-A0B2-86F08462E504}"/>
-    <dgm:cxn modelId="{0FC12F80-B8A0-46D0-B328-F4AC99B654AD}" type="presOf" srcId="{B760797E-446E-42E2-B0A3-B56202F1FCAA}" destId="{BEED1F87-FF68-467A-A67E-9CAACEA2B51E}" srcOrd="1" destOrd="0" presId="urn:microsoft.com/office/officeart/2005/8/layout/cycle4#2"/>
-    <dgm:cxn modelId="{B0B1F30B-726C-4639-A034-7572180750C3}" type="presOf" srcId="{4FE905A7-7271-42F0-BFF4-952EC0A2B290}" destId="{89BC4B9F-E9BE-42F2-8394-3AFE64BADC77}" srcOrd="1" destOrd="0" presId="urn:microsoft.com/office/officeart/2005/8/layout/cycle4#2"/>
-    <dgm:cxn modelId="{17D91092-E9DC-4B2C-AAD9-AA3120F530B7}" type="presOf" srcId="{C14EA41B-E488-4C6B-B60E-293BDFD69BB3}" destId="{A42844D4-CF61-46EB-9411-31A9060C43A2}" srcOrd="0" destOrd="0" presId="urn:microsoft.com/office/officeart/2005/8/layout/cycle4#2"/>
-    <dgm:cxn modelId="{9861FB2C-2A87-405E-BB72-067B56336D39}" srcId="{35F770E6-E543-44D3-B7A0-00CF59BE7825}" destId="{76753763-4C07-47A9-8EC7-8456CB385D4F}" srcOrd="1" destOrd="0" parTransId="{84D37303-93BB-45F5-86DC-91951783E4AD}" sibTransId="{EDFEE7C8-A16A-437C-BAD9-844806C1AE86}"/>
-    <dgm:cxn modelId="{BDF50867-0CB6-47C1-AA84-A90982062ABE}" type="presOf" srcId="{5C810117-A17C-4304-B4B3-E1779C7EAC75}" destId="{D1237CE6-608C-4BAD-9D9E-2616FDF53B8B}" srcOrd="1" destOrd="1" presId="urn:microsoft.com/office/officeart/2005/8/layout/cycle4#2"/>
-    <dgm:cxn modelId="{E1FCDD25-985B-4BBD-A6A7-5FC60D4488DB}" type="presOf" srcId="{76753763-4C07-47A9-8EC7-8456CB385D4F}" destId="{77F84C51-0010-4923-87AF-53C322104D97}" srcOrd="0" destOrd="1" presId="urn:microsoft.com/office/officeart/2005/8/layout/cycle4#2"/>
     <dgm:cxn modelId="{1942B356-460F-41EB-BBB7-164875A2A2A6}" type="presOf" srcId="{10072715-D2E7-4D5A-AB39-E43AF8A05996}" destId="{8A2642FA-7F26-4103-BB47-2B53943E1A3F}" srcOrd="0" destOrd="1" presId="urn:microsoft.com/office/officeart/2005/8/layout/cycle4#2"/>
-    <dgm:cxn modelId="{C1FDB0F3-258F-402A-BEE9-1408D697A3DD}" type="presOf" srcId="{C14EA41B-E488-4C6B-B60E-293BDFD69BB3}" destId="{F32F7251-C655-419B-B80F-877BC528CBC6}" srcOrd="1" destOrd="0" presId="urn:microsoft.com/office/officeart/2005/8/layout/cycle4#2"/>
-    <dgm:cxn modelId="{9E799A22-B521-4C6E-BEED-AEF45CDD7AE8}" srcId="{99BBFA8F-D86B-4935-B82A-C776A61A1484}" destId="{168E8437-CEC9-46A3-B60F-4AE637C8AB34}" srcOrd="1" destOrd="0" parTransId="{AAED8AB3-F260-4EEE-8E02-B4C4187B66C8}" sibTransId="{99390C74-C193-4DD4-A652-0CB022B5380C}"/>
-    <dgm:cxn modelId="{FC55BCBF-11F0-44C6-8315-0083110E4C25}" srcId="{DAECA2CA-2661-412E-AE85-C3A20FBE5FCD}" destId="{99BBFA8F-D86B-4935-B82A-C776A61A1484}" srcOrd="1" destOrd="0" parTransId="{D047D16B-2707-4682-BF38-4FA598B4DF3A}" sibTransId="{EE42F419-3F08-4E76-BEEB-982B2DDF5713}"/>
-    <dgm:cxn modelId="{51FEE0AF-CB91-4312-BA60-72BC9209B7DE}" type="presOf" srcId="{168E8437-CEC9-46A3-B60F-4AE637C8AB34}" destId="{F32F7251-C655-419B-B80F-877BC528CBC6}" srcOrd="1" destOrd="1" presId="urn:microsoft.com/office/officeart/2005/8/layout/cycle4#2"/>
-    <dgm:cxn modelId="{4868223F-B044-45DB-9940-3C5A1AE665E0}" type="presOf" srcId="{10072715-D2E7-4D5A-AB39-E43AF8A05996}" destId="{BEED1F87-FF68-467A-A67E-9CAACEA2B51E}" srcOrd="1" destOrd="1" presId="urn:microsoft.com/office/officeart/2005/8/layout/cycle4#2"/>
-    <dgm:cxn modelId="{9A72332B-9BC0-4737-81E4-3D12A2B5E831}" type="presOf" srcId="{0F497B43-3AB3-49ED-B480-B33C188931D4}" destId="{56F22035-025B-40EF-A575-1CBD3F36B30A}" srcOrd="0" destOrd="0" presId="urn:microsoft.com/office/officeart/2005/8/layout/cycle4#2"/>
-    <dgm:cxn modelId="{0EC3EF22-A3E5-4A3C-B394-40FF21AA4793}" type="presOf" srcId="{35F770E6-E543-44D3-B7A0-00CF59BE7825}" destId="{87BB4812-2E13-4BDB-B894-129CF83F275F}" srcOrd="0" destOrd="0" presId="urn:microsoft.com/office/officeart/2005/8/layout/cycle4#2"/>
-    <dgm:cxn modelId="{4797535E-1B80-4CEA-BD43-883910DE7F02}" type="presOf" srcId="{F5980E61-0E99-429A-9F30-A0B0BCC7FC0A}" destId="{D1237CE6-608C-4BAD-9D9E-2616FDF53B8B}" srcOrd="1" destOrd="0" presId="urn:microsoft.com/office/officeart/2005/8/layout/cycle4#2"/>
-    <dgm:cxn modelId="{A577CD3C-5BF4-4930-9E1A-9DF04268B581}" srcId="{52F107A7-7F56-445A-A494-A40BFF1D8022}" destId="{10072715-D2E7-4D5A-AB39-E43AF8A05996}" srcOrd="1" destOrd="0" parTransId="{B3B5CDC8-6876-4872-9846-6B10734A2A8A}" sibTransId="{F913EE1D-E9AE-454F-83AB-05C0100D5CB2}"/>
-    <dgm:cxn modelId="{E7BA98AC-107C-4503-8086-8514EF398F42}" type="presOf" srcId="{DAECA2CA-2661-412E-AE85-C3A20FBE5FCD}" destId="{22EF02C7-195D-45ED-BD8B-8B4F79FABED7}" srcOrd="0" destOrd="0" presId="urn:microsoft.com/office/officeart/2005/8/layout/cycle4#2"/>
-    <dgm:cxn modelId="{86C1D1B9-3C43-44CF-AC51-29B587181CFE}" type="presOf" srcId="{4FE905A7-7271-42F0-BFF4-952EC0A2B290}" destId="{77F84C51-0010-4923-87AF-53C322104D97}" srcOrd="0" destOrd="0" presId="urn:microsoft.com/office/officeart/2005/8/layout/cycle4#2"/>
-    <dgm:cxn modelId="{453D3ABC-C5BB-410E-886D-39A24BF526C2}" type="presOf" srcId="{168E8437-CEC9-46A3-B60F-4AE637C8AB34}" destId="{A42844D4-CF61-46EB-9411-31A9060C43A2}" srcOrd="0" destOrd="1" presId="urn:microsoft.com/office/officeart/2005/8/layout/cycle4#2"/>
-    <dgm:cxn modelId="{69F82A56-5668-439F-8C33-2E5E63C65FB5}" srcId="{99BBFA8F-D86B-4935-B82A-C776A61A1484}" destId="{C14EA41B-E488-4C6B-B60E-293BDFD69BB3}" srcOrd="0" destOrd="0" parTransId="{2962CE49-DEEF-4241-9D7C-595CD589CDFC}" sibTransId="{5730E4C6-5048-40C0-B4B5-83D92B2009F7}"/>
-    <dgm:cxn modelId="{B46C9524-1C82-4C3F-8D9D-744098B055F7}" srcId="{0F497B43-3AB3-49ED-B480-B33C188931D4}" destId="{F5980E61-0E99-429A-9F30-A0B0BCC7FC0A}" srcOrd="0" destOrd="0" parTransId="{826ECAF4-6B0B-4C96-93F2-8A513DF86D5C}" sibTransId="{DAD473F7-273F-48CF-A591-E6849FC0FD5D}"/>
     <dgm:cxn modelId="{E1BB71AA-F8AD-4B9D-A0D6-C4C5B3714151}" type="presOf" srcId="{99BBFA8F-D86B-4935-B82A-C776A61A1484}" destId="{F4A3C5F3-3AAD-4360-9C14-66DA25B31EA2}" srcOrd="0" destOrd="0" presId="urn:microsoft.com/office/officeart/2005/8/layout/cycle4#2"/>
     <dgm:cxn modelId="{C202AD80-7F39-4186-A425-01ECF5E06562}" type="presOf" srcId="{52F107A7-7F56-445A-A494-A40BFF1D8022}" destId="{6718675A-70DE-44E9-B5AF-9DBE7E86FF11}" srcOrd="0" destOrd="0" presId="urn:microsoft.com/office/officeart/2005/8/layout/cycle4#2"/>
+    <dgm:cxn modelId="{C7E74698-83E4-457F-AD71-AFDDD6748A62}" srcId="{DAECA2CA-2661-412E-AE85-C3A20FBE5FCD}" destId="{0F497B43-3AB3-49ED-B480-B33C188931D4}" srcOrd="2" destOrd="0" parTransId="{3C86BECF-7E5C-444B-B0FD-D246D3C876AD}" sibTransId="{11E97AEA-476B-489C-B542-69A4A8A17A06}"/>
+    <dgm:cxn modelId="{0FC12F80-B8A0-46D0-B328-F4AC99B654AD}" type="presOf" srcId="{B760797E-446E-42E2-B0A3-B56202F1FCAA}" destId="{BEED1F87-FF68-467A-A67E-9CAACEA2B51E}" srcOrd="1" destOrd="0" presId="urn:microsoft.com/office/officeart/2005/8/layout/cycle4#2"/>
+    <dgm:cxn modelId="{E7BA98AC-107C-4503-8086-8514EF398F42}" type="presOf" srcId="{DAECA2CA-2661-412E-AE85-C3A20FBE5FCD}" destId="{22EF02C7-195D-45ED-BD8B-8B4F79FABED7}" srcOrd="0" destOrd="0" presId="urn:microsoft.com/office/officeart/2005/8/layout/cycle4#2"/>
+    <dgm:cxn modelId="{E1FCDD25-985B-4BBD-A6A7-5FC60D4488DB}" type="presOf" srcId="{76753763-4C07-47A9-8EC7-8456CB385D4F}" destId="{77F84C51-0010-4923-87AF-53C322104D97}" srcOrd="0" destOrd="1" presId="urn:microsoft.com/office/officeart/2005/8/layout/cycle4#2"/>
+    <dgm:cxn modelId="{C1FDB0F3-258F-402A-BEE9-1408D697A3DD}" type="presOf" srcId="{C14EA41B-E488-4C6B-B60E-293BDFD69BB3}" destId="{F32F7251-C655-419B-B80F-877BC528CBC6}" srcOrd="1" destOrd="0" presId="urn:microsoft.com/office/officeart/2005/8/layout/cycle4#2"/>
+    <dgm:cxn modelId="{4797535E-1B80-4CEA-BD43-883910DE7F02}" type="presOf" srcId="{F5980E61-0E99-429A-9F30-A0B0BCC7FC0A}" destId="{D1237CE6-608C-4BAD-9D9E-2616FDF53B8B}" srcOrd="1" destOrd="0" presId="urn:microsoft.com/office/officeart/2005/8/layout/cycle4#2"/>
+    <dgm:cxn modelId="{BDF50867-0CB6-47C1-AA84-A90982062ABE}" type="presOf" srcId="{5C810117-A17C-4304-B4B3-E1779C7EAC75}" destId="{D1237CE6-608C-4BAD-9D9E-2616FDF53B8B}" srcOrd="1" destOrd="1" presId="urn:microsoft.com/office/officeart/2005/8/layout/cycle4#2"/>
+    <dgm:cxn modelId="{9861FB2C-2A87-405E-BB72-067B56336D39}" srcId="{35F770E6-E543-44D3-B7A0-00CF59BE7825}" destId="{76753763-4C07-47A9-8EC7-8456CB385D4F}" srcOrd="1" destOrd="0" parTransId="{84D37303-93BB-45F5-86DC-91951783E4AD}" sibTransId="{EDFEE7C8-A16A-437C-BAD9-844806C1AE86}"/>
+    <dgm:cxn modelId="{FC55BCBF-11F0-44C6-8315-0083110E4C25}" srcId="{DAECA2CA-2661-412E-AE85-C3A20FBE5FCD}" destId="{99BBFA8F-D86B-4935-B82A-C776A61A1484}" srcOrd="1" destOrd="0" parTransId="{D047D16B-2707-4682-BF38-4FA598B4DF3A}" sibTransId="{EE42F419-3F08-4E76-BEEB-982B2DDF5713}"/>
+    <dgm:cxn modelId="{17D91092-E9DC-4B2C-AAD9-AA3120F530B7}" type="presOf" srcId="{C14EA41B-E488-4C6B-B60E-293BDFD69BB3}" destId="{A42844D4-CF61-46EB-9411-31A9060C43A2}" srcOrd="0" destOrd="0" presId="urn:microsoft.com/office/officeart/2005/8/layout/cycle4#2"/>
+    <dgm:cxn modelId="{9E799A22-B521-4C6E-BEED-AEF45CDD7AE8}" srcId="{99BBFA8F-D86B-4935-B82A-C776A61A1484}" destId="{168E8437-CEC9-46A3-B60F-4AE637C8AB34}" srcOrd="1" destOrd="0" parTransId="{AAED8AB3-F260-4EEE-8E02-B4C4187B66C8}" sibTransId="{99390C74-C193-4DD4-A652-0CB022B5380C}"/>
+    <dgm:cxn modelId="{8DEDDAD1-59D8-462C-8104-3F11B5D5CD39}" srcId="{0F497B43-3AB3-49ED-B480-B33C188931D4}" destId="{5C810117-A17C-4304-B4B3-E1779C7EAC75}" srcOrd="1" destOrd="0" parTransId="{34E1289E-77CB-4B45-8B2E-EDF70129CAFB}" sibTransId="{7B3B9BE6-62AB-4E45-904C-C3118AD96D2E}"/>
+    <dgm:cxn modelId="{0EC3EF22-A3E5-4A3C-B394-40FF21AA4793}" type="presOf" srcId="{35F770E6-E543-44D3-B7A0-00CF59BE7825}" destId="{87BB4812-2E13-4BDB-B894-129CF83F275F}" srcOrd="0" destOrd="0" presId="urn:microsoft.com/office/officeart/2005/8/layout/cycle4#2"/>
+    <dgm:cxn modelId="{86C1D1B9-3C43-44CF-AC51-29B587181CFE}" type="presOf" srcId="{4FE905A7-7271-42F0-BFF4-952EC0A2B290}" destId="{77F84C51-0010-4923-87AF-53C322104D97}" srcOrd="0" destOrd="0" presId="urn:microsoft.com/office/officeart/2005/8/layout/cycle4#2"/>
+    <dgm:cxn modelId="{B0B1F30B-726C-4639-A034-7572180750C3}" type="presOf" srcId="{4FE905A7-7271-42F0-BFF4-952EC0A2B290}" destId="{89BC4B9F-E9BE-42F2-8394-3AFE64BADC77}" srcOrd="1" destOrd="0" presId="urn:microsoft.com/office/officeart/2005/8/layout/cycle4#2"/>
+    <dgm:cxn modelId="{B7D7A832-6832-4554-9036-9CAB298139A5}" srcId="{52F107A7-7F56-445A-A494-A40BFF1D8022}" destId="{B760797E-446E-42E2-B0A3-B56202F1FCAA}" srcOrd="0" destOrd="0" parTransId="{34A872A5-9B4E-4664-9DAA-2F2F51588E28}" sibTransId="{367F8124-A2A2-4DCD-956D-713E3E9AD049}"/>
+    <dgm:cxn modelId="{51FEE0AF-CB91-4312-BA60-72BC9209B7DE}" type="presOf" srcId="{168E8437-CEC9-46A3-B60F-4AE637C8AB34}" destId="{F32F7251-C655-419B-B80F-877BC528CBC6}" srcOrd="1" destOrd="1" presId="urn:microsoft.com/office/officeart/2005/8/layout/cycle4#2"/>
     <dgm:cxn modelId="{07AD6CD6-588F-45DF-ABFD-3A0B62AA9FD8}" type="presParOf" srcId="{22EF02C7-195D-45ED-BD8B-8B4F79FABED7}" destId="{3D8698E4-4D68-4B90-B435-F134F844C1B0}" srcOrd="0" destOrd="0" presId="urn:microsoft.com/office/officeart/2005/8/layout/cycle4#2"/>
     <dgm:cxn modelId="{57D96B00-A491-4110-8F61-2D7B08A0B498}" type="presParOf" srcId="{3D8698E4-4D68-4B90-B435-F134F844C1B0}" destId="{34C44AA9-E2B1-4B5F-80FC-928A194532D5}" srcOrd="0" destOrd="0" presId="urn:microsoft.com/office/officeart/2005/8/layout/cycle4#2"/>
     <dgm:cxn modelId="{197B0CB6-292B-4F74-BBD1-D0DA3B335A45}" type="presParOf" srcId="{34C44AA9-E2B1-4B5F-80FC-928A194532D5}" destId="{8A2642FA-7F26-4103-BB47-2B53943E1A3F}" srcOrd="0" destOrd="0" presId="urn:microsoft.com/office/officeart/2005/8/layout/cycle4#2"/>
@@ -5613,14 +5937,14 @@
   <dgm:whole/>
   <dgm:extLst>
     <a:ext uri="http://schemas.microsoft.com/office/drawing/2008/diagram">
-      <dsp:dataModelExt xmlns:dsp="http://schemas.microsoft.com/office/drawing/2008/diagram" relId="rId6" minVer="http://schemas.openxmlformats.org/drawingml/2006/diagram"/>
+      <dsp:dataModelExt xmlns:dsp="http://schemas.microsoft.com/office/drawing/2008/diagram" xmlns="" relId="rId6" minVer="http://schemas.openxmlformats.org/drawingml/2006/diagram"/>
     </a:ext>
   </dgm:extLst>
 </dgm:dataModel>
 </file>
 
 <file path=ppt/diagrams/drawing1.xml><?xml version="1.0" encoding="utf-8"?>
-<dsp:drawing xmlns:dgm="http://schemas.openxmlformats.org/drawingml/2006/diagram" xmlns:dsp="http://schemas.microsoft.com/office/drawing/2008/diagram" xmlns:a="http://schemas.openxmlformats.org/drawingml/2006/main">
+<dsp:drawing xmlns:dgm="http://schemas.openxmlformats.org/drawingml/2006/diagram" xmlns:a="http://schemas.openxmlformats.org/drawingml/2006/main" xmlns:dsp="http://schemas.microsoft.com/office/drawing/2008/diagram">
   <dsp:spTree>
     <dsp:nvGrpSpPr>
       <dsp:cNvPr id="0" name=""/>
@@ -5697,7 +6021,7 @@
             <a:spcAft>
               <a:spcPct val="15000"/>
             </a:spcAft>
-            <a:buChar char="•"/>
+            <a:buChar char="••"/>
           </a:pPr>
           <a:r>
             <a:rPr lang="es-ES" sz="2000" kern="1200" dirty="0"/>
@@ -5715,7 +6039,7 @@
             <a:spcAft>
               <a:spcPct val="15000"/>
             </a:spcAft>
-            <a:buChar char="•"/>
+            <a:buChar char="••"/>
           </a:pPr>
           <a:r>
             <a:rPr lang="es-ES" sz="2000" kern="1200" dirty="0" err="1"/>
@@ -5725,8 +6049,8 @@
         </a:p>
       </dsp:txBody>
       <dsp:txXfrm>
-        <a:off x="1347029" y="471596"/>
-        <a:ext cx="1308398" cy="1642242"/>
+        <a:off x="1347029" y="119687"/>
+        <a:ext cx="2012920" cy="2346060"/>
       </dsp:txXfrm>
     </dsp:sp>
     <dsp:sp modelId="{D4BDE164-A985-4E11-BCE7-D9F1F96F3E56}">
@@ -5784,7 +6108,7 @@
         </a:bodyPr>
         <a:lstStyle/>
         <a:p>
-          <a:pPr marL="0" lvl="0" indent="0" algn="ctr" defTabSz="977900">
+          <a:pPr lvl="0" algn="ctr" defTabSz="977900">
             <a:lnSpc>
               <a:spcPct val="90000"/>
             </a:lnSpc>
@@ -5794,7 +6118,6 @@
             <a:spcAft>
               <a:spcPct val="35000"/>
             </a:spcAft>
-            <a:buNone/>
           </a:pPr>
           <a:r>
             <a:rPr lang="es-ES" sz="2200" kern="1200" dirty="0"/>
@@ -5803,8 +6126,8 @@
         </a:p>
       </dsp:txBody>
       <dsp:txXfrm>
-        <a:off x="201606" y="818267"/>
-        <a:ext cx="948900" cy="948900"/>
+        <a:off x="5083" y="621744"/>
+        <a:ext cx="1341946" cy="1341946"/>
       </dsp:txXfrm>
     </dsp:sp>
     <dsp:sp modelId="{E282D330-89B8-44D9-A6C5-AAFB6BB781FC}">
@@ -5877,7 +6200,7 @@
             <a:spcAft>
               <a:spcPct val="15000"/>
             </a:spcAft>
-            <a:buChar char="•"/>
+            <a:buChar char="••"/>
           </a:pPr>
           <a:r>
             <a:rPr lang="es-ES" sz="2000" kern="1200" dirty="0"/>
@@ -5895,7 +6218,7 @@
             <a:spcAft>
               <a:spcPct val="15000"/>
             </a:spcAft>
-            <a:buChar char="•"/>
+            <a:buChar char="••"/>
           </a:pPr>
           <a:r>
             <a:rPr lang="es-ES" sz="2000" kern="1200" dirty="0" err="1"/>
@@ -5905,8 +6228,8 @@
         </a:p>
       </dsp:txBody>
       <dsp:txXfrm>
-        <a:off x="4869640" y="471596"/>
-        <a:ext cx="1308398" cy="1642242"/>
+        <a:off x="4869640" y="119687"/>
+        <a:ext cx="2012920" cy="2346060"/>
       </dsp:txXfrm>
     </dsp:sp>
     <dsp:sp modelId="{4EC45A84-B17D-42BB-BFF6-00A7955F2DD8}">
@@ -5964,7 +6287,7 @@
         </a:bodyPr>
         <a:lstStyle/>
         <a:p>
-          <a:pPr marL="0" lvl="0" indent="0" algn="ctr" defTabSz="977900">
+          <a:pPr lvl="0" algn="ctr" defTabSz="977900">
             <a:lnSpc>
               <a:spcPct val="90000"/>
             </a:lnSpc>
@@ -5974,7 +6297,6 @@
             <a:spcAft>
               <a:spcPct val="35000"/>
             </a:spcAft>
-            <a:buNone/>
           </a:pPr>
           <a:r>
             <a:rPr lang="es-ES" sz="2200" kern="1200" dirty="0"/>
@@ -5983,8 +6305,8 @@
         </a:p>
       </dsp:txBody>
       <dsp:txXfrm>
-        <a:off x="3724216" y="818267"/>
-        <a:ext cx="948900" cy="948900"/>
+        <a:off x="3527693" y="621744"/>
+        <a:ext cx="1341946" cy="1341946"/>
       </dsp:txXfrm>
     </dsp:sp>
     <dsp:sp modelId="{3400CD74-5D7B-4E55-AC5F-3096E62A8AB5}">
@@ -6057,7 +6379,7 @@
             <a:spcAft>
               <a:spcPct val="15000"/>
             </a:spcAft>
-            <a:buChar char="•"/>
+            <a:buChar char="••"/>
           </a:pPr>
           <a:r>
             <a:rPr lang="es-ES" sz="2000" kern="1200" dirty="0"/>
@@ -6075,7 +6397,7 @@
             <a:spcAft>
               <a:spcPct val="15000"/>
             </a:spcAft>
-            <a:buChar char="•"/>
+            <a:buChar char="••"/>
           </a:pPr>
           <a:r>
             <a:rPr lang="es-ES" sz="2000" kern="1200" dirty="0" err="1"/>
@@ -6085,8 +6407,8 @@
         </a:p>
       </dsp:txBody>
       <dsp:txXfrm>
-        <a:off x="8392250" y="471596"/>
-        <a:ext cx="1308398" cy="1642242"/>
+        <a:off x="8392250" y="119687"/>
+        <a:ext cx="2012920" cy="2346060"/>
       </dsp:txXfrm>
     </dsp:sp>
     <dsp:sp modelId="{28C703E4-9C1D-4EEB-B4BD-4304F73C3779}">
@@ -6144,7 +6466,7 @@
         </a:bodyPr>
         <a:lstStyle/>
         <a:p>
-          <a:pPr marL="0" lvl="0" indent="0" algn="ctr" defTabSz="977900">
+          <a:pPr lvl="0" algn="ctr" defTabSz="977900">
             <a:lnSpc>
               <a:spcPct val="90000"/>
             </a:lnSpc>
@@ -6154,7 +6476,6 @@
             <a:spcAft>
               <a:spcPct val="35000"/>
             </a:spcAft>
-            <a:buNone/>
           </a:pPr>
           <a:r>
             <a:rPr lang="es-ES" sz="2200" kern="1200" dirty="0"/>
@@ -6163,8 +6484,8 @@
         </a:p>
       </dsp:txBody>
       <dsp:txXfrm>
-        <a:off x="7246826" y="818267"/>
-        <a:ext cx="948900" cy="948900"/>
+        <a:off x="7050303" y="621744"/>
+        <a:ext cx="1341946" cy="1341946"/>
       </dsp:txXfrm>
     </dsp:sp>
   </dsp:spTree>
@@ -6172,7 +6493,7 @@
 </file>
 
 <file path=ppt/diagrams/drawing2.xml><?xml version="1.0" encoding="utf-8"?>
-<dsp:drawing xmlns:dgm="http://schemas.openxmlformats.org/drawingml/2006/diagram" xmlns:dsp="http://schemas.microsoft.com/office/drawing/2008/diagram" xmlns:a="http://schemas.openxmlformats.org/drawingml/2006/main">
+<dsp:drawing xmlns:dgm="http://schemas.openxmlformats.org/drawingml/2006/diagram" xmlns:a="http://schemas.openxmlformats.org/drawingml/2006/main" xmlns:dsp="http://schemas.microsoft.com/office/drawing/2008/diagram">
   <dsp:spTree>
     <dsp:nvGrpSpPr>
       <dsp:cNvPr id="0" name=""/>
@@ -6249,7 +6570,7 @@
             <a:spcAft>
               <a:spcPct val="15000"/>
             </a:spcAft>
-            <a:buChar char="•"/>
+            <a:buChar char="••"/>
           </a:pPr>
           <a:r>
             <a:rPr lang="es-ES" sz="2000" kern="1200" dirty="0"/>
@@ -6267,7 +6588,7 @@
             <a:spcAft>
               <a:spcPct val="15000"/>
             </a:spcAft>
-            <a:buChar char="•"/>
+            <a:buChar char="••"/>
           </a:pPr>
           <a:r>
             <a:rPr lang="es-ES" sz="2000" kern="1200" dirty="0" err="1"/>
@@ -6277,8 +6598,8 @@
         </a:p>
       </dsp:txBody>
       <dsp:txXfrm>
-        <a:off x="1347029" y="471596"/>
-        <a:ext cx="1308398" cy="1642242"/>
+        <a:off x="1347029" y="119687"/>
+        <a:ext cx="2012920" cy="2346060"/>
       </dsp:txXfrm>
     </dsp:sp>
     <dsp:sp modelId="{D4BDE164-A985-4E11-BCE7-D9F1F96F3E56}">
@@ -6336,7 +6657,7 @@
         </a:bodyPr>
         <a:lstStyle/>
         <a:p>
-          <a:pPr marL="0" lvl="0" indent="0" algn="ctr" defTabSz="977900">
+          <a:pPr lvl="0" algn="ctr" defTabSz="977900">
             <a:lnSpc>
               <a:spcPct val="90000"/>
             </a:lnSpc>
@@ -6346,7 +6667,6 @@
             <a:spcAft>
               <a:spcPct val="35000"/>
             </a:spcAft>
-            <a:buNone/>
           </a:pPr>
           <a:r>
             <a:rPr lang="es-ES" sz="2200" kern="1200" dirty="0"/>
@@ -6355,8 +6675,8 @@
         </a:p>
       </dsp:txBody>
       <dsp:txXfrm>
-        <a:off x="201606" y="818267"/>
-        <a:ext cx="948900" cy="948900"/>
+        <a:off x="5083" y="621744"/>
+        <a:ext cx="1341946" cy="1341946"/>
       </dsp:txXfrm>
     </dsp:sp>
     <dsp:sp modelId="{E282D330-89B8-44D9-A6C5-AAFB6BB781FC}">
@@ -6429,7 +6749,7 @@
             <a:spcAft>
               <a:spcPct val="15000"/>
             </a:spcAft>
-            <a:buChar char="•"/>
+            <a:buChar char="••"/>
           </a:pPr>
           <a:r>
             <a:rPr lang="es-ES" sz="2000" kern="1200" dirty="0"/>
@@ -6447,7 +6767,7 @@
             <a:spcAft>
               <a:spcPct val="15000"/>
             </a:spcAft>
-            <a:buChar char="•"/>
+            <a:buChar char="••"/>
           </a:pPr>
           <a:r>
             <a:rPr lang="es-ES" sz="2000" kern="1200" dirty="0" err="1"/>
@@ -6457,8 +6777,8 @@
         </a:p>
       </dsp:txBody>
       <dsp:txXfrm>
-        <a:off x="4869640" y="471596"/>
-        <a:ext cx="1308398" cy="1642242"/>
+        <a:off x="4869640" y="119687"/>
+        <a:ext cx="2012920" cy="2346060"/>
       </dsp:txXfrm>
     </dsp:sp>
     <dsp:sp modelId="{4EC45A84-B17D-42BB-BFF6-00A7955F2DD8}">
@@ -6516,7 +6836,7 @@
         </a:bodyPr>
         <a:lstStyle/>
         <a:p>
-          <a:pPr marL="0" lvl="0" indent="0" algn="ctr" defTabSz="977900">
+          <a:pPr lvl="0" algn="ctr" defTabSz="977900">
             <a:lnSpc>
               <a:spcPct val="90000"/>
             </a:lnSpc>
@@ -6526,7 +6846,6 @@
             <a:spcAft>
               <a:spcPct val="35000"/>
             </a:spcAft>
-            <a:buNone/>
           </a:pPr>
           <a:r>
             <a:rPr lang="es-ES" sz="2200" kern="1200" dirty="0"/>
@@ -6535,8 +6854,8 @@
         </a:p>
       </dsp:txBody>
       <dsp:txXfrm>
-        <a:off x="3724216" y="818267"/>
-        <a:ext cx="948900" cy="948900"/>
+        <a:off x="3527693" y="621744"/>
+        <a:ext cx="1341946" cy="1341946"/>
       </dsp:txXfrm>
     </dsp:sp>
     <dsp:sp modelId="{3400CD74-5D7B-4E55-AC5F-3096E62A8AB5}">
@@ -6609,7 +6928,7 @@
             <a:spcAft>
               <a:spcPct val="15000"/>
             </a:spcAft>
-            <a:buChar char="•"/>
+            <a:buChar char="••"/>
           </a:pPr>
           <a:r>
             <a:rPr lang="es-ES" sz="2000" kern="1200" dirty="0"/>
@@ -6627,7 +6946,7 @@
             <a:spcAft>
               <a:spcPct val="15000"/>
             </a:spcAft>
-            <a:buChar char="•"/>
+            <a:buChar char="••"/>
           </a:pPr>
           <a:r>
             <a:rPr lang="es-ES" sz="2000" kern="1200" dirty="0" err="1"/>
@@ -6637,8 +6956,8 @@
         </a:p>
       </dsp:txBody>
       <dsp:txXfrm>
-        <a:off x="8392250" y="471596"/>
-        <a:ext cx="1308398" cy="1642242"/>
+        <a:off x="8392250" y="119687"/>
+        <a:ext cx="2012920" cy="2346060"/>
       </dsp:txXfrm>
     </dsp:sp>
     <dsp:sp modelId="{28C703E4-9C1D-4EEB-B4BD-4304F73C3779}">
@@ -6696,7 +7015,7 @@
         </a:bodyPr>
         <a:lstStyle/>
         <a:p>
-          <a:pPr marL="0" lvl="0" indent="0" algn="ctr" defTabSz="977900">
+          <a:pPr lvl="0" algn="ctr" defTabSz="977900">
             <a:lnSpc>
               <a:spcPct val="90000"/>
             </a:lnSpc>
@@ -6706,7 +7025,6 @@
             <a:spcAft>
               <a:spcPct val="35000"/>
             </a:spcAft>
-            <a:buNone/>
           </a:pPr>
           <a:r>
             <a:rPr lang="es-ES" sz="2200" kern="1200" dirty="0"/>
@@ -6715,8 +7033,8 @@
         </a:p>
       </dsp:txBody>
       <dsp:txXfrm>
-        <a:off x="7246826" y="818267"/>
-        <a:ext cx="948900" cy="948900"/>
+        <a:off x="7050303" y="621744"/>
+        <a:ext cx="1341946" cy="1341946"/>
       </dsp:txXfrm>
     </dsp:sp>
   </dsp:spTree>
@@ -6724,7 +7042,7 @@
 </file>
 
 <file path=ppt/diagrams/drawing3.xml><?xml version="1.0" encoding="utf-8"?>
-<dsp:drawing xmlns:dgm="http://schemas.openxmlformats.org/drawingml/2006/diagram" xmlns:dsp="http://schemas.microsoft.com/office/drawing/2008/diagram" xmlns:a="http://schemas.openxmlformats.org/drawingml/2006/main">
+<dsp:drawing xmlns:dgm="http://schemas.openxmlformats.org/drawingml/2006/diagram" xmlns:a="http://schemas.openxmlformats.org/drawingml/2006/main" xmlns:dsp="http://schemas.microsoft.com/office/drawing/2008/diagram">
   <dsp:spTree>
     <dsp:nvGrpSpPr>
       <dsp:cNvPr id="0" name=""/>
@@ -6798,7 +7116,7 @@
             <a:spcAft>
               <a:spcPct val="15000"/>
             </a:spcAft>
-            <a:buNone/>
+            <a:buChar char="••"/>
           </a:pPr>
           <a:r>
             <a:rPr lang="es-ES" sz="2300" kern="1200" dirty="0"/>
@@ -6816,7 +7134,7 @@
             <a:spcAft>
               <a:spcPct val="15000"/>
             </a:spcAft>
-            <a:buNone/>
+            <a:buChar char="••"/>
           </a:pPr>
           <a:r>
             <a:rPr lang="es-ES" sz="2300" kern="1200" dirty="0"/>
@@ -6825,8 +7143,8 @@
         </a:p>
       </dsp:txBody>
       <dsp:txXfrm>
-        <a:off x="4673165" y="3186613"/>
-        <a:ext cx="1378215" cy="938671"/>
+        <a:off x="4643962" y="3157410"/>
+        <a:ext cx="1436621" cy="997077"/>
       </dsp:txXfrm>
     </dsp:sp>
     <dsp:sp modelId="{77F84C51-0010-4923-87AF-53C322104D97}">
@@ -6896,7 +7214,7 @@
             <a:spcAft>
               <a:spcPct val="15000"/>
             </a:spcAft>
-            <a:buNone/>
+            <a:buChar char="••"/>
           </a:pPr>
           <a:r>
             <a:rPr lang="es-ES" sz="2300" kern="1200" dirty="0"/>
@@ -6914,7 +7232,7 @@
             <a:spcAft>
               <a:spcPct val="15000"/>
             </a:spcAft>
-            <a:buNone/>
+            <a:buChar char="••"/>
           </a:pPr>
           <a:r>
             <a:rPr lang="es-ES" sz="2300" kern="1200" dirty="0"/>
@@ -6923,8 +7241,8 @@
         </a:p>
       </dsp:txBody>
       <dsp:txXfrm>
-        <a:off x="708953" y="3186613"/>
-        <a:ext cx="1378215" cy="938671"/>
+        <a:off x="679750" y="3157410"/>
+        <a:ext cx="1436621" cy="997077"/>
       </dsp:txXfrm>
     </dsp:sp>
     <dsp:sp modelId="{A42844D4-CF61-46EB-9411-31A9060C43A2}">
@@ -6994,7 +7312,7 @@
             <a:spcAft>
               <a:spcPct val="15000"/>
             </a:spcAft>
-            <a:buNone/>
+            <a:buChar char="••"/>
           </a:pPr>
           <a:r>
             <a:rPr lang="es-ES" sz="2300" kern="1200" dirty="0"/>
@@ -7012,7 +7330,7 @@
             <a:spcAft>
               <a:spcPct val="15000"/>
             </a:spcAft>
-            <a:buNone/>
+            <a:buChar char="••"/>
           </a:pPr>
           <a:r>
             <a:rPr lang="es-ES" sz="2300" kern="1200" dirty="0"/>
@@ -7021,8 +7339,8 @@
         </a:p>
       </dsp:txBody>
       <dsp:txXfrm>
-        <a:off x="4673165" y="29203"/>
-        <a:ext cx="1378215" cy="938671"/>
+        <a:off x="4643962" y="0"/>
+        <a:ext cx="1436621" cy="997077"/>
       </dsp:txXfrm>
     </dsp:sp>
     <dsp:sp modelId="{8A2642FA-7F26-4103-BB47-2B53943E1A3F}">
@@ -7092,7 +7410,7 @@
             <a:spcAft>
               <a:spcPct val="15000"/>
             </a:spcAft>
-            <a:buNone/>
+            <a:buChar char="••"/>
           </a:pPr>
           <a:r>
             <a:rPr lang="es-ES" sz="2300" kern="1200" dirty="0"/>
@@ -7110,7 +7428,7 @@
             <a:spcAft>
               <a:spcPct val="15000"/>
             </a:spcAft>
-            <a:buNone/>
+            <a:buChar char="••"/>
           </a:pPr>
           <a:r>
             <a:rPr lang="es-ES" sz="2300" kern="1200" dirty="0"/>
@@ -7119,8 +7437,8 @@
         </a:p>
       </dsp:txBody>
       <dsp:txXfrm>
-        <a:off x="708953" y="29203"/>
-        <a:ext cx="1378215" cy="938671"/>
+        <a:off x="679750" y="0"/>
+        <a:ext cx="1436621" cy="997077"/>
       </dsp:txXfrm>
     </dsp:sp>
     <dsp:sp modelId="{6718675A-70DE-44E9-B5AF-9DBE7E86FF11}">
@@ -7179,7 +7497,7 @@
         </a:bodyPr>
         <a:lstStyle/>
         <a:p>
-          <a:pPr marL="0" lvl="0" indent="0" algn="ctr" defTabSz="977900">
+          <a:pPr lvl="0" algn="ctr" defTabSz="977900">
             <a:lnSpc>
               <a:spcPct val="90000"/>
             </a:lnSpc>
@@ -7189,7 +7507,6 @@
             <a:spcAft>
               <a:spcPct val="35000"/>
             </a:spcAft>
-            <a:buNone/>
           </a:pPr>
           <a:r>
             <a:rPr lang="es-ES" sz="2200" kern="1200" dirty="0"/>
@@ -7198,8 +7515,8 @@
         </a:p>
       </dsp:txBody>
       <dsp:txXfrm>
-        <a:off x="2066613" y="763689"/>
-        <a:ext cx="1272009" cy="1272009"/>
+        <a:off x="1539729" y="236805"/>
+        <a:ext cx="1798893" cy="1798893"/>
       </dsp:txXfrm>
     </dsp:sp>
     <dsp:sp modelId="{F4A3C5F3-3AAD-4360-9C14-66DA25B31EA2}">
@@ -7258,7 +7575,7 @@
         </a:bodyPr>
         <a:lstStyle/>
         <a:p>
-          <a:pPr marL="0" lvl="0" indent="0" algn="ctr" defTabSz="977900">
+          <a:pPr lvl="0" algn="ctr" defTabSz="977900">
             <a:lnSpc>
               <a:spcPct val="90000"/>
             </a:lnSpc>
@@ -7268,7 +7585,6 @@
             <a:spcAft>
               <a:spcPct val="35000"/>
             </a:spcAft>
-            <a:buNone/>
           </a:pPr>
           <a:r>
             <a:rPr lang="es-ES" sz="2200" kern="1200" dirty="0"/>
@@ -7276,9 +7592,9 @@
           </a:r>
         </a:p>
       </dsp:txBody>
-      <dsp:txXfrm rot="-5400000">
-        <a:off x="3421712" y="763689"/>
-        <a:ext cx="1272009" cy="1272009"/>
+      <dsp:txXfrm rot="5400000">
+        <a:off x="3421712" y="236805"/>
+        <a:ext cx="1798893" cy="1798893"/>
       </dsp:txXfrm>
     </dsp:sp>
     <dsp:sp modelId="{56F22035-025B-40EF-A575-1CBD3F36B30A}">
@@ -7337,7 +7653,7 @@
         </a:bodyPr>
         <a:lstStyle/>
         <a:p>
-          <a:pPr marL="0" lvl="0" indent="0" algn="ctr" defTabSz="977900">
+          <a:pPr lvl="0" algn="ctr" defTabSz="977900">
             <a:lnSpc>
               <a:spcPct val="90000"/>
             </a:lnSpc>
@@ -7347,7 +7663,6 @@
             <a:spcAft>
               <a:spcPct val="35000"/>
             </a:spcAft>
-            <a:buNone/>
           </a:pPr>
           <a:r>
             <a:rPr lang="es-ES" sz="2200" kern="1200" dirty="0"/>
@@ -7357,7 +7672,7 @@
       </dsp:txBody>
       <dsp:txXfrm rot="10800000">
         <a:off x="3421712" y="2118788"/>
-        <a:ext cx="1272009" cy="1272009"/>
+        <a:ext cx="1798893" cy="1798893"/>
       </dsp:txXfrm>
     </dsp:sp>
     <dsp:sp modelId="{87BB4812-2E13-4BDB-B894-129CF83F275F}">
@@ -7416,7 +7731,7 @@
         </a:bodyPr>
         <a:lstStyle/>
         <a:p>
-          <a:pPr marL="0" lvl="0" indent="0" algn="ctr" defTabSz="977900">
+          <a:pPr lvl="0" algn="ctr" defTabSz="977900">
             <a:lnSpc>
               <a:spcPct val="90000"/>
             </a:lnSpc>
@@ -7426,7 +7741,6 @@
             <a:spcAft>
               <a:spcPct val="35000"/>
             </a:spcAft>
-            <a:buNone/>
           </a:pPr>
           <a:r>
             <a:rPr lang="es-ES" sz="2200" kern="1200" dirty="0"/>
@@ -7439,9 +7753,9 @@
           <a:endParaRPr lang="es-ES" sz="2200" kern="1200" dirty="0"/>
         </a:p>
       </dsp:txBody>
-      <dsp:txXfrm rot="5400000">
-        <a:off x="2066613" y="2118788"/>
-        <a:ext cx="1272009" cy="1272009"/>
+      <dsp:txXfrm rot="16200000">
+        <a:off x="1539729" y="2118788"/>
+        <a:ext cx="1798893" cy="1798893"/>
       </dsp:txXfrm>
     </dsp:sp>
     <dsp:sp modelId="{6A133638-247C-4CB0-9A18-077A4F6F0852}">
@@ -7547,7 +7861,7 @@
 </file>
 
 <file path=ppt/diagrams/drawing4.xml><?xml version="1.0" encoding="utf-8"?>
-<dsp:drawing xmlns:dgm="http://schemas.openxmlformats.org/drawingml/2006/diagram" xmlns:dsp="http://schemas.microsoft.com/office/drawing/2008/diagram" xmlns:a="http://schemas.openxmlformats.org/drawingml/2006/main">
+<dsp:drawing xmlns:dgm="http://schemas.openxmlformats.org/drawingml/2006/diagram" xmlns:a="http://schemas.openxmlformats.org/drawingml/2006/main" xmlns:dsp="http://schemas.microsoft.com/office/drawing/2008/diagram">
   <dsp:spTree>
     <dsp:nvGrpSpPr>
       <dsp:cNvPr id="0" name=""/>
@@ -7621,7 +7935,7 @@
             <a:spcAft>
               <a:spcPct val="15000"/>
             </a:spcAft>
-            <a:buNone/>
+            <a:buChar char="••"/>
           </a:pPr>
           <a:r>
             <a:rPr lang="es-ES" sz="2300" kern="1200" dirty="0"/>
@@ -7639,7 +7953,7 @@
             <a:spcAft>
               <a:spcPct val="15000"/>
             </a:spcAft>
-            <a:buNone/>
+            <a:buChar char="••"/>
           </a:pPr>
           <a:r>
             <a:rPr lang="es-ES" sz="2300" kern="1200" dirty="0"/>
@@ -7648,8 +7962,8 @@
         </a:p>
       </dsp:txBody>
       <dsp:txXfrm>
-        <a:off x="4673165" y="3186613"/>
-        <a:ext cx="1378215" cy="938671"/>
+        <a:off x="4643962" y="3157410"/>
+        <a:ext cx="1436621" cy="997077"/>
       </dsp:txXfrm>
     </dsp:sp>
     <dsp:sp modelId="{77F84C51-0010-4923-87AF-53C322104D97}">
@@ -7719,7 +8033,7 @@
             <a:spcAft>
               <a:spcPct val="15000"/>
             </a:spcAft>
-            <a:buNone/>
+            <a:buChar char="••"/>
           </a:pPr>
           <a:r>
             <a:rPr lang="es-ES" sz="2300" kern="1200" dirty="0"/>
@@ -7737,7 +8051,7 @@
             <a:spcAft>
               <a:spcPct val="15000"/>
             </a:spcAft>
-            <a:buNone/>
+            <a:buChar char="••"/>
           </a:pPr>
           <a:r>
             <a:rPr lang="es-ES" sz="2300" kern="1200" dirty="0"/>
@@ -7746,8 +8060,8 @@
         </a:p>
       </dsp:txBody>
       <dsp:txXfrm>
-        <a:off x="708953" y="3186613"/>
-        <a:ext cx="1378215" cy="938671"/>
+        <a:off x="679750" y="3157410"/>
+        <a:ext cx="1436621" cy="997077"/>
       </dsp:txXfrm>
     </dsp:sp>
     <dsp:sp modelId="{A42844D4-CF61-46EB-9411-31A9060C43A2}">
@@ -7817,7 +8131,7 @@
             <a:spcAft>
               <a:spcPct val="15000"/>
             </a:spcAft>
-            <a:buNone/>
+            <a:buChar char="••"/>
           </a:pPr>
           <a:r>
             <a:rPr lang="es-ES" sz="2300" kern="1200" dirty="0"/>
@@ -7835,7 +8149,7 @@
             <a:spcAft>
               <a:spcPct val="15000"/>
             </a:spcAft>
-            <a:buNone/>
+            <a:buChar char="••"/>
           </a:pPr>
           <a:r>
             <a:rPr lang="es-ES" sz="2300" kern="1200" dirty="0"/>
@@ -7844,8 +8158,8 @@
         </a:p>
       </dsp:txBody>
       <dsp:txXfrm>
-        <a:off x="4673165" y="29203"/>
-        <a:ext cx="1378215" cy="938671"/>
+        <a:off x="4643962" y="0"/>
+        <a:ext cx="1436621" cy="997077"/>
       </dsp:txXfrm>
     </dsp:sp>
     <dsp:sp modelId="{8A2642FA-7F26-4103-BB47-2B53943E1A3F}">
@@ -7915,7 +8229,7 @@
             <a:spcAft>
               <a:spcPct val="15000"/>
             </a:spcAft>
-            <a:buNone/>
+            <a:buChar char="••"/>
           </a:pPr>
           <a:r>
             <a:rPr lang="es-ES" sz="2300" kern="1200" dirty="0"/>
@@ -7933,7 +8247,7 @@
             <a:spcAft>
               <a:spcPct val="15000"/>
             </a:spcAft>
-            <a:buNone/>
+            <a:buChar char="••"/>
           </a:pPr>
           <a:r>
             <a:rPr lang="es-ES" sz="2300" kern="1200" dirty="0"/>
@@ -7942,8 +8256,8 @@
         </a:p>
       </dsp:txBody>
       <dsp:txXfrm>
-        <a:off x="708953" y="29203"/>
-        <a:ext cx="1378215" cy="938671"/>
+        <a:off x="679750" y="0"/>
+        <a:ext cx="1436621" cy="997077"/>
       </dsp:txXfrm>
     </dsp:sp>
     <dsp:sp modelId="{6718675A-70DE-44E9-B5AF-9DBE7E86FF11}">
@@ -8002,7 +8316,7 @@
         </a:bodyPr>
         <a:lstStyle/>
         <a:p>
-          <a:pPr marL="0" lvl="0" indent="0" algn="ctr" defTabSz="977900">
+          <a:pPr lvl="0" algn="ctr" defTabSz="977900">
             <a:lnSpc>
               <a:spcPct val="90000"/>
             </a:lnSpc>
@@ -8012,7 +8326,6 @@
             <a:spcAft>
               <a:spcPct val="35000"/>
             </a:spcAft>
-            <a:buNone/>
           </a:pPr>
           <a:r>
             <a:rPr lang="es-ES" sz="2200" kern="1200" dirty="0"/>
@@ -8021,8 +8334,8 @@
         </a:p>
       </dsp:txBody>
       <dsp:txXfrm>
-        <a:off x="2066613" y="763689"/>
-        <a:ext cx="1272009" cy="1272009"/>
+        <a:off x="1539729" y="236805"/>
+        <a:ext cx="1798893" cy="1798893"/>
       </dsp:txXfrm>
     </dsp:sp>
     <dsp:sp modelId="{F4A3C5F3-3AAD-4360-9C14-66DA25B31EA2}">
@@ -8081,7 +8394,7 @@
         </a:bodyPr>
         <a:lstStyle/>
         <a:p>
-          <a:pPr marL="0" lvl="0" indent="0" algn="ctr" defTabSz="977900">
+          <a:pPr lvl="0" algn="ctr" defTabSz="977900">
             <a:lnSpc>
               <a:spcPct val="90000"/>
             </a:lnSpc>
@@ -8091,7 +8404,6 @@
             <a:spcAft>
               <a:spcPct val="35000"/>
             </a:spcAft>
-            <a:buNone/>
           </a:pPr>
           <a:r>
             <a:rPr lang="es-ES" sz="2200" kern="1200" dirty="0"/>
@@ -8099,9 +8411,9 @@
           </a:r>
         </a:p>
       </dsp:txBody>
-      <dsp:txXfrm rot="-5400000">
-        <a:off x="3421712" y="763689"/>
-        <a:ext cx="1272009" cy="1272009"/>
+      <dsp:txXfrm rot="5400000">
+        <a:off x="3421712" y="236805"/>
+        <a:ext cx="1798893" cy="1798893"/>
       </dsp:txXfrm>
     </dsp:sp>
     <dsp:sp modelId="{56F22035-025B-40EF-A575-1CBD3F36B30A}">
@@ -8160,7 +8472,7 @@
         </a:bodyPr>
         <a:lstStyle/>
         <a:p>
-          <a:pPr marL="0" lvl="0" indent="0" algn="ctr" defTabSz="977900">
+          <a:pPr lvl="0" algn="ctr" defTabSz="977900">
             <a:lnSpc>
               <a:spcPct val="90000"/>
             </a:lnSpc>
@@ -8170,7 +8482,6 @@
             <a:spcAft>
               <a:spcPct val="35000"/>
             </a:spcAft>
-            <a:buNone/>
           </a:pPr>
           <a:r>
             <a:rPr lang="es-ES" sz="2200" kern="1200" dirty="0"/>
@@ -8180,7 +8491,7 @@
       </dsp:txBody>
       <dsp:txXfrm rot="10800000">
         <a:off x="3421712" y="2118788"/>
-        <a:ext cx="1272009" cy="1272009"/>
+        <a:ext cx="1798893" cy="1798893"/>
       </dsp:txXfrm>
     </dsp:sp>
     <dsp:sp modelId="{87BB4812-2E13-4BDB-B894-129CF83F275F}">
@@ -8239,7 +8550,7 @@
         </a:bodyPr>
         <a:lstStyle/>
         <a:p>
-          <a:pPr marL="0" lvl="0" indent="0" algn="ctr" defTabSz="977900">
+          <a:pPr lvl="0" algn="ctr" defTabSz="977900">
             <a:lnSpc>
               <a:spcPct val="90000"/>
             </a:lnSpc>
@@ -8249,7 +8560,6 @@
             <a:spcAft>
               <a:spcPct val="35000"/>
             </a:spcAft>
-            <a:buNone/>
           </a:pPr>
           <a:r>
             <a:rPr lang="es-ES" sz="2200" kern="1200" dirty="0"/>
@@ -8262,9 +8572,9 @@
           <a:endParaRPr lang="es-ES" sz="2200" kern="1200" dirty="0"/>
         </a:p>
       </dsp:txBody>
-      <dsp:txXfrm rot="5400000">
-        <a:off x="2066613" y="2118788"/>
-        <a:ext cx="1272009" cy="1272009"/>
+      <dsp:txXfrm rot="16200000">
+        <a:off x="1539729" y="2118788"/>
+        <a:ext cx="1798893" cy="1798893"/>
       </dsp:txXfrm>
     </dsp:sp>
     <dsp:sp modelId="{6A133638-247C-4CB0-9A18-077A4F6F0852}">
@@ -14673,7 +14983,7 @@
             <a:fld id="{B951A33D-190D-42DB-9BC7-255E6333FEAF}" type="datetimeFigureOut">
               <a:rPr lang="es-ES" smtClean="0"/>
               <a:pPr/>
-              <a:t>11/12/2016</a:t>
+              <a:t>12/12/2016</a:t>
             </a:fld>
             <a:endParaRPr lang="es-ES"/>
           </a:p>
@@ -14725,7 +15035,7 @@
     </p:spTree>
     <p:extLst>
       <p:ext uri="{BB962C8B-B14F-4D97-AF65-F5344CB8AC3E}">
-        <p14:creationId xmlns:p14="http://schemas.microsoft.com/office/powerpoint/2010/main" val="721522238"/>
+        <p14:creationId xmlns:p14="http://schemas.microsoft.com/office/powerpoint/2010/main" xmlns="" val="721522238"/>
       </p:ext>
     </p:extLst>
   </p:cSld>
@@ -14843,7 +15153,7 @@
             <a:fld id="{B951A33D-190D-42DB-9BC7-255E6333FEAF}" type="datetimeFigureOut">
               <a:rPr lang="es-ES" smtClean="0"/>
               <a:pPr/>
-              <a:t>11/12/2016</a:t>
+              <a:t>12/12/2016</a:t>
             </a:fld>
             <a:endParaRPr lang="es-ES"/>
           </a:p>
@@ -14895,7 +15205,7 @@
     </p:spTree>
     <p:extLst>
       <p:ext uri="{BB962C8B-B14F-4D97-AF65-F5344CB8AC3E}">
-        <p14:creationId xmlns:p14="http://schemas.microsoft.com/office/powerpoint/2010/main" val="135684423"/>
+        <p14:creationId xmlns:p14="http://schemas.microsoft.com/office/powerpoint/2010/main" xmlns="" val="135684423"/>
       </p:ext>
     </p:extLst>
   </p:cSld>
@@ -15023,7 +15333,7 @@
             <a:fld id="{B951A33D-190D-42DB-9BC7-255E6333FEAF}" type="datetimeFigureOut">
               <a:rPr lang="es-ES" smtClean="0"/>
               <a:pPr/>
-              <a:t>11/12/2016</a:t>
+              <a:t>12/12/2016</a:t>
             </a:fld>
             <a:endParaRPr lang="es-ES"/>
           </a:p>
@@ -15075,7 +15385,7 @@
     </p:spTree>
     <p:extLst>
       <p:ext uri="{BB962C8B-B14F-4D97-AF65-F5344CB8AC3E}">
-        <p14:creationId xmlns:p14="http://schemas.microsoft.com/office/powerpoint/2010/main" val="3975291223"/>
+        <p14:creationId xmlns:p14="http://schemas.microsoft.com/office/powerpoint/2010/main" xmlns="" val="3975291223"/>
       </p:ext>
     </p:extLst>
   </p:cSld>
@@ -15193,7 +15503,7 @@
             <a:fld id="{B951A33D-190D-42DB-9BC7-255E6333FEAF}" type="datetimeFigureOut">
               <a:rPr lang="es-ES" smtClean="0"/>
               <a:pPr/>
-              <a:t>11/12/2016</a:t>
+              <a:t>12/12/2016</a:t>
             </a:fld>
             <a:endParaRPr lang="es-ES"/>
           </a:p>
@@ -15245,7 +15555,7 @@
     </p:spTree>
     <p:extLst>
       <p:ext uri="{BB962C8B-B14F-4D97-AF65-F5344CB8AC3E}">
-        <p14:creationId xmlns:p14="http://schemas.microsoft.com/office/powerpoint/2010/main" val="1968913757"/>
+        <p14:creationId xmlns:p14="http://schemas.microsoft.com/office/powerpoint/2010/main" xmlns="" val="1968913757"/>
       </p:ext>
     </p:extLst>
   </p:cSld>
@@ -15440,7 +15750,7 @@
             <a:fld id="{B951A33D-190D-42DB-9BC7-255E6333FEAF}" type="datetimeFigureOut">
               <a:rPr lang="es-ES" smtClean="0"/>
               <a:pPr/>
-              <a:t>11/12/2016</a:t>
+              <a:t>12/12/2016</a:t>
             </a:fld>
             <a:endParaRPr lang="es-ES"/>
           </a:p>
@@ -15492,7 +15802,7 @@
     </p:spTree>
     <p:extLst>
       <p:ext uri="{BB962C8B-B14F-4D97-AF65-F5344CB8AC3E}">
-        <p14:creationId xmlns:p14="http://schemas.microsoft.com/office/powerpoint/2010/main" val="2799282520"/>
+        <p14:creationId xmlns:p14="http://schemas.microsoft.com/office/powerpoint/2010/main" xmlns="" val="2799282520"/>
       </p:ext>
     </p:extLst>
   </p:cSld>
@@ -15671,7 +15981,7 @@
             <a:fld id="{B951A33D-190D-42DB-9BC7-255E6333FEAF}" type="datetimeFigureOut">
               <a:rPr lang="es-ES" smtClean="0"/>
               <a:pPr/>
-              <a:t>11/12/2016</a:t>
+              <a:t>12/12/2016</a:t>
             </a:fld>
             <a:endParaRPr lang="es-ES"/>
           </a:p>
@@ -15723,7 +16033,7 @@
     </p:spTree>
     <p:extLst>
       <p:ext uri="{BB962C8B-B14F-4D97-AF65-F5344CB8AC3E}">
-        <p14:creationId xmlns:p14="http://schemas.microsoft.com/office/powerpoint/2010/main" val="1853813525"/>
+        <p14:creationId xmlns:p14="http://schemas.microsoft.com/office/powerpoint/2010/main" xmlns="" val="1853813525"/>
       </p:ext>
     </p:extLst>
   </p:cSld>
@@ -16037,7 +16347,7 @@
             <a:fld id="{B951A33D-190D-42DB-9BC7-255E6333FEAF}" type="datetimeFigureOut">
               <a:rPr lang="es-ES" smtClean="0"/>
               <a:pPr/>
-              <a:t>11/12/2016</a:t>
+              <a:t>12/12/2016</a:t>
             </a:fld>
             <a:endParaRPr lang="es-ES"/>
           </a:p>
@@ -16089,7 +16399,7 @@
     </p:spTree>
     <p:extLst>
       <p:ext uri="{BB962C8B-B14F-4D97-AF65-F5344CB8AC3E}">
-        <p14:creationId xmlns:p14="http://schemas.microsoft.com/office/powerpoint/2010/main" val="737120130"/>
+        <p14:creationId xmlns:p14="http://schemas.microsoft.com/office/powerpoint/2010/main" xmlns="" val="737120130"/>
       </p:ext>
     </p:extLst>
   </p:cSld>
@@ -16156,7 +16466,7 @@
             <a:fld id="{B951A33D-190D-42DB-9BC7-255E6333FEAF}" type="datetimeFigureOut">
               <a:rPr lang="es-ES" smtClean="0"/>
               <a:pPr/>
-              <a:t>11/12/2016</a:t>
+              <a:t>12/12/2016</a:t>
             </a:fld>
             <a:endParaRPr lang="es-ES"/>
           </a:p>
@@ -16208,7 +16518,7 @@
     </p:spTree>
     <p:extLst>
       <p:ext uri="{BB962C8B-B14F-4D97-AF65-F5344CB8AC3E}">
-        <p14:creationId xmlns:p14="http://schemas.microsoft.com/office/powerpoint/2010/main" val="2270560658"/>
+        <p14:creationId xmlns:p14="http://schemas.microsoft.com/office/powerpoint/2010/main" xmlns="" val="2270560658"/>
       </p:ext>
     </p:extLst>
   </p:cSld>
@@ -16253,7 +16563,7 @@
             <a:fld id="{B951A33D-190D-42DB-9BC7-255E6333FEAF}" type="datetimeFigureOut">
               <a:rPr lang="es-ES" smtClean="0"/>
               <a:pPr/>
-              <a:t>11/12/2016</a:t>
+              <a:t>12/12/2016</a:t>
             </a:fld>
             <a:endParaRPr lang="es-ES"/>
           </a:p>
@@ -16305,7 +16615,7 @@
     </p:spTree>
     <p:extLst>
       <p:ext uri="{BB962C8B-B14F-4D97-AF65-F5344CB8AC3E}">
-        <p14:creationId xmlns:p14="http://schemas.microsoft.com/office/powerpoint/2010/main" val="811916423"/>
+        <p14:creationId xmlns:p14="http://schemas.microsoft.com/office/powerpoint/2010/main" xmlns="" val="811916423"/>
       </p:ext>
     </p:extLst>
   </p:cSld>
@@ -16530,7 +16840,7 @@
             <a:fld id="{B951A33D-190D-42DB-9BC7-255E6333FEAF}" type="datetimeFigureOut">
               <a:rPr lang="es-ES" smtClean="0"/>
               <a:pPr/>
-              <a:t>11/12/2016</a:t>
+              <a:t>12/12/2016</a:t>
             </a:fld>
             <a:endParaRPr lang="es-ES"/>
           </a:p>
@@ -16582,7 +16892,7 @@
     </p:spTree>
     <p:extLst>
       <p:ext uri="{BB962C8B-B14F-4D97-AF65-F5344CB8AC3E}">
-        <p14:creationId xmlns:p14="http://schemas.microsoft.com/office/powerpoint/2010/main" val="1572738696"/>
+        <p14:creationId xmlns:p14="http://schemas.microsoft.com/office/powerpoint/2010/main" xmlns="" val="1572738696"/>
       </p:ext>
     </p:extLst>
   </p:cSld>
@@ -16784,7 +17094,7 @@
             <a:fld id="{B951A33D-190D-42DB-9BC7-255E6333FEAF}" type="datetimeFigureOut">
               <a:rPr lang="es-ES" smtClean="0"/>
               <a:pPr/>
-              <a:t>11/12/2016</a:t>
+              <a:t>12/12/2016</a:t>
             </a:fld>
             <a:endParaRPr lang="es-ES"/>
           </a:p>
@@ -16836,7 +17146,7 @@
     </p:spTree>
     <p:extLst>
       <p:ext uri="{BB962C8B-B14F-4D97-AF65-F5344CB8AC3E}">
-        <p14:creationId xmlns:p14="http://schemas.microsoft.com/office/powerpoint/2010/main" val="3988956279"/>
+        <p14:creationId xmlns:p14="http://schemas.microsoft.com/office/powerpoint/2010/main" xmlns="" val="3988956279"/>
       </p:ext>
     </p:extLst>
   </p:cSld>
@@ -16997,7 +17307,7 @@
             <a:fld id="{B951A33D-190D-42DB-9BC7-255E6333FEAF}" type="datetimeFigureOut">
               <a:rPr lang="es-ES" smtClean="0"/>
               <a:pPr/>
-              <a:t>11/12/2016</a:t>
+              <a:t>12/12/2016</a:t>
             </a:fld>
             <a:endParaRPr lang="es-ES"/>
           </a:p>
@@ -17085,7 +17395,7 @@
     </p:spTree>
     <p:extLst>
       <p:ext uri="{BB962C8B-B14F-4D97-AF65-F5344CB8AC3E}">
-        <p14:creationId xmlns:p14="http://schemas.microsoft.com/office/powerpoint/2010/main" val="1495448227"/>
+        <p14:creationId xmlns:p14="http://schemas.microsoft.com/office/powerpoint/2010/main" xmlns="" val="1495448227"/>
       </p:ext>
     </p:extLst>
   </p:cSld>
@@ -17415,7 +17725,7 @@
           <a:blip r:embed="rId2" cstate="print">
             <a:extLst>
               <a:ext uri="{28A0092B-C50C-407E-A947-70E740481C1C}">
-                <a14:useLocalDpi xmlns:a14="http://schemas.microsoft.com/office/drawing/2010/main" val="0"/>
+                <a14:useLocalDpi xmlns:a14="http://schemas.microsoft.com/office/drawing/2010/main" xmlns="" val="0"/>
               </a:ext>
             </a:extLst>
           </a:blip>
@@ -17433,7 +17743,7 @@
           <a:noFill/>
           <a:extLst>
             <a:ext uri="{909E8E84-426E-40DD-AFC4-6F175D3DCCD1}">
-              <a14:hiddenFill xmlns:a14="http://schemas.microsoft.com/office/drawing/2010/main">
+              <a14:hiddenFill xmlns:a14="http://schemas.microsoft.com/office/drawing/2010/main" xmlns="">
                 <a:solidFill>
                   <a:srgbClr val="FFFFFF"/>
                 </a:solidFill>
@@ -17451,7 +17761,7 @@
           <p:nvPr>
             <p:extLst>
               <p:ext uri="{386F3935-93C4-4BCD-93E2-E3B085C9AB24}">
-                <p16:designElem xmlns:p16="http://schemas.microsoft.com/office/powerpoint/2015/main" val="1"/>
+                <p16:designElem xmlns:p16="http://schemas.microsoft.com/office/powerpoint/2015/main" xmlns="" val="1"/>
               </p:ext>
             </p:extLst>
           </p:nvPr>
@@ -17584,7 +17894,7 @@
           <p:nvPr>
             <p:extLst>
               <p:ext uri="{386F3935-93C4-4BCD-93E2-E3B085C9AB24}">
-                <p16:designElem xmlns:p16="http://schemas.microsoft.com/office/powerpoint/2015/main" val="1"/>
+                <p16:designElem xmlns:p16="http://schemas.microsoft.com/office/powerpoint/2015/main" xmlns="" val="1"/>
               </p:ext>
             </p:extLst>
           </p:nvPr>
@@ -17777,7 +18087,7 @@
     </p:spTree>
     <p:extLst>
       <p:ext uri="{BB962C8B-B14F-4D97-AF65-F5344CB8AC3E}">
-        <p14:creationId xmlns:p14="http://schemas.microsoft.com/office/powerpoint/2010/main" val="3457958263"/>
+        <p14:creationId xmlns:p14="http://schemas.microsoft.com/office/powerpoint/2010/main" xmlns="" val="3457958263"/>
       </p:ext>
     </p:extLst>
   </p:cSld>
@@ -17813,7 +18123,7 @@
           <p:nvPr>
             <p:extLst>
               <p:ext uri="{386F3935-93C4-4BCD-93E2-E3B085C9AB24}">
-                <p16:designElem xmlns:p16="http://schemas.microsoft.com/office/powerpoint/2015/main" val="1"/>
+                <p16:designElem xmlns:p16="http://schemas.microsoft.com/office/powerpoint/2015/main" xmlns="" val="1"/>
               </p:ext>
             </p:extLst>
           </p:nvPr>
@@ -17844,7 +18154,7 @@
           <p:nvPr>
             <p:extLst>
               <p:ext uri="{386F3935-93C4-4BCD-93E2-E3B085C9AB24}">
-                <p16:designElem xmlns:p16="http://schemas.microsoft.com/office/powerpoint/2015/main" val="1"/>
+                <p16:designElem xmlns:p16="http://schemas.microsoft.com/office/powerpoint/2015/main" xmlns="" val="1"/>
               </p:ext>
             </p:extLst>
           </p:nvPr>
@@ -17893,6 +18203,187 @@
       </p:sp>
       <p:pic>
         <p:nvPicPr>
+          <p:cNvPr id="8" name="Imagen 7"/>
+          <p:cNvPicPr>
+            <a:picLocks noChangeAspect="1"/>
+          </p:cNvPicPr>
+          <p:nvPr/>
+        </p:nvPicPr>
+        <p:blipFill>
+          <a:blip r:embed="rId2" cstate="print">
+            <a:extLst>
+              <a:ext uri="{28A0092B-C50C-407E-A947-70E740481C1C}">
+                <a14:useLocalDpi xmlns:a14="http://schemas.microsoft.com/office/drawing/2010/main" xmlns="" val="0"/>
+              </a:ext>
+            </a:extLst>
+          </a:blip>
+          <a:stretch>
+            <a:fillRect/>
+          </a:stretch>
+        </p:blipFill>
+        <p:spPr>
+          <a:xfrm>
+            <a:off x="754523" y="1388303"/>
+            <a:ext cx="10682953" cy="5421600"/>
+          </a:xfrm>
+          <a:prstGeom prst="rect">
+            <a:avLst/>
+          </a:prstGeom>
+        </p:spPr>
+      </p:pic>
+      <p:sp>
+        <p:nvSpPr>
+          <p:cNvPr id="2" name="Título 1"/>
+          <p:cNvSpPr>
+            <a:spLocks noGrp="1"/>
+          </p:cNvSpPr>
+          <p:nvPr>
+            <p:ph type="title"/>
+          </p:nvPr>
+        </p:nvSpPr>
+        <p:spPr>
+          <a:xfrm>
+            <a:off x="556532" y="643467"/>
+            <a:ext cx="11210925" cy="744836"/>
+          </a:xfrm>
+        </p:spPr>
+        <p:txBody>
+          <a:bodyPr vert="horz" lIns="91440" tIns="45720" rIns="91440" bIns="45720" rtlCol="0" anchor="ctr">
+            <a:noAutofit/>
+          </a:bodyPr>
+          <a:lstStyle/>
+          <a:p>
+            <a:pPr algn="ctr"/>
+            <a:r>
+              <a:rPr lang="en-US" sz="5400" dirty="0">
+                <a:solidFill>
+                  <a:schemeClr val="bg1"/>
+                </a:solidFill>
+              </a:rPr>
+              <a:t>PROCESAMIENTO DE DATOS</a:t>
+            </a:r>
+          </a:p>
+        </p:txBody>
+      </p:sp>
+    </p:spTree>
+    <p:extLst>
+      <p:ext uri="{BB962C8B-B14F-4D97-AF65-F5344CB8AC3E}">
+        <p14:creationId xmlns:p14="http://schemas.microsoft.com/office/powerpoint/2010/main" xmlns="" val="38684972"/>
+      </p:ext>
+    </p:extLst>
+  </p:cSld>
+  <p:clrMapOvr>
+    <a:masterClrMapping/>
+  </p:clrMapOvr>
+</p:sld>
+</file>
+
+<file path=ppt/slides/slide11.xml><?xml version="1.0" encoding="utf-8"?>
+<p:sld xmlns:a="http://schemas.openxmlformats.org/drawingml/2006/main" xmlns:r="http://schemas.openxmlformats.org/officeDocument/2006/relationships" xmlns:p="http://schemas.openxmlformats.org/presentationml/2006/main">
+  <p:cSld>
+    <p:spTree>
+      <p:nvGrpSpPr>
+        <p:cNvPr id="1" name=""/>
+        <p:cNvGrpSpPr/>
+        <p:nvPr/>
+      </p:nvGrpSpPr>
+      <p:grpSpPr>
+        <a:xfrm>
+          <a:off x="0" y="0"/>
+          <a:ext cx="0" cy="0"/>
+          <a:chOff x="0" y="0"/>
+          <a:chExt cx="0" cy="0"/>
+        </a:xfrm>
+      </p:grpSpPr>
+      <p:sp>
+        <p:nvSpPr>
+          <p:cNvPr id="12" name="Rectangle 11"/>
+          <p:cNvSpPr>
+            <a:spLocks noGrp="1" noRot="1" noChangeAspect="1" noMove="1" noResize="1" noEditPoints="1" noAdjustHandles="1" noChangeArrowheads="1" noChangeShapeType="1" noTextEdit="1"/>
+          </p:cNvSpPr>
+          <p:nvPr>
+            <p:extLst>
+              <p:ext uri="{386F3935-93C4-4BCD-93E2-E3B085C9AB24}">
+                <p16:designElem xmlns:p16="http://schemas.microsoft.com/office/powerpoint/2015/main" xmlns="" val="1"/>
+              </p:ext>
+            </p:extLst>
+          </p:nvPr>
+        </p:nvSpPr>
+        <p:spPr bwMode="white">
+          <a:xfrm>
+            <a:off x="0" y="0"/>
+            <a:ext cx="12192000" cy="6858000"/>
+          </a:xfrm>
+          <a:prstGeom prst="rect">
+            <a:avLst/>
+          </a:prstGeom>
+          <a:solidFill>
+            <a:schemeClr val="bg1"/>
+          </a:solidFill>
+          <a:ln>
+            <a:noFill/>
+          </a:ln>
+          <a:effectLst/>
+        </p:spPr>
+      </p:sp>
+      <p:sp>
+        <p:nvSpPr>
+          <p:cNvPr id="13" name="Rectangle 12"/>
+          <p:cNvSpPr>
+            <a:spLocks noGrp="1" noRot="1" noChangeAspect="1" noMove="1" noResize="1" noEditPoints="1" noAdjustHandles="1" noChangeArrowheads="1" noChangeShapeType="1" noTextEdit="1"/>
+          </p:cNvSpPr>
+          <p:nvPr>
+            <p:extLst>
+              <p:ext uri="{386F3935-93C4-4BCD-93E2-E3B085C9AB24}">
+                <p16:designElem xmlns:p16="http://schemas.microsoft.com/office/powerpoint/2015/main" xmlns="" val="1"/>
+              </p:ext>
+            </p:extLst>
+          </p:nvPr>
+        </p:nvSpPr>
+        <p:spPr>
+          <a:xfrm>
+            <a:off x="0" y="651752"/>
+            <a:ext cx="12192000" cy="736551"/>
+          </a:xfrm>
+          <a:prstGeom prst="rect">
+            <a:avLst/>
+          </a:prstGeom>
+          <a:solidFill>
+            <a:schemeClr val="tx1">
+              <a:alpha val="75000"/>
+            </a:schemeClr>
+          </a:solidFill>
+          <a:ln>
+            <a:noFill/>
+          </a:ln>
+        </p:spPr>
+        <p:style>
+          <a:lnRef idx="2">
+            <a:schemeClr val="accent1">
+              <a:shade val="50000"/>
+            </a:schemeClr>
+          </a:lnRef>
+          <a:fillRef idx="1">
+            <a:schemeClr val="accent1"/>
+          </a:fillRef>
+          <a:effectRef idx="0">
+            <a:schemeClr val="accent1"/>
+          </a:effectRef>
+          <a:fontRef idx="minor">
+            <a:schemeClr val="lt1"/>
+          </a:fontRef>
+        </p:style>
+        <p:txBody>
+          <a:bodyPr rtlCol="0" anchor="ctr"/>
+          <a:lstStyle/>
+          <a:p>
+            <a:pPr algn="ctr"/>
+            <a:endParaRPr lang="en-US"/>
+          </a:p>
+        </p:txBody>
+      </p:sp>
+      <p:pic>
+        <p:nvPicPr>
           <p:cNvPr id="3" name="Imagen 2"/>
           <p:cNvPicPr>
             <a:picLocks noChangeAspect="1"/>
@@ -17903,7 +18394,7 @@
           <a:blip r:embed="rId2" cstate="print">
             <a:extLst>
               <a:ext uri="{28A0092B-C50C-407E-A947-70E740481C1C}">
-                <a14:useLocalDpi xmlns:a14="http://schemas.microsoft.com/office/drawing/2010/main" val="0"/>
+                <a14:useLocalDpi xmlns:a14="http://schemas.microsoft.com/office/drawing/2010/main" xmlns="" val="0"/>
               </a:ext>
             </a:extLst>
           </a:blip>
@@ -17958,7 +18449,7 @@
     </p:spTree>
     <p:extLst>
       <p:ext uri="{BB962C8B-B14F-4D97-AF65-F5344CB8AC3E}">
-        <p14:creationId xmlns:p14="http://schemas.microsoft.com/office/powerpoint/2010/main" val="1316324414"/>
+        <p14:creationId xmlns:p14="http://schemas.microsoft.com/office/powerpoint/2010/main" xmlns="" val="1316324414"/>
       </p:ext>
     </p:extLst>
   </p:cSld>
@@ -17968,7 +18459,7 @@
 </p:sld>
 </file>
 
-<file path=ppt/slides/slide11.xml><?xml version="1.0" encoding="utf-8"?>
+<file path=ppt/slides/slide12.xml><?xml version="1.0" encoding="utf-8"?>
 <p:sld xmlns:a="http://schemas.openxmlformats.org/drawingml/2006/main" xmlns:r="http://schemas.openxmlformats.org/officeDocument/2006/relationships" xmlns:p="http://schemas.openxmlformats.org/presentationml/2006/main">
   <p:cSld>
     <p:spTree>
@@ -17994,7 +18485,7 @@
           <p:nvPr>
             <p:extLst>
               <p:ext uri="{386F3935-93C4-4BCD-93E2-E3B085C9AB24}">
-                <p16:designElem xmlns:p16="http://schemas.microsoft.com/office/powerpoint/2015/main" val="1"/>
+                <p16:designElem xmlns:p16="http://schemas.microsoft.com/office/powerpoint/2015/main" xmlns="" val="1"/>
               </p:ext>
             </p:extLst>
           </p:nvPr>
@@ -18048,7 +18539,7 @@
           <p:nvPr>
             <p:extLst>
               <p:ext uri="{386F3935-93C4-4BCD-93E2-E3B085C9AB24}">
-                <p16:designElem xmlns:p16="http://schemas.microsoft.com/office/powerpoint/2015/main" val="1"/>
+                <p16:designElem xmlns:p16="http://schemas.microsoft.com/office/powerpoint/2015/main" xmlns="" val="1"/>
               </p:ext>
             </p:extLst>
           </p:nvPr>
@@ -18147,7 +18638,7 @@
           <p:nvPr>
             <p:extLst>
               <p:ext uri="{386F3935-93C4-4BCD-93E2-E3B085C9AB24}">
-                <p16:designElem xmlns:p16="http://schemas.microsoft.com/office/powerpoint/2015/main" val="1"/>
+                <p16:designElem xmlns:p16="http://schemas.microsoft.com/office/powerpoint/2015/main" xmlns="" val="1"/>
               </p:ext>
             </p:extLst>
           </p:nvPr>
@@ -18354,7 +18845,7 @@
     </p:spTree>
     <p:extLst>
       <p:ext uri="{BB962C8B-B14F-4D97-AF65-F5344CB8AC3E}">
-        <p14:creationId xmlns:p14="http://schemas.microsoft.com/office/powerpoint/2010/main" val="2503024099"/>
+        <p14:creationId xmlns:p14="http://schemas.microsoft.com/office/powerpoint/2010/main" xmlns="" val="2503024099"/>
       </p:ext>
     </p:extLst>
   </p:cSld>
@@ -18364,7 +18855,7 @@
 </p:sld>
 </file>
 
-<file path=ppt/slides/slide12.xml><?xml version="1.0" encoding="utf-8"?>
+<file path=ppt/slides/slide13.xml><?xml version="1.0" encoding="utf-8"?>
 <p:sld xmlns:a="http://schemas.openxmlformats.org/drawingml/2006/main" xmlns:r="http://schemas.openxmlformats.org/officeDocument/2006/relationships" xmlns:p="http://schemas.openxmlformats.org/presentationml/2006/main">
   <p:cSld>
     <p:spTree>
@@ -18390,7 +18881,7 @@
           <p:nvPr>
             <p:extLst>
               <p:ext uri="{386F3935-93C4-4BCD-93E2-E3B085C9AB24}">
-                <p16:designElem xmlns:p16="http://schemas.microsoft.com/office/powerpoint/2015/main" val="1"/>
+                <p16:designElem xmlns:p16="http://schemas.microsoft.com/office/powerpoint/2015/main" xmlns="" val="1"/>
               </p:ext>
             </p:extLst>
           </p:nvPr>
@@ -18444,7 +18935,7 @@
           <p:nvPr>
             <p:extLst>
               <p:ext uri="{386F3935-93C4-4BCD-93E2-E3B085C9AB24}">
-                <p16:designElem xmlns:p16="http://schemas.microsoft.com/office/powerpoint/2015/main" val="1"/>
+                <p16:designElem xmlns:p16="http://schemas.microsoft.com/office/powerpoint/2015/main" xmlns="" val="1"/>
               </p:ext>
             </p:extLst>
           </p:nvPr>
@@ -18543,7 +19034,7 @@
           <p:nvPr>
             <p:extLst>
               <p:ext uri="{386F3935-93C4-4BCD-93E2-E3B085C9AB24}">
-                <p16:designElem xmlns:p16="http://schemas.microsoft.com/office/powerpoint/2015/main" val="1"/>
+                <p16:designElem xmlns:p16="http://schemas.microsoft.com/office/powerpoint/2015/main" xmlns="" val="1"/>
               </p:ext>
             </p:extLst>
           </p:nvPr>
@@ -18785,7 +19276,7 @@
     </p:spTree>
     <p:extLst>
       <p:ext uri="{BB962C8B-B14F-4D97-AF65-F5344CB8AC3E}">
-        <p14:creationId xmlns:p14="http://schemas.microsoft.com/office/powerpoint/2010/main" val="2529481031"/>
+        <p14:creationId xmlns:p14="http://schemas.microsoft.com/office/powerpoint/2010/main" xmlns="" val="2529481031"/>
       </p:ext>
     </p:extLst>
   </p:cSld>
@@ -18795,7 +19286,7 @@
 </p:sld>
 </file>
 
-<file path=ppt/slides/slide13.xml><?xml version="1.0" encoding="utf-8"?>
+<file path=ppt/slides/slide14.xml><?xml version="1.0" encoding="utf-8"?>
 <p:sld xmlns:a="http://schemas.openxmlformats.org/drawingml/2006/main" xmlns:r="http://schemas.openxmlformats.org/officeDocument/2006/relationships" xmlns:p="http://schemas.openxmlformats.org/presentationml/2006/main">
   <p:cSld>
     <p:spTree>
@@ -18821,7 +19312,7 @@
           <p:nvPr>
             <p:extLst>
               <p:ext uri="{386F3935-93C4-4BCD-93E2-E3B085C9AB24}">
-                <p16:designElem xmlns:p16="http://schemas.microsoft.com/office/powerpoint/2015/main" val="1"/>
+                <p16:designElem xmlns:p16="http://schemas.microsoft.com/office/powerpoint/2015/main" xmlns="" val="1"/>
               </p:ext>
             </p:extLst>
           </p:nvPr>
@@ -18875,7 +19366,7 @@
           <p:nvPr>
             <p:extLst>
               <p:ext uri="{386F3935-93C4-4BCD-93E2-E3B085C9AB24}">
-                <p16:designElem xmlns:p16="http://schemas.microsoft.com/office/powerpoint/2015/main" val="1"/>
+                <p16:designElem xmlns:p16="http://schemas.microsoft.com/office/powerpoint/2015/main" xmlns="" val="1"/>
               </p:ext>
             </p:extLst>
           </p:nvPr>
@@ -18974,7 +19465,7 @@
           <p:nvPr>
             <p:extLst>
               <p:ext uri="{386F3935-93C4-4BCD-93E2-E3B085C9AB24}">
-                <p16:designElem xmlns:p16="http://schemas.microsoft.com/office/powerpoint/2015/main" val="1"/>
+                <p16:designElem xmlns:p16="http://schemas.microsoft.com/office/powerpoint/2015/main" xmlns="" val="1"/>
               </p:ext>
             </p:extLst>
           </p:nvPr>
@@ -19186,7 +19677,7 @@
     </p:spTree>
     <p:extLst>
       <p:ext uri="{BB962C8B-B14F-4D97-AF65-F5344CB8AC3E}">
-        <p14:creationId xmlns:p14="http://schemas.microsoft.com/office/powerpoint/2010/main" val="3295904946"/>
+        <p14:creationId xmlns:p14="http://schemas.microsoft.com/office/powerpoint/2010/main" xmlns="" val="3295904946"/>
       </p:ext>
     </p:extLst>
   </p:cSld>
@@ -19196,7 +19687,7 @@
 </p:sld>
 </file>
 
-<file path=ppt/slides/slide14.xml><?xml version="1.0" encoding="utf-8"?>
+<file path=ppt/slides/slide15.xml><?xml version="1.0" encoding="utf-8"?>
 <p:sld xmlns:a="http://schemas.openxmlformats.org/drawingml/2006/main" xmlns:r="http://schemas.openxmlformats.org/officeDocument/2006/relationships" xmlns:p="http://schemas.openxmlformats.org/presentationml/2006/main">
   <p:cSld>
     <p:spTree>
@@ -19222,7 +19713,7 @@
           <p:nvPr>
             <p:extLst>
               <p:ext uri="{386F3935-93C4-4BCD-93E2-E3B085C9AB24}">
-                <p16:designElem xmlns:p16="http://schemas.microsoft.com/office/powerpoint/2015/main" val="1"/>
+                <p16:designElem xmlns:p16="http://schemas.microsoft.com/office/powerpoint/2015/main" xmlns="" val="1"/>
               </p:ext>
             </p:extLst>
           </p:nvPr>
@@ -19253,7 +19744,7 @@
           <p:nvPr>
             <p:extLst>
               <p:ext uri="{386F3935-93C4-4BCD-93E2-E3B085C9AB24}">
-                <p16:designElem xmlns:p16="http://schemas.microsoft.com/office/powerpoint/2015/main" val="1"/>
+                <p16:designElem xmlns:p16="http://schemas.microsoft.com/office/powerpoint/2015/main" xmlns="" val="1"/>
               </p:ext>
             </p:extLst>
           </p:nvPr>
@@ -19315,7 +19806,7 @@
           <p:nvPr>
             <p:extLst>
               <p:ext uri="{386F3935-93C4-4BCD-93E2-E3B085C9AB24}">
-                <p16:designElem xmlns:p16="http://schemas.microsoft.com/office/powerpoint/2015/main" val="1"/>
+                <p16:designElem xmlns:p16="http://schemas.microsoft.com/office/powerpoint/2015/main" xmlns="" val="1"/>
               </p:ext>
             </p:extLst>
           </p:nvPr>
@@ -19360,7 +19851,7 @@
           <p:nvPr>
             <p:extLst>
               <p:ext uri="{386F3935-93C4-4BCD-93E2-E3B085C9AB24}">
-                <p16:designElem xmlns:p16="http://schemas.microsoft.com/office/powerpoint/2015/main" val="1"/>
+                <p16:designElem xmlns:p16="http://schemas.microsoft.com/office/powerpoint/2015/main" xmlns="" val="1"/>
               </p:ext>
             </p:extLst>
           </p:nvPr>
@@ -19409,7 +19900,7 @@
           <a:blip r:embed="rId2" cstate="print">
             <a:extLst>
               <a:ext uri="{28A0092B-C50C-407E-A947-70E740481C1C}">
-                <a14:useLocalDpi xmlns:a14="http://schemas.microsoft.com/office/drawing/2010/main" val="0"/>
+                <a14:useLocalDpi xmlns:a14="http://schemas.microsoft.com/office/drawing/2010/main" xmlns="" val="0"/>
               </a:ext>
             </a:extLst>
           </a:blip>
@@ -19439,7 +19930,7 @@
           <a:blip r:embed="rId3" cstate="print">
             <a:extLst>
               <a:ext uri="{28A0092B-C50C-407E-A947-70E740481C1C}">
-                <a14:useLocalDpi xmlns:a14="http://schemas.microsoft.com/office/drawing/2010/main" val="0"/>
+                <a14:useLocalDpi xmlns:a14="http://schemas.microsoft.com/office/drawing/2010/main" xmlns="" val="0"/>
               </a:ext>
             </a:extLst>
           </a:blip>
@@ -19466,7 +19957,7 @@
           <p:nvPr>
             <p:extLst>
               <p:ext uri="{386F3935-93C4-4BCD-93E2-E3B085C9AB24}">
-                <p16:designElem xmlns:p16="http://schemas.microsoft.com/office/powerpoint/2015/main" val="1"/>
+                <p16:designElem xmlns:p16="http://schemas.microsoft.com/office/powerpoint/2015/main" xmlns="" val="1"/>
               </p:ext>
             </p:extLst>
           </p:nvPr>
@@ -19515,7 +20006,7 @@
           <a:blip r:embed="rId4" cstate="print">
             <a:extLst>
               <a:ext uri="{28A0092B-C50C-407E-A947-70E740481C1C}">
-                <a14:useLocalDpi xmlns:a14="http://schemas.microsoft.com/office/drawing/2010/main" val="0"/>
+                <a14:useLocalDpi xmlns:a14="http://schemas.microsoft.com/office/drawing/2010/main" xmlns="" val="0"/>
               </a:ext>
             </a:extLst>
           </a:blip>
@@ -19689,7 +20180,7 @@
     </p:spTree>
     <p:extLst>
       <p:ext uri="{BB962C8B-B14F-4D97-AF65-F5344CB8AC3E}">
-        <p14:creationId xmlns:p14="http://schemas.microsoft.com/office/powerpoint/2010/main" val="303223344"/>
+        <p14:creationId xmlns:p14="http://schemas.microsoft.com/office/powerpoint/2010/main" xmlns="" val="303223344"/>
       </p:ext>
     </p:extLst>
   </p:cSld>
@@ -19699,7 +20190,7 @@
 </p:sld>
 </file>
 
-<file path=ppt/slides/slide15.xml><?xml version="1.0" encoding="utf-8"?>
+<file path=ppt/slides/slide16.xml><?xml version="1.0" encoding="utf-8"?>
 <p:sld xmlns:a="http://schemas.openxmlformats.org/drawingml/2006/main" xmlns:r="http://schemas.openxmlformats.org/officeDocument/2006/relationships" xmlns:p="http://schemas.openxmlformats.org/presentationml/2006/main">
   <p:cSld>
     <p:spTree>
@@ -19725,7 +20216,7 @@
           <p:nvPr>
             <p:extLst>
               <p:ext uri="{386F3935-93C4-4BCD-93E2-E3B085C9AB24}">
-                <p16:designElem xmlns:p16="http://schemas.microsoft.com/office/powerpoint/2015/main" val="1"/>
+                <p16:designElem xmlns:p16="http://schemas.microsoft.com/office/powerpoint/2015/main" xmlns="" val="1"/>
               </p:ext>
             </p:extLst>
           </p:nvPr>
@@ -19756,7 +20247,7 @@
           <p:nvPr>
             <p:extLst>
               <p:ext uri="{386F3935-93C4-4BCD-93E2-E3B085C9AB24}">
-                <p16:designElem xmlns:p16="http://schemas.microsoft.com/office/powerpoint/2015/main" val="1"/>
+                <p16:designElem xmlns:p16="http://schemas.microsoft.com/office/powerpoint/2015/main" xmlns="" val="1"/>
               </p:ext>
             </p:extLst>
           </p:nvPr>
@@ -19818,7 +20309,7 @@
           <p:nvPr>
             <p:extLst>
               <p:ext uri="{386F3935-93C4-4BCD-93E2-E3B085C9AB24}">
-                <p16:designElem xmlns:p16="http://schemas.microsoft.com/office/powerpoint/2015/main" val="1"/>
+                <p16:designElem xmlns:p16="http://schemas.microsoft.com/office/powerpoint/2015/main" xmlns="" val="1"/>
               </p:ext>
             </p:extLst>
           </p:nvPr>
@@ -19863,7 +20354,7 @@
           <p:nvPr>
             <p:extLst>
               <p:ext uri="{386F3935-93C4-4BCD-93E2-E3B085C9AB24}">
-                <p16:designElem xmlns:p16="http://schemas.microsoft.com/office/powerpoint/2015/main" val="1"/>
+                <p16:designElem xmlns:p16="http://schemas.microsoft.com/office/powerpoint/2015/main" xmlns="" val="1"/>
               </p:ext>
             </p:extLst>
           </p:nvPr>
@@ -19912,7 +20403,7 @@
           <a:blip r:embed="rId2" cstate="print">
             <a:extLst>
               <a:ext uri="{28A0092B-C50C-407E-A947-70E740481C1C}">
-                <a14:useLocalDpi xmlns:a14="http://schemas.microsoft.com/office/drawing/2010/main" val="0"/>
+                <a14:useLocalDpi xmlns:a14="http://schemas.microsoft.com/office/drawing/2010/main" xmlns="" val="0"/>
               </a:ext>
             </a:extLst>
           </a:blip>
@@ -19942,7 +20433,7 @@
           <a:blip r:embed="rId3" cstate="print">
             <a:extLst>
               <a:ext uri="{28A0092B-C50C-407E-A947-70E740481C1C}">
-                <a14:useLocalDpi xmlns:a14="http://schemas.microsoft.com/office/drawing/2010/main" val="0"/>
+                <a14:useLocalDpi xmlns:a14="http://schemas.microsoft.com/office/drawing/2010/main" xmlns="" val="0"/>
               </a:ext>
             </a:extLst>
           </a:blip>
@@ -19969,7 +20460,7 @@
           <p:nvPr>
             <p:extLst>
               <p:ext uri="{386F3935-93C4-4BCD-93E2-E3B085C9AB24}">
-                <p16:designElem xmlns:p16="http://schemas.microsoft.com/office/powerpoint/2015/main" val="1"/>
+                <p16:designElem xmlns:p16="http://schemas.microsoft.com/office/powerpoint/2015/main" xmlns="" val="1"/>
               </p:ext>
             </p:extLst>
           </p:nvPr>
@@ -20018,7 +20509,7 @@
           <a:blip r:embed="rId4" cstate="print">
             <a:extLst>
               <a:ext uri="{28A0092B-C50C-407E-A947-70E740481C1C}">
-                <a14:useLocalDpi xmlns:a14="http://schemas.microsoft.com/office/drawing/2010/main" val="0"/>
+                <a14:useLocalDpi xmlns:a14="http://schemas.microsoft.com/office/drawing/2010/main" xmlns="" val="0"/>
               </a:ext>
             </a:extLst>
           </a:blip>
@@ -20163,7 +20654,7 @@
     </p:spTree>
     <p:extLst>
       <p:ext uri="{BB962C8B-B14F-4D97-AF65-F5344CB8AC3E}">
-        <p14:creationId xmlns:p14="http://schemas.microsoft.com/office/powerpoint/2010/main" val="3308965500"/>
+        <p14:creationId xmlns:p14="http://schemas.microsoft.com/office/powerpoint/2010/main" xmlns="" val="3308965500"/>
       </p:ext>
     </p:extLst>
   </p:cSld>
@@ -20173,7 +20664,7 @@
 </p:sld>
 </file>
 
-<file path=ppt/slides/slide16.xml><?xml version="1.0" encoding="utf-8"?>
+<file path=ppt/slides/slide17.xml><?xml version="1.0" encoding="utf-8"?>
 <p:sld xmlns:a="http://schemas.openxmlformats.org/drawingml/2006/main" xmlns:r="http://schemas.openxmlformats.org/officeDocument/2006/relationships" xmlns:p="http://schemas.openxmlformats.org/presentationml/2006/main">
   <p:cSld>
     <p:spTree>
@@ -20199,7 +20690,7 @@
           <p:nvPr>
             <p:extLst>
               <p:ext uri="{386F3935-93C4-4BCD-93E2-E3B085C9AB24}">
-                <p16:designElem xmlns:p16="http://schemas.microsoft.com/office/powerpoint/2015/main" val="1"/>
+                <p16:designElem xmlns:p16="http://schemas.microsoft.com/office/powerpoint/2015/main" xmlns="" val="1"/>
               </p:ext>
             </p:extLst>
           </p:nvPr>
@@ -20282,7 +20773,7 @@
           <p:nvPr>
             <p:extLst>
               <p:ext uri="{386F3935-93C4-4BCD-93E2-E3B085C9AB24}">
-                <p16:designElem xmlns:p16="http://schemas.microsoft.com/office/powerpoint/2015/main" val="1"/>
+                <p16:designElem xmlns:p16="http://schemas.microsoft.com/office/powerpoint/2015/main" xmlns="" val="1"/>
               </p:ext>
             </p:extLst>
           </p:nvPr>
@@ -20410,7 +20901,7 @@
           <p:nvPr>
             <p:extLst>
               <p:ext uri="{386F3935-93C4-4BCD-93E2-E3B085C9AB24}">
-                <p16:designElem xmlns:p16="http://schemas.microsoft.com/office/powerpoint/2015/main" val="1"/>
+                <p16:designElem xmlns:p16="http://schemas.microsoft.com/office/powerpoint/2015/main" xmlns="" val="1"/>
               </p:ext>
             </p:extLst>
           </p:nvPr>
@@ -20690,7 +21181,7 @@
     </p:spTree>
     <p:extLst>
       <p:ext uri="{BB962C8B-B14F-4D97-AF65-F5344CB8AC3E}">
-        <p14:creationId xmlns:p14="http://schemas.microsoft.com/office/powerpoint/2010/main" val="593548087"/>
+        <p14:creationId xmlns:p14="http://schemas.microsoft.com/office/powerpoint/2010/main" xmlns="" val="593548087"/>
       </p:ext>
     </p:extLst>
   </p:cSld>
@@ -20700,7 +21191,7 @@
 </p:sld>
 </file>
 
-<file path=ppt/slides/slide17.xml><?xml version="1.0" encoding="utf-8"?>
+<file path=ppt/slides/slide18.xml><?xml version="1.0" encoding="utf-8"?>
 <p:sld xmlns:a="http://schemas.openxmlformats.org/drawingml/2006/main" xmlns:r="http://schemas.openxmlformats.org/officeDocument/2006/relationships" xmlns:p="http://schemas.openxmlformats.org/presentationml/2006/main">
   <p:cSld>
     <p:spTree>
@@ -20726,7 +21217,7 @@
           <p:nvPr>
             <p:extLst>
               <p:ext uri="{386F3935-93C4-4BCD-93E2-E3B085C9AB24}">
-                <p16:designElem xmlns:p16="http://schemas.microsoft.com/office/powerpoint/2015/main" val="1"/>
+                <p16:designElem xmlns:p16="http://schemas.microsoft.com/office/powerpoint/2015/main" xmlns="" val="1"/>
               </p:ext>
             </p:extLst>
           </p:nvPr>
@@ -20809,7 +21300,7 @@
           <p:nvPr>
             <p:extLst>
               <p:ext uri="{386F3935-93C4-4BCD-93E2-E3B085C9AB24}">
-                <p16:designElem xmlns:p16="http://schemas.microsoft.com/office/powerpoint/2015/main" val="1"/>
+                <p16:designElem xmlns:p16="http://schemas.microsoft.com/office/powerpoint/2015/main" xmlns="" val="1"/>
               </p:ext>
             </p:extLst>
           </p:nvPr>
@@ -20937,7 +21428,7 @@
           <p:nvPr>
             <p:extLst>
               <p:ext uri="{386F3935-93C4-4BCD-93E2-E3B085C9AB24}">
-                <p16:designElem xmlns:p16="http://schemas.microsoft.com/office/powerpoint/2015/main" val="1"/>
+                <p16:designElem xmlns:p16="http://schemas.microsoft.com/office/powerpoint/2015/main" xmlns="" val="1"/>
               </p:ext>
             </p:extLst>
           </p:nvPr>
@@ -21163,7 +21654,7 @@
     </p:spTree>
     <p:extLst>
       <p:ext uri="{BB962C8B-B14F-4D97-AF65-F5344CB8AC3E}">
-        <p14:creationId xmlns:p14="http://schemas.microsoft.com/office/powerpoint/2010/main" val="3441358260"/>
+        <p14:creationId xmlns:p14="http://schemas.microsoft.com/office/powerpoint/2010/main" xmlns="" val="3441358260"/>
       </p:ext>
     </p:extLst>
   </p:cSld>
@@ -21173,7 +21664,7 @@
 </p:sld>
 </file>
 
-<file path=ppt/slides/slide18.xml><?xml version="1.0" encoding="utf-8"?>
+<file path=ppt/slides/slide19.xml><?xml version="1.0" encoding="utf-8"?>
 <p:sld xmlns:a="http://schemas.openxmlformats.org/drawingml/2006/main" xmlns:r="http://schemas.openxmlformats.org/officeDocument/2006/relationships" xmlns:p="http://schemas.openxmlformats.org/presentationml/2006/main">
   <p:cSld>
     <p:bg>
@@ -21213,7 +21704,7 @@
           <p:nvPr>
             <p:extLst>
               <p:ext uri="{386F3935-93C4-4BCD-93E2-E3B085C9AB24}">
-                <p16:designElem xmlns:p16="http://schemas.microsoft.com/office/powerpoint/2015/main" val="1"/>
+                <p16:designElem xmlns:p16="http://schemas.microsoft.com/office/powerpoint/2015/main" xmlns="" val="1"/>
               </p:ext>
             </p:extLst>
           </p:nvPr>
@@ -21296,7 +21787,7 @@
           <p:nvPr>
             <p:extLst>
               <p:ext uri="{386F3935-93C4-4BCD-93E2-E3B085C9AB24}">
-                <p16:designElem xmlns:p16="http://schemas.microsoft.com/office/powerpoint/2015/main" val="1"/>
+                <p16:designElem xmlns:p16="http://schemas.microsoft.com/office/powerpoint/2015/main" xmlns="" val="1"/>
               </p:ext>
             </p:extLst>
           </p:nvPr>
@@ -21424,7 +21915,7 @@
           <p:nvPr>
             <p:extLst>
               <p:ext uri="{386F3935-93C4-4BCD-93E2-E3B085C9AB24}">
-                <p16:designElem xmlns:p16="http://schemas.microsoft.com/office/powerpoint/2015/main" val="1"/>
+                <p16:designElem xmlns:p16="http://schemas.microsoft.com/office/powerpoint/2015/main" xmlns="" val="1"/>
               </p:ext>
             </p:extLst>
           </p:nvPr>
@@ -21631,7 +22122,7 @@
     </p:spTree>
     <p:extLst>
       <p:ext uri="{BB962C8B-B14F-4D97-AF65-F5344CB8AC3E}">
-        <p14:creationId xmlns:p14="http://schemas.microsoft.com/office/powerpoint/2010/main" val="2155851444"/>
+        <p14:creationId xmlns:p14="http://schemas.microsoft.com/office/powerpoint/2010/main" xmlns="" val="2155851444"/>
       </p:ext>
     </p:extLst>
   </p:cSld>
@@ -21641,7 +22132,7 @@
 </p:sld>
 </file>
 
-<file path=ppt/slides/slide19.xml><?xml version="1.0" encoding="utf-8"?>
+<file path=ppt/slides/slide2.xml><?xml version="1.0" encoding="utf-8"?>
 <p:sld xmlns:a="http://schemas.openxmlformats.org/drawingml/2006/main" xmlns:r="http://schemas.openxmlformats.org/officeDocument/2006/relationships" xmlns:p="http://schemas.openxmlformats.org/presentationml/2006/main">
   <p:cSld>
     <p:spTree>
@@ -21660,14 +22151,14 @@
       </p:grpSpPr>
       <p:sp>
         <p:nvSpPr>
-          <p:cNvPr id="12" name="Rectangle 5"/>
+          <p:cNvPr id="5" name="Rectangle 4"/>
           <p:cNvSpPr>
             <a:spLocks noGrp="1" noRot="1" noChangeAspect="1" noMove="1" noResize="1" noEditPoints="1" noAdjustHandles="1" noChangeArrowheads="1" noChangeShapeType="1" noTextEdit="1"/>
           </p:cNvSpPr>
           <p:nvPr>
             <p:extLst>
               <p:ext uri="{386F3935-93C4-4BCD-93E2-E3B085C9AB24}">
-                <p16:designElem xmlns:p16="http://schemas.microsoft.com/office/powerpoint/2015/main" val="1"/>
+                <p16:designElem xmlns:p16="http://schemas.microsoft.com/office/powerpoint/2015/main" xmlns="" val="1"/>
               </p:ext>
             </p:extLst>
           </p:nvPr>
@@ -21707,50 +22198,21 @@
           <a:bodyPr rtlCol="0" anchor="ctr"/>
           <a:lstStyle/>
           <a:p>
-            <a:pPr marL="0" marR="0" lvl="0" indent="0" algn="ctr" defTabSz="914400" rtl="0" eaLnBrk="1" fontAlgn="auto" latinLnBrk="0" hangingPunct="1">
-              <a:lnSpc>
-                <a:spcPct val="100000"/>
-              </a:lnSpc>
-              <a:spcBef>
-                <a:spcPts val="0"/>
-              </a:spcBef>
-              <a:spcAft>
-                <a:spcPts val="0"/>
-              </a:spcAft>
-              <a:buClrTx/>
-              <a:buSzTx/>
-              <a:buFontTx/>
-              <a:buNone/>
-              <a:tabLst/>
-              <a:defRPr/>
-            </a:pPr>
-            <a:endParaRPr kumimoji="0" lang="en-US" sz="1800" b="0" i="0" u="none" strike="noStrike" kern="1200" cap="none" spc="0" normalizeH="0" baseline="0" noProof="0">
-              <a:ln>
-                <a:noFill/>
-              </a:ln>
-              <a:solidFill>
-                <a:prstClr val="white"/>
-              </a:solidFill>
-              <a:effectLst/>
-              <a:uLnTx/>
-              <a:uFillTx/>
-              <a:latin typeface="Calibri" panose="020F0502020204030204"/>
-              <a:ea typeface="+mn-ea"/>
-              <a:cs typeface="+mn-cs"/>
-            </a:endParaRPr>
+            <a:pPr algn="ctr"/>
+            <a:endParaRPr lang="en-US"/>
           </a:p>
         </p:txBody>
       </p:sp>
       <p:sp>
         <p:nvSpPr>
-          <p:cNvPr id="7" name="Freeform 13"/>
+          <p:cNvPr id="6" name="Freeform 13"/>
           <p:cNvSpPr>
             <a:spLocks noGrp="1" noRot="1" noChangeAspect="1" noMove="1" noResize="1" noEditPoints="1" noAdjustHandles="1" noChangeArrowheads="1" noChangeShapeType="1" noTextEdit="1"/>
           </p:cNvSpPr>
           <p:nvPr>
             <p:extLst>
               <p:ext uri="{386F3935-93C4-4BCD-93E2-E3B085C9AB24}">
-                <p16:designElem xmlns:p16="http://schemas.microsoft.com/office/powerpoint/2015/main" val="1"/>
+                <p16:designElem xmlns:p16="http://schemas.microsoft.com/office/powerpoint/2015/main" xmlns="" val="1"/>
               </p:ext>
             </p:extLst>
           </p:nvPr>
@@ -21835,50 +22297,21 @@
           <a:bodyPr rtlCol="0" anchor="ctr"/>
           <a:lstStyle/>
           <a:p>
-            <a:pPr marL="0" marR="0" lvl="0" indent="0" algn="ctr" defTabSz="914400" rtl="0" eaLnBrk="1" fontAlgn="auto" latinLnBrk="0" hangingPunct="1">
-              <a:lnSpc>
-                <a:spcPct val="100000"/>
-              </a:lnSpc>
-              <a:spcBef>
-                <a:spcPts val="0"/>
-              </a:spcBef>
-              <a:spcAft>
-                <a:spcPts val="0"/>
-              </a:spcAft>
-              <a:buClrTx/>
-              <a:buSzTx/>
-              <a:buFontTx/>
-              <a:buNone/>
-              <a:tabLst/>
-              <a:defRPr/>
-            </a:pPr>
-            <a:endParaRPr kumimoji="0" lang="en-US" sz="1800" b="0" i="0" u="none" strike="noStrike" kern="1200" cap="none" spc="0" normalizeH="0" baseline="0" noProof="0">
-              <a:ln>
-                <a:noFill/>
-              </a:ln>
-              <a:solidFill>
-                <a:prstClr val="white"/>
-              </a:solidFill>
-              <a:effectLst/>
-              <a:uLnTx/>
-              <a:uFillTx/>
-              <a:latin typeface="Calibri" panose="020F0502020204030204"/>
-              <a:ea typeface="+mn-ea"/>
-              <a:cs typeface="+mn-cs"/>
-            </a:endParaRPr>
+            <a:pPr algn="ctr"/>
+            <a:endParaRPr lang="en-US"/>
           </a:p>
         </p:txBody>
       </p:sp>
       <p:sp>
         <p:nvSpPr>
-          <p:cNvPr id="8" name="Freeform 11"/>
+          <p:cNvPr id="7" name="Freeform 11"/>
           <p:cNvSpPr>
             <a:spLocks noGrp="1" noRot="1" noChangeAspect="1" noMove="1" noResize="1" noEditPoints="1" noAdjustHandles="1" noChangeArrowheads="1" noChangeShapeType="1" noTextEdit="1"/>
           </p:cNvSpPr>
           <p:nvPr>
             <p:extLst>
               <p:ext uri="{386F3935-93C4-4BCD-93E2-E3B085C9AB24}">
-                <p16:designElem xmlns:p16="http://schemas.microsoft.com/office/powerpoint/2015/main" val="1"/>
+                <p16:designElem xmlns:p16="http://schemas.microsoft.com/office/powerpoint/2015/main" xmlns="" val="1"/>
               </p:ext>
             </p:extLst>
           </p:nvPr>
@@ -21965,37 +22398,8 @@
           </a:bodyPr>
           <a:lstStyle/>
           <a:p>
-            <a:pPr marL="0" marR="0" lvl="0" indent="0" algn="ctr" defTabSz="914400" rtl="0" eaLnBrk="1" fontAlgn="auto" latinLnBrk="0" hangingPunct="1">
-              <a:lnSpc>
-                <a:spcPct val="100000"/>
-              </a:lnSpc>
-              <a:spcBef>
-                <a:spcPts val="0"/>
-              </a:spcBef>
-              <a:spcAft>
-                <a:spcPts val="0"/>
-              </a:spcAft>
-              <a:buClrTx/>
-              <a:buSzTx/>
-              <a:buFontTx/>
-              <a:buNone/>
-              <a:tabLst/>
-              <a:defRPr/>
-            </a:pPr>
-            <a:endParaRPr kumimoji="0" lang="en-US" sz="1800" b="0" i="0" u="none" strike="noStrike" kern="1200" cap="none" spc="0" normalizeH="0" baseline="0" noProof="0">
-              <a:ln>
-                <a:noFill/>
-              </a:ln>
-              <a:solidFill>
-                <a:prstClr val="white"/>
-              </a:solidFill>
-              <a:effectLst/>
-              <a:uLnTx/>
-              <a:uFillTx/>
-              <a:latin typeface="Calibri" panose="020F0502020204030204"/>
-              <a:ea typeface="+mn-ea"/>
-              <a:cs typeface="+mn-cs"/>
-            </a:endParaRPr>
+            <a:pPr algn="ctr"/>
+            <a:endParaRPr lang="en-US"/>
           </a:p>
         </p:txBody>
       </p:sp>
@@ -22022,110 +22426,131 @@
           <a:lstStyle/>
           <a:p>
             <a:r>
-              <a:rPr lang="es-ES" sz="5400" dirty="0"/>
-              <a:t>REDES DE NEURONAS - PYTHON</a:t>
+              <a:rPr lang="es-ES" sz="5400" dirty="0" smtClean="0"/>
+              <a:t>INTRODUCCIÓN</a:t>
             </a:r>
+            <a:endParaRPr lang="es-ES" sz="5400" dirty="0"/>
           </a:p>
         </p:txBody>
       </p:sp>
-      <p:graphicFrame>
-        <p:nvGraphicFramePr>
-          <p:cNvPr id="4" name="Marcador de contenido 3"/>
-          <p:cNvGraphicFramePr>
-            <a:graphicFrameLocks noGrp="1"/>
-          </p:cNvGraphicFramePr>
+      <p:sp>
+        <p:nvSpPr>
+          <p:cNvPr id="3" name="Marcador de contenido 2"/>
+          <p:cNvSpPr>
+            <a:spLocks noGrp="1"/>
+          </p:cNvSpPr>
           <p:nvPr>
             <p:ph idx="1"/>
-            <p:extLst>
-              <p:ext uri="{D42A27DB-BD31-4B8C-83A1-F6EECF244321}">
-                <p14:modId xmlns:p14="http://schemas.microsoft.com/office/powerpoint/2010/main" val="1669523348"/>
-              </p:ext>
-            </p:extLst>
           </p:nvPr>
-        </p:nvGraphicFramePr>
-        <p:xfrm>
-          <a:off x="5026419" y="2055813"/>
-          <a:ext cx="6760335" cy="4154488"/>
-        </p:xfrm>
-        <a:graphic>
-          <a:graphicData uri="http://schemas.openxmlformats.org/drawingml/2006/diagram">
-            <dgm:relIds xmlns:dgm="http://schemas.openxmlformats.org/drawingml/2006/diagram" xmlns:r="http://schemas.openxmlformats.org/officeDocument/2006/relationships" r:dm="rId2" r:lo="rId3" r:qs="rId4" r:cs="rId5"/>
-          </a:graphicData>
-        </a:graphic>
-      </p:graphicFrame>
-      <p:sp>
-        <p:nvSpPr>
-          <p:cNvPr id="5" name="CuadroTexto 4"/>
-          <p:cNvSpPr txBox="1"/>
-          <p:nvPr/>
         </p:nvSpPr>
         <p:spPr>
           <a:xfrm>
-            <a:off x="1017431" y="3594448"/>
-            <a:ext cx="4008988" cy="1077218"/>
+            <a:off x="838201" y="2022601"/>
+            <a:ext cx="10515598" cy="4154361"/>
+          </a:xfrm>
+        </p:spPr>
+        <p:txBody>
+          <a:bodyPr>
+            <a:normAutofit/>
+          </a:bodyPr>
+          <a:lstStyle/>
+          <a:p>
+            <a:r>
+              <a:rPr lang="es-ES" sz="2000" dirty="0" smtClean="0"/>
+              <a:t>¿Qué es la bolsa?</a:t>
+            </a:r>
+            <a:endParaRPr lang="es-ES" sz="2000" dirty="0"/>
+          </a:p>
+          <a:p>
+            <a:pPr lvl="1"/>
+            <a:r>
+              <a:rPr lang="es-ES" sz="1600" dirty="0"/>
+              <a:t>Ibex 35</a:t>
+            </a:r>
+          </a:p>
+          <a:p>
+            <a:r>
+              <a:rPr lang="es-ES" sz="2000" dirty="0" smtClean="0"/>
+              <a:t>¿Por qué estudiar la bolsa?</a:t>
+            </a:r>
+            <a:endParaRPr lang="es-ES" sz="2000" dirty="0"/>
+          </a:p>
+          <a:p>
+            <a:pPr lvl="1"/>
+            <a:r>
+              <a:rPr lang="es-ES" sz="1600" dirty="0" smtClean="0"/>
+              <a:t>Retribución</a:t>
+            </a:r>
+            <a:endParaRPr lang="es-ES" sz="1600" dirty="0"/>
+          </a:p>
+          <a:p>
+            <a:pPr lvl="1"/>
+            <a:r>
+              <a:rPr lang="es-ES" sz="1600" dirty="0" smtClean="0"/>
+              <a:t>Fondos financieros</a:t>
+            </a:r>
+          </a:p>
+          <a:p>
+            <a:pPr lvl="1"/>
+            <a:r>
+              <a:rPr lang="es-ES" sz="1600" dirty="0" smtClean="0"/>
+              <a:t>Nos afecta</a:t>
+            </a:r>
+          </a:p>
+          <a:p>
+            <a:r>
+              <a:rPr lang="es-ES" sz="2000" dirty="0" smtClean="0"/>
+              <a:t>Conceptos básicos</a:t>
+            </a:r>
+          </a:p>
+        </p:txBody>
+      </p:sp>
+      <p:pic>
+        <p:nvPicPr>
+          <p:cNvPr id="1028" name="Picture 4"/>
+          <p:cNvPicPr>
+            <a:picLocks noChangeAspect="1" noChangeArrowheads="1"/>
+          </p:cNvPicPr>
+          <p:nvPr/>
+        </p:nvPicPr>
+        <p:blipFill>
+          <a:blip r:embed="rId2" cstate="print"/>
+          <a:srcRect/>
+          <a:stretch>
+            <a:fillRect/>
+          </a:stretch>
+        </p:blipFill>
+        <p:spPr bwMode="auto">
+          <a:xfrm>
+            <a:off x="3939556" y="3800267"/>
+            <a:ext cx="7905750" cy="1895475"/>
           </a:xfrm>
           <a:prstGeom prst="rect">
             <a:avLst/>
           </a:prstGeom>
           <a:noFill/>
+          <a:ln w="9525">
+            <a:noFill/>
+            <a:miter lim="800000"/>
+            <a:headEnd/>
+            <a:tailEnd/>
+          </a:ln>
         </p:spPr>
-        <p:txBody>
-          <a:bodyPr wrap="square" rtlCol="0">
-            <a:spAutoFit/>
-          </a:bodyPr>
-          <a:lstStyle/>
-          <a:p>
-            <a:pPr marL="0" marR="0" lvl="0" indent="0" algn="l" defTabSz="914400" rtl="0" eaLnBrk="1" fontAlgn="auto" latinLnBrk="0" hangingPunct="1">
-              <a:lnSpc>
-                <a:spcPct val="100000"/>
-              </a:lnSpc>
-              <a:spcBef>
-                <a:spcPts val="0"/>
-              </a:spcBef>
-              <a:spcAft>
-                <a:spcPts val="0"/>
-              </a:spcAft>
-              <a:buClrTx/>
-              <a:buSzTx/>
-              <a:buFontTx/>
-              <a:buNone/>
-              <a:tabLst/>
-              <a:defRPr/>
-            </a:pPr>
-            <a:r>
-              <a:rPr kumimoji="0" lang="es-ES" sz="3200" b="0" i="0" u="none" strike="noStrike" kern="1200" cap="none" spc="0" normalizeH="0" baseline="0" noProof="0" dirty="0">
-                <a:ln>
-                  <a:noFill/>
-                </a:ln>
-                <a:solidFill>
-                  <a:prstClr val="white"/>
-                </a:solidFill>
-                <a:effectLst/>
-                <a:uLnTx/>
-                <a:uFillTx/>
-                <a:latin typeface="Calibri" panose="020F0502020204030204"/>
-                <a:ea typeface="+mn-ea"/>
-                <a:cs typeface="+mn-cs"/>
-              </a:rPr>
-              <a:t>Porcentaje de acierto en la previsión a un día</a:t>
-            </a:r>
-          </a:p>
-        </p:txBody>
-      </p:sp>
+      </p:pic>
     </p:spTree>
     <p:extLst>
       <p:ext uri="{BB962C8B-B14F-4D97-AF65-F5344CB8AC3E}">
-        <p14:creationId xmlns:p14="http://schemas.microsoft.com/office/powerpoint/2010/main" val="1387334530"/>
+        <p14:creationId xmlns:p14="http://schemas.microsoft.com/office/powerpoint/2010/main" xmlns="" val="162548143"/>
       </p:ext>
     </p:extLst>
   </p:cSld>
   <p:clrMapOvr>
-    <a:overrideClrMapping bg1="dk1" tx1="lt1" bg2="dk2" tx2="lt2" accent1="accent1" accent2="accent2" accent3="accent3" accent4="accent4" accent5="accent5" accent6="accent6" hlink="hlink" folHlink="folHlink"/>
+    <a:masterClrMapping/>
   </p:clrMapOvr>
 </p:sld>
 </file>
 
-<file path=ppt/slides/slide2.xml><?xml version="1.0" encoding="utf-8"?>
+<file path=ppt/slides/slide20.xml><?xml version="1.0" encoding="utf-8"?>
 <p:sld xmlns:a="http://schemas.openxmlformats.org/drawingml/2006/main" xmlns:r="http://schemas.openxmlformats.org/officeDocument/2006/relationships" xmlns:p="http://schemas.openxmlformats.org/presentationml/2006/main">
   <p:cSld>
     <p:spTree>
@@ -22144,14 +22569,14 @@
       </p:grpSpPr>
       <p:sp>
         <p:nvSpPr>
-          <p:cNvPr id="5" name="Rectangle 4"/>
+          <p:cNvPr id="12" name="Rectangle 5"/>
           <p:cNvSpPr>
             <a:spLocks noGrp="1" noRot="1" noChangeAspect="1" noMove="1" noResize="1" noEditPoints="1" noAdjustHandles="1" noChangeArrowheads="1" noChangeShapeType="1" noTextEdit="1"/>
           </p:cNvSpPr>
           <p:nvPr>
             <p:extLst>
               <p:ext uri="{386F3935-93C4-4BCD-93E2-E3B085C9AB24}">
-                <p16:designElem xmlns:p16="http://schemas.microsoft.com/office/powerpoint/2015/main" val="1"/>
+                <p16:designElem xmlns:p16="http://schemas.microsoft.com/office/powerpoint/2015/main" xmlns="" val="1"/>
               </p:ext>
             </p:extLst>
           </p:nvPr>
@@ -22191,21 +22616,50 @@
           <a:bodyPr rtlCol="0" anchor="ctr"/>
           <a:lstStyle/>
           <a:p>
-            <a:pPr algn="ctr"/>
-            <a:endParaRPr lang="en-US"/>
+            <a:pPr marL="0" marR="0" lvl="0" indent="0" algn="ctr" defTabSz="914400" rtl="0" eaLnBrk="1" fontAlgn="auto" latinLnBrk="0" hangingPunct="1">
+              <a:lnSpc>
+                <a:spcPct val="100000"/>
+              </a:lnSpc>
+              <a:spcBef>
+                <a:spcPts val="0"/>
+              </a:spcBef>
+              <a:spcAft>
+                <a:spcPts val="0"/>
+              </a:spcAft>
+              <a:buClrTx/>
+              <a:buSzTx/>
+              <a:buFontTx/>
+              <a:buNone/>
+              <a:tabLst/>
+              <a:defRPr/>
+            </a:pPr>
+            <a:endParaRPr kumimoji="0" lang="en-US" sz="1800" b="0" i="0" u="none" strike="noStrike" kern="1200" cap="none" spc="0" normalizeH="0" baseline="0" noProof="0">
+              <a:ln>
+                <a:noFill/>
+              </a:ln>
+              <a:solidFill>
+                <a:prstClr val="white"/>
+              </a:solidFill>
+              <a:effectLst/>
+              <a:uLnTx/>
+              <a:uFillTx/>
+              <a:latin typeface="Calibri" panose="020F0502020204030204"/>
+              <a:ea typeface="+mn-ea"/>
+              <a:cs typeface="+mn-cs"/>
+            </a:endParaRPr>
           </a:p>
         </p:txBody>
       </p:sp>
       <p:sp>
         <p:nvSpPr>
-          <p:cNvPr id="6" name="Freeform 13"/>
+          <p:cNvPr id="7" name="Freeform 13"/>
           <p:cNvSpPr>
             <a:spLocks noGrp="1" noRot="1" noChangeAspect="1" noMove="1" noResize="1" noEditPoints="1" noAdjustHandles="1" noChangeArrowheads="1" noChangeShapeType="1" noTextEdit="1"/>
           </p:cNvSpPr>
           <p:nvPr>
             <p:extLst>
               <p:ext uri="{386F3935-93C4-4BCD-93E2-E3B085C9AB24}">
-                <p16:designElem xmlns:p16="http://schemas.microsoft.com/office/powerpoint/2015/main" val="1"/>
+                <p16:designElem xmlns:p16="http://schemas.microsoft.com/office/powerpoint/2015/main" xmlns="" val="1"/>
               </p:ext>
             </p:extLst>
           </p:nvPr>
@@ -22290,21 +22744,50 @@
           <a:bodyPr rtlCol="0" anchor="ctr"/>
           <a:lstStyle/>
           <a:p>
-            <a:pPr algn="ctr"/>
-            <a:endParaRPr lang="en-US"/>
+            <a:pPr marL="0" marR="0" lvl="0" indent="0" algn="ctr" defTabSz="914400" rtl="0" eaLnBrk="1" fontAlgn="auto" latinLnBrk="0" hangingPunct="1">
+              <a:lnSpc>
+                <a:spcPct val="100000"/>
+              </a:lnSpc>
+              <a:spcBef>
+                <a:spcPts val="0"/>
+              </a:spcBef>
+              <a:spcAft>
+                <a:spcPts val="0"/>
+              </a:spcAft>
+              <a:buClrTx/>
+              <a:buSzTx/>
+              <a:buFontTx/>
+              <a:buNone/>
+              <a:tabLst/>
+              <a:defRPr/>
+            </a:pPr>
+            <a:endParaRPr kumimoji="0" lang="en-US" sz="1800" b="0" i="0" u="none" strike="noStrike" kern="1200" cap="none" spc="0" normalizeH="0" baseline="0" noProof="0">
+              <a:ln>
+                <a:noFill/>
+              </a:ln>
+              <a:solidFill>
+                <a:prstClr val="white"/>
+              </a:solidFill>
+              <a:effectLst/>
+              <a:uLnTx/>
+              <a:uFillTx/>
+              <a:latin typeface="Calibri" panose="020F0502020204030204"/>
+              <a:ea typeface="+mn-ea"/>
+              <a:cs typeface="+mn-cs"/>
+            </a:endParaRPr>
           </a:p>
         </p:txBody>
       </p:sp>
       <p:sp>
         <p:nvSpPr>
-          <p:cNvPr id="7" name="Freeform 11"/>
+          <p:cNvPr id="8" name="Freeform 11"/>
           <p:cNvSpPr>
             <a:spLocks noGrp="1" noRot="1" noChangeAspect="1" noMove="1" noResize="1" noEditPoints="1" noAdjustHandles="1" noChangeArrowheads="1" noChangeShapeType="1" noTextEdit="1"/>
           </p:cNvSpPr>
           <p:nvPr>
             <p:extLst>
               <p:ext uri="{386F3935-93C4-4BCD-93E2-E3B085C9AB24}">
-                <p16:designElem xmlns:p16="http://schemas.microsoft.com/office/powerpoint/2015/main" val="1"/>
+                <p16:designElem xmlns:p16="http://schemas.microsoft.com/office/powerpoint/2015/main" xmlns="" val="1"/>
               </p:ext>
             </p:extLst>
           </p:nvPr>
@@ -22391,8 +22874,37 @@
           </a:bodyPr>
           <a:lstStyle/>
           <a:p>
-            <a:pPr algn="ctr"/>
-            <a:endParaRPr lang="en-US"/>
+            <a:pPr marL="0" marR="0" lvl="0" indent="0" algn="ctr" defTabSz="914400" rtl="0" eaLnBrk="1" fontAlgn="auto" latinLnBrk="0" hangingPunct="1">
+              <a:lnSpc>
+                <a:spcPct val="100000"/>
+              </a:lnSpc>
+              <a:spcBef>
+                <a:spcPts val="0"/>
+              </a:spcBef>
+              <a:spcAft>
+                <a:spcPts val="0"/>
+              </a:spcAft>
+              <a:buClrTx/>
+              <a:buSzTx/>
+              <a:buFontTx/>
+              <a:buNone/>
+              <a:tabLst/>
+              <a:defRPr/>
+            </a:pPr>
+            <a:endParaRPr kumimoji="0" lang="en-US" sz="1800" b="0" i="0" u="none" strike="noStrike" kern="1200" cap="none" spc="0" normalizeH="0" baseline="0" noProof="0">
+              <a:ln>
+                <a:noFill/>
+              </a:ln>
+              <a:solidFill>
+                <a:prstClr val="white"/>
+              </a:solidFill>
+              <a:effectLst/>
+              <a:uLnTx/>
+              <a:uFillTx/>
+              <a:latin typeface="Calibri" panose="020F0502020204030204"/>
+              <a:ea typeface="+mn-ea"/>
+              <a:cs typeface="+mn-cs"/>
+            </a:endParaRPr>
           </a:p>
         </p:txBody>
       </p:sp>
@@ -22420,91 +22932,91 @@
           <a:p>
             <a:r>
               <a:rPr lang="es-ES" sz="5400" dirty="0"/>
-              <a:t>OBJETIVO</a:t>
+              <a:t>REDES DE NEURONAS - PYTHON</a:t>
             </a:r>
           </a:p>
         </p:txBody>
       </p:sp>
+      <p:graphicFrame>
+        <p:nvGraphicFramePr>
+          <p:cNvPr id="4" name="Marcador de contenido 3"/>
+          <p:cNvGraphicFramePr>
+            <a:graphicFrameLocks noGrp="1"/>
+          </p:cNvGraphicFramePr>
+          <p:nvPr>
+            <p:ph idx="1"/>
+            <p:extLst>
+              <p:ext uri="{D42A27DB-BD31-4B8C-83A1-F6EECF244321}">
+                <p14:modId xmlns:p14="http://schemas.microsoft.com/office/powerpoint/2010/main" xmlns="" val="1669523348"/>
+              </p:ext>
+            </p:extLst>
+          </p:nvPr>
+        </p:nvGraphicFramePr>
+        <p:xfrm>
+          <a:off x="5026419" y="2055813"/>
+          <a:ext cx="6760335" cy="4154488"/>
+        </p:xfrm>
+        <a:graphic>
+          <a:graphicData uri="http://schemas.openxmlformats.org/drawingml/2006/diagram">
+            <dgm:relIds xmlns:dgm="http://schemas.openxmlformats.org/drawingml/2006/diagram" xmlns:r="http://schemas.openxmlformats.org/officeDocument/2006/relationships" r:dm="rId2" r:lo="rId3" r:qs="rId4" r:cs="rId5"/>
+          </a:graphicData>
+        </a:graphic>
+      </p:graphicFrame>
       <p:sp>
         <p:nvSpPr>
-          <p:cNvPr id="3" name="Marcador de contenido 2"/>
-          <p:cNvSpPr>
-            <a:spLocks noGrp="1"/>
-          </p:cNvSpPr>
-          <p:nvPr>
-            <p:ph idx="1"/>
-          </p:nvPr>
+          <p:cNvPr id="5" name="CuadroTexto 4"/>
+          <p:cNvSpPr txBox="1"/>
+          <p:nvPr/>
         </p:nvSpPr>
         <p:spPr>
           <a:xfrm>
-            <a:off x="838201" y="2022601"/>
-            <a:ext cx="10515598" cy="4154361"/>
+            <a:off x="1017431" y="3594448"/>
+            <a:ext cx="4008988" cy="1077218"/>
           </a:xfrm>
+          <a:prstGeom prst="rect">
+            <a:avLst/>
+          </a:prstGeom>
+          <a:noFill/>
         </p:spPr>
         <p:txBody>
-          <a:bodyPr>
-            <a:normAutofit/>
+          <a:bodyPr wrap="square" rtlCol="0">
+            <a:spAutoFit/>
           </a:bodyPr>
           <a:lstStyle/>
           <a:p>
+            <a:pPr marL="0" marR="0" lvl="0" indent="0" algn="l" defTabSz="914400" rtl="0" eaLnBrk="1" fontAlgn="auto" latinLnBrk="0" hangingPunct="1">
+              <a:lnSpc>
+                <a:spcPct val="100000"/>
+              </a:lnSpc>
+              <a:spcBef>
+                <a:spcPts val="0"/>
+              </a:spcBef>
+              <a:spcAft>
+                <a:spcPts val="0"/>
+              </a:spcAft>
+              <a:buClrTx/>
+              <a:buSzTx/>
+              <a:buFontTx/>
+              <a:buNone/>
+              <a:tabLst/>
+              <a:defRPr/>
+            </a:pPr>
             <a:r>
-              <a:rPr lang="es-ES" sz="2000" dirty="0"/>
-              <a:t>Nuestro objetivo será estudiar la posibilidad de predecir si la bolsa subirá o bajará al día siguiente</a:t>
-            </a:r>
-          </a:p>
-          <a:p>
-            <a:pPr lvl="1"/>
-            <a:r>
-              <a:rPr lang="es-ES" sz="1600" dirty="0"/>
-              <a:t>Ibex 35</a:t>
-            </a:r>
-          </a:p>
-          <a:p>
-            <a:pPr lvl="1"/>
-            <a:r>
-              <a:rPr lang="es-ES" sz="1600" dirty="0"/>
-              <a:t>Objetivo complicado, pero con grandes recompensas</a:t>
-            </a:r>
-          </a:p>
-          <a:p>
-            <a:r>
-              <a:rPr lang="es-ES" sz="2000" dirty="0"/>
-              <a:t>En Python, con la plataforma Anaconda</a:t>
-            </a:r>
-          </a:p>
-          <a:p>
-            <a:pPr lvl="1"/>
-            <a:r>
-              <a:rPr lang="es-ES" sz="1600" dirty="0"/>
-              <a:t>Distribución de Python</a:t>
-            </a:r>
-          </a:p>
-          <a:p>
-            <a:pPr lvl="1"/>
-            <a:r>
-              <a:rPr lang="es-ES" sz="1600" dirty="0"/>
-              <a:t>Librerías de análisis y obtención de datos</a:t>
-            </a:r>
-          </a:p>
-          <a:p>
-            <a:r>
-              <a:rPr lang="es-ES" sz="2000" dirty="0"/>
-              <a:t>Los datos serán posteriormente </a:t>
-            </a:r>
-            <a:r>
-              <a:rPr lang="es-ES" sz="2000" dirty="0" err="1"/>
-              <a:t>preprocesados</a:t>
-            </a:r>
-            <a:r>
-              <a:rPr lang="es-ES" sz="2000" dirty="0"/>
-              <a:t> y estudiados por nosotros.</a:t>
-            </a:r>
-          </a:p>
-          <a:p>
-            <a:pPr lvl="1"/>
-            <a:r>
-              <a:rPr lang="es-ES" sz="1600" dirty="0"/>
-              <a:t>Redes de neuronas artificiales</a:t>
+              <a:rPr kumimoji="0" lang="es-ES" sz="3200" b="0" i="0" u="none" strike="noStrike" kern="1200" cap="none" spc="0" normalizeH="0" baseline="0" noProof="0" dirty="0">
+                <a:ln>
+                  <a:noFill/>
+                </a:ln>
+                <a:solidFill>
+                  <a:prstClr val="white"/>
+                </a:solidFill>
+                <a:effectLst/>
+                <a:uLnTx/>
+                <a:uFillTx/>
+                <a:latin typeface="Calibri" panose="020F0502020204030204"/>
+                <a:ea typeface="+mn-ea"/>
+                <a:cs typeface="+mn-cs"/>
+              </a:rPr>
+              <a:t>Porcentaje de acierto en la previsión a un día</a:t>
             </a:r>
           </a:p>
         </p:txBody>
@@ -22512,7 +23024,7 @@
     </p:spTree>
     <p:extLst>
       <p:ext uri="{BB962C8B-B14F-4D97-AF65-F5344CB8AC3E}">
-        <p14:creationId xmlns:p14="http://schemas.microsoft.com/office/powerpoint/2010/main" val="162548143"/>
+        <p14:creationId xmlns:p14="http://schemas.microsoft.com/office/powerpoint/2010/main" xmlns="" val="1387334530"/>
       </p:ext>
     </p:extLst>
   </p:cSld>
@@ -22522,7 +23034,7 @@
 </p:sld>
 </file>
 
-<file path=ppt/slides/slide20.xml><?xml version="1.0" encoding="utf-8"?>
+<file path=ppt/slides/slide21.xml><?xml version="1.0" encoding="utf-8"?>
 <p:sld xmlns:a="http://schemas.openxmlformats.org/drawingml/2006/main" xmlns:r="http://schemas.openxmlformats.org/officeDocument/2006/relationships" xmlns:p="http://schemas.openxmlformats.org/presentationml/2006/main">
   <p:cSld>
     <p:spTree>
@@ -22548,7 +23060,7 @@
           <p:nvPr>
             <p:extLst>
               <p:ext uri="{386F3935-93C4-4BCD-93E2-E3B085C9AB24}">
-                <p16:designElem xmlns:p16="http://schemas.microsoft.com/office/powerpoint/2015/main" val="1"/>
+                <p16:designElem xmlns:p16="http://schemas.microsoft.com/office/powerpoint/2015/main" xmlns="" val="1"/>
               </p:ext>
             </p:extLst>
           </p:nvPr>
@@ -22631,7 +23143,7 @@
           <p:nvPr>
             <p:extLst>
               <p:ext uri="{386F3935-93C4-4BCD-93E2-E3B085C9AB24}">
-                <p16:designElem xmlns:p16="http://schemas.microsoft.com/office/powerpoint/2015/main" val="1"/>
+                <p16:designElem xmlns:p16="http://schemas.microsoft.com/office/powerpoint/2015/main" xmlns="" val="1"/>
               </p:ext>
             </p:extLst>
           </p:nvPr>
@@ -22759,7 +23271,7 @@
           <p:nvPr>
             <p:extLst>
               <p:ext uri="{386F3935-93C4-4BCD-93E2-E3B085C9AB24}">
-                <p16:designElem xmlns:p16="http://schemas.microsoft.com/office/powerpoint/2015/main" val="1"/>
+                <p16:designElem xmlns:p16="http://schemas.microsoft.com/office/powerpoint/2015/main" xmlns="" val="1"/>
               </p:ext>
             </p:extLst>
           </p:nvPr>
@@ -22992,7 +23504,7 @@
     </p:spTree>
     <p:extLst>
       <p:ext uri="{BB962C8B-B14F-4D97-AF65-F5344CB8AC3E}">
-        <p14:creationId xmlns:p14="http://schemas.microsoft.com/office/powerpoint/2010/main" val="1558700788"/>
+        <p14:creationId xmlns:p14="http://schemas.microsoft.com/office/powerpoint/2010/main" xmlns="" val="1558700788"/>
       </p:ext>
     </p:extLst>
   </p:cSld>
@@ -23002,7 +23514,7 @@
 </p:sld>
 </file>
 
-<file path=ppt/slides/slide21.xml><?xml version="1.0" encoding="utf-8"?>
+<file path=ppt/slides/slide22.xml><?xml version="1.0" encoding="utf-8"?>
 <p:sld xmlns:a="http://schemas.openxmlformats.org/drawingml/2006/main" xmlns:r="http://schemas.openxmlformats.org/officeDocument/2006/relationships" xmlns:p="http://schemas.openxmlformats.org/presentationml/2006/main">
   <p:cSld>
     <p:spTree>
@@ -23028,7 +23540,7 @@
           <p:nvPr>
             <p:extLst>
               <p:ext uri="{386F3935-93C4-4BCD-93E2-E3B085C9AB24}">
-                <p16:designElem xmlns:p16="http://schemas.microsoft.com/office/powerpoint/2015/main" val="1"/>
+                <p16:designElem xmlns:p16="http://schemas.microsoft.com/office/powerpoint/2015/main" xmlns="" val="1"/>
               </p:ext>
             </p:extLst>
           </p:nvPr>
@@ -23082,7 +23594,7 @@
           <p:nvPr>
             <p:extLst>
               <p:ext uri="{386F3935-93C4-4BCD-93E2-E3B085C9AB24}">
-                <p16:designElem xmlns:p16="http://schemas.microsoft.com/office/powerpoint/2015/main" val="1"/>
+                <p16:designElem xmlns:p16="http://schemas.microsoft.com/office/powerpoint/2015/main" xmlns="" val="1"/>
               </p:ext>
             </p:extLst>
           </p:nvPr>
@@ -23181,7 +23693,7 @@
           <p:nvPr>
             <p:extLst>
               <p:ext uri="{386F3935-93C4-4BCD-93E2-E3B085C9AB24}">
-                <p16:designElem xmlns:p16="http://schemas.microsoft.com/office/powerpoint/2015/main" val="1"/>
+                <p16:designElem xmlns:p16="http://schemas.microsoft.com/office/powerpoint/2015/main" xmlns="" val="1"/>
               </p:ext>
             </p:extLst>
           </p:nvPr>
@@ -23406,7 +23918,7 @@
           <p:nvPr>
             <p:extLst>
               <p:ext uri="{D42A27DB-BD31-4B8C-83A1-F6EECF244321}">
-                <p14:modId xmlns:p14="http://schemas.microsoft.com/office/powerpoint/2010/main" val="1493646743"/>
+                <p14:modId xmlns:p14="http://schemas.microsoft.com/office/powerpoint/2010/main" xmlns="" val="1493646743"/>
               </p:ext>
             </p:extLst>
           </p:nvPr>
@@ -23425,63 +23937,63 @@
                 <a:gridCol w="1021931">
                   <a:extLst>
                     <a:ext uri="{9D8B030D-6E8A-4147-A177-3AD203B41FA5}">
-                      <a16:colId xmlns:a16="http://schemas.microsoft.com/office/drawing/2014/main" val="3215955292"/>
+                      <a16:colId xmlns:a16="http://schemas.microsoft.com/office/drawing/2014/main" xmlns="" val="3215955292"/>
                     </a:ext>
                   </a:extLst>
                 </a:gridCol>
                 <a:gridCol w="1469027">
                   <a:extLst>
                     <a:ext uri="{9D8B030D-6E8A-4147-A177-3AD203B41FA5}">
-                      <a16:colId xmlns:a16="http://schemas.microsoft.com/office/drawing/2014/main" val="97030916"/>
+                      <a16:colId xmlns:a16="http://schemas.microsoft.com/office/drawing/2014/main" xmlns="" val="97030916"/>
                     </a:ext>
                   </a:extLst>
                 </a:gridCol>
                 <a:gridCol w="1053866">
                   <a:extLst>
                     <a:ext uri="{9D8B030D-6E8A-4147-A177-3AD203B41FA5}">
-                      <a16:colId xmlns:a16="http://schemas.microsoft.com/office/drawing/2014/main" val="4065635111"/>
+                      <a16:colId xmlns:a16="http://schemas.microsoft.com/office/drawing/2014/main" xmlns="" val="4065635111"/>
                     </a:ext>
                   </a:extLst>
                 </a:gridCol>
                 <a:gridCol w="1325317">
                   <a:extLst>
                     <a:ext uri="{9D8B030D-6E8A-4147-A177-3AD203B41FA5}">
-                      <a16:colId xmlns:a16="http://schemas.microsoft.com/office/drawing/2014/main" val="414981276"/>
+                      <a16:colId xmlns:a16="http://schemas.microsoft.com/office/drawing/2014/main" xmlns="" val="414981276"/>
                     </a:ext>
                   </a:extLst>
                 </a:gridCol>
                 <a:gridCol w="1309349">
                   <a:extLst>
                     <a:ext uri="{9D8B030D-6E8A-4147-A177-3AD203B41FA5}">
-                      <a16:colId xmlns:a16="http://schemas.microsoft.com/office/drawing/2014/main" val="2421585600"/>
+                      <a16:colId xmlns:a16="http://schemas.microsoft.com/office/drawing/2014/main" xmlns="" val="2421585600"/>
                     </a:ext>
                   </a:extLst>
                 </a:gridCol>
                 <a:gridCol w="1421123">
                   <a:extLst>
                     <a:ext uri="{9D8B030D-6E8A-4147-A177-3AD203B41FA5}">
-                      <a16:colId xmlns:a16="http://schemas.microsoft.com/office/drawing/2014/main" val="1477928825"/>
+                      <a16:colId xmlns:a16="http://schemas.microsoft.com/office/drawing/2014/main" xmlns="" val="1477928825"/>
                     </a:ext>
                   </a:extLst>
                 </a:gridCol>
                 <a:gridCol w="1548864">
                   <a:extLst>
                     <a:ext uri="{9D8B030D-6E8A-4147-A177-3AD203B41FA5}">
-                      <a16:colId xmlns:a16="http://schemas.microsoft.com/office/drawing/2014/main" val="3590194689"/>
+                      <a16:colId xmlns:a16="http://schemas.microsoft.com/office/drawing/2014/main" xmlns="" val="3590194689"/>
                     </a:ext>
                   </a:extLst>
                 </a:gridCol>
                 <a:gridCol w="1245479">
                   <a:extLst>
                     <a:ext uri="{9D8B030D-6E8A-4147-A177-3AD203B41FA5}">
-                      <a16:colId xmlns:a16="http://schemas.microsoft.com/office/drawing/2014/main" val="3558903979"/>
+                      <a16:colId xmlns:a16="http://schemas.microsoft.com/office/drawing/2014/main" xmlns="" val="3558903979"/>
                     </a:ext>
                   </a:extLst>
                 </a:gridCol>
                 <a:gridCol w="1405155">
                   <a:extLst>
                     <a:ext uri="{9D8B030D-6E8A-4147-A177-3AD203B41FA5}">
-                      <a16:colId xmlns:a16="http://schemas.microsoft.com/office/drawing/2014/main" val="304150670"/>
+                      <a16:colId xmlns:a16="http://schemas.microsoft.com/office/drawing/2014/main" xmlns="" val="304150670"/>
                     </a:ext>
                   </a:extLst>
                 </a:gridCol>
@@ -23690,7 +24202,7 @@
                 </a:tc>
                 <a:extLst>
                   <a:ext uri="{0D108BD9-81ED-4DB2-BD59-A6C34878D82A}">
-                    <a16:rowId xmlns:a16="http://schemas.microsoft.com/office/drawing/2014/main" val="2538865235"/>
+                    <a16:rowId xmlns:a16="http://schemas.microsoft.com/office/drawing/2014/main" xmlns="" val="2538865235"/>
                   </a:ext>
                 </a:extLst>
               </a:tr>
@@ -23904,7 +24416,7 @@
                 </a:tc>
                 <a:extLst>
                   <a:ext uri="{0D108BD9-81ED-4DB2-BD59-A6C34878D82A}">
-                    <a16:rowId xmlns:a16="http://schemas.microsoft.com/office/drawing/2014/main" val="2052034286"/>
+                    <a16:rowId xmlns:a16="http://schemas.microsoft.com/office/drawing/2014/main" xmlns="" val="2052034286"/>
                   </a:ext>
                 </a:extLst>
               </a:tr>
@@ -23915,7 +24427,7 @@
     </p:spTree>
     <p:extLst>
       <p:ext uri="{BB962C8B-B14F-4D97-AF65-F5344CB8AC3E}">
-        <p14:creationId xmlns:p14="http://schemas.microsoft.com/office/powerpoint/2010/main" val="727731094"/>
+        <p14:creationId xmlns:p14="http://schemas.microsoft.com/office/powerpoint/2010/main" xmlns="" val="727731094"/>
       </p:ext>
     </p:extLst>
   </p:cSld>
@@ -23925,7 +24437,7 @@
 </p:sld>
 </file>
 
-<file path=ppt/slides/slide22.xml><?xml version="1.0" encoding="utf-8"?>
+<file path=ppt/slides/slide23.xml><?xml version="1.0" encoding="utf-8"?>
 <p:sld xmlns:a="http://schemas.openxmlformats.org/drawingml/2006/main" xmlns:r="http://schemas.openxmlformats.org/officeDocument/2006/relationships" xmlns:p="http://schemas.openxmlformats.org/presentationml/2006/main">
   <p:cSld>
     <p:spTree>
@@ -23951,7 +24463,7 @@
           <p:nvPr>
             <p:extLst>
               <p:ext uri="{386F3935-93C4-4BCD-93E2-E3B085C9AB24}">
-                <p16:designElem xmlns:p16="http://schemas.microsoft.com/office/powerpoint/2015/main" val="1"/>
+                <p16:designElem xmlns:p16="http://schemas.microsoft.com/office/powerpoint/2015/main" xmlns="" val="1"/>
               </p:ext>
             </p:extLst>
           </p:nvPr>
@@ -24005,7 +24517,7 @@
           <p:nvPr>
             <p:extLst>
               <p:ext uri="{386F3935-93C4-4BCD-93E2-E3B085C9AB24}">
-                <p16:designElem xmlns:p16="http://schemas.microsoft.com/office/powerpoint/2015/main" val="1"/>
+                <p16:designElem xmlns:p16="http://schemas.microsoft.com/office/powerpoint/2015/main" xmlns="" val="1"/>
               </p:ext>
             </p:extLst>
           </p:nvPr>
@@ -24104,7 +24616,7 @@
           <p:nvPr>
             <p:extLst>
               <p:ext uri="{386F3935-93C4-4BCD-93E2-E3B085C9AB24}">
-                <p16:designElem xmlns:p16="http://schemas.microsoft.com/office/powerpoint/2015/main" val="1"/>
+                <p16:designElem xmlns:p16="http://schemas.microsoft.com/office/powerpoint/2015/main" xmlns="" val="1"/>
               </p:ext>
             </p:extLst>
           </p:nvPr>
@@ -24304,7 +24816,7 @@
           <p:nvPr>
             <p:extLst>
               <p:ext uri="{D42A27DB-BD31-4B8C-83A1-F6EECF244321}">
-                <p14:modId xmlns:p14="http://schemas.microsoft.com/office/powerpoint/2010/main" val="1072729137"/>
+                <p14:modId xmlns:p14="http://schemas.microsoft.com/office/powerpoint/2010/main" xmlns="" val="1072729137"/>
               </p:ext>
             </p:extLst>
           </p:nvPr>
@@ -24323,63 +24835,63 @@
                 <a:gridCol w="980080">
                   <a:extLst>
                     <a:ext uri="{9D8B030D-6E8A-4147-A177-3AD203B41FA5}">
-                      <a16:colId xmlns:a16="http://schemas.microsoft.com/office/drawing/2014/main" val="3004782095"/>
+                      <a16:colId xmlns:a16="http://schemas.microsoft.com/office/drawing/2014/main" xmlns="" val="3004782095"/>
                     </a:ext>
                   </a:extLst>
                 </a:gridCol>
                 <a:gridCol w="1408864">
                   <a:extLst>
                     <a:ext uri="{9D8B030D-6E8A-4147-A177-3AD203B41FA5}">
-                      <a16:colId xmlns:a16="http://schemas.microsoft.com/office/drawing/2014/main" val="4186406271"/>
+                      <a16:colId xmlns:a16="http://schemas.microsoft.com/office/drawing/2014/main" xmlns="" val="4186406271"/>
                     </a:ext>
                   </a:extLst>
                 </a:gridCol>
                 <a:gridCol w="1010707">
                   <a:extLst>
                     <a:ext uri="{9D8B030D-6E8A-4147-A177-3AD203B41FA5}">
-                      <a16:colId xmlns:a16="http://schemas.microsoft.com/office/drawing/2014/main" val="2640527630"/>
+                      <a16:colId xmlns:a16="http://schemas.microsoft.com/office/drawing/2014/main" xmlns="" val="2640527630"/>
                     </a:ext>
                   </a:extLst>
                 </a:gridCol>
                 <a:gridCol w="1271041">
                   <a:extLst>
                     <a:ext uri="{9D8B030D-6E8A-4147-A177-3AD203B41FA5}">
-                      <a16:colId xmlns:a16="http://schemas.microsoft.com/office/drawing/2014/main" val="260997157"/>
+                      <a16:colId xmlns:a16="http://schemas.microsoft.com/office/drawing/2014/main" xmlns="" val="260997157"/>
                     </a:ext>
                   </a:extLst>
                 </a:gridCol>
                 <a:gridCol w="1255727">
                   <a:extLst>
                     <a:ext uri="{9D8B030D-6E8A-4147-A177-3AD203B41FA5}">
-                      <a16:colId xmlns:a16="http://schemas.microsoft.com/office/drawing/2014/main" val="1039690343"/>
+                      <a16:colId xmlns:a16="http://schemas.microsoft.com/office/drawing/2014/main" xmlns="" val="1039690343"/>
                     </a:ext>
                   </a:extLst>
                 </a:gridCol>
                 <a:gridCol w="1362922">
                   <a:extLst>
                     <a:ext uri="{9D8B030D-6E8A-4147-A177-3AD203B41FA5}">
-                      <a16:colId xmlns:a16="http://schemas.microsoft.com/office/drawing/2014/main" val="592308215"/>
+                      <a16:colId xmlns:a16="http://schemas.microsoft.com/office/drawing/2014/main" xmlns="" val="592308215"/>
                     </a:ext>
                   </a:extLst>
                 </a:gridCol>
                 <a:gridCol w="1485432">
                   <a:extLst>
                     <a:ext uri="{9D8B030D-6E8A-4147-A177-3AD203B41FA5}">
-                      <a16:colId xmlns:a16="http://schemas.microsoft.com/office/drawing/2014/main" val="723057721"/>
+                      <a16:colId xmlns:a16="http://schemas.microsoft.com/office/drawing/2014/main" xmlns="" val="723057721"/>
                     </a:ext>
                   </a:extLst>
                 </a:gridCol>
                 <a:gridCol w="1194471">
                   <a:extLst>
                     <a:ext uri="{9D8B030D-6E8A-4147-A177-3AD203B41FA5}">
-                      <a16:colId xmlns:a16="http://schemas.microsoft.com/office/drawing/2014/main" val="1665868013"/>
+                      <a16:colId xmlns:a16="http://schemas.microsoft.com/office/drawing/2014/main" xmlns="" val="1665868013"/>
                     </a:ext>
                   </a:extLst>
                 </a:gridCol>
                 <a:gridCol w="1347609">
                   <a:extLst>
                     <a:ext uri="{9D8B030D-6E8A-4147-A177-3AD203B41FA5}">
-                      <a16:colId xmlns:a16="http://schemas.microsoft.com/office/drawing/2014/main" val="509979848"/>
+                      <a16:colId xmlns:a16="http://schemas.microsoft.com/office/drawing/2014/main" xmlns="" val="509979848"/>
                     </a:ext>
                   </a:extLst>
                 </a:gridCol>
@@ -24588,7 +25100,7 @@
                 </a:tc>
                 <a:extLst>
                   <a:ext uri="{0D108BD9-81ED-4DB2-BD59-A6C34878D82A}">
-                    <a16:rowId xmlns:a16="http://schemas.microsoft.com/office/drawing/2014/main" val="1685154367"/>
+                    <a16:rowId xmlns:a16="http://schemas.microsoft.com/office/drawing/2014/main" xmlns="" val="1685154367"/>
                   </a:ext>
                 </a:extLst>
               </a:tr>
@@ -24802,7 +25314,7 @@
                 </a:tc>
                 <a:extLst>
                   <a:ext uri="{0D108BD9-81ED-4DB2-BD59-A6C34878D82A}">
-                    <a16:rowId xmlns:a16="http://schemas.microsoft.com/office/drawing/2014/main" val="2493422845"/>
+                    <a16:rowId xmlns:a16="http://schemas.microsoft.com/office/drawing/2014/main" xmlns="" val="2493422845"/>
                   </a:ext>
                 </a:extLst>
               </a:tr>
@@ -24813,7 +25325,7 @@
     </p:spTree>
     <p:extLst>
       <p:ext uri="{BB962C8B-B14F-4D97-AF65-F5344CB8AC3E}">
-        <p14:creationId xmlns:p14="http://schemas.microsoft.com/office/powerpoint/2010/main" val="2691739327"/>
+        <p14:creationId xmlns:p14="http://schemas.microsoft.com/office/powerpoint/2010/main" xmlns="" val="2691739327"/>
       </p:ext>
     </p:extLst>
   </p:cSld>
@@ -24823,7 +25335,7 @@
 </p:sld>
 </file>
 
-<file path=ppt/slides/slide23.xml><?xml version="1.0" encoding="utf-8"?>
+<file path=ppt/slides/slide24.xml><?xml version="1.0" encoding="utf-8"?>
 <p:sld xmlns:a="http://schemas.openxmlformats.org/drawingml/2006/main" xmlns:r="http://schemas.openxmlformats.org/officeDocument/2006/relationships" xmlns:p="http://schemas.openxmlformats.org/presentationml/2006/main">
   <p:cSld>
     <p:spTree>
@@ -24849,7 +25361,7 @@
           <p:nvPr>
             <p:extLst>
               <p:ext uri="{386F3935-93C4-4BCD-93E2-E3B085C9AB24}">
-                <p16:designElem xmlns:p16="http://schemas.microsoft.com/office/powerpoint/2015/main" val="1"/>
+                <p16:designElem xmlns:p16="http://schemas.microsoft.com/office/powerpoint/2015/main" xmlns="" val="1"/>
               </p:ext>
             </p:extLst>
           </p:nvPr>
@@ -24903,7 +25415,7 @@
           <p:nvPr>
             <p:extLst>
               <p:ext uri="{386F3935-93C4-4BCD-93E2-E3B085C9AB24}">
-                <p16:designElem xmlns:p16="http://schemas.microsoft.com/office/powerpoint/2015/main" val="1"/>
+                <p16:designElem xmlns:p16="http://schemas.microsoft.com/office/powerpoint/2015/main" xmlns="" val="1"/>
               </p:ext>
             </p:extLst>
           </p:nvPr>
@@ -25002,7 +25514,7 @@
           <p:nvPr>
             <p:extLst>
               <p:ext uri="{386F3935-93C4-4BCD-93E2-E3B085C9AB24}">
-                <p16:designElem xmlns:p16="http://schemas.microsoft.com/office/powerpoint/2015/main" val="1"/>
+                <p16:designElem xmlns:p16="http://schemas.microsoft.com/office/powerpoint/2015/main" xmlns="" val="1"/>
               </p:ext>
             </p:extLst>
           </p:nvPr>
@@ -25219,7 +25731,7 @@
           <p:nvPr>
             <p:extLst>
               <p:ext uri="{D42A27DB-BD31-4B8C-83A1-F6EECF244321}">
-                <p14:modId xmlns:p14="http://schemas.microsoft.com/office/powerpoint/2010/main" val="1116615763"/>
+                <p14:modId xmlns:p14="http://schemas.microsoft.com/office/powerpoint/2010/main" xmlns="" val="1116615763"/>
               </p:ext>
             </p:extLst>
           </p:nvPr>
@@ -25238,63 +25750,63 @@
                 <a:gridCol w="989428">
                   <a:extLst>
                     <a:ext uri="{9D8B030D-6E8A-4147-A177-3AD203B41FA5}">
-                      <a16:colId xmlns:a16="http://schemas.microsoft.com/office/drawing/2014/main" val="465769424"/>
+                      <a16:colId xmlns:a16="http://schemas.microsoft.com/office/drawing/2014/main" xmlns="" val="465769424"/>
                     </a:ext>
                   </a:extLst>
                 </a:gridCol>
                 <a:gridCol w="1422303">
                   <a:extLst>
                     <a:ext uri="{9D8B030D-6E8A-4147-A177-3AD203B41FA5}">
-                      <a16:colId xmlns:a16="http://schemas.microsoft.com/office/drawing/2014/main" val="4013346244"/>
+                      <a16:colId xmlns:a16="http://schemas.microsoft.com/office/drawing/2014/main" xmlns="" val="4013346244"/>
                     </a:ext>
                   </a:extLst>
                 </a:gridCol>
                 <a:gridCol w="1020348">
                   <a:extLst>
                     <a:ext uri="{9D8B030D-6E8A-4147-A177-3AD203B41FA5}">
-                      <a16:colId xmlns:a16="http://schemas.microsoft.com/office/drawing/2014/main" val="2293026185"/>
+                      <a16:colId xmlns:a16="http://schemas.microsoft.com/office/drawing/2014/main" xmlns="" val="2293026185"/>
                     </a:ext>
                   </a:extLst>
                 </a:gridCol>
                 <a:gridCol w="1283164">
                   <a:extLst>
                     <a:ext uri="{9D8B030D-6E8A-4147-A177-3AD203B41FA5}">
-                      <a16:colId xmlns:a16="http://schemas.microsoft.com/office/drawing/2014/main" val="3300136333"/>
+                      <a16:colId xmlns:a16="http://schemas.microsoft.com/office/drawing/2014/main" xmlns="" val="3300136333"/>
                     </a:ext>
                   </a:extLst>
                 </a:gridCol>
                 <a:gridCol w="1267705">
                   <a:extLst>
                     <a:ext uri="{9D8B030D-6E8A-4147-A177-3AD203B41FA5}">
-                      <a16:colId xmlns:a16="http://schemas.microsoft.com/office/drawing/2014/main" val="4072895687"/>
+                      <a16:colId xmlns:a16="http://schemas.microsoft.com/office/drawing/2014/main" xmlns="" val="4072895687"/>
                     </a:ext>
                   </a:extLst>
                 </a:gridCol>
                 <a:gridCol w="1375923">
                   <a:extLst>
                     <a:ext uri="{9D8B030D-6E8A-4147-A177-3AD203B41FA5}">
-                      <a16:colId xmlns:a16="http://schemas.microsoft.com/office/drawing/2014/main" val="468902643"/>
+                      <a16:colId xmlns:a16="http://schemas.microsoft.com/office/drawing/2014/main" xmlns="" val="468902643"/>
                     </a:ext>
                   </a:extLst>
                 </a:gridCol>
                 <a:gridCol w="1499602">
                   <a:extLst>
                     <a:ext uri="{9D8B030D-6E8A-4147-A177-3AD203B41FA5}">
-                      <a16:colId xmlns:a16="http://schemas.microsoft.com/office/drawing/2014/main" val="2084472353"/>
+                      <a16:colId xmlns:a16="http://schemas.microsoft.com/office/drawing/2014/main" xmlns="" val="2084472353"/>
                     </a:ext>
                   </a:extLst>
                 </a:gridCol>
                 <a:gridCol w="1205865">
                   <a:extLst>
                     <a:ext uri="{9D8B030D-6E8A-4147-A177-3AD203B41FA5}">
-                      <a16:colId xmlns:a16="http://schemas.microsoft.com/office/drawing/2014/main" val="3063823974"/>
+                      <a16:colId xmlns:a16="http://schemas.microsoft.com/office/drawing/2014/main" xmlns="" val="3063823974"/>
                     </a:ext>
                   </a:extLst>
                 </a:gridCol>
                 <a:gridCol w="1360463">
                   <a:extLst>
                     <a:ext uri="{9D8B030D-6E8A-4147-A177-3AD203B41FA5}">
-                      <a16:colId xmlns:a16="http://schemas.microsoft.com/office/drawing/2014/main" val="2654634803"/>
+                      <a16:colId xmlns:a16="http://schemas.microsoft.com/office/drawing/2014/main" xmlns="" val="2654634803"/>
                     </a:ext>
                   </a:extLst>
                 </a:gridCol>
@@ -25503,7 +26015,7 @@
                 </a:tc>
                 <a:extLst>
                   <a:ext uri="{0D108BD9-81ED-4DB2-BD59-A6C34878D82A}">
-                    <a16:rowId xmlns:a16="http://schemas.microsoft.com/office/drawing/2014/main" val="1352303788"/>
+                    <a16:rowId xmlns:a16="http://schemas.microsoft.com/office/drawing/2014/main" xmlns="" val="1352303788"/>
                   </a:ext>
                 </a:extLst>
               </a:tr>
@@ -25717,7 +26229,7 @@
                 </a:tc>
                 <a:extLst>
                   <a:ext uri="{0D108BD9-81ED-4DB2-BD59-A6C34878D82A}">
-                    <a16:rowId xmlns:a16="http://schemas.microsoft.com/office/drawing/2014/main" val="3823845897"/>
+                    <a16:rowId xmlns:a16="http://schemas.microsoft.com/office/drawing/2014/main" xmlns="" val="3823845897"/>
                   </a:ext>
                 </a:extLst>
               </a:tr>
@@ -25728,7 +26240,7 @@
     </p:spTree>
     <p:extLst>
       <p:ext uri="{BB962C8B-B14F-4D97-AF65-F5344CB8AC3E}">
-        <p14:creationId xmlns:p14="http://schemas.microsoft.com/office/powerpoint/2010/main" val="2405218555"/>
+        <p14:creationId xmlns:p14="http://schemas.microsoft.com/office/powerpoint/2010/main" xmlns="" val="2405218555"/>
       </p:ext>
     </p:extLst>
   </p:cSld>
@@ -25738,7 +26250,7 @@
 </p:sld>
 </file>
 
-<file path=ppt/slides/slide3.xml><?xml version="1.0" encoding="utf-8"?>
+<file path=ppt/slides/slide25.xml><?xml version="1.0" encoding="utf-8"?>
 <p:sld xmlns:a="http://schemas.openxmlformats.org/drawingml/2006/main" xmlns:r="http://schemas.openxmlformats.org/officeDocument/2006/relationships" xmlns:p="http://schemas.openxmlformats.org/presentationml/2006/main">
   <p:cSld>
     <p:spTree>
@@ -25764,7 +26276,7 @@
           <p:nvPr>
             <p:extLst>
               <p:ext uri="{386F3935-93C4-4BCD-93E2-E3B085C9AB24}">
-                <p16:designElem xmlns:p16="http://schemas.microsoft.com/office/powerpoint/2015/main" val="1"/>
+                <p16:designElem xmlns:p16="http://schemas.microsoft.com/office/powerpoint/2015/main" xmlns="" val="1"/>
               </p:ext>
             </p:extLst>
           </p:nvPr>
@@ -25818,7 +26330,7 @@
           <p:nvPr>
             <p:extLst>
               <p:ext uri="{386F3935-93C4-4BCD-93E2-E3B085C9AB24}">
-                <p16:designElem xmlns:p16="http://schemas.microsoft.com/office/powerpoint/2015/main" val="1"/>
+                <p16:designElem xmlns:p16="http://schemas.microsoft.com/office/powerpoint/2015/main" xmlns="" val="1"/>
               </p:ext>
             </p:extLst>
           </p:nvPr>
@@ -25917,7 +26429,7 @@
           <p:nvPr>
             <p:extLst>
               <p:ext uri="{386F3935-93C4-4BCD-93E2-E3B085C9AB24}">
-                <p16:designElem xmlns:p16="http://schemas.microsoft.com/office/powerpoint/2015/main" val="1"/>
+                <p16:designElem xmlns:p16="http://schemas.microsoft.com/office/powerpoint/2015/main" xmlns="" val="1"/>
               </p:ext>
             </p:extLst>
           </p:nvPr>
@@ -26032,8 +26544,8 @@
           <a:lstStyle/>
           <a:p>
             <a:r>
-              <a:rPr lang="es-ES" sz="5400" dirty="0"/>
-              <a:t>ESTADO DEL ARTE</a:t>
+              <a:rPr lang="es-ES" sz="5400" dirty="0" smtClean="0"/>
+              <a:t>CONCLUSIONES</a:t>
             </a:r>
             <a:endParaRPr lang="es-ES" sz="6000" dirty="0"/>
           </a:p>
@@ -26062,30 +26574,28 @@
           <a:lstStyle/>
           <a:p>
             <a:r>
-              <a:rPr lang="es-ES" sz="3200" dirty="0"/>
-              <a:t>Las aplicaciones de las redes de neuronas en el mundo financiero son muchísimas</a:t>
+              <a:rPr lang="es-ES" dirty="0" smtClean="0"/>
+              <a:t>Tarea ardua y compleja</a:t>
             </a:r>
           </a:p>
           <a:p>
-            <a:pPr lvl="1"/>
             <a:r>
-              <a:rPr lang="es-ES" sz="2800" dirty="0"/>
-              <a:t>Aprobación de créditos, riesgo de deudas, predicciones de empresas, capitales...</a:t>
+              <a:rPr lang="es-ES" dirty="0" smtClean="0"/>
+              <a:t>Gran dependencia a multitud de factores</a:t>
             </a:r>
+            <a:endParaRPr lang="es-ES" dirty="0" smtClean="0"/>
           </a:p>
           <a:p>
             <a:r>
-              <a:rPr lang="es-ES" sz="3200" dirty="0"/>
-              <a:t>Como herramientas de predicción de valores de la bolsa </a:t>
+              <a:rPr lang="es-ES" dirty="0" smtClean="0"/>
+              <a:t>Sigue existiendo un gran riesgo con estos modelos</a:t>
             </a:r>
           </a:p>
           <a:p>
             <a:r>
-              <a:rPr lang="es-ES" sz="3200" dirty="0"/>
-              <a:t>Para anticiparse al mercado hay que tener en cuenta muchos parámetros externos: indicadores económicos, opinión pública, clima político...</a:t>
+              <a:rPr lang="es-ES" dirty="0" smtClean="0"/>
+              <a:t>Mejores resultados con el porcentaje de cambio</a:t>
             </a:r>
-          </a:p>
-          <a:p>
             <a:endParaRPr lang="es-ES" dirty="0"/>
           </a:p>
         </p:txBody>
@@ -26093,17 +26603,17 @@
     </p:spTree>
     <p:extLst>
       <p:ext uri="{BB962C8B-B14F-4D97-AF65-F5344CB8AC3E}">
-        <p14:creationId xmlns:p14="http://schemas.microsoft.com/office/powerpoint/2010/main" val="2405218555"/>
+        <p14:creationId xmlns:p14="http://schemas.microsoft.com/office/powerpoint/2010/main" xmlns="" val="2405218555"/>
       </p:ext>
     </p:extLst>
   </p:cSld>
   <p:clrMapOvr>
-    <a:overrideClrMapping bg1="dk1" tx1="lt1" bg2="dk2" tx2="lt2" accent1="accent1" accent2="accent2" accent3="accent3" accent4="accent4" accent5="accent5" accent6="accent6" hlink="hlink" folHlink="folHlink"/>
+    <a:masterClrMapping/>
   </p:clrMapOvr>
 </p:sld>
 </file>
 
-<file path=ppt/slides/slide4.xml><?xml version="1.0" encoding="utf-8"?>
+<file path=ppt/slides/slide3.xml><?xml version="1.0" encoding="utf-8"?>
 <p:sld xmlns:a="http://schemas.openxmlformats.org/drawingml/2006/main" xmlns:r="http://schemas.openxmlformats.org/officeDocument/2006/relationships" xmlns:p="http://schemas.openxmlformats.org/presentationml/2006/main">
   <p:cSld>
     <p:spTree>
@@ -26129,7 +26639,7 @@
           <p:nvPr>
             <p:extLst>
               <p:ext uri="{386F3935-93C4-4BCD-93E2-E3B085C9AB24}">
-                <p16:designElem xmlns:p16="http://schemas.microsoft.com/office/powerpoint/2015/main" val="1"/>
+                <p16:designElem xmlns:p16="http://schemas.microsoft.com/office/powerpoint/2015/main" xmlns="" val="1"/>
               </p:ext>
             </p:extLst>
           </p:nvPr>
@@ -26183,7 +26693,7 @@
           <p:nvPr>
             <p:extLst>
               <p:ext uri="{386F3935-93C4-4BCD-93E2-E3B085C9AB24}">
-                <p16:designElem xmlns:p16="http://schemas.microsoft.com/office/powerpoint/2015/main" val="1"/>
+                <p16:designElem xmlns:p16="http://schemas.microsoft.com/office/powerpoint/2015/main" xmlns="" val="1"/>
               </p:ext>
             </p:extLst>
           </p:nvPr>
@@ -26282,7 +26792,7 @@
           <p:nvPr>
             <p:extLst>
               <p:ext uri="{386F3935-93C4-4BCD-93E2-E3B085C9AB24}">
-                <p16:designElem xmlns:p16="http://schemas.microsoft.com/office/powerpoint/2015/main" val="1"/>
+                <p16:designElem xmlns:p16="http://schemas.microsoft.com/office/powerpoint/2015/main" xmlns="" val="1"/>
               </p:ext>
             </p:extLst>
           </p:nvPr>
@@ -26398,9 +26908,8 @@
           <a:p>
             <a:r>
               <a:rPr lang="es-ES" sz="5400" dirty="0"/>
-              <a:t>USOS ACTUALES</a:t>
+              <a:t>OBJETIVO</a:t>
             </a:r>
-            <a:endParaRPr lang="es-ES" sz="6000" dirty="0"/>
           </a:p>
         </p:txBody>
       </p:sp>
@@ -26416,8 +26925,8 @@
         </p:nvSpPr>
         <p:spPr>
           <a:xfrm>
-            <a:off x="838201" y="1690689"/>
-            <a:ext cx="10515598" cy="4486274"/>
+            <a:off x="838201" y="2022601"/>
+            <a:ext cx="10515598" cy="4154361"/>
           </a:xfrm>
         </p:spPr>
         <p:txBody>
@@ -26427,56 +26936,86 @@
           <a:lstStyle/>
           <a:p>
             <a:r>
-              <a:rPr lang="es-ES" sz="3200" dirty="0"/>
-              <a:t>Compañías como MJ </a:t>
+              <a:rPr lang="es-ES" sz="2000" dirty="0"/>
+              <a:t>Nuestro objetivo será estudiar la posibilidad de predecir si la bolsa subirá o bajará al día siguiente</a:t>
+            </a:r>
+          </a:p>
+          <a:p>
+            <a:pPr lvl="1"/>
+            <a:r>
+              <a:rPr lang="es-ES" sz="1600" dirty="0"/>
+              <a:t>Ibex 35</a:t>
+            </a:r>
+          </a:p>
+          <a:p>
+            <a:pPr lvl="1"/>
+            <a:r>
+              <a:rPr lang="es-ES" sz="1600" dirty="0"/>
+              <a:t>Objetivo complicado, pero con grandes recompensas</a:t>
+            </a:r>
+          </a:p>
+          <a:p>
+            <a:r>
+              <a:rPr lang="es-ES" sz="2000" dirty="0"/>
+              <a:t>En Python, con la plataforma Anaconda</a:t>
+            </a:r>
+          </a:p>
+          <a:p>
+            <a:pPr lvl="1"/>
+            <a:r>
+              <a:rPr lang="es-ES" sz="1600" dirty="0"/>
+              <a:t>Distribución de Python</a:t>
+            </a:r>
+          </a:p>
+          <a:p>
+            <a:pPr lvl="1"/>
+            <a:r>
+              <a:rPr lang="es-ES" sz="1600" dirty="0"/>
+              <a:t>Librerías de análisis y obtención de </a:t>
             </a:r>
             <a:r>
-              <a:rPr lang="es-ES" sz="3200" dirty="0" err="1"/>
-              <a:t>Futures</a:t>
+              <a:rPr lang="es-ES" sz="1600" dirty="0" smtClean="0"/>
+              <a:t>datos</a:t>
+            </a:r>
+          </a:p>
+          <a:p>
+            <a:r>
+              <a:rPr lang="es-ES" sz="2000" dirty="0" smtClean="0"/>
+              <a:t>Con </a:t>
             </a:r>
             <a:r>
-              <a:rPr lang="es-ES" sz="3200" dirty="0"/>
-              <a:t> tienen métodos de predicción propios </a:t>
+              <a:rPr lang="es-ES" sz="2000" dirty="0" err="1" smtClean="0"/>
+              <a:t>Weka</a:t>
+            </a:r>
+            <a:endParaRPr lang="es-ES" sz="2000" dirty="0"/>
+          </a:p>
+          <a:p>
+            <a:r>
+              <a:rPr lang="es-ES" sz="2000" dirty="0"/>
+              <a:t>Los datos serán posteriormente </a:t>
+            </a:r>
+            <a:r>
+              <a:rPr lang="es-ES" sz="2000" dirty="0" smtClean="0"/>
+              <a:t>procesados </a:t>
+            </a:r>
+            <a:r>
+              <a:rPr lang="es-ES" sz="2000" dirty="0"/>
+              <a:t>y estudiados por nosotros.</a:t>
             </a:r>
           </a:p>
           <a:p>
             <a:pPr lvl="1"/>
             <a:r>
-              <a:rPr lang="es-ES" sz="2800" dirty="0"/>
-              <a:t>199,2% de ganancias sobre dos años según </a:t>
+              <a:rPr lang="es-ES" sz="1600" dirty="0"/>
+              <a:t>Redes de neuronas artificiales</a:t>
             </a:r>
-            <a:r>
-              <a:rPr lang="es-ES" sz="2800" dirty="0" err="1"/>
-              <a:t>Standford</a:t>
-            </a:r>
-            <a:r>
-              <a:rPr lang="es-ES" sz="2800" dirty="0"/>
-              <a:t> </a:t>
-            </a:r>
-            <a:r>
-              <a:rPr lang="es-ES" sz="2800" dirty="0" err="1"/>
-              <a:t>University</a:t>
-            </a:r>
-            <a:endParaRPr lang="es-ES" sz="2800" dirty="0"/>
-          </a:p>
-          <a:p>
-            <a:r>
-              <a:rPr lang="es-ES" sz="3200" dirty="0"/>
-              <a:t>LBC Capital Management usan una red con solo 6 indicadores financieros como inputs.</a:t>
-            </a:r>
-          </a:p>
-          <a:p>
-            <a:pPr>
-              <a:buNone/>
-            </a:pPr>
-            <a:endParaRPr lang="es-ES" dirty="0"/>
           </a:p>
         </p:txBody>
       </p:sp>
     </p:spTree>
     <p:extLst>
       <p:ext uri="{BB962C8B-B14F-4D97-AF65-F5344CB8AC3E}">
-        <p14:creationId xmlns:p14="http://schemas.microsoft.com/office/powerpoint/2010/main" val="2405218555"/>
+        <p14:creationId xmlns:p14="http://schemas.microsoft.com/office/powerpoint/2010/main" xmlns="" val="162548143"/>
       </p:ext>
     </p:extLst>
   </p:cSld>
@@ -26486,7 +27025,7 @@
 </p:sld>
 </file>
 
-<file path=ppt/slides/slide5.xml><?xml version="1.0" encoding="utf-8"?>
+<file path=ppt/slides/slide4.xml><?xml version="1.0" encoding="utf-8"?>
 <p:sld xmlns:a="http://schemas.openxmlformats.org/drawingml/2006/main" xmlns:r="http://schemas.openxmlformats.org/officeDocument/2006/relationships" xmlns:p="http://schemas.openxmlformats.org/presentationml/2006/main">
   <p:cSld>
     <p:spTree>
@@ -26505,14 +27044,14 @@
       </p:grpSpPr>
       <p:sp>
         <p:nvSpPr>
-          <p:cNvPr id="7" name="Rectangle 6"/>
+          <p:cNvPr id="5" name="Rectangle 4"/>
           <p:cNvSpPr>
             <a:spLocks noGrp="1" noRot="1" noChangeAspect="1" noMove="1" noResize="1" noEditPoints="1" noAdjustHandles="1" noChangeArrowheads="1" noChangeShapeType="1" noTextEdit="1"/>
           </p:cNvSpPr>
           <p:nvPr>
             <p:extLst>
               <p:ext uri="{386F3935-93C4-4BCD-93E2-E3B085C9AB24}">
-                <p16:designElem xmlns:p16="http://schemas.microsoft.com/office/powerpoint/2015/main" val="1"/>
+                <p16:designElem xmlns:p16="http://schemas.microsoft.com/office/powerpoint/2015/main" xmlns="" val="1"/>
               </p:ext>
             </p:extLst>
           </p:nvPr>
@@ -26559,14 +27098,14 @@
       </p:sp>
       <p:sp>
         <p:nvSpPr>
-          <p:cNvPr id="8" name="Freeform 13"/>
+          <p:cNvPr id="6" name="Freeform 13"/>
           <p:cNvSpPr>
             <a:spLocks noGrp="1" noRot="1" noChangeAspect="1" noMove="1" noResize="1" noEditPoints="1" noAdjustHandles="1" noChangeArrowheads="1" noChangeShapeType="1" noTextEdit="1"/>
           </p:cNvSpPr>
           <p:nvPr>
             <p:extLst>
               <p:ext uri="{386F3935-93C4-4BCD-93E2-E3B085C9AB24}">
-                <p16:designElem xmlns:p16="http://schemas.microsoft.com/office/powerpoint/2015/main" val="1"/>
+                <p16:designElem xmlns:p16="http://schemas.microsoft.com/office/powerpoint/2015/main" xmlns="" val="1"/>
               </p:ext>
             </p:extLst>
           </p:nvPr>
@@ -26658,14 +27197,14 @@
       </p:sp>
       <p:sp>
         <p:nvSpPr>
-          <p:cNvPr id="9" name="Freeform 11"/>
+          <p:cNvPr id="7" name="Freeform 11"/>
           <p:cNvSpPr>
             <a:spLocks noGrp="1" noRot="1" noChangeAspect="1" noMove="1" noResize="1" noEditPoints="1" noAdjustHandles="1" noChangeArrowheads="1" noChangeShapeType="1" noTextEdit="1"/>
           </p:cNvSpPr>
           <p:nvPr>
             <p:extLst>
               <p:ext uri="{386F3935-93C4-4BCD-93E2-E3B085C9AB24}">
-                <p16:designElem xmlns:p16="http://schemas.microsoft.com/office/powerpoint/2015/main" val="1"/>
+                <p16:designElem xmlns:p16="http://schemas.microsoft.com/office/powerpoint/2015/main" xmlns="" val="1"/>
               </p:ext>
             </p:extLst>
           </p:nvPr>
@@ -26774,329 +27313,74 @@
           </a:xfrm>
         </p:spPr>
         <p:txBody>
-          <a:bodyPr vert="horz" lIns="91440" tIns="45720" rIns="91440" bIns="45720" rtlCol="0" anchor="ctr">
+          <a:bodyPr>
             <a:normAutofit/>
           </a:bodyPr>
           <a:lstStyle/>
           <a:p>
             <a:r>
-              <a:rPr lang="en-US" sz="5400" dirty="0"/>
-              <a:t>OBTENCION DE DATOS</a:t>
+              <a:rPr lang="es-ES" sz="5400" dirty="0"/>
+              <a:t>ESTADO DEL ARTE</a:t>
             </a:r>
+            <a:endParaRPr lang="es-ES" sz="6000" dirty="0"/>
           </a:p>
         </p:txBody>
       </p:sp>
       <p:sp>
         <p:nvSpPr>
-          <p:cNvPr id="5" name="CuadroTexto 4"/>
-          <p:cNvSpPr txBox="1"/>
-          <p:nvPr/>
+          <p:cNvPr id="3" name="Marcador de contenido 2"/>
+          <p:cNvSpPr>
+            <a:spLocks noGrp="1"/>
+          </p:cNvSpPr>
+          <p:nvPr>
+            <p:ph idx="1"/>
+          </p:nvPr>
         </p:nvSpPr>
         <p:spPr>
           <a:xfrm>
             <a:off x="838201" y="1690689"/>
             <a:ext cx="10515598" cy="4486274"/>
           </a:xfrm>
-          <a:prstGeom prst="rect">
-            <a:avLst/>
-          </a:prstGeom>
         </p:spPr>
         <p:txBody>
-          <a:bodyPr vert="horz" lIns="91440" tIns="45720" rIns="91440" bIns="45720" rtlCol="0">
+          <a:bodyPr>
             <a:normAutofit/>
           </a:bodyPr>
           <a:lstStyle/>
           <a:p>
-            <a:pPr>
-              <a:lnSpc>
-                <a:spcPct val="90000"/>
-              </a:lnSpc>
-            </a:pPr>
             <a:r>
-              <a:rPr lang="en-US" sz="2400" dirty="0" err="1"/>
-              <a:t>Datos</a:t>
+              <a:rPr lang="es-ES" sz="3200" dirty="0"/>
+              <a:t>Las aplicaciones de las redes de neuronas en el mundo financiero son muchísimas</a:t>
             </a:r>
+          </a:p>
+          <a:p>
+            <a:pPr lvl="1"/>
             <a:r>
-              <a:rPr lang="en-US" sz="2400" dirty="0"/>
-              <a:t> </a:t>
+              <a:rPr lang="es-ES" sz="2800" dirty="0"/>
+              <a:t>Aprobación de créditos, riesgo de deudas, predicciones de empresas, capitales...</a:t>
             </a:r>
+          </a:p>
+          <a:p>
             <a:r>
-              <a:rPr lang="en-US" sz="2400" dirty="0" err="1"/>
-              <a:t>históricos</a:t>
+              <a:rPr lang="es-ES" sz="3200" dirty="0"/>
+              <a:t>Como herramientas de predicción de valores de la bolsa </a:t>
             </a:r>
+          </a:p>
+          <a:p>
             <a:r>
-              <a:rPr lang="en-US" sz="2400" dirty="0"/>
-              <a:t> de </a:t>
+              <a:rPr lang="es-ES" sz="3200" dirty="0"/>
+              <a:t>Para anticiparse al mercado hay que tener en cuenta muchos parámetros externos: indicadores económicos, opinión pública, clima político...</a:t>
             </a:r>
-            <a:r>
-              <a:rPr lang="en-US" sz="2400" dirty="0" err="1"/>
-              <a:t>diferentes</a:t>
-            </a:r>
-            <a:r>
-              <a:rPr lang="en-US" sz="2400" dirty="0"/>
-              <a:t> plazas del </a:t>
-            </a:r>
-            <a:r>
-              <a:rPr lang="en-US" sz="2400" dirty="0" err="1"/>
-              <a:t>mundo</a:t>
-            </a:r>
-            <a:r>
-              <a:rPr lang="en-US" sz="2400" dirty="0"/>
-              <a:t>:</a:t>
-            </a:r>
-          </a:p>
-          <a:p>
-            <a:pPr marL="800100" lvl="1" indent="-228600">
-              <a:lnSpc>
-                <a:spcPct val="90000"/>
-              </a:lnSpc>
-              <a:buFont typeface="Arial" panose="020B0604020202020204" pitchFamily="34" charset="0"/>
-              <a:buChar char="•"/>
-            </a:pPr>
-            <a:r>
-              <a:rPr lang="en-US" sz="2400" dirty="0"/>
-              <a:t>IBEX35 (</a:t>
-            </a:r>
-            <a:r>
-              <a:rPr lang="en-US" sz="2400" dirty="0" err="1"/>
-              <a:t>España</a:t>
-            </a:r>
-            <a:r>
-              <a:rPr lang="en-US" sz="2400" dirty="0"/>
-              <a:t>)</a:t>
-            </a:r>
-          </a:p>
-          <a:p>
-            <a:pPr marL="800100" lvl="1" indent="-228600">
-              <a:lnSpc>
-                <a:spcPct val="90000"/>
-              </a:lnSpc>
-              <a:buFont typeface="Arial" panose="020B0604020202020204" pitchFamily="34" charset="0"/>
-              <a:buChar char="•"/>
-            </a:pPr>
-            <a:r>
-              <a:rPr lang="en-US" sz="2400" dirty="0"/>
-              <a:t>Dow Jones (</a:t>
-            </a:r>
-            <a:r>
-              <a:rPr lang="en-US" sz="2400" dirty="0" err="1"/>
-              <a:t>Estados</a:t>
-            </a:r>
-            <a:r>
-              <a:rPr lang="en-US" sz="2400" dirty="0"/>
-              <a:t> </a:t>
-            </a:r>
-            <a:r>
-              <a:rPr lang="en-US" sz="2400" dirty="0" err="1"/>
-              <a:t>Unidos</a:t>
-            </a:r>
-            <a:r>
-              <a:rPr lang="en-US" sz="2400" dirty="0"/>
-              <a:t> de América)</a:t>
-            </a:r>
-          </a:p>
-          <a:p>
-            <a:pPr marL="800100" lvl="1" indent="-228600">
-              <a:lnSpc>
-                <a:spcPct val="90000"/>
-              </a:lnSpc>
-              <a:buFont typeface="Arial" panose="020B0604020202020204" pitchFamily="34" charset="0"/>
-              <a:buChar char="•"/>
-            </a:pPr>
-            <a:r>
-              <a:rPr lang="en-US" sz="2400" dirty="0"/>
-              <a:t>Euro Stoxx50 (</a:t>
-            </a:r>
-            <a:r>
-              <a:rPr lang="en-US" sz="2400" dirty="0" err="1"/>
-              <a:t>Común</a:t>
-            </a:r>
-            <a:r>
-              <a:rPr lang="en-US" sz="2400" dirty="0"/>
-              <a:t> de Europa)</a:t>
-            </a:r>
-          </a:p>
-          <a:p>
-            <a:pPr marL="800100" lvl="1" indent="-228600">
-              <a:lnSpc>
-                <a:spcPct val="90000"/>
-              </a:lnSpc>
-              <a:buFont typeface="Arial" panose="020B0604020202020204" pitchFamily="34" charset="0"/>
-              <a:buChar char="•"/>
-            </a:pPr>
-            <a:r>
-              <a:rPr lang="en-US" sz="2400" dirty="0"/>
-              <a:t>Nikkei225 (</a:t>
-            </a:r>
-            <a:r>
-              <a:rPr lang="en-US" sz="2400" dirty="0" err="1"/>
-              <a:t>Japón</a:t>
-            </a:r>
-            <a:r>
-              <a:rPr lang="en-US" sz="2400" dirty="0"/>
-              <a:t>)</a:t>
-            </a:r>
-          </a:p>
-          <a:p>
-            <a:pPr marL="800100" lvl="1" indent="-228600">
-              <a:lnSpc>
-                <a:spcPct val="90000"/>
-              </a:lnSpc>
-              <a:buFont typeface="Arial" panose="020B0604020202020204" pitchFamily="34" charset="0"/>
-              <a:buChar char="•"/>
-            </a:pPr>
-            <a:r>
-              <a:rPr lang="en-US" sz="2400" dirty="0"/>
-              <a:t>Dax (</a:t>
-            </a:r>
-            <a:r>
-              <a:rPr lang="en-US" sz="2400" dirty="0" err="1"/>
-              <a:t>Alemania</a:t>
-            </a:r>
-            <a:r>
-              <a:rPr lang="en-US" sz="2400" dirty="0"/>
-              <a:t>)</a:t>
-            </a:r>
-          </a:p>
-          <a:p>
-            <a:pPr marL="800100" lvl="1" indent="-228600">
-              <a:lnSpc>
-                <a:spcPct val="90000"/>
-              </a:lnSpc>
-              <a:buFont typeface="Arial" panose="020B0604020202020204" pitchFamily="34" charset="0"/>
-              <a:buChar char="•"/>
-            </a:pPr>
-            <a:r>
-              <a:rPr lang="en-US" sz="2400" dirty="0" err="1"/>
-              <a:t>Cac</a:t>
-            </a:r>
-            <a:r>
-              <a:rPr lang="en-US" sz="2400" dirty="0"/>
-              <a:t> 40 (</a:t>
-            </a:r>
-            <a:r>
-              <a:rPr lang="en-US" sz="2400" dirty="0" err="1"/>
-              <a:t>Francia</a:t>
-            </a:r>
-            <a:r>
-              <a:rPr lang="en-US" sz="2400" dirty="0"/>
-              <a:t>)</a:t>
-            </a:r>
-          </a:p>
-          <a:p>
-            <a:pPr>
-              <a:lnSpc>
-                <a:spcPct val="90000"/>
-              </a:lnSpc>
-            </a:pPr>
-            <a:endParaRPr lang="en-US" sz="2400" dirty="0"/>
-          </a:p>
-          <a:p>
-            <a:pPr>
-              <a:lnSpc>
-                <a:spcPct val="90000"/>
-              </a:lnSpc>
-            </a:pPr>
-            <a:r>
-              <a:rPr lang="en-US" sz="2400" dirty="0" err="1"/>
-              <a:t>Utilizando</a:t>
-            </a:r>
-            <a:r>
-              <a:rPr lang="en-US" sz="2400" dirty="0"/>
-              <a:t> </a:t>
-            </a:r>
-            <a:r>
-              <a:rPr lang="en-US" sz="2400" dirty="0" err="1"/>
-              <a:t>los</a:t>
-            </a:r>
-            <a:r>
-              <a:rPr lang="en-US" sz="2400" dirty="0"/>
-              <a:t> </a:t>
-            </a:r>
-            <a:r>
-              <a:rPr lang="en-US" sz="2400" dirty="0" err="1"/>
-              <a:t>datos</a:t>
-            </a:r>
-            <a:r>
-              <a:rPr lang="en-US" sz="2400" dirty="0"/>
-              <a:t> de CIERRE de las </a:t>
-            </a:r>
-            <a:r>
-              <a:rPr lang="en-US" sz="2400" dirty="0" err="1"/>
-              <a:t>bolsas</a:t>
-            </a:r>
-            <a:r>
-              <a:rPr lang="en-US" sz="2400" dirty="0"/>
-              <a:t>.</a:t>
-            </a:r>
-          </a:p>
-          <a:p>
-            <a:pPr>
-              <a:lnSpc>
-                <a:spcPct val="90000"/>
-              </a:lnSpc>
-            </a:pPr>
-            <a:r>
-              <a:rPr lang="en-US" sz="2400" dirty="0" err="1"/>
-              <a:t>Obtenidos</a:t>
-            </a:r>
-            <a:r>
-              <a:rPr lang="en-US" sz="2400" dirty="0"/>
-              <a:t> de </a:t>
-            </a:r>
-            <a:r>
-              <a:rPr lang="en-US" sz="2400" dirty="0" err="1"/>
-              <a:t>Quandl</a:t>
-            </a:r>
-            <a:r>
-              <a:rPr lang="en-US" sz="2400" dirty="0"/>
-              <a:t> gracias a la API de Python </a:t>
-            </a:r>
-            <a:r>
-              <a:rPr lang="en-US" sz="2400" dirty="0" err="1"/>
-              <a:t>disponible</a:t>
-            </a:r>
-            <a:r>
-              <a:rPr lang="en-US" sz="2400" dirty="0"/>
-              <a:t>.</a:t>
-            </a:r>
+          </a:p>
+          <a:p>
+            <a:endParaRPr lang="es-ES" dirty="0"/>
           </a:p>
         </p:txBody>
       </p:sp>
-      <p:pic>
-        <p:nvPicPr>
-          <p:cNvPr id="12" name="Imagen 11"/>
-          <p:cNvPicPr>
-            <a:picLocks noChangeAspect="1"/>
-          </p:cNvPicPr>
-          <p:nvPr/>
-        </p:nvPicPr>
-        <p:blipFill>
-          <a:blip r:embed="rId2" cstate="print">
-            <a:extLst>
-              <a:ext uri="{28A0092B-C50C-407E-A947-70E740481C1C}">
-                <a14:useLocalDpi xmlns:a14="http://schemas.microsoft.com/office/drawing/2010/main" val="0"/>
-              </a:ext>
-            </a:extLst>
-          </a:blip>
-          <a:stretch>
-            <a:fillRect/>
-          </a:stretch>
-        </p:blipFill>
-        <p:spPr>
-          <a:xfrm>
-            <a:off x="5291547" y="4950011"/>
-            <a:ext cx="5555817" cy="1907989"/>
-          </a:xfrm>
-          <a:prstGeom prst="rect">
-            <a:avLst/>
-          </a:prstGeom>
-        </p:spPr>
-      </p:pic>
     </p:spTree>
     <p:extLst>
       <p:ext uri="{BB962C8B-B14F-4D97-AF65-F5344CB8AC3E}">
-        <p14:creationId xmlns:p14="http://schemas.microsoft.com/office/powerpoint/2010/main" val="84572358"/>
+        <p14:creationId xmlns:p14="http://schemas.microsoft.com/office/powerpoint/2010/main" xmlns="" val="2405218555"/>
       </p:ext>
     </p:extLst>
   </p:cSld>
@@ -27106,7 +27390,7 @@
 </p:sld>
 </file>
 
-<file path=ppt/slides/slide6.xml><?xml version="1.0" encoding="utf-8"?>
+<file path=ppt/slides/slide5.xml><?xml version="1.0" encoding="utf-8"?>
 <p:sld xmlns:a="http://schemas.openxmlformats.org/drawingml/2006/main" xmlns:r="http://schemas.openxmlformats.org/officeDocument/2006/relationships" xmlns:p="http://schemas.openxmlformats.org/presentationml/2006/main">
   <p:cSld>
     <p:spTree>
@@ -27132,7 +27416,7 @@
           <p:nvPr>
             <p:extLst>
               <p:ext uri="{386F3935-93C4-4BCD-93E2-E3B085C9AB24}">
-                <p16:designElem xmlns:p16="http://schemas.microsoft.com/office/powerpoint/2015/main" val="1"/>
+                <p16:designElem xmlns:p16="http://schemas.microsoft.com/office/powerpoint/2015/main" xmlns="" val="1"/>
               </p:ext>
             </p:extLst>
           </p:nvPr>
@@ -27186,7 +27470,7 @@
           <p:nvPr>
             <p:extLst>
               <p:ext uri="{386F3935-93C4-4BCD-93E2-E3B085C9AB24}">
-                <p16:designElem xmlns:p16="http://schemas.microsoft.com/office/powerpoint/2015/main" val="1"/>
+                <p16:designElem xmlns:p16="http://schemas.microsoft.com/office/powerpoint/2015/main" xmlns="" val="1"/>
               </p:ext>
             </p:extLst>
           </p:nvPr>
@@ -27285,7 +27569,1010 @@
           <p:nvPr>
             <p:extLst>
               <p:ext uri="{386F3935-93C4-4BCD-93E2-E3B085C9AB24}">
-                <p16:designElem xmlns:p16="http://schemas.microsoft.com/office/powerpoint/2015/main" val="1"/>
+                <p16:designElem xmlns:p16="http://schemas.microsoft.com/office/powerpoint/2015/main" xmlns="" val="1"/>
+              </p:ext>
+            </p:extLst>
+          </p:nvPr>
+        </p:nvSpPr>
+        <p:spPr>
+          <a:xfrm>
+            <a:off x="0" y="0"/>
+            <a:ext cx="3581400" cy="6858000"/>
+          </a:xfrm>
+          <a:custGeom>
+            <a:avLst/>
+            <a:gdLst>
+              <a:gd name="connsiteX0" fmla="*/ 0 w 3581400"/>
+              <a:gd name="connsiteY0" fmla="*/ 0 h 6858000"/>
+              <a:gd name="connsiteX1" fmla="*/ 405246 w 3581400"/>
+              <a:gd name="connsiteY1" fmla="*/ 0 h 6858000"/>
+              <a:gd name="connsiteX2" fmla="*/ 3581400 w 3581400"/>
+              <a:gd name="connsiteY2" fmla="*/ 6858000 h 6858000"/>
+              <a:gd name="connsiteX3" fmla="*/ 0 w 3581400"/>
+              <a:gd name="connsiteY3" fmla="*/ 6858000 h 6858000"/>
+            </a:gdLst>
+            <a:ahLst/>
+            <a:cxnLst>
+              <a:cxn ang="0">
+                <a:pos x="connsiteX0" y="connsiteY0"/>
+              </a:cxn>
+              <a:cxn ang="0">
+                <a:pos x="connsiteX1" y="connsiteY1"/>
+              </a:cxn>
+              <a:cxn ang="0">
+                <a:pos x="connsiteX2" y="connsiteY2"/>
+              </a:cxn>
+              <a:cxn ang="0">
+                <a:pos x="connsiteX3" y="connsiteY3"/>
+              </a:cxn>
+            </a:cxnLst>
+            <a:rect l="l" t="t" r="r" b="b"/>
+            <a:pathLst>
+              <a:path w="3581400" h="6858000">
+                <a:moveTo>
+                  <a:pt x="0" y="0"/>
+                </a:moveTo>
+                <a:lnTo>
+                  <a:pt x="405246" y="0"/>
+                </a:lnTo>
+                <a:lnTo>
+                  <a:pt x="3581400" y="6858000"/>
+                </a:lnTo>
+                <a:lnTo>
+                  <a:pt x="0" y="6858000"/>
+                </a:lnTo>
+                <a:close/>
+              </a:path>
+            </a:pathLst>
+          </a:custGeom>
+          <a:solidFill>
+            <a:schemeClr val="bg1">
+              <a:alpha val="30000"/>
+            </a:schemeClr>
+          </a:solidFill>
+          <a:ln>
+            <a:noFill/>
+          </a:ln>
+        </p:spPr>
+        <p:style>
+          <a:lnRef idx="2">
+            <a:schemeClr val="accent1">
+              <a:shade val="50000"/>
+            </a:schemeClr>
+          </a:lnRef>
+          <a:fillRef idx="1">
+            <a:schemeClr val="accent1"/>
+          </a:fillRef>
+          <a:effectRef idx="0">
+            <a:schemeClr val="accent1"/>
+          </a:effectRef>
+          <a:fontRef idx="minor">
+            <a:schemeClr val="lt1"/>
+          </a:fontRef>
+        </p:style>
+        <p:txBody>
+          <a:bodyPr wrap="square" rtlCol="0" anchor="ctr">
+            <a:noAutofit/>
+          </a:bodyPr>
+          <a:lstStyle/>
+          <a:p>
+            <a:pPr algn="ctr"/>
+            <a:endParaRPr lang="en-US"/>
+          </a:p>
+        </p:txBody>
+      </p:sp>
+      <p:sp>
+        <p:nvSpPr>
+          <p:cNvPr id="2" name="Título 1"/>
+          <p:cNvSpPr>
+            <a:spLocks noGrp="1"/>
+          </p:cNvSpPr>
+          <p:nvPr>
+            <p:ph type="title"/>
+          </p:nvPr>
+        </p:nvSpPr>
+        <p:spPr>
+          <a:xfrm>
+            <a:off x="833002" y="365125"/>
+            <a:ext cx="10520702" cy="1325563"/>
+          </a:xfrm>
+        </p:spPr>
+        <p:txBody>
+          <a:bodyPr>
+            <a:normAutofit/>
+          </a:bodyPr>
+          <a:lstStyle/>
+          <a:p>
+            <a:r>
+              <a:rPr lang="es-ES" sz="5400" dirty="0"/>
+              <a:t>USOS ACTUALES</a:t>
+            </a:r>
+            <a:endParaRPr lang="es-ES" sz="6000" dirty="0"/>
+          </a:p>
+        </p:txBody>
+      </p:sp>
+      <p:sp>
+        <p:nvSpPr>
+          <p:cNvPr id="3" name="Marcador de contenido 2"/>
+          <p:cNvSpPr>
+            <a:spLocks noGrp="1"/>
+          </p:cNvSpPr>
+          <p:nvPr>
+            <p:ph idx="1"/>
+          </p:nvPr>
+        </p:nvSpPr>
+        <p:spPr>
+          <a:xfrm>
+            <a:off x="838201" y="1690689"/>
+            <a:ext cx="10515598" cy="4486274"/>
+          </a:xfrm>
+        </p:spPr>
+        <p:txBody>
+          <a:bodyPr>
+            <a:normAutofit/>
+          </a:bodyPr>
+          <a:lstStyle/>
+          <a:p>
+            <a:r>
+              <a:rPr lang="es-ES" sz="3200" dirty="0"/>
+              <a:t>Compañías como MJ </a:t>
+            </a:r>
+            <a:r>
+              <a:rPr lang="es-ES" sz="3200" dirty="0" err="1"/>
+              <a:t>Futures</a:t>
+            </a:r>
+            <a:r>
+              <a:rPr lang="es-ES" sz="3200" dirty="0"/>
+              <a:t> tienen métodos de predicción propios </a:t>
+            </a:r>
+          </a:p>
+          <a:p>
+            <a:pPr lvl="1"/>
+            <a:r>
+              <a:rPr lang="es-ES" sz="2800" dirty="0"/>
+              <a:t>199,2% de ganancias sobre dos años según </a:t>
+            </a:r>
+            <a:r>
+              <a:rPr lang="es-ES" sz="2800" dirty="0" err="1"/>
+              <a:t>Standford</a:t>
+            </a:r>
+            <a:r>
+              <a:rPr lang="es-ES" sz="2800" dirty="0"/>
+              <a:t> </a:t>
+            </a:r>
+            <a:r>
+              <a:rPr lang="es-ES" sz="2800" dirty="0" err="1"/>
+              <a:t>University</a:t>
+            </a:r>
+            <a:endParaRPr lang="es-ES" sz="2800" dirty="0"/>
+          </a:p>
+          <a:p>
+            <a:r>
+              <a:rPr lang="es-ES" sz="3200" dirty="0"/>
+              <a:t>LBC Capital Management usan una red con solo 6 indicadores financieros como inputs.</a:t>
+            </a:r>
+          </a:p>
+          <a:p>
+            <a:pPr>
+              <a:buNone/>
+            </a:pPr>
+            <a:endParaRPr lang="es-ES" dirty="0"/>
+          </a:p>
+        </p:txBody>
+      </p:sp>
+    </p:spTree>
+    <p:extLst>
+      <p:ext uri="{BB962C8B-B14F-4D97-AF65-F5344CB8AC3E}">
+        <p14:creationId xmlns:p14="http://schemas.microsoft.com/office/powerpoint/2010/main" xmlns="" val="2405218555"/>
+      </p:ext>
+    </p:extLst>
+  </p:cSld>
+  <p:clrMapOvr>
+    <a:overrideClrMapping bg1="dk1" tx1="lt1" bg2="dk2" tx2="lt2" accent1="accent1" accent2="accent2" accent3="accent3" accent4="accent4" accent5="accent5" accent6="accent6" hlink="hlink" folHlink="folHlink"/>
+  </p:clrMapOvr>
+</p:sld>
+</file>
+
+<file path=ppt/slides/slide6.xml><?xml version="1.0" encoding="utf-8"?>
+<p:sld xmlns:a="http://schemas.openxmlformats.org/drawingml/2006/main" xmlns:r="http://schemas.openxmlformats.org/officeDocument/2006/relationships" xmlns:p="http://schemas.openxmlformats.org/presentationml/2006/main">
+  <p:cSld>
+    <p:spTree>
+      <p:nvGrpSpPr>
+        <p:cNvPr id="1" name=""/>
+        <p:cNvGrpSpPr/>
+        <p:nvPr/>
+      </p:nvGrpSpPr>
+      <p:grpSpPr>
+        <a:xfrm>
+          <a:off x="0" y="0"/>
+          <a:ext cx="0" cy="0"/>
+          <a:chOff x="0" y="0"/>
+          <a:chExt cx="0" cy="0"/>
+        </a:xfrm>
+      </p:grpSpPr>
+      <p:sp>
+        <p:nvSpPr>
+          <p:cNvPr id="7" name="Rectangle 6"/>
+          <p:cNvSpPr>
+            <a:spLocks noGrp="1" noRot="1" noChangeAspect="1" noMove="1" noResize="1" noEditPoints="1" noAdjustHandles="1" noChangeArrowheads="1" noChangeShapeType="1" noTextEdit="1"/>
+          </p:cNvSpPr>
+          <p:nvPr>
+            <p:extLst>
+              <p:ext uri="{386F3935-93C4-4BCD-93E2-E3B085C9AB24}">
+                <p16:designElem xmlns:p16="http://schemas.microsoft.com/office/powerpoint/2015/main" xmlns="" val="1"/>
+              </p:ext>
+            </p:extLst>
+          </p:nvPr>
+        </p:nvSpPr>
+        <p:spPr>
+          <a:xfrm>
+            <a:off x="0" y="-3324"/>
+            <a:ext cx="12192000" cy="6861324"/>
+          </a:xfrm>
+          <a:prstGeom prst="rect">
+            <a:avLst/>
+          </a:prstGeom>
+          <a:solidFill>
+            <a:srgbClr val="404040"/>
+          </a:solidFill>
+          <a:ln>
+            <a:noFill/>
+          </a:ln>
+        </p:spPr>
+        <p:style>
+          <a:lnRef idx="2">
+            <a:schemeClr val="accent1">
+              <a:shade val="50000"/>
+            </a:schemeClr>
+          </a:lnRef>
+          <a:fillRef idx="1">
+            <a:schemeClr val="accent1"/>
+          </a:fillRef>
+          <a:effectRef idx="0">
+            <a:schemeClr val="accent1"/>
+          </a:effectRef>
+          <a:fontRef idx="minor">
+            <a:schemeClr val="lt1"/>
+          </a:fontRef>
+        </p:style>
+        <p:txBody>
+          <a:bodyPr rtlCol="0" anchor="ctr"/>
+          <a:lstStyle/>
+          <a:p>
+            <a:pPr algn="ctr"/>
+            <a:endParaRPr lang="en-US"/>
+          </a:p>
+        </p:txBody>
+      </p:sp>
+      <p:sp>
+        <p:nvSpPr>
+          <p:cNvPr id="8" name="Freeform 13"/>
+          <p:cNvSpPr>
+            <a:spLocks noGrp="1" noRot="1" noChangeAspect="1" noMove="1" noResize="1" noEditPoints="1" noAdjustHandles="1" noChangeArrowheads="1" noChangeShapeType="1" noTextEdit="1"/>
+          </p:cNvSpPr>
+          <p:nvPr>
+            <p:extLst>
+              <p:ext uri="{386F3935-93C4-4BCD-93E2-E3B085C9AB24}">
+                <p16:designElem xmlns:p16="http://schemas.microsoft.com/office/powerpoint/2015/main" xmlns="" val="1"/>
+              </p:ext>
+            </p:extLst>
+          </p:nvPr>
+        </p:nvSpPr>
+        <p:spPr>
+          <a:xfrm>
+            <a:off x="0" y="0"/>
+            <a:ext cx="11786754" cy="6858000"/>
+          </a:xfrm>
+          <a:custGeom>
+            <a:avLst/>
+            <a:gdLst>
+              <a:gd name="connsiteX0" fmla="*/ 0 w 11786754"/>
+              <a:gd name="connsiteY0" fmla="*/ 0 h 6858000"/>
+              <a:gd name="connsiteX1" fmla="*/ 8610600 w 11786754"/>
+              <a:gd name="connsiteY1" fmla="*/ 0 h 6858000"/>
+              <a:gd name="connsiteX2" fmla="*/ 11786754 w 11786754"/>
+              <a:gd name="connsiteY2" fmla="*/ 6858000 h 6858000"/>
+              <a:gd name="connsiteX3" fmla="*/ 0 w 11786754"/>
+              <a:gd name="connsiteY3" fmla="*/ 6858000 h 6858000"/>
+            </a:gdLst>
+            <a:ahLst/>
+            <a:cxnLst>
+              <a:cxn ang="0">
+                <a:pos x="connsiteX0" y="connsiteY0"/>
+              </a:cxn>
+              <a:cxn ang="0">
+                <a:pos x="connsiteX1" y="connsiteY1"/>
+              </a:cxn>
+              <a:cxn ang="0">
+                <a:pos x="connsiteX2" y="connsiteY2"/>
+              </a:cxn>
+              <a:cxn ang="0">
+                <a:pos x="connsiteX3" y="connsiteY3"/>
+              </a:cxn>
+            </a:cxnLst>
+            <a:rect l="l" t="t" r="r" b="b"/>
+            <a:pathLst>
+              <a:path w="11786754" h="6858000">
+                <a:moveTo>
+                  <a:pt x="0" y="0"/>
+                </a:moveTo>
+                <a:lnTo>
+                  <a:pt x="8610600" y="0"/>
+                </a:lnTo>
+                <a:lnTo>
+                  <a:pt x="11786754" y="6858000"/>
+                </a:lnTo>
+                <a:lnTo>
+                  <a:pt x="0" y="6858000"/>
+                </a:lnTo>
+                <a:close/>
+              </a:path>
+            </a:pathLst>
+          </a:custGeom>
+          <a:solidFill>
+            <a:schemeClr val="bg1">
+              <a:alpha val="30000"/>
+            </a:schemeClr>
+          </a:solidFill>
+          <a:ln>
+            <a:noFill/>
+          </a:ln>
+        </p:spPr>
+        <p:style>
+          <a:lnRef idx="2">
+            <a:schemeClr val="accent1">
+              <a:shade val="50000"/>
+            </a:schemeClr>
+          </a:lnRef>
+          <a:fillRef idx="1">
+            <a:schemeClr val="accent1"/>
+          </a:fillRef>
+          <a:effectRef idx="0">
+            <a:schemeClr val="accent1"/>
+          </a:effectRef>
+          <a:fontRef idx="minor">
+            <a:schemeClr val="lt1"/>
+          </a:fontRef>
+        </p:style>
+        <p:txBody>
+          <a:bodyPr rtlCol="0" anchor="ctr"/>
+          <a:lstStyle/>
+          <a:p>
+            <a:pPr algn="ctr"/>
+            <a:endParaRPr lang="en-US"/>
+          </a:p>
+        </p:txBody>
+      </p:sp>
+      <p:sp>
+        <p:nvSpPr>
+          <p:cNvPr id="9" name="Freeform 11"/>
+          <p:cNvSpPr>
+            <a:spLocks noGrp="1" noRot="1" noChangeAspect="1" noMove="1" noResize="1" noEditPoints="1" noAdjustHandles="1" noChangeArrowheads="1" noChangeShapeType="1" noTextEdit="1"/>
+          </p:cNvSpPr>
+          <p:nvPr>
+            <p:extLst>
+              <p:ext uri="{386F3935-93C4-4BCD-93E2-E3B085C9AB24}">
+                <p16:designElem xmlns:p16="http://schemas.microsoft.com/office/powerpoint/2015/main" xmlns="" val="1"/>
+              </p:ext>
+            </p:extLst>
+          </p:nvPr>
+        </p:nvSpPr>
+        <p:spPr>
+          <a:xfrm>
+            <a:off x="0" y="0"/>
+            <a:ext cx="3581400" cy="6858000"/>
+          </a:xfrm>
+          <a:custGeom>
+            <a:avLst/>
+            <a:gdLst>
+              <a:gd name="connsiteX0" fmla="*/ 0 w 3581400"/>
+              <a:gd name="connsiteY0" fmla="*/ 0 h 6858000"/>
+              <a:gd name="connsiteX1" fmla="*/ 405246 w 3581400"/>
+              <a:gd name="connsiteY1" fmla="*/ 0 h 6858000"/>
+              <a:gd name="connsiteX2" fmla="*/ 3581400 w 3581400"/>
+              <a:gd name="connsiteY2" fmla="*/ 6858000 h 6858000"/>
+              <a:gd name="connsiteX3" fmla="*/ 0 w 3581400"/>
+              <a:gd name="connsiteY3" fmla="*/ 6858000 h 6858000"/>
+            </a:gdLst>
+            <a:ahLst/>
+            <a:cxnLst>
+              <a:cxn ang="0">
+                <a:pos x="connsiteX0" y="connsiteY0"/>
+              </a:cxn>
+              <a:cxn ang="0">
+                <a:pos x="connsiteX1" y="connsiteY1"/>
+              </a:cxn>
+              <a:cxn ang="0">
+                <a:pos x="connsiteX2" y="connsiteY2"/>
+              </a:cxn>
+              <a:cxn ang="0">
+                <a:pos x="connsiteX3" y="connsiteY3"/>
+              </a:cxn>
+            </a:cxnLst>
+            <a:rect l="l" t="t" r="r" b="b"/>
+            <a:pathLst>
+              <a:path w="3581400" h="6858000">
+                <a:moveTo>
+                  <a:pt x="0" y="0"/>
+                </a:moveTo>
+                <a:lnTo>
+                  <a:pt x="405246" y="0"/>
+                </a:lnTo>
+                <a:lnTo>
+                  <a:pt x="3581400" y="6858000"/>
+                </a:lnTo>
+                <a:lnTo>
+                  <a:pt x="0" y="6858000"/>
+                </a:lnTo>
+                <a:close/>
+              </a:path>
+            </a:pathLst>
+          </a:custGeom>
+          <a:solidFill>
+            <a:schemeClr val="bg1">
+              <a:alpha val="30000"/>
+            </a:schemeClr>
+          </a:solidFill>
+          <a:ln>
+            <a:noFill/>
+          </a:ln>
+        </p:spPr>
+        <p:style>
+          <a:lnRef idx="2">
+            <a:schemeClr val="accent1">
+              <a:shade val="50000"/>
+            </a:schemeClr>
+          </a:lnRef>
+          <a:fillRef idx="1">
+            <a:schemeClr val="accent1"/>
+          </a:fillRef>
+          <a:effectRef idx="0">
+            <a:schemeClr val="accent1"/>
+          </a:effectRef>
+          <a:fontRef idx="minor">
+            <a:schemeClr val="lt1"/>
+          </a:fontRef>
+        </p:style>
+        <p:txBody>
+          <a:bodyPr wrap="square" rtlCol="0" anchor="ctr">
+            <a:noAutofit/>
+          </a:bodyPr>
+          <a:lstStyle/>
+          <a:p>
+            <a:pPr algn="ctr"/>
+            <a:endParaRPr lang="en-US"/>
+          </a:p>
+        </p:txBody>
+      </p:sp>
+      <p:sp>
+        <p:nvSpPr>
+          <p:cNvPr id="2" name="Título 1"/>
+          <p:cNvSpPr>
+            <a:spLocks noGrp="1"/>
+          </p:cNvSpPr>
+          <p:nvPr>
+            <p:ph type="title"/>
+          </p:nvPr>
+        </p:nvSpPr>
+        <p:spPr>
+          <a:xfrm>
+            <a:off x="833002" y="365125"/>
+            <a:ext cx="10520702" cy="1325563"/>
+          </a:xfrm>
+        </p:spPr>
+        <p:txBody>
+          <a:bodyPr vert="horz" lIns="91440" tIns="45720" rIns="91440" bIns="45720" rtlCol="0" anchor="ctr">
+            <a:normAutofit/>
+          </a:bodyPr>
+          <a:lstStyle/>
+          <a:p>
+            <a:r>
+              <a:rPr lang="en-US" sz="5400" dirty="0"/>
+              <a:t>OBTENCION DE DATOS</a:t>
+            </a:r>
+          </a:p>
+        </p:txBody>
+      </p:sp>
+      <p:sp>
+        <p:nvSpPr>
+          <p:cNvPr id="5" name="CuadroTexto 4"/>
+          <p:cNvSpPr txBox="1"/>
+          <p:nvPr/>
+        </p:nvSpPr>
+        <p:spPr>
+          <a:xfrm>
+            <a:off x="838201" y="1690689"/>
+            <a:ext cx="10515598" cy="4486274"/>
+          </a:xfrm>
+          <a:prstGeom prst="rect">
+            <a:avLst/>
+          </a:prstGeom>
+        </p:spPr>
+        <p:txBody>
+          <a:bodyPr vert="horz" lIns="91440" tIns="45720" rIns="91440" bIns="45720" rtlCol="0">
+            <a:normAutofit/>
+          </a:bodyPr>
+          <a:lstStyle/>
+          <a:p>
+            <a:pPr>
+              <a:lnSpc>
+                <a:spcPct val="90000"/>
+              </a:lnSpc>
+            </a:pPr>
+            <a:r>
+              <a:rPr lang="en-US" sz="2400" dirty="0" err="1"/>
+              <a:t>Datos</a:t>
+            </a:r>
+            <a:r>
+              <a:rPr lang="en-US" sz="2400" dirty="0"/>
+              <a:t> </a:t>
+            </a:r>
+            <a:r>
+              <a:rPr lang="en-US" sz="2400" dirty="0" err="1"/>
+              <a:t>históricos</a:t>
+            </a:r>
+            <a:r>
+              <a:rPr lang="en-US" sz="2400" dirty="0"/>
+              <a:t> de </a:t>
+            </a:r>
+            <a:r>
+              <a:rPr lang="en-US" sz="2400" dirty="0" err="1"/>
+              <a:t>diferentes</a:t>
+            </a:r>
+            <a:r>
+              <a:rPr lang="en-US" sz="2400" dirty="0"/>
+              <a:t> plazas del </a:t>
+            </a:r>
+            <a:r>
+              <a:rPr lang="en-US" sz="2400" dirty="0" err="1"/>
+              <a:t>mundo</a:t>
+            </a:r>
+            <a:r>
+              <a:rPr lang="en-US" sz="2400" dirty="0"/>
+              <a:t>:</a:t>
+            </a:r>
+          </a:p>
+          <a:p>
+            <a:pPr marL="800100" lvl="1" indent="-228600">
+              <a:lnSpc>
+                <a:spcPct val="90000"/>
+              </a:lnSpc>
+              <a:buFont typeface="Arial" panose="020B0604020202020204" pitchFamily="34" charset="0"/>
+              <a:buChar char="•"/>
+            </a:pPr>
+            <a:r>
+              <a:rPr lang="en-US" sz="2400" dirty="0"/>
+              <a:t>IBEX35 (</a:t>
+            </a:r>
+            <a:r>
+              <a:rPr lang="en-US" sz="2400" dirty="0" err="1"/>
+              <a:t>España</a:t>
+            </a:r>
+            <a:r>
+              <a:rPr lang="en-US" sz="2400" dirty="0"/>
+              <a:t>)</a:t>
+            </a:r>
+          </a:p>
+          <a:p>
+            <a:pPr marL="800100" lvl="1" indent="-228600">
+              <a:lnSpc>
+                <a:spcPct val="90000"/>
+              </a:lnSpc>
+              <a:buFont typeface="Arial" panose="020B0604020202020204" pitchFamily="34" charset="0"/>
+              <a:buChar char="•"/>
+            </a:pPr>
+            <a:r>
+              <a:rPr lang="en-US" sz="2400" dirty="0"/>
+              <a:t>Dow Jones (</a:t>
+            </a:r>
+            <a:r>
+              <a:rPr lang="en-US" sz="2400" dirty="0" err="1"/>
+              <a:t>Estados</a:t>
+            </a:r>
+            <a:r>
+              <a:rPr lang="en-US" sz="2400" dirty="0"/>
+              <a:t> </a:t>
+            </a:r>
+            <a:r>
+              <a:rPr lang="en-US" sz="2400" dirty="0" err="1"/>
+              <a:t>Unidos</a:t>
+            </a:r>
+            <a:r>
+              <a:rPr lang="en-US" sz="2400" dirty="0"/>
+              <a:t> de América)</a:t>
+            </a:r>
+          </a:p>
+          <a:p>
+            <a:pPr marL="800100" lvl="1" indent="-228600">
+              <a:lnSpc>
+                <a:spcPct val="90000"/>
+              </a:lnSpc>
+              <a:buFont typeface="Arial" panose="020B0604020202020204" pitchFamily="34" charset="0"/>
+              <a:buChar char="•"/>
+            </a:pPr>
+            <a:r>
+              <a:rPr lang="en-US" sz="2400" dirty="0"/>
+              <a:t>Euro Stoxx50 (</a:t>
+            </a:r>
+            <a:r>
+              <a:rPr lang="en-US" sz="2400" dirty="0" err="1"/>
+              <a:t>Común</a:t>
+            </a:r>
+            <a:r>
+              <a:rPr lang="en-US" sz="2400" dirty="0"/>
+              <a:t> de Europa)</a:t>
+            </a:r>
+          </a:p>
+          <a:p>
+            <a:pPr marL="800100" lvl="1" indent="-228600">
+              <a:lnSpc>
+                <a:spcPct val="90000"/>
+              </a:lnSpc>
+              <a:buFont typeface="Arial" panose="020B0604020202020204" pitchFamily="34" charset="0"/>
+              <a:buChar char="•"/>
+            </a:pPr>
+            <a:r>
+              <a:rPr lang="en-US" sz="2400" dirty="0"/>
+              <a:t>Nikkei225 (</a:t>
+            </a:r>
+            <a:r>
+              <a:rPr lang="en-US" sz="2400" dirty="0" err="1"/>
+              <a:t>Japón</a:t>
+            </a:r>
+            <a:r>
+              <a:rPr lang="en-US" sz="2400" dirty="0"/>
+              <a:t>)</a:t>
+            </a:r>
+          </a:p>
+          <a:p>
+            <a:pPr marL="800100" lvl="1" indent="-228600">
+              <a:lnSpc>
+                <a:spcPct val="90000"/>
+              </a:lnSpc>
+              <a:buFont typeface="Arial" panose="020B0604020202020204" pitchFamily="34" charset="0"/>
+              <a:buChar char="•"/>
+            </a:pPr>
+            <a:r>
+              <a:rPr lang="en-US" sz="2400" dirty="0"/>
+              <a:t>Dax (</a:t>
+            </a:r>
+            <a:r>
+              <a:rPr lang="en-US" sz="2400" dirty="0" err="1"/>
+              <a:t>Alemania</a:t>
+            </a:r>
+            <a:r>
+              <a:rPr lang="en-US" sz="2400" dirty="0"/>
+              <a:t>)</a:t>
+            </a:r>
+          </a:p>
+          <a:p>
+            <a:pPr marL="800100" lvl="1" indent="-228600">
+              <a:lnSpc>
+                <a:spcPct val="90000"/>
+              </a:lnSpc>
+              <a:buFont typeface="Arial" panose="020B0604020202020204" pitchFamily="34" charset="0"/>
+              <a:buChar char="•"/>
+            </a:pPr>
+            <a:r>
+              <a:rPr lang="en-US" sz="2400" dirty="0" err="1"/>
+              <a:t>Cac</a:t>
+            </a:r>
+            <a:r>
+              <a:rPr lang="en-US" sz="2400" dirty="0"/>
+              <a:t> 40 (</a:t>
+            </a:r>
+            <a:r>
+              <a:rPr lang="en-US" sz="2400" dirty="0" err="1"/>
+              <a:t>Francia</a:t>
+            </a:r>
+            <a:r>
+              <a:rPr lang="en-US" sz="2400" dirty="0"/>
+              <a:t>)</a:t>
+            </a:r>
+          </a:p>
+          <a:p>
+            <a:pPr>
+              <a:lnSpc>
+                <a:spcPct val="90000"/>
+              </a:lnSpc>
+            </a:pPr>
+            <a:endParaRPr lang="en-US" sz="2400" dirty="0"/>
+          </a:p>
+          <a:p>
+            <a:pPr>
+              <a:lnSpc>
+                <a:spcPct val="90000"/>
+              </a:lnSpc>
+            </a:pPr>
+            <a:r>
+              <a:rPr lang="en-US" sz="2400" dirty="0" err="1"/>
+              <a:t>Utilizando</a:t>
+            </a:r>
+            <a:r>
+              <a:rPr lang="en-US" sz="2400" dirty="0"/>
+              <a:t> </a:t>
+            </a:r>
+            <a:r>
+              <a:rPr lang="en-US" sz="2400" dirty="0" err="1"/>
+              <a:t>los</a:t>
+            </a:r>
+            <a:r>
+              <a:rPr lang="en-US" sz="2400" dirty="0"/>
+              <a:t> </a:t>
+            </a:r>
+            <a:r>
+              <a:rPr lang="en-US" sz="2400" dirty="0" err="1"/>
+              <a:t>datos</a:t>
+            </a:r>
+            <a:r>
+              <a:rPr lang="en-US" sz="2400" dirty="0"/>
+              <a:t> de CIERRE de las </a:t>
+            </a:r>
+            <a:r>
+              <a:rPr lang="en-US" sz="2400" dirty="0" err="1"/>
+              <a:t>bolsas</a:t>
+            </a:r>
+            <a:r>
+              <a:rPr lang="en-US" sz="2400" dirty="0"/>
+              <a:t>.</a:t>
+            </a:r>
+          </a:p>
+          <a:p>
+            <a:pPr>
+              <a:lnSpc>
+                <a:spcPct val="90000"/>
+              </a:lnSpc>
+            </a:pPr>
+            <a:r>
+              <a:rPr lang="en-US" sz="2400" dirty="0" err="1"/>
+              <a:t>Obtenidos</a:t>
+            </a:r>
+            <a:r>
+              <a:rPr lang="en-US" sz="2400" dirty="0"/>
+              <a:t> de </a:t>
+            </a:r>
+            <a:r>
+              <a:rPr lang="en-US" sz="2400" dirty="0" err="1"/>
+              <a:t>Quandl</a:t>
+            </a:r>
+            <a:r>
+              <a:rPr lang="en-US" sz="2400" dirty="0"/>
+              <a:t> gracias a la API de Python </a:t>
+            </a:r>
+            <a:r>
+              <a:rPr lang="en-US" sz="2400" dirty="0" err="1"/>
+              <a:t>disponible</a:t>
+            </a:r>
+            <a:r>
+              <a:rPr lang="en-US" sz="2400" dirty="0"/>
+              <a:t>.</a:t>
+            </a:r>
+          </a:p>
+        </p:txBody>
+      </p:sp>
+      <p:pic>
+        <p:nvPicPr>
+          <p:cNvPr id="12" name="Imagen 11"/>
+          <p:cNvPicPr>
+            <a:picLocks noChangeAspect="1"/>
+          </p:cNvPicPr>
+          <p:nvPr/>
+        </p:nvPicPr>
+        <p:blipFill>
+          <a:blip r:embed="rId2" cstate="print">
+            <a:extLst>
+              <a:ext uri="{28A0092B-C50C-407E-A947-70E740481C1C}">
+                <a14:useLocalDpi xmlns:a14="http://schemas.microsoft.com/office/drawing/2010/main" xmlns="" val="0"/>
+              </a:ext>
+            </a:extLst>
+          </a:blip>
+          <a:stretch>
+            <a:fillRect/>
+          </a:stretch>
+        </p:blipFill>
+        <p:spPr>
+          <a:xfrm>
+            <a:off x="5291547" y="4950011"/>
+            <a:ext cx="5555817" cy="1907989"/>
+          </a:xfrm>
+          <a:prstGeom prst="rect">
+            <a:avLst/>
+          </a:prstGeom>
+        </p:spPr>
+      </p:pic>
+    </p:spTree>
+    <p:extLst>
+      <p:ext uri="{BB962C8B-B14F-4D97-AF65-F5344CB8AC3E}">
+        <p14:creationId xmlns:p14="http://schemas.microsoft.com/office/powerpoint/2010/main" xmlns="" val="84572358"/>
+      </p:ext>
+    </p:extLst>
+  </p:cSld>
+  <p:clrMapOvr>
+    <a:overrideClrMapping bg1="dk1" tx1="lt1" bg2="dk2" tx2="lt2" accent1="accent1" accent2="accent2" accent3="accent3" accent4="accent4" accent5="accent5" accent6="accent6" hlink="hlink" folHlink="folHlink"/>
+  </p:clrMapOvr>
+</p:sld>
+</file>
+
+<file path=ppt/slides/slide7.xml><?xml version="1.0" encoding="utf-8"?>
+<p:sld xmlns:a="http://schemas.openxmlformats.org/drawingml/2006/main" xmlns:r="http://schemas.openxmlformats.org/officeDocument/2006/relationships" xmlns:p="http://schemas.openxmlformats.org/presentationml/2006/main">
+  <p:cSld>
+    <p:spTree>
+      <p:nvGrpSpPr>
+        <p:cNvPr id="1" name=""/>
+        <p:cNvGrpSpPr/>
+        <p:nvPr/>
+      </p:nvGrpSpPr>
+      <p:grpSpPr>
+        <a:xfrm>
+          <a:off x="0" y="0"/>
+          <a:ext cx="0" cy="0"/>
+          <a:chOff x="0" y="0"/>
+          <a:chExt cx="0" cy="0"/>
+        </a:xfrm>
+      </p:grpSpPr>
+      <p:sp>
+        <p:nvSpPr>
+          <p:cNvPr id="5" name="Rectangle 4"/>
+          <p:cNvSpPr>
+            <a:spLocks noGrp="1" noRot="1" noChangeAspect="1" noMove="1" noResize="1" noEditPoints="1" noAdjustHandles="1" noChangeArrowheads="1" noChangeShapeType="1" noTextEdit="1"/>
+          </p:cNvSpPr>
+          <p:nvPr>
+            <p:extLst>
+              <p:ext uri="{386F3935-93C4-4BCD-93E2-E3B085C9AB24}">
+                <p16:designElem xmlns:p16="http://schemas.microsoft.com/office/powerpoint/2015/main" xmlns="" val="1"/>
+              </p:ext>
+            </p:extLst>
+          </p:nvPr>
+        </p:nvSpPr>
+        <p:spPr>
+          <a:xfrm>
+            <a:off x="0" y="-3324"/>
+            <a:ext cx="12192000" cy="6861324"/>
+          </a:xfrm>
+          <a:prstGeom prst="rect">
+            <a:avLst/>
+          </a:prstGeom>
+          <a:solidFill>
+            <a:srgbClr val="404040"/>
+          </a:solidFill>
+          <a:ln>
+            <a:noFill/>
+          </a:ln>
+        </p:spPr>
+        <p:style>
+          <a:lnRef idx="2">
+            <a:schemeClr val="accent1">
+              <a:shade val="50000"/>
+            </a:schemeClr>
+          </a:lnRef>
+          <a:fillRef idx="1">
+            <a:schemeClr val="accent1"/>
+          </a:fillRef>
+          <a:effectRef idx="0">
+            <a:schemeClr val="accent1"/>
+          </a:effectRef>
+          <a:fontRef idx="minor">
+            <a:schemeClr val="lt1"/>
+          </a:fontRef>
+        </p:style>
+        <p:txBody>
+          <a:bodyPr rtlCol="0" anchor="ctr"/>
+          <a:lstStyle/>
+          <a:p>
+            <a:pPr algn="ctr"/>
+            <a:endParaRPr lang="en-US"/>
+          </a:p>
+        </p:txBody>
+      </p:sp>
+      <p:sp>
+        <p:nvSpPr>
+          <p:cNvPr id="6" name="Freeform 13"/>
+          <p:cNvSpPr>
+            <a:spLocks noGrp="1" noRot="1" noChangeAspect="1" noMove="1" noResize="1" noEditPoints="1" noAdjustHandles="1" noChangeArrowheads="1" noChangeShapeType="1" noTextEdit="1"/>
+          </p:cNvSpPr>
+          <p:nvPr>
+            <p:extLst>
+              <p:ext uri="{386F3935-93C4-4BCD-93E2-E3B085C9AB24}">
+                <p16:designElem xmlns:p16="http://schemas.microsoft.com/office/powerpoint/2015/main" xmlns="" val="1"/>
+              </p:ext>
+            </p:extLst>
+          </p:nvPr>
+        </p:nvSpPr>
+        <p:spPr>
+          <a:xfrm>
+            <a:off x="0" y="0"/>
+            <a:ext cx="11786754" cy="6858000"/>
+          </a:xfrm>
+          <a:custGeom>
+            <a:avLst/>
+            <a:gdLst>
+              <a:gd name="connsiteX0" fmla="*/ 0 w 11786754"/>
+              <a:gd name="connsiteY0" fmla="*/ 0 h 6858000"/>
+              <a:gd name="connsiteX1" fmla="*/ 8610600 w 11786754"/>
+              <a:gd name="connsiteY1" fmla="*/ 0 h 6858000"/>
+              <a:gd name="connsiteX2" fmla="*/ 11786754 w 11786754"/>
+              <a:gd name="connsiteY2" fmla="*/ 6858000 h 6858000"/>
+              <a:gd name="connsiteX3" fmla="*/ 0 w 11786754"/>
+              <a:gd name="connsiteY3" fmla="*/ 6858000 h 6858000"/>
+            </a:gdLst>
+            <a:ahLst/>
+            <a:cxnLst>
+              <a:cxn ang="0">
+                <a:pos x="connsiteX0" y="connsiteY0"/>
+              </a:cxn>
+              <a:cxn ang="0">
+                <a:pos x="connsiteX1" y="connsiteY1"/>
+              </a:cxn>
+              <a:cxn ang="0">
+                <a:pos x="connsiteX2" y="connsiteY2"/>
+              </a:cxn>
+              <a:cxn ang="0">
+                <a:pos x="connsiteX3" y="connsiteY3"/>
+              </a:cxn>
+            </a:cxnLst>
+            <a:rect l="l" t="t" r="r" b="b"/>
+            <a:pathLst>
+              <a:path w="11786754" h="6858000">
+                <a:moveTo>
+                  <a:pt x="0" y="0"/>
+                </a:moveTo>
+                <a:lnTo>
+                  <a:pt x="8610600" y="0"/>
+                </a:lnTo>
+                <a:lnTo>
+                  <a:pt x="11786754" y="6858000"/>
+                </a:lnTo>
+                <a:lnTo>
+                  <a:pt x="0" y="6858000"/>
+                </a:lnTo>
+                <a:close/>
+              </a:path>
+            </a:pathLst>
+          </a:custGeom>
+          <a:solidFill>
+            <a:schemeClr val="bg1">
+              <a:alpha val="30000"/>
+            </a:schemeClr>
+          </a:solidFill>
+          <a:ln>
+            <a:noFill/>
+          </a:ln>
+        </p:spPr>
+        <p:style>
+          <a:lnRef idx="2">
+            <a:schemeClr val="accent1">
+              <a:shade val="50000"/>
+            </a:schemeClr>
+          </a:lnRef>
+          <a:fillRef idx="1">
+            <a:schemeClr val="accent1"/>
+          </a:fillRef>
+          <a:effectRef idx="0">
+            <a:schemeClr val="accent1"/>
+          </a:effectRef>
+          <a:fontRef idx="minor">
+            <a:schemeClr val="lt1"/>
+          </a:fontRef>
+        </p:style>
+        <p:txBody>
+          <a:bodyPr rtlCol="0" anchor="ctr"/>
+          <a:lstStyle/>
+          <a:p>
+            <a:pPr algn="ctr"/>
+            <a:endParaRPr lang="en-US"/>
+          </a:p>
+        </p:txBody>
+      </p:sp>
+      <p:sp>
+        <p:nvSpPr>
+          <p:cNvPr id="7" name="Freeform 11"/>
+          <p:cNvSpPr>
+            <a:spLocks noGrp="1" noRot="1" noChangeAspect="1" noMove="1" noResize="1" noEditPoints="1" noAdjustHandles="1" noChangeArrowheads="1" noChangeShapeType="1" noTextEdit="1"/>
+          </p:cNvSpPr>
+          <p:nvPr>
+            <p:extLst>
+              <p:ext uri="{386F3935-93C4-4BCD-93E2-E3B085C9AB24}">
+                <p16:designElem xmlns:p16="http://schemas.microsoft.com/office/powerpoint/2015/main" xmlns="" val="1"/>
               </p:ext>
             </p:extLst>
           </p:nvPr>
@@ -27594,7 +28881,7 @@
     </p:spTree>
     <p:extLst>
       <p:ext uri="{BB962C8B-B14F-4D97-AF65-F5344CB8AC3E}">
-        <p14:creationId xmlns:p14="http://schemas.microsoft.com/office/powerpoint/2010/main" val="3539477728"/>
+        <p14:creationId xmlns:p14="http://schemas.microsoft.com/office/powerpoint/2010/main" xmlns="" val="3539477728"/>
       </p:ext>
     </p:extLst>
   </p:cSld>
@@ -27604,7 +28891,7 @@
 </p:sld>
 </file>
 
-<file path=ppt/slides/slide7.xml><?xml version="1.0" encoding="utf-8"?>
+<file path=ppt/slides/slide8.xml><?xml version="1.0" encoding="utf-8"?>
 <p:sld xmlns:a="http://schemas.openxmlformats.org/drawingml/2006/main" xmlns:r="http://schemas.openxmlformats.org/officeDocument/2006/relationships" xmlns:p="http://schemas.openxmlformats.org/presentationml/2006/main">
   <p:cSld>
     <p:spTree>
@@ -27630,7 +28917,7 @@
           <p:nvPr>
             <p:extLst>
               <p:ext uri="{386F3935-93C4-4BCD-93E2-E3B085C9AB24}">
-                <p16:designElem xmlns:p16="http://schemas.microsoft.com/office/powerpoint/2015/main" val="1"/>
+                <p16:designElem xmlns:p16="http://schemas.microsoft.com/office/powerpoint/2015/main" xmlns="" val="1"/>
               </p:ext>
             </p:extLst>
           </p:nvPr>
@@ -27694,7 +28981,7 @@
           <a:blip r:embed="rId2" cstate="print">
             <a:extLst>
               <a:ext uri="{28A0092B-C50C-407E-A947-70E740481C1C}">
-                <a14:useLocalDpi xmlns:a14="http://schemas.microsoft.com/office/drawing/2010/main" val="0"/>
+                <a14:useLocalDpi xmlns:a14="http://schemas.microsoft.com/office/drawing/2010/main" xmlns="" val="0"/>
               </a:ext>
             </a:extLst>
           </a:blip>
@@ -27899,7 +29186,7 @@
     </p:spTree>
     <p:extLst>
       <p:ext uri="{BB962C8B-B14F-4D97-AF65-F5344CB8AC3E}">
-        <p14:creationId xmlns:p14="http://schemas.microsoft.com/office/powerpoint/2010/main" val="3839184132"/>
+        <p14:creationId xmlns:p14="http://schemas.microsoft.com/office/powerpoint/2010/main" xmlns="" val="3839184132"/>
       </p:ext>
     </p:extLst>
   </p:cSld>
@@ -27909,7 +29196,7 @@
 </p:sld>
 </file>
 
-<file path=ppt/slides/slide8.xml><?xml version="1.0" encoding="utf-8"?>
+<file path=ppt/slides/slide9.xml><?xml version="1.0" encoding="utf-8"?>
 <p:sld xmlns:a="http://schemas.openxmlformats.org/drawingml/2006/main" xmlns:r="http://schemas.openxmlformats.org/officeDocument/2006/relationships" xmlns:p="http://schemas.openxmlformats.org/presentationml/2006/main">
   <p:cSld>
     <p:spTree>
@@ -27935,7 +29222,7 @@
           <p:nvPr>
             <p:extLst>
               <p:ext uri="{386F3935-93C4-4BCD-93E2-E3B085C9AB24}">
-                <p16:designElem xmlns:p16="http://schemas.microsoft.com/office/powerpoint/2015/main" val="1"/>
+                <p16:designElem xmlns:p16="http://schemas.microsoft.com/office/powerpoint/2015/main" xmlns="" val="1"/>
               </p:ext>
             </p:extLst>
           </p:nvPr>
@@ -27966,7 +29253,7 @@
           <p:nvPr>
             <p:extLst>
               <p:ext uri="{386F3935-93C4-4BCD-93E2-E3B085C9AB24}">
-                <p16:designElem xmlns:p16="http://schemas.microsoft.com/office/powerpoint/2015/main" val="1"/>
+                <p16:designElem xmlns:p16="http://schemas.microsoft.com/office/powerpoint/2015/main" xmlns="" val="1"/>
               </p:ext>
             </p:extLst>
           </p:nvPr>
@@ -28073,188 +29360,7 @@
     </p:spTree>
     <p:extLst>
       <p:ext uri="{BB962C8B-B14F-4D97-AF65-F5344CB8AC3E}">
-        <p14:creationId xmlns:p14="http://schemas.microsoft.com/office/powerpoint/2010/main" val="3844390514"/>
-      </p:ext>
-    </p:extLst>
-  </p:cSld>
-  <p:clrMapOvr>
-    <a:masterClrMapping/>
-  </p:clrMapOvr>
-</p:sld>
-</file>
-
-<file path=ppt/slides/slide9.xml><?xml version="1.0" encoding="utf-8"?>
-<p:sld xmlns:a="http://schemas.openxmlformats.org/drawingml/2006/main" xmlns:r="http://schemas.openxmlformats.org/officeDocument/2006/relationships" xmlns:p="http://schemas.openxmlformats.org/presentationml/2006/main">
-  <p:cSld>
-    <p:spTree>
-      <p:nvGrpSpPr>
-        <p:cNvPr id="1" name=""/>
-        <p:cNvGrpSpPr/>
-        <p:nvPr/>
-      </p:nvGrpSpPr>
-      <p:grpSpPr>
-        <a:xfrm>
-          <a:off x="0" y="0"/>
-          <a:ext cx="0" cy="0"/>
-          <a:chOff x="0" y="0"/>
-          <a:chExt cx="0" cy="0"/>
-        </a:xfrm>
-      </p:grpSpPr>
-      <p:sp>
-        <p:nvSpPr>
-          <p:cNvPr id="12" name="Rectangle 11"/>
-          <p:cNvSpPr>
-            <a:spLocks noGrp="1" noRot="1" noChangeAspect="1" noMove="1" noResize="1" noEditPoints="1" noAdjustHandles="1" noChangeArrowheads="1" noChangeShapeType="1" noTextEdit="1"/>
-          </p:cNvSpPr>
-          <p:nvPr>
-            <p:extLst>
-              <p:ext uri="{386F3935-93C4-4BCD-93E2-E3B085C9AB24}">
-                <p16:designElem xmlns:p16="http://schemas.microsoft.com/office/powerpoint/2015/main" val="1"/>
-              </p:ext>
-            </p:extLst>
-          </p:nvPr>
-        </p:nvSpPr>
-        <p:spPr bwMode="white">
-          <a:xfrm>
-            <a:off x="0" y="0"/>
-            <a:ext cx="12192000" cy="6858000"/>
-          </a:xfrm>
-          <a:prstGeom prst="rect">
-            <a:avLst/>
-          </a:prstGeom>
-          <a:solidFill>
-            <a:schemeClr val="bg1"/>
-          </a:solidFill>
-          <a:ln>
-            <a:noFill/>
-          </a:ln>
-          <a:effectLst/>
-        </p:spPr>
-      </p:sp>
-      <p:sp>
-        <p:nvSpPr>
-          <p:cNvPr id="13" name="Rectangle 12"/>
-          <p:cNvSpPr>
-            <a:spLocks noGrp="1" noRot="1" noChangeAspect="1" noMove="1" noResize="1" noEditPoints="1" noAdjustHandles="1" noChangeArrowheads="1" noChangeShapeType="1" noTextEdit="1"/>
-          </p:cNvSpPr>
-          <p:nvPr>
-            <p:extLst>
-              <p:ext uri="{386F3935-93C4-4BCD-93E2-E3B085C9AB24}">
-                <p16:designElem xmlns:p16="http://schemas.microsoft.com/office/powerpoint/2015/main" val="1"/>
-              </p:ext>
-            </p:extLst>
-          </p:nvPr>
-        </p:nvSpPr>
-        <p:spPr>
-          <a:xfrm>
-            <a:off x="0" y="651752"/>
-            <a:ext cx="12192000" cy="736551"/>
-          </a:xfrm>
-          <a:prstGeom prst="rect">
-            <a:avLst/>
-          </a:prstGeom>
-          <a:solidFill>
-            <a:schemeClr val="tx1">
-              <a:alpha val="75000"/>
-            </a:schemeClr>
-          </a:solidFill>
-          <a:ln>
-            <a:noFill/>
-          </a:ln>
-        </p:spPr>
-        <p:style>
-          <a:lnRef idx="2">
-            <a:schemeClr val="accent1">
-              <a:shade val="50000"/>
-            </a:schemeClr>
-          </a:lnRef>
-          <a:fillRef idx="1">
-            <a:schemeClr val="accent1"/>
-          </a:fillRef>
-          <a:effectRef idx="0">
-            <a:schemeClr val="accent1"/>
-          </a:effectRef>
-          <a:fontRef idx="minor">
-            <a:schemeClr val="lt1"/>
-          </a:fontRef>
-        </p:style>
-        <p:txBody>
-          <a:bodyPr rtlCol="0" anchor="ctr"/>
-          <a:lstStyle/>
-          <a:p>
-            <a:pPr algn="ctr"/>
-            <a:endParaRPr lang="en-US"/>
-          </a:p>
-        </p:txBody>
-      </p:sp>
-      <p:pic>
-        <p:nvPicPr>
-          <p:cNvPr id="8" name="Imagen 7"/>
-          <p:cNvPicPr>
-            <a:picLocks noChangeAspect="1"/>
-          </p:cNvPicPr>
-          <p:nvPr/>
-        </p:nvPicPr>
-        <p:blipFill>
-          <a:blip r:embed="rId2" cstate="print">
-            <a:extLst>
-              <a:ext uri="{28A0092B-C50C-407E-A947-70E740481C1C}">
-                <a14:useLocalDpi xmlns:a14="http://schemas.microsoft.com/office/drawing/2010/main" val="0"/>
-              </a:ext>
-            </a:extLst>
-          </a:blip>
-          <a:stretch>
-            <a:fillRect/>
-          </a:stretch>
-        </p:blipFill>
-        <p:spPr>
-          <a:xfrm>
-            <a:off x="754523" y="1388303"/>
-            <a:ext cx="10682953" cy="5421600"/>
-          </a:xfrm>
-          <a:prstGeom prst="rect">
-            <a:avLst/>
-          </a:prstGeom>
-        </p:spPr>
-      </p:pic>
-      <p:sp>
-        <p:nvSpPr>
-          <p:cNvPr id="2" name="Título 1"/>
-          <p:cNvSpPr>
-            <a:spLocks noGrp="1"/>
-          </p:cNvSpPr>
-          <p:nvPr>
-            <p:ph type="title"/>
-          </p:nvPr>
-        </p:nvSpPr>
-        <p:spPr>
-          <a:xfrm>
-            <a:off x="556532" y="643467"/>
-            <a:ext cx="11210925" cy="744836"/>
-          </a:xfrm>
-        </p:spPr>
-        <p:txBody>
-          <a:bodyPr vert="horz" lIns="91440" tIns="45720" rIns="91440" bIns="45720" rtlCol="0" anchor="ctr">
-            <a:noAutofit/>
-          </a:bodyPr>
-          <a:lstStyle/>
-          <a:p>
-            <a:pPr algn="ctr"/>
-            <a:r>
-              <a:rPr lang="en-US" sz="5400" dirty="0">
-                <a:solidFill>
-                  <a:schemeClr val="bg1"/>
-                </a:solidFill>
-              </a:rPr>
-              <a:t>PROCESAMIENTO DE DATOS</a:t>
-            </a:r>
-          </a:p>
-        </p:txBody>
-      </p:sp>
-    </p:spTree>
-    <p:extLst>
-      <p:ext uri="{BB962C8B-B14F-4D97-AF65-F5344CB8AC3E}">
-        <p14:creationId xmlns:p14="http://schemas.microsoft.com/office/powerpoint/2010/main" val="38684972"/>
+        <p14:creationId xmlns:p14="http://schemas.microsoft.com/office/powerpoint/2010/main" xmlns="" val="3844390514"/>
       </p:ext>
     </p:extLst>
   </p:cSld>
@@ -28553,7 +29659,7 @@
   <a:extraClrSchemeLst/>
   <a:extLst>
     <a:ext uri="{05A4C25C-085E-4340-85A3-A5531E510DB2}">
-      <thm15:themeFamily xmlns:thm15="http://schemas.microsoft.com/office/thememl/2012/main" name="Office Theme" id="{62F939B6-93AF-4DB8-9C6B-D6C7DFDC589F}" vid="{4A3C46E8-61CC-4603-A589-7422A47A8E4A}"/>
+      <thm15:themeFamily xmlns:thm15="http://schemas.microsoft.com/office/thememl/2012/main" xmlns="" name="Office Theme" id="{62F939B6-93AF-4DB8-9C6B-D6C7DFDC589F}" vid="{4A3C46E8-61CC-4603-A589-7422A47A8E4A}"/>
     </a:ext>
   </a:extLst>
 </a:theme>

--- a/docs/PresentacionFinal.pptx
+++ b/docs/PresentacionFinal.pptx
@@ -6,30 +6,31 @@
   </p:sldMasterIdLst>
   <p:sldIdLst>
     <p:sldId id="256" r:id="rId2"/>
-    <p:sldId id="282" r:id="rId3"/>
-    <p:sldId id="257" r:id="rId4"/>
-    <p:sldId id="279" r:id="rId5"/>
+    <p:sldId id="257" r:id="rId3"/>
+    <p:sldId id="287" r:id="rId4"/>
+    <p:sldId id="285" r:id="rId5"/>
     <p:sldId id="280" r:id="rId6"/>
-    <p:sldId id="258" r:id="rId7"/>
-    <p:sldId id="262" r:id="rId8"/>
-    <p:sldId id="263" r:id="rId9"/>
-    <p:sldId id="259" r:id="rId10"/>
-    <p:sldId id="260" r:id="rId11"/>
-    <p:sldId id="261" r:id="rId12"/>
-    <p:sldId id="264" r:id="rId13"/>
-    <p:sldId id="265" r:id="rId14"/>
-    <p:sldId id="266" r:id="rId15"/>
-    <p:sldId id="267" r:id="rId16"/>
-    <p:sldId id="268" r:id="rId17"/>
-    <p:sldId id="274" r:id="rId18"/>
-    <p:sldId id="275" r:id="rId19"/>
-    <p:sldId id="276" r:id="rId20"/>
-    <p:sldId id="277" r:id="rId21"/>
-    <p:sldId id="278" r:id="rId22"/>
-    <p:sldId id="271" r:id="rId23"/>
-    <p:sldId id="272" r:id="rId24"/>
-    <p:sldId id="273" r:id="rId25"/>
-    <p:sldId id="284" r:id="rId26"/>
+    <p:sldId id="286" r:id="rId7"/>
+    <p:sldId id="258" r:id="rId8"/>
+    <p:sldId id="262" r:id="rId9"/>
+    <p:sldId id="263" r:id="rId10"/>
+    <p:sldId id="259" r:id="rId11"/>
+    <p:sldId id="260" r:id="rId12"/>
+    <p:sldId id="261" r:id="rId13"/>
+    <p:sldId id="264" r:id="rId14"/>
+    <p:sldId id="265" r:id="rId15"/>
+    <p:sldId id="266" r:id="rId16"/>
+    <p:sldId id="267" r:id="rId17"/>
+    <p:sldId id="268" r:id="rId18"/>
+    <p:sldId id="274" r:id="rId19"/>
+    <p:sldId id="275" r:id="rId20"/>
+    <p:sldId id="276" r:id="rId21"/>
+    <p:sldId id="277" r:id="rId22"/>
+    <p:sldId id="278" r:id="rId23"/>
+    <p:sldId id="271" r:id="rId24"/>
+    <p:sldId id="272" r:id="rId25"/>
+    <p:sldId id="273" r:id="rId26"/>
+    <p:sldId id="284" r:id="rId27"/>
   </p:sldIdLst>
   <p:sldSz cx="12192000" cy="6858000"/>
   <p:notesSz cx="6858000" cy="9144000"/>
@@ -130,7 +131,7 @@
   </p:defaultTextStyle>
   <p:extLst>
     <p:ext uri="{EFAFB233-063F-42B5-8137-9DF3F51BA10A}">
-      <p15:sldGuideLst xmlns:p15="http://schemas.microsoft.com/office/powerpoint/2012/main" xmlns="">
+      <p15:sldGuideLst xmlns="" xmlns:p15="http://schemas.microsoft.com/office/powerpoint/2012/main">
         <p15:guide id="1" orient="horz" pos="2160">
           <p15:clr>
             <a:srgbClr val="A4A3A4"/>
@@ -3782,8 +3783,8 @@
   </dgm:ptLst>
   <dgm:cxnLst>
     <dgm:cxn modelId="{B3297DBF-37A4-4025-A8FE-BEFE1FC91D41}" type="presOf" srcId="{37B4F018-E1BA-4AD0-A324-1EB5B5A65290}" destId="{E282D330-89B8-44D9-A6C5-AAFB6BB781FC}" srcOrd="0" destOrd="1" presId="urn:microsoft.com/office/officeart/2005/8/layout/hProcess6"/>
+    <dgm:cxn modelId="{5E9CFFBE-0A45-45A4-BBB0-95909E92DFA2}" srcId="{3D30614B-637A-4CB4-9EB0-92A2EFB0C194}" destId="{DA3EDE2A-72A5-4A10-A9DB-BA922AA0BAEA}" srcOrd="0" destOrd="0" parTransId="{4D6C370D-73B8-4745-949E-F7133B054B42}" sibTransId="{8C604E52-FCD3-4A6C-A09F-176149D0EAED}"/>
     <dgm:cxn modelId="{BED71E58-E6F5-4CA5-9800-80A324C45B2C}" type="presOf" srcId="{DA3EDE2A-72A5-4A10-A9DB-BA922AA0BAEA}" destId="{3400CD74-5D7B-4E55-AC5F-3096E62A8AB5}" srcOrd="0" destOrd="0" presId="urn:microsoft.com/office/officeart/2005/8/layout/hProcess6"/>
-    <dgm:cxn modelId="{5E9CFFBE-0A45-45A4-BBB0-95909E92DFA2}" srcId="{3D30614B-637A-4CB4-9EB0-92A2EFB0C194}" destId="{DA3EDE2A-72A5-4A10-A9DB-BA922AA0BAEA}" srcOrd="0" destOrd="0" parTransId="{4D6C370D-73B8-4745-949E-F7133B054B42}" sibTransId="{8C604E52-FCD3-4A6C-A09F-176149D0EAED}"/>
     <dgm:cxn modelId="{93CA71E0-EC10-4BE1-8BF9-DB6842FC7867}" type="presOf" srcId="{AE59A055-7DFF-4810-B453-88D932002C96}" destId="{E282D330-89B8-44D9-A6C5-AAFB6BB781FC}" srcOrd="0" destOrd="0" presId="urn:microsoft.com/office/officeart/2005/8/layout/hProcess6"/>
     <dgm:cxn modelId="{642524A7-68B3-4130-8348-A9BF803A847B}" type="presOf" srcId="{37B4F018-E1BA-4AD0-A324-1EB5B5A65290}" destId="{CCB9BAE1-46F0-48A8-BC99-ADCCBEF9B131}" srcOrd="1" destOrd="1" presId="urn:microsoft.com/office/officeart/2005/8/layout/hProcess6"/>
     <dgm:cxn modelId="{A82D7F77-7893-49D2-8FF6-F3670599BC11}" srcId="{46DCD79B-8CAA-4C19-97B0-F8DAF710CCE2}" destId="{CD5C3F0E-07D0-4F04-ADC6-2287DA505F8D}" srcOrd="1" destOrd="0" parTransId="{4BBBB763-5722-4348-A43D-64758A6FFCEB}" sibTransId="{589A6037-EB48-4785-9E31-5682419FFE5B}"/>
@@ -4353,8 +4354,8 @@
   </dgm:ptLst>
   <dgm:cxnLst>
     <dgm:cxn modelId="{B3297DBF-37A4-4025-A8FE-BEFE1FC91D41}" type="presOf" srcId="{37B4F018-E1BA-4AD0-A324-1EB5B5A65290}" destId="{E282D330-89B8-44D9-A6C5-AAFB6BB781FC}" srcOrd="0" destOrd="1" presId="urn:microsoft.com/office/officeart/2005/8/layout/hProcess6"/>
+    <dgm:cxn modelId="{5E9CFFBE-0A45-45A4-BBB0-95909E92DFA2}" srcId="{3D30614B-637A-4CB4-9EB0-92A2EFB0C194}" destId="{DA3EDE2A-72A5-4A10-A9DB-BA922AA0BAEA}" srcOrd="0" destOrd="0" parTransId="{4D6C370D-73B8-4745-949E-F7133B054B42}" sibTransId="{8C604E52-FCD3-4A6C-A09F-176149D0EAED}"/>
     <dgm:cxn modelId="{BED71E58-E6F5-4CA5-9800-80A324C45B2C}" type="presOf" srcId="{DA3EDE2A-72A5-4A10-A9DB-BA922AA0BAEA}" destId="{3400CD74-5D7B-4E55-AC5F-3096E62A8AB5}" srcOrd="0" destOrd="0" presId="urn:microsoft.com/office/officeart/2005/8/layout/hProcess6"/>
-    <dgm:cxn modelId="{5E9CFFBE-0A45-45A4-BBB0-95909E92DFA2}" srcId="{3D30614B-637A-4CB4-9EB0-92A2EFB0C194}" destId="{DA3EDE2A-72A5-4A10-A9DB-BA922AA0BAEA}" srcOrd="0" destOrd="0" parTransId="{4D6C370D-73B8-4745-949E-F7133B054B42}" sibTransId="{8C604E52-FCD3-4A6C-A09F-176149D0EAED}"/>
     <dgm:cxn modelId="{93CA71E0-EC10-4BE1-8BF9-DB6842FC7867}" type="presOf" srcId="{AE59A055-7DFF-4810-B453-88D932002C96}" destId="{E282D330-89B8-44D9-A6C5-AAFB6BB781FC}" srcOrd="0" destOrd="0" presId="urn:microsoft.com/office/officeart/2005/8/layout/hProcess6"/>
     <dgm:cxn modelId="{642524A7-68B3-4130-8348-A9BF803A847B}" type="presOf" srcId="{37B4F018-E1BA-4AD0-A324-1EB5B5A65290}" destId="{CCB9BAE1-46F0-48A8-BC99-ADCCBEF9B131}" srcOrd="1" destOrd="1" presId="urn:microsoft.com/office/officeart/2005/8/layout/hProcess6"/>
     <dgm:cxn modelId="{A82D7F77-7893-49D2-8FF6-F3670599BC11}" srcId="{46DCD79B-8CAA-4C19-97B0-F8DAF710CCE2}" destId="{CD5C3F0E-07D0-4F04-ADC6-2287DA505F8D}" srcOrd="1" destOrd="0" parTransId="{4BBBB763-5722-4348-A43D-64758A6FFCEB}" sibTransId="{589A6037-EB48-4785-9E31-5682419FFE5B}"/>
@@ -6500,543 +6501,6 @@
       <dsp:cNvGrpSpPr/>
     </dsp:nvGrpSpPr>
     <dsp:grpSpPr/>
-    <dsp:sp modelId="{0147EF20-3C22-419D-B8E7-66311B69A382}">
-      <dsp:nvSpPr>
-        <dsp:cNvPr id="0" name=""/>
-        <dsp:cNvSpPr/>
-      </dsp:nvSpPr>
-      <dsp:spPr>
-        <a:xfrm>
-          <a:off x="676056" y="119687"/>
-          <a:ext cx="2683893" cy="2346060"/>
-        </a:xfrm>
-        <a:prstGeom prst="rightArrow">
-          <a:avLst>
-            <a:gd name="adj1" fmla="val 70000"/>
-            <a:gd name="adj2" fmla="val 50000"/>
-          </a:avLst>
-        </a:prstGeom>
-        <a:solidFill>
-          <a:schemeClr val="dk2">
-            <a:alpha val="90000"/>
-            <a:tint val="40000"/>
-            <a:hueOff val="0"/>
-            <a:satOff val="0"/>
-            <a:lumOff val="0"/>
-            <a:alphaOff val="0"/>
-          </a:schemeClr>
-        </a:solidFill>
-        <a:ln w="12700" cap="flat" cmpd="sng" algn="ctr">
-          <a:solidFill>
-            <a:schemeClr val="dk2">
-              <a:alpha val="90000"/>
-              <a:tint val="40000"/>
-              <a:hueOff val="0"/>
-              <a:satOff val="0"/>
-              <a:lumOff val="0"/>
-              <a:alphaOff val="0"/>
-            </a:schemeClr>
-          </a:solidFill>
-          <a:prstDash val="solid"/>
-          <a:miter lim="800000"/>
-        </a:ln>
-        <a:effectLst/>
-      </dsp:spPr>
-      <dsp:style>
-        <a:lnRef idx="2">
-          <a:scrgbClr r="0" g="0" b="0"/>
-        </a:lnRef>
-        <a:fillRef idx="1">
-          <a:scrgbClr r="0" g="0" b="0"/>
-        </a:fillRef>
-        <a:effectRef idx="0">
-          <a:scrgbClr r="0" g="0" b="0"/>
-        </a:effectRef>
-        <a:fontRef idx="minor"/>
-      </dsp:style>
-      <dsp:txBody>
-        <a:bodyPr spcFirstLastPara="0" vert="horz" wrap="square" lIns="50800" tIns="12700" rIns="25400" bIns="12700" numCol="1" spcCol="1270" anchor="ctr" anchorCtr="0">
-          <a:noAutofit/>
-        </a:bodyPr>
-        <a:lstStyle/>
-        <a:p>
-          <a:pPr marL="228600" lvl="1" indent="-228600" algn="l" defTabSz="889000">
-            <a:lnSpc>
-              <a:spcPct val="90000"/>
-            </a:lnSpc>
-            <a:spcBef>
-              <a:spcPct val="0"/>
-            </a:spcBef>
-            <a:spcAft>
-              <a:spcPct val="15000"/>
-            </a:spcAft>
-            <a:buChar char="••"/>
-          </a:pPr>
-          <a:r>
-            <a:rPr lang="es-ES" sz="2000" kern="1200" dirty="0"/>
-            <a:t>30 neuronas</a:t>
-          </a:r>
-        </a:p>
-        <a:p>
-          <a:pPr marL="228600" lvl="1" indent="-228600" algn="l" defTabSz="889000">
-            <a:lnSpc>
-              <a:spcPct val="90000"/>
-            </a:lnSpc>
-            <a:spcBef>
-              <a:spcPct val="0"/>
-            </a:spcBef>
-            <a:spcAft>
-              <a:spcPct val="15000"/>
-            </a:spcAft>
-            <a:buChar char="••"/>
-          </a:pPr>
-          <a:r>
-            <a:rPr lang="es-ES" sz="2000" kern="1200" dirty="0" err="1"/>
-            <a:t>ReLU</a:t>
-          </a:r>
-          <a:endParaRPr lang="es-ES" sz="2000" kern="1200" dirty="0"/>
-        </a:p>
-      </dsp:txBody>
-      <dsp:txXfrm>
-        <a:off x="1347029" y="119687"/>
-        <a:ext cx="2012920" cy="2346060"/>
-      </dsp:txXfrm>
-    </dsp:sp>
-    <dsp:sp modelId="{D4BDE164-A985-4E11-BCE7-D9F1F96F3E56}">
-      <dsp:nvSpPr>
-        <dsp:cNvPr id="0" name=""/>
-        <dsp:cNvSpPr/>
-      </dsp:nvSpPr>
-      <dsp:spPr>
-        <a:xfrm>
-          <a:off x="5083" y="621744"/>
-          <a:ext cx="1341946" cy="1341946"/>
-        </a:xfrm>
-        <a:prstGeom prst="ellipse">
-          <a:avLst/>
-        </a:prstGeom>
-        <a:solidFill>
-          <a:schemeClr val="dk2">
-            <a:hueOff val="0"/>
-            <a:satOff val="0"/>
-            <a:lumOff val="0"/>
-            <a:alphaOff val="0"/>
-          </a:schemeClr>
-        </a:solidFill>
-        <a:ln w="12700" cap="flat" cmpd="sng" algn="ctr">
-          <a:solidFill>
-            <a:schemeClr val="lt2">
-              <a:hueOff val="0"/>
-              <a:satOff val="0"/>
-              <a:lumOff val="0"/>
-              <a:alphaOff val="0"/>
-            </a:schemeClr>
-          </a:solidFill>
-          <a:prstDash val="solid"/>
-          <a:miter lim="800000"/>
-        </a:ln>
-        <a:effectLst/>
-      </dsp:spPr>
-      <dsp:style>
-        <a:lnRef idx="2">
-          <a:scrgbClr r="0" g="0" b="0"/>
-        </a:lnRef>
-        <a:fillRef idx="1">
-          <a:scrgbClr r="0" g="0" b="0"/>
-        </a:fillRef>
-        <a:effectRef idx="0">
-          <a:scrgbClr r="0" g="0" b="0"/>
-        </a:effectRef>
-        <a:fontRef idx="minor">
-          <a:schemeClr val="lt1"/>
-        </a:fontRef>
-      </dsp:style>
-      <dsp:txBody>
-        <a:bodyPr spcFirstLastPara="0" vert="horz" wrap="square" lIns="13970" tIns="13970" rIns="13970" bIns="13970" numCol="1" spcCol="1270" anchor="ctr" anchorCtr="0">
-          <a:noAutofit/>
-        </a:bodyPr>
-        <a:lstStyle/>
-        <a:p>
-          <a:pPr lvl="0" algn="ctr" defTabSz="977900">
-            <a:lnSpc>
-              <a:spcPct val="90000"/>
-            </a:lnSpc>
-            <a:spcBef>
-              <a:spcPct val="0"/>
-            </a:spcBef>
-            <a:spcAft>
-              <a:spcPct val="35000"/>
-            </a:spcAft>
-          </a:pPr>
-          <a:r>
-            <a:rPr lang="es-ES" sz="2200" kern="1200" dirty="0"/>
-            <a:t>Capa entrada</a:t>
-          </a:r>
-        </a:p>
-      </dsp:txBody>
-      <dsp:txXfrm>
-        <a:off x="5083" y="621744"/>
-        <a:ext cx="1341946" cy="1341946"/>
-      </dsp:txXfrm>
-    </dsp:sp>
-    <dsp:sp modelId="{E282D330-89B8-44D9-A6C5-AAFB6BB781FC}">
-      <dsp:nvSpPr>
-        <dsp:cNvPr id="0" name=""/>
-        <dsp:cNvSpPr/>
-      </dsp:nvSpPr>
-      <dsp:spPr>
-        <a:xfrm>
-          <a:off x="4198666" y="119687"/>
-          <a:ext cx="2683893" cy="2346060"/>
-        </a:xfrm>
-        <a:prstGeom prst="rightArrow">
-          <a:avLst>
-            <a:gd name="adj1" fmla="val 70000"/>
-            <a:gd name="adj2" fmla="val 50000"/>
-          </a:avLst>
-        </a:prstGeom>
-        <a:solidFill>
-          <a:schemeClr val="dk2">
-            <a:alpha val="90000"/>
-            <a:tint val="40000"/>
-            <a:hueOff val="0"/>
-            <a:satOff val="0"/>
-            <a:lumOff val="0"/>
-            <a:alphaOff val="0"/>
-          </a:schemeClr>
-        </a:solidFill>
-        <a:ln w="12700" cap="flat" cmpd="sng" algn="ctr">
-          <a:solidFill>
-            <a:schemeClr val="dk2">
-              <a:alpha val="90000"/>
-              <a:tint val="40000"/>
-              <a:hueOff val="0"/>
-              <a:satOff val="0"/>
-              <a:lumOff val="0"/>
-              <a:alphaOff val="0"/>
-            </a:schemeClr>
-          </a:solidFill>
-          <a:prstDash val="solid"/>
-          <a:miter lim="800000"/>
-        </a:ln>
-        <a:effectLst/>
-      </dsp:spPr>
-      <dsp:style>
-        <a:lnRef idx="2">
-          <a:scrgbClr r="0" g="0" b="0"/>
-        </a:lnRef>
-        <a:fillRef idx="1">
-          <a:scrgbClr r="0" g="0" b="0"/>
-        </a:fillRef>
-        <a:effectRef idx="0">
-          <a:scrgbClr r="0" g="0" b="0"/>
-        </a:effectRef>
-        <a:fontRef idx="minor"/>
-      </dsp:style>
-      <dsp:txBody>
-        <a:bodyPr spcFirstLastPara="0" vert="horz" wrap="square" lIns="50800" tIns="12700" rIns="25400" bIns="12700" numCol="1" spcCol="1270" anchor="ctr" anchorCtr="0">
-          <a:noAutofit/>
-        </a:bodyPr>
-        <a:lstStyle/>
-        <a:p>
-          <a:pPr marL="228600" lvl="1" indent="-228600" algn="l" defTabSz="889000">
-            <a:lnSpc>
-              <a:spcPct val="90000"/>
-            </a:lnSpc>
-            <a:spcBef>
-              <a:spcPct val="0"/>
-            </a:spcBef>
-            <a:spcAft>
-              <a:spcPct val="15000"/>
-            </a:spcAft>
-            <a:buChar char="••"/>
-          </a:pPr>
-          <a:r>
-            <a:rPr lang="es-ES" sz="2000" kern="1200" dirty="0"/>
-            <a:t>15 neuronas</a:t>
-          </a:r>
-        </a:p>
-        <a:p>
-          <a:pPr marL="228600" lvl="1" indent="-228600" algn="l" defTabSz="889000">
-            <a:lnSpc>
-              <a:spcPct val="90000"/>
-            </a:lnSpc>
-            <a:spcBef>
-              <a:spcPct val="0"/>
-            </a:spcBef>
-            <a:spcAft>
-              <a:spcPct val="15000"/>
-            </a:spcAft>
-            <a:buChar char="••"/>
-          </a:pPr>
-          <a:r>
-            <a:rPr lang="es-ES" sz="2000" kern="1200" dirty="0" err="1"/>
-            <a:t>ReLU</a:t>
-          </a:r>
-          <a:endParaRPr lang="es-ES" sz="2000" kern="1200" dirty="0"/>
-        </a:p>
-      </dsp:txBody>
-      <dsp:txXfrm>
-        <a:off x="4869640" y="119687"/>
-        <a:ext cx="2012920" cy="2346060"/>
-      </dsp:txXfrm>
-    </dsp:sp>
-    <dsp:sp modelId="{4EC45A84-B17D-42BB-BFF6-00A7955F2DD8}">
-      <dsp:nvSpPr>
-        <dsp:cNvPr id="0" name=""/>
-        <dsp:cNvSpPr/>
-      </dsp:nvSpPr>
-      <dsp:spPr>
-        <a:xfrm>
-          <a:off x="3527693" y="621744"/>
-          <a:ext cx="1341946" cy="1341946"/>
-        </a:xfrm>
-        <a:prstGeom prst="ellipse">
-          <a:avLst/>
-        </a:prstGeom>
-        <a:solidFill>
-          <a:schemeClr val="dk2">
-            <a:hueOff val="0"/>
-            <a:satOff val="0"/>
-            <a:lumOff val="0"/>
-            <a:alphaOff val="0"/>
-          </a:schemeClr>
-        </a:solidFill>
-        <a:ln w="12700" cap="flat" cmpd="sng" algn="ctr">
-          <a:solidFill>
-            <a:schemeClr val="lt2">
-              <a:hueOff val="0"/>
-              <a:satOff val="0"/>
-              <a:lumOff val="0"/>
-              <a:alphaOff val="0"/>
-            </a:schemeClr>
-          </a:solidFill>
-          <a:prstDash val="solid"/>
-          <a:miter lim="800000"/>
-        </a:ln>
-        <a:effectLst/>
-      </dsp:spPr>
-      <dsp:style>
-        <a:lnRef idx="2">
-          <a:scrgbClr r="0" g="0" b="0"/>
-        </a:lnRef>
-        <a:fillRef idx="1">
-          <a:scrgbClr r="0" g="0" b="0"/>
-        </a:fillRef>
-        <a:effectRef idx="0">
-          <a:scrgbClr r="0" g="0" b="0"/>
-        </a:effectRef>
-        <a:fontRef idx="minor">
-          <a:schemeClr val="lt1"/>
-        </a:fontRef>
-      </dsp:style>
-      <dsp:txBody>
-        <a:bodyPr spcFirstLastPara="0" vert="horz" wrap="square" lIns="13970" tIns="13970" rIns="13970" bIns="13970" numCol="1" spcCol="1270" anchor="ctr" anchorCtr="0">
-          <a:noAutofit/>
-        </a:bodyPr>
-        <a:lstStyle/>
-        <a:p>
-          <a:pPr lvl="0" algn="ctr" defTabSz="977900">
-            <a:lnSpc>
-              <a:spcPct val="90000"/>
-            </a:lnSpc>
-            <a:spcBef>
-              <a:spcPct val="0"/>
-            </a:spcBef>
-            <a:spcAft>
-              <a:spcPct val="35000"/>
-            </a:spcAft>
-          </a:pPr>
-          <a:r>
-            <a:rPr lang="es-ES" sz="2200" kern="1200" dirty="0"/>
-            <a:t>Capa oculta</a:t>
-          </a:r>
-        </a:p>
-      </dsp:txBody>
-      <dsp:txXfrm>
-        <a:off x="3527693" y="621744"/>
-        <a:ext cx="1341946" cy="1341946"/>
-      </dsp:txXfrm>
-    </dsp:sp>
-    <dsp:sp modelId="{3400CD74-5D7B-4E55-AC5F-3096E62A8AB5}">
-      <dsp:nvSpPr>
-        <dsp:cNvPr id="0" name=""/>
-        <dsp:cNvSpPr/>
-      </dsp:nvSpPr>
-      <dsp:spPr>
-        <a:xfrm>
-          <a:off x="7721277" y="119687"/>
-          <a:ext cx="2683893" cy="2346060"/>
-        </a:xfrm>
-        <a:prstGeom prst="rightArrow">
-          <a:avLst>
-            <a:gd name="adj1" fmla="val 70000"/>
-            <a:gd name="adj2" fmla="val 50000"/>
-          </a:avLst>
-        </a:prstGeom>
-        <a:solidFill>
-          <a:schemeClr val="dk2">
-            <a:alpha val="90000"/>
-            <a:tint val="40000"/>
-            <a:hueOff val="0"/>
-            <a:satOff val="0"/>
-            <a:lumOff val="0"/>
-            <a:alphaOff val="0"/>
-          </a:schemeClr>
-        </a:solidFill>
-        <a:ln w="12700" cap="flat" cmpd="sng" algn="ctr">
-          <a:solidFill>
-            <a:schemeClr val="dk2">
-              <a:alpha val="90000"/>
-              <a:tint val="40000"/>
-              <a:hueOff val="0"/>
-              <a:satOff val="0"/>
-              <a:lumOff val="0"/>
-              <a:alphaOff val="0"/>
-            </a:schemeClr>
-          </a:solidFill>
-          <a:prstDash val="solid"/>
-          <a:miter lim="800000"/>
-        </a:ln>
-        <a:effectLst/>
-      </dsp:spPr>
-      <dsp:style>
-        <a:lnRef idx="2">
-          <a:scrgbClr r="0" g="0" b="0"/>
-        </a:lnRef>
-        <a:fillRef idx="1">
-          <a:scrgbClr r="0" g="0" b="0"/>
-        </a:fillRef>
-        <a:effectRef idx="0">
-          <a:scrgbClr r="0" g="0" b="0"/>
-        </a:effectRef>
-        <a:fontRef idx="minor"/>
-      </dsp:style>
-      <dsp:txBody>
-        <a:bodyPr spcFirstLastPara="0" vert="horz" wrap="square" lIns="50800" tIns="12700" rIns="25400" bIns="12700" numCol="1" spcCol="1270" anchor="ctr" anchorCtr="0">
-          <a:noAutofit/>
-        </a:bodyPr>
-        <a:lstStyle/>
-        <a:p>
-          <a:pPr marL="228600" lvl="1" indent="-228600" algn="l" defTabSz="889000">
-            <a:lnSpc>
-              <a:spcPct val="90000"/>
-            </a:lnSpc>
-            <a:spcBef>
-              <a:spcPct val="0"/>
-            </a:spcBef>
-            <a:spcAft>
-              <a:spcPct val="15000"/>
-            </a:spcAft>
-            <a:buChar char="••"/>
-          </a:pPr>
-          <a:r>
-            <a:rPr lang="es-ES" sz="2000" kern="1200" dirty="0"/>
-            <a:t>1 neurona</a:t>
-          </a:r>
-        </a:p>
-        <a:p>
-          <a:pPr marL="228600" lvl="1" indent="-228600" algn="l" defTabSz="889000">
-            <a:lnSpc>
-              <a:spcPct val="90000"/>
-            </a:lnSpc>
-            <a:spcBef>
-              <a:spcPct val="0"/>
-            </a:spcBef>
-            <a:spcAft>
-              <a:spcPct val="15000"/>
-            </a:spcAft>
-            <a:buChar char="••"/>
-          </a:pPr>
-          <a:r>
-            <a:rPr lang="es-ES" sz="2000" kern="1200" dirty="0" err="1"/>
-            <a:t>Sigmoide</a:t>
-          </a:r>
-          <a:endParaRPr lang="es-ES" sz="2000" kern="1200" dirty="0"/>
-        </a:p>
-      </dsp:txBody>
-      <dsp:txXfrm>
-        <a:off x="8392250" y="119687"/>
-        <a:ext cx="2012920" cy="2346060"/>
-      </dsp:txXfrm>
-    </dsp:sp>
-    <dsp:sp modelId="{28C703E4-9C1D-4EEB-B4BD-4304F73C3779}">
-      <dsp:nvSpPr>
-        <dsp:cNvPr id="0" name=""/>
-        <dsp:cNvSpPr/>
-      </dsp:nvSpPr>
-      <dsp:spPr>
-        <a:xfrm>
-          <a:off x="7050303" y="621744"/>
-          <a:ext cx="1341946" cy="1341946"/>
-        </a:xfrm>
-        <a:prstGeom prst="ellipse">
-          <a:avLst/>
-        </a:prstGeom>
-        <a:solidFill>
-          <a:schemeClr val="dk2">
-            <a:hueOff val="0"/>
-            <a:satOff val="0"/>
-            <a:lumOff val="0"/>
-            <a:alphaOff val="0"/>
-          </a:schemeClr>
-        </a:solidFill>
-        <a:ln w="12700" cap="flat" cmpd="sng" algn="ctr">
-          <a:solidFill>
-            <a:schemeClr val="lt2">
-              <a:hueOff val="0"/>
-              <a:satOff val="0"/>
-              <a:lumOff val="0"/>
-              <a:alphaOff val="0"/>
-            </a:schemeClr>
-          </a:solidFill>
-          <a:prstDash val="solid"/>
-          <a:miter lim="800000"/>
-        </a:ln>
-        <a:effectLst/>
-      </dsp:spPr>
-      <dsp:style>
-        <a:lnRef idx="2">
-          <a:scrgbClr r="0" g="0" b="0"/>
-        </a:lnRef>
-        <a:fillRef idx="1">
-          <a:scrgbClr r="0" g="0" b="0"/>
-        </a:fillRef>
-        <a:effectRef idx="0">
-          <a:scrgbClr r="0" g="0" b="0"/>
-        </a:effectRef>
-        <a:fontRef idx="minor">
-          <a:schemeClr val="lt1"/>
-        </a:fontRef>
-      </dsp:style>
-      <dsp:txBody>
-        <a:bodyPr spcFirstLastPara="0" vert="horz" wrap="square" lIns="13970" tIns="13970" rIns="13970" bIns="13970" numCol="1" spcCol="1270" anchor="ctr" anchorCtr="0">
-          <a:noAutofit/>
-        </a:bodyPr>
-        <a:lstStyle/>
-        <a:p>
-          <a:pPr lvl="0" algn="ctr" defTabSz="977900">
-            <a:lnSpc>
-              <a:spcPct val="90000"/>
-            </a:lnSpc>
-            <a:spcBef>
-              <a:spcPct val="0"/>
-            </a:spcBef>
-            <a:spcAft>
-              <a:spcPct val="35000"/>
-            </a:spcAft>
-          </a:pPr>
-          <a:r>
-            <a:rPr lang="es-ES" sz="2200" kern="1200" dirty="0"/>
-            <a:t>Capa salida</a:t>
-          </a:r>
-        </a:p>
-      </dsp:txBody>
-      <dsp:txXfrm>
-        <a:off x="7050303" y="621744"/>
-        <a:ext cx="1341946" cy="1341946"/>
-      </dsp:txXfrm>
-    </dsp:sp>
   </dsp:spTree>
 </dsp:drawing>
 </file>
@@ -7049,813 +6513,6 @@
       <dsp:cNvGrpSpPr/>
     </dsp:nvGrpSpPr>
     <dsp:grpSpPr/>
-    <dsp:sp modelId="{7162870F-9F28-47A4-88B9-3622613575D2}">
-      <dsp:nvSpPr>
-        <dsp:cNvPr id="0" name=""/>
-        <dsp:cNvSpPr/>
-      </dsp:nvSpPr>
-      <dsp:spPr>
-        <a:xfrm>
-          <a:off x="4028267" y="2825051"/>
-          <a:ext cx="2052317" cy="1329436"/>
-        </a:xfrm>
-        <a:prstGeom prst="roundRect">
-          <a:avLst>
-            <a:gd name="adj" fmla="val 10000"/>
-          </a:avLst>
-        </a:prstGeom>
-        <a:solidFill>
-          <a:schemeClr val="dk1">
-            <a:alpha val="90000"/>
-            <a:tint val="40000"/>
-            <a:hueOff val="0"/>
-            <a:satOff val="0"/>
-            <a:lumOff val="0"/>
-            <a:alphaOff val="0"/>
-          </a:schemeClr>
-        </a:solidFill>
-        <a:ln w="12700" cap="flat" cmpd="sng" algn="ctr">
-          <a:solidFill>
-            <a:schemeClr val="dk1">
-              <a:hueOff val="0"/>
-              <a:satOff val="0"/>
-              <a:lumOff val="0"/>
-              <a:alphaOff val="0"/>
-            </a:schemeClr>
-          </a:solidFill>
-          <a:prstDash val="solid"/>
-          <a:miter lim="800000"/>
-        </a:ln>
-        <a:effectLst/>
-      </dsp:spPr>
-      <dsp:style>
-        <a:lnRef idx="2">
-          <a:scrgbClr r="0" g="0" b="0"/>
-        </a:lnRef>
-        <a:fillRef idx="1">
-          <a:scrgbClr r="0" g="0" b="0"/>
-        </a:fillRef>
-        <a:effectRef idx="0">
-          <a:scrgbClr r="0" g="0" b="0"/>
-        </a:effectRef>
-        <a:fontRef idx="minor"/>
-      </dsp:style>
-      <dsp:txBody>
-        <a:bodyPr spcFirstLastPara="0" vert="horz" wrap="square" lIns="114300" tIns="114300" rIns="114300" bIns="114300" numCol="1" spcCol="1270" anchor="t" anchorCtr="0">
-          <a:noAutofit/>
-        </a:bodyPr>
-        <a:lstStyle/>
-        <a:p>
-          <a:pPr marL="228600" lvl="1" indent="-228600" algn="l" defTabSz="1022350">
-            <a:lnSpc>
-              <a:spcPct val="90000"/>
-            </a:lnSpc>
-            <a:spcBef>
-              <a:spcPct val="0"/>
-            </a:spcBef>
-            <a:spcAft>
-              <a:spcPct val="15000"/>
-            </a:spcAft>
-            <a:buChar char="••"/>
-          </a:pPr>
-          <a:r>
-            <a:rPr lang="es-ES" sz="2300" kern="1200" dirty="0"/>
-            <a:t>55,47%</a:t>
-          </a:r>
-        </a:p>
-        <a:p>
-          <a:pPr marL="228600" lvl="1" indent="-228600" algn="l" defTabSz="1022350">
-            <a:lnSpc>
-              <a:spcPct val="90000"/>
-            </a:lnSpc>
-            <a:spcBef>
-              <a:spcPct val="0"/>
-            </a:spcBef>
-            <a:spcAft>
-              <a:spcPct val="15000"/>
-            </a:spcAft>
-            <a:buChar char="••"/>
-          </a:pPr>
-          <a:r>
-            <a:rPr lang="es-ES" sz="2300" kern="1200" dirty="0"/>
-            <a:t>56,98%</a:t>
-          </a:r>
-        </a:p>
-      </dsp:txBody>
-      <dsp:txXfrm>
-        <a:off x="4643962" y="3157410"/>
-        <a:ext cx="1436621" cy="997077"/>
-      </dsp:txXfrm>
-    </dsp:sp>
-    <dsp:sp modelId="{77F84C51-0010-4923-87AF-53C322104D97}">
-      <dsp:nvSpPr>
-        <dsp:cNvPr id="0" name=""/>
-        <dsp:cNvSpPr/>
-      </dsp:nvSpPr>
-      <dsp:spPr>
-        <a:xfrm>
-          <a:off x="679750" y="2825051"/>
-          <a:ext cx="2052317" cy="1329436"/>
-        </a:xfrm>
-        <a:prstGeom prst="roundRect">
-          <a:avLst>
-            <a:gd name="adj" fmla="val 10000"/>
-          </a:avLst>
-        </a:prstGeom>
-        <a:solidFill>
-          <a:schemeClr val="dk1">
-            <a:alpha val="90000"/>
-            <a:tint val="40000"/>
-            <a:hueOff val="0"/>
-            <a:satOff val="0"/>
-            <a:lumOff val="0"/>
-            <a:alphaOff val="0"/>
-          </a:schemeClr>
-        </a:solidFill>
-        <a:ln w="12700" cap="flat" cmpd="sng" algn="ctr">
-          <a:solidFill>
-            <a:schemeClr val="dk1">
-              <a:hueOff val="0"/>
-              <a:satOff val="0"/>
-              <a:lumOff val="0"/>
-              <a:alphaOff val="0"/>
-            </a:schemeClr>
-          </a:solidFill>
-          <a:prstDash val="solid"/>
-          <a:miter lim="800000"/>
-        </a:ln>
-        <a:effectLst/>
-      </dsp:spPr>
-      <dsp:style>
-        <a:lnRef idx="2">
-          <a:scrgbClr r="0" g="0" b="0"/>
-        </a:lnRef>
-        <a:fillRef idx="1">
-          <a:scrgbClr r="0" g="0" b="0"/>
-        </a:fillRef>
-        <a:effectRef idx="0">
-          <a:scrgbClr r="0" g="0" b="0"/>
-        </a:effectRef>
-        <a:fontRef idx="minor"/>
-      </dsp:style>
-      <dsp:txBody>
-        <a:bodyPr spcFirstLastPara="0" vert="horz" wrap="square" lIns="114300" tIns="114300" rIns="114300" bIns="114300" numCol="1" spcCol="1270" anchor="t" anchorCtr="0">
-          <a:noAutofit/>
-        </a:bodyPr>
-        <a:lstStyle/>
-        <a:p>
-          <a:pPr marL="228600" lvl="1" indent="-228600" algn="l" defTabSz="1022350">
-            <a:lnSpc>
-              <a:spcPct val="90000"/>
-            </a:lnSpc>
-            <a:spcBef>
-              <a:spcPct val="0"/>
-            </a:spcBef>
-            <a:spcAft>
-              <a:spcPct val="15000"/>
-            </a:spcAft>
-            <a:buChar char="••"/>
-          </a:pPr>
-          <a:r>
-            <a:rPr lang="es-ES" sz="2300" kern="1200" dirty="0"/>
-            <a:t>52,54%</a:t>
-          </a:r>
-        </a:p>
-        <a:p>
-          <a:pPr marL="228600" lvl="1" indent="-228600" algn="l" defTabSz="1022350">
-            <a:lnSpc>
-              <a:spcPct val="90000"/>
-            </a:lnSpc>
-            <a:spcBef>
-              <a:spcPct val="0"/>
-            </a:spcBef>
-            <a:spcAft>
-              <a:spcPct val="15000"/>
-            </a:spcAft>
-            <a:buChar char="••"/>
-          </a:pPr>
-          <a:r>
-            <a:rPr lang="es-ES" sz="2300" kern="1200" dirty="0"/>
-            <a:t>51,63%</a:t>
-          </a:r>
-        </a:p>
-      </dsp:txBody>
-      <dsp:txXfrm>
-        <a:off x="679750" y="3157410"/>
-        <a:ext cx="1436621" cy="997077"/>
-      </dsp:txXfrm>
-    </dsp:sp>
-    <dsp:sp modelId="{A42844D4-CF61-46EB-9411-31A9060C43A2}">
-      <dsp:nvSpPr>
-        <dsp:cNvPr id="0" name=""/>
-        <dsp:cNvSpPr/>
-      </dsp:nvSpPr>
-      <dsp:spPr>
-        <a:xfrm>
-          <a:off x="4028267" y="0"/>
-          <a:ext cx="2052317" cy="1329436"/>
-        </a:xfrm>
-        <a:prstGeom prst="roundRect">
-          <a:avLst>
-            <a:gd name="adj" fmla="val 10000"/>
-          </a:avLst>
-        </a:prstGeom>
-        <a:solidFill>
-          <a:schemeClr val="dk1">
-            <a:alpha val="90000"/>
-            <a:tint val="40000"/>
-            <a:hueOff val="0"/>
-            <a:satOff val="0"/>
-            <a:lumOff val="0"/>
-            <a:alphaOff val="0"/>
-          </a:schemeClr>
-        </a:solidFill>
-        <a:ln w="12700" cap="flat" cmpd="sng" algn="ctr">
-          <a:solidFill>
-            <a:schemeClr val="dk1">
-              <a:hueOff val="0"/>
-              <a:satOff val="0"/>
-              <a:lumOff val="0"/>
-              <a:alphaOff val="0"/>
-            </a:schemeClr>
-          </a:solidFill>
-          <a:prstDash val="solid"/>
-          <a:miter lim="800000"/>
-        </a:ln>
-        <a:effectLst/>
-      </dsp:spPr>
-      <dsp:style>
-        <a:lnRef idx="2">
-          <a:scrgbClr r="0" g="0" b="0"/>
-        </a:lnRef>
-        <a:fillRef idx="1">
-          <a:scrgbClr r="0" g="0" b="0"/>
-        </a:fillRef>
-        <a:effectRef idx="0">
-          <a:scrgbClr r="0" g="0" b="0"/>
-        </a:effectRef>
-        <a:fontRef idx="minor"/>
-      </dsp:style>
-      <dsp:txBody>
-        <a:bodyPr spcFirstLastPara="0" vert="horz" wrap="square" lIns="114300" tIns="114300" rIns="114300" bIns="114300" numCol="1" spcCol="1270" anchor="t" anchorCtr="0">
-          <a:noAutofit/>
-        </a:bodyPr>
-        <a:lstStyle/>
-        <a:p>
-          <a:pPr marL="228600" lvl="1" indent="-228600" algn="l" defTabSz="1022350">
-            <a:lnSpc>
-              <a:spcPct val="90000"/>
-            </a:lnSpc>
-            <a:spcBef>
-              <a:spcPct val="0"/>
-            </a:spcBef>
-            <a:spcAft>
-              <a:spcPct val="15000"/>
-            </a:spcAft>
-            <a:buChar char="••"/>
-          </a:pPr>
-          <a:r>
-            <a:rPr lang="es-ES" sz="2300" kern="1200" dirty="0"/>
-            <a:t>56,75%</a:t>
-          </a:r>
-        </a:p>
-        <a:p>
-          <a:pPr marL="228600" lvl="1" indent="-228600" algn="l" defTabSz="1022350">
-            <a:lnSpc>
-              <a:spcPct val="90000"/>
-            </a:lnSpc>
-            <a:spcBef>
-              <a:spcPct val="0"/>
-            </a:spcBef>
-            <a:spcAft>
-              <a:spcPct val="15000"/>
-            </a:spcAft>
-            <a:buChar char="••"/>
-          </a:pPr>
-          <a:r>
-            <a:rPr lang="es-ES" sz="2300" kern="1200" dirty="0"/>
-            <a:t>56,28%</a:t>
-          </a:r>
-        </a:p>
-      </dsp:txBody>
-      <dsp:txXfrm>
-        <a:off x="4643962" y="0"/>
-        <a:ext cx="1436621" cy="997077"/>
-      </dsp:txXfrm>
-    </dsp:sp>
-    <dsp:sp modelId="{8A2642FA-7F26-4103-BB47-2B53943E1A3F}">
-      <dsp:nvSpPr>
-        <dsp:cNvPr id="0" name=""/>
-        <dsp:cNvSpPr/>
-      </dsp:nvSpPr>
-      <dsp:spPr>
-        <a:xfrm>
-          <a:off x="679750" y="0"/>
-          <a:ext cx="2052317" cy="1329436"/>
-        </a:xfrm>
-        <a:prstGeom prst="roundRect">
-          <a:avLst>
-            <a:gd name="adj" fmla="val 10000"/>
-          </a:avLst>
-        </a:prstGeom>
-        <a:solidFill>
-          <a:schemeClr val="dk1">
-            <a:alpha val="90000"/>
-            <a:tint val="40000"/>
-            <a:hueOff val="0"/>
-            <a:satOff val="0"/>
-            <a:lumOff val="0"/>
-            <a:alphaOff val="0"/>
-          </a:schemeClr>
-        </a:solidFill>
-        <a:ln w="12700" cap="flat" cmpd="sng" algn="ctr">
-          <a:solidFill>
-            <a:schemeClr val="dk1">
-              <a:hueOff val="0"/>
-              <a:satOff val="0"/>
-              <a:lumOff val="0"/>
-              <a:alphaOff val="0"/>
-            </a:schemeClr>
-          </a:solidFill>
-          <a:prstDash val="solid"/>
-          <a:miter lim="800000"/>
-        </a:ln>
-        <a:effectLst/>
-      </dsp:spPr>
-      <dsp:style>
-        <a:lnRef idx="2">
-          <a:scrgbClr r="0" g="0" b="0"/>
-        </a:lnRef>
-        <a:fillRef idx="1">
-          <a:scrgbClr r="0" g="0" b="0"/>
-        </a:fillRef>
-        <a:effectRef idx="0">
-          <a:scrgbClr r="0" g="0" b="0"/>
-        </a:effectRef>
-        <a:fontRef idx="minor"/>
-      </dsp:style>
-      <dsp:txBody>
-        <a:bodyPr spcFirstLastPara="0" vert="horz" wrap="square" lIns="114300" tIns="114300" rIns="114300" bIns="114300" numCol="1" spcCol="1270" anchor="t" anchorCtr="0">
-          <a:noAutofit/>
-        </a:bodyPr>
-        <a:lstStyle/>
-        <a:p>
-          <a:pPr marL="228600" lvl="1" indent="-228600" algn="l" defTabSz="1022350">
-            <a:lnSpc>
-              <a:spcPct val="90000"/>
-            </a:lnSpc>
-            <a:spcBef>
-              <a:spcPct val="0"/>
-            </a:spcBef>
-            <a:spcAft>
-              <a:spcPct val="15000"/>
-            </a:spcAft>
-            <a:buChar char="••"/>
-          </a:pPr>
-          <a:r>
-            <a:rPr lang="es-ES" sz="2300" kern="1200" dirty="0"/>
-            <a:t>51,54%</a:t>
-          </a:r>
-        </a:p>
-        <a:p>
-          <a:pPr marL="228600" lvl="1" indent="-228600" algn="l" defTabSz="1022350">
-            <a:lnSpc>
-              <a:spcPct val="90000"/>
-            </a:lnSpc>
-            <a:spcBef>
-              <a:spcPct val="0"/>
-            </a:spcBef>
-            <a:spcAft>
-              <a:spcPct val="15000"/>
-            </a:spcAft>
-            <a:buChar char="••"/>
-          </a:pPr>
-          <a:r>
-            <a:rPr lang="es-ES" sz="2300" kern="1200" dirty="0"/>
-            <a:t>51,63%</a:t>
-          </a:r>
-        </a:p>
-      </dsp:txBody>
-      <dsp:txXfrm>
-        <a:off x="679750" y="0"/>
-        <a:ext cx="1436621" cy="997077"/>
-      </dsp:txXfrm>
-    </dsp:sp>
-    <dsp:sp modelId="{6718675A-70DE-44E9-B5AF-9DBE7E86FF11}">
-      <dsp:nvSpPr>
-        <dsp:cNvPr id="0" name=""/>
-        <dsp:cNvSpPr/>
-      </dsp:nvSpPr>
-      <dsp:spPr>
-        <a:xfrm>
-          <a:off x="1539729" y="236805"/>
-          <a:ext cx="1798893" cy="1798893"/>
-        </a:xfrm>
-        <a:prstGeom prst="pieWedge">
-          <a:avLst/>
-        </a:prstGeom>
-        <a:solidFill>
-          <a:schemeClr val="lt1">
-            <a:hueOff val="0"/>
-            <a:satOff val="0"/>
-            <a:lumOff val="0"/>
-            <a:alphaOff val="0"/>
-          </a:schemeClr>
-        </a:solidFill>
-        <a:ln w="12700" cap="flat" cmpd="sng" algn="ctr">
-          <a:solidFill>
-            <a:schemeClr val="dk1">
-              <a:shade val="80000"/>
-              <a:hueOff val="0"/>
-              <a:satOff val="0"/>
-              <a:lumOff val="0"/>
-              <a:alphaOff val="0"/>
-            </a:schemeClr>
-          </a:solidFill>
-          <a:prstDash val="solid"/>
-          <a:miter lim="800000"/>
-        </a:ln>
-        <a:effectLst/>
-      </dsp:spPr>
-      <dsp:style>
-        <a:lnRef idx="2">
-          <a:scrgbClr r="0" g="0" b="0"/>
-        </a:lnRef>
-        <a:fillRef idx="1">
-          <a:scrgbClr r="0" g="0" b="0"/>
-        </a:fillRef>
-        <a:effectRef idx="0">
-          <a:scrgbClr r="0" g="0" b="0"/>
-        </a:effectRef>
-        <a:fontRef idx="minor">
-          <a:schemeClr val="lt1"/>
-        </a:fontRef>
-      </dsp:style>
-      <dsp:txBody>
-        <a:bodyPr spcFirstLastPara="0" vert="horz" wrap="square" lIns="156464" tIns="156464" rIns="156464" bIns="156464" numCol="1" spcCol="1270" anchor="ctr" anchorCtr="0">
-          <a:noAutofit/>
-        </a:bodyPr>
-        <a:lstStyle/>
-        <a:p>
-          <a:pPr lvl="0" algn="ctr" defTabSz="977900">
-            <a:lnSpc>
-              <a:spcPct val="90000"/>
-            </a:lnSpc>
-            <a:spcBef>
-              <a:spcPct val="0"/>
-            </a:spcBef>
-            <a:spcAft>
-              <a:spcPct val="35000"/>
-            </a:spcAft>
-          </a:pPr>
-          <a:r>
-            <a:rPr lang="es-ES" sz="2200" kern="1200" dirty="0"/>
-            <a:t>Datos reales</a:t>
-          </a:r>
-        </a:p>
-      </dsp:txBody>
-      <dsp:txXfrm>
-        <a:off x="1539729" y="236805"/>
-        <a:ext cx="1798893" cy="1798893"/>
-      </dsp:txXfrm>
-    </dsp:sp>
-    <dsp:sp modelId="{F4A3C5F3-3AAD-4360-9C14-66DA25B31EA2}">
-      <dsp:nvSpPr>
-        <dsp:cNvPr id="0" name=""/>
-        <dsp:cNvSpPr/>
-      </dsp:nvSpPr>
-      <dsp:spPr>
-        <a:xfrm rot="5400000">
-          <a:off x="3421712" y="236805"/>
-          <a:ext cx="1798893" cy="1798893"/>
-        </a:xfrm>
-        <a:prstGeom prst="pieWedge">
-          <a:avLst/>
-        </a:prstGeom>
-        <a:solidFill>
-          <a:schemeClr val="lt1">
-            <a:hueOff val="0"/>
-            <a:satOff val="0"/>
-            <a:lumOff val="0"/>
-            <a:alphaOff val="0"/>
-          </a:schemeClr>
-        </a:solidFill>
-        <a:ln w="12700" cap="flat" cmpd="sng" algn="ctr">
-          <a:solidFill>
-            <a:schemeClr val="dk1">
-              <a:shade val="80000"/>
-              <a:hueOff val="0"/>
-              <a:satOff val="0"/>
-              <a:lumOff val="0"/>
-              <a:alphaOff val="0"/>
-            </a:schemeClr>
-          </a:solidFill>
-          <a:prstDash val="solid"/>
-          <a:miter lim="800000"/>
-        </a:ln>
-        <a:effectLst/>
-      </dsp:spPr>
-      <dsp:style>
-        <a:lnRef idx="2">
-          <a:scrgbClr r="0" g="0" b="0"/>
-        </a:lnRef>
-        <a:fillRef idx="1">
-          <a:scrgbClr r="0" g="0" b="0"/>
-        </a:fillRef>
-        <a:effectRef idx="0">
-          <a:scrgbClr r="0" g="0" b="0"/>
-        </a:effectRef>
-        <a:fontRef idx="minor">
-          <a:schemeClr val="lt1"/>
-        </a:fontRef>
-      </dsp:style>
-      <dsp:txBody>
-        <a:bodyPr spcFirstLastPara="0" vert="horz" wrap="square" lIns="156464" tIns="156464" rIns="156464" bIns="156464" numCol="1" spcCol="1270" anchor="ctr" anchorCtr="0">
-          <a:noAutofit/>
-        </a:bodyPr>
-        <a:lstStyle/>
-        <a:p>
-          <a:pPr lvl="0" algn="ctr" defTabSz="977900">
-            <a:lnSpc>
-              <a:spcPct val="90000"/>
-            </a:lnSpc>
-            <a:spcBef>
-              <a:spcPct val="0"/>
-            </a:spcBef>
-            <a:spcAft>
-              <a:spcPct val="35000"/>
-            </a:spcAft>
-          </a:pPr>
-          <a:r>
-            <a:rPr lang="es-ES" sz="2200" kern="1200" dirty="0"/>
-            <a:t>Cambio</a:t>
-          </a:r>
-        </a:p>
-      </dsp:txBody>
-      <dsp:txXfrm rot="5400000">
-        <a:off x="3421712" y="236805"/>
-        <a:ext cx="1798893" cy="1798893"/>
-      </dsp:txXfrm>
-    </dsp:sp>
-    <dsp:sp modelId="{56F22035-025B-40EF-A575-1CBD3F36B30A}">
-      <dsp:nvSpPr>
-        <dsp:cNvPr id="0" name=""/>
-        <dsp:cNvSpPr/>
-      </dsp:nvSpPr>
-      <dsp:spPr>
-        <a:xfrm rot="10800000">
-          <a:off x="3421712" y="2118788"/>
-          <a:ext cx="1798893" cy="1798893"/>
-        </a:xfrm>
-        <a:prstGeom prst="pieWedge">
-          <a:avLst/>
-        </a:prstGeom>
-        <a:solidFill>
-          <a:schemeClr val="lt1">
-            <a:hueOff val="0"/>
-            <a:satOff val="0"/>
-            <a:lumOff val="0"/>
-            <a:alphaOff val="0"/>
-          </a:schemeClr>
-        </a:solidFill>
-        <a:ln w="12700" cap="flat" cmpd="sng" algn="ctr">
-          <a:solidFill>
-            <a:schemeClr val="dk1">
-              <a:shade val="80000"/>
-              <a:hueOff val="0"/>
-              <a:satOff val="0"/>
-              <a:lumOff val="0"/>
-              <a:alphaOff val="0"/>
-            </a:schemeClr>
-          </a:solidFill>
-          <a:prstDash val="solid"/>
-          <a:miter lim="800000"/>
-        </a:ln>
-        <a:effectLst/>
-      </dsp:spPr>
-      <dsp:style>
-        <a:lnRef idx="2">
-          <a:scrgbClr r="0" g="0" b="0"/>
-        </a:lnRef>
-        <a:fillRef idx="1">
-          <a:scrgbClr r="0" g="0" b="0"/>
-        </a:fillRef>
-        <a:effectRef idx="0">
-          <a:scrgbClr r="0" g="0" b="0"/>
-        </a:effectRef>
-        <a:fontRef idx="minor">
-          <a:schemeClr val="lt1"/>
-        </a:fontRef>
-      </dsp:style>
-      <dsp:txBody>
-        <a:bodyPr spcFirstLastPara="0" vert="horz" wrap="square" lIns="156464" tIns="156464" rIns="156464" bIns="156464" numCol="1" spcCol="1270" anchor="ctr" anchorCtr="0">
-          <a:noAutofit/>
-        </a:bodyPr>
-        <a:lstStyle/>
-        <a:p>
-          <a:pPr lvl="0" algn="ctr" defTabSz="977900">
-            <a:lnSpc>
-              <a:spcPct val="90000"/>
-            </a:lnSpc>
-            <a:spcBef>
-              <a:spcPct val="0"/>
-            </a:spcBef>
-            <a:spcAft>
-              <a:spcPct val="35000"/>
-            </a:spcAft>
-          </a:pPr>
-          <a:r>
-            <a:rPr lang="es-ES" sz="2200" kern="1200" dirty="0"/>
-            <a:t>% de cambio</a:t>
-          </a:r>
-        </a:p>
-      </dsp:txBody>
-      <dsp:txXfrm rot="10800000">
-        <a:off x="3421712" y="2118788"/>
-        <a:ext cx="1798893" cy="1798893"/>
-      </dsp:txXfrm>
-    </dsp:sp>
-    <dsp:sp modelId="{87BB4812-2E13-4BDB-B894-129CF83F275F}">
-      <dsp:nvSpPr>
-        <dsp:cNvPr id="0" name=""/>
-        <dsp:cNvSpPr/>
-      </dsp:nvSpPr>
-      <dsp:spPr>
-        <a:xfrm rot="16200000">
-          <a:off x="1539729" y="2118788"/>
-          <a:ext cx="1798893" cy="1798893"/>
-        </a:xfrm>
-        <a:prstGeom prst="pieWedge">
-          <a:avLst/>
-        </a:prstGeom>
-        <a:solidFill>
-          <a:schemeClr val="lt1">
-            <a:hueOff val="0"/>
-            <a:satOff val="0"/>
-            <a:lumOff val="0"/>
-            <a:alphaOff val="0"/>
-          </a:schemeClr>
-        </a:solidFill>
-        <a:ln w="12700" cap="flat" cmpd="sng" algn="ctr">
-          <a:solidFill>
-            <a:schemeClr val="dk1">
-              <a:shade val="80000"/>
-              <a:hueOff val="0"/>
-              <a:satOff val="0"/>
-              <a:lumOff val="0"/>
-              <a:alphaOff val="0"/>
-            </a:schemeClr>
-          </a:solidFill>
-          <a:prstDash val="solid"/>
-          <a:miter lim="800000"/>
-        </a:ln>
-        <a:effectLst/>
-      </dsp:spPr>
-      <dsp:style>
-        <a:lnRef idx="2">
-          <a:scrgbClr r="0" g="0" b="0"/>
-        </a:lnRef>
-        <a:fillRef idx="1">
-          <a:scrgbClr r="0" g="0" b="0"/>
-        </a:fillRef>
-        <a:effectRef idx="0">
-          <a:scrgbClr r="0" g="0" b="0"/>
-        </a:effectRef>
-        <a:fontRef idx="minor">
-          <a:schemeClr val="lt1"/>
-        </a:fontRef>
-      </dsp:style>
-      <dsp:txBody>
-        <a:bodyPr spcFirstLastPara="0" vert="horz" wrap="square" lIns="156464" tIns="156464" rIns="156464" bIns="156464" numCol="1" spcCol="1270" anchor="ctr" anchorCtr="0">
-          <a:noAutofit/>
-        </a:bodyPr>
-        <a:lstStyle/>
-        <a:p>
-          <a:pPr lvl="0" algn="ctr" defTabSz="977900">
-            <a:lnSpc>
-              <a:spcPct val="90000"/>
-            </a:lnSpc>
-            <a:spcBef>
-              <a:spcPct val="0"/>
-            </a:spcBef>
-            <a:spcAft>
-              <a:spcPct val="35000"/>
-            </a:spcAft>
-          </a:pPr>
-          <a:r>
-            <a:rPr lang="es-ES" sz="2200" kern="1200" dirty="0"/>
-            <a:t>Datos norma-</a:t>
-          </a:r>
-          <a:r>
-            <a:rPr lang="es-ES" sz="2200" kern="1200" dirty="0" err="1"/>
-            <a:t>lizados</a:t>
-          </a:r>
-          <a:endParaRPr lang="es-ES" sz="2200" kern="1200" dirty="0"/>
-        </a:p>
-      </dsp:txBody>
-      <dsp:txXfrm rot="16200000">
-        <a:off x="1539729" y="2118788"/>
-        <a:ext cx="1798893" cy="1798893"/>
-      </dsp:txXfrm>
-    </dsp:sp>
-    <dsp:sp modelId="{6A133638-247C-4CB0-9A18-077A4F6F0852}">
-      <dsp:nvSpPr>
-        <dsp:cNvPr id="0" name=""/>
-        <dsp:cNvSpPr/>
-      </dsp:nvSpPr>
-      <dsp:spPr>
-        <a:xfrm>
-          <a:off x="3069619" y="1703340"/>
-          <a:ext cx="621095" cy="540083"/>
-        </a:xfrm>
-        <a:prstGeom prst="circularArrow">
-          <a:avLst/>
-        </a:prstGeom>
-        <a:solidFill>
-          <a:schemeClr val="dk1">
-            <a:tint val="60000"/>
-            <a:hueOff val="0"/>
-            <a:satOff val="0"/>
-            <a:lumOff val="0"/>
-            <a:alphaOff val="0"/>
-          </a:schemeClr>
-        </a:solidFill>
-        <a:ln w="12700" cap="flat" cmpd="sng" algn="ctr">
-          <a:solidFill>
-            <a:schemeClr val="lt1">
-              <a:hueOff val="0"/>
-              <a:satOff val="0"/>
-              <a:lumOff val="0"/>
-              <a:alphaOff val="0"/>
-            </a:schemeClr>
-          </a:solidFill>
-          <a:prstDash val="solid"/>
-          <a:miter lim="800000"/>
-        </a:ln>
-        <a:effectLst/>
-      </dsp:spPr>
-      <dsp:style>
-        <a:lnRef idx="2">
-          <a:scrgbClr r="0" g="0" b="0"/>
-        </a:lnRef>
-        <a:fillRef idx="1">
-          <a:scrgbClr r="0" g="0" b="0"/>
-        </a:fillRef>
-        <a:effectRef idx="0">
-          <a:scrgbClr r="0" g="0" b="0"/>
-        </a:effectRef>
-        <a:fontRef idx="minor"/>
-      </dsp:style>
-    </dsp:sp>
-    <dsp:sp modelId="{970E7503-A67D-4C42-A7A2-5D00C445D59B}">
-      <dsp:nvSpPr>
-        <dsp:cNvPr id="0" name=""/>
-        <dsp:cNvSpPr/>
-      </dsp:nvSpPr>
-      <dsp:spPr>
-        <a:xfrm rot="10800000">
-          <a:off x="3069619" y="1911064"/>
-          <a:ext cx="621095" cy="540083"/>
-        </a:xfrm>
-        <a:prstGeom prst="circularArrow">
-          <a:avLst/>
-        </a:prstGeom>
-        <a:solidFill>
-          <a:schemeClr val="dk1">
-            <a:tint val="60000"/>
-            <a:hueOff val="0"/>
-            <a:satOff val="0"/>
-            <a:lumOff val="0"/>
-            <a:alphaOff val="0"/>
-          </a:schemeClr>
-        </a:solidFill>
-        <a:ln w="12700" cap="flat" cmpd="sng" algn="ctr">
-          <a:solidFill>
-            <a:schemeClr val="lt1">
-              <a:hueOff val="0"/>
-              <a:satOff val="0"/>
-              <a:lumOff val="0"/>
-              <a:alphaOff val="0"/>
-            </a:schemeClr>
-          </a:solidFill>
-          <a:prstDash val="solid"/>
-          <a:miter lim="800000"/>
-        </a:ln>
-        <a:effectLst/>
-      </dsp:spPr>
-      <dsp:style>
-        <a:lnRef idx="2">
-          <a:scrgbClr r="0" g="0" b="0"/>
-        </a:lnRef>
-        <a:fillRef idx="1">
-          <a:scrgbClr r="0" g="0" b="0"/>
-        </a:fillRef>
-        <a:effectRef idx="0">
-          <a:scrgbClr r="0" g="0" b="0"/>
-        </a:effectRef>
-        <a:fontRef idx="minor"/>
-      </dsp:style>
-    </dsp:sp>
   </dsp:spTree>
 </dsp:drawing>
 </file>
@@ -7868,813 +6525,6 @@
       <dsp:cNvGrpSpPr/>
     </dsp:nvGrpSpPr>
     <dsp:grpSpPr/>
-    <dsp:sp modelId="{7162870F-9F28-47A4-88B9-3622613575D2}">
-      <dsp:nvSpPr>
-        <dsp:cNvPr id="0" name=""/>
-        <dsp:cNvSpPr/>
-      </dsp:nvSpPr>
-      <dsp:spPr>
-        <a:xfrm>
-          <a:off x="4028267" y="2825051"/>
-          <a:ext cx="2052317" cy="1329436"/>
-        </a:xfrm>
-        <a:prstGeom prst="roundRect">
-          <a:avLst>
-            <a:gd name="adj" fmla="val 10000"/>
-          </a:avLst>
-        </a:prstGeom>
-        <a:solidFill>
-          <a:schemeClr val="dk1">
-            <a:alpha val="90000"/>
-            <a:tint val="40000"/>
-            <a:hueOff val="0"/>
-            <a:satOff val="0"/>
-            <a:lumOff val="0"/>
-            <a:alphaOff val="0"/>
-          </a:schemeClr>
-        </a:solidFill>
-        <a:ln w="12700" cap="flat" cmpd="sng" algn="ctr">
-          <a:solidFill>
-            <a:schemeClr val="dk1">
-              <a:hueOff val="0"/>
-              <a:satOff val="0"/>
-              <a:lumOff val="0"/>
-              <a:alphaOff val="0"/>
-            </a:schemeClr>
-          </a:solidFill>
-          <a:prstDash val="solid"/>
-          <a:miter lim="800000"/>
-        </a:ln>
-        <a:effectLst/>
-      </dsp:spPr>
-      <dsp:style>
-        <a:lnRef idx="2">
-          <a:scrgbClr r="0" g="0" b="0"/>
-        </a:lnRef>
-        <a:fillRef idx="1">
-          <a:scrgbClr r="0" g="0" b="0"/>
-        </a:fillRef>
-        <a:effectRef idx="0">
-          <a:scrgbClr r="0" g="0" b="0"/>
-        </a:effectRef>
-        <a:fontRef idx="minor"/>
-      </dsp:style>
-      <dsp:txBody>
-        <a:bodyPr spcFirstLastPara="0" vert="horz" wrap="square" lIns="114300" tIns="114300" rIns="114300" bIns="114300" numCol="1" spcCol="1270" anchor="t" anchorCtr="0">
-          <a:noAutofit/>
-        </a:bodyPr>
-        <a:lstStyle/>
-        <a:p>
-          <a:pPr marL="228600" lvl="1" indent="-228600" algn="l" defTabSz="1022350">
-            <a:lnSpc>
-              <a:spcPct val="90000"/>
-            </a:lnSpc>
-            <a:spcBef>
-              <a:spcPct val="0"/>
-            </a:spcBef>
-            <a:spcAft>
-              <a:spcPct val="15000"/>
-            </a:spcAft>
-            <a:buChar char="••"/>
-          </a:pPr>
-          <a:r>
-            <a:rPr lang="es-ES" sz="2300" kern="1200" dirty="0"/>
-            <a:t>56,15%</a:t>
-          </a:r>
-        </a:p>
-        <a:p>
-          <a:pPr marL="228600" lvl="1" indent="-228600" algn="l" defTabSz="1022350">
-            <a:lnSpc>
-              <a:spcPct val="90000"/>
-            </a:lnSpc>
-            <a:spcBef>
-              <a:spcPct val="0"/>
-            </a:spcBef>
-            <a:spcAft>
-              <a:spcPct val="15000"/>
-            </a:spcAft>
-            <a:buChar char="••"/>
-          </a:pPr>
-          <a:r>
-            <a:rPr lang="es-ES" sz="2300" kern="1200" dirty="0"/>
-            <a:t>56,51%</a:t>
-          </a:r>
-        </a:p>
-      </dsp:txBody>
-      <dsp:txXfrm>
-        <a:off x="4643962" y="3157410"/>
-        <a:ext cx="1436621" cy="997077"/>
-      </dsp:txXfrm>
-    </dsp:sp>
-    <dsp:sp modelId="{77F84C51-0010-4923-87AF-53C322104D97}">
-      <dsp:nvSpPr>
-        <dsp:cNvPr id="0" name=""/>
-        <dsp:cNvSpPr/>
-      </dsp:nvSpPr>
-      <dsp:spPr>
-        <a:xfrm>
-          <a:off x="679750" y="2825051"/>
-          <a:ext cx="2052317" cy="1329436"/>
-        </a:xfrm>
-        <a:prstGeom prst="roundRect">
-          <a:avLst>
-            <a:gd name="adj" fmla="val 10000"/>
-          </a:avLst>
-        </a:prstGeom>
-        <a:solidFill>
-          <a:schemeClr val="dk1">
-            <a:alpha val="90000"/>
-            <a:tint val="40000"/>
-            <a:hueOff val="0"/>
-            <a:satOff val="0"/>
-            <a:lumOff val="0"/>
-            <a:alphaOff val="0"/>
-          </a:schemeClr>
-        </a:solidFill>
-        <a:ln w="12700" cap="flat" cmpd="sng" algn="ctr">
-          <a:solidFill>
-            <a:schemeClr val="dk1">
-              <a:hueOff val="0"/>
-              <a:satOff val="0"/>
-              <a:lumOff val="0"/>
-              <a:alphaOff val="0"/>
-            </a:schemeClr>
-          </a:solidFill>
-          <a:prstDash val="solid"/>
-          <a:miter lim="800000"/>
-        </a:ln>
-        <a:effectLst/>
-      </dsp:spPr>
-      <dsp:style>
-        <a:lnRef idx="2">
-          <a:scrgbClr r="0" g="0" b="0"/>
-        </a:lnRef>
-        <a:fillRef idx="1">
-          <a:scrgbClr r="0" g="0" b="0"/>
-        </a:fillRef>
-        <a:effectRef idx="0">
-          <a:scrgbClr r="0" g="0" b="0"/>
-        </a:effectRef>
-        <a:fontRef idx="minor"/>
-      </dsp:style>
-      <dsp:txBody>
-        <a:bodyPr spcFirstLastPara="0" vert="horz" wrap="square" lIns="114300" tIns="114300" rIns="114300" bIns="114300" numCol="1" spcCol="1270" anchor="t" anchorCtr="0">
-          <a:noAutofit/>
-        </a:bodyPr>
-        <a:lstStyle/>
-        <a:p>
-          <a:pPr marL="228600" lvl="1" indent="-228600" algn="l" defTabSz="1022350">
-            <a:lnSpc>
-              <a:spcPct val="90000"/>
-            </a:lnSpc>
-            <a:spcBef>
-              <a:spcPct val="0"/>
-            </a:spcBef>
-            <a:spcAft>
-              <a:spcPct val="15000"/>
-            </a:spcAft>
-            <a:buChar char="••"/>
-          </a:pPr>
-          <a:r>
-            <a:rPr lang="es-ES" sz="2300" kern="1200" dirty="0"/>
-            <a:t>52,54%</a:t>
-          </a:r>
-        </a:p>
-        <a:p>
-          <a:pPr marL="228600" lvl="1" indent="-228600" algn="l" defTabSz="1022350">
-            <a:lnSpc>
-              <a:spcPct val="90000"/>
-            </a:lnSpc>
-            <a:spcBef>
-              <a:spcPct val="0"/>
-            </a:spcBef>
-            <a:spcAft>
-              <a:spcPct val="15000"/>
-            </a:spcAft>
-            <a:buChar char="••"/>
-          </a:pPr>
-          <a:r>
-            <a:rPr lang="es-ES" sz="2300" kern="1200" dirty="0"/>
-            <a:t>51,63%</a:t>
-          </a:r>
-        </a:p>
-      </dsp:txBody>
-      <dsp:txXfrm>
-        <a:off x="679750" y="3157410"/>
-        <a:ext cx="1436621" cy="997077"/>
-      </dsp:txXfrm>
-    </dsp:sp>
-    <dsp:sp modelId="{A42844D4-CF61-46EB-9411-31A9060C43A2}">
-      <dsp:nvSpPr>
-        <dsp:cNvPr id="0" name=""/>
-        <dsp:cNvSpPr/>
-      </dsp:nvSpPr>
-      <dsp:spPr>
-        <a:xfrm>
-          <a:off x="4028267" y="0"/>
-          <a:ext cx="2052317" cy="1329436"/>
-        </a:xfrm>
-        <a:prstGeom prst="roundRect">
-          <a:avLst>
-            <a:gd name="adj" fmla="val 10000"/>
-          </a:avLst>
-        </a:prstGeom>
-        <a:solidFill>
-          <a:schemeClr val="dk1">
-            <a:alpha val="90000"/>
-            <a:tint val="40000"/>
-            <a:hueOff val="0"/>
-            <a:satOff val="0"/>
-            <a:lumOff val="0"/>
-            <a:alphaOff val="0"/>
-          </a:schemeClr>
-        </a:solidFill>
-        <a:ln w="12700" cap="flat" cmpd="sng" algn="ctr">
-          <a:solidFill>
-            <a:schemeClr val="dk1">
-              <a:hueOff val="0"/>
-              <a:satOff val="0"/>
-              <a:lumOff val="0"/>
-              <a:alphaOff val="0"/>
-            </a:schemeClr>
-          </a:solidFill>
-          <a:prstDash val="solid"/>
-          <a:miter lim="800000"/>
-        </a:ln>
-        <a:effectLst/>
-      </dsp:spPr>
-      <dsp:style>
-        <a:lnRef idx="2">
-          <a:scrgbClr r="0" g="0" b="0"/>
-        </a:lnRef>
-        <a:fillRef idx="1">
-          <a:scrgbClr r="0" g="0" b="0"/>
-        </a:fillRef>
-        <a:effectRef idx="0">
-          <a:scrgbClr r="0" g="0" b="0"/>
-        </a:effectRef>
-        <a:fontRef idx="minor"/>
-      </dsp:style>
-      <dsp:txBody>
-        <a:bodyPr spcFirstLastPara="0" vert="horz" wrap="square" lIns="114300" tIns="114300" rIns="114300" bIns="114300" numCol="1" spcCol="1270" anchor="t" anchorCtr="0">
-          <a:noAutofit/>
-        </a:bodyPr>
-        <a:lstStyle/>
-        <a:p>
-          <a:pPr marL="228600" lvl="1" indent="-228600" algn="l" defTabSz="1022350">
-            <a:lnSpc>
-              <a:spcPct val="90000"/>
-            </a:lnSpc>
-            <a:spcBef>
-              <a:spcPct val="0"/>
-            </a:spcBef>
-            <a:spcAft>
-              <a:spcPct val="15000"/>
-            </a:spcAft>
-            <a:buChar char="••"/>
-          </a:pPr>
-          <a:r>
-            <a:rPr lang="es-ES" sz="2300" kern="1200" dirty="0"/>
-            <a:t>52,79%</a:t>
-          </a:r>
-        </a:p>
-        <a:p>
-          <a:pPr marL="228600" lvl="1" indent="-228600" algn="l" defTabSz="1022350">
-            <a:lnSpc>
-              <a:spcPct val="90000"/>
-            </a:lnSpc>
-            <a:spcBef>
-              <a:spcPct val="0"/>
-            </a:spcBef>
-            <a:spcAft>
-              <a:spcPct val="15000"/>
-            </a:spcAft>
-            <a:buChar char="••"/>
-          </a:pPr>
-          <a:r>
-            <a:rPr lang="es-ES" sz="2300" kern="1200" dirty="0"/>
-            <a:t>52,49%</a:t>
-          </a:r>
-        </a:p>
-      </dsp:txBody>
-      <dsp:txXfrm>
-        <a:off x="4643962" y="0"/>
-        <a:ext cx="1436621" cy="997077"/>
-      </dsp:txXfrm>
-    </dsp:sp>
-    <dsp:sp modelId="{8A2642FA-7F26-4103-BB47-2B53943E1A3F}">
-      <dsp:nvSpPr>
-        <dsp:cNvPr id="0" name=""/>
-        <dsp:cNvSpPr/>
-      </dsp:nvSpPr>
-      <dsp:spPr>
-        <a:xfrm>
-          <a:off x="679750" y="0"/>
-          <a:ext cx="2052317" cy="1329436"/>
-        </a:xfrm>
-        <a:prstGeom prst="roundRect">
-          <a:avLst>
-            <a:gd name="adj" fmla="val 10000"/>
-          </a:avLst>
-        </a:prstGeom>
-        <a:solidFill>
-          <a:schemeClr val="dk1">
-            <a:alpha val="90000"/>
-            <a:tint val="40000"/>
-            <a:hueOff val="0"/>
-            <a:satOff val="0"/>
-            <a:lumOff val="0"/>
-            <a:alphaOff val="0"/>
-          </a:schemeClr>
-        </a:solidFill>
-        <a:ln w="12700" cap="flat" cmpd="sng" algn="ctr">
-          <a:solidFill>
-            <a:schemeClr val="dk1">
-              <a:hueOff val="0"/>
-              <a:satOff val="0"/>
-              <a:lumOff val="0"/>
-              <a:alphaOff val="0"/>
-            </a:schemeClr>
-          </a:solidFill>
-          <a:prstDash val="solid"/>
-          <a:miter lim="800000"/>
-        </a:ln>
-        <a:effectLst/>
-      </dsp:spPr>
-      <dsp:style>
-        <a:lnRef idx="2">
-          <a:scrgbClr r="0" g="0" b="0"/>
-        </a:lnRef>
-        <a:fillRef idx="1">
-          <a:scrgbClr r="0" g="0" b="0"/>
-        </a:fillRef>
-        <a:effectRef idx="0">
-          <a:scrgbClr r="0" g="0" b="0"/>
-        </a:effectRef>
-        <a:fontRef idx="minor"/>
-      </dsp:style>
-      <dsp:txBody>
-        <a:bodyPr spcFirstLastPara="0" vert="horz" wrap="square" lIns="114300" tIns="114300" rIns="114300" bIns="114300" numCol="1" spcCol="1270" anchor="t" anchorCtr="0">
-          <a:noAutofit/>
-        </a:bodyPr>
-        <a:lstStyle/>
-        <a:p>
-          <a:pPr marL="228600" lvl="1" indent="-228600" algn="l" defTabSz="1022350">
-            <a:lnSpc>
-              <a:spcPct val="90000"/>
-            </a:lnSpc>
-            <a:spcBef>
-              <a:spcPct val="0"/>
-            </a:spcBef>
-            <a:spcAft>
-              <a:spcPct val="15000"/>
-            </a:spcAft>
-            <a:buChar char="••"/>
-          </a:pPr>
-          <a:r>
-            <a:rPr lang="es-ES" sz="2300" kern="1200" dirty="0"/>
-            <a:t>51,54%</a:t>
-          </a:r>
-        </a:p>
-        <a:p>
-          <a:pPr marL="228600" lvl="1" indent="-228600" algn="l" defTabSz="1022350">
-            <a:lnSpc>
-              <a:spcPct val="90000"/>
-            </a:lnSpc>
-            <a:spcBef>
-              <a:spcPct val="0"/>
-            </a:spcBef>
-            <a:spcAft>
-              <a:spcPct val="15000"/>
-            </a:spcAft>
-            <a:buChar char="••"/>
-          </a:pPr>
-          <a:r>
-            <a:rPr lang="es-ES" sz="2300" kern="1200" dirty="0"/>
-            <a:t>48,37%</a:t>
-          </a:r>
-        </a:p>
-      </dsp:txBody>
-      <dsp:txXfrm>
-        <a:off x="679750" y="0"/>
-        <a:ext cx="1436621" cy="997077"/>
-      </dsp:txXfrm>
-    </dsp:sp>
-    <dsp:sp modelId="{6718675A-70DE-44E9-B5AF-9DBE7E86FF11}">
-      <dsp:nvSpPr>
-        <dsp:cNvPr id="0" name=""/>
-        <dsp:cNvSpPr/>
-      </dsp:nvSpPr>
-      <dsp:spPr>
-        <a:xfrm>
-          <a:off x="1539729" y="236805"/>
-          <a:ext cx="1798893" cy="1798893"/>
-        </a:xfrm>
-        <a:prstGeom prst="pieWedge">
-          <a:avLst/>
-        </a:prstGeom>
-        <a:solidFill>
-          <a:schemeClr val="lt1">
-            <a:hueOff val="0"/>
-            <a:satOff val="0"/>
-            <a:lumOff val="0"/>
-            <a:alphaOff val="0"/>
-          </a:schemeClr>
-        </a:solidFill>
-        <a:ln w="12700" cap="flat" cmpd="sng" algn="ctr">
-          <a:solidFill>
-            <a:schemeClr val="dk1">
-              <a:shade val="80000"/>
-              <a:hueOff val="0"/>
-              <a:satOff val="0"/>
-              <a:lumOff val="0"/>
-              <a:alphaOff val="0"/>
-            </a:schemeClr>
-          </a:solidFill>
-          <a:prstDash val="solid"/>
-          <a:miter lim="800000"/>
-        </a:ln>
-        <a:effectLst/>
-      </dsp:spPr>
-      <dsp:style>
-        <a:lnRef idx="2">
-          <a:scrgbClr r="0" g="0" b="0"/>
-        </a:lnRef>
-        <a:fillRef idx="1">
-          <a:scrgbClr r="0" g="0" b="0"/>
-        </a:fillRef>
-        <a:effectRef idx="0">
-          <a:scrgbClr r="0" g="0" b="0"/>
-        </a:effectRef>
-        <a:fontRef idx="minor">
-          <a:schemeClr val="lt1"/>
-        </a:fontRef>
-      </dsp:style>
-      <dsp:txBody>
-        <a:bodyPr spcFirstLastPara="0" vert="horz" wrap="square" lIns="156464" tIns="156464" rIns="156464" bIns="156464" numCol="1" spcCol="1270" anchor="ctr" anchorCtr="0">
-          <a:noAutofit/>
-        </a:bodyPr>
-        <a:lstStyle/>
-        <a:p>
-          <a:pPr lvl="0" algn="ctr" defTabSz="977900">
-            <a:lnSpc>
-              <a:spcPct val="90000"/>
-            </a:lnSpc>
-            <a:spcBef>
-              <a:spcPct val="0"/>
-            </a:spcBef>
-            <a:spcAft>
-              <a:spcPct val="35000"/>
-            </a:spcAft>
-          </a:pPr>
-          <a:r>
-            <a:rPr lang="es-ES" sz="2200" kern="1200" dirty="0"/>
-            <a:t>Datos reales</a:t>
-          </a:r>
-        </a:p>
-      </dsp:txBody>
-      <dsp:txXfrm>
-        <a:off x="1539729" y="236805"/>
-        <a:ext cx="1798893" cy="1798893"/>
-      </dsp:txXfrm>
-    </dsp:sp>
-    <dsp:sp modelId="{F4A3C5F3-3AAD-4360-9C14-66DA25B31EA2}">
-      <dsp:nvSpPr>
-        <dsp:cNvPr id="0" name=""/>
-        <dsp:cNvSpPr/>
-      </dsp:nvSpPr>
-      <dsp:spPr>
-        <a:xfrm rot="5400000">
-          <a:off x="3421712" y="236805"/>
-          <a:ext cx="1798893" cy="1798893"/>
-        </a:xfrm>
-        <a:prstGeom prst="pieWedge">
-          <a:avLst/>
-        </a:prstGeom>
-        <a:solidFill>
-          <a:schemeClr val="lt1">
-            <a:hueOff val="0"/>
-            <a:satOff val="0"/>
-            <a:lumOff val="0"/>
-            <a:alphaOff val="0"/>
-          </a:schemeClr>
-        </a:solidFill>
-        <a:ln w="12700" cap="flat" cmpd="sng" algn="ctr">
-          <a:solidFill>
-            <a:schemeClr val="dk1">
-              <a:shade val="80000"/>
-              <a:hueOff val="0"/>
-              <a:satOff val="0"/>
-              <a:lumOff val="0"/>
-              <a:alphaOff val="0"/>
-            </a:schemeClr>
-          </a:solidFill>
-          <a:prstDash val="solid"/>
-          <a:miter lim="800000"/>
-        </a:ln>
-        <a:effectLst/>
-      </dsp:spPr>
-      <dsp:style>
-        <a:lnRef idx="2">
-          <a:scrgbClr r="0" g="0" b="0"/>
-        </a:lnRef>
-        <a:fillRef idx="1">
-          <a:scrgbClr r="0" g="0" b="0"/>
-        </a:fillRef>
-        <a:effectRef idx="0">
-          <a:scrgbClr r="0" g="0" b="0"/>
-        </a:effectRef>
-        <a:fontRef idx="minor">
-          <a:schemeClr val="lt1"/>
-        </a:fontRef>
-      </dsp:style>
-      <dsp:txBody>
-        <a:bodyPr spcFirstLastPara="0" vert="horz" wrap="square" lIns="156464" tIns="156464" rIns="156464" bIns="156464" numCol="1" spcCol="1270" anchor="ctr" anchorCtr="0">
-          <a:noAutofit/>
-        </a:bodyPr>
-        <a:lstStyle/>
-        <a:p>
-          <a:pPr lvl="0" algn="ctr" defTabSz="977900">
-            <a:lnSpc>
-              <a:spcPct val="90000"/>
-            </a:lnSpc>
-            <a:spcBef>
-              <a:spcPct val="0"/>
-            </a:spcBef>
-            <a:spcAft>
-              <a:spcPct val="35000"/>
-            </a:spcAft>
-          </a:pPr>
-          <a:r>
-            <a:rPr lang="es-ES" sz="2200" kern="1200" dirty="0"/>
-            <a:t>Cambio</a:t>
-          </a:r>
-        </a:p>
-      </dsp:txBody>
-      <dsp:txXfrm rot="5400000">
-        <a:off x="3421712" y="236805"/>
-        <a:ext cx="1798893" cy="1798893"/>
-      </dsp:txXfrm>
-    </dsp:sp>
-    <dsp:sp modelId="{56F22035-025B-40EF-A575-1CBD3F36B30A}">
-      <dsp:nvSpPr>
-        <dsp:cNvPr id="0" name=""/>
-        <dsp:cNvSpPr/>
-      </dsp:nvSpPr>
-      <dsp:spPr>
-        <a:xfrm rot="10800000">
-          <a:off x="3421712" y="2118788"/>
-          <a:ext cx="1798893" cy="1798893"/>
-        </a:xfrm>
-        <a:prstGeom prst="pieWedge">
-          <a:avLst/>
-        </a:prstGeom>
-        <a:solidFill>
-          <a:schemeClr val="lt1">
-            <a:hueOff val="0"/>
-            <a:satOff val="0"/>
-            <a:lumOff val="0"/>
-            <a:alphaOff val="0"/>
-          </a:schemeClr>
-        </a:solidFill>
-        <a:ln w="12700" cap="flat" cmpd="sng" algn="ctr">
-          <a:solidFill>
-            <a:schemeClr val="dk1">
-              <a:shade val="80000"/>
-              <a:hueOff val="0"/>
-              <a:satOff val="0"/>
-              <a:lumOff val="0"/>
-              <a:alphaOff val="0"/>
-            </a:schemeClr>
-          </a:solidFill>
-          <a:prstDash val="solid"/>
-          <a:miter lim="800000"/>
-        </a:ln>
-        <a:effectLst/>
-      </dsp:spPr>
-      <dsp:style>
-        <a:lnRef idx="2">
-          <a:scrgbClr r="0" g="0" b="0"/>
-        </a:lnRef>
-        <a:fillRef idx="1">
-          <a:scrgbClr r="0" g="0" b="0"/>
-        </a:fillRef>
-        <a:effectRef idx="0">
-          <a:scrgbClr r="0" g="0" b="0"/>
-        </a:effectRef>
-        <a:fontRef idx="minor">
-          <a:schemeClr val="lt1"/>
-        </a:fontRef>
-      </dsp:style>
-      <dsp:txBody>
-        <a:bodyPr spcFirstLastPara="0" vert="horz" wrap="square" lIns="156464" tIns="156464" rIns="156464" bIns="156464" numCol="1" spcCol="1270" anchor="ctr" anchorCtr="0">
-          <a:noAutofit/>
-        </a:bodyPr>
-        <a:lstStyle/>
-        <a:p>
-          <a:pPr lvl="0" algn="ctr" defTabSz="977900">
-            <a:lnSpc>
-              <a:spcPct val="90000"/>
-            </a:lnSpc>
-            <a:spcBef>
-              <a:spcPct val="0"/>
-            </a:spcBef>
-            <a:spcAft>
-              <a:spcPct val="35000"/>
-            </a:spcAft>
-          </a:pPr>
-          <a:r>
-            <a:rPr lang="es-ES" sz="2200" kern="1200" dirty="0"/>
-            <a:t>% de cambio</a:t>
-          </a:r>
-        </a:p>
-      </dsp:txBody>
-      <dsp:txXfrm rot="10800000">
-        <a:off x="3421712" y="2118788"/>
-        <a:ext cx="1798893" cy="1798893"/>
-      </dsp:txXfrm>
-    </dsp:sp>
-    <dsp:sp modelId="{87BB4812-2E13-4BDB-B894-129CF83F275F}">
-      <dsp:nvSpPr>
-        <dsp:cNvPr id="0" name=""/>
-        <dsp:cNvSpPr/>
-      </dsp:nvSpPr>
-      <dsp:spPr>
-        <a:xfrm rot="16200000">
-          <a:off x="1539729" y="2118788"/>
-          <a:ext cx="1798893" cy="1798893"/>
-        </a:xfrm>
-        <a:prstGeom prst="pieWedge">
-          <a:avLst/>
-        </a:prstGeom>
-        <a:solidFill>
-          <a:schemeClr val="lt1">
-            <a:hueOff val="0"/>
-            <a:satOff val="0"/>
-            <a:lumOff val="0"/>
-            <a:alphaOff val="0"/>
-          </a:schemeClr>
-        </a:solidFill>
-        <a:ln w="12700" cap="flat" cmpd="sng" algn="ctr">
-          <a:solidFill>
-            <a:schemeClr val="dk1">
-              <a:shade val="80000"/>
-              <a:hueOff val="0"/>
-              <a:satOff val="0"/>
-              <a:lumOff val="0"/>
-              <a:alphaOff val="0"/>
-            </a:schemeClr>
-          </a:solidFill>
-          <a:prstDash val="solid"/>
-          <a:miter lim="800000"/>
-        </a:ln>
-        <a:effectLst/>
-      </dsp:spPr>
-      <dsp:style>
-        <a:lnRef idx="2">
-          <a:scrgbClr r="0" g="0" b="0"/>
-        </a:lnRef>
-        <a:fillRef idx="1">
-          <a:scrgbClr r="0" g="0" b="0"/>
-        </a:fillRef>
-        <a:effectRef idx="0">
-          <a:scrgbClr r="0" g="0" b="0"/>
-        </a:effectRef>
-        <a:fontRef idx="minor">
-          <a:schemeClr val="lt1"/>
-        </a:fontRef>
-      </dsp:style>
-      <dsp:txBody>
-        <a:bodyPr spcFirstLastPara="0" vert="horz" wrap="square" lIns="156464" tIns="156464" rIns="156464" bIns="156464" numCol="1" spcCol="1270" anchor="ctr" anchorCtr="0">
-          <a:noAutofit/>
-        </a:bodyPr>
-        <a:lstStyle/>
-        <a:p>
-          <a:pPr lvl="0" algn="ctr" defTabSz="977900">
-            <a:lnSpc>
-              <a:spcPct val="90000"/>
-            </a:lnSpc>
-            <a:spcBef>
-              <a:spcPct val="0"/>
-            </a:spcBef>
-            <a:spcAft>
-              <a:spcPct val="35000"/>
-            </a:spcAft>
-          </a:pPr>
-          <a:r>
-            <a:rPr lang="es-ES" sz="2200" kern="1200" dirty="0"/>
-            <a:t>Datos norma-</a:t>
-          </a:r>
-          <a:r>
-            <a:rPr lang="es-ES" sz="2200" kern="1200" dirty="0" err="1"/>
-            <a:t>lizados</a:t>
-          </a:r>
-          <a:endParaRPr lang="es-ES" sz="2200" kern="1200" dirty="0"/>
-        </a:p>
-      </dsp:txBody>
-      <dsp:txXfrm rot="16200000">
-        <a:off x="1539729" y="2118788"/>
-        <a:ext cx="1798893" cy="1798893"/>
-      </dsp:txXfrm>
-    </dsp:sp>
-    <dsp:sp modelId="{6A133638-247C-4CB0-9A18-077A4F6F0852}">
-      <dsp:nvSpPr>
-        <dsp:cNvPr id="0" name=""/>
-        <dsp:cNvSpPr/>
-      </dsp:nvSpPr>
-      <dsp:spPr>
-        <a:xfrm>
-          <a:off x="3069619" y="1703340"/>
-          <a:ext cx="621095" cy="540083"/>
-        </a:xfrm>
-        <a:prstGeom prst="circularArrow">
-          <a:avLst/>
-        </a:prstGeom>
-        <a:solidFill>
-          <a:schemeClr val="dk1">
-            <a:tint val="60000"/>
-            <a:hueOff val="0"/>
-            <a:satOff val="0"/>
-            <a:lumOff val="0"/>
-            <a:alphaOff val="0"/>
-          </a:schemeClr>
-        </a:solidFill>
-        <a:ln w="12700" cap="flat" cmpd="sng" algn="ctr">
-          <a:solidFill>
-            <a:schemeClr val="lt1">
-              <a:hueOff val="0"/>
-              <a:satOff val="0"/>
-              <a:lumOff val="0"/>
-              <a:alphaOff val="0"/>
-            </a:schemeClr>
-          </a:solidFill>
-          <a:prstDash val="solid"/>
-          <a:miter lim="800000"/>
-        </a:ln>
-        <a:effectLst/>
-      </dsp:spPr>
-      <dsp:style>
-        <a:lnRef idx="2">
-          <a:scrgbClr r="0" g="0" b="0"/>
-        </a:lnRef>
-        <a:fillRef idx="1">
-          <a:scrgbClr r="0" g="0" b="0"/>
-        </a:fillRef>
-        <a:effectRef idx="0">
-          <a:scrgbClr r="0" g="0" b="0"/>
-        </a:effectRef>
-        <a:fontRef idx="minor"/>
-      </dsp:style>
-    </dsp:sp>
-    <dsp:sp modelId="{970E7503-A67D-4C42-A7A2-5D00C445D59B}">
-      <dsp:nvSpPr>
-        <dsp:cNvPr id="0" name=""/>
-        <dsp:cNvSpPr/>
-      </dsp:nvSpPr>
-      <dsp:spPr>
-        <a:xfrm rot="10800000">
-          <a:off x="3069619" y="1911064"/>
-          <a:ext cx="621095" cy="540083"/>
-        </a:xfrm>
-        <a:prstGeom prst="circularArrow">
-          <a:avLst/>
-        </a:prstGeom>
-        <a:solidFill>
-          <a:schemeClr val="dk1">
-            <a:tint val="60000"/>
-            <a:hueOff val="0"/>
-            <a:satOff val="0"/>
-            <a:lumOff val="0"/>
-            <a:alphaOff val="0"/>
-          </a:schemeClr>
-        </a:solidFill>
-        <a:ln w="12700" cap="flat" cmpd="sng" algn="ctr">
-          <a:solidFill>
-            <a:schemeClr val="lt1">
-              <a:hueOff val="0"/>
-              <a:satOff val="0"/>
-              <a:lumOff val="0"/>
-              <a:alphaOff val="0"/>
-            </a:schemeClr>
-          </a:solidFill>
-          <a:prstDash val="solid"/>
-          <a:miter lim="800000"/>
-        </a:ln>
-        <a:effectLst/>
-      </dsp:spPr>
-      <dsp:style>
-        <a:lnRef idx="2">
-          <a:scrgbClr r="0" g="0" b="0"/>
-        </a:lnRef>
-        <a:fillRef idx="1">
-          <a:scrgbClr r="0" g="0" b="0"/>
-        </a:fillRef>
-        <a:effectRef idx="0">
-          <a:scrgbClr r="0" g="0" b="0"/>
-        </a:effectRef>
-        <a:fontRef idx="minor"/>
-      </dsp:style>
-    </dsp:sp>
   </dsp:spTree>
 </dsp:drawing>
 </file>
@@ -15035,7 +12885,7 @@
     </p:spTree>
     <p:extLst>
       <p:ext uri="{BB962C8B-B14F-4D97-AF65-F5344CB8AC3E}">
-        <p14:creationId xmlns:p14="http://schemas.microsoft.com/office/powerpoint/2010/main" xmlns="" val="721522238"/>
+        <p14:creationId xmlns="" xmlns:p14="http://schemas.microsoft.com/office/powerpoint/2010/main" val="721522238"/>
       </p:ext>
     </p:extLst>
   </p:cSld>
@@ -15205,7 +13055,7 @@
     </p:spTree>
     <p:extLst>
       <p:ext uri="{BB962C8B-B14F-4D97-AF65-F5344CB8AC3E}">
-        <p14:creationId xmlns:p14="http://schemas.microsoft.com/office/powerpoint/2010/main" xmlns="" val="135684423"/>
+        <p14:creationId xmlns="" xmlns:p14="http://schemas.microsoft.com/office/powerpoint/2010/main" val="135684423"/>
       </p:ext>
     </p:extLst>
   </p:cSld>
@@ -15385,7 +13235,7 @@
     </p:spTree>
     <p:extLst>
       <p:ext uri="{BB962C8B-B14F-4D97-AF65-F5344CB8AC3E}">
-        <p14:creationId xmlns:p14="http://schemas.microsoft.com/office/powerpoint/2010/main" xmlns="" val="3975291223"/>
+        <p14:creationId xmlns="" xmlns:p14="http://schemas.microsoft.com/office/powerpoint/2010/main" val="3975291223"/>
       </p:ext>
     </p:extLst>
   </p:cSld>
@@ -15555,7 +13405,7 @@
     </p:spTree>
     <p:extLst>
       <p:ext uri="{BB962C8B-B14F-4D97-AF65-F5344CB8AC3E}">
-        <p14:creationId xmlns:p14="http://schemas.microsoft.com/office/powerpoint/2010/main" xmlns="" val="1968913757"/>
+        <p14:creationId xmlns="" xmlns:p14="http://schemas.microsoft.com/office/powerpoint/2010/main" val="1968913757"/>
       </p:ext>
     </p:extLst>
   </p:cSld>
@@ -15802,7 +13652,7 @@
     </p:spTree>
     <p:extLst>
       <p:ext uri="{BB962C8B-B14F-4D97-AF65-F5344CB8AC3E}">
-        <p14:creationId xmlns:p14="http://schemas.microsoft.com/office/powerpoint/2010/main" xmlns="" val="2799282520"/>
+        <p14:creationId xmlns="" xmlns:p14="http://schemas.microsoft.com/office/powerpoint/2010/main" val="2799282520"/>
       </p:ext>
     </p:extLst>
   </p:cSld>
@@ -16033,7 +13883,7 @@
     </p:spTree>
     <p:extLst>
       <p:ext uri="{BB962C8B-B14F-4D97-AF65-F5344CB8AC3E}">
-        <p14:creationId xmlns:p14="http://schemas.microsoft.com/office/powerpoint/2010/main" xmlns="" val="1853813525"/>
+        <p14:creationId xmlns="" xmlns:p14="http://schemas.microsoft.com/office/powerpoint/2010/main" val="1853813525"/>
       </p:ext>
     </p:extLst>
   </p:cSld>
@@ -16399,7 +14249,7 @@
     </p:spTree>
     <p:extLst>
       <p:ext uri="{BB962C8B-B14F-4D97-AF65-F5344CB8AC3E}">
-        <p14:creationId xmlns:p14="http://schemas.microsoft.com/office/powerpoint/2010/main" xmlns="" val="737120130"/>
+        <p14:creationId xmlns="" xmlns:p14="http://schemas.microsoft.com/office/powerpoint/2010/main" val="737120130"/>
       </p:ext>
     </p:extLst>
   </p:cSld>
@@ -16518,7 +14368,7 @@
     </p:spTree>
     <p:extLst>
       <p:ext uri="{BB962C8B-B14F-4D97-AF65-F5344CB8AC3E}">
-        <p14:creationId xmlns:p14="http://schemas.microsoft.com/office/powerpoint/2010/main" xmlns="" val="2270560658"/>
+        <p14:creationId xmlns="" xmlns:p14="http://schemas.microsoft.com/office/powerpoint/2010/main" val="2270560658"/>
       </p:ext>
     </p:extLst>
   </p:cSld>
@@ -16615,7 +14465,7 @@
     </p:spTree>
     <p:extLst>
       <p:ext uri="{BB962C8B-B14F-4D97-AF65-F5344CB8AC3E}">
-        <p14:creationId xmlns:p14="http://schemas.microsoft.com/office/powerpoint/2010/main" xmlns="" val="811916423"/>
+        <p14:creationId xmlns="" xmlns:p14="http://schemas.microsoft.com/office/powerpoint/2010/main" val="811916423"/>
       </p:ext>
     </p:extLst>
   </p:cSld>
@@ -16892,7 +14742,7 @@
     </p:spTree>
     <p:extLst>
       <p:ext uri="{BB962C8B-B14F-4D97-AF65-F5344CB8AC3E}">
-        <p14:creationId xmlns:p14="http://schemas.microsoft.com/office/powerpoint/2010/main" xmlns="" val="1572738696"/>
+        <p14:creationId xmlns="" xmlns:p14="http://schemas.microsoft.com/office/powerpoint/2010/main" val="1572738696"/>
       </p:ext>
     </p:extLst>
   </p:cSld>
@@ -17146,7 +14996,7 @@
     </p:spTree>
     <p:extLst>
       <p:ext uri="{BB962C8B-B14F-4D97-AF65-F5344CB8AC3E}">
-        <p14:creationId xmlns:p14="http://schemas.microsoft.com/office/powerpoint/2010/main" xmlns="" val="3988956279"/>
+        <p14:creationId xmlns="" xmlns:p14="http://schemas.microsoft.com/office/powerpoint/2010/main" val="3988956279"/>
       </p:ext>
     </p:extLst>
   </p:cSld>
@@ -17395,7 +15245,7 @@
     </p:spTree>
     <p:extLst>
       <p:ext uri="{BB962C8B-B14F-4D97-AF65-F5344CB8AC3E}">
-        <p14:creationId xmlns:p14="http://schemas.microsoft.com/office/powerpoint/2010/main" xmlns="" val="1495448227"/>
+        <p14:creationId xmlns="" xmlns:p14="http://schemas.microsoft.com/office/powerpoint/2010/main" val="1495448227"/>
       </p:ext>
     </p:extLst>
   </p:cSld>
@@ -17725,7 +15575,7 @@
           <a:blip r:embed="rId2" cstate="print">
             <a:extLst>
               <a:ext uri="{28A0092B-C50C-407E-A947-70E740481C1C}">
-                <a14:useLocalDpi xmlns:a14="http://schemas.microsoft.com/office/drawing/2010/main" xmlns="" val="0"/>
+                <a14:useLocalDpi xmlns="" xmlns:a14="http://schemas.microsoft.com/office/drawing/2010/main" val="0"/>
               </a:ext>
             </a:extLst>
           </a:blip>
@@ -17743,7 +15593,7 @@
           <a:noFill/>
           <a:extLst>
             <a:ext uri="{909E8E84-426E-40DD-AFC4-6F175D3DCCD1}">
-              <a14:hiddenFill xmlns:a14="http://schemas.microsoft.com/office/drawing/2010/main" xmlns="">
+              <a14:hiddenFill xmlns="" xmlns:a14="http://schemas.microsoft.com/office/drawing/2010/main">
                 <a:solidFill>
                   <a:srgbClr val="FFFFFF"/>
                 </a:solidFill>
@@ -17761,7 +15611,7 @@
           <p:nvPr>
             <p:extLst>
               <p:ext uri="{386F3935-93C4-4BCD-93E2-E3B085C9AB24}">
-                <p16:designElem xmlns:p16="http://schemas.microsoft.com/office/powerpoint/2015/main" xmlns="" val="1"/>
+                <p16:designElem xmlns="" xmlns:p16="http://schemas.microsoft.com/office/powerpoint/2015/main" val="1"/>
               </p:ext>
             </p:extLst>
           </p:nvPr>
@@ -17894,7 +15744,7 @@
           <p:nvPr>
             <p:extLst>
               <p:ext uri="{386F3935-93C4-4BCD-93E2-E3B085C9AB24}">
-                <p16:designElem xmlns:p16="http://schemas.microsoft.com/office/powerpoint/2015/main" xmlns="" val="1"/>
+                <p16:designElem xmlns="" xmlns:p16="http://schemas.microsoft.com/office/powerpoint/2015/main" val="1"/>
               </p:ext>
             </p:extLst>
           </p:nvPr>
@@ -18087,7 +15937,7 @@
     </p:spTree>
     <p:extLst>
       <p:ext uri="{BB962C8B-B14F-4D97-AF65-F5344CB8AC3E}">
-        <p14:creationId xmlns:p14="http://schemas.microsoft.com/office/powerpoint/2010/main" xmlns="" val="3457958263"/>
+        <p14:creationId xmlns="" xmlns:p14="http://schemas.microsoft.com/office/powerpoint/2010/main" val="3457958263"/>
       </p:ext>
     </p:extLst>
   </p:cSld>
@@ -18116,14 +15966,14 @@
       </p:grpSpPr>
       <p:sp>
         <p:nvSpPr>
-          <p:cNvPr id="12" name="Rectangle 11"/>
+          <p:cNvPr id="22" name="Rectangle 7"/>
           <p:cNvSpPr>
             <a:spLocks noGrp="1" noRot="1" noChangeAspect="1" noMove="1" noResize="1" noEditPoints="1" noAdjustHandles="1" noChangeArrowheads="1" noChangeShapeType="1" noTextEdit="1"/>
           </p:cNvSpPr>
           <p:nvPr>
             <p:extLst>
               <p:ext uri="{386F3935-93C4-4BCD-93E2-E3B085C9AB24}">
-                <p16:designElem xmlns:p16="http://schemas.microsoft.com/office/powerpoint/2015/main" xmlns="" val="1"/>
+                <p16:designElem xmlns="" xmlns:p16="http://schemas.microsoft.com/office/powerpoint/2015/main" val="1"/>
               </p:ext>
             </p:extLst>
           </p:nvPr>
@@ -18147,14 +15997,14 @@
       </p:sp>
       <p:sp>
         <p:nvSpPr>
-          <p:cNvPr id="13" name="Rectangle 12"/>
+          <p:cNvPr id="9" name="Rectangle 8"/>
           <p:cNvSpPr>
             <a:spLocks noGrp="1" noRot="1" noChangeAspect="1" noMove="1" noResize="1" noEditPoints="1" noAdjustHandles="1" noChangeArrowheads="1" noChangeShapeType="1" noTextEdit="1"/>
           </p:cNvSpPr>
           <p:nvPr>
             <p:extLst>
               <p:ext uri="{386F3935-93C4-4BCD-93E2-E3B085C9AB24}">
-                <p16:designElem xmlns:p16="http://schemas.microsoft.com/office/powerpoint/2015/main" xmlns="" val="1"/>
+                <p16:designElem xmlns="" xmlns:p16="http://schemas.microsoft.com/office/powerpoint/2015/main" val="1"/>
               </p:ext>
             </p:extLst>
           </p:nvPr>
@@ -18203,28 +16053,21 @@
       </p:sp>
       <p:pic>
         <p:nvPicPr>
-          <p:cNvPr id="8" name="Imagen 7"/>
+          <p:cNvPr id="6" name="Marcador de contenido 3"/>
           <p:cNvPicPr>
             <a:picLocks noChangeAspect="1"/>
           </p:cNvPicPr>
           <p:nvPr/>
         </p:nvPicPr>
-        <p:blipFill>
-          <a:blip r:embed="rId2" cstate="print">
-            <a:extLst>
-              <a:ext uri="{28A0092B-C50C-407E-A947-70E740481C1C}">
-                <a14:useLocalDpi xmlns:a14="http://schemas.microsoft.com/office/drawing/2010/main" xmlns="" val="0"/>
-              </a:ext>
-            </a:extLst>
-          </a:blip>
-          <a:stretch>
-            <a:fillRect/>
-          </a:stretch>
+        <p:blipFill rotWithShape="1">
+          <a:blip r:embed="rId2" cstate="print"/>
+          <a:srcRect/>
+          <a:stretch/>
         </p:blipFill>
         <p:spPr>
           <a:xfrm>
-            <a:off x="754523" y="1388303"/>
-            <a:ext cx="10682953" cy="5421600"/>
+            <a:off x="704986" y="1508508"/>
+            <a:ext cx="10782028" cy="5229286"/>
           </a:xfrm>
           <a:prstGeom prst="rect">
             <a:avLst/>
@@ -18255,7 +16098,7 @@
           <a:p>
             <a:pPr algn="ctr"/>
             <a:r>
-              <a:rPr lang="en-US" sz="5400" dirty="0">
+              <a:rPr lang="en-US" sz="4800" dirty="0">
                 <a:solidFill>
                   <a:schemeClr val="bg1"/>
                 </a:solidFill>
@@ -18268,7 +16111,7 @@
     </p:spTree>
     <p:extLst>
       <p:ext uri="{BB962C8B-B14F-4D97-AF65-F5344CB8AC3E}">
-        <p14:creationId xmlns:p14="http://schemas.microsoft.com/office/powerpoint/2010/main" xmlns="" val="38684972"/>
+        <p14:creationId xmlns="" xmlns:p14="http://schemas.microsoft.com/office/powerpoint/2010/main" val="3844390514"/>
       </p:ext>
     </p:extLst>
   </p:cSld>
@@ -18304,7 +16147,7 @@
           <p:nvPr>
             <p:extLst>
               <p:ext uri="{386F3935-93C4-4BCD-93E2-E3B085C9AB24}">
-                <p16:designElem xmlns:p16="http://schemas.microsoft.com/office/powerpoint/2015/main" xmlns="" val="1"/>
+                <p16:designElem xmlns="" xmlns:p16="http://schemas.microsoft.com/office/powerpoint/2015/main" val="1"/>
               </p:ext>
             </p:extLst>
           </p:nvPr>
@@ -18335,7 +16178,7 @@
           <p:nvPr>
             <p:extLst>
               <p:ext uri="{386F3935-93C4-4BCD-93E2-E3B085C9AB24}">
-                <p16:designElem xmlns:p16="http://schemas.microsoft.com/office/powerpoint/2015/main" xmlns="" val="1"/>
+                <p16:designElem xmlns="" xmlns:p16="http://schemas.microsoft.com/office/powerpoint/2015/main" val="1"/>
               </p:ext>
             </p:extLst>
           </p:nvPr>
@@ -18384,6 +16227,187 @@
       </p:sp>
       <p:pic>
         <p:nvPicPr>
+          <p:cNvPr id="8" name="Imagen 7"/>
+          <p:cNvPicPr>
+            <a:picLocks noChangeAspect="1"/>
+          </p:cNvPicPr>
+          <p:nvPr/>
+        </p:nvPicPr>
+        <p:blipFill>
+          <a:blip r:embed="rId2" cstate="print">
+            <a:extLst>
+              <a:ext uri="{28A0092B-C50C-407E-A947-70E740481C1C}">
+                <a14:useLocalDpi xmlns="" xmlns:a14="http://schemas.microsoft.com/office/drawing/2010/main" val="0"/>
+              </a:ext>
+            </a:extLst>
+          </a:blip>
+          <a:stretch>
+            <a:fillRect/>
+          </a:stretch>
+        </p:blipFill>
+        <p:spPr>
+          <a:xfrm>
+            <a:off x="754523" y="1388303"/>
+            <a:ext cx="10682953" cy="5421600"/>
+          </a:xfrm>
+          <a:prstGeom prst="rect">
+            <a:avLst/>
+          </a:prstGeom>
+        </p:spPr>
+      </p:pic>
+      <p:sp>
+        <p:nvSpPr>
+          <p:cNvPr id="2" name="Título 1"/>
+          <p:cNvSpPr>
+            <a:spLocks noGrp="1"/>
+          </p:cNvSpPr>
+          <p:nvPr>
+            <p:ph type="title"/>
+          </p:nvPr>
+        </p:nvSpPr>
+        <p:spPr>
+          <a:xfrm>
+            <a:off x="556532" y="643467"/>
+            <a:ext cx="11210925" cy="744836"/>
+          </a:xfrm>
+        </p:spPr>
+        <p:txBody>
+          <a:bodyPr vert="horz" lIns="91440" tIns="45720" rIns="91440" bIns="45720" rtlCol="0" anchor="ctr">
+            <a:noAutofit/>
+          </a:bodyPr>
+          <a:lstStyle/>
+          <a:p>
+            <a:pPr algn="ctr"/>
+            <a:r>
+              <a:rPr lang="en-US" sz="5400" dirty="0">
+                <a:solidFill>
+                  <a:schemeClr val="bg1"/>
+                </a:solidFill>
+              </a:rPr>
+              <a:t>PROCESAMIENTO DE DATOS</a:t>
+            </a:r>
+          </a:p>
+        </p:txBody>
+      </p:sp>
+    </p:spTree>
+    <p:extLst>
+      <p:ext uri="{BB962C8B-B14F-4D97-AF65-F5344CB8AC3E}">
+        <p14:creationId xmlns="" xmlns:p14="http://schemas.microsoft.com/office/powerpoint/2010/main" val="38684972"/>
+      </p:ext>
+    </p:extLst>
+  </p:cSld>
+  <p:clrMapOvr>
+    <a:masterClrMapping/>
+  </p:clrMapOvr>
+</p:sld>
+</file>
+
+<file path=ppt/slides/slide12.xml><?xml version="1.0" encoding="utf-8"?>
+<p:sld xmlns:a="http://schemas.openxmlformats.org/drawingml/2006/main" xmlns:r="http://schemas.openxmlformats.org/officeDocument/2006/relationships" xmlns:p="http://schemas.openxmlformats.org/presentationml/2006/main">
+  <p:cSld>
+    <p:spTree>
+      <p:nvGrpSpPr>
+        <p:cNvPr id="1" name=""/>
+        <p:cNvGrpSpPr/>
+        <p:nvPr/>
+      </p:nvGrpSpPr>
+      <p:grpSpPr>
+        <a:xfrm>
+          <a:off x="0" y="0"/>
+          <a:ext cx="0" cy="0"/>
+          <a:chOff x="0" y="0"/>
+          <a:chExt cx="0" cy="0"/>
+        </a:xfrm>
+      </p:grpSpPr>
+      <p:sp>
+        <p:nvSpPr>
+          <p:cNvPr id="12" name="Rectangle 11"/>
+          <p:cNvSpPr>
+            <a:spLocks noGrp="1" noRot="1" noChangeAspect="1" noMove="1" noResize="1" noEditPoints="1" noAdjustHandles="1" noChangeArrowheads="1" noChangeShapeType="1" noTextEdit="1"/>
+          </p:cNvSpPr>
+          <p:nvPr>
+            <p:extLst>
+              <p:ext uri="{386F3935-93C4-4BCD-93E2-E3B085C9AB24}">
+                <p16:designElem xmlns="" xmlns:p16="http://schemas.microsoft.com/office/powerpoint/2015/main" val="1"/>
+              </p:ext>
+            </p:extLst>
+          </p:nvPr>
+        </p:nvSpPr>
+        <p:spPr bwMode="white">
+          <a:xfrm>
+            <a:off x="0" y="0"/>
+            <a:ext cx="12192000" cy="6858000"/>
+          </a:xfrm>
+          <a:prstGeom prst="rect">
+            <a:avLst/>
+          </a:prstGeom>
+          <a:solidFill>
+            <a:schemeClr val="bg1"/>
+          </a:solidFill>
+          <a:ln>
+            <a:noFill/>
+          </a:ln>
+          <a:effectLst/>
+        </p:spPr>
+      </p:sp>
+      <p:sp>
+        <p:nvSpPr>
+          <p:cNvPr id="13" name="Rectangle 12"/>
+          <p:cNvSpPr>
+            <a:spLocks noGrp="1" noRot="1" noChangeAspect="1" noMove="1" noResize="1" noEditPoints="1" noAdjustHandles="1" noChangeArrowheads="1" noChangeShapeType="1" noTextEdit="1"/>
+          </p:cNvSpPr>
+          <p:nvPr>
+            <p:extLst>
+              <p:ext uri="{386F3935-93C4-4BCD-93E2-E3B085C9AB24}">
+                <p16:designElem xmlns="" xmlns:p16="http://schemas.microsoft.com/office/powerpoint/2015/main" val="1"/>
+              </p:ext>
+            </p:extLst>
+          </p:nvPr>
+        </p:nvSpPr>
+        <p:spPr>
+          <a:xfrm>
+            <a:off x="0" y="651752"/>
+            <a:ext cx="12192000" cy="736551"/>
+          </a:xfrm>
+          <a:prstGeom prst="rect">
+            <a:avLst/>
+          </a:prstGeom>
+          <a:solidFill>
+            <a:schemeClr val="tx1">
+              <a:alpha val="75000"/>
+            </a:schemeClr>
+          </a:solidFill>
+          <a:ln>
+            <a:noFill/>
+          </a:ln>
+        </p:spPr>
+        <p:style>
+          <a:lnRef idx="2">
+            <a:schemeClr val="accent1">
+              <a:shade val="50000"/>
+            </a:schemeClr>
+          </a:lnRef>
+          <a:fillRef idx="1">
+            <a:schemeClr val="accent1"/>
+          </a:fillRef>
+          <a:effectRef idx="0">
+            <a:schemeClr val="accent1"/>
+          </a:effectRef>
+          <a:fontRef idx="minor">
+            <a:schemeClr val="lt1"/>
+          </a:fontRef>
+        </p:style>
+        <p:txBody>
+          <a:bodyPr rtlCol="0" anchor="ctr"/>
+          <a:lstStyle/>
+          <a:p>
+            <a:pPr algn="ctr"/>
+            <a:endParaRPr lang="en-US"/>
+          </a:p>
+        </p:txBody>
+      </p:sp>
+      <p:pic>
+        <p:nvPicPr>
           <p:cNvPr id="3" name="Imagen 2"/>
           <p:cNvPicPr>
             <a:picLocks noChangeAspect="1"/>
@@ -18394,7 +16418,7 @@
           <a:blip r:embed="rId2" cstate="print">
             <a:extLst>
               <a:ext uri="{28A0092B-C50C-407E-A947-70E740481C1C}">
-                <a14:useLocalDpi xmlns:a14="http://schemas.microsoft.com/office/drawing/2010/main" xmlns="" val="0"/>
+                <a14:useLocalDpi xmlns="" xmlns:a14="http://schemas.microsoft.com/office/drawing/2010/main" val="0"/>
               </a:ext>
             </a:extLst>
           </a:blip>
@@ -18449,7 +16473,7 @@
     </p:spTree>
     <p:extLst>
       <p:ext uri="{BB962C8B-B14F-4D97-AF65-F5344CB8AC3E}">
-        <p14:creationId xmlns:p14="http://schemas.microsoft.com/office/powerpoint/2010/main" xmlns="" val="1316324414"/>
+        <p14:creationId xmlns="" xmlns:p14="http://schemas.microsoft.com/office/powerpoint/2010/main" val="1316324414"/>
       </p:ext>
     </p:extLst>
   </p:cSld>
@@ -18459,7 +16483,7 @@
 </p:sld>
 </file>
 
-<file path=ppt/slides/slide12.xml><?xml version="1.0" encoding="utf-8"?>
+<file path=ppt/slides/slide13.xml><?xml version="1.0" encoding="utf-8"?>
 <p:sld xmlns:a="http://schemas.openxmlformats.org/drawingml/2006/main" xmlns:r="http://schemas.openxmlformats.org/officeDocument/2006/relationships" xmlns:p="http://schemas.openxmlformats.org/presentationml/2006/main">
   <p:cSld>
     <p:spTree>
@@ -18485,7 +16509,7 @@
           <p:nvPr>
             <p:extLst>
               <p:ext uri="{386F3935-93C4-4BCD-93E2-E3B085C9AB24}">
-                <p16:designElem xmlns:p16="http://schemas.microsoft.com/office/powerpoint/2015/main" xmlns="" val="1"/>
+                <p16:designElem xmlns="" xmlns:p16="http://schemas.microsoft.com/office/powerpoint/2015/main" val="1"/>
               </p:ext>
             </p:extLst>
           </p:nvPr>
@@ -18539,7 +16563,7 @@
           <p:nvPr>
             <p:extLst>
               <p:ext uri="{386F3935-93C4-4BCD-93E2-E3B085C9AB24}">
-                <p16:designElem xmlns:p16="http://schemas.microsoft.com/office/powerpoint/2015/main" xmlns="" val="1"/>
+                <p16:designElem xmlns="" xmlns:p16="http://schemas.microsoft.com/office/powerpoint/2015/main" val="1"/>
               </p:ext>
             </p:extLst>
           </p:nvPr>
@@ -18638,7 +16662,7 @@
           <p:nvPr>
             <p:extLst>
               <p:ext uri="{386F3935-93C4-4BCD-93E2-E3B085C9AB24}">
-                <p16:designElem xmlns:p16="http://schemas.microsoft.com/office/powerpoint/2015/main" xmlns="" val="1"/>
+                <p16:designElem xmlns="" xmlns:p16="http://schemas.microsoft.com/office/powerpoint/2015/main" val="1"/>
               </p:ext>
             </p:extLst>
           </p:nvPr>
@@ -18845,7 +16869,7 @@
     </p:spTree>
     <p:extLst>
       <p:ext uri="{BB962C8B-B14F-4D97-AF65-F5344CB8AC3E}">
-        <p14:creationId xmlns:p14="http://schemas.microsoft.com/office/powerpoint/2010/main" xmlns="" val="2503024099"/>
+        <p14:creationId xmlns="" xmlns:p14="http://schemas.microsoft.com/office/powerpoint/2010/main" val="2503024099"/>
       </p:ext>
     </p:extLst>
   </p:cSld>
@@ -18855,7 +16879,7 @@
 </p:sld>
 </file>
 
-<file path=ppt/slides/slide13.xml><?xml version="1.0" encoding="utf-8"?>
+<file path=ppt/slides/slide14.xml><?xml version="1.0" encoding="utf-8"?>
 <p:sld xmlns:a="http://schemas.openxmlformats.org/drawingml/2006/main" xmlns:r="http://schemas.openxmlformats.org/officeDocument/2006/relationships" xmlns:p="http://schemas.openxmlformats.org/presentationml/2006/main">
   <p:cSld>
     <p:spTree>
@@ -18881,7 +16905,7 @@
           <p:nvPr>
             <p:extLst>
               <p:ext uri="{386F3935-93C4-4BCD-93E2-E3B085C9AB24}">
-                <p16:designElem xmlns:p16="http://schemas.microsoft.com/office/powerpoint/2015/main" xmlns="" val="1"/>
+                <p16:designElem xmlns="" xmlns:p16="http://schemas.microsoft.com/office/powerpoint/2015/main" val="1"/>
               </p:ext>
             </p:extLst>
           </p:nvPr>
@@ -18935,7 +16959,7 @@
           <p:nvPr>
             <p:extLst>
               <p:ext uri="{386F3935-93C4-4BCD-93E2-E3B085C9AB24}">
-                <p16:designElem xmlns:p16="http://schemas.microsoft.com/office/powerpoint/2015/main" xmlns="" val="1"/>
+                <p16:designElem xmlns="" xmlns:p16="http://schemas.microsoft.com/office/powerpoint/2015/main" val="1"/>
               </p:ext>
             </p:extLst>
           </p:nvPr>
@@ -19034,7 +17058,7 @@
           <p:nvPr>
             <p:extLst>
               <p:ext uri="{386F3935-93C4-4BCD-93E2-E3B085C9AB24}">
-                <p16:designElem xmlns:p16="http://schemas.microsoft.com/office/powerpoint/2015/main" xmlns="" val="1"/>
+                <p16:designElem xmlns="" xmlns:p16="http://schemas.microsoft.com/office/powerpoint/2015/main" val="1"/>
               </p:ext>
             </p:extLst>
           </p:nvPr>
@@ -19276,7 +17300,7 @@
     </p:spTree>
     <p:extLst>
       <p:ext uri="{BB962C8B-B14F-4D97-AF65-F5344CB8AC3E}">
-        <p14:creationId xmlns:p14="http://schemas.microsoft.com/office/powerpoint/2010/main" xmlns="" val="2529481031"/>
+        <p14:creationId xmlns="" xmlns:p14="http://schemas.microsoft.com/office/powerpoint/2010/main" val="2529481031"/>
       </p:ext>
     </p:extLst>
   </p:cSld>
@@ -19286,7 +17310,7 @@
 </p:sld>
 </file>
 
-<file path=ppt/slides/slide14.xml><?xml version="1.0" encoding="utf-8"?>
+<file path=ppt/slides/slide15.xml><?xml version="1.0" encoding="utf-8"?>
 <p:sld xmlns:a="http://schemas.openxmlformats.org/drawingml/2006/main" xmlns:r="http://schemas.openxmlformats.org/officeDocument/2006/relationships" xmlns:p="http://schemas.openxmlformats.org/presentationml/2006/main">
   <p:cSld>
     <p:spTree>
@@ -19312,7 +17336,7 @@
           <p:nvPr>
             <p:extLst>
               <p:ext uri="{386F3935-93C4-4BCD-93E2-E3B085C9AB24}">
-                <p16:designElem xmlns:p16="http://schemas.microsoft.com/office/powerpoint/2015/main" xmlns="" val="1"/>
+                <p16:designElem xmlns="" xmlns:p16="http://schemas.microsoft.com/office/powerpoint/2015/main" val="1"/>
               </p:ext>
             </p:extLst>
           </p:nvPr>
@@ -19366,7 +17390,7 @@
           <p:nvPr>
             <p:extLst>
               <p:ext uri="{386F3935-93C4-4BCD-93E2-E3B085C9AB24}">
-                <p16:designElem xmlns:p16="http://schemas.microsoft.com/office/powerpoint/2015/main" xmlns="" val="1"/>
+                <p16:designElem xmlns="" xmlns:p16="http://schemas.microsoft.com/office/powerpoint/2015/main" val="1"/>
               </p:ext>
             </p:extLst>
           </p:nvPr>
@@ -19465,7 +17489,7 @@
           <p:nvPr>
             <p:extLst>
               <p:ext uri="{386F3935-93C4-4BCD-93E2-E3B085C9AB24}">
-                <p16:designElem xmlns:p16="http://schemas.microsoft.com/office/powerpoint/2015/main" xmlns="" val="1"/>
+                <p16:designElem xmlns="" xmlns:p16="http://schemas.microsoft.com/office/powerpoint/2015/main" val="1"/>
               </p:ext>
             </p:extLst>
           </p:nvPr>
@@ -19677,7 +17701,7 @@
     </p:spTree>
     <p:extLst>
       <p:ext uri="{BB962C8B-B14F-4D97-AF65-F5344CB8AC3E}">
-        <p14:creationId xmlns:p14="http://schemas.microsoft.com/office/powerpoint/2010/main" xmlns="" val="3295904946"/>
+        <p14:creationId xmlns="" xmlns:p14="http://schemas.microsoft.com/office/powerpoint/2010/main" val="3295904946"/>
       </p:ext>
     </p:extLst>
   </p:cSld>
@@ -19687,7 +17711,7 @@
 </p:sld>
 </file>
 
-<file path=ppt/slides/slide15.xml><?xml version="1.0" encoding="utf-8"?>
+<file path=ppt/slides/slide16.xml><?xml version="1.0" encoding="utf-8"?>
 <p:sld xmlns:a="http://schemas.openxmlformats.org/drawingml/2006/main" xmlns:r="http://schemas.openxmlformats.org/officeDocument/2006/relationships" xmlns:p="http://schemas.openxmlformats.org/presentationml/2006/main">
   <p:cSld>
     <p:spTree>
@@ -19713,7 +17737,7 @@
           <p:nvPr>
             <p:extLst>
               <p:ext uri="{386F3935-93C4-4BCD-93E2-E3B085C9AB24}">
-                <p16:designElem xmlns:p16="http://schemas.microsoft.com/office/powerpoint/2015/main" xmlns="" val="1"/>
+                <p16:designElem xmlns="" xmlns:p16="http://schemas.microsoft.com/office/powerpoint/2015/main" val="1"/>
               </p:ext>
             </p:extLst>
           </p:nvPr>
@@ -19744,7 +17768,7 @@
           <p:nvPr>
             <p:extLst>
               <p:ext uri="{386F3935-93C4-4BCD-93E2-E3B085C9AB24}">
-                <p16:designElem xmlns:p16="http://schemas.microsoft.com/office/powerpoint/2015/main" xmlns="" val="1"/>
+                <p16:designElem xmlns="" xmlns:p16="http://schemas.microsoft.com/office/powerpoint/2015/main" val="1"/>
               </p:ext>
             </p:extLst>
           </p:nvPr>
@@ -19806,7 +17830,7 @@
           <p:nvPr>
             <p:extLst>
               <p:ext uri="{386F3935-93C4-4BCD-93E2-E3B085C9AB24}">
-                <p16:designElem xmlns:p16="http://schemas.microsoft.com/office/powerpoint/2015/main" xmlns="" val="1"/>
+                <p16:designElem xmlns="" xmlns:p16="http://schemas.microsoft.com/office/powerpoint/2015/main" val="1"/>
               </p:ext>
             </p:extLst>
           </p:nvPr>
@@ -19851,7 +17875,7 @@
           <p:nvPr>
             <p:extLst>
               <p:ext uri="{386F3935-93C4-4BCD-93E2-E3B085C9AB24}">
-                <p16:designElem xmlns:p16="http://schemas.microsoft.com/office/powerpoint/2015/main" xmlns="" val="1"/>
+                <p16:designElem xmlns="" xmlns:p16="http://schemas.microsoft.com/office/powerpoint/2015/main" val="1"/>
               </p:ext>
             </p:extLst>
           </p:nvPr>
@@ -19900,7 +17924,7 @@
           <a:blip r:embed="rId2" cstate="print">
             <a:extLst>
               <a:ext uri="{28A0092B-C50C-407E-A947-70E740481C1C}">
-                <a14:useLocalDpi xmlns:a14="http://schemas.microsoft.com/office/drawing/2010/main" xmlns="" val="0"/>
+                <a14:useLocalDpi xmlns="" xmlns:a14="http://schemas.microsoft.com/office/drawing/2010/main" val="0"/>
               </a:ext>
             </a:extLst>
           </a:blip>
@@ -19930,7 +17954,7 @@
           <a:blip r:embed="rId3" cstate="print">
             <a:extLst>
               <a:ext uri="{28A0092B-C50C-407E-A947-70E740481C1C}">
-                <a14:useLocalDpi xmlns:a14="http://schemas.microsoft.com/office/drawing/2010/main" xmlns="" val="0"/>
+                <a14:useLocalDpi xmlns="" xmlns:a14="http://schemas.microsoft.com/office/drawing/2010/main" val="0"/>
               </a:ext>
             </a:extLst>
           </a:blip>
@@ -19957,7 +17981,7 @@
           <p:nvPr>
             <p:extLst>
               <p:ext uri="{386F3935-93C4-4BCD-93E2-E3B085C9AB24}">
-                <p16:designElem xmlns:p16="http://schemas.microsoft.com/office/powerpoint/2015/main" xmlns="" val="1"/>
+                <p16:designElem xmlns="" xmlns:p16="http://schemas.microsoft.com/office/powerpoint/2015/main" val="1"/>
               </p:ext>
             </p:extLst>
           </p:nvPr>
@@ -20006,7 +18030,7 @@
           <a:blip r:embed="rId4" cstate="print">
             <a:extLst>
               <a:ext uri="{28A0092B-C50C-407E-A947-70E740481C1C}">
-                <a14:useLocalDpi xmlns:a14="http://schemas.microsoft.com/office/drawing/2010/main" xmlns="" val="0"/>
+                <a14:useLocalDpi xmlns="" xmlns:a14="http://schemas.microsoft.com/office/drawing/2010/main" val="0"/>
               </a:ext>
             </a:extLst>
           </a:blip>
@@ -20180,7 +18204,7 @@
     </p:spTree>
     <p:extLst>
       <p:ext uri="{BB962C8B-B14F-4D97-AF65-F5344CB8AC3E}">
-        <p14:creationId xmlns:p14="http://schemas.microsoft.com/office/powerpoint/2010/main" xmlns="" val="303223344"/>
+        <p14:creationId xmlns="" xmlns:p14="http://schemas.microsoft.com/office/powerpoint/2010/main" val="303223344"/>
       </p:ext>
     </p:extLst>
   </p:cSld>
@@ -20190,7 +18214,7 @@
 </p:sld>
 </file>
 
-<file path=ppt/slides/slide16.xml><?xml version="1.0" encoding="utf-8"?>
+<file path=ppt/slides/slide17.xml><?xml version="1.0" encoding="utf-8"?>
 <p:sld xmlns:a="http://schemas.openxmlformats.org/drawingml/2006/main" xmlns:r="http://schemas.openxmlformats.org/officeDocument/2006/relationships" xmlns:p="http://schemas.openxmlformats.org/presentationml/2006/main">
   <p:cSld>
     <p:spTree>
@@ -20216,7 +18240,7 @@
           <p:nvPr>
             <p:extLst>
               <p:ext uri="{386F3935-93C4-4BCD-93E2-E3B085C9AB24}">
-                <p16:designElem xmlns:p16="http://schemas.microsoft.com/office/powerpoint/2015/main" xmlns="" val="1"/>
+                <p16:designElem xmlns="" xmlns:p16="http://schemas.microsoft.com/office/powerpoint/2015/main" val="1"/>
               </p:ext>
             </p:extLst>
           </p:nvPr>
@@ -20247,7 +18271,7 @@
           <p:nvPr>
             <p:extLst>
               <p:ext uri="{386F3935-93C4-4BCD-93E2-E3B085C9AB24}">
-                <p16:designElem xmlns:p16="http://schemas.microsoft.com/office/powerpoint/2015/main" xmlns="" val="1"/>
+                <p16:designElem xmlns="" xmlns:p16="http://schemas.microsoft.com/office/powerpoint/2015/main" val="1"/>
               </p:ext>
             </p:extLst>
           </p:nvPr>
@@ -20309,7 +18333,7 @@
           <p:nvPr>
             <p:extLst>
               <p:ext uri="{386F3935-93C4-4BCD-93E2-E3B085C9AB24}">
-                <p16:designElem xmlns:p16="http://schemas.microsoft.com/office/powerpoint/2015/main" xmlns="" val="1"/>
+                <p16:designElem xmlns="" xmlns:p16="http://schemas.microsoft.com/office/powerpoint/2015/main" val="1"/>
               </p:ext>
             </p:extLst>
           </p:nvPr>
@@ -20354,7 +18378,7 @@
           <p:nvPr>
             <p:extLst>
               <p:ext uri="{386F3935-93C4-4BCD-93E2-E3B085C9AB24}">
-                <p16:designElem xmlns:p16="http://schemas.microsoft.com/office/powerpoint/2015/main" xmlns="" val="1"/>
+                <p16:designElem xmlns="" xmlns:p16="http://schemas.microsoft.com/office/powerpoint/2015/main" val="1"/>
               </p:ext>
             </p:extLst>
           </p:nvPr>
@@ -20403,7 +18427,7 @@
           <a:blip r:embed="rId2" cstate="print">
             <a:extLst>
               <a:ext uri="{28A0092B-C50C-407E-A947-70E740481C1C}">
-                <a14:useLocalDpi xmlns:a14="http://schemas.microsoft.com/office/drawing/2010/main" xmlns="" val="0"/>
+                <a14:useLocalDpi xmlns="" xmlns:a14="http://schemas.microsoft.com/office/drawing/2010/main" val="0"/>
               </a:ext>
             </a:extLst>
           </a:blip>
@@ -20433,7 +18457,7 @@
           <a:blip r:embed="rId3" cstate="print">
             <a:extLst>
               <a:ext uri="{28A0092B-C50C-407E-A947-70E740481C1C}">
-                <a14:useLocalDpi xmlns:a14="http://schemas.microsoft.com/office/drawing/2010/main" xmlns="" val="0"/>
+                <a14:useLocalDpi xmlns="" xmlns:a14="http://schemas.microsoft.com/office/drawing/2010/main" val="0"/>
               </a:ext>
             </a:extLst>
           </a:blip>
@@ -20460,7 +18484,7 @@
           <p:nvPr>
             <p:extLst>
               <p:ext uri="{386F3935-93C4-4BCD-93E2-E3B085C9AB24}">
-                <p16:designElem xmlns:p16="http://schemas.microsoft.com/office/powerpoint/2015/main" xmlns="" val="1"/>
+                <p16:designElem xmlns="" xmlns:p16="http://schemas.microsoft.com/office/powerpoint/2015/main" val="1"/>
               </p:ext>
             </p:extLst>
           </p:nvPr>
@@ -20509,7 +18533,7 @@
           <a:blip r:embed="rId4" cstate="print">
             <a:extLst>
               <a:ext uri="{28A0092B-C50C-407E-A947-70E740481C1C}">
-                <a14:useLocalDpi xmlns:a14="http://schemas.microsoft.com/office/drawing/2010/main" xmlns="" val="0"/>
+                <a14:useLocalDpi xmlns="" xmlns:a14="http://schemas.microsoft.com/office/drawing/2010/main" val="0"/>
               </a:ext>
             </a:extLst>
           </a:blip>
@@ -20654,7 +18678,7 @@
     </p:spTree>
     <p:extLst>
       <p:ext uri="{BB962C8B-B14F-4D97-AF65-F5344CB8AC3E}">
-        <p14:creationId xmlns:p14="http://schemas.microsoft.com/office/powerpoint/2010/main" xmlns="" val="3308965500"/>
+        <p14:creationId xmlns="" xmlns:p14="http://schemas.microsoft.com/office/powerpoint/2010/main" val="3308965500"/>
       </p:ext>
     </p:extLst>
   </p:cSld>
@@ -20664,7 +18688,7 @@
 </p:sld>
 </file>
 
-<file path=ppt/slides/slide17.xml><?xml version="1.0" encoding="utf-8"?>
+<file path=ppt/slides/slide18.xml><?xml version="1.0" encoding="utf-8"?>
 <p:sld xmlns:a="http://schemas.openxmlformats.org/drawingml/2006/main" xmlns:r="http://schemas.openxmlformats.org/officeDocument/2006/relationships" xmlns:p="http://schemas.openxmlformats.org/presentationml/2006/main">
   <p:cSld>
     <p:spTree>
@@ -20690,7 +18714,7 @@
           <p:nvPr>
             <p:extLst>
               <p:ext uri="{386F3935-93C4-4BCD-93E2-E3B085C9AB24}">
-                <p16:designElem xmlns:p16="http://schemas.microsoft.com/office/powerpoint/2015/main" xmlns="" val="1"/>
+                <p16:designElem xmlns="" xmlns:p16="http://schemas.microsoft.com/office/powerpoint/2015/main" val="1"/>
               </p:ext>
             </p:extLst>
           </p:nvPr>
@@ -20773,7 +18797,7 @@
           <p:nvPr>
             <p:extLst>
               <p:ext uri="{386F3935-93C4-4BCD-93E2-E3B085C9AB24}">
-                <p16:designElem xmlns:p16="http://schemas.microsoft.com/office/powerpoint/2015/main" xmlns="" val="1"/>
+                <p16:designElem xmlns="" xmlns:p16="http://schemas.microsoft.com/office/powerpoint/2015/main" val="1"/>
               </p:ext>
             </p:extLst>
           </p:nvPr>
@@ -20901,7 +18925,7 @@
           <p:nvPr>
             <p:extLst>
               <p:ext uri="{386F3935-93C4-4BCD-93E2-E3B085C9AB24}">
-                <p16:designElem xmlns:p16="http://schemas.microsoft.com/office/powerpoint/2015/main" xmlns="" val="1"/>
+                <p16:designElem xmlns="" xmlns:p16="http://schemas.microsoft.com/office/powerpoint/2015/main" val="1"/>
               </p:ext>
             </p:extLst>
           </p:nvPr>
@@ -21181,7 +19205,7 @@
     </p:spTree>
     <p:extLst>
       <p:ext uri="{BB962C8B-B14F-4D97-AF65-F5344CB8AC3E}">
-        <p14:creationId xmlns:p14="http://schemas.microsoft.com/office/powerpoint/2010/main" xmlns="" val="593548087"/>
+        <p14:creationId xmlns="" xmlns:p14="http://schemas.microsoft.com/office/powerpoint/2010/main" val="593548087"/>
       </p:ext>
     </p:extLst>
   </p:cSld>
@@ -21191,7 +19215,7 @@
 </p:sld>
 </file>
 
-<file path=ppt/slides/slide18.xml><?xml version="1.0" encoding="utf-8"?>
+<file path=ppt/slides/slide19.xml><?xml version="1.0" encoding="utf-8"?>
 <p:sld xmlns:a="http://schemas.openxmlformats.org/drawingml/2006/main" xmlns:r="http://schemas.openxmlformats.org/officeDocument/2006/relationships" xmlns:p="http://schemas.openxmlformats.org/presentationml/2006/main">
   <p:cSld>
     <p:spTree>
@@ -21217,7 +19241,7 @@
           <p:nvPr>
             <p:extLst>
               <p:ext uri="{386F3935-93C4-4BCD-93E2-E3B085C9AB24}">
-                <p16:designElem xmlns:p16="http://schemas.microsoft.com/office/powerpoint/2015/main" xmlns="" val="1"/>
+                <p16:designElem xmlns="" xmlns:p16="http://schemas.microsoft.com/office/powerpoint/2015/main" val="1"/>
               </p:ext>
             </p:extLst>
           </p:nvPr>
@@ -21300,7 +19324,7 @@
           <p:nvPr>
             <p:extLst>
               <p:ext uri="{386F3935-93C4-4BCD-93E2-E3B085C9AB24}">
-                <p16:designElem xmlns:p16="http://schemas.microsoft.com/office/powerpoint/2015/main" xmlns="" val="1"/>
+                <p16:designElem xmlns="" xmlns:p16="http://schemas.microsoft.com/office/powerpoint/2015/main" val="1"/>
               </p:ext>
             </p:extLst>
           </p:nvPr>
@@ -21428,7 +19452,7 @@
           <p:nvPr>
             <p:extLst>
               <p:ext uri="{386F3935-93C4-4BCD-93E2-E3B085C9AB24}">
-                <p16:designElem xmlns:p16="http://schemas.microsoft.com/office/powerpoint/2015/main" xmlns="" val="1"/>
+                <p16:designElem xmlns="" xmlns:p16="http://schemas.microsoft.com/office/powerpoint/2015/main" val="1"/>
               </p:ext>
             </p:extLst>
           </p:nvPr>
@@ -21654,7 +19678,7 @@
     </p:spTree>
     <p:extLst>
       <p:ext uri="{BB962C8B-B14F-4D97-AF65-F5344CB8AC3E}">
-        <p14:creationId xmlns:p14="http://schemas.microsoft.com/office/powerpoint/2010/main" xmlns="" val="3441358260"/>
+        <p14:creationId xmlns="" xmlns:p14="http://schemas.microsoft.com/office/powerpoint/2010/main" val="3441358260"/>
       </p:ext>
     </p:extLst>
   </p:cSld>
@@ -21664,23 +19688,9 @@
 </p:sld>
 </file>
 
-<file path=ppt/slides/slide19.xml><?xml version="1.0" encoding="utf-8"?>
+<file path=ppt/slides/slide2.xml><?xml version="1.0" encoding="utf-8"?>
 <p:sld xmlns:a="http://schemas.openxmlformats.org/drawingml/2006/main" xmlns:r="http://schemas.openxmlformats.org/officeDocument/2006/relationships" xmlns:p="http://schemas.openxmlformats.org/presentationml/2006/main">
   <p:cSld>
-    <p:bg>
-      <p:bgPr>
-        <a:blipFill dpi="0" rotWithShape="1">
-          <a:blip r:embed="rId2" cstate="print">
-            <a:lum/>
-          </a:blip>
-          <a:srcRect/>
-          <a:stretch>
-            <a:fillRect t="-9000" b="-9000"/>
-          </a:stretch>
-        </a:blipFill>
-        <a:effectLst/>
-      </p:bgPr>
-    </p:bg>
     <p:spTree>
       <p:nvGrpSpPr>
         <p:cNvPr id="1" name=""/>
@@ -21704,7 +19714,7 @@
           <p:nvPr>
             <p:extLst>
               <p:ext uri="{386F3935-93C4-4BCD-93E2-E3B085C9AB24}">
-                <p16:designElem xmlns:p16="http://schemas.microsoft.com/office/powerpoint/2015/main" xmlns="" val="1"/>
+                <p16:designElem xmlns="" xmlns:p16="http://schemas.microsoft.com/office/powerpoint/2015/main" val="1"/>
               </p:ext>
             </p:extLst>
           </p:nvPr>
@@ -21744,37 +19754,8 @@
           <a:bodyPr rtlCol="0" anchor="ctr"/>
           <a:lstStyle/>
           <a:p>
-            <a:pPr marL="0" marR="0" lvl="0" indent="0" algn="ctr" defTabSz="914400" rtl="0" eaLnBrk="1" fontAlgn="auto" latinLnBrk="0" hangingPunct="1">
-              <a:lnSpc>
-                <a:spcPct val="100000"/>
-              </a:lnSpc>
-              <a:spcBef>
-                <a:spcPts val="0"/>
-              </a:spcBef>
-              <a:spcAft>
-                <a:spcPts val="0"/>
-              </a:spcAft>
-              <a:buClrTx/>
-              <a:buSzTx/>
-              <a:buFontTx/>
-              <a:buNone/>
-              <a:tabLst/>
-              <a:defRPr/>
-            </a:pPr>
-            <a:endParaRPr kumimoji="0" lang="en-US" sz="1800" b="0" i="0" u="none" strike="noStrike" kern="1200" cap="none" spc="0" normalizeH="0" baseline="0" noProof="0">
-              <a:ln>
-                <a:noFill/>
-              </a:ln>
-              <a:solidFill>
-                <a:prstClr val="white"/>
-              </a:solidFill>
-              <a:effectLst/>
-              <a:uLnTx/>
-              <a:uFillTx/>
-              <a:latin typeface="Calibri" panose="020F0502020204030204"/>
-              <a:ea typeface="+mn-ea"/>
-              <a:cs typeface="+mn-cs"/>
-            </a:endParaRPr>
+            <a:pPr algn="ctr"/>
+            <a:endParaRPr lang="en-US"/>
           </a:p>
         </p:txBody>
       </p:sp>
@@ -21787,7 +19768,7 @@
           <p:nvPr>
             <p:extLst>
               <p:ext uri="{386F3935-93C4-4BCD-93E2-E3B085C9AB24}">
-                <p16:designElem xmlns:p16="http://schemas.microsoft.com/office/powerpoint/2015/main" xmlns="" val="1"/>
+                <p16:designElem xmlns="" xmlns:p16="http://schemas.microsoft.com/office/powerpoint/2015/main" val="1"/>
               </p:ext>
             </p:extLst>
           </p:nvPr>
@@ -21872,37 +19853,8 @@
           <a:bodyPr rtlCol="0" anchor="ctr"/>
           <a:lstStyle/>
           <a:p>
-            <a:pPr marL="0" marR="0" lvl="0" indent="0" algn="ctr" defTabSz="914400" rtl="0" eaLnBrk="1" fontAlgn="auto" latinLnBrk="0" hangingPunct="1">
-              <a:lnSpc>
-                <a:spcPct val="100000"/>
-              </a:lnSpc>
-              <a:spcBef>
-                <a:spcPts val="0"/>
-              </a:spcBef>
-              <a:spcAft>
-                <a:spcPts val="0"/>
-              </a:spcAft>
-              <a:buClrTx/>
-              <a:buSzTx/>
-              <a:buFontTx/>
-              <a:buNone/>
-              <a:tabLst/>
-              <a:defRPr/>
-            </a:pPr>
-            <a:endParaRPr kumimoji="0" lang="en-US" sz="1800" b="0" i="0" u="none" strike="noStrike" kern="1200" cap="none" spc="0" normalizeH="0" baseline="0" noProof="0">
-              <a:ln>
-                <a:noFill/>
-              </a:ln>
-              <a:solidFill>
-                <a:prstClr val="white"/>
-              </a:solidFill>
-              <a:effectLst/>
-              <a:uLnTx/>
-              <a:uFillTx/>
-              <a:latin typeface="Calibri" panose="020F0502020204030204"/>
-              <a:ea typeface="+mn-ea"/>
-              <a:cs typeface="+mn-cs"/>
-            </a:endParaRPr>
+            <a:pPr algn="ctr"/>
+            <a:endParaRPr lang="en-US"/>
           </a:p>
         </p:txBody>
       </p:sp>
@@ -21915,7 +19867,7 @@
           <p:nvPr>
             <p:extLst>
               <p:ext uri="{386F3935-93C4-4BCD-93E2-E3B085C9AB24}">
-                <p16:designElem xmlns:p16="http://schemas.microsoft.com/office/powerpoint/2015/main" xmlns="" val="1"/>
+                <p16:designElem xmlns="" xmlns:p16="http://schemas.microsoft.com/office/powerpoint/2015/main" val="1"/>
               </p:ext>
             </p:extLst>
           </p:nvPr>
@@ -22002,37 +19954,8 @@
           </a:bodyPr>
           <a:lstStyle/>
           <a:p>
-            <a:pPr marL="0" marR="0" lvl="0" indent="0" algn="ctr" defTabSz="914400" rtl="0" eaLnBrk="1" fontAlgn="auto" latinLnBrk="0" hangingPunct="1">
-              <a:lnSpc>
-                <a:spcPct val="100000"/>
-              </a:lnSpc>
-              <a:spcBef>
-                <a:spcPts val="0"/>
-              </a:spcBef>
-              <a:spcAft>
-                <a:spcPts val="0"/>
-              </a:spcAft>
-              <a:buClrTx/>
-              <a:buSzTx/>
-              <a:buFontTx/>
-              <a:buNone/>
-              <a:tabLst/>
-              <a:defRPr/>
-            </a:pPr>
-            <a:endParaRPr kumimoji="0" lang="en-US" sz="1800" b="0" i="0" u="none" strike="noStrike" kern="1200" cap="none" spc="0" normalizeH="0" baseline="0" noProof="0">
-              <a:ln>
-                <a:noFill/>
-              </a:ln>
-              <a:solidFill>
-                <a:prstClr val="white"/>
-              </a:solidFill>
-              <a:effectLst/>
-              <a:uLnTx/>
-              <a:uFillTx/>
-              <a:latin typeface="Calibri" panose="020F0502020204030204"/>
-              <a:ea typeface="+mn-ea"/>
-              <a:cs typeface="+mn-cs"/>
-            </a:endParaRPr>
+            <a:pPr algn="ctr"/>
+            <a:endParaRPr lang="en-US"/>
           </a:p>
         </p:txBody>
       </p:sp>
@@ -22059,9 +19982,10 @@
           <a:lstStyle/>
           <a:p>
             <a:r>
-              <a:rPr lang="es-ES" sz="5400" dirty="0"/>
-              <a:t>REDES DE NEURONAS – PYTHON</a:t>
-            </a:r>
+              <a:rPr lang="es-ES" sz="5400" dirty="0" smtClean="0"/>
+              <a:t>INTRODUCCIÓN</a:t>
+            </a:r>
+            <a:endParaRPr lang="es-ES" sz="5400" dirty="0"/>
           </a:p>
         </p:txBody>
       </p:sp>
@@ -22078,7 +20002,7 @@
         <p:spPr>
           <a:xfrm>
             <a:off x="838201" y="2022601"/>
-            <a:ext cx="10515598" cy="656205"/>
+            <a:ext cx="10515598" cy="4154361"/>
           </a:xfrm>
         </p:spPr>
         <p:txBody>
@@ -22087,42 +20011,89 @@
           </a:bodyPr>
           <a:lstStyle/>
           <a:p>
-            <a:pPr marL="0" indent="0">
-              <a:buNone/>
-            </a:pPr>
-            <a:r>
-              <a:rPr lang="es-ES" dirty="0"/>
-              <a:t>Para la predicción a cinco días:</a:t>
-            </a:r>
-          </a:p>
-          <a:p>
-            <a:pPr marL="0" indent="0">
-              <a:buNone/>
-            </a:pPr>
-            <a:endParaRPr lang="es-ES" sz="2000" dirty="0"/>
+            <a:r>
+              <a:rPr lang="es-ES" sz="2000" dirty="0" smtClean="0"/>
+              <a:t>¿Qué es la bolsa?</a:t>
+            </a:r>
+          </a:p>
+          <a:p>
+            <a:pPr lvl="1"/>
+            <a:r>
+              <a:rPr lang="es-ES" sz="1600" dirty="0" smtClean="0"/>
+              <a:t>Ibex 35</a:t>
+            </a:r>
+          </a:p>
+          <a:p>
+            <a:r>
+              <a:rPr lang="es-ES" sz="2000" dirty="0" smtClean="0"/>
+              <a:t>¿Por qué estudiar la bolsa?</a:t>
+            </a:r>
+          </a:p>
+          <a:p>
+            <a:pPr lvl="1"/>
+            <a:r>
+              <a:rPr lang="es-ES" sz="1600" dirty="0" smtClean="0"/>
+              <a:t>Retribución</a:t>
+            </a:r>
+          </a:p>
+          <a:p>
+            <a:pPr lvl="1"/>
+            <a:r>
+              <a:rPr lang="es-ES" sz="1600" dirty="0" smtClean="0"/>
+              <a:t>Fondos financieros</a:t>
+            </a:r>
+          </a:p>
+          <a:p>
+            <a:pPr lvl="1"/>
+            <a:r>
+              <a:rPr lang="es-ES" sz="1600" dirty="0" smtClean="0"/>
+              <a:t>Nos afecta</a:t>
+            </a:r>
+          </a:p>
+          <a:p>
+            <a:r>
+              <a:rPr lang="es-ES" sz="2000" dirty="0" smtClean="0"/>
+              <a:t>Conceptos básicos</a:t>
+            </a:r>
           </a:p>
         </p:txBody>
       </p:sp>
-      <p:graphicFrame>
-        <p:nvGraphicFramePr>
-          <p:cNvPr id="12" name="Diagrama 11"/>
-          <p:cNvGraphicFramePr/>
+      <p:pic>
+        <p:nvPicPr>
+          <p:cNvPr id="8" name="Picture 4"/>
+          <p:cNvPicPr>
+            <a:picLocks noChangeAspect="1" noChangeArrowheads="1"/>
+          </p:cNvPicPr>
           <p:nvPr/>
-        </p:nvGraphicFramePr>
-        <p:xfrm>
-          <a:off x="688250" y="3118631"/>
-          <a:ext cx="10410254" cy="2585436"/>
-        </p:xfrm>
-        <a:graphic>
-          <a:graphicData uri="http://schemas.openxmlformats.org/drawingml/2006/diagram">
-            <dgm:relIds xmlns:dgm="http://schemas.openxmlformats.org/drawingml/2006/diagram" xmlns:r="http://schemas.openxmlformats.org/officeDocument/2006/relationships" r:dm="rId3" r:lo="rId4" r:qs="rId5" r:cs="rId6"/>
-          </a:graphicData>
-        </a:graphic>
-      </p:graphicFrame>
+        </p:nvPicPr>
+        <p:blipFill>
+          <a:blip r:embed="rId2" cstate="print"/>
+          <a:srcRect/>
+          <a:stretch>
+            <a:fillRect/>
+          </a:stretch>
+        </p:blipFill>
+        <p:spPr bwMode="auto">
+          <a:xfrm>
+            <a:off x="3939556" y="3800267"/>
+            <a:ext cx="7905750" cy="1895475"/>
+          </a:xfrm>
+          <a:prstGeom prst="rect">
+            <a:avLst/>
+          </a:prstGeom>
+          <a:noFill/>
+          <a:ln w="9525">
+            <a:noFill/>
+            <a:miter lim="800000"/>
+            <a:headEnd/>
+            <a:tailEnd/>
+          </a:ln>
+        </p:spPr>
+      </p:pic>
     </p:spTree>
     <p:extLst>
       <p:ext uri="{BB962C8B-B14F-4D97-AF65-F5344CB8AC3E}">
-        <p14:creationId xmlns:p14="http://schemas.microsoft.com/office/powerpoint/2010/main" xmlns="" val="2155851444"/>
+        <p14:creationId xmlns="" xmlns:p14="http://schemas.microsoft.com/office/powerpoint/2010/main" val="162548143"/>
       </p:ext>
     </p:extLst>
   </p:cSld>
@@ -22132,9 +20103,23 @@
 </p:sld>
 </file>
 
-<file path=ppt/slides/slide2.xml><?xml version="1.0" encoding="utf-8"?>
+<file path=ppt/slides/slide20.xml><?xml version="1.0" encoding="utf-8"?>
 <p:sld xmlns:a="http://schemas.openxmlformats.org/drawingml/2006/main" xmlns:r="http://schemas.openxmlformats.org/officeDocument/2006/relationships" xmlns:p="http://schemas.openxmlformats.org/presentationml/2006/main">
   <p:cSld>
+    <p:bg>
+      <p:bgPr>
+        <a:blipFill dpi="0" rotWithShape="1">
+          <a:blip r:embed="rId2" cstate="print">
+            <a:lum/>
+          </a:blip>
+          <a:srcRect/>
+          <a:stretch>
+            <a:fillRect t="-9000" b="-9000"/>
+          </a:stretch>
+        </a:blipFill>
+        <a:effectLst/>
+      </p:bgPr>
+    </p:bg>
     <p:spTree>
       <p:nvGrpSpPr>
         <p:cNvPr id="1" name=""/>
@@ -22158,7 +20143,7 @@
           <p:nvPr>
             <p:extLst>
               <p:ext uri="{386F3935-93C4-4BCD-93E2-E3B085C9AB24}">
-                <p16:designElem xmlns:p16="http://schemas.microsoft.com/office/powerpoint/2015/main" xmlns="" val="1"/>
+                <p16:designElem xmlns="" xmlns:p16="http://schemas.microsoft.com/office/powerpoint/2015/main" val="1"/>
               </p:ext>
             </p:extLst>
           </p:nvPr>
@@ -22198,8 +20183,37 @@
           <a:bodyPr rtlCol="0" anchor="ctr"/>
           <a:lstStyle/>
           <a:p>
-            <a:pPr algn="ctr"/>
-            <a:endParaRPr lang="en-US"/>
+            <a:pPr marL="0" marR="0" lvl="0" indent="0" algn="ctr" defTabSz="914400" rtl="0" eaLnBrk="1" fontAlgn="auto" latinLnBrk="0" hangingPunct="1">
+              <a:lnSpc>
+                <a:spcPct val="100000"/>
+              </a:lnSpc>
+              <a:spcBef>
+                <a:spcPts val="0"/>
+              </a:spcBef>
+              <a:spcAft>
+                <a:spcPts val="0"/>
+              </a:spcAft>
+              <a:buClrTx/>
+              <a:buSzTx/>
+              <a:buFontTx/>
+              <a:buNone/>
+              <a:tabLst/>
+              <a:defRPr/>
+            </a:pPr>
+            <a:endParaRPr kumimoji="0" lang="en-US" sz="1800" b="0" i="0" u="none" strike="noStrike" kern="1200" cap="none" spc="0" normalizeH="0" baseline="0" noProof="0">
+              <a:ln>
+                <a:noFill/>
+              </a:ln>
+              <a:solidFill>
+                <a:prstClr val="white"/>
+              </a:solidFill>
+              <a:effectLst/>
+              <a:uLnTx/>
+              <a:uFillTx/>
+              <a:latin typeface="Calibri" panose="020F0502020204030204"/>
+              <a:ea typeface="+mn-ea"/>
+              <a:cs typeface="+mn-cs"/>
+            </a:endParaRPr>
           </a:p>
         </p:txBody>
       </p:sp>
@@ -22212,7 +20226,7 @@
           <p:nvPr>
             <p:extLst>
               <p:ext uri="{386F3935-93C4-4BCD-93E2-E3B085C9AB24}">
-                <p16:designElem xmlns:p16="http://schemas.microsoft.com/office/powerpoint/2015/main" xmlns="" val="1"/>
+                <p16:designElem xmlns="" xmlns:p16="http://schemas.microsoft.com/office/powerpoint/2015/main" val="1"/>
               </p:ext>
             </p:extLst>
           </p:nvPr>
@@ -22297,8 +20311,37 @@
           <a:bodyPr rtlCol="0" anchor="ctr"/>
           <a:lstStyle/>
           <a:p>
-            <a:pPr algn="ctr"/>
-            <a:endParaRPr lang="en-US"/>
+            <a:pPr marL="0" marR="0" lvl="0" indent="0" algn="ctr" defTabSz="914400" rtl="0" eaLnBrk="1" fontAlgn="auto" latinLnBrk="0" hangingPunct="1">
+              <a:lnSpc>
+                <a:spcPct val="100000"/>
+              </a:lnSpc>
+              <a:spcBef>
+                <a:spcPts val="0"/>
+              </a:spcBef>
+              <a:spcAft>
+                <a:spcPts val="0"/>
+              </a:spcAft>
+              <a:buClrTx/>
+              <a:buSzTx/>
+              <a:buFontTx/>
+              <a:buNone/>
+              <a:tabLst/>
+              <a:defRPr/>
+            </a:pPr>
+            <a:endParaRPr kumimoji="0" lang="en-US" sz="1800" b="0" i="0" u="none" strike="noStrike" kern="1200" cap="none" spc="0" normalizeH="0" baseline="0" noProof="0">
+              <a:ln>
+                <a:noFill/>
+              </a:ln>
+              <a:solidFill>
+                <a:prstClr val="white"/>
+              </a:solidFill>
+              <a:effectLst/>
+              <a:uLnTx/>
+              <a:uFillTx/>
+              <a:latin typeface="Calibri" panose="020F0502020204030204"/>
+              <a:ea typeface="+mn-ea"/>
+              <a:cs typeface="+mn-cs"/>
+            </a:endParaRPr>
           </a:p>
         </p:txBody>
       </p:sp>
@@ -22311,7 +20354,7 @@
           <p:nvPr>
             <p:extLst>
               <p:ext uri="{386F3935-93C4-4BCD-93E2-E3B085C9AB24}">
-                <p16:designElem xmlns:p16="http://schemas.microsoft.com/office/powerpoint/2015/main" xmlns="" val="1"/>
+                <p16:designElem xmlns="" xmlns:p16="http://schemas.microsoft.com/office/powerpoint/2015/main" val="1"/>
               </p:ext>
             </p:extLst>
           </p:nvPr>
@@ -22398,8 +20441,37 @@
           </a:bodyPr>
           <a:lstStyle/>
           <a:p>
-            <a:pPr algn="ctr"/>
-            <a:endParaRPr lang="en-US"/>
+            <a:pPr marL="0" marR="0" lvl="0" indent="0" algn="ctr" defTabSz="914400" rtl="0" eaLnBrk="1" fontAlgn="auto" latinLnBrk="0" hangingPunct="1">
+              <a:lnSpc>
+                <a:spcPct val="100000"/>
+              </a:lnSpc>
+              <a:spcBef>
+                <a:spcPts val="0"/>
+              </a:spcBef>
+              <a:spcAft>
+                <a:spcPts val="0"/>
+              </a:spcAft>
+              <a:buClrTx/>
+              <a:buSzTx/>
+              <a:buFontTx/>
+              <a:buNone/>
+              <a:tabLst/>
+              <a:defRPr/>
+            </a:pPr>
+            <a:endParaRPr kumimoji="0" lang="en-US" sz="1800" b="0" i="0" u="none" strike="noStrike" kern="1200" cap="none" spc="0" normalizeH="0" baseline="0" noProof="0">
+              <a:ln>
+                <a:noFill/>
+              </a:ln>
+              <a:solidFill>
+                <a:prstClr val="white"/>
+              </a:solidFill>
+              <a:effectLst/>
+              <a:uLnTx/>
+              <a:uFillTx/>
+              <a:latin typeface="Calibri" panose="020F0502020204030204"/>
+              <a:ea typeface="+mn-ea"/>
+              <a:cs typeface="+mn-cs"/>
+            </a:endParaRPr>
           </a:p>
         </p:txBody>
       </p:sp>
@@ -22426,10 +20498,9 @@
           <a:lstStyle/>
           <a:p>
             <a:r>
-              <a:rPr lang="es-ES" sz="5400" dirty="0" smtClean="0"/>
-              <a:t>INTRODUCCIÓN</a:t>
-            </a:r>
-            <a:endParaRPr lang="es-ES" sz="5400" dirty="0"/>
+              <a:rPr lang="es-ES" sz="5400" dirty="0"/>
+              <a:t>REDES DE NEURONAS – PYTHON</a:t>
+            </a:r>
           </a:p>
         </p:txBody>
       </p:sp>
@@ -22446,7 +20517,7 @@
         <p:spPr>
           <a:xfrm>
             <a:off x="838201" y="2022601"/>
-            <a:ext cx="10515598" cy="4154361"/>
+            <a:ext cx="10515598" cy="656205"/>
           </a:xfrm>
         </p:spPr>
         <p:txBody>
@@ -22455,102 +20526,52 @@
           </a:bodyPr>
           <a:lstStyle/>
           <a:p>
-            <a:r>
-              <a:rPr lang="es-ES" sz="2000" dirty="0" smtClean="0"/>
-              <a:t>¿Qué es la bolsa?</a:t>
-            </a:r>
+            <a:pPr marL="0" indent="0">
+              <a:buNone/>
+            </a:pPr>
+            <a:r>
+              <a:rPr lang="es-ES" dirty="0"/>
+              <a:t>Para la predicción a cinco días:</a:t>
+            </a:r>
+          </a:p>
+          <a:p>
+            <a:pPr marL="0" indent="0">
+              <a:buNone/>
+            </a:pPr>
             <a:endParaRPr lang="es-ES" sz="2000" dirty="0"/>
-          </a:p>
-          <a:p>
-            <a:pPr lvl="1"/>
-            <a:r>
-              <a:rPr lang="es-ES" sz="1600" dirty="0"/>
-              <a:t>Ibex 35</a:t>
-            </a:r>
-          </a:p>
-          <a:p>
-            <a:r>
-              <a:rPr lang="es-ES" sz="2000" dirty="0" smtClean="0"/>
-              <a:t>¿Por qué estudiar la bolsa?</a:t>
-            </a:r>
-            <a:endParaRPr lang="es-ES" sz="2000" dirty="0"/>
-          </a:p>
-          <a:p>
-            <a:pPr lvl="1"/>
-            <a:r>
-              <a:rPr lang="es-ES" sz="1600" dirty="0" smtClean="0"/>
-              <a:t>Retribución</a:t>
-            </a:r>
-            <a:endParaRPr lang="es-ES" sz="1600" dirty="0"/>
-          </a:p>
-          <a:p>
-            <a:pPr lvl="1"/>
-            <a:r>
-              <a:rPr lang="es-ES" sz="1600" dirty="0" smtClean="0"/>
-              <a:t>Fondos financieros</a:t>
-            </a:r>
-          </a:p>
-          <a:p>
-            <a:pPr lvl="1"/>
-            <a:r>
-              <a:rPr lang="es-ES" sz="1600" dirty="0" smtClean="0"/>
-              <a:t>Nos afecta</a:t>
-            </a:r>
-          </a:p>
-          <a:p>
-            <a:r>
-              <a:rPr lang="es-ES" sz="2000" dirty="0" smtClean="0"/>
-              <a:t>Conceptos básicos</a:t>
-            </a:r>
           </a:p>
         </p:txBody>
       </p:sp>
-      <p:pic>
-        <p:nvPicPr>
-          <p:cNvPr id="1028" name="Picture 4"/>
-          <p:cNvPicPr>
-            <a:picLocks noChangeAspect="1" noChangeArrowheads="1"/>
-          </p:cNvPicPr>
+      <p:graphicFrame>
+        <p:nvGraphicFramePr>
+          <p:cNvPr id="12" name="Diagrama 11"/>
+          <p:cNvGraphicFramePr/>
           <p:nvPr/>
-        </p:nvPicPr>
-        <p:blipFill>
-          <a:blip r:embed="rId2" cstate="print"/>
-          <a:srcRect/>
-          <a:stretch>
-            <a:fillRect/>
-          </a:stretch>
-        </p:blipFill>
-        <p:spPr bwMode="auto">
-          <a:xfrm>
-            <a:off x="3939556" y="3800267"/>
-            <a:ext cx="7905750" cy="1895475"/>
-          </a:xfrm>
-          <a:prstGeom prst="rect">
-            <a:avLst/>
-          </a:prstGeom>
-          <a:noFill/>
-          <a:ln w="9525">
-            <a:noFill/>
-            <a:miter lim="800000"/>
-            <a:headEnd/>
-            <a:tailEnd/>
-          </a:ln>
-        </p:spPr>
-      </p:pic>
+        </p:nvGraphicFramePr>
+        <p:xfrm>
+          <a:off x="688250" y="3118631"/>
+          <a:ext cx="10410254" cy="2585436"/>
+        </p:xfrm>
+        <a:graphic>
+          <a:graphicData uri="http://schemas.openxmlformats.org/drawingml/2006/diagram">
+            <dgm:relIds xmlns:dgm="http://schemas.openxmlformats.org/drawingml/2006/diagram" xmlns:r="http://schemas.openxmlformats.org/officeDocument/2006/relationships" r:dm="rId3" r:lo="rId4" r:qs="rId5" r:cs="rId6"/>
+          </a:graphicData>
+        </a:graphic>
+      </p:graphicFrame>
     </p:spTree>
     <p:extLst>
       <p:ext uri="{BB962C8B-B14F-4D97-AF65-F5344CB8AC3E}">
-        <p14:creationId xmlns:p14="http://schemas.microsoft.com/office/powerpoint/2010/main" xmlns="" val="162548143"/>
+        <p14:creationId xmlns="" xmlns:p14="http://schemas.microsoft.com/office/powerpoint/2010/main" val="2155851444"/>
       </p:ext>
     </p:extLst>
   </p:cSld>
   <p:clrMapOvr>
-    <a:masterClrMapping/>
+    <a:overrideClrMapping bg1="dk1" tx1="lt1" bg2="dk2" tx2="lt2" accent1="accent1" accent2="accent2" accent3="accent3" accent4="accent4" accent5="accent5" accent6="accent6" hlink="hlink" folHlink="folHlink"/>
   </p:clrMapOvr>
 </p:sld>
 </file>
 
-<file path=ppt/slides/slide20.xml><?xml version="1.0" encoding="utf-8"?>
+<file path=ppt/slides/slide21.xml><?xml version="1.0" encoding="utf-8"?>
 <p:sld xmlns:a="http://schemas.openxmlformats.org/drawingml/2006/main" xmlns:r="http://schemas.openxmlformats.org/officeDocument/2006/relationships" xmlns:p="http://schemas.openxmlformats.org/presentationml/2006/main">
   <p:cSld>
     <p:spTree>
@@ -22576,7 +20597,7 @@
           <p:nvPr>
             <p:extLst>
               <p:ext uri="{386F3935-93C4-4BCD-93E2-E3B085C9AB24}">
-                <p16:designElem xmlns:p16="http://schemas.microsoft.com/office/powerpoint/2015/main" xmlns="" val="1"/>
+                <p16:designElem xmlns="" xmlns:p16="http://schemas.microsoft.com/office/powerpoint/2015/main" val="1"/>
               </p:ext>
             </p:extLst>
           </p:nvPr>
@@ -22659,7 +20680,7 @@
           <p:nvPr>
             <p:extLst>
               <p:ext uri="{386F3935-93C4-4BCD-93E2-E3B085C9AB24}">
-                <p16:designElem xmlns:p16="http://schemas.microsoft.com/office/powerpoint/2015/main" xmlns="" val="1"/>
+                <p16:designElem xmlns="" xmlns:p16="http://schemas.microsoft.com/office/powerpoint/2015/main" val="1"/>
               </p:ext>
             </p:extLst>
           </p:nvPr>
@@ -22787,7 +20808,7 @@
           <p:nvPr>
             <p:extLst>
               <p:ext uri="{386F3935-93C4-4BCD-93E2-E3B085C9AB24}">
-                <p16:designElem xmlns:p16="http://schemas.microsoft.com/office/powerpoint/2015/main" xmlns="" val="1"/>
+                <p16:designElem xmlns="" xmlns:p16="http://schemas.microsoft.com/office/powerpoint/2015/main" val="1"/>
               </p:ext>
             </p:extLst>
           </p:nvPr>
@@ -22947,7 +20968,7 @@
             <p:ph idx="1"/>
             <p:extLst>
               <p:ext uri="{D42A27DB-BD31-4B8C-83A1-F6EECF244321}">
-                <p14:modId xmlns:p14="http://schemas.microsoft.com/office/powerpoint/2010/main" xmlns="" val="1669523348"/>
+                <p14:modId xmlns="" xmlns:p14="http://schemas.microsoft.com/office/powerpoint/2010/main" val="1669523348"/>
               </p:ext>
             </p:extLst>
           </p:nvPr>
@@ -23024,7 +21045,7 @@
     </p:spTree>
     <p:extLst>
       <p:ext uri="{BB962C8B-B14F-4D97-AF65-F5344CB8AC3E}">
-        <p14:creationId xmlns:p14="http://schemas.microsoft.com/office/powerpoint/2010/main" xmlns="" val="1387334530"/>
+        <p14:creationId xmlns="" xmlns:p14="http://schemas.microsoft.com/office/powerpoint/2010/main" val="1387334530"/>
       </p:ext>
     </p:extLst>
   </p:cSld>
@@ -23034,7 +21055,7 @@
 </p:sld>
 </file>
 
-<file path=ppt/slides/slide21.xml><?xml version="1.0" encoding="utf-8"?>
+<file path=ppt/slides/slide22.xml><?xml version="1.0" encoding="utf-8"?>
 <p:sld xmlns:a="http://schemas.openxmlformats.org/drawingml/2006/main" xmlns:r="http://schemas.openxmlformats.org/officeDocument/2006/relationships" xmlns:p="http://schemas.openxmlformats.org/presentationml/2006/main">
   <p:cSld>
     <p:spTree>
@@ -23060,7 +21081,7 @@
           <p:nvPr>
             <p:extLst>
               <p:ext uri="{386F3935-93C4-4BCD-93E2-E3B085C9AB24}">
-                <p16:designElem xmlns:p16="http://schemas.microsoft.com/office/powerpoint/2015/main" xmlns="" val="1"/>
+                <p16:designElem xmlns="" xmlns:p16="http://schemas.microsoft.com/office/powerpoint/2015/main" val="1"/>
               </p:ext>
             </p:extLst>
           </p:nvPr>
@@ -23143,7 +21164,7 @@
           <p:nvPr>
             <p:extLst>
               <p:ext uri="{386F3935-93C4-4BCD-93E2-E3B085C9AB24}">
-                <p16:designElem xmlns:p16="http://schemas.microsoft.com/office/powerpoint/2015/main" xmlns="" val="1"/>
+                <p16:designElem xmlns="" xmlns:p16="http://schemas.microsoft.com/office/powerpoint/2015/main" val="1"/>
               </p:ext>
             </p:extLst>
           </p:nvPr>
@@ -23271,7 +21292,7 @@
           <p:nvPr>
             <p:extLst>
               <p:ext uri="{386F3935-93C4-4BCD-93E2-E3B085C9AB24}">
-                <p16:designElem xmlns:p16="http://schemas.microsoft.com/office/powerpoint/2015/main" xmlns="" val="1"/>
+                <p16:designElem xmlns="" xmlns:p16="http://schemas.microsoft.com/office/powerpoint/2015/main" val="1"/>
               </p:ext>
             </p:extLst>
           </p:nvPr>
@@ -23504,7 +21525,7 @@
     </p:spTree>
     <p:extLst>
       <p:ext uri="{BB962C8B-B14F-4D97-AF65-F5344CB8AC3E}">
-        <p14:creationId xmlns:p14="http://schemas.microsoft.com/office/powerpoint/2010/main" xmlns="" val="1558700788"/>
+        <p14:creationId xmlns="" xmlns:p14="http://schemas.microsoft.com/office/powerpoint/2010/main" val="1558700788"/>
       </p:ext>
     </p:extLst>
   </p:cSld>
@@ -23514,7 +21535,7 @@
 </p:sld>
 </file>
 
-<file path=ppt/slides/slide22.xml><?xml version="1.0" encoding="utf-8"?>
+<file path=ppt/slides/slide23.xml><?xml version="1.0" encoding="utf-8"?>
 <p:sld xmlns:a="http://schemas.openxmlformats.org/drawingml/2006/main" xmlns:r="http://schemas.openxmlformats.org/officeDocument/2006/relationships" xmlns:p="http://schemas.openxmlformats.org/presentationml/2006/main">
   <p:cSld>
     <p:spTree>
@@ -23540,7 +21561,7 @@
           <p:nvPr>
             <p:extLst>
               <p:ext uri="{386F3935-93C4-4BCD-93E2-E3B085C9AB24}">
-                <p16:designElem xmlns:p16="http://schemas.microsoft.com/office/powerpoint/2015/main" xmlns="" val="1"/>
+                <p16:designElem xmlns="" xmlns:p16="http://schemas.microsoft.com/office/powerpoint/2015/main" val="1"/>
               </p:ext>
             </p:extLst>
           </p:nvPr>
@@ -23594,7 +21615,7 @@
           <p:nvPr>
             <p:extLst>
               <p:ext uri="{386F3935-93C4-4BCD-93E2-E3B085C9AB24}">
-                <p16:designElem xmlns:p16="http://schemas.microsoft.com/office/powerpoint/2015/main" xmlns="" val="1"/>
+                <p16:designElem xmlns="" xmlns:p16="http://schemas.microsoft.com/office/powerpoint/2015/main" val="1"/>
               </p:ext>
             </p:extLst>
           </p:nvPr>
@@ -23693,7 +21714,7 @@
           <p:nvPr>
             <p:extLst>
               <p:ext uri="{386F3935-93C4-4BCD-93E2-E3B085C9AB24}">
-                <p16:designElem xmlns:p16="http://schemas.microsoft.com/office/powerpoint/2015/main" xmlns="" val="1"/>
+                <p16:designElem xmlns="" xmlns:p16="http://schemas.microsoft.com/office/powerpoint/2015/main" val="1"/>
               </p:ext>
             </p:extLst>
           </p:nvPr>
@@ -23918,7 +21939,7 @@
           <p:nvPr>
             <p:extLst>
               <p:ext uri="{D42A27DB-BD31-4B8C-83A1-F6EECF244321}">
-                <p14:modId xmlns:p14="http://schemas.microsoft.com/office/powerpoint/2010/main" xmlns="" val="1493646743"/>
+                <p14:modId xmlns="" xmlns:p14="http://schemas.microsoft.com/office/powerpoint/2010/main" val="1493646743"/>
               </p:ext>
             </p:extLst>
           </p:nvPr>
@@ -23937,63 +21958,63 @@
                 <a:gridCol w="1021931">
                   <a:extLst>
                     <a:ext uri="{9D8B030D-6E8A-4147-A177-3AD203B41FA5}">
-                      <a16:colId xmlns:a16="http://schemas.microsoft.com/office/drawing/2014/main" xmlns="" val="3215955292"/>
+                      <a16:colId xmlns="" xmlns:a16="http://schemas.microsoft.com/office/drawing/2014/main" val="3215955292"/>
                     </a:ext>
                   </a:extLst>
                 </a:gridCol>
                 <a:gridCol w="1469027">
                   <a:extLst>
                     <a:ext uri="{9D8B030D-6E8A-4147-A177-3AD203B41FA5}">
-                      <a16:colId xmlns:a16="http://schemas.microsoft.com/office/drawing/2014/main" xmlns="" val="97030916"/>
+                      <a16:colId xmlns="" xmlns:a16="http://schemas.microsoft.com/office/drawing/2014/main" val="97030916"/>
                     </a:ext>
                   </a:extLst>
                 </a:gridCol>
                 <a:gridCol w="1053866">
                   <a:extLst>
                     <a:ext uri="{9D8B030D-6E8A-4147-A177-3AD203B41FA5}">
-                      <a16:colId xmlns:a16="http://schemas.microsoft.com/office/drawing/2014/main" xmlns="" val="4065635111"/>
+                      <a16:colId xmlns="" xmlns:a16="http://schemas.microsoft.com/office/drawing/2014/main" val="4065635111"/>
                     </a:ext>
                   </a:extLst>
                 </a:gridCol>
                 <a:gridCol w="1325317">
                   <a:extLst>
                     <a:ext uri="{9D8B030D-6E8A-4147-A177-3AD203B41FA5}">
-                      <a16:colId xmlns:a16="http://schemas.microsoft.com/office/drawing/2014/main" xmlns="" val="414981276"/>
+                      <a16:colId xmlns="" xmlns:a16="http://schemas.microsoft.com/office/drawing/2014/main" val="414981276"/>
                     </a:ext>
                   </a:extLst>
                 </a:gridCol>
                 <a:gridCol w="1309349">
                   <a:extLst>
                     <a:ext uri="{9D8B030D-6E8A-4147-A177-3AD203B41FA5}">
-                      <a16:colId xmlns:a16="http://schemas.microsoft.com/office/drawing/2014/main" xmlns="" val="2421585600"/>
+                      <a16:colId xmlns="" xmlns:a16="http://schemas.microsoft.com/office/drawing/2014/main" val="2421585600"/>
                     </a:ext>
                   </a:extLst>
                 </a:gridCol>
                 <a:gridCol w="1421123">
                   <a:extLst>
                     <a:ext uri="{9D8B030D-6E8A-4147-A177-3AD203B41FA5}">
-                      <a16:colId xmlns:a16="http://schemas.microsoft.com/office/drawing/2014/main" xmlns="" val="1477928825"/>
+                      <a16:colId xmlns="" xmlns:a16="http://schemas.microsoft.com/office/drawing/2014/main" val="1477928825"/>
                     </a:ext>
                   </a:extLst>
                 </a:gridCol>
                 <a:gridCol w="1548864">
                   <a:extLst>
                     <a:ext uri="{9D8B030D-6E8A-4147-A177-3AD203B41FA5}">
-                      <a16:colId xmlns:a16="http://schemas.microsoft.com/office/drawing/2014/main" xmlns="" val="3590194689"/>
+                      <a16:colId xmlns="" xmlns:a16="http://schemas.microsoft.com/office/drawing/2014/main" val="3590194689"/>
                     </a:ext>
                   </a:extLst>
                 </a:gridCol>
                 <a:gridCol w="1245479">
                   <a:extLst>
                     <a:ext uri="{9D8B030D-6E8A-4147-A177-3AD203B41FA5}">
-                      <a16:colId xmlns:a16="http://schemas.microsoft.com/office/drawing/2014/main" xmlns="" val="3558903979"/>
+                      <a16:colId xmlns="" xmlns:a16="http://schemas.microsoft.com/office/drawing/2014/main" val="3558903979"/>
                     </a:ext>
                   </a:extLst>
                 </a:gridCol>
                 <a:gridCol w="1405155">
                   <a:extLst>
                     <a:ext uri="{9D8B030D-6E8A-4147-A177-3AD203B41FA5}">
-                      <a16:colId xmlns:a16="http://schemas.microsoft.com/office/drawing/2014/main" xmlns="" val="304150670"/>
+                      <a16:colId xmlns="" xmlns:a16="http://schemas.microsoft.com/office/drawing/2014/main" val="304150670"/>
                     </a:ext>
                   </a:extLst>
                 </a:gridCol>
@@ -24202,7 +22223,7 @@
                 </a:tc>
                 <a:extLst>
                   <a:ext uri="{0D108BD9-81ED-4DB2-BD59-A6C34878D82A}">
-                    <a16:rowId xmlns:a16="http://schemas.microsoft.com/office/drawing/2014/main" xmlns="" val="2538865235"/>
+                    <a16:rowId xmlns="" xmlns:a16="http://schemas.microsoft.com/office/drawing/2014/main" val="2538865235"/>
                   </a:ext>
                 </a:extLst>
               </a:tr>
@@ -24416,7 +22437,7 @@
                 </a:tc>
                 <a:extLst>
                   <a:ext uri="{0D108BD9-81ED-4DB2-BD59-A6C34878D82A}">
-                    <a16:rowId xmlns:a16="http://schemas.microsoft.com/office/drawing/2014/main" xmlns="" val="2052034286"/>
+                    <a16:rowId xmlns="" xmlns:a16="http://schemas.microsoft.com/office/drawing/2014/main" val="2052034286"/>
                   </a:ext>
                 </a:extLst>
               </a:tr>
@@ -24427,7 +22448,7 @@
     </p:spTree>
     <p:extLst>
       <p:ext uri="{BB962C8B-B14F-4D97-AF65-F5344CB8AC3E}">
-        <p14:creationId xmlns:p14="http://schemas.microsoft.com/office/powerpoint/2010/main" xmlns="" val="727731094"/>
+        <p14:creationId xmlns="" xmlns:p14="http://schemas.microsoft.com/office/powerpoint/2010/main" val="727731094"/>
       </p:ext>
     </p:extLst>
   </p:cSld>
@@ -24437,7 +22458,7 @@
 </p:sld>
 </file>
 
-<file path=ppt/slides/slide23.xml><?xml version="1.0" encoding="utf-8"?>
+<file path=ppt/slides/slide24.xml><?xml version="1.0" encoding="utf-8"?>
 <p:sld xmlns:a="http://schemas.openxmlformats.org/drawingml/2006/main" xmlns:r="http://schemas.openxmlformats.org/officeDocument/2006/relationships" xmlns:p="http://schemas.openxmlformats.org/presentationml/2006/main">
   <p:cSld>
     <p:spTree>
@@ -24463,7 +22484,7 @@
           <p:nvPr>
             <p:extLst>
               <p:ext uri="{386F3935-93C4-4BCD-93E2-E3B085C9AB24}">
-                <p16:designElem xmlns:p16="http://schemas.microsoft.com/office/powerpoint/2015/main" xmlns="" val="1"/>
+                <p16:designElem xmlns="" xmlns:p16="http://schemas.microsoft.com/office/powerpoint/2015/main" val="1"/>
               </p:ext>
             </p:extLst>
           </p:nvPr>
@@ -24517,7 +22538,7 @@
           <p:nvPr>
             <p:extLst>
               <p:ext uri="{386F3935-93C4-4BCD-93E2-E3B085C9AB24}">
-                <p16:designElem xmlns:p16="http://schemas.microsoft.com/office/powerpoint/2015/main" xmlns="" val="1"/>
+                <p16:designElem xmlns="" xmlns:p16="http://schemas.microsoft.com/office/powerpoint/2015/main" val="1"/>
               </p:ext>
             </p:extLst>
           </p:nvPr>
@@ -24616,7 +22637,7 @@
           <p:nvPr>
             <p:extLst>
               <p:ext uri="{386F3935-93C4-4BCD-93E2-E3B085C9AB24}">
-                <p16:designElem xmlns:p16="http://schemas.microsoft.com/office/powerpoint/2015/main" xmlns="" val="1"/>
+                <p16:designElem xmlns="" xmlns:p16="http://schemas.microsoft.com/office/powerpoint/2015/main" val="1"/>
               </p:ext>
             </p:extLst>
           </p:nvPr>
@@ -24816,7 +22837,7 @@
           <p:nvPr>
             <p:extLst>
               <p:ext uri="{D42A27DB-BD31-4B8C-83A1-F6EECF244321}">
-                <p14:modId xmlns:p14="http://schemas.microsoft.com/office/powerpoint/2010/main" xmlns="" val="1072729137"/>
+                <p14:modId xmlns="" xmlns:p14="http://schemas.microsoft.com/office/powerpoint/2010/main" val="1072729137"/>
               </p:ext>
             </p:extLst>
           </p:nvPr>
@@ -24835,63 +22856,63 @@
                 <a:gridCol w="980080">
                   <a:extLst>
                     <a:ext uri="{9D8B030D-6E8A-4147-A177-3AD203B41FA5}">
-                      <a16:colId xmlns:a16="http://schemas.microsoft.com/office/drawing/2014/main" xmlns="" val="3004782095"/>
+                      <a16:colId xmlns="" xmlns:a16="http://schemas.microsoft.com/office/drawing/2014/main" val="3004782095"/>
                     </a:ext>
                   </a:extLst>
                 </a:gridCol>
                 <a:gridCol w="1408864">
                   <a:extLst>
                     <a:ext uri="{9D8B030D-6E8A-4147-A177-3AD203B41FA5}">
-                      <a16:colId xmlns:a16="http://schemas.microsoft.com/office/drawing/2014/main" xmlns="" val="4186406271"/>
+                      <a16:colId xmlns="" xmlns:a16="http://schemas.microsoft.com/office/drawing/2014/main" val="4186406271"/>
                     </a:ext>
                   </a:extLst>
                 </a:gridCol>
                 <a:gridCol w="1010707">
                   <a:extLst>
                     <a:ext uri="{9D8B030D-6E8A-4147-A177-3AD203B41FA5}">
-                      <a16:colId xmlns:a16="http://schemas.microsoft.com/office/drawing/2014/main" xmlns="" val="2640527630"/>
+                      <a16:colId xmlns="" xmlns:a16="http://schemas.microsoft.com/office/drawing/2014/main" val="2640527630"/>
                     </a:ext>
                   </a:extLst>
                 </a:gridCol>
                 <a:gridCol w="1271041">
                   <a:extLst>
                     <a:ext uri="{9D8B030D-6E8A-4147-A177-3AD203B41FA5}">
-                      <a16:colId xmlns:a16="http://schemas.microsoft.com/office/drawing/2014/main" xmlns="" val="260997157"/>
+                      <a16:colId xmlns="" xmlns:a16="http://schemas.microsoft.com/office/drawing/2014/main" val="260997157"/>
                     </a:ext>
                   </a:extLst>
                 </a:gridCol>
                 <a:gridCol w="1255727">
                   <a:extLst>
                     <a:ext uri="{9D8B030D-6E8A-4147-A177-3AD203B41FA5}">
-                      <a16:colId xmlns:a16="http://schemas.microsoft.com/office/drawing/2014/main" xmlns="" val="1039690343"/>
+                      <a16:colId xmlns="" xmlns:a16="http://schemas.microsoft.com/office/drawing/2014/main" val="1039690343"/>
                     </a:ext>
                   </a:extLst>
                 </a:gridCol>
                 <a:gridCol w="1362922">
                   <a:extLst>
                     <a:ext uri="{9D8B030D-6E8A-4147-A177-3AD203B41FA5}">
-                      <a16:colId xmlns:a16="http://schemas.microsoft.com/office/drawing/2014/main" xmlns="" val="592308215"/>
+                      <a16:colId xmlns="" xmlns:a16="http://schemas.microsoft.com/office/drawing/2014/main" val="592308215"/>
                     </a:ext>
                   </a:extLst>
                 </a:gridCol>
                 <a:gridCol w="1485432">
                   <a:extLst>
                     <a:ext uri="{9D8B030D-6E8A-4147-A177-3AD203B41FA5}">
-                      <a16:colId xmlns:a16="http://schemas.microsoft.com/office/drawing/2014/main" xmlns="" val="723057721"/>
+                      <a16:colId xmlns="" xmlns:a16="http://schemas.microsoft.com/office/drawing/2014/main" val="723057721"/>
                     </a:ext>
                   </a:extLst>
                 </a:gridCol>
                 <a:gridCol w="1194471">
                   <a:extLst>
                     <a:ext uri="{9D8B030D-6E8A-4147-A177-3AD203B41FA5}">
-                      <a16:colId xmlns:a16="http://schemas.microsoft.com/office/drawing/2014/main" xmlns="" val="1665868013"/>
+                      <a16:colId xmlns="" xmlns:a16="http://schemas.microsoft.com/office/drawing/2014/main" val="1665868013"/>
                     </a:ext>
                   </a:extLst>
                 </a:gridCol>
                 <a:gridCol w="1347609">
                   <a:extLst>
                     <a:ext uri="{9D8B030D-6E8A-4147-A177-3AD203B41FA5}">
-                      <a16:colId xmlns:a16="http://schemas.microsoft.com/office/drawing/2014/main" xmlns="" val="509979848"/>
+                      <a16:colId xmlns="" xmlns:a16="http://schemas.microsoft.com/office/drawing/2014/main" val="509979848"/>
                     </a:ext>
                   </a:extLst>
                 </a:gridCol>
@@ -25100,7 +23121,7 @@
                 </a:tc>
                 <a:extLst>
                   <a:ext uri="{0D108BD9-81ED-4DB2-BD59-A6C34878D82A}">
-                    <a16:rowId xmlns:a16="http://schemas.microsoft.com/office/drawing/2014/main" xmlns="" val="1685154367"/>
+                    <a16:rowId xmlns="" xmlns:a16="http://schemas.microsoft.com/office/drawing/2014/main" val="1685154367"/>
                   </a:ext>
                 </a:extLst>
               </a:tr>
@@ -25314,7 +23335,7 @@
                 </a:tc>
                 <a:extLst>
                   <a:ext uri="{0D108BD9-81ED-4DB2-BD59-A6C34878D82A}">
-                    <a16:rowId xmlns:a16="http://schemas.microsoft.com/office/drawing/2014/main" xmlns="" val="2493422845"/>
+                    <a16:rowId xmlns="" xmlns:a16="http://schemas.microsoft.com/office/drawing/2014/main" val="2493422845"/>
                   </a:ext>
                 </a:extLst>
               </a:tr>
@@ -25325,7 +23346,7 @@
     </p:spTree>
     <p:extLst>
       <p:ext uri="{BB962C8B-B14F-4D97-AF65-F5344CB8AC3E}">
-        <p14:creationId xmlns:p14="http://schemas.microsoft.com/office/powerpoint/2010/main" xmlns="" val="2691739327"/>
+        <p14:creationId xmlns="" xmlns:p14="http://schemas.microsoft.com/office/powerpoint/2010/main" val="2691739327"/>
       </p:ext>
     </p:extLst>
   </p:cSld>
@@ -25335,7 +23356,7 @@
 </p:sld>
 </file>
 
-<file path=ppt/slides/slide24.xml><?xml version="1.0" encoding="utf-8"?>
+<file path=ppt/slides/slide25.xml><?xml version="1.0" encoding="utf-8"?>
 <p:sld xmlns:a="http://schemas.openxmlformats.org/drawingml/2006/main" xmlns:r="http://schemas.openxmlformats.org/officeDocument/2006/relationships" xmlns:p="http://schemas.openxmlformats.org/presentationml/2006/main">
   <p:cSld>
     <p:spTree>
@@ -25361,7 +23382,7 @@
           <p:nvPr>
             <p:extLst>
               <p:ext uri="{386F3935-93C4-4BCD-93E2-E3B085C9AB24}">
-                <p16:designElem xmlns:p16="http://schemas.microsoft.com/office/powerpoint/2015/main" xmlns="" val="1"/>
+                <p16:designElem xmlns="" xmlns:p16="http://schemas.microsoft.com/office/powerpoint/2015/main" val="1"/>
               </p:ext>
             </p:extLst>
           </p:nvPr>
@@ -25415,7 +23436,7 @@
           <p:nvPr>
             <p:extLst>
               <p:ext uri="{386F3935-93C4-4BCD-93E2-E3B085C9AB24}">
-                <p16:designElem xmlns:p16="http://schemas.microsoft.com/office/powerpoint/2015/main" xmlns="" val="1"/>
+                <p16:designElem xmlns="" xmlns:p16="http://schemas.microsoft.com/office/powerpoint/2015/main" val="1"/>
               </p:ext>
             </p:extLst>
           </p:nvPr>
@@ -25514,7 +23535,7 @@
           <p:nvPr>
             <p:extLst>
               <p:ext uri="{386F3935-93C4-4BCD-93E2-E3B085C9AB24}">
-                <p16:designElem xmlns:p16="http://schemas.microsoft.com/office/powerpoint/2015/main" xmlns="" val="1"/>
+                <p16:designElem xmlns="" xmlns:p16="http://schemas.microsoft.com/office/powerpoint/2015/main" val="1"/>
               </p:ext>
             </p:extLst>
           </p:nvPr>
@@ -25731,7 +23752,7 @@
           <p:nvPr>
             <p:extLst>
               <p:ext uri="{D42A27DB-BD31-4B8C-83A1-F6EECF244321}">
-                <p14:modId xmlns:p14="http://schemas.microsoft.com/office/powerpoint/2010/main" xmlns="" val="1116615763"/>
+                <p14:modId xmlns="" xmlns:p14="http://schemas.microsoft.com/office/powerpoint/2010/main" val="1116615763"/>
               </p:ext>
             </p:extLst>
           </p:nvPr>
@@ -25750,63 +23771,63 @@
                 <a:gridCol w="989428">
                   <a:extLst>
                     <a:ext uri="{9D8B030D-6E8A-4147-A177-3AD203B41FA5}">
-                      <a16:colId xmlns:a16="http://schemas.microsoft.com/office/drawing/2014/main" xmlns="" val="465769424"/>
+                      <a16:colId xmlns="" xmlns:a16="http://schemas.microsoft.com/office/drawing/2014/main" val="465769424"/>
                     </a:ext>
                   </a:extLst>
                 </a:gridCol>
                 <a:gridCol w="1422303">
                   <a:extLst>
                     <a:ext uri="{9D8B030D-6E8A-4147-A177-3AD203B41FA5}">
-                      <a16:colId xmlns:a16="http://schemas.microsoft.com/office/drawing/2014/main" xmlns="" val="4013346244"/>
+                      <a16:colId xmlns="" xmlns:a16="http://schemas.microsoft.com/office/drawing/2014/main" val="4013346244"/>
                     </a:ext>
                   </a:extLst>
                 </a:gridCol>
                 <a:gridCol w="1020348">
                   <a:extLst>
                     <a:ext uri="{9D8B030D-6E8A-4147-A177-3AD203B41FA5}">
-                      <a16:colId xmlns:a16="http://schemas.microsoft.com/office/drawing/2014/main" xmlns="" val="2293026185"/>
+                      <a16:colId xmlns="" xmlns:a16="http://schemas.microsoft.com/office/drawing/2014/main" val="2293026185"/>
                     </a:ext>
                   </a:extLst>
                 </a:gridCol>
                 <a:gridCol w="1283164">
                   <a:extLst>
                     <a:ext uri="{9D8B030D-6E8A-4147-A177-3AD203B41FA5}">
-                      <a16:colId xmlns:a16="http://schemas.microsoft.com/office/drawing/2014/main" xmlns="" val="3300136333"/>
+                      <a16:colId xmlns="" xmlns:a16="http://schemas.microsoft.com/office/drawing/2014/main" val="3300136333"/>
                     </a:ext>
                   </a:extLst>
                 </a:gridCol>
                 <a:gridCol w="1267705">
                   <a:extLst>
                     <a:ext uri="{9D8B030D-6E8A-4147-A177-3AD203B41FA5}">
-                      <a16:colId xmlns:a16="http://schemas.microsoft.com/office/drawing/2014/main" xmlns="" val="4072895687"/>
+                      <a16:colId xmlns="" xmlns:a16="http://schemas.microsoft.com/office/drawing/2014/main" val="4072895687"/>
                     </a:ext>
                   </a:extLst>
                 </a:gridCol>
                 <a:gridCol w="1375923">
                   <a:extLst>
                     <a:ext uri="{9D8B030D-6E8A-4147-A177-3AD203B41FA5}">
-                      <a16:colId xmlns:a16="http://schemas.microsoft.com/office/drawing/2014/main" xmlns="" val="468902643"/>
+                      <a16:colId xmlns="" xmlns:a16="http://schemas.microsoft.com/office/drawing/2014/main" val="468902643"/>
                     </a:ext>
                   </a:extLst>
                 </a:gridCol>
                 <a:gridCol w="1499602">
                   <a:extLst>
                     <a:ext uri="{9D8B030D-6E8A-4147-A177-3AD203B41FA5}">
-                      <a16:colId xmlns:a16="http://schemas.microsoft.com/office/drawing/2014/main" xmlns="" val="2084472353"/>
+                      <a16:colId xmlns="" xmlns:a16="http://schemas.microsoft.com/office/drawing/2014/main" val="2084472353"/>
                     </a:ext>
                   </a:extLst>
                 </a:gridCol>
                 <a:gridCol w="1205865">
                   <a:extLst>
                     <a:ext uri="{9D8B030D-6E8A-4147-A177-3AD203B41FA5}">
-                      <a16:colId xmlns:a16="http://schemas.microsoft.com/office/drawing/2014/main" xmlns="" val="3063823974"/>
+                      <a16:colId xmlns="" xmlns:a16="http://schemas.microsoft.com/office/drawing/2014/main" val="3063823974"/>
                     </a:ext>
                   </a:extLst>
                 </a:gridCol>
                 <a:gridCol w="1360463">
                   <a:extLst>
                     <a:ext uri="{9D8B030D-6E8A-4147-A177-3AD203B41FA5}">
-                      <a16:colId xmlns:a16="http://schemas.microsoft.com/office/drawing/2014/main" xmlns="" val="2654634803"/>
+                      <a16:colId xmlns="" xmlns:a16="http://schemas.microsoft.com/office/drawing/2014/main" val="2654634803"/>
                     </a:ext>
                   </a:extLst>
                 </a:gridCol>
@@ -26015,7 +24036,7 @@
                 </a:tc>
                 <a:extLst>
                   <a:ext uri="{0D108BD9-81ED-4DB2-BD59-A6C34878D82A}">
-                    <a16:rowId xmlns:a16="http://schemas.microsoft.com/office/drawing/2014/main" xmlns="" val="1352303788"/>
+                    <a16:rowId xmlns="" xmlns:a16="http://schemas.microsoft.com/office/drawing/2014/main" val="1352303788"/>
                   </a:ext>
                 </a:extLst>
               </a:tr>
@@ -26229,7 +24250,7 @@
                 </a:tc>
                 <a:extLst>
                   <a:ext uri="{0D108BD9-81ED-4DB2-BD59-A6C34878D82A}">
-                    <a16:rowId xmlns:a16="http://schemas.microsoft.com/office/drawing/2014/main" xmlns="" val="3823845897"/>
+                    <a16:rowId xmlns="" xmlns:a16="http://schemas.microsoft.com/office/drawing/2014/main" val="3823845897"/>
                   </a:ext>
                 </a:extLst>
               </a:tr>
@@ -26240,7 +24261,7 @@
     </p:spTree>
     <p:extLst>
       <p:ext uri="{BB962C8B-B14F-4D97-AF65-F5344CB8AC3E}">
-        <p14:creationId xmlns:p14="http://schemas.microsoft.com/office/powerpoint/2010/main" xmlns="" val="2405218555"/>
+        <p14:creationId xmlns="" xmlns:p14="http://schemas.microsoft.com/office/powerpoint/2010/main" val="2405218555"/>
       </p:ext>
     </p:extLst>
   </p:cSld>
@@ -26250,7 +24271,7 @@
 </p:sld>
 </file>
 
-<file path=ppt/slides/slide25.xml><?xml version="1.0" encoding="utf-8"?>
+<file path=ppt/slides/slide26.xml><?xml version="1.0" encoding="utf-8"?>
 <p:sld xmlns:a="http://schemas.openxmlformats.org/drawingml/2006/main" xmlns:r="http://schemas.openxmlformats.org/officeDocument/2006/relationships" xmlns:p="http://schemas.openxmlformats.org/presentationml/2006/main">
   <p:cSld>
     <p:spTree>
@@ -26276,7 +24297,7 @@
           <p:nvPr>
             <p:extLst>
               <p:ext uri="{386F3935-93C4-4BCD-93E2-E3B085C9AB24}">
-                <p16:designElem xmlns:p16="http://schemas.microsoft.com/office/powerpoint/2015/main" xmlns="" val="1"/>
+                <p16:designElem xmlns="" xmlns:p16="http://schemas.microsoft.com/office/powerpoint/2015/main" val="1"/>
               </p:ext>
             </p:extLst>
           </p:nvPr>
@@ -26330,7 +24351,7 @@
           <p:nvPr>
             <p:extLst>
               <p:ext uri="{386F3935-93C4-4BCD-93E2-E3B085C9AB24}">
-                <p16:designElem xmlns:p16="http://schemas.microsoft.com/office/powerpoint/2015/main" xmlns="" val="1"/>
+                <p16:designElem xmlns="" xmlns:p16="http://schemas.microsoft.com/office/powerpoint/2015/main" val="1"/>
               </p:ext>
             </p:extLst>
           </p:nvPr>
@@ -26429,7 +24450,7 @@
           <p:nvPr>
             <p:extLst>
               <p:ext uri="{386F3935-93C4-4BCD-93E2-E3B085C9AB24}">
-                <p16:designElem xmlns:p16="http://schemas.microsoft.com/office/powerpoint/2015/main" xmlns="" val="1"/>
+                <p16:designElem xmlns="" xmlns:p16="http://schemas.microsoft.com/office/powerpoint/2015/main" val="1"/>
               </p:ext>
             </p:extLst>
           </p:nvPr>
@@ -26583,7 +24604,6 @@
               <a:rPr lang="es-ES" dirty="0" smtClean="0"/>
               <a:t>Gran dependencia a multitud de factores</a:t>
             </a:r>
-            <a:endParaRPr lang="es-ES" dirty="0" smtClean="0"/>
           </a:p>
           <a:p>
             <a:r>
@@ -26603,7 +24623,7 @@
     </p:spTree>
     <p:extLst>
       <p:ext uri="{BB962C8B-B14F-4D97-AF65-F5344CB8AC3E}">
-        <p14:creationId xmlns:p14="http://schemas.microsoft.com/office/powerpoint/2010/main" xmlns="" val="2405218555"/>
+        <p14:creationId xmlns="" xmlns:p14="http://schemas.microsoft.com/office/powerpoint/2010/main" val="2405218555"/>
       </p:ext>
     </p:extLst>
   </p:cSld>
@@ -26639,7 +24659,7 @@
           <p:nvPr>
             <p:extLst>
               <p:ext uri="{386F3935-93C4-4BCD-93E2-E3B085C9AB24}">
-                <p16:designElem xmlns:p16="http://schemas.microsoft.com/office/powerpoint/2015/main" xmlns="" val="1"/>
+                <p16:designElem xmlns="" xmlns:p16="http://schemas.microsoft.com/office/powerpoint/2015/main" val="1"/>
               </p:ext>
             </p:extLst>
           </p:nvPr>
@@ -26693,7 +24713,7 @@
           <p:nvPr>
             <p:extLst>
               <p:ext uri="{386F3935-93C4-4BCD-93E2-E3B085C9AB24}">
-                <p16:designElem xmlns:p16="http://schemas.microsoft.com/office/powerpoint/2015/main" xmlns="" val="1"/>
+                <p16:designElem xmlns="" xmlns:p16="http://schemas.microsoft.com/office/powerpoint/2015/main" val="1"/>
               </p:ext>
             </p:extLst>
           </p:nvPr>
@@ -26792,7 +24812,7 @@
           <p:nvPr>
             <p:extLst>
               <p:ext uri="{386F3935-93C4-4BCD-93E2-E3B085C9AB24}">
-                <p16:designElem xmlns:p16="http://schemas.microsoft.com/office/powerpoint/2015/main" xmlns="" val="1"/>
+                <p16:designElem xmlns="" xmlns:p16="http://schemas.microsoft.com/office/powerpoint/2015/main" val="1"/>
               </p:ext>
             </p:extLst>
           </p:nvPr>
@@ -27015,7 +25035,7 @@
     </p:spTree>
     <p:extLst>
       <p:ext uri="{BB962C8B-B14F-4D97-AF65-F5344CB8AC3E}">
-        <p14:creationId xmlns:p14="http://schemas.microsoft.com/office/powerpoint/2010/main" xmlns="" val="162548143"/>
+        <p14:creationId xmlns="" xmlns:p14="http://schemas.microsoft.com/office/powerpoint/2010/main" val="162548143"/>
       </p:ext>
     </p:extLst>
   </p:cSld>
@@ -27051,7 +25071,7 @@
           <p:nvPr>
             <p:extLst>
               <p:ext uri="{386F3935-93C4-4BCD-93E2-E3B085C9AB24}">
-                <p16:designElem xmlns:p16="http://schemas.microsoft.com/office/powerpoint/2015/main" xmlns="" val="1"/>
+                <p16:designElem xmlns="" xmlns:p16="http://schemas.microsoft.com/office/powerpoint/2015/main" val="1"/>
               </p:ext>
             </p:extLst>
           </p:nvPr>
@@ -27105,7 +25125,7 @@
           <p:nvPr>
             <p:extLst>
               <p:ext uri="{386F3935-93C4-4BCD-93E2-E3B085C9AB24}">
-                <p16:designElem xmlns:p16="http://schemas.microsoft.com/office/powerpoint/2015/main" xmlns="" val="1"/>
+                <p16:designElem xmlns="" xmlns:p16="http://schemas.microsoft.com/office/powerpoint/2015/main" val="1"/>
               </p:ext>
             </p:extLst>
           </p:nvPr>
@@ -27204,7 +25224,7 @@
           <p:nvPr>
             <p:extLst>
               <p:ext uri="{386F3935-93C4-4BCD-93E2-E3B085C9AB24}">
-                <p16:designElem xmlns:p16="http://schemas.microsoft.com/office/powerpoint/2015/main" xmlns="" val="1"/>
+                <p16:designElem xmlns="" xmlns:p16="http://schemas.microsoft.com/office/powerpoint/2015/main" val="1"/>
               </p:ext>
             </p:extLst>
           </p:nvPr>
@@ -27344,7 +25364,7 @@
         </p:spPr>
         <p:txBody>
           <a:bodyPr>
-            <a:normAutofit/>
+            <a:normAutofit lnSpcReduction="10000"/>
           </a:bodyPr>
           <a:lstStyle/>
           <a:p>
@@ -27357,8 +25377,36 @@
             <a:pPr lvl="1"/>
             <a:r>
               <a:rPr lang="es-ES" sz="2800" dirty="0"/>
-              <a:t>Aprobación de créditos, riesgo de deudas, predicciones de empresas, capitales...</a:t>
-            </a:r>
+              <a:t>Aprobación de créditos, riesgo de deudas, predicciones de empresas, capitales</a:t>
+            </a:r>
+            <a:r>
+              <a:rPr lang="es-ES" sz="2800" dirty="0" smtClean="0"/>
+              <a:t>...</a:t>
+            </a:r>
+          </a:p>
+          <a:p>
+            <a:pPr lvl="1"/>
+            <a:r>
+              <a:rPr lang="es-ES" sz="2800" dirty="0" smtClean="0"/>
+              <a:t>Predicción </a:t>
+            </a:r>
+            <a:r>
+              <a:rPr lang="es-ES" sz="2800" dirty="0" smtClean="0"/>
+              <a:t>y clasificación</a:t>
+            </a:r>
+            <a:endParaRPr lang="es-ES" sz="2800" dirty="0" smtClean="0"/>
+          </a:p>
+          <a:p>
+            <a:pPr lvl="1"/>
+            <a:r>
+              <a:rPr lang="es-ES" sz="2800" dirty="0" smtClean="0"/>
+              <a:t>España: </a:t>
+            </a:r>
+            <a:r>
+              <a:rPr lang="es-ES" sz="2800" dirty="0" smtClean="0"/>
+              <a:t>predicción de paro, de precios, demanda de turismo.</a:t>
+            </a:r>
+            <a:endParaRPr lang="es-ES" sz="2800" dirty="0"/>
           </a:p>
           <a:p>
             <a:r>
@@ -27380,7 +25428,7 @@
     </p:spTree>
     <p:extLst>
       <p:ext uri="{BB962C8B-B14F-4D97-AF65-F5344CB8AC3E}">
-        <p14:creationId xmlns:p14="http://schemas.microsoft.com/office/powerpoint/2010/main" xmlns="" val="2405218555"/>
+        <p14:creationId xmlns="" xmlns:p14="http://schemas.microsoft.com/office/powerpoint/2010/main" val="2405218555"/>
       </p:ext>
     </p:extLst>
   </p:cSld>
@@ -27416,7 +25464,7 @@
           <p:nvPr>
             <p:extLst>
               <p:ext uri="{386F3935-93C4-4BCD-93E2-E3B085C9AB24}">
-                <p16:designElem xmlns:p16="http://schemas.microsoft.com/office/powerpoint/2015/main" xmlns="" val="1"/>
+                <p16:designElem xmlns="" xmlns:p16="http://schemas.microsoft.com/office/powerpoint/2015/main" val="1"/>
               </p:ext>
             </p:extLst>
           </p:nvPr>
@@ -27470,7 +25518,7 @@
           <p:nvPr>
             <p:extLst>
               <p:ext uri="{386F3935-93C4-4BCD-93E2-E3B085C9AB24}">
-                <p16:designElem xmlns:p16="http://schemas.microsoft.com/office/powerpoint/2015/main" xmlns="" val="1"/>
+                <p16:designElem xmlns="" xmlns:p16="http://schemas.microsoft.com/office/powerpoint/2015/main" val="1"/>
               </p:ext>
             </p:extLst>
           </p:nvPr>
@@ -27569,7 +25617,7 @@
           <p:nvPr>
             <p:extLst>
               <p:ext uri="{386F3935-93C4-4BCD-93E2-E3B085C9AB24}">
-                <p16:designElem xmlns:p16="http://schemas.microsoft.com/office/powerpoint/2015/main" xmlns="" val="1"/>
+                <p16:designElem xmlns="" xmlns:p16="http://schemas.microsoft.com/office/powerpoint/2015/main" val="1"/>
               </p:ext>
             </p:extLst>
           </p:nvPr>
@@ -27730,7 +25778,19 @@
             <a:pPr lvl="1"/>
             <a:r>
               <a:rPr lang="es-ES" sz="2800" dirty="0"/>
-              <a:t>199,2% de ganancias sobre dos años según </a:t>
+              <a:t>199,2% de </a:t>
+            </a:r>
+            <a:r>
+              <a:rPr lang="es-ES" sz="2800" dirty="0" smtClean="0"/>
+              <a:t>beneficios</a:t>
+            </a:r>
+            <a:r>
+              <a:rPr lang="es-ES" sz="2800" dirty="0" smtClean="0"/>
+              <a:t> </a:t>
+            </a:r>
+            <a:r>
+              <a:rPr lang="es-ES" sz="2800" dirty="0"/>
+              <a:t>sobre dos años según </a:t>
             </a:r>
             <a:r>
               <a:rPr lang="es-ES" sz="2800" dirty="0" err="1"/>
@@ -27763,7 +25823,7 @@
     </p:spTree>
     <p:extLst>
       <p:ext uri="{BB962C8B-B14F-4D97-AF65-F5344CB8AC3E}">
-        <p14:creationId xmlns:p14="http://schemas.microsoft.com/office/powerpoint/2010/main" xmlns="" val="2405218555"/>
+        <p14:creationId xmlns="" xmlns:p14="http://schemas.microsoft.com/office/powerpoint/2010/main" val="2405218555"/>
       </p:ext>
     </p:extLst>
   </p:cSld>
@@ -27792,14 +25852,14 @@
       </p:grpSpPr>
       <p:sp>
         <p:nvSpPr>
-          <p:cNvPr id="7" name="Rectangle 6"/>
+          <p:cNvPr id="5" name="Rectangle 4"/>
           <p:cNvSpPr>
             <a:spLocks noGrp="1" noRot="1" noChangeAspect="1" noMove="1" noResize="1" noEditPoints="1" noAdjustHandles="1" noChangeArrowheads="1" noChangeShapeType="1" noTextEdit="1"/>
           </p:cNvSpPr>
           <p:nvPr>
             <p:extLst>
               <p:ext uri="{386F3935-93C4-4BCD-93E2-E3B085C9AB24}">
-                <p16:designElem xmlns:p16="http://schemas.microsoft.com/office/powerpoint/2015/main" xmlns="" val="1"/>
+                <p16:designElem xmlns="" xmlns:p16="http://schemas.microsoft.com/office/powerpoint/2015/main" val="1"/>
               </p:ext>
             </p:extLst>
           </p:nvPr>
@@ -27846,14 +25906,14 @@
       </p:sp>
       <p:sp>
         <p:nvSpPr>
-          <p:cNvPr id="8" name="Freeform 13"/>
+          <p:cNvPr id="6" name="Freeform 13"/>
           <p:cNvSpPr>
             <a:spLocks noGrp="1" noRot="1" noChangeAspect="1" noMove="1" noResize="1" noEditPoints="1" noAdjustHandles="1" noChangeArrowheads="1" noChangeShapeType="1" noTextEdit="1"/>
           </p:cNvSpPr>
           <p:nvPr>
             <p:extLst>
               <p:ext uri="{386F3935-93C4-4BCD-93E2-E3B085C9AB24}">
-                <p16:designElem xmlns:p16="http://schemas.microsoft.com/office/powerpoint/2015/main" xmlns="" val="1"/>
+                <p16:designElem xmlns="" xmlns:p16="http://schemas.microsoft.com/office/powerpoint/2015/main" val="1"/>
               </p:ext>
             </p:extLst>
           </p:nvPr>
@@ -27945,14 +26005,14 @@
       </p:sp>
       <p:sp>
         <p:nvSpPr>
-          <p:cNvPr id="9" name="Freeform 11"/>
+          <p:cNvPr id="7" name="Freeform 11"/>
           <p:cNvSpPr>
             <a:spLocks noGrp="1" noRot="1" noChangeAspect="1" noMove="1" noResize="1" noEditPoints="1" noAdjustHandles="1" noChangeArrowheads="1" noChangeShapeType="1" noTextEdit="1"/>
           </p:cNvSpPr>
           <p:nvPr>
             <p:extLst>
               <p:ext uri="{386F3935-93C4-4BCD-93E2-E3B085C9AB24}">
-                <p16:designElem xmlns:p16="http://schemas.microsoft.com/office/powerpoint/2015/main" xmlns="" val="1"/>
+                <p16:designElem xmlns="" xmlns:p16="http://schemas.microsoft.com/office/powerpoint/2015/main" val="1"/>
               </p:ext>
             </p:extLst>
           </p:nvPr>
@@ -28061,329 +26121,102 @@
           </a:xfrm>
         </p:spPr>
         <p:txBody>
-          <a:bodyPr vert="horz" lIns="91440" tIns="45720" rIns="91440" bIns="45720" rtlCol="0" anchor="ctr">
+          <a:bodyPr>
             <a:normAutofit/>
           </a:bodyPr>
           <a:lstStyle/>
           <a:p>
             <a:r>
-              <a:rPr lang="en-US" sz="5400" dirty="0"/>
-              <a:t>OBTENCION DE DATOS</a:t>
-            </a:r>
+              <a:rPr lang="es-ES" sz="5400" dirty="0" smtClean="0"/>
+              <a:t>Estudios </a:t>
+            </a:r>
+            <a:endParaRPr lang="es-ES" sz="6000" dirty="0"/>
           </a:p>
         </p:txBody>
       </p:sp>
       <p:sp>
         <p:nvSpPr>
-          <p:cNvPr id="5" name="CuadroTexto 4"/>
-          <p:cNvSpPr txBox="1"/>
-          <p:nvPr/>
+          <p:cNvPr id="3" name="Marcador de contenido 2"/>
+          <p:cNvSpPr>
+            <a:spLocks noGrp="1"/>
+          </p:cNvSpPr>
+          <p:nvPr>
+            <p:ph idx="1"/>
+          </p:nvPr>
         </p:nvSpPr>
         <p:spPr>
           <a:xfrm>
             <a:off x="838201" y="1690689"/>
             <a:ext cx="10515598" cy="4486274"/>
           </a:xfrm>
-          <a:prstGeom prst="rect">
-            <a:avLst/>
-          </a:prstGeom>
         </p:spPr>
         <p:txBody>
-          <a:bodyPr vert="horz" lIns="91440" tIns="45720" rIns="91440" bIns="45720" rtlCol="0">
+          <a:bodyPr>
             <a:normAutofit/>
           </a:bodyPr>
           <a:lstStyle/>
           <a:p>
-            <a:pPr>
-              <a:lnSpc>
-                <a:spcPct val="90000"/>
-              </a:lnSpc>
-            </a:pPr>
-            <a:r>
-              <a:rPr lang="en-US" sz="2400" dirty="0" err="1"/>
-              <a:t>Datos</a:t>
-            </a:r>
-            <a:r>
-              <a:rPr lang="en-US" sz="2400" dirty="0"/>
-              <a:t> </a:t>
-            </a:r>
-            <a:r>
-              <a:rPr lang="en-US" sz="2400" dirty="0" err="1"/>
-              <a:t>históricos</a:t>
-            </a:r>
-            <a:r>
-              <a:rPr lang="en-US" sz="2400" dirty="0"/>
-              <a:t> de </a:t>
-            </a:r>
-            <a:r>
-              <a:rPr lang="en-US" sz="2400" dirty="0" err="1"/>
-              <a:t>diferentes</a:t>
-            </a:r>
-            <a:r>
-              <a:rPr lang="en-US" sz="2400" dirty="0"/>
-              <a:t> plazas del </a:t>
-            </a:r>
-            <a:r>
-              <a:rPr lang="en-US" sz="2400" dirty="0" err="1"/>
-              <a:t>mundo</a:t>
-            </a:r>
-            <a:r>
-              <a:rPr lang="en-US" sz="2400" dirty="0"/>
+            <a:r>
+              <a:rPr lang="es-ES" sz="3200" dirty="0" smtClean="0"/>
+              <a:t>Universidad de Manitoba (1997)</a:t>
+            </a:r>
+          </a:p>
+          <a:p>
+            <a:r>
+              <a:rPr lang="es-ES" sz="3200" dirty="0" smtClean="0"/>
+              <a:t>Universidad de Pereira: pronóstico de valores de la bolsa de Colombia</a:t>
+            </a:r>
+            <a:endParaRPr lang="es-ES" sz="3200" dirty="0"/>
+          </a:p>
+          <a:p>
+            <a:r>
+              <a:rPr lang="es-ES" sz="3200" dirty="0" smtClean="0"/>
+              <a:t>Universidad de Chile: valor de las acciones de </a:t>
+            </a:r>
+            <a:r>
+              <a:rPr lang="es-ES" sz="3200" dirty="0" err="1" smtClean="0"/>
+              <a:t>First</a:t>
+            </a:r>
+            <a:r>
+              <a:rPr lang="es-ES" sz="3200" dirty="0" smtClean="0"/>
+              <a:t> Solar</a:t>
+            </a:r>
+            <a:endParaRPr lang="es-ES" sz="2800" dirty="0"/>
+          </a:p>
+          <a:p>
+            <a:r>
+              <a:rPr lang="es-ES" sz="3200" dirty="0" smtClean="0"/>
+              <a:t>Universidad de Comillas: sistema de inversión en bolsa</a:t>
+            </a:r>
+          </a:p>
+          <a:p>
+            <a:r>
+              <a:rPr lang="es-ES" sz="3200" dirty="0" smtClean="0"/>
+              <a:t>Universidad de Valencia: estudio de aplicaciones generales en la bolsa</a:t>
+            </a:r>
+            <a:endParaRPr lang="es-ES" dirty="0"/>
+          </a:p>
+          <a:p>
+            <a:r>
+              <a:rPr lang="es-ES" sz="3200" dirty="0" smtClean="0"/>
+              <a:t>Universidad de </a:t>
+            </a:r>
+            <a:r>
+              <a:rPr lang="es-ES" sz="3200" dirty="0" err="1" smtClean="0"/>
+              <a:t>Kampur</a:t>
+            </a:r>
+            <a:r>
+              <a:rPr lang="es-ES" sz="3200" dirty="0" smtClean="0"/>
               <a:t>:</a:t>
             </a:r>
-          </a:p>
-          <a:p>
-            <a:pPr marL="800100" lvl="1" indent="-228600">
-              <a:lnSpc>
-                <a:spcPct val="90000"/>
-              </a:lnSpc>
-              <a:buFont typeface="Arial" panose="020B0604020202020204" pitchFamily="34" charset="0"/>
-              <a:buChar char="•"/>
-            </a:pPr>
-            <a:r>
-              <a:rPr lang="en-US" sz="2400" dirty="0"/>
-              <a:t>IBEX35 (</a:t>
-            </a:r>
-            <a:r>
-              <a:rPr lang="en-US" sz="2400" dirty="0" err="1"/>
-              <a:t>España</a:t>
-            </a:r>
-            <a:r>
-              <a:rPr lang="en-US" sz="2400" dirty="0"/>
-              <a:t>)</a:t>
-            </a:r>
-          </a:p>
-          <a:p>
-            <a:pPr marL="800100" lvl="1" indent="-228600">
-              <a:lnSpc>
-                <a:spcPct val="90000"/>
-              </a:lnSpc>
-              <a:buFont typeface="Arial" panose="020B0604020202020204" pitchFamily="34" charset="0"/>
-              <a:buChar char="•"/>
-            </a:pPr>
-            <a:r>
-              <a:rPr lang="en-US" sz="2400" dirty="0"/>
-              <a:t>Dow Jones (</a:t>
-            </a:r>
-            <a:r>
-              <a:rPr lang="en-US" sz="2400" dirty="0" err="1"/>
-              <a:t>Estados</a:t>
-            </a:r>
-            <a:r>
-              <a:rPr lang="en-US" sz="2400" dirty="0"/>
-              <a:t> </a:t>
-            </a:r>
-            <a:r>
-              <a:rPr lang="en-US" sz="2400" dirty="0" err="1"/>
-              <a:t>Unidos</a:t>
-            </a:r>
-            <a:r>
-              <a:rPr lang="en-US" sz="2400" dirty="0"/>
-              <a:t> de América)</a:t>
-            </a:r>
-          </a:p>
-          <a:p>
-            <a:pPr marL="800100" lvl="1" indent="-228600">
-              <a:lnSpc>
-                <a:spcPct val="90000"/>
-              </a:lnSpc>
-              <a:buFont typeface="Arial" panose="020B0604020202020204" pitchFamily="34" charset="0"/>
-              <a:buChar char="•"/>
-            </a:pPr>
-            <a:r>
-              <a:rPr lang="en-US" sz="2400" dirty="0"/>
-              <a:t>Euro Stoxx50 (</a:t>
-            </a:r>
-            <a:r>
-              <a:rPr lang="en-US" sz="2400" dirty="0" err="1"/>
-              <a:t>Común</a:t>
-            </a:r>
-            <a:r>
-              <a:rPr lang="en-US" sz="2400" dirty="0"/>
-              <a:t> de Europa)</a:t>
-            </a:r>
-          </a:p>
-          <a:p>
-            <a:pPr marL="800100" lvl="1" indent="-228600">
-              <a:lnSpc>
-                <a:spcPct val="90000"/>
-              </a:lnSpc>
-              <a:buFont typeface="Arial" panose="020B0604020202020204" pitchFamily="34" charset="0"/>
-              <a:buChar char="•"/>
-            </a:pPr>
-            <a:r>
-              <a:rPr lang="en-US" sz="2400" dirty="0"/>
-              <a:t>Nikkei225 (</a:t>
-            </a:r>
-            <a:r>
-              <a:rPr lang="en-US" sz="2400" dirty="0" err="1"/>
-              <a:t>Japón</a:t>
-            </a:r>
-            <a:r>
-              <a:rPr lang="en-US" sz="2400" dirty="0"/>
-              <a:t>)</a:t>
-            </a:r>
-          </a:p>
-          <a:p>
-            <a:pPr marL="800100" lvl="1" indent="-228600">
-              <a:lnSpc>
-                <a:spcPct val="90000"/>
-              </a:lnSpc>
-              <a:buFont typeface="Arial" panose="020B0604020202020204" pitchFamily="34" charset="0"/>
-              <a:buChar char="•"/>
-            </a:pPr>
-            <a:r>
-              <a:rPr lang="en-US" sz="2400" dirty="0"/>
-              <a:t>Dax (</a:t>
-            </a:r>
-            <a:r>
-              <a:rPr lang="en-US" sz="2400" dirty="0" err="1"/>
-              <a:t>Alemania</a:t>
-            </a:r>
-            <a:r>
-              <a:rPr lang="en-US" sz="2400" dirty="0"/>
-              <a:t>)</a:t>
-            </a:r>
-          </a:p>
-          <a:p>
-            <a:pPr marL="800100" lvl="1" indent="-228600">
-              <a:lnSpc>
-                <a:spcPct val="90000"/>
-              </a:lnSpc>
-              <a:buFont typeface="Arial" panose="020B0604020202020204" pitchFamily="34" charset="0"/>
-              <a:buChar char="•"/>
-            </a:pPr>
-            <a:r>
-              <a:rPr lang="en-US" sz="2400" dirty="0" err="1"/>
-              <a:t>Cac</a:t>
-            </a:r>
-            <a:r>
-              <a:rPr lang="en-US" sz="2400" dirty="0"/>
-              <a:t> 40 (</a:t>
-            </a:r>
-            <a:r>
-              <a:rPr lang="en-US" sz="2400" dirty="0" err="1"/>
-              <a:t>Francia</a:t>
-            </a:r>
-            <a:r>
-              <a:rPr lang="en-US" sz="2400" dirty="0"/>
-              <a:t>)</a:t>
-            </a:r>
-          </a:p>
-          <a:p>
-            <a:pPr>
-              <a:lnSpc>
-                <a:spcPct val="90000"/>
-              </a:lnSpc>
-            </a:pPr>
-            <a:endParaRPr lang="en-US" sz="2400" dirty="0"/>
-          </a:p>
-          <a:p>
-            <a:pPr>
-              <a:lnSpc>
-                <a:spcPct val="90000"/>
-              </a:lnSpc>
-            </a:pPr>
-            <a:r>
-              <a:rPr lang="en-US" sz="2400" dirty="0" err="1"/>
-              <a:t>Utilizando</a:t>
-            </a:r>
-            <a:r>
-              <a:rPr lang="en-US" sz="2400" dirty="0"/>
-              <a:t> </a:t>
-            </a:r>
-            <a:r>
-              <a:rPr lang="en-US" sz="2400" dirty="0" err="1"/>
-              <a:t>los</a:t>
-            </a:r>
-            <a:r>
-              <a:rPr lang="en-US" sz="2400" dirty="0"/>
-              <a:t> </a:t>
-            </a:r>
-            <a:r>
-              <a:rPr lang="en-US" sz="2400" dirty="0" err="1"/>
-              <a:t>datos</a:t>
-            </a:r>
-            <a:r>
-              <a:rPr lang="en-US" sz="2400" dirty="0"/>
-              <a:t> de CIERRE de las </a:t>
-            </a:r>
-            <a:r>
-              <a:rPr lang="en-US" sz="2400" dirty="0" err="1"/>
-              <a:t>bolsas</a:t>
-            </a:r>
-            <a:r>
-              <a:rPr lang="en-US" sz="2400" dirty="0"/>
-              <a:t>.</a:t>
-            </a:r>
-          </a:p>
-          <a:p>
-            <a:pPr>
-              <a:lnSpc>
-                <a:spcPct val="90000"/>
-              </a:lnSpc>
-            </a:pPr>
-            <a:r>
-              <a:rPr lang="en-US" sz="2400" dirty="0" err="1"/>
-              <a:t>Obtenidos</a:t>
-            </a:r>
-            <a:r>
-              <a:rPr lang="en-US" sz="2400" dirty="0"/>
-              <a:t> de </a:t>
-            </a:r>
-            <a:r>
-              <a:rPr lang="en-US" sz="2400" dirty="0" err="1"/>
-              <a:t>Quandl</a:t>
-            </a:r>
-            <a:r>
-              <a:rPr lang="en-US" sz="2400" dirty="0"/>
-              <a:t> gracias a la API de Python </a:t>
-            </a:r>
-            <a:r>
-              <a:rPr lang="en-US" sz="2400" dirty="0" err="1"/>
-              <a:t>disponible</a:t>
-            </a:r>
-            <a:r>
-              <a:rPr lang="en-US" sz="2400" dirty="0"/>
-              <a:t>.</a:t>
-            </a:r>
+            <a:endParaRPr lang="es-ES" sz="3200" dirty="0"/>
           </a:p>
         </p:txBody>
       </p:sp>
-      <p:pic>
-        <p:nvPicPr>
-          <p:cNvPr id="12" name="Imagen 11"/>
-          <p:cNvPicPr>
-            <a:picLocks noChangeAspect="1"/>
-          </p:cNvPicPr>
-          <p:nvPr/>
-        </p:nvPicPr>
-        <p:blipFill>
-          <a:blip r:embed="rId2" cstate="print">
-            <a:extLst>
-              <a:ext uri="{28A0092B-C50C-407E-A947-70E740481C1C}">
-                <a14:useLocalDpi xmlns:a14="http://schemas.microsoft.com/office/drawing/2010/main" xmlns="" val="0"/>
-              </a:ext>
-            </a:extLst>
-          </a:blip>
-          <a:stretch>
-            <a:fillRect/>
-          </a:stretch>
-        </p:blipFill>
-        <p:spPr>
-          <a:xfrm>
-            <a:off x="5291547" y="4950011"/>
-            <a:ext cx="5555817" cy="1907989"/>
-          </a:xfrm>
-          <a:prstGeom prst="rect">
-            <a:avLst/>
-          </a:prstGeom>
-        </p:spPr>
-      </p:pic>
     </p:spTree>
     <p:extLst>
       <p:ext uri="{BB962C8B-B14F-4D97-AF65-F5344CB8AC3E}">
-        <p14:creationId xmlns:p14="http://schemas.microsoft.com/office/powerpoint/2010/main" xmlns="" val="84572358"/>
+        <p14:creationId xmlns="" xmlns:p14="http://schemas.microsoft.com/office/powerpoint/2010/main" val="2405218555"/>
       </p:ext>
     </p:extLst>
   </p:cSld>
@@ -28412,14 +26245,14 @@
       </p:grpSpPr>
       <p:sp>
         <p:nvSpPr>
-          <p:cNvPr id="5" name="Rectangle 4"/>
+          <p:cNvPr id="7" name="Rectangle 6"/>
           <p:cNvSpPr>
             <a:spLocks noGrp="1" noRot="1" noChangeAspect="1" noMove="1" noResize="1" noEditPoints="1" noAdjustHandles="1" noChangeArrowheads="1" noChangeShapeType="1" noTextEdit="1"/>
           </p:cNvSpPr>
           <p:nvPr>
             <p:extLst>
               <p:ext uri="{386F3935-93C4-4BCD-93E2-E3B085C9AB24}">
-                <p16:designElem xmlns:p16="http://schemas.microsoft.com/office/powerpoint/2015/main" xmlns="" val="1"/>
+                <p16:designElem xmlns="" xmlns:p16="http://schemas.microsoft.com/office/powerpoint/2015/main" val="1"/>
               </p:ext>
             </p:extLst>
           </p:nvPr>
@@ -28466,14 +26299,14 @@
       </p:sp>
       <p:sp>
         <p:nvSpPr>
-          <p:cNvPr id="6" name="Freeform 13"/>
+          <p:cNvPr id="8" name="Freeform 13"/>
           <p:cNvSpPr>
             <a:spLocks noGrp="1" noRot="1" noChangeAspect="1" noMove="1" noResize="1" noEditPoints="1" noAdjustHandles="1" noChangeArrowheads="1" noChangeShapeType="1" noTextEdit="1"/>
           </p:cNvSpPr>
           <p:nvPr>
             <p:extLst>
               <p:ext uri="{386F3935-93C4-4BCD-93E2-E3B085C9AB24}">
-                <p16:designElem xmlns:p16="http://schemas.microsoft.com/office/powerpoint/2015/main" xmlns="" val="1"/>
+                <p16:designElem xmlns="" xmlns:p16="http://schemas.microsoft.com/office/powerpoint/2015/main" val="1"/>
               </p:ext>
             </p:extLst>
           </p:nvPr>
@@ -28565,6 +26398,626 @@
       </p:sp>
       <p:sp>
         <p:nvSpPr>
+          <p:cNvPr id="9" name="Freeform 11"/>
+          <p:cNvSpPr>
+            <a:spLocks noGrp="1" noRot="1" noChangeAspect="1" noMove="1" noResize="1" noEditPoints="1" noAdjustHandles="1" noChangeArrowheads="1" noChangeShapeType="1" noTextEdit="1"/>
+          </p:cNvSpPr>
+          <p:nvPr>
+            <p:extLst>
+              <p:ext uri="{386F3935-93C4-4BCD-93E2-E3B085C9AB24}">
+                <p16:designElem xmlns="" xmlns:p16="http://schemas.microsoft.com/office/powerpoint/2015/main" val="1"/>
+              </p:ext>
+            </p:extLst>
+          </p:nvPr>
+        </p:nvSpPr>
+        <p:spPr>
+          <a:xfrm>
+            <a:off x="0" y="0"/>
+            <a:ext cx="3581400" cy="6858000"/>
+          </a:xfrm>
+          <a:custGeom>
+            <a:avLst/>
+            <a:gdLst>
+              <a:gd name="connsiteX0" fmla="*/ 0 w 3581400"/>
+              <a:gd name="connsiteY0" fmla="*/ 0 h 6858000"/>
+              <a:gd name="connsiteX1" fmla="*/ 405246 w 3581400"/>
+              <a:gd name="connsiteY1" fmla="*/ 0 h 6858000"/>
+              <a:gd name="connsiteX2" fmla="*/ 3581400 w 3581400"/>
+              <a:gd name="connsiteY2" fmla="*/ 6858000 h 6858000"/>
+              <a:gd name="connsiteX3" fmla="*/ 0 w 3581400"/>
+              <a:gd name="connsiteY3" fmla="*/ 6858000 h 6858000"/>
+            </a:gdLst>
+            <a:ahLst/>
+            <a:cxnLst>
+              <a:cxn ang="0">
+                <a:pos x="connsiteX0" y="connsiteY0"/>
+              </a:cxn>
+              <a:cxn ang="0">
+                <a:pos x="connsiteX1" y="connsiteY1"/>
+              </a:cxn>
+              <a:cxn ang="0">
+                <a:pos x="connsiteX2" y="connsiteY2"/>
+              </a:cxn>
+              <a:cxn ang="0">
+                <a:pos x="connsiteX3" y="connsiteY3"/>
+              </a:cxn>
+            </a:cxnLst>
+            <a:rect l="l" t="t" r="r" b="b"/>
+            <a:pathLst>
+              <a:path w="3581400" h="6858000">
+                <a:moveTo>
+                  <a:pt x="0" y="0"/>
+                </a:moveTo>
+                <a:lnTo>
+                  <a:pt x="405246" y="0"/>
+                </a:lnTo>
+                <a:lnTo>
+                  <a:pt x="3581400" y="6858000"/>
+                </a:lnTo>
+                <a:lnTo>
+                  <a:pt x="0" y="6858000"/>
+                </a:lnTo>
+                <a:close/>
+              </a:path>
+            </a:pathLst>
+          </a:custGeom>
+          <a:solidFill>
+            <a:schemeClr val="bg1">
+              <a:alpha val="30000"/>
+            </a:schemeClr>
+          </a:solidFill>
+          <a:ln>
+            <a:noFill/>
+          </a:ln>
+        </p:spPr>
+        <p:style>
+          <a:lnRef idx="2">
+            <a:schemeClr val="accent1">
+              <a:shade val="50000"/>
+            </a:schemeClr>
+          </a:lnRef>
+          <a:fillRef idx="1">
+            <a:schemeClr val="accent1"/>
+          </a:fillRef>
+          <a:effectRef idx="0">
+            <a:schemeClr val="accent1"/>
+          </a:effectRef>
+          <a:fontRef idx="minor">
+            <a:schemeClr val="lt1"/>
+          </a:fontRef>
+        </p:style>
+        <p:txBody>
+          <a:bodyPr wrap="square" rtlCol="0" anchor="ctr">
+            <a:noAutofit/>
+          </a:bodyPr>
+          <a:lstStyle/>
+          <a:p>
+            <a:pPr algn="ctr"/>
+            <a:endParaRPr lang="en-US"/>
+          </a:p>
+        </p:txBody>
+      </p:sp>
+      <p:sp>
+        <p:nvSpPr>
+          <p:cNvPr id="2" name="Título 1"/>
+          <p:cNvSpPr>
+            <a:spLocks noGrp="1"/>
+          </p:cNvSpPr>
+          <p:nvPr>
+            <p:ph type="title"/>
+          </p:nvPr>
+        </p:nvSpPr>
+        <p:spPr>
+          <a:xfrm>
+            <a:off x="833002" y="365125"/>
+            <a:ext cx="10520702" cy="1325563"/>
+          </a:xfrm>
+        </p:spPr>
+        <p:txBody>
+          <a:bodyPr vert="horz" lIns="91440" tIns="45720" rIns="91440" bIns="45720" rtlCol="0" anchor="ctr">
+            <a:normAutofit/>
+          </a:bodyPr>
+          <a:lstStyle/>
+          <a:p>
+            <a:r>
+              <a:rPr lang="en-US" sz="5400" dirty="0"/>
+              <a:t>OBTENCION DE DATOS</a:t>
+            </a:r>
+          </a:p>
+        </p:txBody>
+      </p:sp>
+      <p:sp>
+        <p:nvSpPr>
+          <p:cNvPr id="5" name="CuadroTexto 4"/>
+          <p:cNvSpPr txBox="1"/>
+          <p:nvPr/>
+        </p:nvSpPr>
+        <p:spPr>
+          <a:xfrm>
+            <a:off x="838201" y="1690689"/>
+            <a:ext cx="10515598" cy="4486274"/>
+          </a:xfrm>
+          <a:prstGeom prst="rect">
+            <a:avLst/>
+          </a:prstGeom>
+        </p:spPr>
+        <p:txBody>
+          <a:bodyPr vert="horz" lIns="91440" tIns="45720" rIns="91440" bIns="45720" rtlCol="0">
+            <a:normAutofit/>
+          </a:bodyPr>
+          <a:lstStyle/>
+          <a:p>
+            <a:pPr>
+              <a:lnSpc>
+                <a:spcPct val="90000"/>
+              </a:lnSpc>
+            </a:pPr>
+            <a:r>
+              <a:rPr lang="en-US" sz="2400" dirty="0" err="1"/>
+              <a:t>Datos</a:t>
+            </a:r>
+            <a:r>
+              <a:rPr lang="en-US" sz="2400" dirty="0"/>
+              <a:t> </a:t>
+            </a:r>
+            <a:r>
+              <a:rPr lang="en-US" sz="2400" dirty="0" err="1"/>
+              <a:t>históricos</a:t>
+            </a:r>
+            <a:r>
+              <a:rPr lang="en-US" sz="2400" dirty="0"/>
+              <a:t> de </a:t>
+            </a:r>
+            <a:r>
+              <a:rPr lang="en-US" sz="2400" dirty="0" err="1"/>
+              <a:t>diferentes</a:t>
+            </a:r>
+            <a:r>
+              <a:rPr lang="en-US" sz="2400" dirty="0"/>
+              <a:t> plazas del </a:t>
+            </a:r>
+            <a:r>
+              <a:rPr lang="en-US" sz="2400" dirty="0" err="1"/>
+              <a:t>mundo</a:t>
+            </a:r>
+            <a:r>
+              <a:rPr lang="en-US" sz="2400" dirty="0"/>
+              <a:t>:</a:t>
+            </a:r>
+          </a:p>
+          <a:p>
+            <a:pPr marL="800100" lvl="1" indent="-228600">
+              <a:lnSpc>
+                <a:spcPct val="90000"/>
+              </a:lnSpc>
+              <a:buFont typeface="Arial" panose="020B0604020202020204" pitchFamily="34" charset="0"/>
+              <a:buChar char="•"/>
+            </a:pPr>
+            <a:r>
+              <a:rPr lang="en-US" sz="2400" dirty="0"/>
+              <a:t>IBEX35 (</a:t>
+            </a:r>
+            <a:r>
+              <a:rPr lang="en-US" sz="2400" dirty="0" err="1"/>
+              <a:t>España</a:t>
+            </a:r>
+            <a:r>
+              <a:rPr lang="en-US" sz="2400" dirty="0"/>
+              <a:t>)</a:t>
+            </a:r>
+          </a:p>
+          <a:p>
+            <a:pPr marL="800100" lvl="1" indent="-228600">
+              <a:lnSpc>
+                <a:spcPct val="90000"/>
+              </a:lnSpc>
+              <a:buFont typeface="Arial" panose="020B0604020202020204" pitchFamily="34" charset="0"/>
+              <a:buChar char="•"/>
+            </a:pPr>
+            <a:r>
+              <a:rPr lang="en-US" sz="2400" dirty="0"/>
+              <a:t>Dow Jones (</a:t>
+            </a:r>
+            <a:r>
+              <a:rPr lang="en-US" sz="2400" dirty="0" err="1"/>
+              <a:t>Estados</a:t>
+            </a:r>
+            <a:r>
+              <a:rPr lang="en-US" sz="2400" dirty="0"/>
+              <a:t> </a:t>
+            </a:r>
+            <a:r>
+              <a:rPr lang="en-US" sz="2400" dirty="0" err="1"/>
+              <a:t>Unidos</a:t>
+            </a:r>
+            <a:r>
+              <a:rPr lang="en-US" sz="2400" dirty="0"/>
+              <a:t> de América)</a:t>
+            </a:r>
+          </a:p>
+          <a:p>
+            <a:pPr marL="800100" lvl="1" indent="-228600">
+              <a:lnSpc>
+                <a:spcPct val="90000"/>
+              </a:lnSpc>
+              <a:buFont typeface="Arial" panose="020B0604020202020204" pitchFamily="34" charset="0"/>
+              <a:buChar char="•"/>
+            </a:pPr>
+            <a:r>
+              <a:rPr lang="en-US" sz="2400" dirty="0"/>
+              <a:t>Euro Stoxx50 (</a:t>
+            </a:r>
+            <a:r>
+              <a:rPr lang="en-US" sz="2400" dirty="0" err="1"/>
+              <a:t>Común</a:t>
+            </a:r>
+            <a:r>
+              <a:rPr lang="en-US" sz="2400" dirty="0"/>
+              <a:t> de Europa)</a:t>
+            </a:r>
+          </a:p>
+          <a:p>
+            <a:pPr marL="800100" lvl="1" indent="-228600">
+              <a:lnSpc>
+                <a:spcPct val="90000"/>
+              </a:lnSpc>
+              <a:buFont typeface="Arial" panose="020B0604020202020204" pitchFamily="34" charset="0"/>
+              <a:buChar char="•"/>
+            </a:pPr>
+            <a:r>
+              <a:rPr lang="en-US" sz="2400" dirty="0"/>
+              <a:t>Nikkei225 (</a:t>
+            </a:r>
+            <a:r>
+              <a:rPr lang="en-US" sz="2400" dirty="0" err="1"/>
+              <a:t>Japón</a:t>
+            </a:r>
+            <a:r>
+              <a:rPr lang="en-US" sz="2400" dirty="0"/>
+              <a:t>)</a:t>
+            </a:r>
+          </a:p>
+          <a:p>
+            <a:pPr marL="800100" lvl="1" indent="-228600">
+              <a:lnSpc>
+                <a:spcPct val="90000"/>
+              </a:lnSpc>
+              <a:buFont typeface="Arial" panose="020B0604020202020204" pitchFamily="34" charset="0"/>
+              <a:buChar char="•"/>
+            </a:pPr>
+            <a:r>
+              <a:rPr lang="en-US" sz="2400" dirty="0"/>
+              <a:t>Dax (</a:t>
+            </a:r>
+            <a:r>
+              <a:rPr lang="en-US" sz="2400" dirty="0" err="1"/>
+              <a:t>Alemania</a:t>
+            </a:r>
+            <a:r>
+              <a:rPr lang="en-US" sz="2400" dirty="0"/>
+              <a:t>)</a:t>
+            </a:r>
+          </a:p>
+          <a:p>
+            <a:pPr marL="800100" lvl="1" indent="-228600">
+              <a:lnSpc>
+                <a:spcPct val="90000"/>
+              </a:lnSpc>
+              <a:buFont typeface="Arial" panose="020B0604020202020204" pitchFamily="34" charset="0"/>
+              <a:buChar char="•"/>
+            </a:pPr>
+            <a:r>
+              <a:rPr lang="en-US" sz="2400" dirty="0" err="1"/>
+              <a:t>Cac</a:t>
+            </a:r>
+            <a:r>
+              <a:rPr lang="en-US" sz="2400" dirty="0"/>
+              <a:t> 40 (</a:t>
+            </a:r>
+            <a:r>
+              <a:rPr lang="en-US" sz="2400" dirty="0" err="1"/>
+              <a:t>Francia</a:t>
+            </a:r>
+            <a:r>
+              <a:rPr lang="en-US" sz="2400" dirty="0"/>
+              <a:t>)</a:t>
+            </a:r>
+          </a:p>
+          <a:p>
+            <a:pPr>
+              <a:lnSpc>
+                <a:spcPct val="90000"/>
+              </a:lnSpc>
+            </a:pPr>
+            <a:endParaRPr lang="en-US" sz="2400" dirty="0"/>
+          </a:p>
+          <a:p>
+            <a:pPr>
+              <a:lnSpc>
+                <a:spcPct val="90000"/>
+              </a:lnSpc>
+            </a:pPr>
+            <a:r>
+              <a:rPr lang="en-US" sz="2400" dirty="0" err="1"/>
+              <a:t>Utilizando</a:t>
+            </a:r>
+            <a:r>
+              <a:rPr lang="en-US" sz="2400" dirty="0"/>
+              <a:t> </a:t>
+            </a:r>
+            <a:r>
+              <a:rPr lang="en-US" sz="2400" dirty="0" err="1"/>
+              <a:t>los</a:t>
+            </a:r>
+            <a:r>
+              <a:rPr lang="en-US" sz="2400" dirty="0"/>
+              <a:t> </a:t>
+            </a:r>
+            <a:r>
+              <a:rPr lang="en-US" sz="2400" dirty="0" err="1"/>
+              <a:t>datos</a:t>
+            </a:r>
+            <a:r>
+              <a:rPr lang="en-US" sz="2400" dirty="0"/>
+              <a:t> de CIERRE de las </a:t>
+            </a:r>
+            <a:r>
+              <a:rPr lang="en-US" sz="2400" dirty="0" err="1"/>
+              <a:t>bolsas</a:t>
+            </a:r>
+            <a:r>
+              <a:rPr lang="en-US" sz="2400" dirty="0"/>
+              <a:t>.</a:t>
+            </a:r>
+          </a:p>
+          <a:p>
+            <a:pPr>
+              <a:lnSpc>
+                <a:spcPct val="90000"/>
+              </a:lnSpc>
+            </a:pPr>
+            <a:r>
+              <a:rPr lang="en-US" sz="2400" dirty="0" err="1"/>
+              <a:t>Obtenidos</a:t>
+            </a:r>
+            <a:r>
+              <a:rPr lang="en-US" sz="2400" dirty="0"/>
+              <a:t> de </a:t>
+            </a:r>
+            <a:r>
+              <a:rPr lang="en-US" sz="2400" dirty="0" err="1"/>
+              <a:t>Quandl</a:t>
+            </a:r>
+            <a:r>
+              <a:rPr lang="en-US" sz="2400" dirty="0"/>
+              <a:t> gracias a la API de Python </a:t>
+            </a:r>
+            <a:r>
+              <a:rPr lang="en-US" sz="2400" dirty="0" err="1"/>
+              <a:t>disponible</a:t>
+            </a:r>
+            <a:r>
+              <a:rPr lang="en-US" sz="2400" dirty="0"/>
+              <a:t>.</a:t>
+            </a:r>
+          </a:p>
+        </p:txBody>
+      </p:sp>
+      <p:pic>
+        <p:nvPicPr>
+          <p:cNvPr id="12" name="Imagen 11"/>
+          <p:cNvPicPr>
+            <a:picLocks noChangeAspect="1"/>
+          </p:cNvPicPr>
+          <p:nvPr/>
+        </p:nvPicPr>
+        <p:blipFill>
+          <a:blip r:embed="rId2" cstate="print">
+            <a:extLst>
+              <a:ext uri="{28A0092B-C50C-407E-A947-70E740481C1C}">
+                <a14:useLocalDpi xmlns="" xmlns:a14="http://schemas.microsoft.com/office/drawing/2010/main" val="0"/>
+              </a:ext>
+            </a:extLst>
+          </a:blip>
+          <a:stretch>
+            <a:fillRect/>
+          </a:stretch>
+        </p:blipFill>
+        <p:spPr>
+          <a:xfrm>
+            <a:off x="5291547" y="4950011"/>
+            <a:ext cx="5555817" cy="1907989"/>
+          </a:xfrm>
+          <a:prstGeom prst="rect">
+            <a:avLst/>
+          </a:prstGeom>
+        </p:spPr>
+      </p:pic>
+    </p:spTree>
+    <p:extLst>
+      <p:ext uri="{BB962C8B-B14F-4D97-AF65-F5344CB8AC3E}">
+        <p14:creationId xmlns="" xmlns:p14="http://schemas.microsoft.com/office/powerpoint/2010/main" val="84572358"/>
+      </p:ext>
+    </p:extLst>
+  </p:cSld>
+  <p:clrMapOvr>
+    <a:overrideClrMapping bg1="dk1" tx1="lt1" bg2="dk2" tx2="lt2" accent1="accent1" accent2="accent2" accent3="accent3" accent4="accent4" accent5="accent5" accent6="accent6" hlink="hlink" folHlink="folHlink"/>
+  </p:clrMapOvr>
+</p:sld>
+</file>
+
+<file path=ppt/slides/slide8.xml><?xml version="1.0" encoding="utf-8"?>
+<p:sld xmlns:a="http://schemas.openxmlformats.org/drawingml/2006/main" xmlns:r="http://schemas.openxmlformats.org/officeDocument/2006/relationships" xmlns:p="http://schemas.openxmlformats.org/presentationml/2006/main">
+  <p:cSld>
+    <p:spTree>
+      <p:nvGrpSpPr>
+        <p:cNvPr id="1" name=""/>
+        <p:cNvGrpSpPr/>
+        <p:nvPr/>
+      </p:nvGrpSpPr>
+      <p:grpSpPr>
+        <a:xfrm>
+          <a:off x="0" y="0"/>
+          <a:ext cx="0" cy="0"/>
+          <a:chOff x="0" y="0"/>
+          <a:chExt cx="0" cy="0"/>
+        </a:xfrm>
+      </p:grpSpPr>
+      <p:sp>
+        <p:nvSpPr>
+          <p:cNvPr id="5" name="Rectangle 4"/>
+          <p:cNvSpPr>
+            <a:spLocks noGrp="1" noRot="1" noChangeAspect="1" noMove="1" noResize="1" noEditPoints="1" noAdjustHandles="1" noChangeArrowheads="1" noChangeShapeType="1" noTextEdit="1"/>
+          </p:cNvSpPr>
+          <p:nvPr>
+            <p:extLst>
+              <p:ext uri="{386F3935-93C4-4BCD-93E2-E3B085C9AB24}">
+                <p16:designElem xmlns="" xmlns:p16="http://schemas.microsoft.com/office/powerpoint/2015/main" val="1"/>
+              </p:ext>
+            </p:extLst>
+          </p:nvPr>
+        </p:nvSpPr>
+        <p:spPr>
+          <a:xfrm>
+            <a:off x="0" y="-3324"/>
+            <a:ext cx="12192000" cy="6861324"/>
+          </a:xfrm>
+          <a:prstGeom prst="rect">
+            <a:avLst/>
+          </a:prstGeom>
+          <a:solidFill>
+            <a:srgbClr val="404040"/>
+          </a:solidFill>
+          <a:ln>
+            <a:noFill/>
+          </a:ln>
+        </p:spPr>
+        <p:style>
+          <a:lnRef idx="2">
+            <a:schemeClr val="accent1">
+              <a:shade val="50000"/>
+            </a:schemeClr>
+          </a:lnRef>
+          <a:fillRef idx="1">
+            <a:schemeClr val="accent1"/>
+          </a:fillRef>
+          <a:effectRef idx="0">
+            <a:schemeClr val="accent1"/>
+          </a:effectRef>
+          <a:fontRef idx="minor">
+            <a:schemeClr val="lt1"/>
+          </a:fontRef>
+        </p:style>
+        <p:txBody>
+          <a:bodyPr rtlCol="0" anchor="ctr"/>
+          <a:lstStyle/>
+          <a:p>
+            <a:pPr algn="ctr"/>
+            <a:endParaRPr lang="en-US"/>
+          </a:p>
+        </p:txBody>
+      </p:sp>
+      <p:sp>
+        <p:nvSpPr>
+          <p:cNvPr id="6" name="Freeform 13"/>
+          <p:cNvSpPr>
+            <a:spLocks noGrp="1" noRot="1" noChangeAspect="1" noMove="1" noResize="1" noEditPoints="1" noAdjustHandles="1" noChangeArrowheads="1" noChangeShapeType="1" noTextEdit="1"/>
+          </p:cNvSpPr>
+          <p:nvPr>
+            <p:extLst>
+              <p:ext uri="{386F3935-93C4-4BCD-93E2-E3B085C9AB24}">
+                <p16:designElem xmlns="" xmlns:p16="http://schemas.microsoft.com/office/powerpoint/2015/main" val="1"/>
+              </p:ext>
+            </p:extLst>
+          </p:nvPr>
+        </p:nvSpPr>
+        <p:spPr>
+          <a:xfrm>
+            <a:off x="0" y="0"/>
+            <a:ext cx="11786754" cy="6858000"/>
+          </a:xfrm>
+          <a:custGeom>
+            <a:avLst/>
+            <a:gdLst>
+              <a:gd name="connsiteX0" fmla="*/ 0 w 11786754"/>
+              <a:gd name="connsiteY0" fmla="*/ 0 h 6858000"/>
+              <a:gd name="connsiteX1" fmla="*/ 8610600 w 11786754"/>
+              <a:gd name="connsiteY1" fmla="*/ 0 h 6858000"/>
+              <a:gd name="connsiteX2" fmla="*/ 11786754 w 11786754"/>
+              <a:gd name="connsiteY2" fmla="*/ 6858000 h 6858000"/>
+              <a:gd name="connsiteX3" fmla="*/ 0 w 11786754"/>
+              <a:gd name="connsiteY3" fmla="*/ 6858000 h 6858000"/>
+            </a:gdLst>
+            <a:ahLst/>
+            <a:cxnLst>
+              <a:cxn ang="0">
+                <a:pos x="connsiteX0" y="connsiteY0"/>
+              </a:cxn>
+              <a:cxn ang="0">
+                <a:pos x="connsiteX1" y="connsiteY1"/>
+              </a:cxn>
+              <a:cxn ang="0">
+                <a:pos x="connsiteX2" y="connsiteY2"/>
+              </a:cxn>
+              <a:cxn ang="0">
+                <a:pos x="connsiteX3" y="connsiteY3"/>
+              </a:cxn>
+            </a:cxnLst>
+            <a:rect l="l" t="t" r="r" b="b"/>
+            <a:pathLst>
+              <a:path w="11786754" h="6858000">
+                <a:moveTo>
+                  <a:pt x="0" y="0"/>
+                </a:moveTo>
+                <a:lnTo>
+                  <a:pt x="8610600" y="0"/>
+                </a:lnTo>
+                <a:lnTo>
+                  <a:pt x="11786754" y="6858000"/>
+                </a:lnTo>
+                <a:lnTo>
+                  <a:pt x="0" y="6858000"/>
+                </a:lnTo>
+                <a:close/>
+              </a:path>
+            </a:pathLst>
+          </a:custGeom>
+          <a:solidFill>
+            <a:schemeClr val="bg1">
+              <a:alpha val="30000"/>
+            </a:schemeClr>
+          </a:solidFill>
+          <a:ln>
+            <a:noFill/>
+          </a:ln>
+        </p:spPr>
+        <p:style>
+          <a:lnRef idx="2">
+            <a:schemeClr val="accent1">
+              <a:shade val="50000"/>
+            </a:schemeClr>
+          </a:lnRef>
+          <a:fillRef idx="1">
+            <a:schemeClr val="accent1"/>
+          </a:fillRef>
+          <a:effectRef idx="0">
+            <a:schemeClr val="accent1"/>
+          </a:effectRef>
+          <a:fontRef idx="minor">
+            <a:schemeClr val="lt1"/>
+          </a:fontRef>
+        </p:style>
+        <p:txBody>
+          <a:bodyPr rtlCol="0" anchor="ctr"/>
+          <a:lstStyle/>
+          <a:p>
+            <a:pPr algn="ctr"/>
+            <a:endParaRPr lang="en-US"/>
+          </a:p>
+        </p:txBody>
+      </p:sp>
+      <p:sp>
+        <p:nvSpPr>
           <p:cNvPr id="7" name="Freeform 11"/>
           <p:cNvSpPr>
             <a:spLocks noGrp="1" noRot="1" noChangeAspect="1" noMove="1" noResize="1" noEditPoints="1" noAdjustHandles="1" noChangeArrowheads="1" noChangeShapeType="1" noTextEdit="1"/>
@@ -28572,7 +27025,7 @@
           <p:nvPr>
             <p:extLst>
               <p:ext uri="{386F3935-93C4-4BCD-93E2-E3B085C9AB24}">
-                <p16:designElem xmlns:p16="http://schemas.microsoft.com/office/powerpoint/2015/main" xmlns="" val="1"/>
+                <p16:designElem xmlns="" xmlns:p16="http://schemas.microsoft.com/office/powerpoint/2015/main" val="1"/>
               </p:ext>
             </p:extLst>
           </p:nvPr>
@@ -28881,7 +27334,7 @@
     </p:spTree>
     <p:extLst>
       <p:ext uri="{BB962C8B-B14F-4D97-AF65-F5344CB8AC3E}">
-        <p14:creationId xmlns:p14="http://schemas.microsoft.com/office/powerpoint/2010/main" xmlns="" val="3539477728"/>
+        <p14:creationId xmlns="" xmlns:p14="http://schemas.microsoft.com/office/powerpoint/2010/main" val="3539477728"/>
       </p:ext>
     </p:extLst>
   </p:cSld>
@@ -28891,7 +27344,7 @@
 </p:sld>
 </file>
 
-<file path=ppt/slides/slide8.xml><?xml version="1.0" encoding="utf-8"?>
+<file path=ppt/slides/slide9.xml><?xml version="1.0" encoding="utf-8"?>
 <p:sld xmlns:a="http://schemas.openxmlformats.org/drawingml/2006/main" xmlns:r="http://schemas.openxmlformats.org/officeDocument/2006/relationships" xmlns:p="http://schemas.openxmlformats.org/presentationml/2006/main">
   <p:cSld>
     <p:spTree>
@@ -28917,7 +27370,7 @@
           <p:nvPr>
             <p:extLst>
               <p:ext uri="{386F3935-93C4-4BCD-93E2-E3B085C9AB24}">
-                <p16:designElem xmlns:p16="http://schemas.microsoft.com/office/powerpoint/2015/main" xmlns="" val="1"/>
+                <p16:designElem xmlns="" xmlns:p16="http://schemas.microsoft.com/office/powerpoint/2015/main" val="1"/>
               </p:ext>
             </p:extLst>
           </p:nvPr>
@@ -28981,7 +27434,7 @@
           <a:blip r:embed="rId2" cstate="print">
             <a:extLst>
               <a:ext uri="{28A0092B-C50C-407E-A947-70E740481C1C}">
-                <a14:useLocalDpi xmlns:a14="http://schemas.microsoft.com/office/drawing/2010/main" xmlns="" val="0"/>
+                <a14:useLocalDpi xmlns="" xmlns:a14="http://schemas.microsoft.com/office/drawing/2010/main" val="0"/>
               </a:ext>
             </a:extLst>
           </a:blip>
@@ -29186,181 +27639,7 @@
     </p:spTree>
     <p:extLst>
       <p:ext uri="{BB962C8B-B14F-4D97-AF65-F5344CB8AC3E}">
-        <p14:creationId xmlns:p14="http://schemas.microsoft.com/office/powerpoint/2010/main" xmlns="" val="3839184132"/>
-      </p:ext>
-    </p:extLst>
-  </p:cSld>
-  <p:clrMapOvr>
-    <a:masterClrMapping/>
-  </p:clrMapOvr>
-</p:sld>
-</file>
-
-<file path=ppt/slides/slide9.xml><?xml version="1.0" encoding="utf-8"?>
-<p:sld xmlns:a="http://schemas.openxmlformats.org/drawingml/2006/main" xmlns:r="http://schemas.openxmlformats.org/officeDocument/2006/relationships" xmlns:p="http://schemas.openxmlformats.org/presentationml/2006/main">
-  <p:cSld>
-    <p:spTree>
-      <p:nvGrpSpPr>
-        <p:cNvPr id="1" name=""/>
-        <p:cNvGrpSpPr/>
-        <p:nvPr/>
-      </p:nvGrpSpPr>
-      <p:grpSpPr>
-        <a:xfrm>
-          <a:off x="0" y="0"/>
-          <a:ext cx="0" cy="0"/>
-          <a:chOff x="0" y="0"/>
-          <a:chExt cx="0" cy="0"/>
-        </a:xfrm>
-      </p:grpSpPr>
-      <p:sp>
-        <p:nvSpPr>
-          <p:cNvPr id="22" name="Rectangle 7"/>
-          <p:cNvSpPr>
-            <a:spLocks noGrp="1" noRot="1" noChangeAspect="1" noMove="1" noResize="1" noEditPoints="1" noAdjustHandles="1" noChangeArrowheads="1" noChangeShapeType="1" noTextEdit="1"/>
-          </p:cNvSpPr>
-          <p:nvPr>
-            <p:extLst>
-              <p:ext uri="{386F3935-93C4-4BCD-93E2-E3B085C9AB24}">
-                <p16:designElem xmlns:p16="http://schemas.microsoft.com/office/powerpoint/2015/main" xmlns="" val="1"/>
-              </p:ext>
-            </p:extLst>
-          </p:nvPr>
-        </p:nvSpPr>
-        <p:spPr bwMode="white">
-          <a:xfrm>
-            <a:off x="0" y="0"/>
-            <a:ext cx="12192000" cy="6858000"/>
-          </a:xfrm>
-          <a:prstGeom prst="rect">
-            <a:avLst/>
-          </a:prstGeom>
-          <a:solidFill>
-            <a:schemeClr val="bg1"/>
-          </a:solidFill>
-          <a:ln>
-            <a:noFill/>
-          </a:ln>
-          <a:effectLst/>
-        </p:spPr>
-      </p:sp>
-      <p:sp>
-        <p:nvSpPr>
-          <p:cNvPr id="9" name="Rectangle 8"/>
-          <p:cNvSpPr>
-            <a:spLocks noGrp="1" noRot="1" noChangeAspect="1" noMove="1" noResize="1" noEditPoints="1" noAdjustHandles="1" noChangeArrowheads="1" noChangeShapeType="1" noTextEdit="1"/>
-          </p:cNvSpPr>
-          <p:nvPr>
-            <p:extLst>
-              <p:ext uri="{386F3935-93C4-4BCD-93E2-E3B085C9AB24}">
-                <p16:designElem xmlns:p16="http://schemas.microsoft.com/office/powerpoint/2015/main" xmlns="" val="1"/>
-              </p:ext>
-            </p:extLst>
-          </p:nvPr>
-        </p:nvSpPr>
-        <p:spPr>
-          <a:xfrm>
-            <a:off x="0" y="651752"/>
-            <a:ext cx="12192000" cy="736551"/>
-          </a:xfrm>
-          <a:prstGeom prst="rect">
-            <a:avLst/>
-          </a:prstGeom>
-          <a:solidFill>
-            <a:schemeClr val="tx1">
-              <a:alpha val="75000"/>
-            </a:schemeClr>
-          </a:solidFill>
-          <a:ln>
-            <a:noFill/>
-          </a:ln>
-        </p:spPr>
-        <p:style>
-          <a:lnRef idx="2">
-            <a:schemeClr val="accent1">
-              <a:shade val="50000"/>
-            </a:schemeClr>
-          </a:lnRef>
-          <a:fillRef idx="1">
-            <a:schemeClr val="accent1"/>
-          </a:fillRef>
-          <a:effectRef idx="0">
-            <a:schemeClr val="accent1"/>
-          </a:effectRef>
-          <a:fontRef idx="minor">
-            <a:schemeClr val="lt1"/>
-          </a:fontRef>
-        </p:style>
-        <p:txBody>
-          <a:bodyPr rtlCol="0" anchor="ctr"/>
-          <a:lstStyle/>
-          <a:p>
-            <a:pPr algn="ctr"/>
-            <a:endParaRPr lang="en-US"/>
-          </a:p>
-        </p:txBody>
-      </p:sp>
-      <p:pic>
-        <p:nvPicPr>
-          <p:cNvPr id="6" name="Marcador de contenido 3"/>
-          <p:cNvPicPr>
-            <a:picLocks noChangeAspect="1"/>
-          </p:cNvPicPr>
-          <p:nvPr/>
-        </p:nvPicPr>
-        <p:blipFill rotWithShape="1">
-          <a:blip r:embed="rId2" cstate="print"/>
-          <a:srcRect/>
-          <a:stretch/>
-        </p:blipFill>
-        <p:spPr>
-          <a:xfrm>
-            <a:off x="704986" y="1508508"/>
-            <a:ext cx="10782028" cy="5229286"/>
-          </a:xfrm>
-          <a:prstGeom prst="rect">
-            <a:avLst/>
-          </a:prstGeom>
-        </p:spPr>
-      </p:pic>
-      <p:sp>
-        <p:nvSpPr>
-          <p:cNvPr id="2" name="Título 1"/>
-          <p:cNvSpPr>
-            <a:spLocks noGrp="1"/>
-          </p:cNvSpPr>
-          <p:nvPr>
-            <p:ph type="title"/>
-          </p:nvPr>
-        </p:nvSpPr>
-        <p:spPr>
-          <a:xfrm>
-            <a:off x="556532" y="643467"/>
-            <a:ext cx="11210925" cy="744836"/>
-          </a:xfrm>
-        </p:spPr>
-        <p:txBody>
-          <a:bodyPr vert="horz" lIns="91440" tIns="45720" rIns="91440" bIns="45720" rtlCol="0" anchor="ctr">
-            <a:noAutofit/>
-          </a:bodyPr>
-          <a:lstStyle/>
-          <a:p>
-            <a:pPr algn="ctr"/>
-            <a:r>
-              <a:rPr lang="en-US" sz="4800" dirty="0">
-                <a:solidFill>
-                  <a:schemeClr val="bg1"/>
-                </a:solidFill>
-              </a:rPr>
-              <a:t>PROCESAMIENTO DE DATOS</a:t>
-            </a:r>
-          </a:p>
-        </p:txBody>
-      </p:sp>
-    </p:spTree>
-    <p:extLst>
-      <p:ext uri="{BB962C8B-B14F-4D97-AF65-F5344CB8AC3E}">
-        <p14:creationId xmlns:p14="http://schemas.microsoft.com/office/powerpoint/2010/main" xmlns="" val="3844390514"/>
+        <p14:creationId xmlns="" xmlns:p14="http://schemas.microsoft.com/office/powerpoint/2010/main" val="3839184132"/>
       </p:ext>
     </p:extLst>
   </p:cSld>
@@ -29659,7 +27938,7 @@
   <a:extraClrSchemeLst/>
   <a:extLst>
     <a:ext uri="{05A4C25C-085E-4340-85A3-A5531E510DB2}">
-      <thm15:themeFamily xmlns:thm15="http://schemas.microsoft.com/office/thememl/2012/main" xmlns="" name="Office Theme" id="{62F939B6-93AF-4DB8-9C6B-D6C7DFDC589F}" vid="{4A3C46E8-61CC-4603-A589-7422A47A8E4A}"/>
+      <thm15:themeFamily xmlns="" xmlns:thm15="http://schemas.microsoft.com/office/thememl/2012/main" name="Office Theme" id="{62F939B6-93AF-4DB8-9C6B-D6C7DFDC589F}" vid="{4A3C46E8-61CC-4603-A589-7422A47A8E4A}"/>
     </a:ext>
   </a:extLst>
 </a:theme>

--- a/docs/PresentacionFinal.pptx
+++ b/docs/PresentacionFinal.pptx
@@ -131,7 +131,7 @@
   </p:defaultTextStyle>
   <p:extLst>
     <p:ext uri="{EFAFB233-063F-42B5-8137-9DF3F51BA10A}">
-      <p15:sldGuideLst xmlns="" xmlns:p15="http://schemas.microsoft.com/office/powerpoint/2012/main">
+      <p15:sldGuideLst xmlns:p15="http://schemas.microsoft.com/office/powerpoint/2012/main" xmlns="">
         <p15:guide id="1" orient="horz" pos="2160">
           <p15:clr>
             <a:srgbClr val="A4A3A4"/>
@@ -5952,543 +5952,6 @@
       <dsp:cNvGrpSpPr/>
     </dsp:nvGrpSpPr>
     <dsp:grpSpPr/>
-    <dsp:sp modelId="{0147EF20-3C22-419D-B8E7-66311B69A382}">
-      <dsp:nvSpPr>
-        <dsp:cNvPr id="0" name=""/>
-        <dsp:cNvSpPr/>
-      </dsp:nvSpPr>
-      <dsp:spPr>
-        <a:xfrm>
-          <a:off x="676056" y="119687"/>
-          <a:ext cx="2683893" cy="2346060"/>
-        </a:xfrm>
-        <a:prstGeom prst="rightArrow">
-          <a:avLst>
-            <a:gd name="adj1" fmla="val 70000"/>
-            <a:gd name="adj2" fmla="val 50000"/>
-          </a:avLst>
-        </a:prstGeom>
-        <a:solidFill>
-          <a:schemeClr val="dk2">
-            <a:alpha val="90000"/>
-            <a:tint val="40000"/>
-            <a:hueOff val="0"/>
-            <a:satOff val="0"/>
-            <a:lumOff val="0"/>
-            <a:alphaOff val="0"/>
-          </a:schemeClr>
-        </a:solidFill>
-        <a:ln w="12700" cap="flat" cmpd="sng" algn="ctr">
-          <a:solidFill>
-            <a:schemeClr val="dk2">
-              <a:alpha val="90000"/>
-              <a:tint val="40000"/>
-              <a:hueOff val="0"/>
-              <a:satOff val="0"/>
-              <a:lumOff val="0"/>
-              <a:alphaOff val="0"/>
-            </a:schemeClr>
-          </a:solidFill>
-          <a:prstDash val="solid"/>
-          <a:miter lim="800000"/>
-        </a:ln>
-        <a:effectLst/>
-      </dsp:spPr>
-      <dsp:style>
-        <a:lnRef idx="2">
-          <a:scrgbClr r="0" g="0" b="0"/>
-        </a:lnRef>
-        <a:fillRef idx="1">
-          <a:scrgbClr r="0" g="0" b="0"/>
-        </a:fillRef>
-        <a:effectRef idx="0">
-          <a:scrgbClr r="0" g="0" b="0"/>
-        </a:effectRef>
-        <a:fontRef idx="minor"/>
-      </dsp:style>
-      <dsp:txBody>
-        <a:bodyPr spcFirstLastPara="0" vert="horz" wrap="square" lIns="50800" tIns="12700" rIns="25400" bIns="12700" numCol="1" spcCol="1270" anchor="ctr" anchorCtr="0">
-          <a:noAutofit/>
-        </a:bodyPr>
-        <a:lstStyle/>
-        <a:p>
-          <a:pPr marL="228600" lvl="1" indent="-228600" algn="l" defTabSz="889000">
-            <a:lnSpc>
-              <a:spcPct val="90000"/>
-            </a:lnSpc>
-            <a:spcBef>
-              <a:spcPct val="0"/>
-            </a:spcBef>
-            <a:spcAft>
-              <a:spcPct val="15000"/>
-            </a:spcAft>
-            <a:buChar char="••"/>
-          </a:pPr>
-          <a:r>
-            <a:rPr lang="es-ES" sz="2000" kern="1200" dirty="0"/>
-            <a:t>6 neuronas</a:t>
-          </a:r>
-        </a:p>
-        <a:p>
-          <a:pPr marL="228600" lvl="1" indent="-228600" algn="l" defTabSz="889000">
-            <a:lnSpc>
-              <a:spcPct val="90000"/>
-            </a:lnSpc>
-            <a:spcBef>
-              <a:spcPct val="0"/>
-            </a:spcBef>
-            <a:spcAft>
-              <a:spcPct val="15000"/>
-            </a:spcAft>
-            <a:buChar char="••"/>
-          </a:pPr>
-          <a:r>
-            <a:rPr lang="es-ES" sz="2000" kern="1200" dirty="0" err="1"/>
-            <a:t>ReLU</a:t>
-          </a:r>
-          <a:endParaRPr lang="es-ES" sz="2000" kern="1200" dirty="0"/>
-        </a:p>
-      </dsp:txBody>
-      <dsp:txXfrm>
-        <a:off x="1347029" y="119687"/>
-        <a:ext cx="2012920" cy="2346060"/>
-      </dsp:txXfrm>
-    </dsp:sp>
-    <dsp:sp modelId="{D4BDE164-A985-4E11-BCE7-D9F1F96F3E56}">
-      <dsp:nvSpPr>
-        <dsp:cNvPr id="0" name=""/>
-        <dsp:cNvSpPr/>
-      </dsp:nvSpPr>
-      <dsp:spPr>
-        <a:xfrm>
-          <a:off x="5083" y="621744"/>
-          <a:ext cx="1341946" cy="1341946"/>
-        </a:xfrm>
-        <a:prstGeom prst="ellipse">
-          <a:avLst/>
-        </a:prstGeom>
-        <a:solidFill>
-          <a:schemeClr val="dk2">
-            <a:hueOff val="0"/>
-            <a:satOff val="0"/>
-            <a:lumOff val="0"/>
-            <a:alphaOff val="0"/>
-          </a:schemeClr>
-        </a:solidFill>
-        <a:ln w="12700" cap="flat" cmpd="sng" algn="ctr">
-          <a:solidFill>
-            <a:schemeClr val="lt2">
-              <a:hueOff val="0"/>
-              <a:satOff val="0"/>
-              <a:lumOff val="0"/>
-              <a:alphaOff val="0"/>
-            </a:schemeClr>
-          </a:solidFill>
-          <a:prstDash val="solid"/>
-          <a:miter lim="800000"/>
-        </a:ln>
-        <a:effectLst/>
-      </dsp:spPr>
-      <dsp:style>
-        <a:lnRef idx="2">
-          <a:scrgbClr r="0" g="0" b="0"/>
-        </a:lnRef>
-        <a:fillRef idx="1">
-          <a:scrgbClr r="0" g="0" b="0"/>
-        </a:fillRef>
-        <a:effectRef idx="0">
-          <a:scrgbClr r="0" g="0" b="0"/>
-        </a:effectRef>
-        <a:fontRef idx="minor">
-          <a:schemeClr val="lt1"/>
-        </a:fontRef>
-      </dsp:style>
-      <dsp:txBody>
-        <a:bodyPr spcFirstLastPara="0" vert="horz" wrap="square" lIns="13970" tIns="13970" rIns="13970" bIns="13970" numCol="1" spcCol="1270" anchor="ctr" anchorCtr="0">
-          <a:noAutofit/>
-        </a:bodyPr>
-        <a:lstStyle/>
-        <a:p>
-          <a:pPr lvl="0" algn="ctr" defTabSz="977900">
-            <a:lnSpc>
-              <a:spcPct val="90000"/>
-            </a:lnSpc>
-            <a:spcBef>
-              <a:spcPct val="0"/>
-            </a:spcBef>
-            <a:spcAft>
-              <a:spcPct val="35000"/>
-            </a:spcAft>
-          </a:pPr>
-          <a:r>
-            <a:rPr lang="es-ES" sz="2200" kern="1200" dirty="0"/>
-            <a:t>Capa entrada</a:t>
-          </a:r>
-        </a:p>
-      </dsp:txBody>
-      <dsp:txXfrm>
-        <a:off x="5083" y="621744"/>
-        <a:ext cx="1341946" cy="1341946"/>
-      </dsp:txXfrm>
-    </dsp:sp>
-    <dsp:sp modelId="{E282D330-89B8-44D9-A6C5-AAFB6BB781FC}">
-      <dsp:nvSpPr>
-        <dsp:cNvPr id="0" name=""/>
-        <dsp:cNvSpPr/>
-      </dsp:nvSpPr>
-      <dsp:spPr>
-        <a:xfrm>
-          <a:off x="4198666" y="119687"/>
-          <a:ext cx="2683893" cy="2346060"/>
-        </a:xfrm>
-        <a:prstGeom prst="rightArrow">
-          <a:avLst>
-            <a:gd name="adj1" fmla="val 70000"/>
-            <a:gd name="adj2" fmla="val 50000"/>
-          </a:avLst>
-        </a:prstGeom>
-        <a:solidFill>
-          <a:schemeClr val="dk2">
-            <a:alpha val="90000"/>
-            <a:tint val="40000"/>
-            <a:hueOff val="0"/>
-            <a:satOff val="0"/>
-            <a:lumOff val="0"/>
-            <a:alphaOff val="0"/>
-          </a:schemeClr>
-        </a:solidFill>
-        <a:ln w="12700" cap="flat" cmpd="sng" algn="ctr">
-          <a:solidFill>
-            <a:schemeClr val="dk2">
-              <a:alpha val="90000"/>
-              <a:tint val="40000"/>
-              <a:hueOff val="0"/>
-              <a:satOff val="0"/>
-              <a:lumOff val="0"/>
-              <a:alphaOff val="0"/>
-            </a:schemeClr>
-          </a:solidFill>
-          <a:prstDash val="solid"/>
-          <a:miter lim="800000"/>
-        </a:ln>
-        <a:effectLst/>
-      </dsp:spPr>
-      <dsp:style>
-        <a:lnRef idx="2">
-          <a:scrgbClr r="0" g="0" b="0"/>
-        </a:lnRef>
-        <a:fillRef idx="1">
-          <a:scrgbClr r="0" g="0" b="0"/>
-        </a:fillRef>
-        <a:effectRef idx="0">
-          <a:scrgbClr r="0" g="0" b="0"/>
-        </a:effectRef>
-        <a:fontRef idx="minor"/>
-      </dsp:style>
-      <dsp:txBody>
-        <a:bodyPr spcFirstLastPara="0" vert="horz" wrap="square" lIns="50800" tIns="12700" rIns="25400" bIns="12700" numCol="1" spcCol="1270" anchor="ctr" anchorCtr="0">
-          <a:noAutofit/>
-        </a:bodyPr>
-        <a:lstStyle/>
-        <a:p>
-          <a:pPr marL="228600" lvl="1" indent="-228600" algn="l" defTabSz="889000">
-            <a:lnSpc>
-              <a:spcPct val="90000"/>
-            </a:lnSpc>
-            <a:spcBef>
-              <a:spcPct val="0"/>
-            </a:spcBef>
-            <a:spcAft>
-              <a:spcPct val="15000"/>
-            </a:spcAft>
-            <a:buChar char="••"/>
-          </a:pPr>
-          <a:r>
-            <a:rPr lang="es-ES" sz="2000" kern="1200" dirty="0"/>
-            <a:t>3 neuronas</a:t>
-          </a:r>
-        </a:p>
-        <a:p>
-          <a:pPr marL="228600" lvl="1" indent="-228600" algn="l" defTabSz="889000">
-            <a:lnSpc>
-              <a:spcPct val="90000"/>
-            </a:lnSpc>
-            <a:spcBef>
-              <a:spcPct val="0"/>
-            </a:spcBef>
-            <a:spcAft>
-              <a:spcPct val="15000"/>
-            </a:spcAft>
-            <a:buChar char="••"/>
-          </a:pPr>
-          <a:r>
-            <a:rPr lang="es-ES" sz="2000" kern="1200" dirty="0" err="1"/>
-            <a:t>ReLU</a:t>
-          </a:r>
-          <a:endParaRPr lang="es-ES" sz="2000" kern="1200" dirty="0"/>
-        </a:p>
-      </dsp:txBody>
-      <dsp:txXfrm>
-        <a:off x="4869640" y="119687"/>
-        <a:ext cx="2012920" cy="2346060"/>
-      </dsp:txXfrm>
-    </dsp:sp>
-    <dsp:sp modelId="{4EC45A84-B17D-42BB-BFF6-00A7955F2DD8}">
-      <dsp:nvSpPr>
-        <dsp:cNvPr id="0" name=""/>
-        <dsp:cNvSpPr/>
-      </dsp:nvSpPr>
-      <dsp:spPr>
-        <a:xfrm>
-          <a:off x="3527693" y="621744"/>
-          <a:ext cx="1341946" cy="1341946"/>
-        </a:xfrm>
-        <a:prstGeom prst="ellipse">
-          <a:avLst/>
-        </a:prstGeom>
-        <a:solidFill>
-          <a:schemeClr val="dk2">
-            <a:hueOff val="0"/>
-            <a:satOff val="0"/>
-            <a:lumOff val="0"/>
-            <a:alphaOff val="0"/>
-          </a:schemeClr>
-        </a:solidFill>
-        <a:ln w="12700" cap="flat" cmpd="sng" algn="ctr">
-          <a:solidFill>
-            <a:schemeClr val="lt2">
-              <a:hueOff val="0"/>
-              <a:satOff val="0"/>
-              <a:lumOff val="0"/>
-              <a:alphaOff val="0"/>
-            </a:schemeClr>
-          </a:solidFill>
-          <a:prstDash val="solid"/>
-          <a:miter lim="800000"/>
-        </a:ln>
-        <a:effectLst/>
-      </dsp:spPr>
-      <dsp:style>
-        <a:lnRef idx="2">
-          <a:scrgbClr r="0" g="0" b="0"/>
-        </a:lnRef>
-        <a:fillRef idx="1">
-          <a:scrgbClr r="0" g="0" b="0"/>
-        </a:fillRef>
-        <a:effectRef idx="0">
-          <a:scrgbClr r="0" g="0" b="0"/>
-        </a:effectRef>
-        <a:fontRef idx="minor">
-          <a:schemeClr val="lt1"/>
-        </a:fontRef>
-      </dsp:style>
-      <dsp:txBody>
-        <a:bodyPr spcFirstLastPara="0" vert="horz" wrap="square" lIns="13970" tIns="13970" rIns="13970" bIns="13970" numCol="1" spcCol="1270" anchor="ctr" anchorCtr="0">
-          <a:noAutofit/>
-        </a:bodyPr>
-        <a:lstStyle/>
-        <a:p>
-          <a:pPr lvl="0" algn="ctr" defTabSz="977900">
-            <a:lnSpc>
-              <a:spcPct val="90000"/>
-            </a:lnSpc>
-            <a:spcBef>
-              <a:spcPct val="0"/>
-            </a:spcBef>
-            <a:spcAft>
-              <a:spcPct val="35000"/>
-            </a:spcAft>
-          </a:pPr>
-          <a:r>
-            <a:rPr lang="es-ES" sz="2200" kern="1200" dirty="0"/>
-            <a:t>Capa oculta</a:t>
-          </a:r>
-        </a:p>
-      </dsp:txBody>
-      <dsp:txXfrm>
-        <a:off x="3527693" y="621744"/>
-        <a:ext cx="1341946" cy="1341946"/>
-      </dsp:txXfrm>
-    </dsp:sp>
-    <dsp:sp modelId="{3400CD74-5D7B-4E55-AC5F-3096E62A8AB5}">
-      <dsp:nvSpPr>
-        <dsp:cNvPr id="0" name=""/>
-        <dsp:cNvSpPr/>
-      </dsp:nvSpPr>
-      <dsp:spPr>
-        <a:xfrm>
-          <a:off x="7721277" y="119687"/>
-          <a:ext cx="2683893" cy="2346060"/>
-        </a:xfrm>
-        <a:prstGeom prst="rightArrow">
-          <a:avLst>
-            <a:gd name="adj1" fmla="val 70000"/>
-            <a:gd name="adj2" fmla="val 50000"/>
-          </a:avLst>
-        </a:prstGeom>
-        <a:solidFill>
-          <a:schemeClr val="dk2">
-            <a:alpha val="90000"/>
-            <a:tint val="40000"/>
-            <a:hueOff val="0"/>
-            <a:satOff val="0"/>
-            <a:lumOff val="0"/>
-            <a:alphaOff val="0"/>
-          </a:schemeClr>
-        </a:solidFill>
-        <a:ln w="12700" cap="flat" cmpd="sng" algn="ctr">
-          <a:solidFill>
-            <a:schemeClr val="dk2">
-              <a:alpha val="90000"/>
-              <a:tint val="40000"/>
-              <a:hueOff val="0"/>
-              <a:satOff val="0"/>
-              <a:lumOff val="0"/>
-              <a:alphaOff val="0"/>
-            </a:schemeClr>
-          </a:solidFill>
-          <a:prstDash val="solid"/>
-          <a:miter lim="800000"/>
-        </a:ln>
-        <a:effectLst/>
-      </dsp:spPr>
-      <dsp:style>
-        <a:lnRef idx="2">
-          <a:scrgbClr r="0" g="0" b="0"/>
-        </a:lnRef>
-        <a:fillRef idx="1">
-          <a:scrgbClr r="0" g="0" b="0"/>
-        </a:fillRef>
-        <a:effectRef idx="0">
-          <a:scrgbClr r="0" g="0" b="0"/>
-        </a:effectRef>
-        <a:fontRef idx="minor"/>
-      </dsp:style>
-      <dsp:txBody>
-        <a:bodyPr spcFirstLastPara="0" vert="horz" wrap="square" lIns="50800" tIns="12700" rIns="25400" bIns="12700" numCol="1" spcCol="1270" anchor="ctr" anchorCtr="0">
-          <a:noAutofit/>
-        </a:bodyPr>
-        <a:lstStyle/>
-        <a:p>
-          <a:pPr marL="228600" lvl="1" indent="-228600" algn="l" defTabSz="889000">
-            <a:lnSpc>
-              <a:spcPct val="90000"/>
-            </a:lnSpc>
-            <a:spcBef>
-              <a:spcPct val="0"/>
-            </a:spcBef>
-            <a:spcAft>
-              <a:spcPct val="15000"/>
-            </a:spcAft>
-            <a:buChar char="••"/>
-          </a:pPr>
-          <a:r>
-            <a:rPr lang="es-ES" sz="2000" kern="1200" dirty="0"/>
-            <a:t>1 neurona</a:t>
-          </a:r>
-        </a:p>
-        <a:p>
-          <a:pPr marL="228600" lvl="1" indent="-228600" algn="l" defTabSz="889000">
-            <a:lnSpc>
-              <a:spcPct val="90000"/>
-            </a:lnSpc>
-            <a:spcBef>
-              <a:spcPct val="0"/>
-            </a:spcBef>
-            <a:spcAft>
-              <a:spcPct val="15000"/>
-            </a:spcAft>
-            <a:buChar char="••"/>
-          </a:pPr>
-          <a:r>
-            <a:rPr lang="es-ES" sz="2000" kern="1200" dirty="0" err="1"/>
-            <a:t>Sigmoide</a:t>
-          </a:r>
-          <a:endParaRPr lang="es-ES" sz="2000" kern="1200" dirty="0"/>
-        </a:p>
-      </dsp:txBody>
-      <dsp:txXfrm>
-        <a:off x="8392250" y="119687"/>
-        <a:ext cx="2012920" cy="2346060"/>
-      </dsp:txXfrm>
-    </dsp:sp>
-    <dsp:sp modelId="{28C703E4-9C1D-4EEB-B4BD-4304F73C3779}">
-      <dsp:nvSpPr>
-        <dsp:cNvPr id="0" name=""/>
-        <dsp:cNvSpPr/>
-      </dsp:nvSpPr>
-      <dsp:spPr>
-        <a:xfrm>
-          <a:off x="7050303" y="621744"/>
-          <a:ext cx="1341946" cy="1341946"/>
-        </a:xfrm>
-        <a:prstGeom prst="ellipse">
-          <a:avLst/>
-        </a:prstGeom>
-        <a:solidFill>
-          <a:schemeClr val="dk2">
-            <a:hueOff val="0"/>
-            <a:satOff val="0"/>
-            <a:lumOff val="0"/>
-            <a:alphaOff val="0"/>
-          </a:schemeClr>
-        </a:solidFill>
-        <a:ln w="12700" cap="flat" cmpd="sng" algn="ctr">
-          <a:solidFill>
-            <a:schemeClr val="lt2">
-              <a:hueOff val="0"/>
-              <a:satOff val="0"/>
-              <a:lumOff val="0"/>
-              <a:alphaOff val="0"/>
-            </a:schemeClr>
-          </a:solidFill>
-          <a:prstDash val="solid"/>
-          <a:miter lim="800000"/>
-        </a:ln>
-        <a:effectLst/>
-      </dsp:spPr>
-      <dsp:style>
-        <a:lnRef idx="2">
-          <a:scrgbClr r="0" g="0" b="0"/>
-        </a:lnRef>
-        <a:fillRef idx="1">
-          <a:scrgbClr r="0" g="0" b="0"/>
-        </a:fillRef>
-        <a:effectRef idx="0">
-          <a:scrgbClr r="0" g="0" b="0"/>
-        </a:effectRef>
-        <a:fontRef idx="minor">
-          <a:schemeClr val="lt1"/>
-        </a:fontRef>
-      </dsp:style>
-      <dsp:txBody>
-        <a:bodyPr spcFirstLastPara="0" vert="horz" wrap="square" lIns="13970" tIns="13970" rIns="13970" bIns="13970" numCol="1" spcCol="1270" anchor="ctr" anchorCtr="0">
-          <a:noAutofit/>
-        </a:bodyPr>
-        <a:lstStyle/>
-        <a:p>
-          <a:pPr lvl="0" algn="ctr" defTabSz="977900">
-            <a:lnSpc>
-              <a:spcPct val="90000"/>
-            </a:lnSpc>
-            <a:spcBef>
-              <a:spcPct val="0"/>
-            </a:spcBef>
-            <a:spcAft>
-              <a:spcPct val="35000"/>
-            </a:spcAft>
-          </a:pPr>
-          <a:r>
-            <a:rPr lang="es-ES" sz="2200" kern="1200" dirty="0"/>
-            <a:t>Capa salida</a:t>
-          </a:r>
-        </a:p>
-      </dsp:txBody>
-      <dsp:txXfrm>
-        <a:off x="7050303" y="621744"/>
-        <a:ext cx="1341946" cy="1341946"/>
-      </dsp:txXfrm>
-    </dsp:sp>
   </dsp:spTree>
 </dsp:drawing>
 </file>
@@ -12885,7 +12348,7 @@
     </p:spTree>
     <p:extLst>
       <p:ext uri="{BB962C8B-B14F-4D97-AF65-F5344CB8AC3E}">
-        <p14:creationId xmlns="" xmlns:p14="http://schemas.microsoft.com/office/powerpoint/2010/main" val="721522238"/>
+        <p14:creationId xmlns:p14="http://schemas.microsoft.com/office/powerpoint/2010/main" xmlns="" val="721522238"/>
       </p:ext>
     </p:extLst>
   </p:cSld>
@@ -13055,7 +12518,7 @@
     </p:spTree>
     <p:extLst>
       <p:ext uri="{BB962C8B-B14F-4D97-AF65-F5344CB8AC3E}">
-        <p14:creationId xmlns="" xmlns:p14="http://schemas.microsoft.com/office/powerpoint/2010/main" val="135684423"/>
+        <p14:creationId xmlns:p14="http://schemas.microsoft.com/office/powerpoint/2010/main" xmlns="" val="135684423"/>
       </p:ext>
     </p:extLst>
   </p:cSld>
@@ -13235,7 +12698,7 @@
     </p:spTree>
     <p:extLst>
       <p:ext uri="{BB962C8B-B14F-4D97-AF65-F5344CB8AC3E}">
-        <p14:creationId xmlns="" xmlns:p14="http://schemas.microsoft.com/office/powerpoint/2010/main" val="3975291223"/>
+        <p14:creationId xmlns:p14="http://schemas.microsoft.com/office/powerpoint/2010/main" xmlns="" val="3975291223"/>
       </p:ext>
     </p:extLst>
   </p:cSld>
@@ -13405,7 +12868,7 @@
     </p:spTree>
     <p:extLst>
       <p:ext uri="{BB962C8B-B14F-4D97-AF65-F5344CB8AC3E}">
-        <p14:creationId xmlns="" xmlns:p14="http://schemas.microsoft.com/office/powerpoint/2010/main" val="1968913757"/>
+        <p14:creationId xmlns:p14="http://schemas.microsoft.com/office/powerpoint/2010/main" xmlns="" val="1968913757"/>
       </p:ext>
     </p:extLst>
   </p:cSld>
@@ -13652,7 +13115,7 @@
     </p:spTree>
     <p:extLst>
       <p:ext uri="{BB962C8B-B14F-4D97-AF65-F5344CB8AC3E}">
-        <p14:creationId xmlns="" xmlns:p14="http://schemas.microsoft.com/office/powerpoint/2010/main" val="2799282520"/>
+        <p14:creationId xmlns:p14="http://schemas.microsoft.com/office/powerpoint/2010/main" xmlns="" val="2799282520"/>
       </p:ext>
     </p:extLst>
   </p:cSld>
@@ -13883,7 +13346,7 @@
     </p:spTree>
     <p:extLst>
       <p:ext uri="{BB962C8B-B14F-4D97-AF65-F5344CB8AC3E}">
-        <p14:creationId xmlns="" xmlns:p14="http://schemas.microsoft.com/office/powerpoint/2010/main" val="1853813525"/>
+        <p14:creationId xmlns:p14="http://schemas.microsoft.com/office/powerpoint/2010/main" xmlns="" val="1853813525"/>
       </p:ext>
     </p:extLst>
   </p:cSld>
@@ -14249,7 +13712,7 @@
     </p:spTree>
     <p:extLst>
       <p:ext uri="{BB962C8B-B14F-4D97-AF65-F5344CB8AC3E}">
-        <p14:creationId xmlns="" xmlns:p14="http://schemas.microsoft.com/office/powerpoint/2010/main" val="737120130"/>
+        <p14:creationId xmlns:p14="http://schemas.microsoft.com/office/powerpoint/2010/main" xmlns="" val="737120130"/>
       </p:ext>
     </p:extLst>
   </p:cSld>
@@ -14368,7 +13831,7 @@
     </p:spTree>
     <p:extLst>
       <p:ext uri="{BB962C8B-B14F-4D97-AF65-F5344CB8AC3E}">
-        <p14:creationId xmlns="" xmlns:p14="http://schemas.microsoft.com/office/powerpoint/2010/main" val="2270560658"/>
+        <p14:creationId xmlns:p14="http://schemas.microsoft.com/office/powerpoint/2010/main" xmlns="" val="2270560658"/>
       </p:ext>
     </p:extLst>
   </p:cSld>
@@ -14465,7 +13928,7 @@
     </p:spTree>
     <p:extLst>
       <p:ext uri="{BB962C8B-B14F-4D97-AF65-F5344CB8AC3E}">
-        <p14:creationId xmlns="" xmlns:p14="http://schemas.microsoft.com/office/powerpoint/2010/main" val="811916423"/>
+        <p14:creationId xmlns:p14="http://schemas.microsoft.com/office/powerpoint/2010/main" xmlns="" val="811916423"/>
       </p:ext>
     </p:extLst>
   </p:cSld>
@@ -14742,7 +14205,7 @@
     </p:spTree>
     <p:extLst>
       <p:ext uri="{BB962C8B-B14F-4D97-AF65-F5344CB8AC3E}">
-        <p14:creationId xmlns="" xmlns:p14="http://schemas.microsoft.com/office/powerpoint/2010/main" val="1572738696"/>
+        <p14:creationId xmlns:p14="http://schemas.microsoft.com/office/powerpoint/2010/main" xmlns="" val="1572738696"/>
       </p:ext>
     </p:extLst>
   </p:cSld>
@@ -14996,7 +14459,7 @@
     </p:spTree>
     <p:extLst>
       <p:ext uri="{BB962C8B-B14F-4D97-AF65-F5344CB8AC3E}">
-        <p14:creationId xmlns="" xmlns:p14="http://schemas.microsoft.com/office/powerpoint/2010/main" val="3988956279"/>
+        <p14:creationId xmlns:p14="http://schemas.microsoft.com/office/powerpoint/2010/main" xmlns="" val="3988956279"/>
       </p:ext>
     </p:extLst>
   </p:cSld>
@@ -15245,7 +14708,7 @@
     </p:spTree>
     <p:extLst>
       <p:ext uri="{BB962C8B-B14F-4D97-AF65-F5344CB8AC3E}">
-        <p14:creationId xmlns="" xmlns:p14="http://schemas.microsoft.com/office/powerpoint/2010/main" val="1495448227"/>
+        <p14:creationId xmlns:p14="http://schemas.microsoft.com/office/powerpoint/2010/main" xmlns="" val="1495448227"/>
       </p:ext>
     </p:extLst>
   </p:cSld>
@@ -15575,7 +15038,7 @@
           <a:blip r:embed="rId2" cstate="print">
             <a:extLst>
               <a:ext uri="{28A0092B-C50C-407E-A947-70E740481C1C}">
-                <a14:useLocalDpi xmlns="" xmlns:a14="http://schemas.microsoft.com/office/drawing/2010/main" val="0"/>
+                <a14:useLocalDpi xmlns:a14="http://schemas.microsoft.com/office/drawing/2010/main" xmlns="" val="0"/>
               </a:ext>
             </a:extLst>
           </a:blip>
@@ -15593,7 +15056,7 @@
           <a:noFill/>
           <a:extLst>
             <a:ext uri="{909E8E84-426E-40DD-AFC4-6F175D3DCCD1}">
-              <a14:hiddenFill xmlns="" xmlns:a14="http://schemas.microsoft.com/office/drawing/2010/main">
+              <a14:hiddenFill xmlns:a14="http://schemas.microsoft.com/office/drawing/2010/main" xmlns="">
                 <a:solidFill>
                   <a:srgbClr val="FFFFFF"/>
                 </a:solidFill>
@@ -15611,7 +15074,7 @@
           <p:nvPr>
             <p:extLst>
               <p:ext uri="{386F3935-93C4-4BCD-93E2-E3B085C9AB24}">
-                <p16:designElem xmlns="" xmlns:p16="http://schemas.microsoft.com/office/powerpoint/2015/main" val="1"/>
+                <p16:designElem xmlns:p16="http://schemas.microsoft.com/office/powerpoint/2015/main" xmlns="" val="1"/>
               </p:ext>
             </p:extLst>
           </p:nvPr>
@@ -15744,7 +15207,7 @@
           <p:nvPr>
             <p:extLst>
               <p:ext uri="{386F3935-93C4-4BCD-93E2-E3B085C9AB24}">
-                <p16:designElem xmlns="" xmlns:p16="http://schemas.microsoft.com/office/powerpoint/2015/main" val="1"/>
+                <p16:designElem xmlns:p16="http://schemas.microsoft.com/office/powerpoint/2015/main" xmlns="" val="1"/>
               </p:ext>
             </p:extLst>
           </p:nvPr>
@@ -15937,7 +15400,7 @@
     </p:spTree>
     <p:extLst>
       <p:ext uri="{BB962C8B-B14F-4D97-AF65-F5344CB8AC3E}">
-        <p14:creationId xmlns="" xmlns:p14="http://schemas.microsoft.com/office/powerpoint/2010/main" val="3457958263"/>
+        <p14:creationId xmlns:p14="http://schemas.microsoft.com/office/powerpoint/2010/main" xmlns="" val="3457958263"/>
       </p:ext>
     </p:extLst>
   </p:cSld>
@@ -15973,7 +15436,7 @@
           <p:nvPr>
             <p:extLst>
               <p:ext uri="{386F3935-93C4-4BCD-93E2-E3B085C9AB24}">
-                <p16:designElem xmlns="" xmlns:p16="http://schemas.microsoft.com/office/powerpoint/2015/main" val="1"/>
+                <p16:designElem xmlns:p16="http://schemas.microsoft.com/office/powerpoint/2015/main" xmlns="" val="1"/>
               </p:ext>
             </p:extLst>
           </p:nvPr>
@@ -16004,7 +15467,7 @@
           <p:nvPr>
             <p:extLst>
               <p:ext uri="{386F3935-93C4-4BCD-93E2-E3B085C9AB24}">
-                <p16:designElem xmlns="" xmlns:p16="http://schemas.microsoft.com/office/powerpoint/2015/main" val="1"/>
+                <p16:designElem xmlns:p16="http://schemas.microsoft.com/office/powerpoint/2015/main" xmlns="" val="1"/>
               </p:ext>
             </p:extLst>
           </p:nvPr>
@@ -16111,7 +15574,7 @@
     </p:spTree>
     <p:extLst>
       <p:ext uri="{BB962C8B-B14F-4D97-AF65-F5344CB8AC3E}">
-        <p14:creationId xmlns="" xmlns:p14="http://schemas.microsoft.com/office/powerpoint/2010/main" val="3844390514"/>
+        <p14:creationId xmlns:p14="http://schemas.microsoft.com/office/powerpoint/2010/main" xmlns="" val="3844390514"/>
       </p:ext>
     </p:extLst>
   </p:cSld>
@@ -16147,7 +15610,7 @@
           <p:nvPr>
             <p:extLst>
               <p:ext uri="{386F3935-93C4-4BCD-93E2-E3B085C9AB24}">
-                <p16:designElem xmlns="" xmlns:p16="http://schemas.microsoft.com/office/powerpoint/2015/main" val="1"/>
+                <p16:designElem xmlns:p16="http://schemas.microsoft.com/office/powerpoint/2015/main" xmlns="" val="1"/>
               </p:ext>
             </p:extLst>
           </p:nvPr>
@@ -16178,7 +15641,7 @@
           <p:nvPr>
             <p:extLst>
               <p:ext uri="{386F3935-93C4-4BCD-93E2-E3B085C9AB24}">
-                <p16:designElem xmlns="" xmlns:p16="http://schemas.microsoft.com/office/powerpoint/2015/main" val="1"/>
+                <p16:designElem xmlns:p16="http://schemas.microsoft.com/office/powerpoint/2015/main" xmlns="" val="1"/>
               </p:ext>
             </p:extLst>
           </p:nvPr>
@@ -16237,7 +15700,7 @@
           <a:blip r:embed="rId2" cstate="print">
             <a:extLst>
               <a:ext uri="{28A0092B-C50C-407E-A947-70E740481C1C}">
-                <a14:useLocalDpi xmlns="" xmlns:a14="http://schemas.microsoft.com/office/drawing/2010/main" val="0"/>
+                <a14:useLocalDpi xmlns:a14="http://schemas.microsoft.com/office/drawing/2010/main" xmlns="" val="0"/>
               </a:ext>
             </a:extLst>
           </a:blip>
@@ -16292,7 +15755,7 @@
     </p:spTree>
     <p:extLst>
       <p:ext uri="{BB962C8B-B14F-4D97-AF65-F5344CB8AC3E}">
-        <p14:creationId xmlns="" xmlns:p14="http://schemas.microsoft.com/office/powerpoint/2010/main" val="38684972"/>
+        <p14:creationId xmlns:p14="http://schemas.microsoft.com/office/powerpoint/2010/main" xmlns="" val="38684972"/>
       </p:ext>
     </p:extLst>
   </p:cSld>
@@ -16328,7 +15791,7 @@
           <p:nvPr>
             <p:extLst>
               <p:ext uri="{386F3935-93C4-4BCD-93E2-E3B085C9AB24}">
-                <p16:designElem xmlns="" xmlns:p16="http://schemas.microsoft.com/office/powerpoint/2015/main" val="1"/>
+                <p16:designElem xmlns:p16="http://schemas.microsoft.com/office/powerpoint/2015/main" xmlns="" val="1"/>
               </p:ext>
             </p:extLst>
           </p:nvPr>
@@ -16359,7 +15822,7 @@
           <p:nvPr>
             <p:extLst>
               <p:ext uri="{386F3935-93C4-4BCD-93E2-E3B085C9AB24}">
-                <p16:designElem xmlns="" xmlns:p16="http://schemas.microsoft.com/office/powerpoint/2015/main" val="1"/>
+                <p16:designElem xmlns:p16="http://schemas.microsoft.com/office/powerpoint/2015/main" xmlns="" val="1"/>
               </p:ext>
             </p:extLst>
           </p:nvPr>
@@ -16418,7 +15881,7 @@
           <a:blip r:embed="rId2" cstate="print">
             <a:extLst>
               <a:ext uri="{28A0092B-C50C-407E-A947-70E740481C1C}">
-                <a14:useLocalDpi xmlns="" xmlns:a14="http://schemas.microsoft.com/office/drawing/2010/main" val="0"/>
+                <a14:useLocalDpi xmlns:a14="http://schemas.microsoft.com/office/drawing/2010/main" xmlns="" val="0"/>
               </a:ext>
             </a:extLst>
           </a:blip>
@@ -16473,7 +15936,7 @@
     </p:spTree>
     <p:extLst>
       <p:ext uri="{BB962C8B-B14F-4D97-AF65-F5344CB8AC3E}">
-        <p14:creationId xmlns="" xmlns:p14="http://schemas.microsoft.com/office/powerpoint/2010/main" val="1316324414"/>
+        <p14:creationId xmlns:p14="http://schemas.microsoft.com/office/powerpoint/2010/main" xmlns="" val="1316324414"/>
       </p:ext>
     </p:extLst>
   </p:cSld>
@@ -16509,7 +15972,7 @@
           <p:nvPr>
             <p:extLst>
               <p:ext uri="{386F3935-93C4-4BCD-93E2-E3B085C9AB24}">
-                <p16:designElem xmlns="" xmlns:p16="http://schemas.microsoft.com/office/powerpoint/2015/main" val="1"/>
+                <p16:designElem xmlns:p16="http://schemas.microsoft.com/office/powerpoint/2015/main" xmlns="" val="1"/>
               </p:ext>
             </p:extLst>
           </p:nvPr>
@@ -16563,7 +16026,7 @@
           <p:nvPr>
             <p:extLst>
               <p:ext uri="{386F3935-93C4-4BCD-93E2-E3B085C9AB24}">
-                <p16:designElem xmlns="" xmlns:p16="http://schemas.microsoft.com/office/powerpoint/2015/main" val="1"/>
+                <p16:designElem xmlns:p16="http://schemas.microsoft.com/office/powerpoint/2015/main" xmlns="" val="1"/>
               </p:ext>
             </p:extLst>
           </p:nvPr>
@@ -16662,7 +16125,7 @@
           <p:nvPr>
             <p:extLst>
               <p:ext uri="{386F3935-93C4-4BCD-93E2-E3B085C9AB24}">
-                <p16:designElem xmlns="" xmlns:p16="http://schemas.microsoft.com/office/powerpoint/2015/main" val="1"/>
+                <p16:designElem xmlns:p16="http://schemas.microsoft.com/office/powerpoint/2015/main" xmlns="" val="1"/>
               </p:ext>
             </p:extLst>
           </p:nvPr>
@@ -16869,7 +16332,7 @@
     </p:spTree>
     <p:extLst>
       <p:ext uri="{BB962C8B-B14F-4D97-AF65-F5344CB8AC3E}">
-        <p14:creationId xmlns="" xmlns:p14="http://schemas.microsoft.com/office/powerpoint/2010/main" val="2503024099"/>
+        <p14:creationId xmlns:p14="http://schemas.microsoft.com/office/powerpoint/2010/main" xmlns="" val="2503024099"/>
       </p:ext>
     </p:extLst>
   </p:cSld>
@@ -16905,7 +16368,7 @@
           <p:nvPr>
             <p:extLst>
               <p:ext uri="{386F3935-93C4-4BCD-93E2-E3B085C9AB24}">
-                <p16:designElem xmlns="" xmlns:p16="http://schemas.microsoft.com/office/powerpoint/2015/main" val="1"/>
+                <p16:designElem xmlns:p16="http://schemas.microsoft.com/office/powerpoint/2015/main" xmlns="" val="1"/>
               </p:ext>
             </p:extLst>
           </p:nvPr>
@@ -16959,7 +16422,7 @@
           <p:nvPr>
             <p:extLst>
               <p:ext uri="{386F3935-93C4-4BCD-93E2-E3B085C9AB24}">
-                <p16:designElem xmlns="" xmlns:p16="http://schemas.microsoft.com/office/powerpoint/2015/main" val="1"/>
+                <p16:designElem xmlns:p16="http://schemas.microsoft.com/office/powerpoint/2015/main" xmlns="" val="1"/>
               </p:ext>
             </p:extLst>
           </p:nvPr>
@@ -17058,7 +16521,7 @@
           <p:nvPr>
             <p:extLst>
               <p:ext uri="{386F3935-93C4-4BCD-93E2-E3B085C9AB24}">
-                <p16:designElem xmlns="" xmlns:p16="http://schemas.microsoft.com/office/powerpoint/2015/main" val="1"/>
+                <p16:designElem xmlns:p16="http://schemas.microsoft.com/office/powerpoint/2015/main" xmlns="" val="1"/>
               </p:ext>
             </p:extLst>
           </p:nvPr>
@@ -17300,7 +16763,7 @@
     </p:spTree>
     <p:extLst>
       <p:ext uri="{BB962C8B-B14F-4D97-AF65-F5344CB8AC3E}">
-        <p14:creationId xmlns="" xmlns:p14="http://schemas.microsoft.com/office/powerpoint/2010/main" val="2529481031"/>
+        <p14:creationId xmlns:p14="http://schemas.microsoft.com/office/powerpoint/2010/main" xmlns="" val="2529481031"/>
       </p:ext>
     </p:extLst>
   </p:cSld>
@@ -17336,7 +16799,7 @@
           <p:nvPr>
             <p:extLst>
               <p:ext uri="{386F3935-93C4-4BCD-93E2-E3B085C9AB24}">
-                <p16:designElem xmlns="" xmlns:p16="http://schemas.microsoft.com/office/powerpoint/2015/main" val="1"/>
+                <p16:designElem xmlns:p16="http://schemas.microsoft.com/office/powerpoint/2015/main" xmlns="" val="1"/>
               </p:ext>
             </p:extLst>
           </p:nvPr>
@@ -17390,7 +16853,7 @@
           <p:nvPr>
             <p:extLst>
               <p:ext uri="{386F3935-93C4-4BCD-93E2-E3B085C9AB24}">
-                <p16:designElem xmlns="" xmlns:p16="http://schemas.microsoft.com/office/powerpoint/2015/main" val="1"/>
+                <p16:designElem xmlns:p16="http://schemas.microsoft.com/office/powerpoint/2015/main" xmlns="" val="1"/>
               </p:ext>
             </p:extLst>
           </p:nvPr>
@@ -17489,7 +16952,7 @@
           <p:nvPr>
             <p:extLst>
               <p:ext uri="{386F3935-93C4-4BCD-93E2-E3B085C9AB24}">
-                <p16:designElem xmlns="" xmlns:p16="http://schemas.microsoft.com/office/powerpoint/2015/main" val="1"/>
+                <p16:designElem xmlns:p16="http://schemas.microsoft.com/office/powerpoint/2015/main" xmlns="" val="1"/>
               </p:ext>
             </p:extLst>
           </p:nvPr>
@@ -17701,7 +17164,7 @@
     </p:spTree>
     <p:extLst>
       <p:ext uri="{BB962C8B-B14F-4D97-AF65-F5344CB8AC3E}">
-        <p14:creationId xmlns="" xmlns:p14="http://schemas.microsoft.com/office/powerpoint/2010/main" val="3295904946"/>
+        <p14:creationId xmlns:p14="http://schemas.microsoft.com/office/powerpoint/2010/main" xmlns="" val="3295904946"/>
       </p:ext>
     </p:extLst>
   </p:cSld>
@@ -17737,7 +17200,7 @@
           <p:nvPr>
             <p:extLst>
               <p:ext uri="{386F3935-93C4-4BCD-93E2-E3B085C9AB24}">
-                <p16:designElem xmlns="" xmlns:p16="http://schemas.microsoft.com/office/powerpoint/2015/main" val="1"/>
+                <p16:designElem xmlns:p16="http://schemas.microsoft.com/office/powerpoint/2015/main" xmlns="" val="1"/>
               </p:ext>
             </p:extLst>
           </p:nvPr>
@@ -17768,7 +17231,7 @@
           <p:nvPr>
             <p:extLst>
               <p:ext uri="{386F3935-93C4-4BCD-93E2-E3B085C9AB24}">
-                <p16:designElem xmlns="" xmlns:p16="http://schemas.microsoft.com/office/powerpoint/2015/main" val="1"/>
+                <p16:designElem xmlns:p16="http://schemas.microsoft.com/office/powerpoint/2015/main" xmlns="" val="1"/>
               </p:ext>
             </p:extLst>
           </p:nvPr>
@@ -17830,7 +17293,7 @@
           <p:nvPr>
             <p:extLst>
               <p:ext uri="{386F3935-93C4-4BCD-93E2-E3B085C9AB24}">
-                <p16:designElem xmlns="" xmlns:p16="http://schemas.microsoft.com/office/powerpoint/2015/main" val="1"/>
+                <p16:designElem xmlns:p16="http://schemas.microsoft.com/office/powerpoint/2015/main" xmlns="" val="1"/>
               </p:ext>
             </p:extLst>
           </p:nvPr>
@@ -17875,7 +17338,7 @@
           <p:nvPr>
             <p:extLst>
               <p:ext uri="{386F3935-93C4-4BCD-93E2-E3B085C9AB24}">
-                <p16:designElem xmlns="" xmlns:p16="http://schemas.microsoft.com/office/powerpoint/2015/main" val="1"/>
+                <p16:designElem xmlns:p16="http://schemas.microsoft.com/office/powerpoint/2015/main" xmlns="" val="1"/>
               </p:ext>
             </p:extLst>
           </p:nvPr>
@@ -17924,7 +17387,7 @@
           <a:blip r:embed="rId2" cstate="print">
             <a:extLst>
               <a:ext uri="{28A0092B-C50C-407E-A947-70E740481C1C}">
-                <a14:useLocalDpi xmlns="" xmlns:a14="http://schemas.microsoft.com/office/drawing/2010/main" val="0"/>
+                <a14:useLocalDpi xmlns:a14="http://schemas.microsoft.com/office/drawing/2010/main" xmlns="" val="0"/>
               </a:ext>
             </a:extLst>
           </a:blip>
@@ -17954,7 +17417,7 @@
           <a:blip r:embed="rId3" cstate="print">
             <a:extLst>
               <a:ext uri="{28A0092B-C50C-407E-A947-70E740481C1C}">
-                <a14:useLocalDpi xmlns="" xmlns:a14="http://schemas.microsoft.com/office/drawing/2010/main" val="0"/>
+                <a14:useLocalDpi xmlns:a14="http://schemas.microsoft.com/office/drawing/2010/main" xmlns="" val="0"/>
               </a:ext>
             </a:extLst>
           </a:blip>
@@ -17981,7 +17444,7 @@
           <p:nvPr>
             <p:extLst>
               <p:ext uri="{386F3935-93C4-4BCD-93E2-E3B085C9AB24}">
-                <p16:designElem xmlns="" xmlns:p16="http://schemas.microsoft.com/office/powerpoint/2015/main" val="1"/>
+                <p16:designElem xmlns:p16="http://schemas.microsoft.com/office/powerpoint/2015/main" xmlns="" val="1"/>
               </p:ext>
             </p:extLst>
           </p:nvPr>
@@ -18030,7 +17493,7 @@
           <a:blip r:embed="rId4" cstate="print">
             <a:extLst>
               <a:ext uri="{28A0092B-C50C-407E-A947-70E740481C1C}">
-                <a14:useLocalDpi xmlns="" xmlns:a14="http://schemas.microsoft.com/office/drawing/2010/main" val="0"/>
+                <a14:useLocalDpi xmlns:a14="http://schemas.microsoft.com/office/drawing/2010/main" xmlns="" val="0"/>
               </a:ext>
             </a:extLst>
           </a:blip>
@@ -18204,7 +17667,7 @@
     </p:spTree>
     <p:extLst>
       <p:ext uri="{BB962C8B-B14F-4D97-AF65-F5344CB8AC3E}">
-        <p14:creationId xmlns="" xmlns:p14="http://schemas.microsoft.com/office/powerpoint/2010/main" val="303223344"/>
+        <p14:creationId xmlns:p14="http://schemas.microsoft.com/office/powerpoint/2010/main" xmlns="" val="303223344"/>
       </p:ext>
     </p:extLst>
   </p:cSld>
@@ -18240,7 +17703,7 @@
           <p:nvPr>
             <p:extLst>
               <p:ext uri="{386F3935-93C4-4BCD-93E2-E3B085C9AB24}">
-                <p16:designElem xmlns="" xmlns:p16="http://schemas.microsoft.com/office/powerpoint/2015/main" val="1"/>
+                <p16:designElem xmlns:p16="http://schemas.microsoft.com/office/powerpoint/2015/main" xmlns="" val="1"/>
               </p:ext>
             </p:extLst>
           </p:nvPr>
@@ -18271,7 +17734,7 @@
           <p:nvPr>
             <p:extLst>
               <p:ext uri="{386F3935-93C4-4BCD-93E2-E3B085C9AB24}">
-                <p16:designElem xmlns="" xmlns:p16="http://schemas.microsoft.com/office/powerpoint/2015/main" val="1"/>
+                <p16:designElem xmlns:p16="http://schemas.microsoft.com/office/powerpoint/2015/main" xmlns="" val="1"/>
               </p:ext>
             </p:extLst>
           </p:nvPr>
@@ -18333,7 +17796,7 @@
           <p:nvPr>
             <p:extLst>
               <p:ext uri="{386F3935-93C4-4BCD-93E2-E3B085C9AB24}">
-                <p16:designElem xmlns="" xmlns:p16="http://schemas.microsoft.com/office/powerpoint/2015/main" val="1"/>
+                <p16:designElem xmlns:p16="http://schemas.microsoft.com/office/powerpoint/2015/main" xmlns="" val="1"/>
               </p:ext>
             </p:extLst>
           </p:nvPr>
@@ -18378,7 +17841,7 @@
           <p:nvPr>
             <p:extLst>
               <p:ext uri="{386F3935-93C4-4BCD-93E2-E3B085C9AB24}">
-                <p16:designElem xmlns="" xmlns:p16="http://schemas.microsoft.com/office/powerpoint/2015/main" val="1"/>
+                <p16:designElem xmlns:p16="http://schemas.microsoft.com/office/powerpoint/2015/main" xmlns="" val="1"/>
               </p:ext>
             </p:extLst>
           </p:nvPr>
@@ -18427,7 +17890,7 @@
           <a:blip r:embed="rId2" cstate="print">
             <a:extLst>
               <a:ext uri="{28A0092B-C50C-407E-A947-70E740481C1C}">
-                <a14:useLocalDpi xmlns="" xmlns:a14="http://schemas.microsoft.com/office/drawing/2010/main" val="0"/>
+                <a14:useLocalDpi xmlns:a14="http://schemas.microsoft.com/office/drawing/2010/main" xmlns="" val="0"/>
               </a:ext>
             </a:extLst>
           </a:blip>
@@ -18457,7 +17920,7 @@
           <a:blip r:embed="rId3" cstate="print">
             <a:extLst>
               <a:ext uri="{28A0092B-C50C-407E-A947-70E740481C1C}">
-                <a14:useLocalDpi xmlns="" xmlns:a14="http://schemas.microsoft.com/office/drawing/2010/main" val="0"/>
+                <a14:useLocalDpi xmlns:a14="http://schemas.microsoft.com/office/drawing/2010/main" xmlns="" val="0"/>
               </a:ext>
             </a:extLst>
           </a:blip>
@@ -18484,7 +17947,7 @@
           <p:nvPr>
             <p:extLst>
               <p:ext uri="{386F3935-93C4-4BCD-93E2-E3B085C9AB24}">
-                <p16:designElem xmlns="" xmlns:p16="http://schemas.microsoft.com/office/powerpoint/2015/main" val="1"/>
+                <p16:designElem xmlns:p16="http://schemas.microsoft.com/office/powerpoint/2015/main" xmlns="" val="1"/>
               </p:ext>
             </p:extLst>
           </p:nvPr>
@@ -18533,7 +17996,7 @@
           <a:blip r:embed="rId4" cstate="print">
             <a:extLst>
               <a:ext uri="{28A0092B-C50C-407E-A947-70E740481C1C}">
-                <a14:useLocalDpi xmlns="" xmlns:a14="http://schemas.microsoft.com/office/drawing/2010/main" val="0"/>
+                <a14:useLocalDpi xmlns:a14="http://schemas.microsoft.com/office/drawing/2010/main" xmlns="" val="0"/>
               </a:ext>
             </a:extLst>
           </a:blip>
@@ -18678,7 +18141,7 @@
     </p:spTree>
     <p:extLst>
       <p:ext uri="{BB962C8B-B14F-4D97-AF65-F5344CB8AC3E}">
-        <p14:creationId xmlns="" xmlns:p14="http://schemas.microsoft.com/office/powerpoint/2010/main" val="3308965500"/>
+        <p14:creationId xmlns:p14="http://schemas.microsoft.com/office/powerpoint/2010/main" xmlns="" val="3308965500"/>
       </p:ext>
     </p:extLst>
   </p:cSld>
@@ -18714,7 +18177,7 @@
           <p:nvPr>
             <p:extLst>
               <p:ext uri="{386F3935-93C4-4BCD-93E2-E3B085C9AB24}">
-                <p16:designElem xmlns="" xmlns:p16="http://schemas.microsoft.com/office/powerpoint/2015/main" val="1"/>
+                <p16:designElem xmlns:p16="http://schemas.microsoft.com/office/powerpoint/2015/main" xmlns="" val="1"/>
               </p:ext>
             </p:extLst>
           </p:nvPr>
@@ -18797,7 +18260,7 @@
           <p:nvPr>
             <p:extLst>
               <p:ext uri="{386F3935-93C4-4BCD-93E2-E3B085C9AB24}">
-                <p16:designElem xmlns="" xmlns:p16="http://schemas.microsoft.com/office/powerpoint/2015/main" val="1"/>
+                <p16:designElem xmlns:p16="http://schemas.microsoft.com/office/powerpoint/2015/main" xmlns="" val="1"/>
               </p:ext>
             </p:extLst>
           </p:nvPr>
@@ -18925,7 +18388,7 @@
           <p:nvPr>
             <p:extLst>
               <p:ext uri="{386F3935-93C4-4BCD-93E2-E3B085C9AB24}">
-                <p16:designElem xmlns="" xmlns:p16="http://schemas.microsoft.com/office/powerpoint/2015/main" val="1"/>
+                <p16:designElem xmlns:p16="http://schemas.microsoft.com/office/powerpoint/2015/main" xmlns="" val="1"/>
               </p:ext>
             </p:extLst>
           </p:nvPr>
@@ -19205,7 +18668,7 @@
     </p:spTree>
     <p:extLst>
       <p:ext uri="{BB962C8B-B14F-4D97-AF65-F5344CB8AC3E}">
-        <p14:creationId xmlns="" xmlns:p14="http://schemas.microsoft.com/office/powerpoint/2010/main" val="593548087"/>
+        <p14:creationId xmlns:p14="http://schemas.microsoft.com/office/powerpoint/2010/main" xmlns="" val="593548087"/>
       </p:ext>
     </p:extLst>
   </p:cSld>
@@ -19241,7 +18704,7 @@
           <p:nvPr>
             <p:extLst>
               <p:ext uri="{386F3935-93C4-4BCD-93E2-E3B085C9AB24}">
-                <p16:designElem xmlns="" xmlns:p16="http://schemas.microsoft.com/office/powerpoint/2015/main" val="1"/>
+                <p16:designElem xmlns:p16="http://schemas.microsoft.com/office/powerpoint/2015/main" xmlns="" val="1"/>
               </p:ext>
             </p:extLst>
           </p:nvPr>
@@ -19324,7 +18787,7 @@
           <p:nvPr>
             <p:extLst>
               <p:ext uri="{386F3935-93C4-4BCD-93E2-E3B085C9AB24}">
-                <p16:designElem xmlns="" xmlns:p16="http://schemas.microsoft.com/office/powerpoint/2015/main" val="1"/>
+                <p16:designElem xmlns:p16="http://schemas.microsoft.com/office/powerpoint/2015/main" xmlns="" val="1"/>
               </p:ext>
             </p:extLst>
           </p:nvPr>
@@ -19452,7 +18915,7 @@
           <p:nvPr>
             <p:extLst>
               <p:ext uri="{386F3935-93C4-4BCD-93E2-E3B085C9AB24}">
-                <p16:designElem xmlns="" xmlns:p16="http://schemas.microsoft.com/office/powerpoint/2015/main" val="1"/>
+                <p16:designElem xmlns:p16="http://schemas.microsoft.com/office/powerpoint/2015/main" xmlns="" val="1"/>
               </p:ext>
             </p:extLst>
           </p:nvPr>
@@ -19678,7 +19141,7 @@
     </p:spTree>
     <p:extLst>
       <p:ext uri="{BB962C8B-B14F-4D97-AF65-F5344CB8AC3E}">
-        <p14:creationId xmlns="" xmlns:p14="http://schemas.microsoft.com/office/powerpoint/2010/main" val="3441358260"/>
+        <p14:creationId xmlns:p14="http://schemas.microsoft.com/office/powerpoint/2010/main" xmlns="" val="3441358260"/>
       </p:ext>
     </p:extLst>
   </p:cSld>
@@ -19714,7 +19177,7 @@
           <p:nvPr>
             <p:extLst>
               <p:ext uri="{386F3935-93C4-4BCD-93E2-E3B085C9AB24}">
-                <p16:designElem xmlns="" xmlns:p16="http://schemas.microsoft.com/office/powerpoint/2015/main" val="1"/>
+                <p16:designElem xmlns:p16="http://schemas.microsoft.com/office/powerpoint/2015/main" xmlns="" val="1"/>
               </p:ext>
             </p:extLst>
           </p:nvPr>
@@ -19768,7 +19231,7 @@
           <p:nvPr>
             <p:extLst>
               <p:ext uri="{386F3935-93C4-4BCD-93E2-E3B085C9AB24}">
-                <p16:designElem xmlns="" xmlns:p16="http://schemas.microsoft.com/office/powerpoint/2015/main" val="1"/>
+                <p16:designElem xmlns:p16="http://schemas.microsoft.com/office/powerpoint/2015/main" xmlns="" val="1"/>
               </p:ext>
             </p:extLst>
           </p:nvPr>
@@ -19867,7 +19330,7 @@
           <p:nvPr>
             <p:extLst>
               <p:ext uri="{386F3935-93C4-4BCD-93E2-E3B085C9AB24}">
-                <p16:designElem xmlns="" xmlns:p16="http://schemas.microsoft.com/office/powerpoint/2015/main" val="1"/>
+                <p16:designElem xmlns:p16="http://schemas.microsoft.com/office/powerpoint/2015/main" xmlns="" val="1"/>
               </p:ext>
             </p:extLst>
           </p:nvPr>
@@ -20093,7 +19556,7 @@
     </p:spTree>
     <p:extLst>
       <p:ext uri="{BB962C8B-B14F-4D97-AF65-F5344CB8AC3E}">
-        <p14:creationId xmlns="" xmlns:p14="http://schemas.microsoft.com/office/powerpoint/2010/main" val="162548143"/>
+        <p14:creationId xmlns:p14="http://schemas.microsoft.com/office/powerpoint/2010/main" xmlns="" val="162548143"/>
       </p:ext>
     </p:extLst>
   </p:cSld>
@@ -20143,7 +19606,7 @@
           <p:nvPr>
             <p:extLst>
               <p:ext uri="{386F3935-93C4-4BCD-93E2-E3B085C9AB24}">
-                <p16:designElem xmlns="" xmlns:p16="http://schemas.microsoft.com/office/powerpoint/2015/main" val="1"/>
+                <p16:designElem xmlns:p16="http://schemas.microsoft.com/office/powerpoint/2015/main" xmlns="" val="1"/>
               </p:ext>
             </p:extLst>
           </p:nvPr>
@@ -20226,7 +19689,7 @@
           <p:nvPr>
             <p:extLst>
               <p:ext uri="{386F3935-93C4-4BCD-93E2-E3B085C9AB24}">
-                <p16:designElem xmlns="" xmlns:p16="http://schemas.microsoft.com/office/powerpoint/2015/main" val="1"/>
+                <p16:designElem xmlns:p16="http://schemas.microsoft.com/office/powerpoint/2015/main" xmlns="" val="1"/>
               </p:ext>
             </p:extLst>
           </p:nvPr>
@@ -20354,7 +19817,7 @@
           <p:nvPr>
             <p:extLst>
               <p:ext uri="{386F3935-93C4-4BCD-93E2-E3B085C9AB24}">
-                <p16:designElem xmlns="" xmlns:p16="http://schemas.microsoft.com/office/powerpoint/2015/main" val="1"/>
+                <p16:designElem xmlns:p16="http://schemas.microsoft.com/office/powerpoint/2015/main" xmlns="" val="1"/>
               </p:ext>
             </p:extLst>
           </p:nvPr>
@@ -20561,7 +20024,7 @@
     </p:spTree>
     <p:extLst>
       <p:ext uri="{BB962C8B-B14F-4D97-AF65-F5344CB8AC3E}">
-        <p14:creationId xmlns="" xmlns:p14="http://schemas.microsoft.com/office/powerpoint/2010/main" val="2155851444"/>
+        <p14:creationId xmlns:p14="http://schemas.microsoft.com/office/powerpoint/2010/main" xmlns="" val="2155851444"/>
       </p:ext>
     </p:extLst>
   </p:cSld>
@@ -20597,7 +20060,7 @@
           <p:nvPr>
             <p:extLst>
               <p:ext uri="{386F3935-93C4-4BCD-93E2-E3B085C9AB24}">
-                <p16:designElem xmlns="" xmlns:p16="http://schemas.microsoft.com/office/powerpoint/2015/main" val="1"/>
+                <p16:designElem xmlns:p16="http://schemas.microsoft.com/office/powerpoint/2015/main" xmlns="" val="1"/>
               </p:ext>
             </p:extLst>
           </p:nvPr>
@@ -20680,7 +20143,7 @@
           <p:nvPr>
             <p:extLst>
               <p:ext uri="{386F3935-93C4-4BCD-93E2-E3B085C9AB24}">
-                <p16:designElem xmlns="" xmlns:p16="http://schemas.microsoft.com/office/powerpoint/2015/main" val="1"/>
+                <p16:designElem xmlns:p16="http://schemas.microsoft.com/office/powerpoint/2015/main" xmlns="" val="1"/>
               </p:ext>
             </p:extLst>
           </p:nvPr>
@@ -20808,7 +20271,7 @@
           <p:nvPr>
             <p:extLst>
               <p:ext uri="{386F3935-93C4-4BCD-93E2-E3B085C9AB24}">
-                <p16:designElem xmlns="" xmlns:p16="http://schemas.microsoft.com/office/powerpoint/2015/main" val="1"/>
+                <p16:designElem xmlns:p16="http://schemas.microsoft.com/office/powerpoint/2015/main" xmlns="" val="1"/>
               </p:ext>
             </p:extLst>
           </p:nvPr>
@@ -20968,7 +20431,7 @@
             <p:ph idx="1"/>
             <p:extLst>
               <p:ext uri="{D42A27DB-BD31-4B8C-83A1-F6EECF244321}">
-                <p14:modId xmlns="" xmlns:p14="http://schemas.microsoft.com/office/powerpoint/2010/main" val="1669523348"/>
+                <p14:modId xmlns:p14="http://schemas.microsoft.com/office/powerpoint/2010/main" xmlns="" val="1669523348"/>
               </p:ext>
             </p:extLst>
           </p:nvPr>
@@ -21045,7 +20508,7 @@
     </p:spTree>
     <p:extLst>
       <p:ext uri="{BB962C8B-B14F-4D97-AF65-F5344CB8AC3E}">
-        <p14:creationId xmlns="" xmlns:p14="http://schemas.microsoft.com/office/powerpoint/2010/main" val="1387334530"/>
+        <p14:creationId xmlns:p14="http://schemas.microsoft.com/office/powerpoint/2010/main" xmlns="" val="1387334530"/>
       </p:ext>
     </p:extLst>
   </p:cSld>
@@ -21081,7 +20544,7 @@
           <p:nvPr>
             <p:extLst>
               <p:ext uri="{386F3935-93C4-4BCD-93E2-E3B085C9AB24}">
-                <p16:designElem xmlns="" xmlns:p16="http://schemas.microsoft.com/office/powerpoint/2015/main" val="1"/>
+                <p16:designElem xmlns:p16="http://schemas.microsoft.com/office/powerpoint/2015/main" xmlns="" val="1"/>
               </p:ext>
             </p:extLst>
           </p:nvPr>
@@ -21164,7 +20627,7 @@
           <p:nvPr>
             <p:extLst>
               <p:ext uri="{386F3935-93C4-4BCD-93E2-E3B085C9AB24}">
-                <p16:designElem xmlns="" xmlns:p16="http://schemas.microsoft.com/office/powerpoint/2015/main" val="1"/>
+                <p16:designElem xmlns:p16="http://schemas.microsoft.com/office/powerpoint/2015/main" xmlns="" val="1"/>
               </p:ext>
             </p:extLst>
           </p:nvPr>
@@ -21292,7 +20755,7 @@
           <p:nvPr>
             <p:extLst>
               <p:ext uri="{386F3935-93C4-4BCD-93E2-E3B085C9AB24}">
-                <p16:designElem xmlns="" xmlns:p16="http://schemas.microsoft.com/office/powerpoint/2015/main" val="1"/>
+                <p16:designElem xmlns:p16="http://schemas.microsoft.com/office/powerpoint/2015/main" xmlns="" val="1"/>
               </p:ext>
             </p:extLst>
           </p:nvPr>
@@ -21525,7 +20988,7 @@
     </p:spTree>
     <p:extLst>
       <p:ext uri="{BB962C8B-B14F-4D97-AF65-F5344CB8AC3E}">
-        <p14:creationId xmlns="" xmlns:p14="http://schemas.microsoft.com/office/powerpoint/2010/main" val="1558700788"/>
+        <p14:creationId xmlns:p14="http://schemas.microsoft.com/office/powerpoint/2010/main" xmlns="" val="1558700788"/>
       </p:ext>
     </p:extLst>
   </p:cSld>
@@ -21561,7 +21024,7 @@
           <p:nvPr>
             <p:extLst>
               <p:ext uri="{386F3935-93C4-4BCD-93E2-E3B085C9AB24}">
-                <p16:designElem xmlns="" xmlns:p16="http://schemas.microsoft.com/office/powerpoint/2015/main" val="1"/>
+                <p16:designElem xmlns:p16="http://schemas.microsoft.com/office/powerpoint/2015/main" xmlns="" val="1"/>
               </p:ext>
             </p:extLst>
           </p:nvPr>
@@ -21615,7 +21078,7 @@
           <p:nvPr>
             <p:extLst>
               <p:ext uri="{386F3935-93C4-4BCD-93E2-E3B085C9AB24}">
-                <p16:designElem xmlns="" xmlns:p16="http://schemas.microsoft.com/office/powerpoint/2015/main" val="1"/>
+                <p16:designElem xmlns:p16="http://schemas.microsoft.com/office/powerpoint/2015/main" xmlns="" val="1"/>
               </p:ext>
             </p:extLst>
           </p:nvPr>
@@ -21714,7 +21177,7 @@
           <p:nvPr>
             <p:extLst>
               <p:ext uri="{386F3935-93C4-4BCD-93E2-E3B085C9AB24}">
-                <p16:designElem xmlns="" xmlns:p16="http://schemas.microsoft.com/office/powerpoint/2015/main" val="1"/>
+                <p16:designElem xmlns:p16="http://schemas.microsoft.com/office/powerpoint/2015/main" xmlns="" val="1"/>
               </p:ext>
             </p:extLst>
           </p:nvPr>
@@ -21939,7 +21402,7 @@
           <p:nvPr>
             <p:extLst>
               <p:ext uri="{D42A27DB-BD31-4B8C-83A1-F6EECF244321}">
-                <p14:modId xmlns="" xmlns:p14="http://schemas.microsoft.com/office/powerpoint/2010/main" val="1493646743"/>
+                <p14:modId xmlns:p14="http://schemas.microsoft.com/office/powerpoint/2010/main" xmlns="" val="1493646743"/>
               </p:ext>
             </p:extLst>
           </p:nvPr>
@@ -21958,63 +21421,63 @@
                 <a:gridCol w="1021931">
                   <a:extLst>
                     <a:ext uri="{9D8B030D-6E8A-4147-A177-3AD203B41FA5}">
-                      <a16:colId xmlns="" xmlns:a16="http://schemas.microsoft.com/office/drawing/2014/main" val="3215955292"/>
+                      <a16:colId xmlns:a16="http://schemas.microsoft.com/office/drawing/2014/main" xmlns="" val="3215955292"/>
                     </a:ext>
                   </a:extLst>
                 </a:gridCol>
                 <a:gridCol w="1469027">
                   <a:extLst>
                     <a:ext uri="{9D8B030D-6E8A-4147-A177-3AD203B41FA5}">
-                      <a16:colId xmlns="" xmlns:a16="http://schemas.microsoft.com/office/drawing/2014/main" val="97030916"/>
+                      <a16:colId xmlns:a16="http://schemas.microsoft.com/office/drawing/2014/main" xmlns="" val="97030916"/>
                     </a:ext>
                   </a:extLst>
                 </a:gridCol>
                 <a:gridCol w="1053866">
                   <a:extLst>
                     <a:ext uri="{9D8B030D-6E8A-4147-A177-3AD203B41FA5}">
-                      <a16:colId xmlns="" xmlns:a16="http://schemas.microsoft.com/office/drawing/2014/main" val="4065635111"/>
+                      <a16:colId xmlns:a16="http://schemas.microsoft.com/office/drawing/2014/main" xmlns="" val="4065635111"/>
                     </a:ext>
                   </a:extLst>
                 </a:gridCol>
                 <a:gridCol w="1325317">
                   <a:extLst>
                     <a:ext uri="{9D8B030D-6E8A-4147-A177-3AD203B41FA5}">
-                      <a16:colId xmlns="" xmlns:a16="http://schemas.microsoft.com/office/drawing/2014/main" val="414981276"/>
+                      <a16:colId xmlns:a16="http://schemas.microsoft.com/office/drawing/2014/main" xmlns="" val="414981276"/>
                     </a:ext>
                   </a:extLst>
                 </a:gridCol>
                 <a:gridCol w="1309349">
                   <a:extLst>
                     <a:ext uri="{9D8B030D-6E8A-4147-A177-3AD203B41FA5}">
-                      <a16:colId xmlns="" xmlns:a16="http://schemas.microsoft.com/office/drawing/2014/main" val="2421585600"/>
+                      <a16:colId xmlns:a16="http://schemas.microsoft.com/office/drawing/2014/main" xmlns="" val="2421585600"/>
                     </a:ext>
                   </a:extLst>
                 </a:gridCol>
                 <a:gridCol w="1421123">
                   <a:extLst>
                     <a:ext uri="{9D8B030D-6E8A-4147-A177-3AD203B41FA5}">
-                      <a16:colId xmlns="" xmlns:a16="http://schemas.microsoft.com/office/drawing/2014/main" val="1477928825"/>
+                      <a16:colId xmlns:a16="http://schemas.microsoft.com/office/drawing/2014/main" xmlns="" val="1477928825"/>
                     </a:ext>
                   </a:extLst>
                 </a:gridCol>
                 <a:gridCol w="1548864">
                   <a:extLst>
                     <a:ext uri="{9D8B030D-6E8A-4147-A177-3AD203B41FA5}">
-                      <a16:colId xmlns="" xmlns:a16="http://schemas.microsoft.com/office/drawing/2014/main" val="3590194689"/>
+                      <a16:colId xmlns:a16="http://schemas.microsoft.com/office/drawing/2014/main" xmlns="" val="3590194689"/>
                     </a:ext>
                   </a:extLst>
                 </a:gridCol>
                 <a:gridCol w="1245479">
                   <a:extLst>
                     <a:ext uri="{9D8B030D-6E8A-4147-A177-3AD203B41FA5}">
-                      <a16:colId xmlns="" xmlns:a16="http://schemas.microsoft.com/office/drawing/2014/main" val="3558903979"/>
+                      <a16:colId xmlns:a16="http://schemas.microsoft.com/office/drawing/2014/main" xmlns="" val="3558903979"/>
                     </a:ext>
                   </a:extLst>
                 </a:gridCol>
                 <a:gridCol w="1405155">
                   <a:extLst>
                     <a:ext uri="{9D8B030D-6E8A-4147-A177-3AD203B41FA5}">
-                      <a16:colId xmlns="" xmlns:a16="http://schemas.microsoft.com/office/drawing/2014/main" val="304150670"/>
+                      <a16:colId xmlns:a16="http://schemas.microsoft.com/office/drawing/2014/main" xmlns="" val="304150670"/>
                     </a:ext>
                   </a:extLst>
                 </a:gridCol>
@@ -22223,7 +21686,7 @@
                 </a:tc>
                 <a:extLst>
                   <a:ext uri="{0D108BD9-81ED-4DB2-BD59-A6C34878D82A}">
-                    <a16:rowId xmlns="" xmlns:a16="http://schemas.microsoft.com/office/drawing/2014/main" val="2538865235"/>
+                    <a16:rowId xmlns:a16="http://schemas.microsoft.com/office/drawing/2014/main" xmlns="" val="2538865235"/>
                   </a:ext>
                 </a:extLst>
               </a:tr>
@@ -22437,7 +21900,7 @@
                 </a:tc>
                 <a:extLst>
                   <a:ext uri="{0D108BD9-81ED-4DB2-BD59-A6C34878D82A}">
-                    <a16:rowId xmlns="" xmlns:a16="http://schemas.microsoft.com/office/drawing/2014/main" val="2052034286"/>
+                    <a16:rowId xmlns:a16="http://schemas.microsoft.com/office/drawing/2014/main" xmlns="" val="2052034286"/>
                   </a:ext>
                 </a:extLst>
               </a:tr>
@@ -22448,7 +21911,7 @@
     </p:spTree>
     <p:extLst>
       <p:ext uri="{BB962C8B-B14F-4D97-AF65-F5344CB8AC3E}">
-        <p14:creationId xmlns="" xmlns:p14="http://schemas.microsoft.com/office/powerpoint/2010/main" val="727731094"/>
+        <p14:creationId xmlns:p14="http://schemas.microsoft.com/office/powerpoint/2010/main" xmlns="" val="727731094"/>
       </p:ext>
     </p:extLst>
   </p:cSld>
@@ -22484,7 +21947,7 @@
           <p:nvPr>
             <p:extLst>
               <p:ext uri="{386F3935-93C4-4BCD-93E2-E3B085C9AB24}">
-                <p16:designElem xmlns="" xmlns:p16="http://schemas.microsoft.com/office/powerpoint/2015/main" val="1"/>
+                <p16:designElem xmlns:p16="http://schemas.microsoft.com/office/powerpoint/2015/main" xmlns="" val="1"/>
               </p:ext>
             </p:extLst>
           </p:nvPr>
@@ -22538,7 +22001,7 @@
           <p:nvPr>
             <p:extLst>
               <p:ext uri="{386F3935-93C4-4BCD-93E2-E3B085C9AB24}">
-                <p16:designElem xmlns="" xmlns:p16="http://schemas.microsoft.com/office/powerpoint/2015/main" val="1"/>
+                <p16:designElem xmlns:p16="http://schemas.microsoft.com/office/powerpoint/2015/main" xmlns="" val="1"/>
               </p:ext>
             </p:extLst>
           </p:nvPr>
@@ -22637,7 +22100,7 @@
           <p:nvPr>
             <p:extLst>
               <p:ext uri="{386F3935-93C4-4BCD-93E2-E3B085C9AB24}">
-                <p16:designElem xmlns="" xmlns:p16="http://schemas.microsoft.com/office/powerpoint/2015/main" val="1"/>
+                <p16:designElem xmlns:p16="http://schemas.microsoft.com/office/powerpoint/2015/main" xmlns="" val="1"/>
               </p:ext>
             </p:extLst>
           </p:nvPr>
@@ -22837,7 +22300,7 @@
           <p:nvPr>
             <p:extLst>
               <p:ext uri="{D42A27DB-BD31-4B8C-83A1-F6EECF244321}">
-                <p14:modId xmlns="" xmlns:p14="http://schemas.microsoft.com/office/powerpoint/2010/main" val="1072729137"/>
+                <p14:modId xmlns:p14="http://schemas.microsoft.com/office/powerpoint/2010/main" xmlns="" val="1072729137"/>
               </p:ext>
             </p:extLst>
           </p:nvPr>
@@ -22856,63 +22319,63 @@
                 <a:gridCol w="980080">
                   <a:extLst>
                     <a:ext uri="{9D8B030D-6E8A-4147-A177-3AD203B41FA5}">
-                      <a16:colId xmlns="" xmlns:a16="http://schemas.microsoft.com/office/drawing/2014/main" val="3004782095"/>
+                      <a16:colId xmlns:a16="http://schemas.microsoft.com/office/drawing/2014/main" xmlns="" val="3004782095"/>
                     </a:ext>
                   </a:extLst>
                 </a:gridCol>
                 <a:gridCol w="1408864">
                   <a:extLst>
                     <a:ext uri="{9D8B030D-6E8A-4147-A177-3AD203B41FA5}">
-                      <a16:colId xmlns="" xmlns:a16="http://schemas.microsoft.com/office/drawing/2014/main" val="4186406271"/>
+                      <a16:colId xmlns:a16="http://schemas.microsoft.com/office/drawing/2014/main" xmlns="" val="4186406271"/>
                     </a:ext>
                   </a:extLst>
                 </a:gridCol>
                 <a:gridCol w="1010707">
                   <a:extLst>
                     <a:ext uri="{9D8B030D-6E8A-4147-A177-3AD203B41FA5}">
-                      <a16:colId xmlns="" xmlns:a16="http://schemas.microsoft.com/office/drawing/2014/main" val="2640527630"/>
+                      <a16:colId xmlns:a16="http://schemas.microsoft.com/office/drawing/2014/main" xmlns="" val="2640527630"/>
                     </a:ext>
                   </a:extLst>
                 </a:gridCol>
                 <a:gridCol w="1271041">
                   <a:extLst>
                     <a:ext uri="{9D8B030D-6E8A-4147-A177-3AD203B41FA5}">
-                      <a16:colId xmlns="" xmlns:a16="http://schemas.microsoft.com/office/drawing/2014/main" val="260997157"/>
+                      <a16:colId xmlns:a16="http://schemas.microsoft.com/office/drawing/2014/main" xmlns="" val="260997157"/>
                     </a:ext>
                   </a:extLst>
                 </a:gridCol>
                 <a:gridCol w="1255727">
                   <a:extLst>
                     <a:ext uri="{9D8B030D-6E8A-4147-A177-3AD203B41FA5}">
-                      <a16:colId xmlns="" xmlns:a16="http://schemas.microsoft.com/office/drawing/2014/main" val="1039690343"/>
+                      <a16:colId xmlns:a16="http://schemas.microsoft.com/office/drawing/2014/main" xmlns="" val="1039690343"/>
                     </a:ext>
                   </a:extLst>
                 </a:gridCol>
                 <a:gridCol w="1362922">
                   <a:extLst>
                     <a:ext uri="{9D8B030D-6E8A-4147-A177-3AD203B41FA5}">
-                      <a16:colId xmlns="" xmlns:a16="http://schemas.microsoft.com/office/drawing/2014/main" val="592308215"/>
+                      <a16:colId xmlns:a16="http://schemas.microsoft.com/office/drawing/2014/main" xmlns="" val="592308215"/>
                     </a:ext>
                   </a:extLst>
                 </a:gridCol>
                 <a:gridCol w="1485432">
                   <a:extLst>
                     <a:ext uri="{9D8B030D-6E8A-4147-A177-3AD203B41FA5}">
-                      <a16:colId xmlns="" xmlns:a16="http://schemas.microsoft.com/office/drawing/2014/main" val="723057721"/>
+                      <a16:colId xmlns:a16="http://schemas.microsoft.com/office/drawing/2014/main" xmlns="" val="723057721"/>
                     </a:ext>
                   </a:extLst>
                 </a:gridCol>
                 <a:gridCol w="1194471">
                   <a:extLst>
                     <a:ext uri="{9D8B030D-6E8A-4147-A177-3AD203B41FA5}">
-                      <a16:colId xmlns="" xmlns:a16="http://schemas.microsoft.com/office/drawing/2014/main" val="1665868013"/>
+                      <a16:colId xmlns:a16="http://schemas.microsoft.com/office/drawing/2014/main" xmlns="" val="1665868013"/>
                     </a:ext>
                   </a:extLst>
                 </a:gridCol>
                 <a:gridCol w="1347609">
                   <a:extLst>
                     <a:ext uri="{9D8B030D-6E8A-4147-A177-3AD203B41FA5}">
-                      <a16:colId xmlns="" xmlns:a16="http://schemas.microsoft.com/office/drawing/2014/main" val="509979848"/>
+                      <a16:colId xmlns:a16="http://schemas.microsoft.com/office/drawing/2014/main" xmlns="" val="509979848"/>
                     </a:ext>
                   </a:extLst>
                 </a:gridCol>
@@ -23121,7 +22584,7 @@
                 </a:tc>
                 <a:extLst>
                   <a:ext uri="{0D108BD9-81ED-4DB2-BD59-A6C34878D82A}">
-                    <a16:rowId xmlns="" xmlns:a16="http://schemas.microsoft.com/office/drawing/2014/main" val="1685154367"/>
+                    <a16:rowId xmlns:a16="http://schemas.microsoft.com/office/drawing/2014/main" xmlns="" val="1685154367"/>
                   </a:ext>
                 </a:extLst>
               </a:tr>
@@ -23335,7 +22798,7 @@
                 </a:tc>
                 <a:extLst>
                   <a:ext uri="{0D108BD9-81ED-4DB2-BD59-A6C34878D82A}">
-                    <a16:rowId xmlns="" xmlns:a16="http://schemas.microsoft.com/office/drawing/2014/main" val="2493422845"/>
+                    <a16:rowId xmlns:a16="http://schemas.microsoft.com/office/drawing/2014/main" xmlns="" val="2493422845"/>
                   </a:ext>
                 </a:extLst>
               </a:tr>
@@ -23346,7 +22809,7 @@
     </p:spTree>
     <p:extLst>
       <p:ext uri="{BB962C8B-B14F-4D97-AF65-F5344CB8AC3E}">
-        <p14:creationId xmlns="" xmlns:p14="http://schemas.microsoft.com/office/powerpoint/2010/main" val="2691739327"/>
+        <p14:creationId xmlns:p14="http://schemas.microsoft.com/office/powerpoint/2010/main" xmlns="" val="2691739327"/>
       </p:ext>
     </p:extLst>
   </p:cSld>
@@ -23382,7 +22845,7 @@
           <p:nvPr>
             <p:extLst>
               <p:ext uri="{386F3935-93C4-4BCD-93E2-E3B085C9AB24}">
-                <p16:designElem xmlns="" xmlns:p16="http://schemas.microsoft.com/office/powerpoint/2015/main" val="1"/>
+                <p16:designElem xmlns:p16="http://schemas.microsoft.com/office/powerpoint/2015/main" xmlns="" val="1"/>
               </p:ext>
             </p:extLst>
           </p:nvPr>
@@ -23436,7 +22899,7 @@
           <p:nvPr>
             <p:extLst>
               <p:ext uri="{386F3935-93C4-4BCD-93E2-E3B085C9AB24}">
-                <p16:designElem xmlns="" xmlns:p16="http://schemas.microsoft.com/office/powerpoint/2015/main" val="1"/>
+                <p16:designElem xmlns:p16="http://schemas.microsoft.com/office/powerpoint/2015/main" xmlns="" val="1"/>
               </p:ext>
             </p:extLst>
           </p:nvPr>
@@ -23535,7 +22998,7 @@
           <p:nvPr>
             <p:extLst>
               <p:ext uri="{386F3935-93C4-4BCD-93E2-E3B085C9AB24}">
-                <p16:designElem xmlns="" xmlns:p16="http://schemas.microsoft.com/office/powerpoint/2015/main" val="1"/>
+                <p16:designElem xmlns:p16="http://schemas.microsoft.com/office/powerpoint/2015/main" xmlns="" val="1"/>
               </p:ext>
             </p:extLst>
           </p:nvPr>
@@ -23752,7 +23215,7 @@
           <p:nvPr>
             <p:extLst>
               <p:ext uri="{D42A27DB-BD31-4B8C-83A1-F6EECF244321}">
-                <p14:modId xmlns="" xmlns:p14="http://schemas.microsoft.com/office/powerpoint/2010/main" val="1116615763"/>
+                <p14:modId xmlns:p14="http://schemas.microsoft.com/office/powerpoint/2010/main" xmlns="" val="1116615763"/>
               </p:ext>
             </p:extLst>
           </p:nvPr>
@@ -23771,63 +23234,63 @@
                 <a:gridCol w="989428">
                   <a:extLst>
                     <a:ext uri="{9D8B030D-6E8A-4147-A177-3AD203B41FA5}">
-                      <a16:colId xmlns="" xmlns:a16="http://schemas.microsoft.com/office/drawing/2014/main" val="465769424"/>
+                      <a16:colId xmlns:a16="http://schemas.microsoft.com/office/drawing/2014/main" xmlns="" val="465769424"/>
                     </a:ext>
                   </a:extLst>
                 </a:gridCol>
                 <a:gridCol w="1422303">
                   <a:extLst>
                     <a:ext uri="{9D8B030D-6E8A-4147-A177-3AD203B41FA5}">
-                      <a16:colId xmlns="" xmlns:a16="http://schemas.microsoft.com/office/drawing/2014/main" val="4013346244"/>
+                      <a16:colId xmlns:a16="http://schemas.microsoft.com/office/drawing/2014/main" xmlns="" val="4013346244"/>
                     </a:ext>
                   </a:extLst>
                 </a:gridCol>
                 <a:gridCol w="1020348">
                   <a:extLst>
                     <a:ext uri="{9D8B030D-6E8A-4147-A177-3AD203B41FA5}">
-                      <a16:colId xmlns="" xmlns:a16="http://schemas.microsoft.com/office/drawing/2014/main" val="2293026185"/>
+                      <a16:colId xmlns:a16="http://schemas.microsoft.com/office/drawing/2014/main" xmlns="" val="2293026185"/>
                     </a:ext>
                   </a:extLst>
                 </a:gridCol>
                 <a:gridCol w="1283164">
                   <a:extLst>
                     <a:ext uri="{9D8B030D-6E8A-4147-A177-3AD203B41FA5}">
-                      <a16:colId xmlns="" xmlns:a16="http://schemas.microsoft.com/office/drawing/2014/main" val="3300136333"/>
+                      <a16:colId xmlns:a16="http://schemas.microsoft.com/office/drawing/2014/main" xmlns="" val="3300136333"/>
                     </a:ext>
                   </a:extLst>
                 </a:gridCol>
                 <a:gridCol w="1267705">
                   <a:extLst>
                     <a:ext uri="{9D8B030D-6E8A-4147-A177-3AD203B41FA5}">
-                      <a16:colId xmlns="" xmlns:a16="http://schemas.microsoft.com/office/drawing/2014/main" val="4072895687"/>
+                      <a16:colId xmlns:a16="http://schemas.microsoft.com/office/drawing/2014/main" xmlns="" val="4072895687"/>
                     </a:ext>
                   </a:extLst>
                 </a:gridCol>
                 <a:gridCol w="1375923">
                   <a:extLst>
                     <a:ext uri="{9D8B030D-6E8A-4147-A177-3AD203B41FA5}">
-                      <a16:colId xmlns="" xmlns:a16="http://schemas.microsoft.com/office/drawing/2014/main" val="468902643"/>
+                      <a16:colId xmlns:a16="http://schemas.microsoft.com/office/drawing/2014/main" xmlns="" val="468902643"/>
                     </a:ext>
                   </a:extLst>
                 </a:gridCol>
                 <a:gridCol w="1499602">
                   <a:extLst>
                     <a:ext uri="{9D8B030D-6E8A-4147-A177-3AD203B41FA5}">
-                      <a16:colId xmlns="" xmlns:a16="http://schemas.microsoft.com/office/drawing/2014/main" val="2084472353"/>
+                      <a16:colId xmlns:a16="http://schemas.microsoft.com/office/drawing/2014/main" xmlns="" val="2084472353"/>
                     </a:ext>
                   </a:extLst>
                 </a:gridCol>
                 <a:gridCol w="1205865">
                   <a:extLst>
                     <a:ext uri="{9D8B030D-6E8A-4147-A177-3AD203B41FA5}">
-                      <a16:colId xmlns="" xmlns:a16="http://schemas.microsoft.com/office/drawing/2014/main" val="3063823974"/>
+                      <a16:colId xmlns:a16="http://schemas.microsoft.com/office/drawing/2014/main" xmlns="" val="3063823974"/>
                     </a:ext>
                   </a:extLst>
                 </a:gridCol>
                 <a:gridCol w="1360463">
                   <a:extLst>
                     <a:ext uri="{9D8B030D-6E8A-4147-A177-3AD203B41FA5}">
-                      <a16:colId xmlns="" xmlns:a16="http://schemas.microsoft.com/office/drawing/2014/main" val="2654634803"/>
+                      <a16:colId xmlns:a16="http://schemas.microsoft.com/office/drawing/2014/main" xmlns="" val="2654634803"/>
                     </a:ext>
                   </a:extLst>
                 </a:gridCol>
@@ -24036,7 +23499,7 @@
                 </a:tc>
                 <a:extLst>
                   <a:ext uri="{0D108BD9-81ED-4DB2-BD59-A6C34878D82A}">
-                    <a16:rowId xmlns="" xmlns:a16="http://schemas.microsoft.com/office/drawing/2014/main" val="1352303788"/>
+                    <a16:rowId xmlns:a16="http://schemas.microsoft.com/office/drawing/2014/main" xmlns="" val="1352303788"/>
                   </a:ext>
                 </a:extLst>
               </a:tr>
@@ -24250,7 +23713,7 @@
                 </a:tc>
                 <a:extLst>
                   <a:ext uri="{0D108BD9-81ED-4DB2-BD59-A6C34878D82A}">
-                    <a16:rowId xmlns="" xmlns:a16="http://schemas.microsoft.com/office/drawing/2014/main" val="3823845897"/>
+                    <a16:rowId xmlns:a16="http://schemas.microsoft.com/office/drawing/2014/main" xmlns="" val="3823845897"/>
                   </a:ext>
                 </a:extLst>
               </a:tr>
@@ -24261,7 +23724,7 @@
     </p:spTree>
     <p:extLst>
       <p:ext uri="{BB962C8B-B14F-4D97-AF65-F5344CB8AC3E}">
-        <p14:creationId xmlns="" xmlns:p14="http://schemas.microsoft.com/office/powerpoint/2010/main" val="2405218555"/>
+        <p14:creationId xmlns:p14="http://schemas.microsoft.com/office/powerpoint/2010/main" xmlns="" val="2405218555"/>
       </p:ext>
     </p:extLst>
   </p:cSld>
@@ -24297,7 +23760,7 @@
           <p:nvPr>
             <p:extLst>
               <p:ext uri="{386F3935-93C4-4BCD-93E2-E3B085C9AB24}">
-                <p16:designElem xmlns="" xmlns:p16="http://schemas.microsoft.com/office/powerpoint/2015/main" val="1"/>
+                <p16:designElem xmlns:p16="http://schemas.microsoft.com/office/powerpoint/2015/main" xmlns="" val="1"/>
               </p:ext>
             </p:extLst>
           </p:nvPr>
@@ -24351,7 +23814,7 @@
           <p:nvPr>
             <p:extLst>
               <p:ext uri="{386F3935-93C4-4BCD-93E2-E3B085C9AB24}">
-                <p16:designElem xmlns="" xmlns:p16="http://schemas.microsoft.com/office/powerpoint/2015/main" val="1"/>
+                <p16:designElem xmlns:p16="http://schemas.microsoft.com/office/powerpoint/2015/main" xmlns="" val="1"/>
               </p:ext>
             </p:extLst>
           </p:nvPr>
@@ -24450,7 +23913,7 @@
           <p:nvPr>
             <p:extLst>
               <p:ext uri="{386F3935-93C4-4BCD-93E2-E3B085C9AB24}">
-                <p16:designElem xmlns="" xmlns:p16="http://schemas.microsoft.com/office/powerpoint/2015/main" val="1"/>
+                <p16:designElem xmlns:p16="http://schemas.microsoft.com/office/powerpoint/2015/main" xmlns="" val="1"/>
               </p:ext>
             </p:extLst>
           </p:nvPr>
@@ -24623,7 +24086,7 @@
     </p:spTree>
     <p:extLst>
       <p:ext uri="{BB962C8B-B14F-4D97-AF65-F5344CB8AC3E}">
-        <p14:creationId xmlns="" xmlns:p14="http://schemas.microsoft.com/office/powerpoint/2010/main" val="2405218555"/>
+        <p14:creationId xmlns:p14="http://schemas.microsoft.com/office/powerpoint/2010/main" xmlns="" val="2405218555"/>
       </p:ext>
     </p:extLst>
   </p:cSld>
@@ -24659,7 +24122,7 @@
           <p:nvPr>
             <p:extLst>
               <p:ext uri="{386F3935-93C4-4BCD-93E2-E3B085C9AB24}">
-                <p16:designElem xmlns="" xmlns:p16="http://schemas.microsoft.com/office/powerpoint/2015/main" val="1"/>
+                <p16:designElem xmlns:p16="http://schemas.microsoft.com/office/powerpoint/2015/main" xmlns="" val="1"/>
               </p:ext>
             </p:extLst>
           </p:nvPr>
@@ -24713,7 +24176,7 @@
           <p:nvPr>
             <p:extLst>
               <p:ext uri="{386F3935-93C4-4BCD-93E2-E3B085C9AB24}">
-                <p16:designElem xmlns="" xmlns:p16="http://schemas.microsoft.com/office/powerpoint/2015/main" val="1"/>
+                <p16:designElem xmlns:p16="http://schemas.microsoft.com/office/powerpoint/2015/main" xmlns="" val="1"/>
               </p:ext>
             </p:extLst>
           </p:nvPr>
@@ -24812,7 +24275,7 @@
           <p:nvPr>
             <p:extLst>
               <p:ext uri="{386F3935-93C4-4BCD-93E2-E3B085C9AB24}">
-                <p16:designElem xmlns="" xmlns:p16="http://schemas.microsoft.com/office/powerpoint/2015/main" val="1"/>
+                <p16:designElem xmlns:p16="http://schemas.microsoft.com/office/powerpoint/2015/main" xmlns="" val="1"/>
               </p:ext>
             </p:extLst>
           </p:nvPr>
@@ -25035,7 +24498,7 @@
     </p:spTree>
     <p:extLst>
       <p:ext uri="{BB962C8B-B14F-4D97-AF65-F5344CB8AC3E}">
-        <p14:creationId xmlns="" xmlns:p14="http://schemas.microsoft.com/office/powerpoint/2010/main" val="162548143"/>
+        <p14:creationId xmlns:p14="http://schemas.microsoft.com/office/powerpoint/2010/main" xmlns="" val="162548143"/>
       </p:ext>
     </p:extLst>
   </p:cSld>
@@ -25071,7 +24534,7 @@
           <p:nvPr>
             <p:extLst>
               <p:ext uri="{386F3935-93C4-4BCD-93E2-E3B085C9AB24}">
-                <p16:designElem xmlns="" xmlns:p16="http://schemas.microsoft.com/office/powerpoint/2015/main" val="1"/>
+                <p16:designElem xmlns:p16="http://schemas.microsoft.com/office/powerpoint/2015/main" xmlns="" val="1"/>
               </p:ext>
             </p:extLst>
           </p:nvPr>
@@ -25125,7 +24588,7 @@
           <p:nvPr>
             <p:extLst>
               <p:ext uri="{386F3935-93C4-4BCD-93E2-E3B085C9AB24}">
-                <p16:designElem xmlns="" xmlns:p16="http://schemas.microsoft.com/office/powerpoint/2015/main" val="1"/>
+                <p16:designElem xmlns:p16="http://schemas.microsoft.com/office/powerpoint/2015/main" xmlns="" val="1"/>
               </p:ext>
             </p:extLst>
           </p:nvPr>
@@ -25224,7 +24687,7 @@
           <p:nvPr>
             <p:extLst>
               <p:ext uri="{386F3935-93C4-4BCD-93E2-E3B085C9AB24}">
-                <p16:designElem xmlns="" xmlns:p16="http://schemas.microsoft.com/office/powerpoint/2015/main" val="1"/>
+                <p16:designElem xmlns:p16="http://schemas.microsoft.com/office/powerpoint/2015/main" xmlns="" val="1"/>
               </p:ext>
             </p:extLst>
           </p:nvPr>
@@ -25388,23 +24851,14 @@
             <a:pPr lvl="1"/>
             <a:r>
               <a:rPr lang="es-ES" sz="2800" dirty="0" smtClean="0"/>
-              <a:t>Predicción </a:t>
-            </a:r>
+              <a:t>Predicción y clasificación</a:t>
+            </a:r>
+          </a:p>
+          <a:p>
+            <a:pPr lvl="1"/>
             <a:r>
               <a:rPr lang="es-ES" sz="2800" dirty="0" smtClean="0"/>
-              <a:t>y clasificación</a:t>
-            </a:r>
-            <a:endParaRPr lang="es-ES" sz="2800" dirty="0" smtClean="0"/>
-          </a:p>
-          <a:p>
-            <a:pPr lvl="1"/>
-            <a:r>
-              <a:rPr lang="es-ES" sz="2800" dirty="0" smtClean="0"/>
-              <a:t>España: </a:t>
-            </a:r>
-            <a:r>
-              <a:rPr lang="es-ES" sz="2800" dirty="0" smtClean="0"/>
-              <a:t>predicción de paro, de precios, demanda de turismo.</a:t>
+              <a:t>España: predicción de paro, de precios, demanda de turismo.</a:t>
             </a:r>
             <a:endParaRPr lang="es-ES" sz="2800" dirty="0"/>
           </a:p>
@@ -25428,7 +24882,7 @@
     </p:spTree>
     <p:extLst>
       <p:ext uri="{BB962C8B-B14F-4D97-AF65-F5344CB8AC3E}">
-        <p14:creationId xmlns="" xmlns:p14="http://schemas.microsoft.com/office/powerpoint/2010/main" val="2405218555"/>
+        <p14:creationId xmlns:p14="http://schemas.microsoft.com/office/powerpoint/2010/main" xmlns="" val="2405218555"/>
       </p:ext>
     </p:extLst>
   </p:cSld>
@@ -25464,7 +24918,7 @@
           <p:nvPr>
             <p:extLst>
               <p:ext uri="{386F3935-93C4-4BCD-93E2-E3B085C9AB24}">
-                <p16:designElem xmlns="" xmlns:p16="http://schemas.microsoft.com/office/powerpoint/2015/main" val="1"/>
+                <p16:designElem xmlns:p16="http://schemas.microsoft.com/office/powerpoint/2015/main" xmlns="" val="1"/>
               </p:ext>
             </p:extLst>
           </p:nvPr>
@@ -25518,7 +24972,7 @@
           <p:nvPr>
             <p:extLst>
               <p:ext uri="{386F3935-93C4-4BCD-93E2-E3B085C9AB24}">
-                <p16:designElem xmlns="" xmlns:p16="http://schemas.microsoft.com/office/powerpoint/2015/main" val="1"/>
+                <p16:designElem xmlns:p16="http://schemas.microsoft.com/office/powerpoint/2015/main" xmlns="" val="1"/>
               </p:ext>
             </p:extLst>
           </p:nvPr>
@@ -25617,7 +25071,7 @@
           <p:nvPr>
             <p:extLst>
               <p:ext uri="{386F3935-93C4-4BCD-93E2-E3B085C9AB24}">
-                <p16:designElem xmlns="" xmlns:p16="http://schemas.microsoft.com/office/powerpoint/2015/main" val="1"/>
+                <p16:designElem xmlns:p16="http://schemas.microsoft.com/office/powerpoint/2015/main" xmlns="" val="1"/>
               </p:ext>
             </p:extLst>
           </p:nvPr>
@@ -25782,11 +25236,7 @@
             </a:r>
             <a:r>
               <a:rPr lang="es-ES" sz="2800" dirty="0" smtClean="0"/>
-              <a:t>beneficios</a:t>
-            </a:r>
-            <a:r>
-              <a:rPr lang="es-ES" sz="2800" dirty="0" smtClean="0"/>
-              <a:t> </a:t>
+              <a:t>beneficios </a:t>
             </a:r>
             <a:r>
               <a:rPr lang="es-ES" sz="2800" dirty="0"/>
@@ -25823,7 +25273,7 @@
     </p:spTree>
     <p:extLst>
       <p:ext uri="{BB962C8B-B14F-4D97-AF65-F5344CB8AC3E}">
-        <p14:creationId xmlns="" xmlns:p14="http://schemas.microsoft.com/office/powerpoint/2010/main" val="2405218555"/>
+        <p14:creationId xmlns:p14="http://schemas.microsoft.com/office/powerpoint/2010/main" xmlns="" val="2405218555"/>
       </p:ext>
     </p:extLst>
   </p:cSld>
@@ -25859,7 +25309,7 @@
           <p:nvPr>
             <p:extLst>
               <p:ext uri="{386F3935-93C4-4BCD-93E2-E3B085C9AB24}">
-                <p16:designElem xmlns="" xmlns:p16="http://schemas.microsoft.com/office/powerpoint/2015/main" val="1"/>
+                <p16:designElem xmlns:p16="http://schemas.microsoft.com/office/powerpoint/2015/main" xmlns="" val="1"/>
               </p:ext>
             </p:extLst>
           </p:nvPr>
@@ -25913,7 +25363,7 @@
           <p:nvPr>
             <p:extLst>
               <p:ext uri="{386F3935-93C4-4BCD-93E2-E3B085C9AB24}">
-                <p16:designElem xmlns="" xmlns:p16="http://schemas.microsoft.com/office/powerpoint/2015/main" val="1"/>
+                <p16:designElem xmlns:p16="http://schemas.microsoft.com/office/powerpoint/2015/main" xmlns="" val="1"/>
               </p:ext>
             </p:extLst>
           </p:nvPr>
@@ -26012,7 +25462,7 @@
           <p:nvPr>
             <p:extLst>
               <p:ext uri="{386F3935-93C4-4BCD-93E2-E3B085C9AB24}">
-                <p16:designElem xmlns="" xmlns:p16="http://schemas.microsoft.com/office/powerpoint/2015/main" val="1"/>
+                <p16:designElem xmlns:p16="http://schemas.microsoft.com/office/powerpoint/2015/main" xmlns="" val="1"/>
               </p:ext>
             </p:extLst>
           </p:nvPr>
@@ -26202,12 +25652,8 @@
               <a:t>Universidad de </a:t>
             </a:r>
             <a:r>
-              <a:rPr lang="es-ES" sz="3200" dirty="0" err="1" smtClean="0"/>
+              <a:rPr lang="es-ES" sz="3200" smtClean="0"/>
               <a:t>Kampur</a:t>
-            </a:r>
-            <a:r>
-              <a:rPr lang="es-ES" sz="3200" dirty="0" smtClean="0"/>
-              <a:t>:</a:t>
             </a:r>
             <a:endParaRPr lang="es-ES" sz="3200" dirty="0"/>
           </a:p>
@@ -26216,7 +25662,7 @@
     </p:spTree>
     <p:extLst>
       <p:ext uri="{BB962C8B-B14F-4D97-AF65-F5344CB8AC3E}">
-        <p14:creationId xmlns="" xmlns:p14="http://schemas.microsoft.com/office/powerpoint/2010/main" val="2405218555"/>
+        <p14:creationId xmlns:p14="http://schemas.microsoft.com/office/powerpoint/2010/main" xmlns="" val="2405218555"/>
       </p:ext>
     </p:extLst>
   </p:cSld>
@@ -26252,7 +25698,7 @@
           <p:nvPr>
             <p:extLst>
               <p:ext uri="{386F3935-93C4-4BCD-93E2-E3B085C9AB24}">
-                <p16:designElem xmlns="" xmlns:p16="http://schemas.microsoft.com/office/powerpoint/2015/main" val="1"/>
+                <p16:designElem xmlns:p16="http://schemas.microsoft.com/office/powerpoint/2015/main" xmlns="" val="1"/>
               </p:ext>
             </p:extLst>
           </p:nvPr>
@@ -26306,7 +25752,7 @@
           <p:nvPr>
             <p:extLst>
               <p:ext uri="{386F3935-93C4-4BCD-93E2-E3B085C9AB24}">
-                <p16:designElem xmlns="" xmlns:p16="http://schemas.microsoft.com/office/powerpoint/2015/main" val="1"/>
+                <p16:designElem xmlns:p16="http://schemas.microsoft.com/office/powerpoint/2015/main" xmlns="" val="1"/>
               </p:ext>
             </p:extLst>
           </p:nvPr>
@@ -26405,7 +25851,7 @@
           <p:nvPr>
             <p:extLst>
               <p:ext uri="{386F3935-93C4-4BCD-93E2-E3B085C9AB24}">
-                <p16:designElem xmlns="" xmlns:p16="http://schemas.microsoft.com/office/powerpoint/2015/main" val="1"/>
+                <p16:designElem xmlns:p16="http://schemas.microsoft.com/office/powerpoint/2015/main" xmlns="" val="1"/>
               </p:ext>
             </p:extLst>
           </p:nvPr>
@@ -26815,7 +26261,7 @@
           <a:blip r:embed="rId2" cstate="print">
             <a:extLst>
               <a:ext uri="{28A0092B-C50C-407E-A947-70E740481C1C}">
-                <a14:useLocalDpi xmlns="" xmlns:a14="http://schemas.microsoft.com/office/drawing/2010/main" val="0"/>
+                <a14:useLocalDpi xmlns:a14="http://schemas.microsoft.com/office/drawing/2010/main" xmlns="" val="0"/>
               </a:ext>
             </a:extLst>
           </a:blip>
@@ -26836,7 +26282,7 @@
     </p:spTree>
     <p:extLst>
       <p:ext uri="{BB962C8B-B14F-4D97-AF65-F5344CB8AC3E}">
-        <p14:creationId xmlns="" xmlns:p14="http://schemas.microsoft.com/office/powerpoint/2010/main" val="84572358"/>
+        <p14:creationId xmlns:p14="http://schemas.microsoft.com/office/powerpoint/2010/main" xmlns="" val="84572358"/>
       </p:ext>
     </p:extLst>
   </p:cSld>
@@ -26872,7 +26318,7 @@
           <p:nvPr>
             <p:extLst>
               <p:ext uri="{386F3935-93C4-4BCD-93E2-E3B085C9AB24}">
-                <p16:designElem xmlns="" xmlns:p16="http://schemas.microsoft.com/office/powerpoint/2015/main" val="1"/>
+                <p16:designElem xmlns:p16="http://schemas.microsoft.com/office/powerpoint/2015/main" xmlns="" val="1"/>
               </p:ext>
             </p:extLst>
           </p:nvPr>
@@ -26926,7 +26372,7 @@
           <p:nvPr>
             <p:extLst>
               <p:ext uri="{386F3935-93C4-4BCD-93E2-E3B085C9AB24}">
-                <p16:designElem xmlns="" xmlns:p16="http://schemas.microsoft.com/office/powerpoint/2015/main" val="1"/>
+                <p16:designElem xmlns:p16="http://schemas.microsoft.com/office/powerpoint/2015/main" xmlns="" val="1"/>
               </p:ext>
             </p:extLst>
           </p:nvPr>
@@ -27025,7 +26471,7 @@
           <p:nvPr>
             <p:extLst>
               <p:ext uri="{386F3935-93C4-4BCD-93E2-E3B085C9AB24}">
-                <p16:designElem xmlns="" xmlns:p16="http://schemas.microsoft.com/office/powerpoint/2015/main" val="1"/>
+                <p16:designElem xmlns:p16="http://schemas.microsoft.com/office/powerpoint/2015/main" xmlns="" val="1"/>
               </p:ext>
             </p:extLst>
           </p:nvPr>
@@ -27334,7 +26780,7 @@
     </p:spTree>
     <p:extLst>
       <p:ext uri="{BB962C8B-B14F-4D97-AF65-F5344CB8AC3E}">
-        <p14:creationId xmlns="" xmlns:p14="http://schemas.microsoft.com/office/powerpoint/2010/main" val="3539477728"/>
+        <p14:creationId xmlns:p14="http://schemas.microsoft.com/office/powerpoint/2010/main" xmlns="" val="3539477728"/>
       </p:ext>
     </p:extLst>
   </p:cSld>
@@ -27370,7 +26816,7 @@
           <p:nvPr>
             <p:extLst>
               <p:ext uri="{386F3935-93C4-4BCD-93E2-E3B085C9AB24}">
-                <p16:designElem xmlns="" xmlns:p16="http://schemas.microsoft.com/office/powerpoint/2015/main" val="1"/>
+                <p16:designElem xmlns:p16="http://schemas.microsoft.com/office/powerpoint/2015/main" xmlns="" val="1"/>
               </p:ext>
             </p:extLst>
           </p:nvPr>
@@ -27434,7 +26880,7 @@
           <a:blip r:embed="rId2" cstate="print">
             <a:extLst>
               <a:ext uri="{28A0092B-C50C-407E-A947-70E740481C1C}">
-                <a14:useLocalDpi xmlns="" xmlns:a14="http://schemas.microsoft.com/office/drawing/2010/main" val="0"/>
+                <a14:useLocalDpi xmlns:a14="http://schemas.microsoft.com/office/drawing/2010/main" xmlns="" val="0"/>
               </a:ext>
             </a:extLst>
           </a:blip>
@@ -27639,7 +27085,7 @@
     </p:spTree>
     <p:extLst>
       <p:ext uri="{BB962C8B-B14F-4D97-AF65-F5344CB8AC3E}">
-        <p14:creationId xmlns="" xmlns:p14="http://schemas.microsoft.com/office/powerpoint/2010/main" val="3839184132"/>
+        <p14:creationId xmlns:p14="http://schemas.microsoft.com/office/powerpoint/2010/main" xmlns="" val="3839184132"/>
       </p:ext>
     </p:extLst>
   </p:cSld>
@@ -27938,7 +27384,7 @@
   <a:extraClrSchemeLst/>
   <a:extLst>
     <a:ext uri="{05A4C25C-085E-4340-85A3-A5531E510DB2}">
-      <thm15:themeFamily xmlns="" xmlns:thm15="http://schemas.microsoft.com/office/thememl/2012/main" name="Office Theme" id="{62F939B6-93AF-4DB8-9C6B-D6C7DFDC589F}" vid="{4A3C46E8-61CC-4603-A589-7422A47A8E4A}"/>
+      <thm15:themeFamily xmlns:thm15="http://schemas.microsoft.com/office/thememl/2012/main" xmlns="" name="Office Theme" id="{62F939B6-93AF-4DB8-9C6B-D6C7DFDC589F}" vid="{4A3C46E8-61CC-4603-A589-7422A47A8E4A}"/>
     </a:ext>
   </a:extLst>
 </a:theme>
